--- a/MYSQL.pptx
+++ b/MYSQL.pptx
@@ -9,6 +9,20 @@
     <p:sldId id="257" r:id="rId3"/>
     <p:sldId id="258" r:id="rId4"/>
     <p:sldId id="259" r:id="rId5"/>
+    <p:sldId id="260" r:id="rId6"/>
+    <p:sldId id="261" r:id="rId7"/>
+    <p:sldId id="262" r:id="rId8"/>
+    <p:sldId id="263" r:id="rId9"/>
+    <p:sldId id="264" r:id="rId10"/>
+    <p:sldId id="265" r:id="rId11"/>
+    <p:sldId id="266" r:id="rId12"/>
+    <p:sldId id="267" r:id="rId13"/>
+    <p:sldId id="268" r:id="rId14"/>
+    <p:sldId id="269" r:id="rId15"/>
+    <p:sldId id="270" r:id="rId16"/>
+    <p:sldId id="271" r:id="rId17"/>
+    <p:sldId id="272" r:id="rId18"/>
+    <p:sldId id="273" r:id="rId19"/>
   </p:sldIdLst>
   <p:sldSz cx="9144000" cy="6858000" type="screen4x3"/>
   <p:notesSz cx="6858000" cy="9144000"/>
@@ -3779,6 +3793,5133 @@
 </p:sld>
 </file>
 
+<file path=ppt/slides/slide10.xml><?xml version="1.0" encoding="utf-8"?>
+<p:sld xmlns:a="http://schemas.openxmlformats.org/drawingml/2006/main" xmlns:r="http://schemas.openxmlformats.org/officeDocument/2006/relationships" xmlns:p="http://schemas.openxmlformats.org/presentationml/2006/main">
+  <p:cSld>
+    <p:spTree>
+      <p:nvGrpSpPr>
+        <p:cNvPr id="1" name=""/>
+        <p:cNvGrpSpPr/>
+        <p:nvPr/>
+      </p:nvGrpSpPr>
+      <p:grpSpPr>
+        <a:xfrm>
+          <a:off x="0" y="0"/>
+          <a:ext cx="0" cy="0"/>
+          <a:chOff x="0" y="0"/>
+          <a:chExt cx="0" cy="0"/>
+        </a:xfrm>
+      </p:grpSpPr>
+      <p:sp>
+        <p:nvSpPr>
+          <p:cNvPr id="5" name="TextBox 4"/>
+          <p:cNvSpPr txBox="1"/>
+          <p:nvPr/>
+        </p:nvSpPr>
+        <p:spPr>
+          <a:xfrm>
+            <a:off x="251520" y="260648"/>
+            <a:ext cx="5976664" cy="400110"/>
+          </a:xfrm>
+          <a:prstGeom prst="rect">
+            <a:avLst/>
+          </a:prstGeom>
+          <a:noFill/>
+        </p:spPr>
+        <p:txBody>
+          <a:bodyPr wrap="square" rtlCol="0">
+            <a:spAutoFit/>
+          </a:bodyPr>
+          <a:lstStyle/>
+          <a:p>
+            <a:r>
+              <a:rPr lang="en-US" altLang="ko-KR" sz="2000" b="1" dirty="0" smtClean="0"/>
+              <a:t>MYSQL</a:t>
+            </a:r>
+            <a:r>
+              <a:rPr lang="ko-KR" altLang="en-US" sz="2000" b="1" dirty="0" smtClean="0"/>
+              <a:t> </a:t>
+            </a:r>
+            <a:r>
+              <a:rPr lang="en-US" altLang="ko-KR" sz="2000" b="1" dirty="0" smtClean="0"/>
+              <a:t>1</a:t>
+            </a:r>
+            <a:r>
+              <a:rPr lang="ko-KR" altLang="en-US" sz="2000" b="1" dirty="0" smtClean="0"/>
+              <a:t>일차</a:t>
+            </a:r>
+            <a:r>
+              <a:rPr lang="en-US" altLang="ko-KR" sz="2000" b="1" dirty="0" smtClean="0"/>
+              <a:t>(Select </a:t>
+            </a:r>
+            <a:r>
+              <a:rPr lang="ko-KR" altLang="en-US" sz="2000" b="1" dirty="0" smtClean="0"/>
+              <a:t>구조</a:t>
+            </a:r>
+            <a:r>
+              <a:rPr lang="en-US" altLang="ko-KR" sz="2000" b="1" dirty="0" smtClean="0"/>
+              <a:t>)</a:t>
+            </a:r>
+            <a:endParaRPr lang="ko-KR" altLang="en-US" sz="2000" b="1" dirty="0"/>
+          </a:p>
+        </p:txBody>
+      </p:sp>
+      <p:sp>
+        <p:nvSpPr>
+          <p:cNvPr id="7" name="직사각형 6"/>
+          <p:cNvSpPr/>
+          <p:nvPr/>
+        </p:nvSpPr>
+        <p:spPr>
+          <a:xfrm>
+            <a:off x="467544" y="1124744"/>
+            <a:ext cx="5684505" cy="1477328"/>
+          </a:xfrm>
+          <a:prstGeom prst="rect">
+            <a:avLst/>
+          </a:prstGeom>
+          <a:ln>
+            <a:solidFill>
+              <a:schemeClr val="accent1"/>
+            </a:solidFill>
+          </a:ln>
+        </p:spPr>
+        <p:txBody>
+          <a:bodyPr wrap="none">
+            <a:spAutoFit/>
+          </a:bodyPr>
+          <a:lstStyle/>
+          <a:p>
+            <a:r>
+              <a:rPr lang="en-US" altLang="ko-KR" dirty="0" smtClean="0"/>
+              <a:t>select   </a:t>
+            </a:r>
+            <a:r>
+              <a:rPr lang="en-US" altLang="ko-KR" b="1" dirty="0" smtClean="0">
+                <a:solidFill>
+                  <a:srgbClr val="FF0000"/>
+                </a:solidFill>
+              </a:rPr>
+              <a:t>[</a:t>
+            </a:r>
+            <a:r>
+              <a:rPr lang="ko-KR" altLang="en-US" b="1" dirty="0" smtClean="0">
+                <a:solidFill>
+                  <a:srgbClr val="FF0000"/>
+                </a:solidFill>
+              </a:rPr>
+              <a:t>출력할 결과물</a:t>
+            </a:r>
+            <a:r>
+              <a:rPr lang="en-US" altLang="ko-KR" b="1" dirty="0" smtClean="0">
+                <a:solidFill>
+                  <a:srgbClr val="FF0000"/>
+                </a:solidFill>
+              </a:rPr>
+              <a:t>…(</a:t>
+            </a:r>
+            <a:r>
+              <a:rPr lang="ko-KR" altLang="en-US" b="1" dirty="0" err="1" smtClean="0">
+                <a:solidFill>
+                  <a:srgbClr val="FF0000"/>
+                </a:solidFill>
+              </a:rPr>
+              <a:t>컬럼의</a:t>
+            </a:r>
+            <a:r>
+              <a:rPr lang="ko-KR" altLang="en-US" b="1" dirty="0" smtClean="0">
+                <a:solidFill>
+                  <a:srgbClr val="FF0000"/>
+                </a:solidFill>
+              </a:rPr>
+              <a:t> 이름</a:t>
+            </a:r>
+            <a:r>
+              <a:rPr lang="en-US" altLang="ko-KR" b="1" dirty="0" smtClean="0">
+                <a:solidFill>
+                  <a:srgbClr val="FF0000"/>
+                </a:solidFill>
+              </a:rPr>
+              <a:t>)]</a:t>
+            </a:r>
+          </a:p>
+          <a:p>
+            <a:endParaRPr lang="en-US" altLang="ko-KR" dirty="0" smtClean="0"/>
+          </a:p>
+          <a:p>
+            <a:r>
+              <a:rPr lang="en-US" altLang="ko-KR" dirty="0" smtClean="0"/>
+              <a:t>From    </a:t>
+            </a:r>
+            <a:r>
+              <a:rPr lang="en-US" altLang="ko-KR" b="1" dirty="0" smtClean="0">
+                <a:solidFill>
+                  <a:schemeClr val="accent6">
+                    <a:lumMod val="50000"/>
+                  </a:schemeClr>
+                </a:solidFill>
+              </a:rPr>
+              <a:t>[</a:t>
+            </a:r>
+            <a:r>
+              <a:rPr lang="ko-KR" altLang="en-US" b="1" dirty="0" smtClean="0">
+                <a:solidFill>
+                  <a:schemeClr val="accent6">
+                    <a:lumMod val="50000"/>
+                  </a:schemeClr>
+                </a:solidFill>
+              </a:rPr>
+              <a:t>대상 </a:t>
+            </a:r>
+            <a:r>
+              <a:rPr lang="ko-KR" altLang="en-US" b="1" dirty="0" err="1" smtClean="0">
+                <a:solidFill>
+                  <a:schemeClr val="accent6">
+                    <a:lumMod val="50000"/>
+                  </a:schemeClr>
+                </a:solidFill>
+              </a:rPr>
+              <a:t>테이블명</a:t>
+            </a:r>
+            <a:r>
+              <a:rPr lang="en-US" altLang="ko-KR" b="1" dirty="0" smtClean="0">
+                <a:solidFill>
+                  <a:schemeClr val="accent6">
+                    <a:lumMod val="50000"/>
+                  </a:schemeClr>
+                </a:solidFill>
+              </a:rPr>
+              <a:t>]</a:t>
+            </a:r>
+          </a:p>
+          <a:p>
+            <a:endParaRPr lang="en-US" altLang="ko-KR" b="1" dirty="0" smtClean="0">
+              <a:solidFill>
+                <a:schemeClr val="accent6">
+                  <a:lumMod val="50000"/>
+                </a:schemeClr>
+              </a:solidFill>
+            </a:endParaRPr>
+          </a:p>
+          <a:p>
+            <a:r>
+              <a:rPr lang="en-US" altLang="ko-KR" dirty="0" smtClean="0"/>
+              <a:t>Where   [</a:t>
+            </a:r>
+            <a:r>
+              <a:rPr lang="ko-KR" altLang="en-US" dirty="0" err="1" smtClean="0"/>
+              <a:t>조건절</a:t>
+            </a:r>
+            <a:r>
+              <a:rPr lang="en-US" altLang="ko-KR" dirty="0" smtClean="0"/>
+              <a:t>, </a:t>
+            </a:r>
+            <a:r>
+              <a:rPr lang="ko-KR" altLang="en-US" dirty="0" err="1" smtClean="0"/>
+              <a:t>필터링</a:t>
+            </a:r>
+            <a:r>
+              <a:rPr lang="en-US" altLang="ko-KR" dirty="0" smtClean="0"/>
+              <a:t>, </a:t>
+            </a:r>
+            <a:r>
+              <a:rPr lang="ko-KR" altLang="en-US" dirty="0" smtClean="0"/>
+              <a:t>원하는 </a:t>
+            </a:r>
+            <a:r>
+              <a:rPr lang="ko-KR" altLang="en-US" dirty="0" err="1" smtClean="0"/>
+              <a:t>로우</a:t>
+            </a:r>
+            <a:r>
+              <a:rPr lang="ko-KR" altLang="en-US" dirty="0" smtClean="0"/>
+              <a:t> 데이터만 요청</a:t>
+            </a:r>
+            <a:r>
+              <a:rPr lang="en-US" altLang="ko-KR" dirty="0" smtClean="0"/>
+              <a:t>]</a:t>
+            </a:r>
+            <a:endParaRPr lang="ko-KR" altLang="en-US" dirty="0"/>
+          </a:p>
+        </p:txBody>
+      </p:sp>
+      <p:sp>
+        <p:nvSpPr>
+          <p:cNvPr id="16" name="직사각형 15"/>
+          <p:cNvSpPr/>
+          <p:nvPr/>
+        </p:nvSpPr>
+        <p:spPr>
+          <a:xfrm>
+            <a:off x="4499992" y="260648"/>
+            <a:ext cx="2417650" cy="369332"/>
+          </a:xfrm>
+          <a:prstGeom prst="rect">
+            <a:avLst/>
+          </a:prstGeom>
+        </p:spPr>
+        <p:txBody>
+          <a:bodyPr wrap="none">
+            <a:spAutoFit/>
+          </a:bodyPr>
+          <a:lstStyle/>
+          <a:p>
+            <a:r>
+              <a:rPr lang="en-US" altLang="ko-KR" dirty="0" smtClean="0"/>
+              <a:t>(dept, </a:t>
+            </a:r>
+            <a:r>
+              <a:rPr lang="en-US" altLang="ko-KR" dirty="0" err="1" smtClean="0"/>
+              <a:t>emp</a:t>
+            </a:r>
+            <a:r>
+              <a:rPr lang="en-US" altLang="ko-KR" dirty="0" smtClean="0"/>
+              <a:t>, </a:t>
+            </a:r>
+            <a:r>
+              <a:rPr lang="en-US" altLang="ko-KR" dirty="0" err="1" smtClean="0"/>
+              <a:t>salgrade</a:t>
+            </a:r>
+            <a:r>
+              <a:rPr lang="en-US" altLang="ko-KR" dirty="0" smtClean="0"/>
+              <a:t>)</a:t>
+            </a:r>
+            <a:endParaRPr lang="ko-KR" altLang="en-US" dirty="0"/>
+          </a:p>
+        </p:txBody>
+      </p:sp>
+      <p:sp>
+        <p:nvSpPr>
+          <p:cNvPr id="6" name="직사각형 5"/>
+          <p:cNvSpPr/>
+          <p:nvPr/>
+        </p:nvSpPr>
+        <p:spPr>
+          <a:xfrm>
+            <a:off x="755576" y="2924944"/>
+            <a:ext cx="7653057" cy="2308324"/>
+          </a:xfrm>
+          <a:prstGeom prst="rect">
+            <a:avLst/>
+          </a:prstGeom>
+        </p:spPr>
+        <p:txBody>
+          <a:bodyPr wrap="none">
+            <a:spAutoFit/>
+          </a:bodyPr>
+          <a:lstStyle/>
+          <a:p>
+            <a:pPr marL="342900" indent="-342900">
+              <a:buAutoNum type="arabicPeriod"/>
+            </a:pPr>
+            <a:r>
+              <a:rPr lang="en-US" altLang="ko-KR" dirty="0" err="1" smtClean="0"/>
+              <a:t>Emp</a:t>
+            </a:r>
+            <a:r>
+              <a:rPr lang="ko-KR" altLang="en-US" dirty="0" smtClean="0"/>
+              <a:t>테이블에서  이름이 </a:t>
+            </a:r>
+            <a:r>
+              <a:rPr lang="en-US" altLang="ko-KR" dirty="0" smtClean="0"/>
+              <a:t>S</a:t>
+            </a:r>
+            <a:r>
+              <a:rPr lang="ko-KR" altLang="en-US" dirty="0" smtClean="0"/>
+              <a:t>로 시작되는 직원들의 </a:t>
+            </a:r>
+            <a:r>
+              <a:rPr lang="en-US" altLang="ko-KR" dirty="0" err="1" smtClean="0"/>
+              <a:t>ename</a:t>
+            </a:r>
+            <a:r>
+              <a:rPr lang="ko-KR" altLang="en-US" dirty="0" smtClean="0"/>
+              <a:t>과 </a:t>
+            </a:r>
+            <a:r>
+              <a:rPr lang="en-US" altLang="ko-KR" dirty="0" smtClean="0"/>
+              <a:t>job</a:t>
+            </a:r>
+            <a:r>
+              <a:rPr lang="ko-KR" altLang="en-US" dirty="0" smtClean="0"/>
+              <a:t>을 출력</a:t>
+            </a:r>
+            <a:endParaRPr lang="en-US" altLang="ko-KR" dirty="0" smtClean="0"/>
+          </a:p>
+          <a:p>
+            <a:pPr marL="342900" indent="-342900"/>
+            <a:r>
+              <a:rPr lang="en-US" altLang="ko-KR" dirty="0" smtClean="0"/>
+              <a:t>    Select </a:t>
+            </a:r>
+            <a:r>
+              <a:rPr lang="en-US" altLang="ko-KR" dirty="0" err="1" smtClean="0"/>
+              <a:t>ename,job</a:t>
+            </a:r>
+            <a:r>
+              <a:rPr lang="en-US" altLang="ko-KR" dirty="0" smtClean="0"/>
+              <a:t> from </a:t>
+            </a:r>
+            <a:r>
+              <a:rPr lang="en-US" altLang="ko-KR" dirty="0" err="1" smtClean="0"/>
+              <a:t>emp</a:t>
+            </a:r>
+            <a:r>
+              <a:rPr lang="en-US" altLang="ko-KR" dirty="0" smtClean="0"/>
+              <a:t> where </a:t>
+            </a:r>
+            <a:r>
+              <a:rPr lang="en-US" altLang="ko-KR" dirty="0" err="1" smtClean="0"/>
+              <a:t>ename</a:t>
+            </a:r>
+            <a:r>
+              <a:rPr lang="en-US" altLang="ko-KR" dirty="0" smtClean="0"/>
+              <a:t> </a:t>
+            </a:r>
+            <a:r>
+              <a:rPr lang="en-US" altLang="ko-KR" b="1" dirty="0" smtClean="0"/>
+              <a:t>like "s%";</a:t>
+            </a:r>
+          </a:p>
+          <a:p>
+            <a:pPr marL="342900" indent="-342900"/>
+            <a:endParaRPr lang="en-US" altLang="ko-KR" dirty="0" smtClean="0"/>
+          </a:p>
+          <a:p>
+            <a:pPr marL="342900" indent="-342900">
+              <a:buAutoNum type="arabicPeriod"/>
+            </a:pPr>
+            <a:endParaRPr lang="en-US" altLang="ko-KR" dirty="0" smtClean="0"/>
+          </a:p>
+          <a:p>
+            <a:pPr marL="342900" indent="-342900"/>
+            <a:r>
+              <a:rPr lang="en-US" altLang="ko-KR" dirty="0" smtClean="0"/>
+              <a:t>2. </a:t>
+            </a:r>
+            <a:r>
+              <a:rPr lang="en-US" altLang="ko-KR" dirty="0" err="1" smtClean="0"/>
+              <a:t>Emp</a:t>
+            </a:r>
+            <a:r>
+              <a:rPr lang="ko-KR" altLang="en-US" dirty="0" smtClean="0"/>
+              <a:t>테이블에서 이름의 </a:t>
+            </a:r>
+            <a:r>
+              <a:rPr lang="ko-KR" altLang="en-US" dirty="0" err="1" smtClean="0"/>
+              <a:t>두번째</a:t>
+            </a:r>
+            <a:r>
+              <a:rPr lang="ko-KR" altLang="en-US" dirty="0" smtClean="0"/>
+              <a:t> 문자가 </a:t>
+            </a:r>
+            <a:r>
+              <a:rPr lang="en-US" altLang="ko-KR" dirty="0" smtClean="0"/>
+              <a:t>L </a:t>
+            </a:r>
+            <a:r>
+              <a:rPr lang="ko-KR" altLang="en-US" dirty="0" smtClean="0"/>
+              <a:t>인 직원들의 이름과 </a:t>
+            </a:r>
+            <a:r>
+              <a:rPr lang="en-US" altLang="ko-KR" dirty="0" smtClean="0"/>
+              <a:t>job </a:t>
+            </a:r>
+            <a:r>
+              <a:rPr lang="ko-KR" altLang="en-US" dirty="0" smtClean="0"/>
+              <a:t>출력</a:t>
+            </a:r>
+            <a:endParaRPr lang="en-US" altLang="ko-KR" dirty="0" smtClean="0"/>
+          </a:p>
+          <a:p>
+            <a:pPr marL="342900" indent="-342900"/>
+            <a:r>
+              <a:rPr lang="en-US" altLang="ko-KR" dirty="0" smtClean="0"/>
+              <a:t>   select </a:t>
+            </a:r>
+            <a:r>
+              <a:rPr lang="en-US" altLang="ko-KR" dirty="0" err="1" smtClean="0"/>
+              <a:t>ename</a:t>
+            </a:r>
+            <a:r>
+              <a:rPr lang="en-US" altLang="ko-KR" dirty="0" smtClean="0"/>
+              <a:t>, job from </a:t>
+            </a:r>
+            <a:r>
+              <a:rPr lang="en-US" altLang="ko-KR" dirty="0" err="1" smtClean="0"/>
+              <a:t>emp</a:t>
+            </a:r>
+            <a:r>
+              <a:rPr lang="en-US" altLang="ko-KR" dirty="0" smtClean="0"/>
+              <a:t> where </a:t>
+            </a:r>
+            <a:r>
+              <a:rPr lang="en-US" altLang="ko-KR" dirty="0" err="1" smtClean="0"/>
+              <a:t>ename</a:t>
+            </a:r>
+            <a:r>
+              <a:rPr lang="en-US" altLang="ko-KR" dirty="0" smtClean="0"/>
+              <a:t> </a:t>
+            </a:r>
+            <a:r>
+              <a:rPr lang="en-US" altLang="ko-KR" b="1" dirty="0" smtClean="0">
+                <a:solidFill>
+                  <a:srgbClr val="FF0000"/>
+                </a:solidFill>
+              </a:rPr>
+              <a:t>like '_L%';</a:t>
+            </a:r>
+          </a:p>
+          <a:p>
+            <a:pPr marL="342900" indent="-342900"/>
+            <a:endParaRPr lang="en-US" altLang="ko-KR" dirty="0" smtClean="0"/>
+          </a:p>
+          <a:p>
+            <a:pPr marL="342900" indent="-342900"/>
+            <a:endParaRPr lang="en-US" altLang="ko-KR" dirty="0" smtClean="0"/>
+          </a:p>
+        </p:txBody>
+      </p:sp>
+    </p:spTree>
+  </p:cSld>
+  <p:clrMapOvr>
+    <a:masterClrMapping/>
+  </p:clrMapOvr>
+</p:sld>
+</file>
+
+<file path=ppt/slides/slide11.xml><?xml version="1.0" encoding="utf-8"?>
+<p:sld xmlns:a="http://schemas.openxmlformats.org/drawingml/2006/main" xmlns:r="http://schemas.openxmlformats.org/officeDocument/2006/relationships" xmlns:p="http://schemas.openxmlformats.org/presentationml/2006/main">
+  <p:cSld>
+    <p:spTree>
+      <p:nvGrpSpPr>
+        <p:cNvPr id="1" name=""/>
+        <p:cNvGrpSpPr/>
+        <p:nvPr/>
+      </p:nvGrpSpPr>
+      <p:grpSpPr>
+        <a:xfrm>
+          <a:off x="0" y="0"/>
+          <a:ext cx="0" cy="0"/>
+          <a:chOff x="0" y="0"/>
+          <a:chExt cx="0" cy="0"/>
+        </a:xfrm>
+      </p:grpSpPr>
+      <p:sp>
+        <p:nvSpPr>
+          <p:cNvPr id="5" name="TextBox 4"/>
+          <p:cNvSpPr txBox="1"/>
+          <p:nvPr/>
+        </p:nvSpPr>
+        <p:spPr>
+          <a:xfrm>
+            <a:off x="251520" y="260648"/>
+            <a:ext cx="5976664" cy="400110"/>
+          </a:xfrm>
+          <a:prstGeom prst="rect">
+            <a:avLst/>
+          </a:prstGeom>
+          <a:noFill/>
+        </p:spPr>
+        <p:txBody>
+          <a:bodyPr wrap="square" rtlCol="0">
+            <a:spAutoFit/>
+          </a:bodyPr>
+          <a:lstStyle/>
+          <a:p>
+            <a:r>
+              <a:rPr lang="en-US" altLang="ko-KR" sz="2000" b="1" dirty="0" smtClean="0"/>
+              <a:t>MYSQL</a:t>
+            </a:r>
+            <a:r>
+              <a:rPr lang="ko-KR" altLang="en-US" sz="2000" b="1" dirty="0" smtClean="0"/>
+              <a:t> </a:t>
+            </a:r>
+            <a:r>
+              <a:rPr lang="en-US" altLang="ko-KR" sz="2000" b="1" dirty="0" smtClean="0"/>
+              <a:t>1</a:t>
+            </a:r>
+            <a:r>
+              <a:rPr lang="ko-KR" altLang="en-US" sz="2000" b="1" dirty="0" smtClean="0"/>
+              <a:t>일차</a:t>
+            </a:r>
+            <a:r>
+              <a:rPr lang="en-US" altLang="ko-KR" sz="2000" b="1" dirty="0" smtClean="0"/>
+              <a:t>(Select </a:t>
+            </a:r>
+            <a:r>
+              <a:rPr lang="ko-KR" altLang="en-US" sz="2000" b="1" dirty="0" smtClean="0"/>
+              <a:t>구조</a:t>
+            </a:r>
+            <a:r>
+              <a:rPr lang="en-US" altLang="ko-KR" sz="2000" b="1" dirty="0" smtClean="0"/>
+              <a:t>)</a:t>
+            </a:r>
+            <a:endParaRPr lang="ko-KR" altLang="en-US" sz="2000" b="1" dirty="0"/>
+          </a:p>
+        </p:txBody>
+      </p:sp>
+      <p:sp>
+        <p:nvSpPr>
+          <p:cNvPr id="7" name="직사각형 6"/>
+          <p:cNvSpPr/>
+          <p:nvPr/>
+        </p:nvSpPr>
+        <p:spPr>
+          <a:xfrm>
+            <a:off x="467544" y="1124744"/>
+            <a:ext cx="5684505" cy="2031325"/>
+          </a:xfrm>
+          <a:prstGeom prst="rect">
+            <a:avLst/>
+          </a:prstGeom>
+          <a:ln>
+            <a:solidFill>
+              <a:schemeClr val="accent1"/>
+            </a:solidFill>
+          </a:ln>
+        </p:spPr>
+        <p:txBody>
+          <a:bodyPr wrap="none">
+            <a:spAutoFit/>
+          </a:bodyPr>
+          <a:lstStyle/>
+          <a:p>
+            <a:r>
+              <a:rPr lang="en-US" altLang="ko-KR" dirty="0" smtClean="0"/>
+              <a:t>select   </a:t>
+            </a:r>
+            <a:r>
+              <a:rPr lang="en-US" altLang="ko-KR" b="1" dirty="0" smtClean="0">
+                <a:solidFill>
+                  <a:srgbClr val="FF0000"/>
+                </a:solidFill>
+              </a:rPr>
+              <a:t>[</a:t>
+            </a:r>
+            <a:r>
+              <a:rPr lang="ko-KR" altLang="en-US" b="1" dirty="0" smtClean="0">
+                <a:solidFill>
+                  <a:srgbClr val="FF0000"/>
+                </a:solidFill>
+              </a:rPr>
+              <a:t>출력할 결과물</a:t>
+            </a:r>
+            <a:r>
+              <a:rPr lang="en-US" altLang="ko-KR" b="1" dirty="0" smtClean="0">
+                <a:solidFill>
+                  <a:srgbClr val="FF0000"/>
+                </a:solidFill>
+              </a:rPr>
+              <a:t>…(</a:t>
+            </a:r>
+            <a:r>
+              <a:rPr lang="ko-KR" altLang="en-US" b="1" dirty="0" err="1" smtClean="0">
+                <a:solidFill>
+                  <a:srgbClr val="FF0000"/>
+                </a:solidFill>
+              </a:rPr>
+              <a:t>컬럼의</a:t>
+            </a:r>
+            <a:r>
+              <a:rPr lang="ko-KR" altLang="en-US" b="1" dirty="0" smtClean="0">
+                <a:solidFill>
+                  <a:srgbClr val="FF0000"/>
+                </a:solidFill>
+              </a:rPr>
+              <a:t> 이름</a:t>
+            </a:r>
+            <a:r>
+              <a:rPr lang="en-US" altLang="ko-KR" b="1" dirty="0" smtClean="0">
+                <a:solidFill>
+                  <a:srgbClr val="FF0000"/>
+                </a:solidFill>
+              </a:rPr>
+              <a:t>)]</a:t>
+            </a:r>
+          </a:p>
+          <a:p>
+            <a:endParaRPr lang="en-US" altLang="ko-KR" dirty="0" smtClean="0"/>
+          </a:p>
+          <a:p>
+            <a:r>
+              <a:rPr lang="en-US" altLang="ko-KR" dirty="0" smtClean="0"/>
+              <a:t>From    </a:t>
+            </a:r>
+            <a:r>
+              <a:rPr lang="en-US" altLang="ko-KR" b="1" dirty="0" smtClean="0">
+                <a:solidFill>
+                  <a:schemeClr val="accent6">
+                    <a:lumMod val="50000"/>
+                  </a:schemeClr>
+                </a:solidFill>
+              </a:rPr>
+              <a:t>[</a:t>
+            </a:r>
+            <a:r>
+              <a:rPr lang="ko-KR" altLang="en-US" b="1" dirty="0" smtClean="0">
+                <a:solidFill>
+                  <a:schemeClr val="accent6">
+                    <a:lumMod val="50000"/>
+                  </a:schemeClr>
+                </a:solidFill>
+              </a:rPr>
+              <a:t>대상 </a:t>
+            </a:r>
+            <a:r>
+              <a:rPr lang="ko-KR" altLang="en-US" b="1" dirty="0" err="1" smtClean="0">
+                <a:solidFill>
+                  <a:schemeClr val="accent6">
+                    <a:lumMod val="50000"/>
+                  </a:schemeClr>
+                </a:solidFill>
+              </a:rPr>
+              <a:t>테이블명</a:t>
+            </a:r>
+            <a:r>
+              <a:rPr lang="en-US" altLang="ko-KR" b="1" dirty="0" smtClean="0">
+                <a:solidFill>
+                  <a:schemeClr val="accent6">
+                    <a:lumMod val="50000"/>
+                  </a:schemeClr>
+                </a:solidFill>
+              </a:rPr>
+              <a:t>]</a:t>
+            </a:r>
+          </a:p>
+          <a:p>
+            <a:endParaRPr lang="en-US" altLang="ko-KR" b="1" dirty="0" smtClean="0">
+              <a:solidFill>
+                <a:schemeClr val="accent6">
+                  <a:lumMod val="50000"/>
+                </a:schemeClr>
+              </a:solidFill>
+            </a:endParaRPr>
+          </a:p>
+          <a:p>
+            <a:r>
+              <a:rPr lang="en-US" altLang="ko-KR" dirty="0" smtClean="0"/>
+              <a:t>Where   [</a:t>
+            </a:r>
+            <a:r>
+              <a:rPr lang="ko-KR" altLang="en-US" dirty="0" err="1" smtClean="0"/>
+              <a:t>조건절</a:t>
+            </a:r>
+            <a:r>
+              <a:rPr lang="en-US" altLang="ko-KR" dirty="0" smtClean="0"/>
+              <a:t>, </a:t>
+            </a:r>
+            <a:r>
+              <a:rPr lang="ko-KR" altLang="en-US" dirty="0" err="1" smtClean="0"/>
+              <a:t>필터링</a:t>
+            </a:r>
+            <a:r>
+              <a:rPr lang="en-US" altLang="ko-KR" dirty="0" smtClean="0"/>
+              <a:t>, </a:t>
+            </a:r>
+            <a:r>
+              <a:rPr lang="ko-KR" altLang="en-US" dirty="0" smtClean="0"/>
+              <a:t>원하는 </a:t>
+            </a:r>
+            <a:r>
+              <a:rPr lang="ko-KR" altLang="en-US" dirty="0" err="1" smtClean="0"/>
+              <a:t>로우</a:t>
+            </a:r>
+            <a:r>
+              <a:rPr lang="ko-KR" altLang="en-US" dirty="0" smtClean="0"/>
+              <a:t> 데이터만 요청</a:t>
+            </a:r>
+            <a:r>
+              <a:rPr lang="en-US" altLang="ko-KR" dirty="0" smtClean="0"/>
+              <a:t>]</a:t>
+            </a:r>
+          </a:p>
+          <a:p>
+            <a:endParaRPr lang="en-US" altLang="ko-KR" dirty="0" smtClean="0"/>
+          </a:p>
+          <a:p>
+            <a:r>
+              <a:rPr lang="en-US" altLang="ko-KR" dirty="0" smtClean="0"/>
+              <a:t>Order by [</a:t>
+            </a:r>
+            <a:r>
+              <a:rPr lang="ko-KR" altLang="en-US" dirty="0" smtClean="0"/>
+              <a:t>정렬</a:t>
+            </a:r>
+            <a:r>
+              <a:rPr lang="en-US" altLang="ko-KR" dirty="0" smtClean="0"/>
+              <a:t>, </a:t>
+            </a:r>
+            <a:r>
+              <a:rPr lang="ko-KR" altLang="en-US" dirty="0" smtClean="0"/>
+              <a:t>기본 </a:t>
+            </a:r>
+            <a:r>
+              <a:rPr lang="en-US" altLang="ko-KR" dirty="0" smtClean="0"/>
+              <a:t>ASC/ DESC]</a:t>
+            </a:r>
+            <a:endParaRPr lang="ko-KR" altLang="en-US" dirty="0"/>
+          </a:p>
+        </p:txBody>
+      </p:sp>
+      <p:sp>
+        <p:nvSpPr>
+          <p:cNvPr id="16" name="직사각형 15"/>
+          <p:cNvSpPr/>
+          <p:nvPr/>
+        </p:nvSpPr>
+        <p:spPr>
+          <a:xfrm>
+            <a:off x="4499992" y="260648"/>
+            <a:ext cx="2417650" cy="369332"/>
+          </a:xfrm>
+          <a:prstGeom prst="rect">
+            <a:avLst/>
+          </a:prstGeom>
+        </p:spPr>
+        <p:txBody>
+          <a:bodyPr wrap="none">
+            <a:spAutoFit/>
+          </a:bodyPr>
+          <a:lstStyle/>
+          <a:p>
+            <a:r>
+              <a:rPr lang="en-US" altLang="ko-KR" dirty="0" smtClean="0"/>
+              <a:t>(dept, </a:t>
+            </a:r>
+            <a:r>
+              <a:rPr lang="en-US" altLang="ko-KR" dirty="0" err="1" smtClean="0"/>
+              <a:t>emp</a:t>
+            </a:r>
+            <a:r>
+              <a:rPr lang="en-US" altLang="ko-KR" dirty="0" smtClean="0"/>
+              <a:t>, </a:t>
+            </a:r>
+            <a:r>
+              <a:rPr lang="en-US" altLang="ko-KR" dirty="0" err="1" smtClean="0"/>
+              <a:t>salgrade</a:t>
+            </a:r>
+            <a:r>
+              <a:rPr lang="en-US" altLang="ko-KR" dirty="0" smtClean="0"/>
+              <a:t>)</a:t>
+            </a:r>
+            <a:endParaRPr lang="ko-KR" altLang="en-US" dirty="0"/>
+          </a:p>
+        </p:txBody>
+      </p:sp>
+      <p:sp>
+        <p:nvSpPr>
+          <p:cNvPr id="6" name="직사각형 5"/>
+          <p:cNvSpPr/>
+          <p:nvPr/>
+        </p:nvSpPr>
+        <p:spPr>
+          <a:xfrm>
+            <a:off x="827584" y="3645024"/>
+            <a:ext cx="7154523" cy="1754326"/>
+          </a:xfrm>
+          <a:prstGeom prst="rect">
+            <a:avLst/>
+          </a:prstGeom>
+        </p:spPr>
+        <p:txBody>
+          <a:bodyPr wrap="none">
+            <a:spAutoFit/>
+          </a:bodyPr>
+          <a:lstStyle/>
+          <a:p>
+            <a:pPr marL="342900" indent="-342900">
+              <a:buAutoNum type="arabicPeriod"/>
+            </a:pPr>
+            <a:r>
+              <a:rPr lang="en-US" altLang="ko-KR" dirty="0" err="1" smtClean="0"/>
+              <a:t>Emp</a:t>
+            </a:r>
+            <a:r>
+              <a:rPr lang="en-US" altLang="ko-KR" dirty="0" smtClean="0"/>
+              <a:t> </a:t>
+            </a:r>
+            <a:r>
+              <a:rPr lang="ko-KR" altLang="en-US" dirty="0" smtClean="0"/>
+              <a:t>테이블에서 이름을 오름차순으로 출력</a:t>
+            </a:r>
+            <a:r>
+              <a:rPr lang="en-US" altLang="ko-KR" dirty="0" smtClean="0"/>
+              <a:t>, </a:t>
+            </a:r>
+            <a:r>
+              <a:rPr lang="ko-KR" altLang="en-US" dirty="0" smtClean="0"/>
+              <a:t>동일한 이름일 경우</a:t>
+            </a:r>
+            <a:endParaRPr lang="en-US" altLang="ko-KR" dirty="0" smtClean="0"/>
+          </a:p>
+          <a:p>
+            <a:pPr marL="342900" indent="-342900"/>
+            <a:r>
+              <a:rPr lang="en-US" altLang="ko-KR" dirty="0" smtClean="0"/>
+              <a:t> </a:t>
+            </a:r>
+            <a:r>
+              <a:rPr lang="en-US" altLang="ko-KR" dirty="0" smtClean="0"/>
+              <a:t>   </a:t>
+            </a:r>
+            <a:r>
+              <a:rPr lang="ko-KR" altLang="en-US" dirty="0" smtClean="0"/>
+              <a:t>급여가 높은 사람을 먼저 출력</a:t>
+            </a:r>
+            <a:r>
+              <a:rPr lang="en-US" altLang="ko-KR" dirty="0" smtClean="0"/>
+              <a:t>! ( </a:t>
+            </a:r>
+            <a:r>
+              <a:rPr lang="ko-KR" altLang="en-US" dirty="0" smtClean="0"/>
+              <a:t>이름하고</a:t>
+            </a:r>
+            <a:r>
+              <a:rPr lang="en-US" altLang="ko-KR" dirty="0" smtClean="0"/>
+              <a:t>, </a:t>
+            </a:r>
+            <a:r>
+              <a:rPr lang="ko-KR" altLang="en-US" dirty="0" smtClean="0"/>
+              <a:t>급여만 출력</a:t>
+            </a:r>
+            <a:r>
+              <a:rPr lang="en-US" altLang="ko-KR" dirty="0" smtClean="0"/>
+              <a:t>)</a:t>
+            </a:r>
+          </a:p>
+          <a:p>
+            <a:pPr marL="342900" indent="-342900"/>
+            <a:endParaRPr lang="en-US" altLang="ko-KR" dirty="0" smtClean="0"/>
+          </a:p>
+          <a:p>
+            <a:pPr marL="342900" indent="-342900"/>
+            <a:r>
+              <a:rPr lang="en-US" altLang="ko-KR" dirty="0" smtClean="0"/>
+              <a:t> </a:t>
+            </a:r>
+            <a:r>
+              <a:rPr lang="en-US" altLang="ko-KR" dirty="0" smtClean="0"/>
+              <a:t>   select </a:t>
+            </a:r>
+            <a:r>
+              <a:rPr lang="en-US" altLang="ko-KR" dirty="0" err="1" smtClean="0"/>
+              <a:t>ename,sal</a:t>
+            </a:r>
+            <a:r>
+              <a:rPr lang="en-US" altLang="ko-KR" dirty="0" smtClean="0"/>
+              <a:t> from </a:t>
+            </a:r>
+            <a:r>
+              <a:rPr lang="en-US" altLang="ko-KR" dirty="0" err="1" smtClean="0"/>
+              <a:t>emp</a:t>
+            </a:r>
+            <a:r>
+              <a:rPr lang="en-US" altLang="ko-KR" dirty="0" smtClean="0"/>
+              <a:t> </a:t>
+            </a:r>
+            <a:endParaRPr lang="en-US" altLang="ko-KR" dirty="0" smtClean="0"/>
+          </a:p>
+          <a:p>
+            <a:pPr marL="342900" indent="-342900"/>
+            <a:r>
+              <a:rPr lang="en-US" altLang="ko-KR" dirty="0" smtClean="0"/>
+              <a:t> </a:t>
+            </a:r>
+            <a:r>
+              <a:rPr lang="en-US" altLang="ko-KR" dirty="0" smtClean="0"/>
+              <a:t>   </a:t>
+            </a:r>
+            <a:r>
+              <a:rPr lang="en-US" altLang="ko-KR" b="1" dirty="0" smtClean="0">
+                <a:solidFill>
+                  <a:srgbClr val="FF0000"/>
+                </a:solidFill>
+              </a:rPr>
+              <a:t>order </a:t>
+            </a:r>
+            <a:r>
+              <a:rPr lang="en-US" altLang="ko-KR" b="1" dirty="0" smtClean="0">
+                <a:solidFill>
+                  <a:srgbClr val="FF0000"/>
+                </a:solidFill>
+              </a:rPr>
+              <a:t>by </a:t>
+            </a:r>
+            <a:r>
+              <a:rPr lang="en-US" altLang="ko-KR" b="1" dirty="0" err="1" smtClean="0">
+                <a:solidFill>
+                  <a:srgbClr val="FF0000"/>
+                </a:solidFill>
+              </a:rPr>
+              <a:t>ename</a:t>
+            </a:r>
+            <a:r>
+              <a:rPr lang="en-US" altLang="ko-KR" b="1" dirty="0" smtClean="0">
+                <a:solidFill>
+                  <a:srgbClr val="FF0000"/>
+                </a:solidFill>
+              </a:rPr>
+              <a:t> </a:t>
+            </a:r>
+            <a:r>
+              <a:rPr lang="en-US" altLang="ko-KR" b="1" dirty="0" smtClean="0">
+                <a:solidFill>
+                  <a:srgbClr val="FF0000"/>
+                </a:solidFill>
+              </a:rPr>
+              <a:t>[</a:t>
+            </a:r>
+            <a:r>
+              <a:rPr lang="en-US" altLang="ko-KR" b="1" dirty="0" err="1" smtClean="0">
+                <a:solidFill>
+                  <a:srgbClr val="FF0000"/>
+                </a:solidFill>
+              </a:rPr>
+              <a:t>asc</a:t>
+            </a:r>
+            <a:r>
+              <a:rPr lang="en-US" altLang="ko-KR" b="1" dirty="0" smtClean="0">
+                <a:solidFill>
+                  <a:srgbClr val="FF0000"/>
+                </a:solidFill>
+              </a:rPr>
+              <a:t>], </a:t>
+            </a:r>
+            <a:r>
+              <a:rPr lang="en-US" altLang="ko-KR" b="1" dirty="0" err="1" smtClean="0">
+                <a:solidFill>
+                  <a:srgbClr val="FF0000"/>
+                </a:solidFill>
+              </a:rPr>
+              <a:t>sal</a:t>
+            </a:r>
+            <a:r>
+              <a:rPr lang="en-US" altLang="ko-KR" b="1" dirty="0" smtClean="0">
+                <a:solidFill>
+                  <a:srgbClr val="FF0000"/>
+                </a:solidFill>
+              </a:rPr>
+              <a:t> </a:t>
+            </a:r>
+            <a:r>
+              <a:rPr lang="en-US" altLang="ko-KR" b="1" dirty="0" err="1" smtClean="0">
+                <a:solidFill>
+                  <a:srgbClr val="FF0000"/>
+                </a:solidFill>
+              </a:rPr>
+              <a:t>desc</a:t>
+            </a:r>
+            <a:r>
+              <a:rPr lang="en-US" altLang="ko-KR" b="1" dirty="0" smtClean="0">
+                <a:solidFill>
+                  <a:srgbClr val="FF0000"/>
+                </a:solidFill>
+              </a:rPr>
+              <a:t>;</a:t>
+            </a:r>
+          </a:p>
+          <a:p>
+            <a:pPr marL="342900" indent="-342900"/>
+            <a:endParaRPr lang="en-US" altLang="ko-KR" dirty="0" smtClean="0"/>
+          </a:p>
+        </p:txBody>
+      </p:sp>
+    </p:spTree>
+  </p:cSld>
+  <p:clrMapOvr>
+    <a:masterClrMapping/>
+  </p:clrMapOvr>
+</p:sld>
+</file>
+
+<file path=ppt/slides/slide12.xml><?xml version="1.0" encoding="utf-8"?>
+<p:sld xmlns:a="http://schemas.openxmlformats.org/drawingml/2006/main" xmlns:r="http://schemas.openxmlformats.org/officeDocument/2006/relationships" xmlns:p="http://schemas.openxmlformats.org/presentationml/2006/main">
+  <p:cSld>
+    <p:spTree>
+      <p:nvGrpSpPr>
+        <p:cNvPr id="1" name=""/>
+        <p:cNvGrpSpPr/>
+        <p:nvPr/>
+      </p:nvGrpSpPr>
+      <p:grpSpPr>
+        <a:xfrm>
+          <a:off x="0" y="0"/>
+          <a:ext cx="0" cy="0"/>
+          <a:chOff x="0" y="0"/>
+          <a:chExt cx="0" cy="0"/>
+        </a:xfrm>
+      </p:grpSpPr>
+      <p:sp>
+        <p:nvSpPr>
+          <p:cNvPr id="5" name="TextBox 4"/>
+          <p:cNvSpPr txBox="1"/>
+          <p:nvPr/>
+        </p:nvSpPr>
+        <p:spPr>
+          <a:xfrm>
+            <a:off x="251520" y="260648"/>
+            <a:ext cx="5976664" cy="400110"/>
+          </a:xfrm>
+          <a:prstGeom prst="rect">
+            <a:avLst/>
+          </a:prstGeom>
+          <a:noFill/>
+        </p:spPr>
+        <p:txBody>
+          <a:bodyPr wrap="square" rtlCol="0">
+            <a:spAutoFit/>
+          </a:bodyPr>
+          <a:lstStyle/>
+          <a:p>
+            <a:r>
+              <a:rPr lang="en-US" altLang="ko-KR" sz="2000" b="1" dirty="0" smtClean="0"/>
+              <a:t>MYSQL</a:t>
+            </a:r>
+            <a:r>
+              <a:rPr lang="ko-KR" altLang="en-US" sz="2000" b="1" dirty="0" smtClean="0"/>
+              <a:t> </a:t>
+            </a:r>
+            <a:r>
+              <a:rPr lang="en-US" altLang="ko-KR" sz="2000" b="1" dirty="0" smtClean="0"/>
+              <a:t>1</a:t>
+            </a:r>
+            <a:r>
+              <a:rPr lang="ko-KR" altLang="en-US" sz="2000" b="1" dirty="0" smtClean="0"/>
+              <a:t>일차</a:t>
+            </a:r>
+            <a:r>
+              <a:rPr lang="en-US" altLang="ko-KR" sz="2000" b="1" dirty="0" smtClean="0"/>
+              <a:t>(Select </a:t>
+            </a:r>
+            <a:r>
+              <a:rPr lang="ko-KR" altLang="en-US" sz="2000" b="1" dirty="0" smtClean="0"/>
+              <a:t>구조</a:t>
+            </a:r>
+            <a:r>
+              <a:rPr lang="en-US" altLang="ko-KR" sz="2000" b="1" dirty="0" smtClean="0"/>
+              <a:t>)</a:t>
+            </a:r>
+            <a:endParaRPr lang="ko-KR" altLang="en-US" sz="2000" b="1" dirty="0"/>
+          </a:p>
+        </p:txBody>
+      </p:sp>
+      <p:sp>
+        <p:nvSpPr>
+          <p:cNvPr id="7" name="직사각형 6"/>
+          <p:cNvSpPr/>
+          <p:nvPr/>
+        </p:nvSpPr>
+        <p:spPr>
+          <a:xfrm>
+            <a:off x="467544" y="1124744"/>
+            <a:ext cx="5684505" cy="3139321"/>
+          </a:xfrm>
+          <a:prstGeom prst="rect">
+            <a:avLst/>
+          </a:prstGeom>
+          <a:ln>
+            <a:solidFill>
+              <a:schemeClr val="accent1"/>
+            </a:solidFill>
+          </a:ln>
+        </p:spPr>
+        <p:txBody>
+          <a:bodyPr wrap="none">
+            <a:spAutoFit/>
+          </a:bodyPr>
+          <a:lstStyle/>
+          <a:p>
+            <a:r>
+              <a:rPr lang="en-US" altLang="ko-KR" dirty="0" smtClean="0"/>
+              <a:t>select   </a:t>
+            </a:r>
+            <a:r>
+              <a:rPr lang="en-US" altLang="ko-KR" b="1" dirty="0" smtClean="0">
+                <a:solidFill>
+                  <a:srgbClr val="FF0000"/>
+                </a:solidFill>
+              </a:rPr>
+              <a:t>[</a:t>
+            </a:r>
+            <a:r>
+              <a:rPr lang="ko-KR" altLang="en-US" b="1" dirty="0" smtClean="0">
+                <a:solidFill>
+                  <a:srgbClr val="FF0000"/>
+                </a:solidFill>
+              </a:rPr>
+              <a:t>출력할 결과물</a:t>
+            </a:r>
+            <a:r>
+              <a:rPr lang="en-US" altLang="ko-KR" b="1" dirty="0" smtClean="0">
+                <a:solidFill>
+                  <a:srgbClr val="FF0000"/>
+                </a:solidFill>
+              </a:rPr>
+              <a:t>…(</a:t>
+            </a:r>
+            <a:r>
+              <a:rPr lang="ko-KR" altLang="en-US" b="1" dirty="0" err="1" smtClean="0">
+                <a:solidFill>
+                  <a:srgbClr val="FF0000"/>
+                </a:solidFill>
+              </a:rPr>
+              <a:t>컬럼의</a:t>
+            </a:r>
+            <a:r>
+              <a:rPr lang="ko-KR" altLang="en-US" b="1" dirty="0" smtClean="0">
+                <a:solidFill>
+                  <a:srgbClr val="FF0000"/>
+                </a:solidFill>
+              </a:rPr>
+              <a:t> 이름</a:t>
+            </a:r>
+            <a:r>
+              <a:rPr lang="en-US" altLang="ko-KR" b="1" dirty="0" smtClean="0">
+                <a:solidFill>
+                  <a:srgbClr val="FF0000"/>
+                </a:solidFill>
+              </a:rPr>
+              <a:t>)]</a:t>
+            </a:r>
+          </a:p>
+          <a:p>
+            <a:endParaRPr lang="en-US" altLang="ko-KR" dirty="0" smtClean="0"/>
+          </a:p>
+          <a:p>
+            <a:r>
+              <a:rPr lang="en-US" altLang="ko-KR" dirty="0" smtClean="0"/>
+              <a:t>From    </a:t>
+            </a:r>
+            <a:r>
+              <a:rPr lang="en-US" altLang="ko-KR" b="1" dirty="0" smtClean="0">
+                <a:solidFill>
+                  <a:schemeClr val="accent6">
+                    <a:lumMod val="50000"/>
+                  </a:schemeClr>
+                </a:solidFill>
+              </a:rPr>
+              <a:t>[</a:t>
+            </a:r>
+            <a:r>
+              <a:rPr lang="ko-KR" altLang="en-US" b="1" dirty="0" smtClean="0">
+                <a:solidFill>
+                  <a:schemeClr val="accent6">
+                    <a:lumMod val="50000"/>
+                  </a:schemeClr>
+                </a:solidFill>
+              </a:rPr>
+              <a:t>대상 </a:t>
+            </a:r>
+            <a:r>
+              <a:rPr lang="ko-KR" altLang="en-US" b="1" dirty="0" err="1" smtClean="0">
+                <a:solidFill>
+                  <a:schemeClr val="accent6">
+                    <a:lumMod val="50000"/>
+                  </a:schemeClr>
+                </a:solidFill>
+              </a:rPr>
+              <a:t>테이블명</a:t>
+            </a:r>
+            <a:r>
+              <a:rPr lang="en-US" altLang="ko-KR" b="1" dirty="0" smtClean="0">
+                <a:solidFill>
+                  <a:schemeClr val="accent6">
+                    <a:lumMod val="50000"/>
+                  </a:schemeClr>
+                </a:solidFill>
+              </a:rPr>
+              <a:t>]</a:t>
+            </a:r>
+          </a:p>
+          <a:p>
+            <a:endParaRPr lang="en-US" altLang="ko-KR" b="1" dirty="0" smtClean="0">
+              <a:solidFill>
+                <a:schemeClr val="accent6">
+                  <a:lumMod val="50000"/>
+                </a:schemeClr>
+              </a:solidFill>
+            </a:endParaRPr>
+          </a:p>
+          <a:p>
+            <a:r>
+              <a:rPr lang="en-US" altLang="ko-KR" dirty="0" smtClean="0"/>
+              <a:t>Where   [</a:t>
+            </a:r>
+            <a:r>
+              <a:rPr lang="ko-KR" altLang="en-US" dirty="0" err="1" smtClean="0"/>
+              <a:t>조건절</a:t>
+            </a:r>
+            <a:r>
+              <a:rPr lang="en-US" altLang="ko-KR" dirty="0" smtClean="0"/>
+              <a:t>, </a:t>
+            </a:r>
+            <a:r>
+              <a:rPr lang="ko-KR" altLang="en-US" dirty="0" err="1" smtClean="0"/>
+              <a:t>필터링</a:t>
+            </a:r>
+            <a:r>
+              <a:rPr lang="en-US" altLang="ko-KR" dirty="0" smtClean="0"/>
+              <a:t>, </a:t>
+            </a:r>
+            <a:r>
+              <a:rPr lang="ko-KR" altLang="en-US" dirty="0" smtClean="0"/>
+              <a:t>원하는 </a:t>
+            </a:r>
+            <a:r>
+              <a:rPr lang="ko-KR" altLang="en-US" dirty="0" err="1" smtClean="0"/>
+              <a:t>로우</a:t>
+            </a:r>
+            <a:r>
+              <a:rPr lang="ko-KR" altLang="en-US" dirty="0" smtClean="0"/>
+              <a:t> 데이터만 요청</a:t>
+            </a:r>
+            <a:r>
+              <a:rPr lang="en-US" altLang="ko-KR" dirty="0" smtClean="0"/>
+              <a:t>]</a:t>
+            </a:r>
+          </a:p>
+          <a:p>
+            <a:endParaRPr lang="en-US" altLang="ko-KR" dirty="0" smtClean="0"/>
+          </a:p>
+          <a:p>
+            <a:r>
+              <a:rPr lang="en-US" altLang="ko-KR" dirty="0" smtClean="0"/>
+              <a:t>Group By [</a:t>
+            </a:r>
+            <a:r>
+              <a:rPr lang="ko-KR" altLang="en-US" dirty="0" smtClean="0"/>
+              <a:t>그룹을 구성할 </a:t>
+            </a:r>
+            <a:r>
+              <a:rPr lang="ko-KR" altLang="en-US" dirty="0" err="1" smtClean="0"/>
+              <a:t>컬럼이름</a:t>
+            </a:r>
+            <a:r>
+              <a:rPr lang="en-US" altLang="ko-KR" dirty="0" smtClean="0"/>
+              <a:t>]</a:t>
+            </a:r>
+          </a:p>
+          <a:p>
+            <a:endParaRPr lang="en-US" altLang="ko-KR" dirty="0" smtClean="0"/>
+          </a:p>
+          <a:p>
+            <a:r>
+              <a:rPr lang="en-US" altLang="ko-KR" dirty="0" smtClean="0"/>
+              <a:t>Having   [</a:t>
+            </a:r>
+            <a:r>
+              <a:rPr lang="ko-KR" altLang="en-US" dirty="0" smtClean="0"/>
+              <a:t>그룹을 기반으로 한 </a:t>
+            </a:r>
+            <a:r>
+              <a:rPr lang="ko-KR" altLang="en-US" dirty="0" err="1" smtClean="0"/>
+              <a:t>필터링</a:t>
+            </a:r>
+            <a:r>
+              <a:rPr lang="en-US" altLang="ko-KR" dirty="0" smtClean="0"/>
+              <a:t>]</a:t>
+            </a:r>
+          </a:p>
+          <a:p>
+            <a:endParaRPr lang="en-US" altLang="ko-KR" dirty="0" smtClean="0"/>
+          </a:p>
+          <a:p>
+            <a:r>
+              <a:rPr lang="en-US" altLang="ko-KR" dirty="0" smtClean="0"/>
+              <a:t>Order by [</a:t>
+            </a:r>
+            <a:r>
+              <a:rPr lang="ko-KR" altLang="en-US" dirty="0" smtClean="0"/>
+              <a:t>정렬</a:t>
+            </a:r>
+            <a:r>
+              <a:rPr lang="en-US" altLang="ko-KR" dirty="0" smtClean="0"/>
+              <a:t>, </a:t>
+            </a:r>
+            <a:r>
+              <a:rPr lang="ko-KR" altLang="en-US" dirty="0" smtClean="0"/>
+              <a:t>기본 </a:t>
+            </a:r>
+            <a:r>
+              <a:rPr lang="en-US" altLang="ko-KR" dirty="0" smtClean="0"/>
+              <a:t>ASC/ DESC]</a:t>
+            </a:r>
+            <a:endParaRPr lang="ko-KR" altLang="en-US" dirty="0"/>
+          </a:p>
+        </p:txBody>
+      </p:sp>
+      <p:sp>
+        <p:nvSpPr>
+          <p:cNvPr id="16" name="직사각형 15"/>
+          <p:cNvSpPr/>
+          <p:nvPr/>
+        </p:nvSpPr>
+        <p:spPr>
+          <a:xfrm>
+            <a:off x="4499992" y="260648"/>
+            <a:ext cx="2417650" cy="369332"/>
+          </a:xfrm>
+          <a:prstGeom prst="rect">
+            <a:avLst/>
+          </a:prstGeom>
+        </p:spPr>
+        <p:txBody>
+          <a:bodyPr wrap="none">
+            <a:spAutoFit/>
+          </a:bodyPr>
+          <a:lstStyle/>
+          <a:p>
+            <a:r>
+              <a:rPr lang="en-US" altLang="ko-KR" dirty="0" smtClean="0"/>
+              <a:t>(dept, </a:t>
+            </a:r>
+            <a:r>
+              <a:rPr lang="en-US" altLang="ko-KR" dirty="0" err="1" smtClean="0"/>
+              <a:t>emp</a:t>
+            </a:r>
+            <a:r>
+              <a:rPr lang="en-US" altLang="ko-KR" dirty="0" smtClean="0"/>
+              <a:t>, </a:t>
+            </a:r>
+            <a:r>
+              <a:rPr lang="en-US" altLang="ko-KR" dirty="0" err="1" smtClean="0"/>
+              <a:t>salgrade</a:t>
+            </a:r>
+            <a:r>
+              <a:rPr lang="en-US" altLang="ko-KR" dirty="0" smtClean="0"/>
+              <a:t>)</a:t>
+            </a:r>
+            <a:endParaRPr lang="ko-KR" altLang="en-US" dirty="0"/>
+          </a:p>
+        </p:txBody>
+      </p:sp>
+      <p:sp>
+        <p:nvSpPr>
+          <p:cNvPr id="6" name="직사각형 5"/>
+          <p:cNvSpPr/>
+          <p:nvPr/>
+        </p:nvSpPr>
+        <p:spPr>
+          <a:xfrm>
+            <a:off x="611560" y="4941168"/>
+            <a:ext cx="8176534" cy="923330"/>
+          </a:xfrm>
+          <a:prstGeom prst="rect">
+            <a:avLst/>
+          </a:prstGeom>
+        </p:spPr>
+        <p:txBody>
+          <a:bodyPr wrap="none">
+            <a:spAutoFit/>
+          </a:bodyPr>
+          <a:lstStyle/>
+          <a:p>
+            <a:pPr marL="342900" indent="-342900"/>
+            <a:r>
+              <a:rPr lang="ko-KR" altLang="en-US" dirty="0" smtClean="0"/>
+              <a:t>그룹함수</a:t>
+            </a:r>
+            <a:r>
+              <a:rPr lang="en-US" altLang="ko-KR" dirty="0" smtClean="0"/>
+              <a:t>(</a:t>
+            </a:r>
+            <a:r>
+              <a:rPr lang="ko-KR" altLang="en-US" dirty="0" smtClean="0"/>
+              <a:t>집계함수</a:t>
+            </a:r>
+            <a:r>
+              <a:rPr lang="en-US" altLang="ko-KR" dirty="0" smtClean="0"/>
+              <a:t>) </a:t>
+            </a:r>
+            <a:r>
+              <a:rPr lang="en-US" altLang="ko-KR" dirty="0" smtClean="0">
+                <a:sym typeface="Wingdings" pitchFamily="2" charset="2"/>
+              </a:rPr>
+              <a:t>   </a:t>
+            </a:r>
+            <a:r>
+              <a:rPr lang="en-US" altLang="ko-KR" b="1" dirty="0" smtClean="0">
+                <a:solidFill>
+                  <a:srgbClr val="FF0000"/>
+                </a:solidFill>
+                <a:sym typeface="Wingdings" pitchFamily="2" charset="2"/>
+              </a:rPr>
+              <a:t>(Group By </a:t>
+            </a:r>
+            <a:r>
+              <a:rPr lang="ko-KR" altLang="en-US" b="1" dirty="0" smtClean="0">
+                <a:solidFill>
+                  <a:srgbClr val="FF0000"/>
+                </a:solidFill>
+                <a:sym typeface="Wingdings" pitchFamily="2" charset="2"/>
+              </a:rPr>
+              <a:t>절</a:t>
+            </a:r>
+            <a:r>
+              <a:rPr lang="en-US" altLang="ko-KR" b="1" dirty="0" smtClean="0">
+                <a:solidFill>
+                  <a:srgbClr val="FF0000"/>
+                </a:solidFill>
+                <a:sym typeface="Wingdings" pitchFamily="2" charset="2"/>
+              </a:rPr>
+              <a:t>) ,                 (having </a:t>
+            </a:r>
+            <a:r>
+              <a:rPr lang="ko-KR" altLang="en-US" b="1" dirty="0" smtClean="0">
+                <a:solidFill>
+                  <a:srgbClr val="FF0000"/>
+                </a:solidFill>
+                <a:sym typeface="Wingdings" pitchFamily="2" charset="2"/>
+              </a:rPr>
+              <a:t>절</a:t>
+            </a:r>
+            <a:r>
+              <a:rPr lang="en-US" altLang="ko-KR" b="1" dirty="0" smtClean="0">
+                <a:solidFill>
+                  <a:srgbClr val="FF0000"/>
+                </a:solidFill>
+                <a:sym typeface="Wingdings" pitchFamily="2" charset="2"/>
+              </a:rPr>
+              <a:t>)</a:t>
+            </a:r>
+          </a:p>
+          <a:p>
+            <a:pPr marL="342900" indent="-342900"/>
+            <a:endParaRPr lang="en-US" altLang="ko-KR" b="1" dirty="0" smtClean="0">
+              <a:solidFill>
+                <a:srgbClr val="FF0000"/>
+              </a:solidFill>
+              <a:sym typeface="Wingdings" pitchFamily="2" charset="2"/>
+            </a:endParaRPr>
+          </a:p>
+          <a:p>
+            <a:pPr marL="342900" indent="-342900"/>
+            <a:r>
+              <a:rPr lang="en-US" altLang="ko-KR" b="1" dirty="0" smtClean="0">
+                <a:solidFill>
+                  <a:srgbClr val="FF0000"/>
+                </a:solidFill>
+                <a:sym typeface="Wingdings" pitchFamily="2" charset="2"/>
+              </a:rPr>
+              <a:t>- </a:t>
+            </a:r>
+            <a:r>
+              <a:rPr lang="ko-KR" altLang="en-US" b="1" dirty="0" smtClean="0">
+                <a:solidFill>
+                  <a:srgbClr val="FF0000"/>
+                </a:solidFill>
+                <a:sym typeface="Wingdings" pitchFamily="2" charset="2"/>
+              </a:rPr>
+              <a:t>하나의 </a:t>
+            </a:r>
+            <a:r>
+              <a:rPr lang="en-US" altLang="ko-KR" b="1" dirty="0" smtClean="0">
+                <a:solidFill>
+                  <a:srgbClr val="FF0000"/>
+                </a:solidFill>
+                <a:sym typeface="Wingdings" pitchFamily="2" charset="2"/>
+              </a:rPr>
+              <a:t>row</a:t>
+            </a:r>
+            <a:r>
+              <a:rPr lang="ko-KR" altLang="en-US" b="1" dirty="0" smtClean="0">
+                <a:solidFill>
+                  <a:srgbClr val="FF0000"/>
+                </a:solidFill>
+                <a:sym typeface="Wingdings" pitchFamily="2" charset="2"/>
+              </a:rPr>
+              <a:t>값을 반환      </a:t>
+            </a:r>
+            <a:r>
+              <a:rPr lang="en-US" altLang="ko-KR" b="1" dirty="0" smtClean="0">
+                <a:solidFill>
+                  <a:srgbClr val="FF0000"/>
+                </a:solidFill>
+                <a:sym typeface="Wingdings" pitchFamily="2" charset="2"/>
+              </a:rPr>
+              <a:t>-</a:t>
+            </a:r>
+            <a:r>
+              <a:rPr lang="ko-KR" altLang="en-US" b="1" dirty="0" smtClean="0">
+                <a:solidFill>
+                  <a:srgbClr val="FF0000"/>
+                </a:solidFill>
+                <a:sym typeface="Wingdings" pitchFamily="2" charset="2"/>
+              </a:rPr>
+              <a:t>그룹별 하나의</a:t>
+            </a:r>
+            <a:r>
+              <a:rPr lang="en-US" altLang="ko-KR" b="1" dirty="0" smtClean="0">
+                <a:solidFill>
+                  <a:srgbClr val="FF0000"/>
+                </a:solidFill>
+                <a:sym typeface="Wingdings" pitchFamily="2" charset="2"/>
+              </a:rPr>
+              <a:t>row</a:t>
+            </a:r>
+            <a:r>
+              <a:rPr lang="ko-KR" altLang="en-US" b="1" dirty="0" smtClean="0">
+                <a:solidFill>
+                  <a:srgbClr val="FF0000"/>
+                </a:solidFill>
+                <a:sym typeface="Wingdings" pitchFamily="2" charset="2"/>
+              </a:rPr>
+              <a:t>값 반환    </a:t>
+            </a:r>
+            <a:r>
+              <a:rPr lang="en-US" altLang="ko-KR" b="1" dirty="0" smtClean="0">
+                <a:solidFill>
+                  <a:srgbClr val="FF0000"/>
+                </a:solidFill>
+                <a:sym typeface="Wingdings" pitchFamily="2" charset="2"/>
+              </a:rPr>
+              <a:t>80</a:t>
+            </a:r>
+            <a:r>
+              <a:rPr lang="ko-KR" altLang="en-US" b="1" dirty="0" smtClean="0">
+                <a:solidFill>
+                  <a:srgbClr val="FF0000"/>
+                </a:solidFill>
+                <a:sym typeface="Wingdings" pitchFamily="2" charset="2"/>
+              </a:rPr>
+              <a:t>점 이상인 그룹만</a:t>
+            </a:r>
+            <a:endParaRPr lang="en-US" altLang="ko-KR" b="1" dirty="0" smtClean="0">
+              <a:solidFill>
+                <a:srgbClr val="FF0000"/>
+              </a:solidFill>
+            </a:endParaRPr>
+          </a:p>
+        </p:txBody>
+      </p:sp>
+    </p:spTree>
+  </p:cSld>
+  <p:clrMapOvr>
+    <a:masterClrMapping/>
+  </p:clrMapOvr>
+</p:sld>
+</file>
+
+<file path=ppt/slides/slide13.xml><?xml version="1.0" encoding="utf-8"?>
+<p:sld xmlns:a="http://schemas.openxmlformats.org/drawingml/2006/main" xmlns:r="http://schemas.openxmlformats.org/officeDocument/2006/relationships" xmlns:p="http://schemas.openxmlformats.org/presentationml/2006/main">
+  <p:cSld>
+    <p:spTree>
+      <p:nvGrpSpPr>
+        <p:cNvPr id="1" name=""/>
+        <p:cNvGrpSpPr/>
+        <p:nvPr/>
+      </p:nvGrpSpPr>
+      <p:grpSpPr>
+        <a:xfrm>
+          <a:off x="0" y="0"/>
+          <a:ext cx="0" cy="0"/>
+          <a:chOff x="0" y="0"/>
+          <a:chExt cx="0" cy="0"/>
+        </a:xfrm>
+      </p:grpSpPr>
+      <p:sp>
+        <p:nvSpPr>
+          <p:cNvPr id="5" name="TextBox 4"/>
+          <p:cNvSpPr txBox="1"/>
+          <p:nvPr/>
+        </p:nvSpPr>
+        <p:spPr>
+          <a:xfrm>
+            <a:off x="251520" y="260648"/>
+            <a:ext cx="5976664" cy="400110"/>
+          </a:xfrm>
+          <a:prstGeom prst="rect">
+            <a:avLst/>
+          </a:prstGeom>
+          <a:noFill/>
+        </p:spPr>
+        <p:txBody>
+          <a:bodyPr wrap="square" rtlCol="0">
+            <a:spAutoFit/>
+          </a:bodyPr>
+          <a:lstStyle/>
+          <a:p>
+            <a:r>
+              <a:rPr lang="en-US" altLang="ko-KR" sz="2000" b="1" dirty="0" smtClean="0"/>
+              <a:t>MYSQL</a:t>
+            </a:r>
+            <a:r>
+              <a:rPr lang="ko-KR" altLang="en-US" sz="2000" b="1" dirty="0" smtClean="0"/>
+              <a:t> </a:t>
+            </a:r>
+            <a:r>
+              <a:rPr lang="en-US" altLang="ko-KR" sz="2000" b="1" dirty="0" smtClean="0"/>
+              <a:t>1</a:t>
+            </a:r>
+            <a:r>
+              <a:rPr lang="ko-KR" altLang="en-US" sz="2000" b="1" dirty="0" smtClean="0"/>
+              <a:t>일차</a:t>
+            </a:r>
+            <a:r>
+              <a:rPr lang="en-US" altLang="ko-KR" sz="2000" b="1" dirty="0" smtClean="0"/>
+              <a:t>(Select </a:t>
+            </a:r>
+            <a:r>
+              <a:rPr lang="ko-KR" altLang="en-US" sz="2000" b="1" dirty="0" smtClean="0"/>
+              <a:t>구조</a:t>
+            </a:r>
+            <a:r>
+              <a:rPr lang="en-US" altLang="ko-KR" sz="2000" b="1" dirty="0" smtClean="0"/>
+              <a:t>)</a:t>
+            </a:r>
+            <a:endParaRPr lang="ko-KR" altLang="en-US" sz="2000" b="1" dirty="0"/>
+          </a:p>
+        </p:txBody>
+      </p:sp>
+      <p:sp>
+        <p:nvSpPr>
+          <p:cNvPr id="16" name="직사각형 15"/>
+          <p:cNvSpPr/>
+          <p:nvPr/>
+        </p:nvSpPr>
+        <p:spPr>
+          <a:xfrm>
+            <a:off x="4499992" y="260648"/>
+            <a:ext cx="2417650" cy="369332"/>
+          </a:xfrm>
+          <a:prstGeom prst="rect">
+            <a:avLst/>
+          </a:prstGeom>
+        </p:spPr>
+        <p:txBody>
+          <a:bodyPr wrap="none">
+            <a:spAutoFit/>
+          </a:bodyPr>
+          <a:lstStyle/>
+          <a:p>
+            <a:r>
+              <a:rPr lang="en-US" altLang="ko-KR" dirty="0" smtClean="0"/>
+              <a:t>(dept, </a:t>
+            </a:r>
+            <a:r>
+              <a:rPr lang="en-US" altLang="ko-KR" dirty="0" err="1" smtClean="0"/>
+              <a:t>emp</a:t>
+            </a:r>
+            <a:r>
+              <a:rPr lang="en-US" altLang="ko-KR" dirty="0" smtClean="0"/>
+              <a:t>, </a:t>
+            </a:r>
+            <a:r>
+              <a:rPr lang="en-US" altLang="ko-KR" dirty="0" err="1" smtClean="0"/>
+              <a:t>salgrade</a:t>
+            </a:r>
+            <a:r>
+              <a:rPr lang="en-US" altLang="ko-KR" dirty="0" smtClean="0"/>
+              <a:t>)</a:t>
+            </a:r>
+            <a:endParaRPr lang="ko-KR" altLang="en-US" dirty="0"/>
+          </a:p>
+        </p:txBody>
+      </p:sp>
+      <p:sp>
+        <p:nvSpPr>
+          <p:cNvPr id="6" name="직사각형 5"/>
+          <p:cNvSpPr/>
+          <p:nvPr/>
+        </p:nvSpPr>
+        <p:spPr>
+          <a:xfrm>
+            <a:off x="395536" y="1412776"/>
+            <a:ext cx="7185044" cy="1477328"/>
+          </a:xfrm>
+          <a:prstGeom prst="rect">
+            <a:avLst/>
+          </a:prstGeom>
+          <a:ln>
+            <a:solidFill>
+              <a:schemeClr val="accent1"/>
+            </a:solidFill>
+          </a:ln>
+        </p:spPr>
+        <p:txBody>
+          <a:bodyPr wrap="none">
+            <a:spAutoFit/>
+          </a:bodyPr>
+          <a:lstStyle/>
+          <a:p>
+            <a:pPr marL="342900" indent="-342900"/>
+            <a:r>
+              <a:rPr lang="en-US" altLang="ko-KR" b="1" dirty="0" smtClean="0">
+                <a:solidFill>
+                  <a:srgbClr val="FF0000"/>
+                </a:solidFill>
+              </a:rPr>
+              <a:t>Group by</a:t>
+            </a:r>
+          </a:p>
+          <a:p>
+            <a:pPr marL="342900" indent="-342900"/>
+            <a:endParaRPr lang="en-US" altLang="ko-KR" b="1" dirty="0" smtClean="0">
+              <a:solidFill>
+                <a:srgbClr val="FF0000"/>
+              </a:solidFill>
+            </a:endParaRPr>
+          </a:p>
+          <a:p>
+            <a:pPr marL="342900" indent="-342900"/>
+            <a:r>
+              <a:rPr lang="en-US" altLang="ko-KR" dirty="0" smtClean="0"/>
+              <a:t>Select </a:t>
+            </a:r>
+            <a:r>
+              <a:rPr lang="en-US" altLang="ko-KR" dirty="0" err="1" smtClean="0"/>
+              <a:t>empno</a:t>
+            </a:r>
+            <a:r>
+              <a:rPr lang="en-US" altLang="ko-KR" dirty="0" smtClean="0"/>
+              <a:t>, AVG(</a:t>
+            </a:r>
+            <a:r>
+              <a:rPr lang="en-US" altLang="ko-KR" dirty="0" err="1" smtClean="0"/>
+              <a:t>sal</a:t>
+            </a:r>
+            <a:r>
+              <a:rPr lang="en-US" altLang="ko-KR" dirty="0" smtClean="0"/>
+              <a:t>)  from </a:t>
+            </a:r>
+            <a:r>
+              <a:rPr lang="en-US" altLang="ko-KR" dirty="0" err="1" smtClean="0"/>
+              <a:t>emp</a:t>
+            </a:r>
+            <a:r>
+              <a:rPr lang="en-US" altLang="ko-KR" dirty="0" smtClean="0"/>
+              <a:t>;		//error….</a:t>
+            </a:r>
+            <a:r>
+              <a:rPr lang="ko-KR" altLang="en-US" dirty="0" err="1" smtClean="0"/>
+              <a:t>출력갯수</a:t>
+            </a:r>
+            <a:r>
+              <a:rPr lang="en-US" altLang="ko-KR" dirty="0" smtClean="0"/>
+              <a:t> : 1</a:t>
+            </a:r>
+            <a:r>
+              <a:rPr lang="ko-KR" altLang="en-US" dirty="0" smtClean="0"/>
+              <a:t>개</a:t>
+            </a:r>
+            <a:endParaRPr lang="en-US" altLang="ko-KR" dirty="0" smtClean="0"/>
+          </a:p>
+          <a:p>
+            <a:pPr marL="342900" indent="-342900"/>
+            <a:endParaRPr lang="en-US" altLang="ko-KR" dirty="0" smtClean="0"/>
+          </a:p>
+          <a:p>
+            <a:pPr marL="342900" indent="-342900"/>
+            <a:r>
+              <a:rPr lang="en-US" altLang="ko-KR" dirty="0" smtClean="0"/>
+              <a:t>- Select </a:t>
+            </a:r>
+            <a:r>
+              <a:rPr lang="ko-KR" altLang="en-US" dirty="0" smtClean="0"/>
+              <a:t>절에 집계함수와 </a:t>
+            </a:r>
+            <a:r>
+              <a:rPr lang="ko-KR" altLang="en-US" dirty="0" err="1" smtClean="0"/>
+              <a:t>컬럼을</a:t>
+            </a:r>
+            <a:r>
+              <a:rPr lang="ko-KR" altLang="en-US" dirty="0" smtClean="0"/>
+              <a:t> 같이 출력할 수 없다</a:t>
+            </a:r>
+            <a:r>
+              <a:rPr lang="en-US" altLang="ko-KR" dirty="0" smtClean="0"/>
+              <a:t>.</a:t>
+            </a:r>
+          </a:p>
+        </p:txBody>
+      </p:sp>
+      <p:sp>
+        <p:nvSpPr>
+          <p:cNvPr id="8" name="직사각형 7"/>
+          <p:cNvSpPr/>
+          <p:nvPr/>
+        </p:nvSpPr>
+        <p:spPr>
+          <a:xfrm>
+            <a:off x="395536" y="2924944"/>
+            <a:ext cx="7859780" cy="1200329"/>
+          </a:xfrm>
+          <a:prstGeom prst="rect">
+            <a:avLst/>
+          </a:prstGeom>
+          <a:ln>
+            <a:solidFill>
+              <a:schemeClr val="accent1"/>
+            </a:solidFill>
+          </a:ln>
+        </p:spPr>
+        <p:txBody>
+          <a:bodyPr wrap="none">
+            <a:spAutoFit/>
+          </a:bodyPr>
+          <a:lstStyle/>
+          <a:p>
+            <a:pPr marL="342900" indent="-342900"/>
+            <a:r>
+              <a:rPr lang="en-US" altLang="ko-KR" dirty="0" smtClean="0"/>
+              <a:t> Select </a:t>
+            </a:r>
+            <a:r>
+              <a:rPr lang="en-US" altLang="ko-KR" b="1" u="sng" dirty="0" err="1" smtClean="0">
+                <a:solidFill>
+                  <a:srgbClr val="FF0000"/>
+                </a:solidFill>
+              </a:rPr>
+              <a:t>empno</a:t>
+            </a:r>
+            <a:r>
+              <a:rPr lang="en-US" altLang="ko-KR" b="1" dirty="0" smtClean="0">
+                <a:solidFill>
+                  <a:srgbClr val="FF0000"/>
+                </a:solidFill>
+              </a:rPr>
+              <a:t>, AVG(</a:t>
+            </a:r>
+            <a:r>
+              <a:rPr lang="en-US" altLang="ko-KR" b="1" dirty="0" err="1" smtClean="0">
+                <a:solidFill>
+                  <a:srgbClr val="FF0000"/>
+                </a:solidFill>
+              </a:rPr>
+              <a:t>sal</a:t>
+            </a:r>
+            <a:r>
+              <a:rPr lang="en-US" altLang="ko-KR" b="1" dirty="0" smtClean="0">
+                <a:solidFill>
+                  <a:srgbClr val="FF0000"/>
+                </a:solidFill>
+              </a:rPr>
+              <a:t>) </a:t>
+            </a:r>
+            <a:r>
+              <a:rPr lang="en-US" altLang="ko-KR" dirty="0" smtClean="0"/>
+              <a:t>from </a:t>
+            </a:r>
+            <a:r>
+              <a:rPr lang="en-US" altLang="ko-KR" dirty="0" err="1" smtClean="0"/>
+              <a:t>emp</a:t>
+            </a:r>
+            <a:r>
+              <a:rPr lang="en-US" altLang="ko-KR" dirty="0" smtClean="0"/>
+              <a:t> </a:t>
+            </a:r>
+            <a:r>
+              <a:rPr lang="en-US" altLang="ko-KR" b="1" dirty="0" smtClean="0">
+                <a:solidFill>
+                  <a:srgbClr val="FF0000"/>
+                </a:solidFill>
+              </a:rPr>
+              <a:t>GROUP BY </a:t>
+            </a:r>
+            <a:r>
+              <a:rPr lang="en-US" altLang="ko-KR" b="1" u="sng" dirty="0" err="1" smtClean="0">
+                <a:solidFill>
+                  <a:srgbClr val="FF0000"/>
+                </a:solidFill>
+              </a:rPr>
+              <a:t>empno</a:t>
+            </a:r>
+            <a:r>
+              <a:rPr lang="en-US" altLang="ko-KR" b="1" dirty="0" smtClean="0">
+                <a:solidFill>
+                  <a:srgbClr val="FF0000"/>
+                </a:solidFill>
+              </a:rPr>
+              <a:t>;</a:t>
+            </a:r>
+          </a:p>
+          <a:p>
+            <a:pPr marL="342900" indent="-342900"/>
+            <a:endParaRPr lang="en-US" altLang="ko-KR" dirty="0" smtClean="0"/>
+          </a:p>
+          <a:p>
+            <a:pPr marL="342900" indent="-342900">
+              <a:buFontTx/>
+              <a:buChar char="-"/>
+            </a:pPr>
+            <a:r>
+              <a:rPr lang="ko-KR" altLang="en-US" dirty="0" smtClean="0"/>
+              <a:t>출력</a:t>
+            </a:r>
+            <a:r>
+              <a:rPr lang="en-US" altLang="ko-KR" dirty="0" smtClean="0"/>
+              <a:t> </a:t>
+            </a:r>
+            <a:r>
+              <a:rPr lang="ko-KR" altLang="en-US" dirty="0" smtClean="0"/>
+              <a:t>개수 </a:t>
+            </a:r>
+            <a:r>
+              <a:rPr lang="en-US" altLang="ko-KR" dirty="0" smtClean="0"/>
+              <a:t>: </a:t>
+            </a:r>
+            <a:r>
+              <a:rPr lang="en-US" altLang="ko-KR" dirty="0" err="1" smtClean="0"/>
+              <a:t>empno</a:t>
+            </a:r>
+            <a:r>
+              <a:rPr lang="ko-KR" altLang="en-US" dirty="0" smtClean="0"/>
+              <a:t>의 개수만큼 </a:t>
+            </a:r>
+            <a:endParaRPr lang="en-US" altLang="ko-KR" dirty="0" smtClean="0"/>
+          </a:p>
+          <a:p>
+            <a:pPr marL="342900" indent="-342900">
+              <a:buFontTx/>
+              <a:buChar char="-"/>
+            </a:pPr>
+            <a:r>
+              <a:rPr lang="en-US" altLang="ko-KR" dirty="0" smtClean="0"/>
+              <a:t>Group By</a:t>
+            </a:r>
+            <a:r>
+              <a:rPr lang="ko-KR" altLang="en-US" dirty="0" smtClean="0"/>
+              <a:t>절에서 사용한 </a:t>
+            </a:r>
+            <a:r>
+              <a:rPr lang="ko-KR" altLang="en-US" dirty="0" err="1" smtClean="0"/>
+              <a:t>컬럼명은</a:t>
+            </a:r>
+            <a:r>
+              <a:rPr lang="ko-KR" altLang="en-US" dirty="0" smtClean="0"/>
+              <a:t> 당연히 </a:t>
+            </a:r>
+            <a:r>
+              <a:rPr lang="en-US" altLang="ko-KR" dirty="0" smtClean="0"/>
+              <a:t>Select </a:t>
+            </a:r>
+            <a:r>
+              <a:rPr lang="ko-KR" altLang="en-US" dirty="0" smtClean="0"/>
+              <a:t>절에 사용이 되게 된다</a:t>
+            </a:r>
+            <a:r>
+              <a:rPr lang="en-US" altLang="ko-KR" dirty="0" smtClean="0"/>
+              <a:t>.</a:t>
+            </a:r>
+          </a:p>
+        </p:txBody>
+      </p:sp>
+    </p:spTree>
+  </p:cSld>
+  <p:clrMapOvr>
+    <a:masterClrMapping/>
+  </p:clrMapOvr>
+</p:sld>
+</file>
+
+<file path=ppt/slides/slide14.xml><?xml version="1.0" encoding="utf-8"?>
+<p:sld xmlns:a="http://schemas.openxmlformats.org/drawingml/2006/main" xmlns:r="http://schemas.openxmlformats.org/officeDocument/2006/relationships" xmlns:p="http://schemas.openxmlformats.org/presentationml/2006/main">
+  <p:cSld>
+    <p:spTree>
+      <p:nvGrpSpPr>
+        <p:cNvPr id="1" name=""/>
+        <p:cNvGrpSpPr/>
+        <p:nvPr/>
+      </p:nvGrpSpPr>
+      <p:grpSpPr>
+        <a:xfrm>
+          <a:off x="0" y="0"/>
+          <a:ext cx="0" cy="0"/>
+          <a:chOff x="0" y="0"/>
+          <a:chExt cx="0" cy="0"/>
+        </a:xfrm>
+      </p:grpSpPr>
+      <p:sp>
+        <p:nvSpPr>
+          <p:cNvPr id="5" name="TextBox 4"/>
+          <p:cNvSpPr txBox="1"/>
+          <p:nvPr/>
+        </p:nvSpPr>
+        <p:spPr>
+          <a:xfrm>
+            <a:off x="251520" y="260648"/>
+            <a:ext cx="5976664" cy="400110"/>
+          </a:xfrm>
+          <a:prstGeom prst="rect">
+            <a:avLst/>
+          </a:prstGeom>
+          <a:noFill/>
+        </p:spPr>
+        <p:txBody>
+          <a:bodyPr wrap="square" rtlCol="0">
+            <a:spAutoFit/>
+          </a:bodyPr>
+          <a:lstStyle/>
+          <a:p>
+            <a:r>
+              <a:rPr lang="en-US" altLang="ko-KR" sz="2000" b="1" dirty="0" smtClean="0"/>
+              <a:t>MYSQL</a:t>
+            </a:r>
+            <a:r>
+              <a:rPr lang="ko-KR" altLang="en-US" sz="2000" b="1" dirty="0" smtClean="0"/>
+              <a:t> </a:t>
+            </a:r>
+            <a:r>
+              <a:rPr lang="en-US" altLang="ko-KR" sz="2000" b="1" dirty="0" smtClean="0"/>
+              <a:t>1</a:t>
+            </a:r>
+            <a:r>
+              <a:rPr lang="ko-KR" altLang="en-US" sz="2000" b="1" dirty="0" smtClean="0"/>
+              <a:t>일차</a:t>
+            </a:r>
+            <a:r>
+              <a:rPr lang="en-US" altLang="ko-KR" sz="2000" b="1" dirty="0" smtClean="0"/>
+              <a:t>(Select </a:t>
+            </a:r>
+            <a:r>
+              <a:rPr lang="ko-KR" altLang="en-US" sz="2000" b="1" dirty="0" smtClean="0"/>
+              <a:t>구조</a:t>
+            </a:r>
+            <a:r>
+              <a:rPr lang="en-US" altLang="ko-KR" sz="2000" b="1" dirty="0" smtClean="0"/>
+              <a:t>)</a:t>
+            </a:r>
+            <a:endParaRPr lang="ko-KR" altLang="en-US" sz="2000" b="1" dirty="0"/>
+          </a:p>
+        </p:txBody>
+      </p:sp>
+      <p:sp>
+        <p:nvSpPr>
+          <p:cNvPr id="16" name="직사각형 15"/>
+          <p:cNvSpPr/>
+          <p:nvPr/>
+        </p:nvSpPr>
+        <p:spPr>
+          <a:xfrm>
+            <a:off x="4499992" y="260648"/>
+            <a:ext cx="2417650" cy="369332"/>
+          </a:xfrm>
+          <a:prstGeom prst="rect">
+            <a:avLst/>
+          </a:prstGeom>
+        </p:spPr>
+        <p:txBody>
+          <a:bodyPr wrap="none">
+            <a:spAutoFit/>
+          </a:bodyPr>
+          <a:lstStyle/>
+          <a:p>
+            <a:r>
+              <a:rPr lang="en-US" altLang="ko-KR" dirty="0" smtClean="0"/>
+              <a:t>(dept, </a:t>
+            </a:r>
+            <a:r>
+              <a:rPr lang="en-US" altLang="ko-KR" dirty="0" err="1" smtClean="0"/>
+              <a:t>emp</a:t>
+            </a:r>
+            <a:r>
+              <a:rPr lang="en-US" altLang="ko-KR" dirty="0" smtClean="0"/>
+              <a:t>, </a:t>
+            </a:r>
+            <a:r>
+              <a:rPr lang="en-US" altLang="ko-KR" dirty="0" err="1" smtClean="0"/>
+              <a:t>salgrade</a:t>
+            </a:r>
+            <a:r>
+              <a:rPr lang="en-US" altLang="ko-KR" dirty="0" smtClean="0"/>
+              <a:t>)</a:t>
+            </a:r>
+            <a:endParaRPr lang="ko-KR" altLang="en-US" dirty="0"/>
+          </a:p>
+        </p:txBody>
+      </p:sp>
+      <p:sp>
+        <p:nvSpPr>
+          <p:cNvPr id="6" name="직사각형 5"/>
+          <p:cNvSpPr/>
+          <p:nvPr/>
+        </p:nvSpPr>
+        <p:spPr>
+          <a:xfrm>
+            <a:off x="611560" y="764704"/>
+            <a:ext cx="631904" cy="369332"/>
+          </a:xfrm>
+          <a:prstGeom prst="rect">
+            <a:avLst/>
+          </a:prstGeom>
+          <a:ln>
+            <a:solidFill>
+              <a:schemeClr val="accent1"/>
+            </a:solidFill>
+          </a:ln>
+        </p:spPr>
+        <p:txBody>
+          <a:bodyPr wrap="none">
+            <a:spAutoFit/>
+          </a:bodyPr>
+          <a:lstStyle/>
+          <a:p>
+            <a:pPr marL="342900" indent="-342900"/>
+            <a:r>
+              <a:rPr lang="en-US" altLang="ko-KR" b="1" dirty="0" smtClean="0">
+                <a:solidFill>
+                  <a:srgbClr val="FF0000"/>
+                </a:solidFill>
+              </a:rPr>
+              <a:t>Join</a:t>
+            </a:r>
+            <a:endParaRPr lang="en-US" altLang="ko-KR" dirty="0" smtClean="0"/>
+          </a:p>
+        </p:txBody>
+      </p:sp>
+      <p:sp>
+        <p:nvSpPr>
+          <p:cNvPr id="7" name="직사각형 6"/>
+          <p:cNvSpPr/>
+          <p:nvPr/>
+        </p:nvSpPr>
+        <p:spPr>
+          <a:xfrm>
+            <a:off x="0" y="1412776"/>
+            <a:ext cx="8892480" cy="923330"/>
+          </a:xfrm>
+          <a:prstGeom prst="rect">
+            <a:avLst/>
+          </a:prstGeom>
+          <a:ln>
+            <a:solidFill>
+              <a:schemeClr val="accent1"/>
+            </a:solidFill>
+          </a:ln>
+        </p:spPr>
+        <p:txBody>
+          <a:bodyPr wrap="square">
+            <a:spAutoFit/>
+          </a:bodyPr>
+          <a:lstStyle/>
+          <a:p>
+            <a:r>
+              <a:rPr lang="en-US" altLang="ko-KR" dirty="0" smtClean="0"/>
+              <a:t>[</a:t>
+            </a:r>
+            <a:r>
+              <a:rPr lang="en-US" altLang="ko-KR" dirty="0" err="1" smtClean="0"/>
+              <a:t>emp</a:t>
+            </a:r>
+            <a:r>
+              <a:rPr lang="en-US" altLang="ko-KR" dirty="0" smtClean="0"/>
+              <a:t>] 8</a:t>
+            </a:r>
+            <a:r>
+              <a:rPr lang="ko-KR" altLang="en-US" dirty="0" smtClean="0"/>
+              <a:t>개의 </a:t>
+            </a:r>
+            <a:r>
+              <a:rPr lang="en-US" altLang="ko-KR" dirty="0" err="1" smtClean="0"/>
+              <a:t>col</a:t>
+            </a:r>
+            <a:r>
+              <a:rPr lang="en-US" altLang="ko-KR" dirty="0" smtClean="0"/>
+              <a:t>, 14</a:t>
+            </a:r>
+            <a:r>
+              <a:rPr lang="ko-KR" altLang="en-US" dirty="0" smtClean="0"/>
+              <a:t>개의 </a:t>
+            </a:r>
+            <a:r>
+              <a:rPr lang="en-US" altLang="ko-KR" dirty="0" smtClean="0"/>
+              <a:t>row </a:t>
+            </a:r>
+            <a:r>
+              <a:rPr lang="ko-KR" altLang="en-US" dirty="0" smtClean="0"/>
+              <a:t>데이터</a:t>
+            </a:r>
+            <a:endParaRPr lang="en-US" altLang="ko-KR" dirty="0" smtClean="0"/>
+          </a:p>
+          <a:p>
+            <a:endParaRPr lang="en-US" altLang="ko-KR" dirty="0" smtClean="0"/>
+          </a:p>
+          <a:p>
+            <a:r>
+              <a:rPr lang="en-US" altLang="ko-KR" dirty="0" smtClean="0"/>
+              <a:t>EMPNO </a:t>
+            </a:r>
+            <a:r>
+              <a:rPr lang="en-US" altLang="ko-KR" dirty="0" smtClean="0"/>
+              <a:t>| ENAME  | JOB       | MGR  | HIREDATE   | SAL     | COMM    | </a:t>
+            </a:r>
+            <a:r>
+              <a:rPr lang="en-US" altLang="ko-KR" b="1" dirty="0" smtClean="0">
+                <a:solidFill>
+                  <a:srgbClr val="FF0000"/>
+                </a:solidFill>
+              </a:rPr>
+              <a:t>DEPTNO</a:t>
+            </a:r>
+            <a:endParaRPr lang="ko-KR" altLang="en-US" b="1" dirty="0">
+              <a:solidFill>
+                <a:srgbClr val="FF0000"/>
+              </a:solidFill>
+            </a:endParaRPr>
+          </a:p>
+        </p:txBody>
+      </p:sp>
+      <p:sp>
+        <p:nvSpPr>
+          <p:cNvPr id="9" name="직사각형 8"/>
+          <p:cNvSpPr/>
+          <p:nvPr/>
+        </p:nvSpPr>
+        <p:spPr>
+          <a:xfrm>
+            <a:off x="0" y="2636912"/>
+            <a:ext cx="3906775" cy="923330"/>
+          </a:xfrm>
+          <a:prstGeom prst="rect">
+            <a:avLst/>
+          </a:prstGeom>
+          <a:ln>
+            <a:solidFill>
+              <a:schemeClr val="accent1"/>
+            </a:solidFill>
+          </a:ln>
+        </p:spPr>
+        <p:txBody>
+          <a:bodyPr wrap="none">
+            <a:spAutoFit/>
+          </a:bodyPr>
+          <a:lstStyle/>
+          <a:p>
+            <a:r>
+              <a:rPr lang="en-US" altLang="ko-KR" dirty="0" smtClean="0"/>
+              <a:t>[dept] 3</a:t>
+            </a:r>
+            <a:r>
+              <a:rPr lang="ko-KR" altLang="en-US" dirty="0" smtClean="0"/>
+              <a:t>개의 </a:t>
+            </a:r>
+            <a:r>
+              <a:rPr lang="en-US" altLang="ko-KR" dirty="0" err="1" smtClean="0"/>
+              <a:t>col</a:t>
+            </a:r>
+            <a:r>
+              <a:rPr lang="en-US" altLang="ko-KR" dirty="0" smtClean="0"/>
+              <a:t>, 4</a:t>
+            </a:r>
+            <a:r>
+              <a:rPr lang="ko-KR" altLang="en-US" dirty="0" smtClean="0"/>
+              <a:t>개의 </a:t>
+            </a:r>
+            <a:r>
+              <a:rPr lang="en-US" altLang="ko-KR" dirty="0" smtClean="0"/>
+              <a:t>row </a:t>
+            </a:r>
+            <a:r>
+              <a:rPr lang="ko-KR" altLang="en-US" dirty="0" smtClean="0"/>
+              <a:t>데이터 </a:t>
+            </a:r>
+            <a:endParaRPr lang="en-US" altLang="ko-KR" dirty="0" smtClean="0"/>
+          </a:p>
+          <a:p>
+            <a:endParaRPr lang="en-US" altLang="ko-KR" dirty="0" smtClean="0"/>
+          </a:p>
+          <a:p>
+            <a:r>
+              <a:rPr lang="en-US" altLang="ko-KR" b="1" dirty="0" smtClean="0">
+                <a:solidFill>
+                  <a:srgbClr val="FF0000"/>
+                </a:solidFill>
+              </a:rPr>
+              <a:t>DEPTNO</a:t>
+            </a:r>
+            <a:r>
+              <a:rPr lang="en-US" altLang="ko-KR" dirty="0" smtClean="0"/>
+              <a:t> </a:t>
+            </a:r>
+            <a:r>
+              <a:rPr lang="en-US" altLang="ko-KR" dirty="0" smtClean="0"/>
+              <a:t>| DNAME      | LOC</a:t>
+            </a:r>
+            <a:endParaRPr lang="ko-KR" altLang="en-US" dirty="0"/>
+          </a:p>
+        </p:txBody>
+      </p:sp>
+      <p:sp>
+        <p:nvSpPr>
+          <p:cNvPr id="10" name="직사각형 9"/>
+          <p:cNvSpPr/>
+          <p:nvPr/>
+        </p:nvSpPr>
+        <p:spPr>
+          <a:xfrm>
+            <a:off x="179512" y="3789040"/>
+            <a:ext cx="8507906" cy="1754326"/>
+          </a:xfrm>
+          <a:prstGeom prst="rect">
+            <a:avLst/>
+          </a:prstGeom>
+        </p:spPr>
+        <p:txBody>
+          <a:bodyPr wrap="none">
+            <a:spAutoFit/>
+          </a:bodyPr>
+          <a:lstStyle/>
+          <a:p>
+            <a:r>
+              <a:rPr lang="ko-KR" altLang="en-US" dirty="0" smtClean="0"/>
+              <a:t>시각적으로 </a:t>
+            </a:r>
+            <a:r>
+              <a:rPr lang="en-US" altLang="ko-KR" dirty="0" smtClean="0"/>
+              <a:t>JOIN </a:t>
+            </a:r>
+            <a:r>
+              <a:rPr lang="ko-KR" altLang="en-US" dirty="0" smtClean="0"/>
+              <a:t>문장인지 확인할 수 있는 방법</a:t>
+            </a:r>
+            <a:r>
+              <a:rPr lang="en-US" altLang="ko-KR" dirty="0" smtClean="0"/>
+              <a:t>!( from</a:t>
+            </a:r>
+            <a:r>
+              <a:rPr lang="ko-KR" altLang="en-US" dirty="0" smtClean="0"/>
+              <a:t>절에 테이블이 </a:t>
+            </a:r>
+            <a:r>
+              <a:rPr lang="en-US" altLang="ko-KR" dirty="0" smtClean="0"/>
+              <a:t>2</a:t>
+            </a:r>
+            <a:r>
+              <a:rPr lang="ko-KR" altLang="en-US" dirty="0" smtClean="0"/>
+              <a:t>개 이상</a:t>
+            </a:r>
+            <a:r>
+              <a:rPr lang="en-US" altLang="ko-KR" dirty="0" smtClean="0"/>
+              <a:t>)</a:t>
+            </a:r>
+          </a:p>
+          <a:p>
+            <a:endParaRPr lang="en-US" altLang="ko-KR" dirty="0" smtClean="0"/>
+          </a:p>
+          <a:p>
+            <a:r>
+              <a:rPr lang="en-US" altLang="ko-KR" dirty="0" smtClean="0"/>
+              <a:t>Select * </a:t>
+            </a:r>
+            <a:r>
+              <a:rPr lang="en-US" altLang="ko-KR" b="1" dirty="0" smtClean="0">
+                <a:solidFill>
+                  <a:srgbClr val="FF0000"/>
+                </a:solidFill>
+              </a:rPr>
+              <a:t>from </a:t>
+            </a:r>
+            <a:r>
+              <a:rPr lang="en-US" altLang="ko-KR" b="1" dirty="0" err="1" smtClean="0">
+                <a:solidFill>
+                  <a:srgbClr val="FF0000"/>
+                </a:solidFill>
+              </a:rPr>
+              <a:t>emp</a:t>
+            </a:r>
+            <a:r>
+              <a:rPr lang="en-US" altLang="ko-KR" b="1" dirty="0" smtClean="0">
+                <a:solidFill>
+                  <a:srgbClr val="FF0000"/>
+                </a:solidFill>
+              </a:rPr>
+              <a:t>, dept;      // </a:t>
+            </a:r>
+            <a:r>
+              <a:rPr lang="ko-KR" altLang="en-US" b="1" dirty="0" err="1" smtClean="0">
+                <a:solidFill>
+                  <a:srgbClr val="FF0000"/>
+                </a:solidFill>
+              </a:rPr>
+              <a:t>카타시안</a:t>
+            </a:r>
+            <a:r>
+              <a:rPr lang="ko-KR" altLang="en-US" b="1" dirty="0" smtClean="0">
+                <a:solidFill>
+                  <a:srgbClr val="FF0000"/>
+                </a:solidFill>
+              </a:rPr>
+              <a:t> </a:t>
+            </a:r>
+            <a:r>
+              <a:rPr lang="ko-KR" altLang="en-US" b="1" dirty="0" err="1" smtClean="0">
+                <a:solidFill>
+                  <a:srgbClr val="FF0000"/>
+                </a:solidFill>
+              </a:rPr>
+              <a:t>프로덕트</a:t>
+            </a:r>
+            <a:r>
+              <a:rPr lang="en-US" altLang="ko-KR" b="1" dirty="0" smtClean="0">
+                <a:solidFill>
+                  <a:srgbClr val="FF0000"/>
+                </a:solidFill>
+              </a:rPr>
+              <a:t>(</a:t>
+            </a:r>
+            <a:r>
+              <a:rPr lang="ko-KR" altLang="en-US" b="1" dirty="0" smtClean="0">
+                <a:solidFill>
+                  <a:srgbClr val="FF0000"/>
+                </a:solidFill>
+              </a:rPr>
+              <a:t>곱</a:t>
+            </a:r>
+            <a:r>
+              <a:rPr lang="en-US" altLang="ko-KR" b="1" dirty="0" smtClean="0">
+                <a:solidFill>
+                  <a:srgbClr val="FF0000"/>
+                </a:solidFill>
+              </a:rPr>
+              <a:t>),  </a:t>
+            </a:r>
+            <a:r>
+              <a:rPr lang="en-US" altLang="ko-KR" b="1" u="sng" dirty="0" smtClean="0">
+                <a:solidFill>
+                  <a:srgbClr val="FF0000"/>
+                </a:solidFill>
+              </a:rPr>
+              <a:t>JOIN</a:t>
+            </a:r>
+            <a:r>
+              <a:rPr lang="ko-KR" altLang="en-US" b="1" u="sng" dirty="0" smtClean="0">
+                <a:solidFill>
+                  <a:srgbClr val="FF0000"/>
+                </a:solidFill>
+              </a:rPr>
+              <a:t>의 조건이 없을때</a:t>
+            </a:r>
+            <a:endParaRPr lang="en-US" altLang="ko-KR" b="1" u="sng" dirty="0" smtClean="0">
+              <a:solidFill>
+                <a:srgbClr val="FF0000"/>
+              </a:solidFill>
+            </a:endParaRPr>
+          </a:p>
+          <a:p>
+            <a:endParaRPr lang="en-US" altLang="ko-KR" b="1" dirty="0" smtClean="0">
+              <a:solidFill>
+                <a:srgbClr val="FF0000"/>
+              </a:solidFill>
+            </a:endParaRPr>
+          </a:p>
+          <a:p>
+            <a:r>
+              <a:rPr lang="en-US" altLang="ko-KR" b="1" dirty="0" smtClean="0">
+                <a:solidFill>
+                  <a:srgbClr val="FF0000"/>
+                </a:solidFill>
+              </a:rPr>
+              <a:t>  - </a:t>
+            </a:r>
+            <a:r>
+              <a:rPr lang="ko-KR" altLang="en-US" b="1" dirty="0" err="1" smtClean="0">
+                <a:solidFill>
+                  <a:srgbClr val="FF0000"/>
+                </a:solidFill>
+              </a:rPr>
+              <a:t>컬럼의</a:t>
+            </a:r>
+            <a:r>
+              <a:rPr lang="ko-KR" altLang="en-US" b="1" dirty="0" smtClean="0">
+                <a:solidFill>
+                  <a:srgbClr val="FF0000"/>
+                </a:solidFill>
+              </a:rPr>
+              <a:t> 개수 </a:t>
+            </a:r>
+            <a:r>
+              <a:rPr lang="en-US" altLang="ko-KR" b="1" dirty="0" smtClean="0">
+                <a:solidFill>
+                  <a:srgbClr val="FF0000"/>
+                </a:solidFill>
+              </a:rPr>
+              <a:t>: 11</a:t>
+            </a:r>
+            <a:r>
+              <a:rPr lang="ko-KR" altLang="en-US" b="1" dirty="0" smtClean="0">
+                <a:solidFill>
+                  <a:srgbClr val="FF0000"/>
+                </a:solidFill>
+              </a:rPr>
+              <a:t>개</a:t>
+            </a:r>
+            <a:endParaRPr lang="en-US" altLang="ko-KR" b="1" dirty="0" smtClean="0">
+              <a:solidFill>
+                <a:srgbClr val="FF0000"/>
+              </a:solidFill>
+            </a:endParaRPr>
+          </a:p>
+          <a:p>
+            <a:r>
+              <a:rPr lang="en-US" altLang="ko-KR" b="1" dirty="0" smtClean="0">
+                <a:solidFill>
+                  <a:srgbClr val="FF0000"/>
+                </a:solidFill>
+              </a:rPr>
+              <a:t> </a:t>
+            </a:r>
+            <a:r>
+              <a:rPr lang="en-US" altLang="ko-KR" b="1" dirty="0" smtClean="0">
+                <a:solidFill>
+                  <a:srgbClr val="FF0000"/>
+                </a:solidFill>
+              </a:rPr>
+              <a:t> - </a:t>
+            </a:r>
+            <a:r>
+              <a:rPr lang="ko-KR" altLang="en-US" b="1" dirty="0" err="1" smtClean="0">
+                <a:solidFill>
+                  <a:srgbClr val="FF0000"/>
+                </a:solidFill>
+              </a:rPr>
+              <a:t>로우데이터의</a:t>
+            </a:r>
+            <a:r>
+              <a:rPr lang="ko-KR" altLang="en-US" b="1" dirty="0" smtClean="0">
+                <a:solidFill>
+                  <a:srgbClr val="FF0000"/>
+                </a:solidFill>
+              </a:rPr>
+              <a:t> 개수 </a:t>
+            </a:r>
+            <a:r>
+              <a:rPr lang="en-US" altLang="ko-KR" b="1" dirty="0" smtClean="0">
+                <a:solidFill>
+                  <a:srgbClr val="FF0000"/>
+                </a:solidFill>
+              </a:rPr>
+              <a:t>:  14 * 4 = 56</a:t>
+            </a:r>
+            <a:r>
+              <a:rPr lang="ko-KR" altLang="en-US" b="1" dirty="0" smtClean="0">
+                <a:solidFill>
+                  <a:srgbClr val="FF0000"/>
+                </a:solidFill>
+              </a:rPr>
+              <a:t>개</a:t>
+            </a:r>
+            <a:endParaRPr lang="ko-KR" altLang="en-US" b="1" dirty="0">
+              <a:solidFill>
+                <a:srgbClr val="FF0000"/>
+              </a:solidFill>
+            </a:endParaRPr>
+          </a:p>
+        </p:txBody>
+      </p:sp>
+      <p:sp>
+        <p:nvSpPr>
+          <p:cNvPr id="11" name="직사각형 10"/>
+          <p:cNvSpPr/>
+          <p:nvPr/>
+        </p:nvSpPr>
+        <p:spPr>
+          <a:xfrm>
+            <a:off x="179512" y="5733256"/>
+            <a:ext cx="8449749" cy="646331"/>
+          </a:xfrm>
+          <a:prstGeom prst="rect">
+            <a:avLst/>
+          </a:prstGeom>
+          <a:ln>
+            <a:solidFill>
+              <a:schemeClr val="accent1"/>
+            </a:solidFill>
+          </a:ln>
+        </p:spPr>
+        <p:txBody>
+          <a:bodyPr wrap="none">
+            <a:spAutoFit/>
+          </a:bodyPr>
+          <a:lstStyle/>
+          <a:p>
+            <a:r>
+              <a:rPr lang="en-US" altLang="ko-KR" dirty="0" smtClean="0"/>
+              <a:t>JOIN</a:t>
+            </a:r>
+            <a:r>
+              <a:rPr lang="ko-KR" altLang="en-US" dirty="0" smtClean="0"/>
+              <a:t>을 할때는 기준 테이블</a:t>
+            </a:r>
+            <a:r>
+              <a:rPr lang="en-US" altLang="ko-KR" dirty="0" smtClean="0"/>
+              <a:t>[</a:t>
+            </a:r>
+            <a:r>
+              <a:rPr lang="ko-KR" altLang="en-US" b="1" dirty="0" smtClean="0">
+                <a:solidFill>
+                  <a:srgbClr val="FF0000"/>
+                </a:solidFill>
+              </a:rPr>
+              <a:t>자식</a:t>
+            </a:r>
+            <a:r>
+              <a:rPr lang="en-US" altLang="ko-KR" b="1" dirty="0" smtClean="0">
+                <a:solidFill>
+                  <a:srgbClr val="FF0000"/>
+                </a:solidFill>
+              </a:rPr>
+              <a:t>, </a:t>
+            </a:r>
+            <a:r>
+              <a:rPr lang="ko-KR" altLang="en-US" b="1" dirty="0" smtClean="0">
+                <a:solidFill>
+                  <a:srgbClr val="FF0000"/>
+                </a:solidFill>
+              </a:rPr>
+              <a:t>부족한 부분을 다른 테이블에서 획득</a:t>
+            </a:r>
+            <a:r>
+              <a:rPr lang="en-US" altLang="ko-KR" dirty="0" smtClean="0"/>
+              <a:t>]</a:t>
+            </a:r>
+            <a:r>
+              <a:rPr lang="ko-KR" altLang="en-US" dirty="0" smtClean="0"/>
+              <a:t>이 있다</a:t>
+            </a:r>
+            <a:r>
+              <a:rPr lang="en-US" altLang="ko-KR" dirty="0" smtClean="0"/>
+              <a:t>. </a:t>
+            </a:r>
+          </a:p>
+          <a:p>
+            <a:r>
+              <a:rPr lang="ko-KR" altLang="en-US" dirty="0" smtClean="0"/>
+              <a:t>정상적인 </a:t>
+            </a:r>
+            <a:r>
+              <a:rPr lang="en-US" altLang="ko-KR" dirty="0" smtClean="0"/>
+              <a:t>JOIN</a:t>
+            </a:r>
+            <a:r>
+              <a:rPr lang="ko-KR" altLang="en-US" dirty="0" smtClean="0"/>
+              <a:t>을 수행하면 기준 테이블의 로우 데이터 개수의 크기로 반환</a:t>
+            </a:r>
+            <a:r>
+              <a:rPr lang="en-US" altLang="ko-KR" dirty="0" smtClean="0"/>
+              <a:t>!</a:t>
+            </a:r>
+            <a:endParaRPr lang="ko-KR" altLang="en-US" dirty="0"/>
+          </a:p>
+        </p:txBody>
+      </p:sp>
+    </p:spTree>
+  </p:cSld>
+  <p:clrMapOvr>
+    <a:masterClrMapping/>
+  </p:clrMapOvr>
+</p:sld>
+</file>
+
+<file path=ppt/slides/slide15.xml><?xml version="1.0" encoding="utf-8"?>
+<p:sld xmlns:a="http://schemas.openxmlformats.org/drawingml/2006/main" xmlns:r="http://schemas.openxmlformats.org/officeDocument/2006/relationships" xmlns:p="http://schemas.openxmlformats.org/presentationml/2006/main">
+  <p:cSld>
+    <p:spTree>
+      <p:nvGrpSpPr>
+        <p:cNvPr id="1" name=""/>
+        <p:cNvGrpSpPr/>
+        <p:nvPr/>
+      </p:nvGrpSpPr>
+      <p:grpSpPr>
+        <a:xfrm>
+          <a:off x="0" y="0"/>
+          <a:ext cx="0" cy="0"/>
+          <a:chOff x="0" y="0"/>
+          <a:chExt cx="0" cy="0"/>
+        </a:xfrm>
+      </p:grpSpPr>
+      <p:sp>
+        <p:nvSpPr>
+          <p:cNvPr id="5" name="TextBox 4"/>
+          <p:cNvSpPr txBox="1"/>
+          <p:nvPr/>
+        </p:nvSpPr>
+        <p:spPr>
+          <a:xfrm>
+            <a:off x="251520" y="260648"/>
+            <a:ext cx="5976664" cy="400110"/>
+          </a:xfrm>
+          <a:prstGeom prst="rect">
+            <a:avLst/>
+          </a:prstGeom>
+          <a:noFill/>
+        </p:spPr>
+        <p:txBody>
+          <a:bodyPr wrap="square" rtlCol="0">
+            <a:spAutoFit/>
+          </a:bodyPr>
+          <a:lstStyle/>
+          <a:p>
+            <a:r>
+              <a:rPr lang="en-US" altLang="ko-KR" sz="2000" b="1" dirty="0" smtClean="0"/>
+              <a:t>MYSQL</a:t>
+            </a:r>
+            <a:r>
+              <a:rPr lang="ko-KR" altLang="en-US" sz="2000" b="1" dirty="0" smtClean="0"/>
+              <a:t> </a:t>
+            </a:r>
+            <a:r>
+              <a:rPr lang="en-US" altLang="ko-KR" sz="2000" b="1" dirty="0" smtClean="0"/>
+              <a:t>1</a:t>
+            </a:r>
+            <a:r>
+              <a:rPr lang="ko-KR" altLang="en-US" sz="2000" b="1" dirty="0" smtClean="0"/>
+              <a:t>일차</a:t>
+            </a:r>
+            <a:r>
+              <a:rPr lang="en-US" altLang="ko-KR" sz="2000" b="1" dirty="0" smtClean="0"/>
+              <a:t>(Select </a:t>
+            </a:r>
+            <a:r>
+              <a:rPr lang="ko-KR" altLang="en-US" sz="2000" b="1" dirty="0" smtClean="0"/>
+              <a:t>구조</a:t>
+            </a:r>
+            <a:r>
+              <a:rPr lang="en-US" altLang="ko-KR" sz="2000" b="1" dirty="0" smtClean="0"/>
+              <a:t>)</a:t>
+            </a:r>
+            <a:endParaRPr lang="ko-KR" altLang="en-US" sz="2000" b="1" dirty="0"/>
+          </a:p>
+        </p:txBody>
+      </p:sp>
+      <p:sp>
+        <p:nvSpPr>
+          <p:cNvPr id="16" name="직사각형 15"/>
+          <p:cNvSpPr/>
+          <p:nvPr/>
+        </p:nvSpPr>
+        <p:spPr>
+          <a:xfrm>
+            <a:off x="4499992" y="260648"/>
+            <a:ext cx="2417650" cy="369332"/>
+          </a:xfrm>
+          <a:prstGeom prst="rect">
+            <a:avLst/>
+          </a:prstGeom>
+        </p:spPr>
+        <p:txBody>
+          <a:bodyPr wrap="none">
+            <a:spAutoFit/>
+          </a:bodyPr>
+          <a:lstStyle/>
+          <a:p>
+            <a:r>
+              <a:rPr lang="en-US" altLang="ko-KR" dirty="0" smtClean="0"/>
+              <a:t>(dept, </a:t>
+            </a:r>
+            <a:r>
+              <a:rPr lang="en-US" altLang="ko-KR" dirty="0" err="1" smtClean="0"/>
+              <a:t>emp</a:t>
+            </a:r>
+            <a:r>
+              <a:rPr lang="en-US" altLang="ko-KR" dirty="0" smtClean="0"/>
+              <a:t>, </a:t>
+            </a:r>
+            <a:r>
+              <a:rPr lang="en-US" altLang="ko-KR" dirty="0" err="1" smtClean="0"/>
+              <a:t>salgrade</a:t>
+            </a:r>
+            <a:r>
+              <a:rPr lang="en-US" altLang="ko-KR" dirty="0" smtClean="0"/>
+              <a:t>)</a:t>
+            </a:r>
+            <a:endParaRPr lang="ko-KR" altLang="en-US" dirty="0"/>
+          </a:p>
+        </p:txBody>
+      </p:sp>
+      <p:sp>
+        <p:nvSpPr>
+          <p:cNvPr id="6" name="직사각형 5"/>
+          <p:cNvSpPr/>
+          <p:nvPr/>
+        </p:nvSpPr>
+        <p:spPr>
+          <a:xfrm>
+            <a:off x="611560" y="764704"/>
+            <a:ext cx="3002745" cy="369332"/>
+          </a:xfrm>
+          <a:prstGeom prst="rect">
+            <a:avLst/>
+          </a:prstGeom>
+          <a:ln>
+            <a:solidFill>
+              <a:schemeClr val="accent1"/>
+            </a:solidFill>
+          </a:ln>
+        </p:spPr>
+        <p:txBody>
+          <a:bodyPr wrap="none">
+            <a:spAutoFit/>
+          </a:bodyPr>
+          <a:lstStyle/>
+          <a:p>
+            <a:pPr marL="342900" indent="-342900"/>
+            <a:r>
+              <a:rPr lang="en-US" altLang="ko-KR" b="1" dirty="0" err="1" smtClean="0">
+                <a:solidFill>
+                  <a:srgbClr val="FF0000"/>
+                </a:solidFill>
+              </a:rPr>
+              <a:t>Equl</a:t>
+            </a:r>
+            <a:r>
+              <a:rPr lang="en-US" altLang="ko-KR" b="1" dirty="0" smtClean="0">
+                <a:solidFill>
+                  <a:srgbClr val="FF0000"/>
+                </a:solidFill>
+              </a:rPr>
+              <a:t> Join ( = </a:t>
+            </a:r>
+            <a:r>
+              <a:rPr lang="ko-KR" altLang="en-US" b="1" dirty="0" smtClean="0">
+                <a:solidFill>
+                  <a:srgbClr val="FF0000"/>
+                </a:solidFill>
+              </a:rPr>
+              <a:t>연산자 활용</a:t>
+            </a:r>
+            <a:r>
+              <a:rPr lang="en-US" altLang="ko-KR" b="1" dirty="0" smtClean="0">
+                <a:solidFill>
+                  <a:srgbClr val="FF0000"/>
+                </a:solidFill>
+              </a:rPr>
+              <a:t>)</a:t>
+            </a:r>
+            <a:endParaRPr lang="en-US" altLang="ko-KR" dirty="0" smtClean="0"/>
+          </a:p>
+        </p:txBody>
+      </p:sp>
+      <p:sp>
+        <p:nvSpPr>
+          <p:cNvPr id="7" name="직사각형 6"/>
+          <p:cNvSpPr/>
+          <p:nvPr/>
+        </p:nvSpPr>
+        <p:spPr>
+          <a:xfrm>
+            <a:off x="0" y="1412776"/>
+            <a:ext cx="8892480" cy="923330"/>
+          </a:xfrm>
+          <a:prstGeom prst="rect">
+            <a:avLst/>
+          </a:prstGeom>
+          <a:ln>
+            <a:solidFill>
+              <a:schemeClr val="accent1"/>
+            </a:solidFill>
+          </a:ln>
+        </p:spPr>
+        <p:txBody>
+          <a:bodyPr wrap="square">
+            <a:spAutoFit/>
+          </a:bodyPr>
+          <a:lstStyle/>
+          <a:p>
+            <a:r>
+              <a:rPr lang="en-US" altLang="ko-KR" dirty="0" smtClean="0"/>
+              <a:t>[</a:t>
+            </a:r>
+            <a:r>
+              <a:rPr lang="en-US" altLang="ko-KR" dirty="0" err="1" smtClean="0"/>
+              <a:t>emp</a:t>
+            </a:r>
+            <a:r>
+              <a:rPr lang="en-US" altLang="ko-KR" dirty="0" smtClean="0"/>
+              <a:t>] 8</a:t>
+            </a:r>
+            <a:r>
+              <a:rPr lang="ko-KR" altLang="en-US" dirty="0" smtClean="0"/>
+              <a:t>개의 </a:t>
+            </a:r>
+            <a:r>
+              <a:rPr lang="en-US" altLang="ko-KR" dirty="0" err="1" smtClean="0"/>
+              <a:t>col</a:t>
+            </a:r>
+            <a:r>
+              <a:rPr lang="en-US" altLang="ko-KR" dirty="0" smtClean="0"/>
+              <a:t>, 14</a:t>
+            </a:r>
+            <a:r>
+              <a:rPr lang="ko-KR" altLang="en-US" dirty="0" smtClean="0"/>
+              <a:t>개의 </a:t>
+            </a:r>
+            <a:r>
+              <a:rPr lang="en-US" altLang="ko-KR" dirty="0" smtClean="0"/>
+              <a:t>row </a:t>
+            </a:r>
+            <a:r>
+              <a:rPr lang="ko-KR" altLang="en-US" dirty="0" smtClean="0"/>
+              <a:t>데이터</a:t>
+            </a:r>
+            <a:endParaRPr lang="en-US" altLang="ko-KR" dirty="0" smtClean="0"/>
+          </a:p>
+          <a:p>
+            <a:endParaRPr lang="en-US" altLang="ko-KR" dirty="0" smtClean="0"/>
+          </a:p>
+          <a:p>
+            <a:r>
+              <a:rPr lang="en-US" altLang="ko-KR" dirty="0" smtClean="0"/>
+              <a:t>EMPNO </a:t>
+            </a:r>
+            <a:r>
+              <a:rPr lang="en-US" altLang="ko-KR" dirty="0" smtClean="0"/>
+              <a:t>| ENAME  | JOB       | MGR  | HIREDATE   | SAL     | COMM    | </a:t>
+            </a:r>
+            <a:r>
+              <a:rPr lang="en-US" altLang="ko-KR" b="1" dirty="0" smtClean="0">
+                <a:solidFill>
+                  <a:srgbClr val="FF0000"/>
+                </a:solidFill>
+              </a:rPr>
+              <a:t>DEPTNO</a:t>
+            </a:r>
+            <a:endParaRPr lang="ko-KR" altLang="en-US" b="1" dirty="0">
+              <a:solidFill>
+                <a:srgbClr val="FF0000"/>
+              </a:solidFill>
+            </a:endParaRPr>
+          </a:p>
+        </p:txBody>
+      </p:sp>
+      <p:sp>
+        <p:nvSpPr>
+          <p:cNvPr id="9" name="직사각형 8"/>
+          <p:cNvSpPr/>
+          <p:nvPr/>
+        </p:nvSpPr>
+        <p:spPr>
+          <a:xfrm>
+            <a:off x="0" y="2636912"/>
+            <a:ext cx="3906775" cy="923330"/>
+          </a:xfrm>
+          <a:prstGeom prst="rect">
+            <a:avLst/>
+          </a:prstGeom>
+          <a:ln>
+            <a:solidFill>
+              <a:schemeClr val="accent1"/>
+            </a:solidFill>
+          </a:ln>
+        </p:spPr>
+        <p:txBody>
+          <a:bodyPr wrap="none">
+            <a:spAutoFit/>
+          </a:bodyPr>
+          <a:lstStyle/>
+          <a:p>
+            <a:r>
+              <a:rPr lang="en-US" altLang="ko-KR" dirty="0" smtClean="0"/>
+              <a:t>[dept] 3</a:t>
+            </a:r>
+            <a:r>
+              <a:rPr lang="ko-KR" altLang="en-US" dirty="0" smtClean="0"/>
+              <a:t>개의 </a:t>
+            </a:r>
+            <a:r>
+              <a:rPr lang="en-US" altLang="ko-KR" dirty="0" err="1" smtClean="0"/>
+              <a:t>col</a:t>
+            </a:r>
+            <a:r>
+              <a:rPr lang="en-US" altLang="ko-KR" dirty="0" smtClean="0"/>
+              <a:t>, 4</a:t>
+            </a:r>
+            <a:r>
+              <a:rPr lang="ko-KR" altLang="en-US" dirty="0" smtClean="0"/>
+              <a:t>개의 </a:t>
+            </a:r>
+            <a:r>
+              <a:rPr lang="en-US" altLang="ko-KR" dirty="0" smtClean="0"/>
+              <a:t>row </a:t>
+            </a:r>
+            <a:r>
+              <a:rPr lang="ko-KR" altLang="en-US" dirty="0" smtClean="0"/>
+              <a:t>데이터 </a:t>
+            </a:r>
+            <a:endParaRPr lang="en-US" altLang="ko-KR" dirty="0" smtClean="0"/>
+          </a:p>
+          <a:p>
+            <a:endParaRPr lang="en-US" altLang="ko-KR" dirty="0" smtClean="0"/>
+          </a:p>
+          <a:p>
+            <a:r>
+              <a:rPr lang="en-US" altLang="ko-KR" b="1" dirty="0" smtClean="0">
+                <a:solidFill>
+                  <a:srgbClr val="FF0000"/>
+                </a:solidFill>
+              </a:rPr>
+              <a:t>DEPTNO</a:t>
+            </a:r>
+            <a:r>
+              <a:rPr lang="en-US" altLang="ko-KR" dirty="0" smtClean="0"/>
+              <a:t> </a:t>
+            </a:r>
+            <a:r>
+              <a:rPr lang="en-US" altLang="ko-KR" dirty="0" smtClean="0"/>
+              <a:t>| DNAME      | LOC</a:t>
+            </a:r>
+            <a:endParaRPr lang="ko-KR" altLang="en-US" dirty="0"/>
+          </a:p>
+        </p:txBody>
+      </p:sp>
+      <p:sp>
+        <p:nvSpPr>
+          <p:cNvPr id="10" name="직사각형 9"/>
+          <p:cNvSpPr/>
+          <p:nvPr/>
+        </p:nvSpPr>
+        <p:spPr>
+          <a:xfrm>
+            <a:off x="179512" y="3789040"/>
+            <a:ext cx="6380273" cy="2031325"/>
+          </a:xfrm>
+          <a:prstGeom prst="rect">
+            <a:avLst/>
+          </a:prstGeom>
+        </p:spPr>
+        <p:txBody>
+          <a:bodyPr wrap="none">
+            <a:spAutoFit/>
+          </a:bodyPr>
+          <a:lstStyle/>
+          <a:p>
+            <a:r>
+              <a:rPr lang="en-US" altLang="ko-KR" b="1" dirty="0" smtClean="0"/>
+              <a:t>SMITH </a:t>
+            </a:r>
+            <a:r>
+              <a:rPr lang="ko-KR" altLang="en-US" b="1" dirty="0" smtClean="0"/>
+              <a:t>가 속한 부서명과 부서의 지역명을 출력하고 싶다</a:t>
+            </a:r>
+            <a:r>
+              <a:rPr lang="en-US" altLang="ko-KR" b="1" dirty="0" smtClean="0"/>
+              <a:t>.</a:t>
+            </a:r>
+          </a:p>
+          <a:p>
+            <a:r>
+              <a:rPr lang="en-US" altLang="ko-KR" dirty="0" smtClean="0"/>
+              <a:t>SMITH(</a:t>
+            </a:r>
+            <a:r>
+              <a:rPr lang="en-US" altLang="ko-KR" dirty="0" err="1" smtClean="0"/>
+              <a:t>emp</a:t>
+            </a:r>
+            <a:r>
+              <a:rPr lang="ko-KR" altLang="en-US" dirty="0" smtClean="0"/>
+              <a:t>테이블의 </a:t>
+            </a:r>
+            <a:r>
+              <a:rPr lang="en-US" altLang="ko-KR" dirty="0" err="1" smtClean="0"/>
+              <a:t>ename</a:t>
+            </a:r>
+            <a:r>
+              <a:rPr lang="ko-KR" altLang="en-US" dirty="0" err="1" smtClean="0"/>
+              <a:t>컬럼</a:t>
+            </a:r>
+            <a:r>
+              <a:rPr lang="en-US" altLang="ko-KR" dirty="0" smtClean="0"/>
+              <a:t>)</a:t>
+            </a:r>
+          </a:p>
+          <a:p>
+            <a:r>
+              <a:rPr lang="ko-KR" altLang="en-US" dirty="0" smtClean="0"/>
+              <a:t>부서명</a:t>
+            </a:r>
+            <a:r>
+              <a:rPr lang="en-US" altLang="ko-KR" dirty="0" smtClean="0"/>
+              <a:t>, </a:t>
+            </a:r>
+            <a:r>
+              <a:rPr lang="ko-KR" altLang="en-US" dirty="0" err="1" smtClean="0"/>
+              <a:t>지역명</a:t>
+            </a:r>
+            <a:r>
+              <a:rPr lang="en-US" altLang="ko-KR" dirty="0" smtClean="0"/>
+              <a:t>(dept</a:t>
+            </a:r>
+            <a:r>
+              <a:rPr lang="ko-KR" altLang="en-US" dirty="0" smtClean="0"/>
+              <a:t>테이블의 </a:t>
+            </a:r>
+            <a:r>
+              <a:rPr lang="en-US" altLang="ko-KR" dirty="0" err="1" smtClean="0"/>
+              <a:t>dname</a:t>
+            </a:r>
+            <a:r>
+              <a:rPr lang="ko-KR" altLang="en-US" dirty="0" smtClean="0"/>
+              <a:t>과 </a:t>
+            </a:r>
+            <a:r>
+              <a:rPr lang="en-US" altLang="ko-KR" dirty="0" smtClean="0"/>
+              <a:t>loc)</a:t>
+            </a:r>
+          </a:p>
+          <a:p>
+            <a:endParaRPr lang="en-US" altLang="ko-KR" b="1" dirty="0" smtClean="0"/>
+          </a:p>
+          <a:p>
+            <a:r>
+              <a:rPr lang="en-US" altLang="ko-KR" b="1" dirty="0" err="1" smtClean="0"/>
+              <a:t>Ename</a:t>
+            </a:r>
+            <a:r>
+              <a:rPr lang="en-US" altLang="ko-KR" b="1" dirty="0" smtClean="0"/>
+              <a:t>   </a:t>
+            </a:r>
+            <a:r>
+              <a:rPr lang="en-US" altLang="ko-KR" b="1" dirty="0" err="1" smtClean="0"/>
+              <a:t>dname</a:t>
+            </a:r>
+            <a:r>
+              <a:rPr lang="en-US" altLang="ko-KR" b="1" dirty="0" smtClean="0"/>
+              <a:t>        loc</a:t>
+            </a:r>
+          </a:p>
+          <a:p>
+            <a:r>
+              <a:rPr lang="en-US" altLang="ko-KR" b="1" dirty="0" smtClean="0"/>
+              <a:t>------------------------------</a:t>
+            </a:r>
+          </a:p>
+          <a:p>
+            <a:r>
+              <a:rPr lang="en-US" altLang="ko-KR" b="1" dirty="0" smtClean="0"/>
+              <a:t>SMITH    </a:t>
+            </a:r>
+            <a:r>
+              <a:rPr lang="en-US" altLang="ko-KR" b="1" dirty="0" err="1" smtClean="0"/>
+              <a:t>RESEARCh</a:t>
+            </a:r>
+            <a:r>
+              <a:rPr lang="en-US" altLang="ko-KR" b="1" dirty="0" smtClean="0"/>
+              <a:t>  DALLAS</a:t>
+            </a:r>
+            <a:endParaRPr lang="ko-KR" altLang="en-US" b="1" dirty="0"/>
+          </a:p>
+        </p:txBody>
+      </p:sp>
+      <p:sp>
+        <p:nvSpPr>
+          <p:cNvPr id="12" name="직사각형 11"/>
+          <p:cNvSpPr/>
+          <p:nvPr/>
+        </p:nvSpPr>
+        <p:spPr>
+          <a:xfrm>
+            <a:off x="3851920" y="4869160"/>
+            <a:ext cx="4572000" cy="1200329"/>
+          </a:xfrm>
+          <a:prstGeom prst="rect">
+            <a:avLst/>
+          </a:prstGeom>
+        </p:spPr>
+        <p:txBody>
+          <a:bodyPr>
+            <a:spAutoFit/>
+          </a:bodyPr>
+          <a:lstStyle/>
+          <a:p>
+            <a:r>
+              <a:rPr lang="en-US" altLang="ko-KR" dirty="0" smtClean="0"/>
+              <a:t>Select </a:t>
+            </a:r>
+            <a:r>
+              <a:rPr lang="en-US" altLang="ko-KR" dirty="0" err="1" smtClean="0"/>
+              <a:t>e.ename</a:t>
+            </a:r>
+            <a:r>
+              <a:rPr lang="en-US" altLang="ko-KR" dirty="0" smtClean="0"/>
+              <a:t>, </a:t>
+            </a:r>
+            <a:r>
+              <a:rPr lang="en-US" altLang="ko-KR" dirty="0" err="1" smtClean="0"/>
+              <a:t>d.dname</a:t>
+            </a:r>
+            <a:r>
+              <a:rPr lang="en-US" altLang="ko-KR" dirty="0" smtClean="0"/>
+              <a:t>, d.loc </a:t>
+            </a:r>
+            <a:endParaRPr lang="en-US" altLang="ko-KR" dirty="0" smtClean="0"/>
+          </a:p>
+          <a:p>
+            <a:r>
+              <a:rPr lang="en-US" altLang="ko-KR" dirty="0" smtClean="0"/>
+              <a:t>from </a:t>
+            </a:r>
+            <a:r>
+              <a:rPr lang="en-US" altLang="ko-KR" dirty="0" err="1" smtClean="0"/>
+              <a:t>emp</a:t>
+            </a:r>
+            <a:r>
+              <a:rPr lang="en-US" altLang="ko-KR" dirty="0" smtClean="0"/>
+              <a:t> </a:t>
+            </a:r>
+            <a:r>
+              <a:rPr lang="en-US" altLang="ko-KR" b="1" dirty="0" smtClean="0">
+                <a:solidFill>
+                  <a:srgbClr val="FF0000"/>
+                </a:solidFill>
+              </a:rPr>
+              <a:t>e</a:t>
+            </a:r>
+            <a:r>
+              <a:rPr lang="en-US" altLang="ko-KR" dirty="0" smtClean="0"/>
+              <a:t>, dept </a:t>
+            </a:r>
+            <a:r>
+              <a:rPr lang="en-US" altLang="ko-KR" b="1" dirty="0" smtClean="0">
+                <a:solidFill>
+                  <a:srgbClr val="FF0000"/>
+                </a:solidFill>
+              </a:rPr>
+              <a:t>d</a:t>
+            </a:r>
+            <a:r>
+              <a:rPr lang="en-US" altLang="ko-KR" dirty="0" smtClean="0"/>
+              <a:t> </a:t>
+            </a:r>
+            <a:endParaRPr lang="en-US" altLang="ko-KR" dirty="0" smtClean="0"/>
+          </a:p>
+          <a:p>
+            <a:r>
+              <a:rPr lang="en-US" altLang="ko-KR" dirty="0" smtClean="0"/>
+              <a:t>where  </a:t>
+            </a:r>
+            <a:r>
+              <a:rPr lang="en-US" altLang="ko-KR" b="1" dirty="0" err="1" smtClean="0">
+                <a:solidFill>
+                  <a:srgbClr val="FF0000"/>
+                </a:solidFill>
+              </a:rPr>
+              <a:t>e.deptno</a:t>
+            </a:r>
+            <a:r>
+              <a:rPr lang="en-US" altLang="ko-KR" b="1" dirty="0" smtClean="0">
+                <a:solidFill>
+                  <a:srgbClr val="FF0000"/>
+                </a:solidFill>
+              </a:rPr>
+              <a:t> = </a:t>
+            </a:r>
+            <a:r>
+              <a:rPr lang="en-US" altLang="ko-KR" b="1" dirty="0" err="1" smtClean="0">
+                <a:solidFill>
+                  <a:srgbClr val="FF0000"/>
+                </a:solidFill>
+              </a:rPr>
+              <a:t>d.deptno</a:t>
+            </a:r>
+            <a:r>
+              <a:rPr lang="en-US" altLang="ko-KR" b="1" dirty="0" smtClean="0">
+                <a:solidFill>
+                  <a:srgbClr val="FF0000"/>
+                </a:solidFill>
+              </a:rPr>
+              <a:t> </a:t>
+            </a:r>
+            <a:r>
+              <a:rPr lang="en-US" altLang="ko-KR" dirty="0" smtClean="0"/>
+              <a:t>and</a:t>
+            </a:r>
+          </a:p>
+          <a:p>
+            <a:r>
+              <a:rPr lang="en-US" altLang="ko-KR" dirty="0" smtClean="0"/>
+              <a:t> </a:t>
+            </a:r>
+            <a:r>
+              <a:rPr lang="en-US" altLang="ko-KR" dirty="0" smtClean="0"/>
+              <a:t>         </a:t>
+            </a:r>
+            <a:r>
+              <a:rPr lang="en-US" altLang="ko-KR" dirty="0" err="1" smtClean="0"/>
+              <a:t>e.ename</a:t>
+            </a:r>
+            <a:r>
+              <a:rPr lang="en-US" altLang="ko-KR" dirty="0" smtClean="0"/>
+              <a:t> </a:t>
+            </a:r>
+            <a:r>
+              <a:rPr lang="en-US" altLang="ko-KR" dirty="0" smtClean="0"/>
+              <a:t>= 'smith';</a:t>
+            </a:r>
+            <a:endParaRPr lang="en-US" altLang="ko-KR" dirty="0"/>
+          </a:p>
+        </p:txBody>
+      </p:sp>
+    </p:spTree>
+  </p:cSld>
+  <p:clrMapOvr>
+    <a:masterClrMapping/>
+  </p:clrMapOvr>
+</p:sld>
+</file>
+
+<file path=ppt/slides/slide16.xml><?xml version="1.0" encoding="utf-8"?>
+<p:sld xmlns:a="http://schemas.openxmlformats.org/drawingml/2006/main" xmlns:r="http://schemas.openxmlformats.org/officeDocument/2006/relationships" xmlns:p="http://schemas.openxmlformats.org/presentationml/2006/main">
+  <p:cSld>
+    <p:spTree>
+      <p:nvGrpSpPr>
+        <p:cNvPr id="1" name=""/>
+        <p:cNvGrpSpPr/>
+        <p:nvPr/>
+      </p:nvGrpSpPr>
+      <p:grpSpPr>
+        <a:xfrm>
+          <a:off x="0" y="0"/>
+          <a:ext cx="0" cy="0"/>
+          <a:chOff x="0" y="0"/>
+          <a:chExt cx="0" cy="0"/>
+        </a:xfrm>
+      </p:grpSpPr>
+      <p:sp>
+        <p:nvSpPr>
+          <p:cNvPr id="5" name="TextBox 4"/>
+          <p:cNvSpPr txBox="1"/>
+          <p:nvPr/>
+        </p:nvSpPr>
+        <p:spPr>
+          <a:xfrm>
+            <a:off x="251520" y="260648"/>
+            <a:ext cx="5976664" cy="400110"/>
+          </a:xfrm>
+          <a:prstGeom prst="rect">
+            <a:avLst/>
+          </a:prstGeom>
+          <a:noFill/>
+        </p:spPr>
+        <p:txBody>
+          <a:bodyPr wrap="square" rtlCol="0">
+            <a:spAutoFit/>
+          </a:bodyPr>
+          <a:lstStyle/>
+          <a:p>
+            <a:r>
+              <a:rPr lang="en-US" altLang="ko-KR" sz="2000" b="1" dirty="0" smtClean="0"/>
+              <a:t>MYSQL</a:t>
+            </a:r>
+            <a:r>
+              <a:rPr lang="ko-KR" altLang="en-US" sz="2000" b="1" dirty="0" smtClean="0"/>
+              <a:t> </a:t>
+            </a:r>
+            <a:r>
+              <a:rPr lang="en-US" altLang="ko-KR" sz="2000" b="1" dirty="0" smtClean="0"/>
+              <a:t>1</a:t>
+            </a:r>
+            <a:r>
+              <a:rPr lang="ko-KR" altLang="en-US" sz="2000" b="1" dirty="0" smtClean="0"/>
+              <a:t>일차</a:t>
+            </a:r>
+            <a:r>
+              <a:rPr lang="en-US" altLang="ko-KR" sz="2000" b="1" dirty="0" smtClean="0"/>
+              <a:t>(Select </a:t>
+            </a:r>
+            <a:r>
+              <a:rPr lang="ko-KR" altLang="en-US" sz="2000" b="1" dirty="0" smtClean="0"/>
+              <a:t>구조</a:t>
+            </a:r>
+            <a:r>
+              <a:rPr lang="en-US" altLang="ko-KR" sz="2000" b="1" dirty="0" smtClean="0"/>
+              <a:t>)</a:t>
+            </a:r>
+            <a:endParaRPr lang="ko-KR" altLang="en-US" sz="2000" b="1" dirty="0"/>
+          </a:p>
+        </p:txBody>
+      </p:sp>
+      <p:sp>
+        <p:nvSpPr>
+          <p:cNvPr id="16" name="직사각형 15"/>
+          <p:cNvSpPr/>
+          <p:nvPr/>
+        </p:nvSpPr>
+        <p:spPr>
+          <a:xfrm>
+            <a:off x="4499992" y="260648"/>
+            <a:ext cx="2417650" cy="369332"/>
+          </a:xfrm>
+          <a:prstGeom prst="rect">
+            <a:avLst/>
+          </a:prstGeom>
+        </p:spPr>
+        <p:txBody>
+          <a:bodyPr wrap="none">
+            <a:spAutoFit/>
+          </a:bodyPr>
+          <a:lstStyle/>
+          <a:p>
+            <a:r>
+              <a:rPr lang="en-US" altLang="ko-KR" dirty="0" smtClean="0"/>
+              <a:t>(dept, </a:t>
+            </a:r>
+            <a:r>
+              <a:rPr lang="en-US" altLang="ko-KR" dirty="0" err="1" smtClean="0"/>
+              <a:t>emp</a:t>
+            </a:r>
+            <a:r>
+              <a:rPr lang="en-US" altLang="ko-KR" dirty="0" smtClean="0"/>
+              <a:t>, </a:t>
+            </a:r>
+            <a:r>
+              <a:rPr lang="en-US" altLang="ko-KR" dirty="0" err="1" smtClean="0"/>
+              <a:t>salgrade</a:t>
+            </a:r>
+            <a:r>
+              <a:rPr lang="en-US" altLang="ko-KR" dirty="0" smtClean="0"/>
+              <a:t>)</a:t>
+            </a:r>
+            <a:endParaRPr lang="ko-KR" altLang="en-US" dirty="0"/>
+          </a:p>
+        </p:txBody>
+      </p:sp>
+      <p:sp>
+        <p:nvSpPr>
+          <p:cNvPr id="6" name="직사각형 5"/>
+          <p:cNvSpPr/>
+          <p:nvPr/>
+        </p:nvSpPr>
+        <p:spPr>
+          <a:xfrm>
+            <a:off x="611560" y="764704"/>
+            <a:ext cx="4557658" cy="369332"/>
+          </a:xfrm>
+          <a:prstGeom prst="rect">
+            <a:avLst/>
+          </a:prstGeom>
+          <a:ln>
+            <a:solidFill>
+              <a:schemeClr val="accent1"/>
+            </a:solidFill>
+          </a:ln>
+        </p:spPr>
+        <p:txBody>
+          <a:bodyPr wrap="none">
+            <a:spAutoFit/>
+          </a:bodyPr>
+          <a:lstStyle/>
+          <a:p>
+            <a:pPr marL="342900" indent="-342900"/>
+            <a:r>
+              <a:rPr lang="en-US" altLang="ko-KR" b="1" dirty="0" smtClean="0">
+                <a:solidFill>
+                  <a:srgbClr val="FF0000"/>
+                </a:solidFill>
+              </a:rPr>
+              <a:t>Non </a:t>
+            </a:r>
+            <a:r>
+              <a:rPr lang="en-US" altLang="ko-KR" b="1" dirty="0" err="1" smtClean="0">
+                <a:solidFill>
+                  <a:srgbClr val="FF0000"/>
+                </a:solidFill>
+              </a:rPr>
+              <a:t>Equl</a:t>
+            </a:r>
+            <a:r>
+              <a:rPr lang="en-US" altLang="ko-KR" b="1" dirty="0" smtClean="0">
+                <a:solidFill>
+                  <a:srgbClr val="FF0000"/>
+                </a:solidFill>
+              </a:rPr>
+              <a:t> Join( = </a:t>
+            </a:r>
+            <a:r>
+              <a:rPr lang="ko-KR" altLang="en-US" b="1" dirty="0" smtClean="0">
+                <a:solidFill>
+                  <a:srgbClr val="FF0000"/>
+                </a:solidFill>
+              </a:rPr>
+              <a:t>을</a:t>
+            </a:r>
+            <a:r>
+              <a:rPr lang="en-US" altLang="ko-KR" b="1" dirty="0" smtClean="0">
+                <a:solidFill>
+                  <a:srgbClr val="FF0000"/>
+                </a:solidFill>
+              </a:rPr>
+              <a:t> </a:t>
+            </a:r>
+            <a:r>
+              <a:rPr lang="ko-KR" altLang="en-US" b="1" dirty="0" smtClean="0">
+                <a:solidFill>
+                  <a:srgbClr val="FF0000"/>
+                </a:solidFill>
+              </a:rPr>
+              <a:t>제외한 연산자 사용</a:t>
+            </a:r>
+            <a:r>
+              <a:rPr lang="en-US" altLang="ko-KR" b="1" dirty="0" smtClean="0">
+                <a:solidFill>
+                  <a:srgbClr val="FF0000"/>
+                </a:solidFill>
+              </a:rPr>
+              <a:t>)</a:t>
+            </a:r>
+            <a:endParaRPr lang="en-US" altLang="ko-KR" dirty="0" smtClean="0"/>
+          </a:p>
+        </p:txBody>
+      </p:sp>
+      <p:sp>
+        <p:nvSpPr>
+          <p:cNvPr id="7" name="직사각형 6"/>
+          <p:cNvSpPr/>
+          <p:nvPr/>
+        </p:nvSpPr>
+        <p:spPr>
+          <a:xfrm>
+            <a:off x="0" y="1412776"/>
+            <a:ext cx="8892480" cy="923330"/>
+          </a:xfrm>
+          <a:prstGeom prst="rect">
+            <a:avLst/>
+          </a:prstGeom>
+          <a:ln>
+            <a:solidFill>
+              <a:schemeClr val="accent1"/>
+            </a:solidFill>
+          </a:ln>
+        </p:spPr>
+        <p:txBody>
+          <a:bodyPr wrap="square">
+            <a:spAutoFit/>
+          </a:bodyPr>
+          <a:lstStyle/>
+          <a:p>
+            <a:r>
+              <a:rPr lang="en-US" altLang="ko-KR" dirty="0" smtClean="0"/>
+              <a:t>[</a:t>
+            </a:r>
+            <a:r>
+              <a:rPr lang="en-US" altLang="ko-KR" dirty="0" err="1" smtClean="0"/>
+              <a:t>emp</a:t>
+            </a:r>
+            <a:r>
+              <a:rPr lang="en-US" altLang="ko-KR" dirty="0" smtClean="0"/>
+              <a:t>] 8</a:t>
+            </a:r>
+            <a:r>
+              <a:rPr lang="ko-KR" altLang="en-US" dirty="0" smtClean="0"/>
+              <a:t>개의 </a:t>
+            </a:r>
+            <a:r>
+              <a:rPr lang="en-US" altLang="ko-KR" dirty="0" err="1" smtClean="0"/>
+              <a:t>col</a:t>
+            </a:r>
+            <a:r>
+              <a:rPr lang="en-US" altLang="ko-KR" dirty="0" smtClean="0"/>
+              <a:t>, 14</a:t>
+            </a:r>
+            <a:r>
+              <a:rPr lang="ko-KR" altLang="en-US" dirty="0" smtClean="0"/>
+              <a:t>개의 </a:t>
+            </a:r>
+            <a:r>
+              <a:rPr lang="en-US" altLang="ko-KR" dirty="0" smtClean="0"/>
+              <a:t>row </a:t>
+            </a:r>
+            <a:r>
+              <a:rPr lang="ko-KR" altLang="en-US" dirty="0" smtClean="0"/>
+              <a:t>데이터</a:t>
+            </a:r>
+            <a:endParaRPr lang="en-US" altLang="ko-KR" dirty="0" smtClean="0"/>
+          </a:p>
+          <a:p>
+            <a:endParaRPr lang="en-US" altLang="ko-KR" dirty="0" smtClean="0"/>
+          </a:p>
+          <a:p>
+            <a:r>
+              <a:rPr lang="en-US" altLang="ko-KR" dirty="0" smtClean="0"/>
+              <a:t>EMPNO </a:t>
+            </a:r>
+            <a:r>
+              <a:rPr lang="en-US" altLang="ko-KR" dirty="0" smtClean="0"/>
+              <a:t>| ENAME  | JOB       | MGR  | HIREDATE   | SAL     | COMM    | </a:t>
+            </a:r>
+            <a:r>
+              <a:rPr lang="en-US" altLang="ko-KR" b="1" dirty="0" smtClean="0">
+                <a:solidFill>
+                  <a:srgbClr val="FF0000"/>
+                </a:solidFill>
+              </a:rPr>
+              <a:t>DEPTNO</a:t>
+            </a:r>
+            <a:endParaRPr lang="ko-KR" altLang="en-US" b="1" dirty="0">
+              <a:solidFill>
+                <a:srgbClr val="FF0000"/>
+              </a:solidFill>
+            </a:endParaRPr>
+          </a:p>
+        </p:txBody>
+      </p:sp>
+      <p:sp>
+        <p:nvSpPr>
+          <p:cNvPr id="9" name="직사각형 8"/>
+          <p:cNvSpPr/>
+          <p:nvPr/>
+        </p:nvSpPr>
+        <p:spPr>
+          <a:xfrm>
+            <a:off x="0" y="2636912"/>
+            <a:ext cx="4305922" cy="923330"/>
+          </a:xfrm>
+          <a:prstGeom prst="rect">
+            <a:avLst/>
+          </a:prstGeom>
+          <a:ln>
+            <a:solidFill>
+              <a:schemeClr val="accent1"/>
+            </a:solidFill>
+          </a:ln>
+        </p:spPr>
+        <p:txBody>
+          <a:bodyPr wrap="none">
+            <a:spAutoFit/>
+          </a:bodyPr>
+          <a:lstStyle/>
+          <a:p>
+            <a:r>
+              <a:rPr lang="en-US" altLang="ko-KR" dirty="0" smtClean="0"/>
+              <a:t>[</a:t>
+            </a:r>
+            <a:r>
+              <a:rPr lang="en-US" altLang="ko-KR" dirty="0" err="1" smtClean="0"/>
+              <a:t>salgrade</a:t>
+            </a:r>
+            <a:r>
+              <a:rPr lang="en-US" altLang="ko-KR" dirty="0" smtClean="0"/>
+              <a:t>] 3</a:t>
+            </a:r>
+            <a:r>
+              <a:rPr lang="ko-KR" altLang="en-US" dirty="0" smtClean="0"/>
+              <a:t>개의 </a:t>
+            </a:r>
+            <a:r>
+              <a:rPr lang="en-US" altLang="ko-KR" dirty="0" err="1" smtClean="0"/>
+              <a:t>col</a:t>
+            </a:r>
+            <a:r>
+              <a:rPr lang="en-US" altLang="ko-KR" dirty="0" smtClean="0"/>
+              <a:t>, 5</a:t>
+            </a:r>
+            <a:r>
+              <a:rPr lang="ko-KR" altLang="en-US" dirty="0" smtClean="0"/>
+              <a:t>개의 </a:t>
+            </a:r>
+            <a:r>
+              <a:rPr lang="en-US" altLang="ko-KR" dirty="0" smtClean="0"/>
+              <a:t>row </a:t>
+            </a:r>
+            <a:r>
+              <a:rPr lang="ko-KR" altLang="en-US" dirty="0" smtClean="0"/>
+              <a:t>데이터 </a:t>
+            </a:r>
+            <a:endParaRPr lang="en-US" altLang="ko-KR" dirty="0" smtClean="0"/>
+          </a:p>
+          <a:p>
+            <a:endParaRPr lang="en-US" altLang="ko-KR" dirty="0" smtClean="0"/>
+          </a:p>
+          <a:p>
+            <a:r>
+              <a:rPr lang="en-US" altLang="ko-KR" b="1" dirty="0" smtClean="0">
+                <a:solidFill>
+                  <a:srgbClr val="FF0000"/>
+                </a:solidFill>
+              </a:rPr>
+              <a:t>DEPTNO</a:t>
+            </a:r>
+            <a:r>
+              <a:rPr lang="en-US" altLang="ko-KR" dirty="0" smtClean="0"/>
+              <a:t> </a:t>
+            </a:r>
+            <a:r>
+              <a:rPr lang="en-US" altLang="ko-KR" dirty="0" smtClean="0"/>
+              <a:t>| DNAME      | LOC</a:t>
+            </a:r>
+            <a:endParaRPr lang="ko-KR" altLang="en-US" dirty="0"/>
+          </a:p>
+        </p:txBody>
+      </p:sp>
+      <p:sp>
+        <p:nvSpPr>
+          <p:cNvPr id="10" name="직사각형 9"/>
+          <p:cNvSpPr/>
+          <p:nvPr/>
+        </p:nvSpPr>
+        <p:spPr>
+          <a:xfrm>
+            <a:off x="179512" y="3789040"/>
+            <a:ext cx="3350597" cy="1477328"/>
+          </a:xfrm>
+          <a:prstGeom prst="rect">
+            <a:avLst/>
+          </a:prstGeom>
+        </p:spPr>
+        <p:txBody>
+          <a:bodyPr wrap="none">
+            <a:spAutoFit/>
+          </a:bodyPr>
+          <a:lstStyle/>
+          <a:p>
+            <a:r>
+              <a:rPr lang="en-US" altLang="ko-KR" b="1" dirty="0" smtClean="0"/>
+              <a:t>SMITH</a:t>
+            </a:r>
+            <a:r>
+              <a:rPr lang="ko-KR" altLang="en-US" b="1" dirty="0" smtClean="0"/>
+              <a:t>는 </a:t>
+            </a:r>
+            <a:r>
+              <a:rPr lang="en-US" altLang="ko-KR" b="1" dirty="0" smtClean="0"/>
+              <a:t>GRADE</a:t>
+            </a:r>
+            <a:r>
+              <a:rPr lang="ko-KR" altLang="en-US" b="1" dirty="0" smtClean="0"/>
+              <a:t>가 무었인지</a:t>
+            </a:r>
+            <a:r>
+              <a:rPr lang="en-US" altLang="ko-KR" b="1" dirty="0" smtClean="0"/>
+              <a:t>?</a:t>
+            </a:r>
+          </a:p>
+          <a:p>
+            <a:endParaRPr lang="en-US" altLang="ko-KR" b="1" dirty="0" smtClean="0"/>
+          </a:p>
+          <a:p>
+            <a:r>
+              <a:rPr lang="en-US" altLang="ko-KR" b="1" dirty="0" err="1" smtClean="0"/>
+              <a:t>Ename</a:t>
+            </a:r>
+            <a:r>
+              <a:rPr lang="en-US" altLang="ko-KR" b="1" dirty="0" smtClean="0"/>
+              <a:t>   </a:t>
+            </a:r>
+            <a:r>
+              <a:rPr lang="en-US" altLang="ko-KR" b="1" dirty="0" err="1" smtClean="0"/>
+              <a:t>sal</a:t>
+            </a:r>
+            <a:r>
+              <a:rPr lang="en-US" altLang="ko-KR" b="1" dirty="0" smtClean="0"/>
+              <a:t>     grade</a:t>
+            </a:r>
+          </a:p>
+          <a:p>
+            <a:r>
+              <a:rPr lang="en-US" altLang="ko-KR" b="1" dirty="0" smtClean="0"/>
+              <a:t>------------------------------</a:t>
+            </a:r>
+          </a:p>
+          <a:p>
+            <a:r>
+              <a:rPr lang="en-US" altLang="ko-KR" b="1" dirty="0" smtClean="0"/>
+              <a:t>SMITH    800   1</a:t>
+            </a:r>
+            <a:endParaRPr lang="ko-KR" altLang="en-US" b="1" dirty="0"/>
+          </a:p>
+        </p:txBody>
+      </p:sp>
+      <p:sp>
+        <p:nvSpPr>
+          <p:cNvPr id="11" name="직사각형 10"/>
+          <p:cNvSpPr/>
+          <p:nvPr/>
+        </p:nvSpPr>
+        <p:spPr>
+          <a:xfrm>
+            <a:off x="3923928" y="3645024"/>
+            <a:ext cx="5220072" cy="1200329"/>
+          </a:xfrm>
+          <a:prstGeom prst="rect">
+            <a:avLst/>
+          </a:prstGeom>
+        </p:spPr>
+        <p:txBody>
+          <a:bodyPr wrap="square">
+            <a:spAutoFit/>
+          </a:bodyPr>
+          <a:lstStyle/>
+          <a:p>
+            <a:r>
+              <a:rPr lang="en-US" altLang="ko-KR" dirty="0" smtClean="0"/>
+              <a:t>select </a:t>
+            </a:r>
+            <a:r>
+              <a:rPr lang="en-US" altLang="ko-KR" dirty="0" err="1" smtClean="0"/>
+              <a:t>e.ename</a:t>
+            </a:r>
+            <a:r>
+              <a:rPr lang="en-US" altLang="ko-KR" dirty="0" smtClean="0"/>
+              <a:t>, e.sal, </a:t>
+            </a:r>
+            <a:r>
+              <a:rPr lang="en-US" altLang="ko-KR" dirty="0" err="1" smtClean="0"/>
+              <a:t>s.grade</a:t>
+            </a:r>
+            <a:r>
+              <a:rPr lang="en-US" altLang="ko-KR" dirty="0" smtClean="0"/>
+              <a:t> </a:t>
+            </a:r>
+          </a:p>
+          <a:p>
+            <a:r>
+              <a:rPr lang="en-US" altLang="ko-KR" dirty="0" smtClean="0"/>
+              <a:t>from </a:t>
+            </a:r>
+            <a:r>
+              <a:rPr lang="en-US" altLang="ko-KR" dirty="0" err="1" smtClean="0"/>
+              <a:t>emp</a:t>
+            </a:r>
+            <a:r>
+              <a:rPr lang="en-US" altLang="ko-KR" dirty="0" smtClean="0"/>
+              <a:t> e, </a:t>
+            </a:r>
+            <a:r>
+              <a:rPr lang="en-US" altLang="ko-KR" dirty="0" err="1" smtClean="0"/>
+              <a:t>salgrade</a:t>
+            </a:r>
+            <a:r>
+              <a:rPr lang="en-US" altLang="ko-KR" dirty="0" smtClean="0"/>
+              <a:t> s </a:t>
+            </a:r>
+            <a:endParaRPr lang="en-US" altLang="ko-KR" dirty="0" smtClean="0"/>
+          </a:p>
+          <a:p>
+            <a:r>
+              <a:rPr lang="en-US" altLang="ko-KR" dirty="0" smtClean="0"/>
+              <a:t>where </a:t>
+            </a:r>
+            <a:r>
+              <a:rPr lang="en-US" altLang="ko-KR" b="1" dirty="0" smtClean="0">
+                <a:solidFill>
+                  <a:srgbClr val="FF0000"/>
+                </a:solidFill>
+              </a:rPr>
+              <a:t>e.sal &gt;= </a:t>
+            </a:r>
+            <a:r>
+              <a:rPr lang="en-US" altLang="ko-KR" b="1" dirty="0" err="1" smtClean="0">
+                <a:solidFill>
+                  <a:srgbClr val="FF0000"/>
+                </a:solidFill>
+              </a:rPr>
+              <a:t>s.losal</a:t>
+            </a:r>
+            <a:r>
+              <a:rPr lang="en-US" altLang="ko-KR" b="1" dirty="0" smtClean="0">
+                <a:solidFill>
+                  <a:srgbClr val="FF0000"/>
+                </a:solidFill>
+              </a:rPr>
+              <a:t> and e.sal &lt;= </a:t>
+            </a:r>
+            <a:r>
+              <a:rPr lang="en-US" altLang="ko-KR" b="1" dirty="0" err="1" smtClean="0">
+                <a:solidFill>
+                  <a:srgbClr val="FF0000"/>
+                </a:solidFill>
+              </a:rPr>
+              <a:t>s.hisal</a:t>
+            </a:r>
+            <a:r>
+              <a:rPr lang="en-US" altLang="ko-KR" b="1" dirty="0" smtClean="0">
+                <a:solidFill>
+                  <a:srgbClr val="FF0000"/>
+                </a:solidFill>
+              </a:rPr>
+              <a:t> </a:t>
+            </a:r>
+          </a:p>
+          <a:p>
+            <a:r>
+              <a:rPr lang="en-US" altLang="ko-KR" dirty="0" smtClean="0"/>
+              <a:t> </a:t>
+            </a:r>
+            <a:r>
+              <a:rPr lang="en-US" altLang="ko-KR" dirty="0" smtClean="0"/>
+              <a:t>        and </a:t>
+            </a:r>
+            <a:r>
+              <a:rPr lang="en-US" altLang="ko-KR" dirty="0" err="1" smtClean="0"/>
+              <a:t>e.ename</a:t>
+            </a:r>
+            <a:r>
+              <a:rPr lang="en-US" altLang="ko-KR" dirty="0" smtClean="0"/>
+              <a:t> </a:t>
+            </a:r>
+            <a:r>
+              <a:rPr lang="en-US" altLang="ko-KR" dirty="0" smtClean="0"/>
+              <a:t>= </a:t>
+            </a:r>
+            <a:r>
+              <a:rPr lang="en-US" altLang="ko-KR" dirty="0" smtClean="0"/>
+              <a:t>'smith‘;</a:t>
+            </a:r>
+            <a:endParaRPr lang="en-US" altLang="ko-KR" dirty="0"/>
+          </a:p>
+        </p:txBody>
+      </p:sp>
+      <p:sp>
+        <p:nvSpPr>
+          <p:cNvPr id="13" name="직사각형 12"/>
+          <p:cNvSpPr/>
+          <p:nvPr/>
+        </p:nvSpPr>
+        <p:spPr>
+          <a:xfrm>
+            <a:off x="3851920" y="5157192"/>
+            <a:ext cx="4572000" cy="646331"/>
+          </a:xfrm>
+          <a:prstGeom prst="rect">
+            <a:avLst/>
+          </a:prstGeom>
+        </p:spPr>
+        <p:txBody>
+          <a:bodyPr>
+            <a:spAutoFit/>
+          </a:bodyPr>
+          <a:lstStyle/>
+          <a:p>
+            <a:r>
+              <a:rPr lang="en-US" altLang="ko-KR" dirty="0" smtClean="0"/>
+              <a:t>where </a:t>
+            </a:r>
+            <a:r>
+              <a:rPr lang="en-US" altLang="ko-KR" b="1" dirty="0" smtClean="0">
+                <a:solidFill>
+                  <a:srgbClr val="FF0000"/>
+                </a:solidFill>
+              </a:rPr>
+              <a:t>emp.sal between </a:t>
+            </a:r>
+            <a:r>
+              <a:rPr lang="en-US" altLang="ko-KR" b="1" dirty="0" err="1" smtClean="0">
+                <a:solidFill>
+                  <a:srgbClr val="FF0000"/>
+                </a:solidFill>
+              </a:rPr>
+              <a:t>losal</a:t>
+            </a:r>
+            <a:r>
+              <a:rPr lang="en-US" altLang="ko-KR" b="1" dirty="0" smtClean="0">
+                <a:solidFill>
+                  <a:srgbClr val="FF0000"/>
+                </a:solidFill>
+              </a:rPr>
+              <a:t> and </a:t>
+            </a:r>
+            <a:r>
+              <a:rPr lang="en-US" altLang="ko-KR" b="1" dirty="0" err="1" smtClean="0">
+                <a:solidFill>
+                  <a:srgbClr val="FF0000"/>
+                </a:solidFill>
+              </a:rPr>
+              <a:t>hisal</a:t>
+            </a:r>
+            <a:r>
+              <a:rPr lang="en-US" altLang="ko-KR" b="1" dirty="0" smtClean="0">
+                <a:solidFill>
+                  <a:srgbClr val="FF0000"/>
+                </a:solidFill>
+              </a:rPr>
+              <a:t> </a:t>
+            </a:r>
+            <a:r>
+              <a:rPr lang="en-US" altLang="ko-KR" b="1" dirty="0" smtClean="0">
+                <a:solidFill>
+                  <a:srgbClr val="FF0000"/>
+                </a:solidFill>
+              </a:rPr>
+              <a:t>   </a:t>
+            </a:r>
+          </a:p>
+          <a:p>
+            <a:r>
+              <a:rPr lang="en-US" altLang="ko-KR" b="1" dirty="0" smtClean="0">
+                <a:solidFill>
+                  <a:srgbClr val="FF0000"/>
+                </a:solidFill>
+              </a:rPr>
+              <a:t> </a:t>
+            </a:r>
+            <a:r>
+              <a:rPr lang="en-US" altLang="ko-KR" b="1" dirty="0" smtClean="0">
+                <a:solidFill>
+                  <a:srgbClr val="FF0000"/>
+                </a:solidFill>
+              </a:rPr>
+              <a:t>        </a:t>
+            </a:r>
+            <a:r>
+              <a:rPr lang="en-US" altLang="ko-KR" dirty="0" smtClean="0"/>
+              <a:t>and </a:t>
+            </a:r>
+            <a:r>
+              <a:rPr lang="en-US" altLang="ko-KR" dirty="0" err="1" smtClean="0"/>
+              <a:t>ename</a:t>
+            </a:r>
+            <a:r>
+              <a:rPr lang="en-US" altLang="ko-KR" dirty="0" smtClean="0"/>
+              <a:t>='smith';</a:t>
+            </a:r>
+            <a:endParaRPr lang="en-US" altLang="ko-KR" dirty="0"/>
+          </a:p>
+        </p:txBody>
+      </p:sp>
+    </p:spTree>
+  </p:cSld>
+  <p:clrMapOvr>
+    <a:masterClrMapping/>
+  </p:clrMapOvr>
+</p:sld>
+</file>
+
+<file path=ppt/slides/slide17.xml><?xml version="1.0" encoding="utf-8"?>
+<p:sld xmlns:a="http://schemas.openxmlformats.org/drawingml/2006/main" xmlns:r="http://schemas.openxmlformats.org/officeDocument/2006/relationships" xmlns:p="http://schemas.openxmlformats.org/presentationml/2006/main">
+  <p:cSld>
+    <p:spTree>
+      <p:nvGrpSpPr>
+        <p:cNvPr id="1" name=""/>
+        <p:cNvGrpSpPr/>
+        <p:nvPr/>
+      </p:nvGrpSpPr>
+      <p:grpSpPr>
+        <a:xfrm>
+          <a:off x="0" y="0"/>
+          <a:ext cx="0" cy="0"/>
+          <a:chOff x="0" y="0"/>
+          <a:chExt cx="0" cy="0"/>
+        </a:xfrm>
+      </p:grpSpPr>
+      <p:sp>
+        <p:nvSpPr>
+          <p:cNvPr id="5" name="TextBox 4"/>
+          <p:cNvSpPr txBox="1"/>
+          <p:nvPr/>
+        </p:nvSpPr>
+        <p:spPr>
+          <a:xfrm>
+            <a:off x="251520" y="260648"/>
+            <a:ext cx="5976664" cy="400110"/>
+          </a:xfrm>
+          <a:prstGeom prst="rect">
+            <a:avLst/>
+          </a:prstGeom>
+          <a:noFill/>
+        </p:spPr>
+        <p:txBody>
+          <a:bodyPr wrap="square" rtlCol="0">
+            <a:spAutoFit/>
+          </a:bodyPr>
+          <a:lstStyle/>
+          <a:p>
+            <a:r>
+              <a:rPr lang="en-US" altLang="ko-KR" sz="2000" b="1" dirty="0" smtClean="0"/>
+              <a:t>MYSQL</a:t>
+            </a:r>
+            <a:r>
+              <a:rPr lang="ko-KR" altLang="en-US" sz="2000" b="1" dirty="0" smtClean="0"/>
+              <a:t> </a:t>
+            </a:r>
+            <a:r>
+              <a:rPr lang="en-US" altLang="ko-KR" sz="2000" b="1" dirty="0" smtClean="0"/>
+              <a:t>1</a:t>
+            </a:r>
+            <a:r>
+              <a:rPr lang="ko-KR" altLang="en-US" sz="2000" b="1" dirty="0" smtClean="0"/>
+              <a:t>일차</a:t>
+            </a:r>
+            <a:r>
+              <a:rPr lang="en-US" altLang="ko-KR" sz="2000" b="1" dirty="0" smtClean="0"/>
+              <a:t>(Select </a:t>
+            </a:r>
+            <a:r>
+              <a:rPr lang="ko-KR" altLang="en-US" sz="2000" b="1" dirty="0" smtClean="0"/>
+              <a:t>구조</a:t>
+            </a:r>
+            <a:r>
+              <a:rPr lang="en-US" altLang="ko-KR" sz="2000" b="1" dirty="0" smtClean="0"/>
+              <a:t>)</a:t>
+            </a:r>
+            <a:endParaRPr lang="ko-KR" altLang="en-US" sz="2000" b="1" dirty="0"/>
+          </a:p>
+        </p:txBody>
+      </p:sp>
+      <p:sp>
+        <p:nvSpPr>
+          <p:cNvPr id="16" name="직사각형 15"/>
+          <p:cNvSpPr/>
+          <p:nvPr/>
+        </p:nvSpPr>
+        <p:spPr>
+          <a:xfrm>
+            <a:off x="4499992" y="260648"/>
+            <a:ext cx="2417650" cy="369332"/>
+          </a:xfrm>
+          <a:prstGeom prst="rect">
+            <a:avLst/>
+          </a:prstGeom>
+        </p:spPr>
+        <p:txBody>
+          <a:bodyPr wrap="none">
+            <a:spAutoFit/>
+          </a:bodyPr>
+          <a:lstStyle/>
+          <a:p>
+            <a:r>
+              <a:rPr lang="en-US" altLang="ko-KR" dirty="0" smtClean="0"/>
+              <a:t>(dept, </a:t>
+            </a:r>
+            <a:r>
+              <a:rPr lang="en-US" altLang="ko-KR" dirty="0" err="1" smtClean="0"/>
+              <a:t>emp</a:t>
+            </a:r>
+            <a:r>
+              <a:rPr lang="en-US" altLang="ko-KR" dirty="0" smtClean="0"/>
+              <a:t>, </a:t>
+            </a:r>
+            <a:r>
+              <a:rPr lang="en-US" altLang="ko-KR" dirty="0" err="1" smtClean="0"/>
+              <a:t>salgrade</a:t>
+            </a:r>
+            <a:r>
+              <a:rPr lang="en-US" altLang="ko-KR" dirty="0" smtClean="0"/>
+              <a:t>)</a:t>
+            </a:r>
+            <a:endParaRPr lang="ko-KR" altLang="en-US" dirty="0"/>
+          </a:p>
+        </p:txBody>
+      </p:sp>
+      <p:sp>
+        <p:nvSpPr>
+          <p:cNvPr id="6" name="직사각형 5"/>
+          <p:cNvSpPr/>
+          <p:nvPr/>
+        </p:nvSpPr>
+        <p:spPr>
+          <a:xfrm>
+            <a:off x="611560" y="764704"/>
+            <a:ext cx="3461204" cy="369332"/>
+          </a:xfrm>
+          <a:prstGeom prst="rect">
+            <a:avLst/>
+          </a:prstGeom>
+          <a:ln>
+            <a:solidFill>
+              <a:schemeClr val="accent1"/>
+            </a:solidFill>
+          </a:ln>
+        </p:spPr>
+        <p:txBody>
+          <a:bodyPr wrap="none">
+            <a:spAutoFit/>
+          </a:bodyPr>
+          <a:lstStyle/>
+          <a:p>
+            <a:pPr marL="342900" indent="-342900"/>
+            <a:r>
+              <a:rPr lang="en-US" altLang="ko-KR" b="1" dirty="0" smtClean="0">
+                <a:solidFill>
+                  <a:srgbClr val="FF0000"/>
+                </a:solidFill>
+              </a:rPr>
+              <a:t>Self Join( </a:t>
+            </a:r>
+            <a:r>
+              <a:rPr lang="ko-KR" altLang="en-US" b="1" dirty="0" smtClean="0">
+                <a:solidFill>
+                  <a:srgbClr val="FF0000"/>
+                </a:solidFill>
+              </a:rPr>
+              <a:t>동일 테이블을 조인 </a:t>
+            </a:r>
+            <a:r>
+              <a:rPr lang="en-US" altLang="ko-KR" b="1" dirty="0" smtClean="0">
+                <a:solidFill>
+                  <a:srgbClr val="FF0000"/>
+                </a:solidFill>
+              </a:rPr>
+              <a:t>)</a:t>
+            </a:r>
+            <a:endParaRPr lang="en-US" altLang="ko-KR" dirty="0" smtClean="0"/>
+          </a:p>
+        </p:txBody>
+      </p:sp>
+      <p:sp>
+        <p:nvSpPr>
+          <p:cNvPr id="7" name="직사각형 6"/>
+          <p:cNvSpPr/>
+          <p:nvPr/>
+        </p:nvSpPr>
+        <p:spPr>
+          <a:xfrm>
+            <a:off x="0" y="1412776"/>
+            <a:ext cx="8892480" cy="923330"/>
+          </a:xfrm>
+          <a:prstGeom prst="rect">
+            <a:avLst/>
+          </a:prstGeom>
+          <a:ln>
+            <a:solidFill>
+              <a:schemeClr val="accent1"/>
+            </a:solidFill>
+          </a:ln>
+        </p:spPr>
+        <p:txBody>
+          <a:bodyPr wrap="square">
+            <a:spAutoFit/>
+          </a:bodyPr>
+          <a:lstStyle/>
+          <a:p>
+            <a:r>
+              <a:rPr lang="en-US" altLang="ko-KR" dirty="0" smtClean="0"/>
+              <a:t>[</a:t>
+            </a:r>
+            <a:r>
+              <a:rPr lang="en-US" altLang="ko-KR" dirty="0" err="1" smtClean="0"/>
+              <a:t>emp</a:t>
+            </a:r>
+            <a:r>
+              <a:rPr lang="en-US" altLang="ko-KR" dirty="0" smtClean="0"/>
+              <a:t>] 8</a:t>
+            </a:r>
+            <a:r>
+              <a:rPr lang="ko-KR" altLang="en-US" dirty="0" smtClean="0"/>
+              <a:t>개의 </a:t>
+            </a:r>
+            <a:r>
+              <a:rPr lang="en-US" altLang="ko-KR" dirty="0" err="1" smtClean="0"/>
+              <a:t>col</a:t>
+            </a:r>
+            <a:r>
+              <a:rPr lang="en-US" altLang="ko-KR" dirty="0" smtClean="0"/>
+              <a:t>, 14</a:t>
+            </a:r>
+            <a:r>
+              <a:rPr lang="ko-KR" altLang="en-US" dirty="0" smtClean="0"/>
+              <a:t>개의 </a:t>
+            </a:r>
+            <a:r>
+              <a:rPr lang="en-US" altLang="ko-KR" dirty="0" smtClean="0"/>
+              <a:t>row </a:t>
+            </a:r>
+            <a:r>
+              <a:rPr lang="ko-KR" altLang="en-US" dirty="0" smtClean="0"/>
+              <a:t>데이터</a:t>
+            </a:r>
+            <a:endParaRPr lang="en-US" altLang="ko-KR" dirty="0" smtClean="0"/>
+          </a:p>
+          <a:p>
+            <a:endParaRPr lang="en-US" altLang="ko-KR" dirty="0" smtClean="0"/>
+          </a:p>
+          <a:p>
+            <a:r>
+              <a:rPr lang="en-US" altLang="ko-KR" b="1" dirty="0" smtClean="0">
+                <a:solidFill>
+                  <a:srgbClr val="FF0000"/>
+                </a:solidFill>
+              </a:rPr>
+              <a:t>EMPNO</a:t>
+            </a:r>
+            <a:r>
+              <a:rPr lang="en-US" altLang="ko-KR" dirty="0" smtClean="0"/>
+              <a:t> </a:t>
+            </a:r>
+            <a:r>
+              <a:rPr lang="en-US" altLang="ko-KR" dirty="0" smtClean="0"/>
+              <a:t>| </a:t>
+            </a:r>
+            <a:r>
+              <a:rPr lang="en-US" altLang="ko-KR" b="1" dirty="0" smtClean="0">
+                <a:solidFill>
+                  <a:srgbClr val="FF0000"/>
+                </a:solidFill>
+              </a:rPr>
+              <a:t>ENAME</a:t>
+            </a:r>
+            <a:r>
+              <a:rPr lang="en-US" altLang="ko-KR" dirty="0" smtClean="0"/>
+              <a:t>  | JOB       | </a:t>
+            </a:r>
+            <a:r>
+              <a:rPr lang="en-US" altLang="ko-KR" b="1" dirty="0" smtClean="0">
+                <a:solidFill>
+                  <a:srgbClr val="FF0000"/>
+                </a:solidFill>
+              </a:rPr>
+              <a:t>MGR</a:t>
+            </a:r>
+            <a:r>
+              <a:rPr lang="en-US" altLang="ko-KR" dirty="0" smtClean="0"/>
+              <a:t>  | HIREDATE   | SAL     | COMM    | </a:t>
+            </a:r>
+            <a:r>
+              <a:rPr lang="en-US" altLang="ko-KR" b="1" dirty="0" smtClean="0">
+                <a:solidFill>
+                  <a:srgbClr val="FF0000"/>
+                </a:solidFill>
+              </a:rPr>
+              <a:t>DEPTNO</a:t>
+            </a:r>
+            <a:endParaRPr lang="ko-KR" altLang="en-US" b="1" dirty="0">
+              <a:solidFill>
+                <a:srgbClr val="FF0000"/>
+              </a:solidFill>
+            </a:endParaRPr>
+          </a:p>
+        </p:txBody>
+      </p:sp>
+      <p:sp>
+        <p:nvSpPr>
+          <p:cNvPr id="10" name="직사각형 9"/>
+          <p:cNvSpPr/>
+          <p:nvPr/>
+        </p:nvSpPr>
+        <p:spPr>
+          <a:xfrm>
+            <a:off x="179512" y="2852936"/>
+            <a:ext cx="3871573" cy="1477328"/>
+          </a:xfrm>
+          <a:prstGeom prst="rect">
+            <a:avLst/>
+          </a:prstGeom>
+        </p:spPr>
+        <p:txBody>
+          <a:bodyPr wrap="none">
+            <a:spAutoFit/>
+          </a:bodyPr>
+          <a:lstStyle/>
+          <a:p>
+            <a:r>
+              <a:rPr lang="en-US" altLang="ko-KR" b="1" dirty="0" smtClean="0"/>
+              <a:t>SMITH</a:t>
+            </a:r>
+            <a:r>
+              <a:rPr lang="ko-KR" altLang="en-US" b="1" dirty="0" smtClean="0"/>
+              <a:t>의 부서장 이름을 알고싶다</a:t>
+            </a:r>
+            <a:r>
+              <a:rPr lang="en-US" altLang="ko-KR" b="1" dirty="0" smtClean="0"/>
+              <a:t>.</a:t>
+            </a:r>
+          </a:p>
+          <a:p>
+            <a:endParaRPr lang="en-US" altLang="ko-KR" b="1" dirty="0" smtClean="0"/>
+          </a:p>
+          <a:p>
+            <a:r>
+              <a:rPr lang="en-US" altLang="ko-KR" b="1" dirty="0" err="1" smtClean="0"/>
+              <a:t>Ename</a:t>
+            </a:r>
+            <a:r>
+              <a:rPr lang="en-US" altLang="ko-KR" b="1" dirty="0" smtClean="0"/>
+              <a:t>   </a:t>
+            </a:r>
+            <a:r>
+              <a:rPr lang="en-US" altLang="ko-KR" b="1" dirty="0" err="1" smtClean="0"/>
+              <a:t>ename</a:t>
+            </a:r>
+            <a:endParaRPr lang="en-US" altLang="ko-KR" b="1" dirty="0" smtClean="0"/>
+          </a:p>
+          <a:p>
+            <a:r>
+              <a:rPr lang="en-US" altLang="ko-KR" b="1" dirty="0" smtClean="0"/>
+              <a:t>------------------------------</a:t>
+            </a:r>
+          </a:p>
+          <a:p>
+            <a:r>
+              <a:rPr lang="en-US" altLang="ko-KR" b="1" dirty="0" smtClean="0"/>
+              <a:t>SMITH    FORD</a:t>
+            </a:r>
+            <a:endParaRPr lang="ko-KR" altLang="en-US" b="1" dirty="0"/>
+          </a:p>
+        </p:txBody>
+      </p:sp>
+      <p:sp>
+        <p:nvSpPr>
+          <p:cNvPr id="12" name="직사각형 11"/>
+          <p:cNvSpPr/>
+          <p:nvPr/>
+        </p:nvSpPr>
+        <p:spPr>
+          <a:xfrm>
+            <a:off x="3923928" y="3501008"/>
+            <a:ext cx="4572000" cy="2031325"/>
+          </a:xfrm>
+          <a:prstGeom prst="rect">
+            <a:avLst/>
+          </a:prstGeom>
+        </p:spPr>
+        <p:txBody>
+          <a:bodyPr>
+            <a:spAutoFit/>
+          </a:bodyPr>
+          <a:lstStyle/>
+          <a:p>
+            <a:r>
+              <a:rPr lang="pt-BR" altLang="ko-KR" dirty="0" smtClean="0"/>
+              <a:t>select e.ename, </a:t>
+            </a:r>
+            <a:r>
+              <a:rPr lang="pt-BR" altLang="ko-KR" dirty="0" smtClean="0"/>
+              <a:t>e2.ename</a:t>
+            </a:r>
+          </a:p>
+          <a:p>
+            <a:r>
+              <a:rPr lang="pt-BR" altLang="ko-KR" dirty="0" smtClean="0"/>
+              <a:t> </a:t>
+            </a:r>
+          </a:p>
+          <a:p>
+            <a:r>
+              <a:rPr lang="pt-BR" altLang="ko-KR" dirty="0" smtClean="0"/>
+              <a:t>from </a:t>
+            </a:r>
+            <a:r>
+              <a:rPr lang="pt-BR" altLang="ko-KR" b="1" dirty="0" smtClean="0">
+                <a:solidFill>
+                  <a:srgbClr val="FF0000"/>
+                </a:solidFill>
+              </a:rPr>
+              <a:t>emp e,emp </a:t>
+            </a:r>
+            <a:r>
+              <a:rPr lang="pt-BR" altLang="ko-KR" b="1" dirty="0" smtClean="0">
+                <a:solidFill>
+                  <a:srgbClr val="FF0000"/>
+                </a:solidFill>
+              </a:rPr>
+              <a:t>e2</a:t>
+            </a:r>
+          </a:p>
+          <a:p>
+            <a:endParaRPr lang="pt-BR" altLang="ko-KR" b="1" dirty="0" smtClean="0">
+              <a:solidFill>
+                <a:srgbClr val="FF0000"/>
+              </a:solidFill>
+            </a:endParaRPr>
+          </a:p>
+          <a:p>
+            <a:r>
+              <a:rPr lang="pt-BR" altLang="ko-KR" dirty="0" smtClean="0"/>
+              <a:t>where </a:t>
+            </a:r>
+            <a:r>
+              <a:rPr lang="pt-BR" altLang="ko-KR" b="1" dirty="0" smtClean="0">
+                <a:solidFill>
+                  <a:srgbClr val="FF0000"/>
+                </a:solidFill>
+              </a:rPr>
+              <a:t>e.mgr = </a:t>
+            </a:r>
+            <a:r>
+              <a:rPr lang="pt-BR" altLang="ko-KR" b="1" dirty="0" smtClean="0">
+                <a:solidFill>
+                  <a:srgbClr val="FF0000"/>
+                </a:solidFill>
+              </a:rPr>
+              <a:t>e2.empno</a:t>
+            </a:r>
+          </a:p>
+          <a:p>
+            <a:endParaRPr lang="pt-BR" altLang="ko-KR" b="1" dirty="0" smtClean="0">
+              <a:solidFill>
+                <a:srgbClr val="FF0000"/>
+              </a:solidFill>
+            </a:endParaRPr>
+          </a:p>
+          <a:p>
+            <a:r>
+              <a:rPr lang="pt-BR" altLang="ko-KR" b="1" dirty="0" smtClean="0">
+                <a:solidFill>
+                  <a:srgbClr val="FF0000"/>
+                </a:solidFill>
+              </a:rPr>
+              <a:t> </a:t>
+            </a:r>
+            <a:r>
+              <a:rPr lang="pt-BR" altLang="ko-KR" b="1" dirty="0" smtClean="0">
+                <a:solidFill>
+                  <a:srgbClr val="FF0000"/>
+                </a:solidFill>
+              </a:rPr>
+              <a:t>        and e.ename = ‘SMITH’</a:t>
+            </a:r>
+            <a:r>
+              <a:rPr lang="pt-BR" altLang="ko-KR" dirty="0" smtClean="0"/>
+              <a:t>;</a:t>
+            </a:r>
+            <a:endParaRPr lang="pt-BR" altLang="ko-KR" dirty="0"/>
+          </a:p>
+        </p:txBody>
+      </p:sp>
+    </p:spTree>
+  </p:cSld>
+  <p:clrMapOvr>
+    <a:masterClrMapping/>
+  </p:clrMapOvr>
+</p:sld>
+</file>
+
+<file path=ppt/slides/slide18.xml><?xml version="1.0" encoding="utf-8"?>
+<p:sld xmlns:a="http://schemas.openxmlformats.org/drawingml/2006/main" xmlns:r="http://schemas.openxmlformats.org/officeDocument/2006/relationships" xmlns:p="http://schemas.openxmlformats.org/presentationml/2006/main">
+  <p:cSld>
+    <p:spTree>
+      <p:nvGrpSpPr>
+        <p:cNvPr id="1" name=""/>
+        <p:cNvGrpSpPr/>
+        <p:nvPr/>
+      </p:nvGrpSpPr>
+      <p:grpSpPr>
+        <a:xfrm>
+          <a:off x="0" y="0"/>
+          <a:ext cx="0" cy="0"/>
+          <a:chOff x="0" y="0"/>
+          <a:chExt cx="0" cy="0"/>
+        </a:xfrm>
+      </p:grpSpPr>
+      <p:sp>
+        <p:nvSpPr>
+          <p:cNvPr id="5" name="TextBox 4"/>
+          <p:cNvSpPr txBox="1"/>
+          <p:nvPr/>
+        </p:nvSpPr>
+        <p:spPr>
+          <a:xfrm>
+            <a:off x="251520" y="260648"/>
+            <a:ext cx="5976664" cy="400110"/>
+          </a:xfrm>
+          <a:prstGeom prst="rect">
+            <a:avLst/>
+          </a:prstGeom>
+          <a:noFill/>
+        </p:spPr>
+        <p:txBody>
+          <a:bodyPr wrap="square" rtlCol="0">
+            <a:spAutoFit/>
+          </a:bodyPr>
+          <a:lstStyle/>
+          <a:p>
+            <a:r>
+              <a:rPr lang="en-US" altLang="ko-KR" sz="2000" b="1" dirty="0" smtClean="0"/>
+              <a:t>MYSQL</a:t>
+            </a:r>
+            <a:r>
+              <a:rPr lang="ko-KR" altLang="en-US" sz="2000" b="1" dirty="0" smtClean="0"/>
+              <a:t> </a:t>
+            </a:r>
+            <a:r>
+              <a:rPr lang="en-US" altLang="ko-KR" sz="2000" b="1" dirty="0" smtClean="0"/>
+              <a:t>1</a:t>
+            </a:r>
+            <a:r>
+              <a:rPr lang="ko-KR" altLang="en-US" sz="2000" b="1" dirty="0" smtClean="0"/>
+              <a:t>일차</a:t>
+            </a:r>
+            <a:r>
+              <a:rPr lang="en-US" altLang="ko-KR" sz="2000" b="1" dirty="0" smtClean="0"/>
+              <a:t>(Select </a:t>
+            </a:r>
+            <a:r>
+              <a:rPr lang="ko-KR" altLang="en-US" sz="2000" b="1" dirty="0" smtClean="0"/>
+              <a:t>구조</a:t>
+            </a:r>
+            <a:r>
+              <a:rPr lang="en-US" altLang="ko-KR" sz="2000" b="1" dirty="0" smtClean="0"/>
+              <a:t>)</a:t>
+            </a:r>
+            <a:endParaRPr lang="ko-KR" altLang="en-US" sz="2000" b="1" dirty="0"/>
+          </a:p>
+        </p:txBody>
+      </p:sp>
+      <p:sp>
+        <p:nvSpPr>
+          <p:cNvPr id="16" name="직사각형 15"/>
+          <p:cNvSpPr/>
+          <p:nvPr/>
+        </p:nvSpPr>
+        <p:spPr>
+          <a:xfrm>
+            <a:off x="4499992" y="260648"/>
+            <a:ext cx="2417650" cy="369332"/>
+          </a:xfrm>
+          <a:prstGeom prst="rect">
+            <a:avLst/>
+          </a:prstGeom>
+        </p:spPr>
+        <p:txBody>
+          <a:bodyPr wrap="none">
+            <a:spAutoFit/>
+          </a:bodyPr>
+          <a:lstStyle/>
+          <a:p>
+            <a:r>
+              <a:rPr lang="en-US" altLang="ko-KR" dirty="0" smtClean="0"/>
+              <a:t>(dept, </a:t>
+            </a:r>
+            <a:r>
+              <a:rPr lang="en-US" altLang="ko-KR" dirty="0" err="1" smtClean="0"/>
+              <a:t>emp</a:t>
+            </a:r>
+            <a:r>
+              <a:rPr lang="en-US" altLang="ko-KR" dirty="0" smtClean="0"/>
+              <a:t>, </a:t>
+            </a:r>
+            <a:r>
+              <a:rPr lang="en-US" altLang="ko-KR" dirty="0" err="1" smtClean="0"/>
+              <a:t>salgrade</a:t>
+            </a:r>
+            <a:r>
+              <a:rPr lang="en-US" altLang="ko-KR" dirty="0" smtClean="0"/>
+              <a:t>)</a:t>
+            </a:r>
+            <a:endParaRPr lang="ko-KR" altLang="en-US" dirty="0"/>
+          </a:p>
+        </p:txBody>
+      </p:sp>
+      <p:sp>
+        <p:nvSpPr>
+          <p:cNvPr id="6" name="직사각형 5"/>
+          <p:cNvSpPr/>
+          <p:nvPr/>
+        </p:nvSpPr>
+        <p:spPr>
+          <a:xfrm>
+            <a:off x="611560" y="764704"/>
+            <a:ext cx="3233578" cy="369332"/>
+          </a:xfrm>
+          <a:prstGeom prst="rect">
+            <a:avLst/>
+          </a:prstGeom>
+          <a:ln>
+            <a:solidFill>
+              <a:schemeClr val="accent1"/>
+            </a:solidFill>
+          </a:ln>
+        </p:spPr>
+        <p:txBody>
+          <a:bodyPr wrap="none">
+            <a:spAutoFit/>
+          </a:bodyPr>
+          <a:lstStyle/>
+          <a:p>
+            <a:pPr marL="342900" indent="-342900"/>
+            <a:r>
+              <a:rPr lang="ko-KR" altLang="en-US" b="1" dirty="0" smtClean="0">
+                <a:solidFill>
+                  <a:srgbClr val="FF0000"/>
+                </a:solidFill>
+              </a:rPr>
+              <a:t>외부</a:t>
+            </a:r>
+            <a:r>
+              <a:rPr lang="en-US" altLang="ko-KR" b="1" dirty="0" smtClean="0">
+                <a:solidFill>
+                  <a:srgbClr val="FF0000"/>
+                </a:solidFill>
+              </a:rPr>
+              <a:t> </a:t>
+            </a:r>
+            <a:r>
+              <a:rPr lang="ko-KR" altLang="en-US" b="1" dirty="0" smtClean="0">
+                <a:solidFill>
+                  <a:srgbClr val="FF0000"/>
+                </a:solidFill>
+              </a:rPr>
+              <a:t>조인</a:t>
+            </a:r>
+            <a:r>
+              <a:rPr lang="en-US" altLang="ko-KR" b="1" dirty="0" smtClean="0">
+                <a:solidFill>
+                  <a:srgbClr val="FF0000"/>
+                </a:solidFill>
+              </a:rPr>
+              <a:t>(null</a:t>
+            </a:r>
+            <a:r>
+              <a:rPr lang="ko-KR" altLang="en-US" b="1" dirty="0" smtClean="0">
+                <a:solidFill>
+                  <a:srgbClr val="FF0000"/>
+                </a:solidFill>
+              </a:rPr>
+              <a:t>값도 출력할래</a:t>
+            </a:r>
+            <a:r>
+              <a:rPr lang="en-US" altLang="ko-KR" b="1" dirty="0" smtClean="0">
+                <a:solidFill>
+                  <a:srgbClr val="FF0000"/>
+                </a:solidFill>
+              </a:rPr>
+              <a:t>)</a:t>
+            </a:r>
+            <a:endParaRPr lang="en-US" altLang="ko-KR" dirty="0" smtClean="0"/>
+          </a:p>
+        </p:txBody>
+      </p:sp>
+      <p:sp>
+        <p:nvSpPr>
+          <p:cNvPr id="7" name="직사각형 6"/>
+          <p:cNvSpPr/>
+          <p:nvPr/>
+        </p:nvSpPr>
+        <p:spPr>
+          <a:xfrm>
+            <a:off x="0" y="1412776"/>
+            <a:ext cx="8892480" cy="923330"/>
+          </a:xfrm>
+          <a:prstGeom prst="rect">
+            <a:avLst/>
+          </a:prstGeom>
+          <a:ln>
+            <a:solidFill>
+              <a:schemeClr val="accent1"/>
+            </a:solidFill>
+          </a:ln>
+        </p:spPr>
+        <p:txBody>
+          <a:bodyPr wrap="square">
+            <a:spAutoFit/>
+          </a:bodyPr>
+          <a:lstStyle/>
+          <a:p>
+            <a:r>
+              <a:rPr lang="en-US" altLang="ko-KR" dirty="0" smtClean="0"/>
+              <a:t>[</a:t>
+            </a:r>
+            <a:r>
+              <a:rPr lang="en-US" altLang="ko-KR" dirty="0" err="1" smtClean="0"/>
+              <a:t>emp</a:t>
+            </a:r>
+            <a:r>
+              <a:rPr lang="en-US" altLang="ko-KR" dirty="0" smtClean="0"/>
+              <a:t>] 8</a:t>
+            </a:r>
+            <a:r>
+              <a:rPr lang="ko-KR" altLang="en-US" dirty="0" smtClean="0"/>
+              <a:t>개의 </a:t>
+            </a:r>
+            <a:r>
+              <a:rPr lang="en-US" altLang="ko-KR" dirty="0" err="1" smtClean="0"/>
+              <a:t>col</a:t>
+            </a:r>
+            <a:r>
+              <a:rPr lang="en-US" altLang="ko-KR" dirty="0" smtClean="0"/>
+              <a:t>, 14</a:t>
+            </a:r>
+            <a:r>
+              <a:rPr lang="ko-KR" altLang="en-US" dirty="0" smtClean="0"/>
+              <a:t>개의 </a:t>
+            </a:r>
+            <a:r>
+              <a:rPr lang="en-US" altLang="ko-KR" dirty="0" smtClean="0"/>
+              <a:t>row </a:t>
+            </a:r>
+            <a:r>
+              <a:rPr lang="ko-KR" altLang="en-US" dirty="0" smtClean="0"/>
+              <a:t>데이터</a:t>
+            </a:r>
+            <a:endParaRPr lang="en-US" altLang="ko-KR" dirty="0" smtClean="0"/>
+          </a:p>
+          <a:p>
+            <a:endParaRPr lang="en-US" altLang="ko-KR" dirty="0" smtClean="0"/>
+          </a:p>
+          <a:p>
+            <a:r>
+              <a:rPr lang="en-US" altLang="ko-KR" b="1" dirty="0" smtClean="0">
+                <a:solidFill>
+                  <a:srgbClr val="FF0000"/>
+                </a:solidFill>
+              </a:rPr>
+              <a:t>EMPNO</a:t>
+            </a:r>
+            <a:r>
+              <a:rPr lang="en-US" altLang="ko-KR" dirty="0" smtClean="0"/>
+              <a:t> </a:t>
+            </a:r>
+            <a:r>
+              <a:rPr lang="en-US" altLang="ko-KR" dirty="0" smtClean="0"/>
+              <a:t>| </a:t>
+            </a:r>
+            <a:r>
+              <a:rPr lang="en-US" altLang="ko-KR" b="1" dirty="0" smtClean="0">
+                <a:solidFill>
+                  <a:srgbClr val="FF0000"/>
+                </a:solidFill>
+              </a:rPr>
+              <a:t>ENAME</a:t>
+            </a:r>
+            <a:r>
+              <a:rPr lang="en-US" altLang="ko-KR" dirty="0" smtClean="0"/>
+              <a:t>  | JOB       | </a:t>
+            </a:r>
+            <a:r>
+              <a:rPr lang="en-US" altLang="ko-KR" b="1" dirty="0" smtClean="0">
+                <a:solidFill>
+                  <a:srgbClr val="FF0000"/>
+                </a:solidFill>
+              </a:rPr>
+              <a:t>MGR</a:t>
+            </a:r>
+            <a:r>
+              <a:rPr lang="en-US" altLang="ko-KR" dirty="0" smtClean="0"/>
+              <a:t>  | HIREDATE   | SAL     | COMM    | </a:t>
+            </a:r>
+            <a:r>
+              <a:rPr lang="en-US" altLang="ko-KR" b="1" dirty="0" smtClean="0">
+                <a:solidFill>
+                  <a:srgbClr val="FF0000"/>
+                </a:solidFill>
+              </a:rPr>
+              <a:t>DEPTNO</a:t>
+            </a:r>
+            <a:endParaRPr lang="ko-KR" altLang="en-US" b="1" dirty="0">
+              <a:solidFill>
+                <a:srgbClr val="FF0000"/>
+              </a:solidFill>
+            </a:endParaRPr>
+          </a:p>
+        </p:txBody>
+      </p:sp>
+      <p:sp>
+        <p:nvSpPr>
+          <p:cNvPr id="10" name="직사각형 9"/>
+          <p:cNvSpPr/>
+          <p:nvPr/>
+        </p:nvSpPr>
+        <p:spPr>
+          <a:xfrm>
+            <a:off x="179512" y="2852936"/>
+            <a:ext cx="4809330" cy="1200329"/>
+          </a:xfrm>
+          <a:prstGeom prst="rect">
+            <a:avLst/>
+          </a:prstGeom>
+        </p:spPr>
+        <p:txBody>
+          <a:bodyPr wrap="none">
+            <a:spAutoFit/>
+          </a:bodyPr>
+          <a:lstStyle/>
+          <a:p>
+            <a:r>
+              <a:rPr lang="ko-KR" altLang="en-US" b="1" dirty="0" smtClean="0"/>
+              <a:t>모든 사원의 부서장의 이름을 출력하고 싶다</a:t>
+            </a:r>
+            <a:r>
+              <a:rPr lang="en-US" altLang="ko-KR" b="1" dirty="0" smtClean="0"/>
+              <a:t>.</a:t>
+            </a:r>
+            <a:endParaRPr lang="en-US" altLang="ko-KR" b="1" dirty="0" smtClean="0"/>
+          </a:p>
+          <a:p>
+            <a:r>
+              <a:rPr lang="en-US" altLang="ko-KR" b="1" dirty="0" err="1" smtClean="0"/>
+              <a:t>Ename</a:t>
+            </a:r>
+            <a:r>
+              <a:rPr lang="en-US" altLang="ko-KR" b="1" dirty="0" smtClean="0"/>
+              <a:t>   </a:t>
+            </a:r>
+            <a:r>
+              <a:rPr lang="en-US" altLang="ko-KR" b="1" dirty="0" err="1" smtClean="0"/>
+              <a:t>ename</a:t>
+            </a:r>
+            <a:endParaRPr lang="en-US" altLang="ko-KR" b="1" dirty="0" smtClean="0"/>
+          </a:p>
+          <a:p>
+            <a:r>
+              <a:rPr lang="en-US" altLang="ko-KR" b="1" dirty="0" smtClean="0"/>
+              <a:t>------------------------------</a:t>
+            </a:r>
+          </a:p>
+          <a:p>
+            <a:r>
+              <a:rPr lang="en-US" altLang="ko-KR" b="1" dirty="0" smtClean="0"/>
+              <a:t>SMITH    FORD</a:t>
+            </a:r>
+            <a:endParaRPr lang="ko-KR" altLang="en-US" b="1" dirty="0"/>
+          </a:p>
+        </p:txBody>
+      </p:sp>
+      <p:sp>
+        <p:nvSpPr>
+          <p:cNvPr id="12" name="직사각형 11"/>
+          <p:cNvSpPr/>
+          <p:nvPr/>
+        </p:nvSpPr>
+        <p:spPr>
+          <a:xfrm>
+            <a:off x="5004048" y="2708920"/>
+            <a:ext cx="3816424" cy="1200329"/>
+          </a:xfrm>
+          <a:prstGeom prst="rect">
+            <a:avLst/>
+          </a:prstGeom>
+        </p:spPr>
+        <p:txBody>
+          <a:bodyPr wrap="square">
+            <a:spAutoFit/>
+          </a:bodyPr>
+          <a:lstStyle/>
+          <a:p>
+            <a:r>
+              <a:rPr lang="pt-BR" altLang="ko-KR" dirty="0" smtClean="0"/>
+              <a:t>select e.ename, </a:t>
+            </a:r>
+            <a:r>
+              <a:rPr lang="pt-BR" altLang="ko-KR" dirty="0" smtClean="0"/>
+              <a:t>e2.ename </a:t>
+            </a:r>
+          </a:p>
+          <a:p>
+            <a:r>
+              <a:rPr lang="pt-BR" altLang="ko-KR" dirty="0" smtClean="0"/>
+              <a:t>from </a:t>
+            </a:r>
+            <a:r>
+              <a:rPr lang="pt-BR" altLang="ko-KR" b="1" dirty="0" smtClean="0">
+                <a:solidFill>
+                  <a:srgbClr val="FF0000"/>
+                </a:solidFill>
+              </a:rPr>
+              <a:t>emp e,emp </a:t>
+            </a:r>
+            <a:r>
+              <a:rPr lang="pt-BR" altLang="ko-KR" b="1" dirty="0" smtClean="0">
+                <a:solidFill>
+                  <a:srgbClr val="FF0000"/>
+                </a:solidFill>
+              </a:rPr>
+              <a:t>e2</a:t>
+            </a:r>
+          </a:p>
+          <a:p>
+            <a:r>
+              <a:rPr lang="pt-BR" altLang="ko-KR" dirty="0" smtClean="0"/>
+              <a:t>where </a:t>
+            </a:r>
+            <a:r>
+              <a:rPr lang="pt-BR" altLang="ko-KR" b="1" dirty="0" smtClean="0">
+                <a:solidFill>
+                  <a:srgbClr val="FF0000"/>
+                </a:solidFill>
+              </a:rPr>
+              <a:t>e.mgr = e2.empno</a:t>
+            </a:r>
+            <a:r>
+              <a:rPr lang="pt-BR" altLang="ko-KR" dirty="0" smtClean="0"/>
+              <a:t>;</a:t>
+            </a:r>
+          </a:p>
+          <a:p>
+            <a:r>
+              <a:rPr lang="pt-BR" altLang="ko-KR" dirty="0" smtClean="0"/>
+              <a:t>* KING</a:t>
+            </a:r>
+            <a:r>
+              <a:rPr lang="ko-KR" altLang="en-US" dirty="0" smtClean="0"/>
+              <a:t>은 </a:t>
+            </a:r>
+            <a:r>
+              <a:rPr lang="en-US" altLang="ko-KR" dirty="0" smtClean="0"/>
+              <a:t>NULL</a:t>
+            </a:r>
+            <a:r>
+              <a:rPr lang="ko-KR" altLang="en-US" dirty="0" smtClean="0"/>
+              <a:t>이기 때문에 제외</a:t>
+            </a:r>
+            <a:endParaRPr lang="pt-BR" altLang="ko-KR" dirty="0"/>
+          </a:p>
+        </p:txBody>
+      </p:sp>
+      <p:sp>
+        <p:nvSpPr>
+          <p:cNvPr id="8" name="직사각형 7"/>
+          <p:cNvSpPr/>
+          <p:nvPr/>
+        </p:nvSpPr>
+        <p:spPr>
+          <a:xfrm>
+            <a:off x="4427984" y="4509120"/>
+            <a:ext cx="4572000" cy="923330"/>
+          </a:xfrm>
+          <a:prstGeom prst="rect">
+            <a:avLst/>
+          </a:prstGeom>
+        </p:spPr>
+        <p:txBody>
+          <a:bodyPr>
+            <a:spAutoFit/>
+          </a:bodyPr>
+          <a:lstStyle/>
+          <a:p>
+            <a:r>
+              <a:rPr lang="pt-BR" altLang="ko-KR" dirty="0" smtClean="0"/>
+              <a:t>select e.ename, e2.ename </a:t>
+            </a:r>
+          </a:p>
+          <a:p>
+            <a:r>
+              <a:rPr lang="pt-BR" altLang="ko-KR" dirty="0" smtClean="0"/>
+              <a:t>from </a:t>
+            </a:r>
+            <a:r>
+              <a:rPr lang="pt-BR" altLang="ko-KR" b="1" dirty="0" smtClean="0">
+                <a:solidFill>
+                  <a:srgbClr val="FF0000"/>
+                </a:solidFill>
+              </a:rPr>
+              <a:t>emp </a:t>
+            </a:r>
+            <a:r>
+              <a:rPr lang="pt-BR" altLang="ko-KR" b="1" dirty="0" smtClean="0">
+                <a:solidFill>
+                  <a:srgbClr val="FF0000"/>
+                </a:solidFill>
+              </a:rPr>
+              <a:t>e LEFT OUTER JOIN emp e2</a:t>
+            </a:r>
+          </a:p>
+          <a:p>
+            <a:r>
+              <a:rPr lang="pt-BR" altLang="ko-KR" b="1" dirty="0" smtClean="0">
+                <a:solidFill>
+                  <a:srgbClr val="FF0000"/>
+                </a:solidFill>
+              </a:rPr>
+              <a:t> </a:t>
+            </a:r>
+            <a:r>
+              <a:rPr lang="pt-BR" altLang="ko-KR" b="1" dirty="0" smtClean="0">
+                <a:solidFill>
+                  <a:srgbClr val="FF0000"/>
+                </a:solidFill>
+              </a:rPr>
+              <a:t>      on e.mgr </a:t>
+            </a:r>
+            <a:r>
+              <a:rPr lang="pt-BR" altLang="ko-KR" b="1" dirty="0" smtClean="0">
+                <a:solidFill>
+                  <a:srgbClr val="FF0000"/>
+                </a:solidFill>
+              </a:rPr>
+              <a:t>= e2.empno</a:t>
+            </a:r>
+            <a:r>
+              <a:rPr lang="pt-BR" altLang="ko-KR" dirty="0" smtClean="0"/>
+              <a:t>;</a:t>
+            </a:r>
+          </a:p>
+        </p:txBody>
+      </p:sp>
+    </p:spTree>
+  </p:cSld>
+  <p:clrMapOvr>
+    <a:masterClrMapping/>
+  </p:clrMapOvr>
+</p:sld>
+</file>
+
 <file path=ppt/slides/slide2.xml><?xml version="1.0" encoding="utf-8"?>
 <p:sld xmlns:a="http://schemas.openxmlformats.org/drawingml/2006/main" xmlns:r="http://schemas.openxmlformats.org/officeDocument/2006/relationships" xmlns:p="http://schemas.openxmlformats.org/presentationml/2006/main">
   <p:cSld>
@@ -3932,11 +9073,7 @@
           <a:p>
             <a:r>
               <a:rPr lang="en-US" altLang="ko-KR" dirty="0" smtClean="0"/>
-              <a:t> </a:t>
-            </a:r>
-            <a:r>
-              <a:rPr lang="en-US" altLang="ko-KR" dirty="0" smtClean="0"/>
-              <a:t>                            </a:t>
+              <a:t>                             </a:t>
             </a:r>
             <a:r>
               <a:rPr lang="en-US" altLang="ko-KR" b="1" dirty="0" smtClean="0">
@@ -3977,6 +9114,39 @@
                 </a:solidFill>
               </a:rPr>
               <a:t>…</a:t>
+            </a:r>
+          </a:p>
+          <a:p>
+            <a:endParaRPr lang="en-US" altLang="ko-KR" dirty="0" smtClean="0"/>
+          </a:p>
+          <a:p>
+            <a:r>
+              <a:rPr lang="en-US" altLang="ko-KR" dirty="0" smtClean="0"/>
+              <a:t>2) </a:t>
+            </a:r>
+            <a:r>
+              <a:rPr lang="ko-KR" altLang="en-US" b="1" dirty="0" smtClean="0">
+                <a:solidFill>
+                  <a:srgbClr val="002060"/>
+                </a:solidFill>
+              </a:rPr>
+              <a:t>조작기능</a:t>
+            </a:r>
+            <a:r>
+              <a:rPr lang="en-US" altLang="ko-KR" b="1" dirty="0" smtClean="0">
+                <a:solidFill>
+                  <a:srgbClr val="002060"/>
+                </a:solidFill>
+              </a:rPr>
+              <a:t>(DML)    : </a:t>
+            </a:r>
+            <a:r>
+              <a:rPr lang="ko-KR" altLang="en-US" b="1" dirty="0" smtClean="0">
+                <a:solidFill>
+                  <a:srgbClr val="002060"/>
+                </a:solidFill>
+              </a:rPr>
+              <a:t>데이터 관리</a:t>
             </a:r>
             <a:endParaRPr lang="en-US" altLang="ko-KR" b="1" dirty="0" smtClean="0">
               <a:solidFill>
@@ -3985,59 +9155,13 @@
             </a:endParaRPr>
           </a:p>
           <a:p>
-            <a:endParaRPr lang="en-US" altLang="ko-KR" dirty="0" smtClean="0"/>
-          </a:p>
-          <a:p>
-            <a:r>
-              <a:rPr lang="en-US" altLang="ko-KR" dirty="0" smtClean="0"/>
-              <a:t>2) </a:t>
-            </a:r>
-            <a:r>
-              <a:rPr lang="ko-KR" altLang="en-US" b="1" dirty="0" smtClean="0">
+            <a:r>
+              <a:rPr lang="en-US" altLang="ko-KR" b="1" dirty="0" smtClean="0">
                 <a:solidFill>
                   <a:srgbClr val="002060"/>
                 </a:solidFill>
               </a:rPr>
-              <a:t>조작기능</a:t>
-            </a:r>
-            <a:r>
-              <a:rPr lang="en-US" altLang="ko-KR" b="1" dirty="0" smtClean="0">
-                <a:solidFill>
-                  <a:srgbClr val="002060"/>
-                </a:solidFill>
-              </a:rPr>
-              <a:t>(DML)    : </a:t>
-            </a:r>
-            <a:r>
-              <a:rPr lang="ko-KR" altLang="en-US" b="1" dirty="0" smtClean="0">
-                <a:solidFill>
-                  <a:srgbClr val="002060"/>
-                </a:solidFill>
-              </a:rPr>
-              <a:t>데이터 관리</a:t>
-            </a:r>
-            <a:endParaRPr lang="en-US" altLang="ko-KR" b="1" dirty="0" smtClean="0">
-              <a:solidFill>
-                <a:srgbClr val="002060"/>
-              </a:solidFill>
-            </a:endParaRPr>
-          </a:p>
-          <a:p>
-            <a:r>
-              <a:rPr lang="en-US" altLang="ko-KR" b="1" dirty="0" smtClean="0">
-                <a:solidFill>
-                  <a:srgbClr val="002060"/>
-                </a:solidFill>
-              </a:rPr>
-              <a:t> </a:t>
-            </a:r>
-            <a:r>
-              <a:rPr lang="en-US" altLang="ko-KR" b="1" dirty="0" smtClean="0">
-                <a:solidFill>
-                  <a:srgbClr val="002060"/>
-                </a:solidFill>
-              </a:rPr>
-              <a:t>                            Insert, Update, Delete  / Select (DQL, </a:t>
+              <a:t>                             Insert, Update, Delete  / Select (DQL, </a:t>
             </a:r>
             <a:r>
               <a:rPr lang="en-US" altLang="ko-KR" b="1" u="sng" dirty="0" smtClean="0">
@@ -4271,11 +9395,7 @@
             </a:r>
             <a:r>
               <a:rPr lang="en-US" altLang="ko-KR" dirty="0" smtClean="0"/>
-              <a:t> Server </a:t>
-            </a:r>
-            <a:r>
-              <a:rPr lang="en-US" altLang="ko-KR" dirty="0" smtClean="0"/>
-              <a:t>8.0\bin</a:t>
+              <a:t> Server 8.0\bin</a:t>
             </a:r>
           </a:p>
           <a:p>
@@ -4310,11 +9430,7 @@
             </a:pPr>
             <a:r>
               <a:rPr lang="en-US" altLang="ko-KR" dirty="0" smtClean="0"/>
-              <a:t> </a:t>
-            </a:r>
-            <a:r>
-              <a:rPr lang="en-US" altLang="ko-KR" dirty="0" smtClean="0"/>
-              <a:t>Path </a:t>
+              <a:t> Path </a:t>
             </a:r>
             <a:r>
               <a:rPr lang="ko-KR" altLang="en-US" dirty="0" smtClean="0"/>
@@ -4703,6 +9819,2996 @@
                 <a:srgbClr val="FF0000"/>
               </a:solidFill>
             </a:endParaRPr>
+          </a:p>
+        </p:txBody>
+      </p:sp>
+    </p:spTree>
+  </p:cSld>
+  <p:clrMapOvr>
+    <a:masterClrMapping/>
+  </p:clrMapOvr>
+</p:sld>
+</file>
+
+<file path=ppt/slides/slide5.xml><?xml version="1.0" encoding="utf-8"?>
+<p:sld xmlns:a="http://schemas.openxmlformats.org/drawingml/2006/main" xmlns:r="http://schemas.openxmlformats.org/officeDocument/2006/relationships" xmlns:p="http://schemas.openxmlformats.org/presentationml/2006/main">
+  <p:cSld>
+    <p:spTree>
+      <p:nvGrpSpPr>
+        <p:cNvPr id="1" name=""/>
+        <p:cNvGrpSpPr/>
+        <p:nvPr/>
+      </p:nvGrpSpPr>
+      <p:grpSpPr>
+        <a:xfrm>
+          <a:off x="0" y="0"/>
+          <a:ext cx="0" cy="0"/>
+          <a:chOff x="0" y="0"/>
+          <a:chExt cx="0" cy="0"/>
+        </a:xfrm>
+      </p:grpSpPr>
+      <p:sp>
+        <p:nvSpPr>
+          <p:cNvPr id="5" name="TextBox 4"/>
+          <p:cNvSpPr txBox="1"/>
+          <p:nvPr/>
+        </p:nvSpPr>
+        <p:spPr>
+          <a:xfrm>
+            <a:off x="251520" y="260648"/>
+            <a:ext cx="5976664" cy="400110"/>
+          </a:xfrm>
+          <a:prstGeom prst="rect">
+            <a:avLst/>
+          </a:prstGeom>
+          <a:noFill/>
+        </p:spPr>
+        <p:txBody>
+          <a:bodyPr wrap="square" rtlCol="0">
+            <a:spAutoFit/>
+          </a:bodyPr>
+          <a:lstStyle/>
+          <a:p>
+            <a:r>
+              <a:rPr lang="en-US" altLang="ko-KR" sz="2000" b="1" dirty="0" smtClean="0"/>
+              <a:t>MYSQL</a:t>
+            </a:r>
+            <a:r>
+              <a:rPr lang="ko-KR" altLang="en-US" sz="2000" b="1" dirty="0" smtClean="0"/>
+              <a:t> </a:t>
+            </a:r>
+            <a:r>
+              <a:rPr lang="en-US" altLang="ko-KR" sz="2000" b="1" dirty="0" smtClean="0"/>
+              <a:t>1</a:t>
+            </a:r>
+            <a:r>
+              <a:rPr lang="ko-KR" altLang="en-US" sz="2000" b="1" dirty="0" smtClean="0"/>
+              <a:t>일차</a:t>
+            </a:r>
+            <a:endParaRPr lang="ko-KR" altLang="en-US" sz="2000" b="1" dirty="0"/>
+          </a:p>
+        </p:txBody>
+      </p:sp>
+      <p:sp>
+        <p:nvSpPr>
+          <p:cNvPr id="7" name="직사각형 6"/>
+          <p:cNvSpPr/>
+          <p:nvPr/>
+        </p:nvSpPr>
+        <p:spPr>
+          <a:xfrm>
+            <a:off x="467544" y="836712"/>
+            <a:ext cx="8103500" cy="2031325"/>
+          </a:xfrm>
+          <a:prstGeom prst="rect">
+            <a:avLst/>
+          </a:prstGeom>
+          <a:ln>
+            <a:solidFill>
+              <a:schemeClr val="accent1"/>
+            </a:solidFill>
+          </a:ln>
+        </p:spPr>
+        <p:txBody>
+          <a:bodyPr wrap="none">
+            <a:spAutoFit/>
+          </a:bodyPr>
+          <a:lstStyle/>
+          <a:p>
+            <a:r>
+              <a:rPr lang="ko-KR" altLang="en-US" dirty="0" smtClean="0"/>
+              <a:t>데이터베이스를 생성</a:t>
+            </a:r>
+            <a:r>
+              <a:rPr lang="en-US" altLang="ko-KR" dirty="0" smtClean="0"/>
+              <a:t>(</a:t>
+            </a:r>
+            <a:r>
+              <a:rPr lang="en-US" altLang="ko-KR" dirty="0" err="1" smtClean="0"/>
+              <a:t>sampleDB</a:t>
+            </a:r>
+            <a:r>
+              <a:rPr lang="en-US" altLang="ko-KR" dirty="0" smtClean="0"/>
+              <a:t>)</a:t>
+            </a:r>
+          </a:p>
+          <a:p>
+            <a:endParaRPr lang="en-US" altLang="ko-KR" dirty="0" smtClean="0"/>
+          </a:p>
+          <a:p>
+            <a:r>
+              <a:rPr lang="en-US" altLang="ko-KR" dirty="0" err="1" smtClean="0"/>
+              <a:t>mysql</a:t>
+            </a:r>
+            <a:r>
+              <a:rPr lang="en-US" altLang="ko-KR" dirty="0" smtClean="0"/>
+              <a:t>&gt; show databases;   </a:t>
+            </a:r>
+          </a:p>
+          <a:p>
+            <a:endParaRPr lang="en-US" altLang="ko-KR" dirty="0" smtClean="0"/>
+          </a:p>
+          <a:p>
+            <a:r>
+              <a:rPr lang="en-US" altLang="ko-KR" dirty="0" err="1" smtClean="0"/>
+              <a:t>mysql</a:t>
+            </a:r>
+            <a:r>
+              <a:rPr lang="en-US" altLang="ko-KR" dirty="0" smtClean="0"/>
+              <a:t> &gt; create database </a:t>
+            </a:r>
+            <a:r>
+              <a:rPr lang="en-US" altLang="ko-KR" b="1" dirty="0" err="1" smtClean="0">
+                <a:solidFill>
+                  <a:srgbClr val="FF0000"/>
+                </a:solidFill>
+              </a:rPr>
+              <a:t>sampleDB</a:t>
+            </a:r>
+            <a:r>
+              <a:rPr lang="en-US" altLang="ko-KR" b="1" dirty="0" smtClean="0">
+                <a:solidFill>
+                  <a:srgbClr val="FF0000"/>
+                </a:solidFill>
+              </a:rPr>
+              <a:t>;      </a:t>
+            </a:r>
+            <a:r>
+              <a:rPr lang="en-US" altLang="ko-KR" b="1" dirty="0" smtClean="0"/>
+              <a:t>- </a:t>
+            </a:r>
+            <a:r>
+              <a:rPr lang="ko-KR" altLang="en-US" b="1" dirty="0" smtClean="0"/>
+              <a:t>데이터베이스 생성</a:t>
+            </a:r>
+            <a:endParaRPr lang="en-US" altLang="ko-KR" b="1" dirty="0" smtClean="0"/>
+          </a:p>
+          <a:p>
+            <a:endParaRPr lang="en-US" altLang="ko-KR" b="1" dirty="0" smtClean="0"/>
+          </a:p>
+          <a:p>
+            <a:r>
+              <a:rPr lang="en-US" altLang="ko-KR" dirty="0" err="1" smtClean="0"/>
+              <a:t>mysql</a:t>
+            </a:r>
+            <a:r>
+              <a:rPr lang="en-US" altLang="ko-KR" dirty="0" smtClean="0"/>
+              <a:t> &gt; use </a:t>
+            </a:r>
+            <a:r>
+              <a:rPr lang="en-US" altLang="ko-KR" dirty="0" err="1" smtClean="0"/>
+              <a:t>sampleDB</a:t>
+            </a:r>
+            <a:r>
+              <a:rPr lang="en-US" altLang="ko-KR" dirty="0" smtClean="0"/>
+              <a:t>;                       - </a:t>
+            </a:r>
+            <a:r>
+              <a:rPr lang="ko-KR" altLang="en-US" dirty="0" smtClean="0"/>
+              <a:t>해당</a:t>
+            </a:r>
+            <a:r>
+              <a:rPr lang="en-US" altLang="ko-KR" dirty="0" smtClean="0"/>
+              <a:t> </a:t>
+            </a:r>
+            <a:r>
+              <a:rPr lang="ko-KR" altLang="en-US" dirty="0" smtClean="0"/>
+              <a:t>데이터베이스를 사용하겠다</a:t>
+            </a:r>
+            <a:r>
+              <a:rPr lang="en-US" altLang="ko-KR" dirty="0" smtClean="0"/>
+              <a:t>.</a:t>
+            </a:r>
+            <a:endParaRPr lang="ko-KR" altLang="en-US" dirty="0"/>
+          </a:p>
+        </p:txBody>
+      </p:sp>
+      <p:sp>
+        <p:nvSpPr>
+          <p:cNvPr id="8" name="순서도: 자기 디스크 7"/>
+          <p:cNvSpPr/>
+          <p:nvPr/>
+        </p:nvSpPr>
+        <p:spPr>
+          <a:xfrm>
+            <a:off x="467544" y="5445224"/>
+            <a:ext cx="2952328" cy="936104"/>
+          </a:xfrm>
+          <a:prstGeom prst="flowChartMagneticDisk">
+            <a:avLst/>
+          </a:prstGeom>
+        </p:spPr>
+        <p:style>
+          <a:lnRef idx="2">
+            <a:schemeClr val="accent1">
+              <a:shade val="50000"/>
+            </a:schemeClr>
+          </a:lnRef>
+          <a:fillRef idx="1">
+            <a:schemeClr val="accent1"/>
+          </a:fillRef>
+          <a:effectRef idx="0">
+            <a:schemeClr val="accent1"/>
+          </a:effectRef>
+          <a:fontRef idx="minor">
+            <a:schemeClr val="lt1"/>
+          </a:fontRef>
+        </p:style>
+        <p:txBody>
+          <a:bodyPr rtlCol="0" anchor="ctr"/>
+          <a:lstStyle/>
+          <a:p>
+            <a:pPr algn="ctr"/>
+            <a:r>
+              <a:rPr lang="en-US" altLang="ko-KR" dirty="0" err="1" smtClean="0"/>
+              <a:t>DataBase</a:t>
+            </a:r>
+            <a:endParaRPr lang="ko-KR" altLang="en-US" dirty="0"/>
+          </a:p>
+        </p:txBody>
+      </p:sp>
+      <p:sp>
+        <p:nvSpPr>
+          <p:cNvPr id="9" name="직사각형 8"/>
+          <p:cNvSpPr/>
+          <p:nvPr/>
+        </p:nvSpPr>
+        <p:spPr>
+          <a:xfrm>
+            <a:off x="3923928" y="4797152"/>
+            <a:ext cx="2376264" cy="792088"/>
+          </a:xfrm>
+          <a:prstGeom prst="rect">
+            <a:avLst/>
+          </a:prstGeom>
+          <a:solidFill>
+            <a:schemeClr val="bg1"/>
+          </a:solidFill>
+        </p:spPr>
+        <p:style>
+          <a:lnRef idx="2">
+            <a:schemeClr val="accent1">
+              <a:shade val="50000"/>
+            </a:schemeClr>
+          </a:lnRef>
+          <a:fillRef idx="1">
+            <a:schemeClr val="accent1"/>
+          </a:fillRef>
+          <a:effectRef idx="0">
+            <a:schemeClr val="accent1"/>
+          </a:effectRef>
+          <a:fontRef idx="minor">
+            <a:schemeClr val="lt1"/>
+          </a:fontRef>
+        </p:style>
+        <p:txBody>
+          <a:bodyPr rtlCol="0" anchor="ctr"/>
+          <a:lstStyle/>
+          <a:p>
+            <a:pPr algn="ctr"/>
+            <a:endParaRPr lang="ko-KR" altLang="en-US"/>
+          </a:p>
+        </p:txBody>
+      </p:sp>
+      <p:sp>
+        <p:nvSpPr>
+          <p:cNvPr id="10" name="직사각형 9"/>
+          <p:cNvSpPr/>
+          <p:nvPr/>
+        </p:nvSpPr>
+        <p:spPr>
+          <a:xfrm>
+            <a:off x="6300192" y="4797152"/>
+            <a:ext cx="2376264" cy="792088"/>
+          </a:xfrm>
+          <a:prstGeom prst="rect">
+            <a:avLst/>
+          </a:prstGeom>
+          <a:solidFill>
+            <a:schemeClr val="bg1"/>
+          </a:solidFill>
+        </p:spPr>
+        <p:style>
+          <a:lnRef idx="2">
+            <a:schemeClr val="accent1">
+              <a:shade val="50000"/>
+            </a:schemeClr>
+          </a:lnRef>
+          <a:fillRef idx="1">
+            <a:schemeClr val="accent1"/>
+          </a:fillRef>
+          <a:effectRef idx="0">
+            <a:schemeClr val="accent1"/>
+          </a:effectRef>
+          <a:fontRef idx="minor">
+            <a:schemeClr val="lt1"/>
+          </a:fontRef>
+        </p:style>
+        <p:txBody>
+          <a:bodyPr rtlCol="0" anchor="ctr"/>
+          <a:lstStyle/>
+          <a:p>
+            <a:pPr algn="ctr"/>
+            <a:r>
+              <a:rPr lang="en-US" altLang="ko-KR" dirty="0" err="1" smtClean="0">
+                <a:solidFill>
+                  <a:srgbClr val="FF0000"/>
+                </a:solidFill>
+              </a:rPr>
+              <a:t>sampleDB</a:t>
+            </a:r>
+            <a:endParaRPr lang="ko-KR" altLang="en-US" dirty="0">
+              <a:solidFill>
+                <a:srgbClr val="FF0000"/>
+              </a:solidFill>
+            </a:endParaRPr>
+          </a:p>
+        </p:txBody>
+      </p:sp>
+      <p:sp>
+        <p:nvSpPr>
+          <p:cNvPr id="11" name="직사각형 10"/>
+          <p:cNvSpPr/>
+          <p:nvPr/>
+        </p:nvSpPr>
+        <p:spPr>
+          <a:xfrm>
+            <a:off x="3923928" y="5589240"/>
+            <a:ext cx="2376264" cy="792088"/>
+          </a:xfrm>
+          <a:prstGeom prst="rect">
+            <a:avLst/>
+          </a:prstGeom>
+          <a:solidFill>
+            <a:schemeClr val="bg1"/>
+          </a:solidFill>
+        </p:spPr>
+        <p:style>
+          <a:lnRef idx="2">
+            <a:schemeClr val="accent1">
+              <a:shade val="50000"/>
+            </a:schemeClr>
+          </a:lnRef>
+          <a:fillRef idx="1">
+            <a:schemeClr val="accent1"/>
+          </a:fillRef>
+          <a:effectRef idx="0">
+            <a:schemeClr val="accent1"/>
+          </a:effectRef>
+          <a:fontRef idx="minor">
+            <a:schemeClr val="lt1"/>
+          </a:fontRef>
+        </p:style>
+        <p:txBody>
+          <a:bodyPr rtlCol="0" anchor="ctr"/>
+          <a:lstStyle/>
+          <a:p>
+            <a:pPr algn="ctr"/>
+            <a:endParaRPr lang="ko-KR" altLang="en-US"/>
+          </a:p>
+        </p:txBody>
+      </p:sp>
+      <p:sp>
+        <p:nvSpPr>
+          <p:cNvPr id="12" name="직사각형 11"/>
+          <p:cNvSpPr/>
+          <p:nvPr/>
+        </p:nvSpPr>
+        <p:spPr>
+          <a:xfrm>
+            <a:off x="6300192" y="5589240"/>
+            <a:ext cx="2376264" cy="792088"/>
+          </a:xfrm>
+          <a:prstGeom prst="rect">
+            <a:avLst/>
+          </a:prstGeom>
+          <a:solidFill>
+            <a:schemeClr val="bg1"/>
+          </a:solidFill>
+        </p:spPr>
+        <p:style>
+          <a:lnRef idx="2">
+            <a:schemeClr val="accent1">
+              <a:shade val="50000"/>
+            </a:schemeClr>
+          </a:lnRef>
+          <a:fillRef idx="1">
+            <a:schemeClr val="accent1"/>
+          </a:fillRef>
+          <a:effectRef idx="0">
+            <a:schemeClr val="accent1"/>
+          </a:effectRef>
+          <a:fontRef idx="minor">
+            <a:schemeClr val="lt1"/>
+          </a:fontRef>
+        </p:style>
+        <p:txBody>
+          <a:bodyPr rtlCol="0" anchor="ctr"/>
+          <a:lstStyle/>
+          <a:p>
+            <a:pPr algn="ctr"/>
+            <a:endParaRPr lang="ko-KR" altLang="en-US"/>
+          </a:p>
+        </p:txBody>
+      </p:sp>
+    </p:spTree>
+  </p:cSld>
+  <p:clrMapOvr>
+    <a:masterClrMapping/>
+  </p:clrMapOvr>
+</p:sld>
+</file>
+
+<file path=ppt/slides/slide6.xml><?xml version="1.0" encoding="utf-8"?>
+<p:sld xmlns:a="http://schemas.openxmlformats.org/drawingml/2006/main" xmlns:r="http://schemas.openxmlformats.org/officeDocument/2006/relationships" xmlns:p="http://schemas.openxmlformats.org/presentationml/2006/main">
+  <p:cSld>
+    <p:spTree>
+      <p:nvGrpSpPr>
+        <p:cNvPr id="1" name=""/>
+        <p:cNvGrpSpPr/>
+        <p:nvPr/>
+      </p:nvGrpSpPr>
+      <p:grpSpPr>
+        <a:xfrm>
+          <a:off x="0" y="0"/>
+          <a:ext cx="0" cy="0"/>
+          <a:chOff x="0" y="0"/>
+          <a:chExt cx="0" cy="0"/>
+        </a:xfrm>
+      </p:grpSpPr>
+      <p:sp>
+        <p:nvSpPr>
+          <p:cNvPr id="5" name="TextBox 4"/>
+          <p:cNvSpPr txBox="1"/>
+          <p:nvPr/>
+        </p:nvSpPr>
+        <p:spPr>
+          <a:xfrm>
+            <a:off x="251520" y="260648"/>
+            <a:ext cx="5976664" cy="400110"/>
+          </a:xfrm>
+          <a:prstGeom prst="rect">
+            <a:avLst/>
+          </a:prstGeom>
+          <a:noFill/>
+        </p:spPr>
+        <p:txBody>
+          <a:bodyPr wrap="square" rtlCol="0">
+            <a:spAutoFit/>
+          </a:bodyPr>
+          <a:lstStyle/>
+          <a:p>
+            <a:r>
+              <a:rPr lang="en-US" altLang="ko-KR" sz="2000" b="1" dirty="0" smtClean="0"/>
+              <a:t>MYSQL</a:t>
+            </a:r>
+            <a:r>
+              <a:rPr lang="ko-KR" altLang="en-US" sz="2000" b="1" dirty="0" smtClean="0"/>
+              <a:t> </a:t>
+            </a:r>
+            <a:r>
+              <a:rPr lang="en-US" altLang="ko-KR" sz="2000" b="1" dirty="0" smtClean="0"/>
+              <a:t>1</a:t>
+            </a:r>
+            <a:r>
+              <a:rPr lang="ko-KR" altLang="en-US" sz="2000" b="1" dirty="0" smtClean="0"/>
+              <a:t>일차</a:t>
+            </a:r>
+            <a:endParaRPr lang="ko-KR" altLang="en-US" sz="2000" b="1" dirty="0"/>
+          </a:p>
+        </p:txBody>
+      </p:sp>
+      <p:sp>
+        <p:nvSpPr>
+          <p:cNvPr id="7" name="직사각형 6"/>
+          <p:cNvSpPr/>
+          <p:nvPr/>
+        </p:nvSpPr>
+        <p:spPr>
+          <a:xfrm>
+            <a:off x="467544" y="836712"/>
+            <a:ext cx="7217040" cy="1200329"/>
+          </a:xfrm>
+          <a:prstGeom prst="rect">
+            <a:avLst/>
+          </a:prstGeom>
+          <a:ln>
+            <a:solidFill>
+              <a:schemeClr val="accent1"/>
+            </a:solidFill>
+          </a:ln>
+        </p:spPr>
+        <p:txBody>
+          <a:bodyPr wrap="none">
+            <a:spAutoFit/>
+          </a:bodyPr>
+          <a:lstStyle/>
+          <a:p>
+            <a:r>
+              <a:rPr lang="en-US" altLang="ko-KR" dirty="0" smtClean="0"/>
+              <a:t>(</a:t>
+            </a:r>
+            <a:r>
+              <a:rPr lang="en-US" altLang="ko-KR" dirty="0" err="1" smtClean="0"/>
+              <a:t>sampleDB</a:t>
+            </a:r>
+            <a:r>
+              <a:rPr lang="en-US" altLang="ko-KR" dirty="0" smtClean="0"/>
+              <a:t>) </a:t>
+            </a:r>
+            <a:r>
+              <a:rPr lang="en-US" altLang="ko-KR" dirty="0" smtClean="0"/>
+              <a:t> </a:t>
+            </a:r>
+            <a:r>
+              <a:rPr lang="ko-KR" altLang="en-US" dirty="0" smtClean="0"/>
+              <a:t>예제 테이블을 추가</a:t>
+            </a:r>
+            <a:endParaRPr lang="en-US" altLang="ko-KR" dirty="0" smtClean="0"/>
+          </a:p>
+          <a:p>
+            <a:endParaRPr lang="en-US" altLang="ko-KR" dirty="0" smtClean="0"/>
+          </a:p>
+          <a:p>
+            <a:r>
+              <a:rPr lang="en-US" altLang="ko-KR" dirty="0" err="1" smtClean="0"/>
+              <a:t>mysql</a:t>
+            </a:r>
+            <a:r>
+              <a:rPr lang="en-US" altLang="ko-KR" dirty="0" smtClean="0"/>
+              <a:t>&gt; show tables;      - </a:t>
+            </a:r>
+            <a:r>
+              <a:rPr lang="en-US" altLang="ko-KR" dirty="0" err="1" smtClean="0"/>
+              <a:t>sampleDB</a:t>
+            </a:r>
+            <a:r>
+              <a:rPr lang="ko-KR" altLang="en-US" dirty="0" smtClean="0"/>
+              <a:t>가 갖고 있는 테이블 정보 요청</a:t>
+            </a:r>
+            <a:r>
+              <a:rPr lang="en-US" altLang="ko-KR" dirty="0" smtClean="0"/>
+              <a:t>!</a:t>
+            </a:r>
+          </a:p>
+          <a:p>
+            <a:endParaRPr lang="ko-KR" altLang="en-US" dirty="0"/>
+          </a:p>
+        </p:txBody>
+      </p:sp>
+      <p:sp>
+        <p:nvSpPr>
+          <p:cNvPr id="8" name="순서도: 자기 디스크 7"/>
+          <p:cNvSpPr/>
+          <p:nvPr/>
+        </p:nvSpPr>
+        <p:spPr>
+          <a:xfrm>
+            <a:off x="467544" y="5445224"/>
+            <a:ext cx="2952328" cy="936104"/>
+          </a:xfrm>
+          <a:prstGeom prst="flowChartMagneticDisk">
+            <a:avLst/>
+          </a:prstGeom>
+        </p:spPr>
+        <p:style>
+          <a:lnRef idx="2">
+            <a:schemeClr val="accent1">
+              <a:shade val="50000"/>
+            </a:schemeClr>
+          </a:lnRef>
+          <a:fillRef idx="1">
+            <a:schemeClr val="accent1"/>
+          </a:fillRef>
+          <a:effectRef idx="0">
+            <a:schemeClr val="accent1"/>
+          </a:effectRef>
+          <a:fontRef idx="minor">
+            <a:schemeClr val="lt1"/>
+          </a:fontRef>
+        </p:style>
+        <p:txBody>
+          <a:bodyPr rtlCol="0" anchor="ctr"/>
+          <a:lstStyle/>
+          <a:p>
+            <a:pPr algn="ctr"/>
+            <a:r>
+              <a:rPr lang="en-US" altLang="ko-KR" dirty="0" err="1" smtClean="0"/>
+              <a:t>DataBase</a:t>
+            </a:r>
+            <a:endParaRPr lang="ko-KR" altLang="en-US" dirty="0"/>
+          </a:p>
+        </p:txBody>
+      </p:sp>
+      <p:sp>
+        <p:nvSpPr>
+          <p:cNvPr id="9" name="직사각형 8"/>
+          <p:cNvSpPr/>
+          <p:nvPr/>
+        </p:nvSpPr>
+        <p:spPr>
+          <a:xfrm>
+            <a:off x="3923928" y="4797152"/>
+            <a:ext cx="2376264" cy="792088"/>
+          </a:xfrm>
+          <a:prstGeom prst="rect">
+            <a:avLst/>
+          </a:prstGeom>
+          <a:solidFill>
+            <a:schemeClr val="bg1"/>
+          </a:solidFill>
+        </p:spPr>
+        <p:style>
+          <a:lnRef idx="2">
+            <a:schemeClr val="accent1">
+              <a:shade val="50000"/>
+            </a:schemeClr>
+          </a:lnRef>
+          <a:fillRef idx="1">
+            <a:schemeClr val="accent1"/>
+          </a:fillRef>
+          <a:effectRef idx="0">
+            <a:schemeClr val="accent1"/>
+          </a:effectRef>
+          <a:fontRef idx="minor">
+            <a:schemeClr val="lt1"/>
+          </a:fontRef>
+        </p:style>
+        <p:txBody>
+          <a:bodyPr rtlCol="0" anchor="ctr"/>
+          <a:lstStyle/>
+          <a:p>
+            <a:pPr algn="ctr"/>
+            <a:endParaRPr lang="ko-KR" altLang="en-US"/>
+          </a:p>
+        </p:txBody>
+      </p:sp>
+      <p:sp>
+        <p:nvSpPr>
+          <p:cNvPr id="10" name="직사각형 9"/>
+          <p:cNvSpPr/>
+          <p:nvPr/>
+        </p:nvSpPr>
+        <p:spPr>
+          <a:xfrm>
+            <a:off x="6300192" y="4797152"/>
+            <a:ext cx="2376264" cy="792088"/>
+          </a:xfrm>
+          <a:prstGeom prst="rect">
+            <a:avLst/>
+          </a:prstGeom>
+          <a:solidFill>
+            <a:schemeClr val="bg1"/>
+          </a:solidFill>
+        </p:spPr>
+        <p:style>
+          <a:lnRef idx="2">
+            <a:schemeClr val="accent1">
+              <a:shade val="50000"/>
+            </a:schemeClr>
+          </a:lnRef>
+          <a:fillRef idx="1">
+            <a:schemeClr val="accent1"/>
+          </a:fillRef>
+          <a:effectRef idx="0">
+            <a:schemeClr val="accent1"/>
+          </a:effectRef>
+          <a:fontRef idx="minor">
+            <a:schemeClr val="lt1"/>
+          </a:fontRef>
+        </p:style>
+        <p:txBody>
+          <a:bodyPr rtlCol="0" anchor="ctr"/>
+          <a:lstStyle/>
+          <a:p>
+            <a:pPr algn="ctr"/>
+            <a:r>
+              <a:rPr lang="en-US" altLang="ko-KR" dirty="0" err="1" smtClean="0">
+                <a:solidFill>
+                  <a:srgbClr val="FF0000"/>
+                </a:solidFill>
+              </a:rPr>
+              <a:t>sampleDB</a:t>
+            </a:r>
+            <a:endParaRPr lang="ko-KR" altLang="en-US" dirty="0">
+              <a:solidFill>
+                <a:srgbClr val="FF0000"/>
+              </a:solidFill>
+            </a:endParaRPr>
+          </a:p>
+        </p:txBody>
+      </p:sp>
+      <p:sp>
+        <p:nvSpPr>
+          <p:cNvPr id="11" name="직사각형 10"/>
+          <p:cNvSpPr/>
+          <p:nvPr/>
+        </p:nvSpPr>
+        <p:spPr>
+          <a:xfrm>
+            <a:off x="3923928" y="5589240"/>
+            <a:ext cx="2376264" cy="792088"/>
+          </a:xfrm>
+          <a:prstGeom prst="rect">
+            <a:avLst/>
+          </a:prstGeom>
+          <a:solidFill>
+            <a:schemeClr val="bg1"/>
+          </a:solidFill>
+        </p:spPr>
+        <p:style>
+          <a:lnRef idx="2">
+            <a:schemeClr val="accent1">
+              <a:shade val="50000"/>
+            </a:schemeClr>
+          </a:lnRef>
+          <a:fillRef idx="1">
+            <a:schemeClr val="accent1"/>
+          </a:fillRef>
+          <a:effectRef idx="0">
+            <a:schemeClr val="accent1"/>
+          </a:effectRef>
+          <a:fontRef idx="minor">
+            <a:schemeClr val="lt1"/>
+          </a:fontRef>
+        </p:style>
+        <p:txBody>
+          <a:bodyPr rtlCol="0" anchor="ctr"/>
+          <a:lstStyle/>
+          <a:p>
+            <a:pPr algn="ctr"/>
+            <a:endParaRPr lang="ko-KR" altLang="en-US"/>
+          </a:p>
+        </p:txBody>
+      </p:sp>
+      <p:sp>
+        <p:nvSpPr>
+          <p:cNvPr id="12" name="직사각형 11"/>
+          <p:cNvSpPr/>
+          <p:nvPr/>
+        </p:nvSpPr>
+        <p:spPr>
+          <a:xfrm>
+            <a:off x="6300192" y="5589240"/>
+            <a:ext cx="2376264" cy="792088"/>
+          </a:xfrm>
+          <a:prstGeom prst="rect">
+            <a:avLst/>
+          </a:prstGeom>
+          <a:solidFill>
+            <a:schemeClr val="bg1"/>
+          </a:solidFill>
+        </p:spPr>
+        <p:style>
+          <a:lnRef idx="2">
+            <a:schemeClr val="accent1">
+              <a:shade val="50000"/>
+            </a:schemeClr>
+          </a:lnRef>
+          <a:fillRef idx="1">
+            <a:schemeClr val="accent1"/>
+          </a:fillRef>
+          <a:effectRef idx="0">
+            <a:schemeClr val="accent1"/>
+          </a:effectRef>
+          <a:fontRef idx="minor">
+            <a:schemeClr val="lt1"/>
+          </a:fontRef>
+        </p:style>
+        <p:txBody>
+          <a:bodyPr rtlCol="0" anchor="ctr"/>
+          <a:lstStyle/>
+          <a:p>
+            <a:pPr algn="ctr"/>
+            <a:endParaRPr lang="ko-KR" altLang="en-US"/>
+          </a:p>
+        </p:txBody>
+      </p:sp>
+      <p:sp>
+        <p:nvSpPr>
+          <p:cNvPr id="13" name="직사각형 12"/>
+          <p:cNvSpPr/>
+          <p:nvPr/>
+        </p:nvSpPr>
+        <p:spPr>
+          <a:xfrm>
+            <a:off x="539552" y="2132856"/>
+            <a:ext cx="4799968" cy="369332"/>
+          </a:xfrm>
+          <a:prstGeom prst="rect">
+            <a:avLst/>
+          </a:prstGeom>
+        </p:spPr>
+        <p:txBody>
+          <a:bodyPr wrap="none">
+            <a:spAutoFit/>
+          </a:bodyPr>
+          <a:lstStyle/>
+          <a:p>
+            <a:r>
+              <a:rPr lang="en-US" altLang="ko-KR" b="1" dirty="0" smtClean="0">
+                <a:solidFill>
+                  <a:srgbClr val="FF0000"/>
+                </a:solidFill>
+              </a:rPr>
+              <a:t>* </a:t>
+            </a:r>
+            <a:r>
+              <a:rPr lang="ko-KR" altLang="en-US" b="1" dirty="0" smtClean="0">
+                <a:solidFill>
+                  <a:srgbClr val="FF0000"/>
+                </a:solidFill>
+              </a:rPr>
+              <a:t>제공한 </a:t>
+            </a:r>
+            <a:r>
+              <a:rPr lang="en-US" altLang="ko-KR" b="1" dirty="0" smtClean="0">
+                <a:solidFill>
+                  <a:srgbClr val="FF0000"/>
+                </a:solidFill>
+              </a:rPr>
+              <a:t>mysql.txt </a:t>
+            </a:r>
+            <a:r>
+              <a:rPr lang="ko-KR" altLang="en-US" b="1" dirty="0" smtClean="0">
+                <a:solidFill>
+                  <a:srgbClr val="FF0000"/>
+                </a:solidFill>
+              </a:rPr>
+              <a:t>파일에 있는 </a:t>
+            </a:r>
+            <a:r>
+              <a:rPr lang="ko-KR" altLang="en-US" b="1" dirty="0" err="1" smtClean="0">
+                <a:solidFill>
+                  <a:srgbClr val="FF0000"/>
+                </a:solidFill>
+              </a:rPr>
+              <a:t>쿼리문</a:t>
+            </a:r>
+            <a:r>
+              <a:rPr lang="ko-KR" altLang="en-US" b="1" dirty="0" smtClean="0">
+                <a:solidFill>
+                  <a:srgbClr val="FF0000"/>
+                </a:solidFill>
+              </a:rPr>
+              <a:t> 실행</a:t>
+            </a:r>
+            <a:endParaRPr lang="ko-KR" altLang="en-US" b="1" dirty="0">
+              <a:solidFill>
+                <a:srgbClr val="FF0000"/>
+              </a:solidFill>
+            </a:endParaRPr>
+          </a:p>
+        </p:txBody>
+      </p:sp>
+      <p:sp>
+        <p:nvSpPr>
+          <p:cNvPr id="14" name="직사각형 13"/>
+          <p:cNvSpPr/>
+          <p:nvPr/>
+        </p:nvSpPr>
+        <p:spPr>
+          <a:xfrm>
+            <a:off x="539552" y="2636912"/>
+            <a:ext cx="6615914" cy="1477328"/>
+          </a:xfrm>
+          <a:prstGeom prst="rect">
+            <a:avLst/>
+          </a:prstGeom>
+        </p:spPr>
+        <p:txBody>
+          <a:bodyPr wrap="none">
+            <a:spAutoFit/>
+          </a:bodyPr>
+          <a:lstStyle/>
+          <a:p>
+            <a:r>
+              <a:rPr lang="en-US" altLang="ko-KR" dirty="0" smtClean="0"/>
+              <a:t>show </a:t>
+            </a:r>
+            <a:r>
+              <a:rPr lang="en-US" altLang="ko-KR" dirty="0" smtClean="0"/>
+              <a:t>tables</a:t>
+            </a:r>
+            <a:r>
+              <a:rPr lang="en-US" altLang="ko-KR" dirty="0" smtClean="0"/>
+              <a:t>;      - </a:t>
+            </a:r>
+            <a:r>
+              <a:rPr lang="ko-KR" altLang="en-US" dirty="0" smtClean="0"/>
+              <a:t>테이블 목록 제 확인</a:t>
+            </a:r>
+            <a:r>
+              <a:rPr lang="en-US" altLang="ko-KR" dirty="0" smtClean="0"/>
+              <a:t>! (dept, </a:t>
+            </a:r>
+            <a:r>
+              <a:rPr lang="en-US" altLang="ko-KR" dirty="0" err="1" smtClean="0"/>
+              <a:t>emp</a:t>
+            </a:r>
+            <a:r>
+              <a:rPr lang="en-US" altLang="ko-KR" dirty="0" smtClean="0"/>
+              <a:t>, </a:t>
+            </a:r>
+            <a:r>
+              <a:rPr lang="en-US" altLang="ko-KR" dirty="0" err="1" smtClean="0"/>
+              <a:t>salgrade</a:t>
+            </a:r>
+            <a:r>
+              <a:rPr lang="en-US" altLang="ko-KR" dirty="0" smtClean="0"/>
+              <a:t>)</a:t>
+            </a:r>
+          </a:p>
+          <a:p>
+            <a:endParaRPr lang="en-US" altLang="ko-KR" dirty="0" smtClean="0"/>
+          </a:p>
+          <a:p>
+            <a:r>
+              <a:rPr lang="en-US" altLang="ko-KR" dirty="0" smtClean="0"/>
+              <a:t>select count(*) from dept;   - (4)     count : </a:t>
+            </a:r>
+            <a:r>
+              <a:rPr lang="ko-KR" altLang="en-US" dirty="0" err="1" smtClean="0"/>
+              <a:t>로우</a:t>
+            </a:r>
+            <a:r>
+              <a:rPr lang="ko-KR" altLang="en-US" dirty="0" smtClean="0"/>
+              <a:t> 데이터 </a:t>
+            </a:r>
+            <a:r>
+              <a:rPr lang="ko-KR" altLang="en-US" dirty="0" err="1" smtClean="0"/>
+              <a:t>갯수</a:t>
+            </a:r>
+            <a:endParaRPr lang="en-US" altLang="ko-KR" dirty="0" smtClean="0"/>
+          </a:p>
+          <a:p>
+            <a:r>
+              <a:rPr lang="en-US" altLang="ko-KR" dirty="0" smtClean="0"/>
+              <a:t>select count(*) from </a:t>
+            </a:r>
+            <a:r>
+              <a:rPr lang="en-US" altLang="ko-KR" dirty="0" err="1" smtClean="0"/>
+              <a:t>emp</a:t>
+            </a:r>
+            <a:r>
+              <a:rPr lang="en-US" altLang="ko-KR" dirty="0" smtClean="0"/>
+              <a:t>;    - (14)</a:t>
+            </a:r>
+          </a:p>
+          <a:p>
+            <a:r>
+              <a:rPr lang="en-US" altLang="ko-KR" dirty="0" smtClean="0"/>
+              <a:t>select count(*) from </a:t>
+            </a:r>
+            <a:r>
+              <a:rPr lang="en-US" altLang="ko-KR" dirty="0" err="1" smtClean="0"/>
+              <a:t>salgrade</a:t>
+            </a:r>
+            <a:r>
+              <a:rPr lang="en-US" altLang="ko-KR" dirty="0" smtClean="0"/>
+              <a:t>;  - (5)</a:t>
+            </a:r>
+            <a:endParaRPr lang="ko-KR" altLang="en-US" dirty="0"/>
+          </a:p>
+        </p:txBody>
+      </p:sp>
+    </p:spTree>
+  </p:cSld>
+  <p:clrMapOvr>
+    <a:masterClrMapping/>
+  </p:clrMapOvr>
+</p:sld>
+</file>
+
+<file path=ppt/slides/slide7.xml><?xml version="1.0" encoding="utf-8"?>
+<p:sld xmlns:a="http://schemas.openxmlformats.org/drawingml/2006/main" xmlns:r="http://schemas.openxmlformats.org/officeDocument/2006/relationships" xmlns:p="http://schemas.openxmlformats.org/presentationml/2006/main">
+  <p:cSld>
+    <p:spTree>
+      <p:nvGrpSpPr>
+        <p:cNvPr id="1" name=""/>
+        <p:cNvGrpSpPr/>
+        <p:nvPr/>
+      </p:nvGrpSpPr>
+      <p:grpSpPr>
+        <a:xfrm>
+          <a:off x="0" y="0"/>
+          <a:ext cx="0" cy="0"/>
+          <a:chOff x="0" y="0"/>
+          <a:chExt cx="0" cy="0"/>
+        </a:xfrm>
+      </p:grpSpPr>
+      <p:sp>
+        <p:nvSpPr>
+          <p:cNvPr id="5" name="TextBox 4"/>
+          <p:cNvSpPr txBox="1"/>
+          <p:nvPr/>
+        </p:nvSpPr>
+        <p:spPr>
+          <a:xfrm>
+            <a:off x="251520" y="260648"/>
+            <a:ext cx="5976664" cy="400110"/>
+          </a:xfrm>
+          <a:prstGeom prst="rect">
+            <a:avLst/>
+          </a:prstGeom>
+          <a:noFill/>
+        </p:spPr>
+        <p:txBody>
+          <a:bodyPr wrap="square" rtlCol="0">
+            <a:spAutoFit/>
+          </a:bodyPr>
+          <a:lstStyle/>
+          <a:p>
+            <a:r>
+              <a:rPr lang="en-US" altLang="ko-KR" sz="2000" b="1" dirty="0" smtClean="0"/>
+              <a:t>MYSQL</a:t>
+            </a:r>
+            <a:r>
+              <a:rPr lang="ko-KR" altLang="en-US" sz="2000" b="1" dirty="0" smtClean="0"/>
+              <a:t> </a:t>
+            </a:r>
+            <a:r>
+              <a:rPr lang="en-US" altLang="ko-KR" sz="2000" b="1" dirty="0" smtClean="0"/>
+              <a:t>1</a:t>
+            </a:r>
+            <a:r>
+              <a:rPr lang="ko-KR" altLang="en-US" sz="2000" b="1" dirty="0" smtClean="0"/>
+              <a:t>일차</a:t>
+            </a:r>
+            <a:r>
+              <a:rPr lang="en-US" altLang="ko-KR" sz="2000" b="1" dirty="0" smtClean="0"/>
+              <a:t>(Select </a:t>
+            </a:r>
+            <a:r>
+              <a:rPr lang="ko-KR" altLang="en-US" sz="2000" b="1" dirty="0" smtClean="0"/>
+              <a:t>구조</a:t>
+            </a:r>
+            <a:r>
+              <a:rPr lang="en-US" altLang="ko-KR" sz="2000" b="1" dirty="0" smtClean="0"/>
+              <a:t>)</a:t>
+            </a:r>
+            <a:endParaRPr lang="ko-KR" altLang="en-US" sz="2000" b="1" dirty="0"/>
+          </a:p>
+        </p:txBody>
+      </p:sp>
+      <p:sp>
+        <p:nvSpPr>
+          <p:cNvPr id="7" name="직사각형 6"/>
+          <p:cNvSpPr/>
+          <p:nvPr/>
+        </p:nvSpPr>
+        <p:spPr>
+          <a:xfrm>
+            <a:off x="467544" y="1124744"/>
+            <a:ext cx="4261103" cy="923330"/>
+          </a:xfrm>
+          <a:prstGeom prst="rect">
+            <a:avLst/>
+          </a:prstGeom>
+          <a:ln>
+            <a:solidFill>
+              <a:schemeClr val="accent1"/>
+            </a:solidFill>
+          </a:ln>
+        </p:spPr>
+        <p:txBody>
+          <a:bodyPr wrap="none">
+            <a:spAutoFit/>
+          </a:bodyPr>
+          <a:lstStyle/>
+          <a:p>
+            <a:r>
+              <a:rPr lang="en-US" altLang="ko-KR" dirty="0" smtClean="0"/>
+              <a:t>select   </a:t>
+            </a:r>
+            <a:r>
+              <a:rPr lang="en-US" altLang="ko-KR" b="1" dirty="0" smtClean="0">
+                <a:solidFill>
+                  <a:srgbClr val="FF0000"/>
+                </a:solidFill>
+              </a:rPr>
+              <a:t>[</a:t>
+            </a:r>
+            <a:r>
+              <a:rPr lang="ko-KR" altLang="en-US" b="1" dirty="0" smtClean="0">
+                <a:solidFill>
+                  <a:srgbClr val="FF0000"/>
+                </a:solidFill>
+              </a:rPr>
+              <a:t>출력할 결과물</a:t>
+            </a:r>
+            <a:r>
+              <a:rPr lang="en-US" altLang="ko-KR" b="1" dirty="0" smtClean="0">
+                <a:solidFill>
+                  <a:srgbClr val="FF0000"/>
+                </a:solidFill>
+              </a:rPr>
+              <a:t>…(</a:t>
+            </a:r>
+            <a:r>
+              <a:rPr lang="ko-KR" altLang="en-US" b="1" dirty="0" err="1" smtClean="0">
+                <a:solidFill>
+                  <a:srgbClr val="FF0000"/>
+                </a:solidFill>
+              </a:rPr>
+              <a:t>컬럼의</a:t>
+            </a:r>
+            <a:r>
+              <a:rPr lang="ko-KR" altLang="en-US" b="1" dirty="0" smtClean="0">
+                <a:solidFill>
+                  <a:srgbClr val="FF0000"/>
+                </a:solidFill>
+              </a:rPr>
+              <a:t> 이름</a:t>
+            </a:r>
+            <a:r>
+              <a:rPr lang="en-US" altLang="ko-KR" b="1" dirty="0" smtClean="0">
+                <a:solidFill>
+                  <a:srgbClr val="FF0000"/>
+                </a:solidFill>
+              </a:rPr>
+              <a:t>)]</a:t>
+            </a:r>
+          </a:p>
+          <a:p>
+            <a:endParaRPr lang="en-US" altLang="ko-KR" dirty="0" smtClean="0"/>
+          </a:p>
+          <a:p>
+            <a:r>
+              <a:rPr lang="en-US" altLang="ko-KR" dirty="0" smtClean="0"/>
+              <a:t>From    </a:t>
+            </a:r>
+            <a:r>
+              <a:rPr lang="en-US" altLang="ko-KR" b="1" dirty="0" smtClean="0">
+                <a:solidFill>
+                  <a:schemeClr val="accent6">
+                    <a:lumMod val="50000"/>
+                  </a:schemeClr>
+                </a:solidFill>
+              </a:rPr>
+              <a:t>[</a:t>
+            </a:r>
+            <a:r>
+              <a:rPr lang="ko-KR" altLang="en-US" b="1" dirty="0" smtClean="0">
+                <a:solidFill>
+                  <a:schemeClr val="accent6">
+                    <a:lumMod val="50000"/>
+                  </a:schemeClr>
+                </a:solidFill>
+              </a:rPr>
+              <a:t>대상 </a:t>
+            </a:r>
+            <a:r>
+              <a:rPr lang="ko-KR" altLang="en-US" b="1" dirty="0" err="1" smtClean="0">
+                <a:solidFill>
+                  <a:schemeClr val="accent6">
+                    <a:lumMod val="50000"/>
+                  </a:schemeClr>
+                </a:solidFill>
+              </a:rPr>
+              <a:t>테이블명</a:t>
+            </a:r>
+            <a:r>
+              <a:rPr lang="en-US" altLang="ko-KR" b="1" dirty="0" smtClean="0">
+                <a:solidFill>
+                  <a:schemeClr val="accent6">
+                    <a:lumMod val="50000"/>
+                  </a:schemeClr>
+                </a:solidFill>
+              </a:rPr>
+              <a:t>]</a:t>
+            </a:r>
+            <a:endParaRPr lang="ko-KR" altLang="en-US" b="1" dirty="0">
+              <a:solidFill>
+                <a:schemeClr val="accent6">
+                  <a:lumMod val="50000"/>
+                </a:schemeClr>
+              </a:solidFill>
+            </a:endParaRPr>
+          </a:p>
+        </p:txBody>
+      </p:sp>
+      <p:sp>
+        <p:nvSpPr>
+          <p:cNvPr id="15" name="직사각형 14"/>
+          <p:cNvSpPr/>
+          <p:nvPr/>
+        </p:nvSpPr>
+        <p:spPr>
+          <a:xfrm>
+            <a:off x="539552" y="2420888"/>
+            <a:ext cx="7608173" cy="2585323"/>
+          </a:xfrm>
+          <a:prstGeom prst="rect">
+            <a:avLst/>
+          </a:prstGeom>
+        </p:spPr>
+        <p:txBody>
+          <a:bodyPr wrap="none">
+            <a:spAutoFit/>
+          </a:bodyPr>
+          <a:lstStyle/>
+          <a:p>
+            <a:pPr marL="342900" indent="-342900">
+              <a:buAutoNum type="arabicPeriod"/>
+            </a:pPr>
+            <a:r>
+              <a:rPr lang="en-US" altLang="ko-KR" b="1" dirty="0" smtClean="0">
+                <a:solidFill>
+                  <a:schemeClr val="accent6">
+                    <a:lumMod val="50000"/>
+                  </a:schemeClr>
+                </a:solidFill>
+              </a:rPr>
+              <a:t>dept </a:t>
+            </a:r>
+            <a:r>
+              <a:rPr lang="ko-KR" altLang="en-US" dirty="0" smtClean="0"/>
+              <a:t>테이블의 모든 정보</a:t>
+            </a:r>
+            <a:r>
+              <a:rPr lang="en-US" altLang="ko-KR" dirty="0" smtClean="0"/>
+              <a:t>(</a:t>
+            </a:r>
+            <a:r>
+              <a:rPr lang="ko-KR" altLang="en-US" b="1" dirty="0" smtClean="0">
+                <a:solidFill>
+                  <a:srgbClr val="FF0000"/>
+                </a:solidFill>
+              </a:rPr>
+              <a:t>모든 </a:t>
+            </a:r>
+            <a:r>
+              <a:rPr lang="ko-KR" altLang="en-US" b="1" dirty="0" err="1" smtClean="0">
+                <a:solidFill>
+                  <a:srgbClr val="FF0000"/>
+                </a:solidFill>
+              </a:rPr>
+              <a:t>컬럼</a:t>
+            </a:r>
+            <a:r>
+              <a:rPr lang="en-US" altLang="ko-KR" dirty="0" smtClean="0"/>
+              <a:t>, </a:t>
+            </a:r>
+            <a:r>
+              <a:rPr lang="ko-KR" altLang="en-US" dirty="0" smtClean="0"/>
+              <a:t>모든 </a:t>
+            </a:r>
+            <a:r>
+              <a:rPr lang="ko-KR" altLang="en-US" dirty="0" err="1" smtClean="0"/>
+              <a:t>로우데이터</a:t>
+            </a:r>
+            <a:r>
+              <a:rPr lang="en-US" altLang="ko-KR" dirty="0" smtClean="0"/>
+              <a:t>)</a:t>
+            </a:r>
+            <a:r>
+              <a:rPr lang="ko-KR" altLang="en-US" dirty="0" smtClean="0"/>
+              <a:t>를 출력</a:t>
+            </a:r>
+            <a:endParaRPr lang="en-US" altLang="ko-KR" dirty="0" smtClean="0"/>
+          </a:p>
+          <a:p>
+            <a:pPr marL="342900" indent="-342900"/>
+            <a:r>
+              <a:rPr lang="en-US" altLang="ko-KR" dirty="0" smtClean="0"/>
+              <a:t> </a:t>
+            </a:r>
+            <a:r>
+              <a:rPr lang="en-US" altLang="ko-KR" dirty="0" smtClean="0"/>
+              <a:t>    select * from dept;</a:t>
+            </a:r>
+          </a:p>
+          <a:p>
+            <a:pPr marL="342900" indent="-342900"/>
+            <a:endParaRPr lang="en-US" altLang="ko-KR" dirty="0" smtClean="0"/>
+          </a:p>
+          <a:p>
+            <a:pPr marL="342900" indent="-342900"/>
+            <a:r>
+              <a:rPr lang="en-US" altLang="ko-KR" dirty="0" smtClean="0"/>
+              <a:t>2.   Dept </a:t>
+            </a:r>
+            <a:r>
+              <a:rPr lang="ko-KR" altLang="en-US" dirty="0" smtClean="0"/>
+              <a:t>테이블에서 </a:t>
+            </a:r>
+            <a:r>
+              <a:rPr lang="en-US" altLang="ko-KR" b="1" dirty="0" err="1" smtClean="0">
+                <a:solidFill>
+                  <a:srgbClr val="FF0000"/>
+                </a:solidFill>
+              </a:rPr>
+              <a:t>dname</a:t>
+            </a:r>
+            <a:r>
+              <a:rPr lang="ko-KR" altLang="en-US" b="1" dirty="0" smtClean="0">
+                <a:solidFill>
+                  <a:srgbClr val="FF0000"/>
+                </a:solidFill>
+              </a:rPr>
+              <a:t>과 </a:t>
+            </a:r>
+            <a:r>
+              <a:rPr lang="en-US" altLang="ko-KR" b="1" dirty="0" smtClean="0">
+                <a:solidFill>
+                  <a:srgbClr val="FF0000"/>
+                </a:solidFill>
+              </a:rPr>
+              <a:t>loc </a:t>
+            </a:r>
+            <a:r>
+              <a:rPr lang="ko-KR" altLang="en-US" dirty="0" smtClean="0"/>
+              <a:t>의</a:t>
+            </a:r>
+            <a:r>
+              <a:rPr lang="en-US" altLang="ko-KR" dirty="0" smtClean="0"/>
+              <a:t> </a:t>
+            </a:r>
+            <a:r>
+              <a:rPr lang="ko-KR" altLang="en-US" dirty="0" smtClean="0"/>
+              <a:t>정보만 출력</a:t>
+            </a:r>
+            <a:endParaRPr lang="en-US" altLang="ko-KR" dirty="0" smtClean="0"/>
+          </a:p>
+          <a:p>
+            <a:pPr marL="342900" indent="-342900"/>
+            <a:r>
+              <a:rPr lang="en-US" altLang="ko-KR" dirty="0" smtClean="0"/>
+              <a:t>      select </a:t>
+            </a:r>
+            <a:r>
+              <a:rPr lang="en-US" altLang="ko-KR" b="1" dirty="0" err="1" smtClean="0">
+                <a:solidFill>
+                  <a:srgbClr val="FF0000"/>
+                </a:solidFill>
+              </a:rPr>
+              <a:t>dname</a:t>
+            </a:r>
+            <a:r>
+              <a:rPr lang="en-US" altLang="ko-KR" b="1" dirty="0" smtClean="0">
+                <a:solidFill>
+                  <a:srgbClr val="FF0000"/>
+                </a:solidFill>
+              </a:rPr>
+              <a:t>, loc </a:t>
+            </a:r>
+            <a:r>
+              <a:rPr lang="en-US" altLang="ko-KR" dirty="0" smtClean="0"/>
+              <a:t>from dept;</a:t>
+            </a:r>
+          </a:p>
+          <a:p>
+            <a:pPr marL="342900" indent="-342900"/>
+            <a:endParaRPr lang="en-US" altLang="ko-KR" dirty="0" smtClean="0"/>
+          </a:p>
+          <a:p>
+            <a:pPr marL="342900" indent="-342900">
+              <a:buAutoNum type="arabicPeriod" startAt="3"/>
+            </a:pPr>
+            <a:r>
+              <a:rPr lang="en-US" altLang="ko-KR" dirty="0" err="1" smtClean="0"/>
+              <a:t>Emp</a:t>
+            </a:r>
+            <a:r>
+              <a:rPr lang="en-US" altLang="ko-KR" dirty="0" smtClean="0"/>
+              <a:t> </a:t>
+            </a:r>
+            <a:r>
+              <a:rPr lang="ko-KR" altLang="en-US" dirty="0" smtClean="0"/>
+              <a:t>테이블의 </a:t>
+            </a:r>
+            <a:r>
+              <a:rPr lang="ko-KR" altLang="en-US" b="1" u="sng" dirty="0" smtClean="0"/>
+              <a:t>스키마</a:t>
+            </a:r>
+            <a:r>
+              <a:rPr lang="ko-KR" altLang="en-US" dirty="0" smtClean="0"/>
+              <a:t> 정보</a:t>
+            </a:r>
+            <a:r>
+              <a:rPr lang="en-US" altLang="ko-KR" dirty="0" smtClean="0"/>
+              <a:t>(</a:t>
+            </a:r>
+            <a:r>
+              <a:rPr lang="ko-KR" altLang="en-US" dirty="0" smtClean="0"/>
+              <a:t>어떤 </a:t>
+            </a:r>
+            <a:r>
+              <a:rPr lang="ko-KR" altLang="en-US" dirty="0" err="1" smtClean="0"/>
+              <a:t>컬</a:t>
+            </a:r>
+            <a:r>
+              <a:rPr lang="ko-KR" altLang="en-US" dirty="0" err="1" smtClean="0"/>
+              <a:t>럼들을</a:t>
+            </a:r>
+            <a:r>
+              <a:rPr lang="ko-KR" altLang="en-US" dirty="0" smtClean="0"/>
+              <a:t> 갖고 있는지</a:t>
+            </a:r>
+            <a:r>
+              <a:rPr lang="en-US" altLang="ko-KR" dirty="0" smtClean="0"/>
+              <a:t>)</a:t>
+            </a:r>
+            <a:r>
+              <a:rPr lang="ko-KR" altLang="en-US" dirty="0" smtClean="0"/>
+              <a:t>를 알고 싶다</a:t>
+            </a:r>
+            <a:r>
+              <a:rPr lang="en-US" altLang="ko-KR" dirty="0" smtClean="0"/>
+              <a:t>.</a:t>
+            </a:r>
+          </a:p>
+          <a:p>
+            <a:pPr marL="342900" indent="-342900"/>
+            <a:r>
+              <a:rPr lang="en-US" altLang="ko-KR" dirty="0" smtClean="0"/>
+              <a:t>     </a:t>
+            </a:r>
+            <a:r>
+              <a:rPr lang="en-US" altLang="ko-KR" dirty="0" err="1" smtClean="0"/>
+              <a:t>desc</a:t>
+            </a:r>
+            <a:r>
+              <a:rPr lang="en-US" altLang="ko-KR" dirty="0" smtClean="0"/>
+              <a:t> </a:t>
+            </a:r>
+            <a:r>
+              <a:rPr lang="en-US" altLang="ko-KR" dirty="0" err="1" smtClean="0"/>
+              <a:t>emp</a:t>
+            </a:r>
+            <a:r>
+              <a:rPr lang="en-US" altLang="ko-KR" dirty="0" smtClean="0"/>
+              <a:t>;</a:t>
+            </a:r>
+            <a:endParaRPr lang="en-US" altLang="ko-KR" dirty="0" smtClean="0"/>
+          </a:p>
+          <a:p>
+            <a:pPr marL="342900" indent="-342900"/>
+            <a:r>
+              <a:rPr lang="en-US" altLang="ko-KR" dirty="0" smtClean="0"/>
+              <a:t>  </a:t>
+            </a:r>
+            <a:endParaRPr lang="ko-KR" altLang="en-US" dirty="0"/>
+          </a:p>
+        </p:txBody>
+      </p:sp>
+      <p:sp>
+        <p:nvSpPr>
+          <p:cNvPr id="16" name="직사각형 15"/>
+          <p:cNvSpPr/>
+          <p:nvPr/>
+        </p:nvSpPr>
+        <p:spPr>
+          <a:xfrm>
+            <a:off x="4499992" y="260648"/>
+            <a:ext cx="2347117" cy="369332"/>
+          </a:xfrm>
+          <a:prstGeom prst="rect">
+            <a:avLst/>
+          </a:prstGeom>
+        </p:spPr>
+        <p:txBody>
+          <a:bodyPr wrap="none">
+            <a:spAutoFit/>
+          </a:bodyPr>
+          <a:lstStyle/>
+          <a:p>
+            <a:r>
+              <a:rPr lang="en-US" altLang="ko-KR" dirty="0" smtClean="0"/>
+              <a:t>(dept, </a:t>
+            </a:r>
+            <a:r>
+              <a:rPr lang="en-US" altLang="ko-KR" dirty="0" err="1" smtClean="0"/>
+              <a:t>emp</a:t>
+            </a:r>
+            <a:r>
+              <a:rPr lang="en-US" altLang="ko-KR" dirty="0" smtClean="0"/>
+              <a:t>, </a:t>
+            </a:r>
+            <a:r>
+              <a:rPr lang="en-US" altLang="ko-KR" dirty="0" err="1" smtClean="0"/>
+              <a:t>salgrade</a:t>
+            </a:r>
+            <a:endParaRPr lang="ko-KR" altLang="en-US" dirty="0"/>
+          </a:p>
+        </p:txBody>
+      </p:sp>
+    </p:spTree>
+  </p:cSld>
+  <p:clrMapOvr>
+    <a:masterClrMapping/>
+  </p:clrMapOvr>
+</p:sld>
+</file>
+
+<file path=ppt/slides/slide8.xml><?xml version="1.0" encoding="utf-8"?>
+<p:sld xmlns:a="http://schemas.openxmlformats.org/drawingml/2006/main" xmlns:r="http://schemas.openxmlformats.org/officeDocument/2006/relationships" xmlns:p="http://schemas.openxmlformats.org/presentationml/2006/main">
+  <p:cSld>
+    <p:spTree>
+      <p:nvGrpSpPr>
+        <p:cNvPr id="1" name=""/>
+        <p:cNvGrpSpPr/>
+        <p:nvPr/>
+      </p:nvGrpSpPr>
+      <p:grpSpPr>
+        <a:xfrm>
+          <a:off x="0" y="0"/>
+          <a:ext cx="0" cy="0"/>
+          <a:chOff x="0" y="0"/>
+          <a:chExt cx="0" cy="0"/>
+        </a:xfrm>
+      </p:grpSpPr>
+      <p:sp>
+        <p:nvSpPr>
+          <p:cNvPr id="5" name="TextBox 4"/>
+          <p:cNvSpPr txBox="1"/>
+          <p:nvPr/>
+        </p:nvSpPr>
+        <p:spPr>
+          <a:xfrm>
+            <a:off x="251520" y="260648"/>
+            <a:ext cx="5976664" cy="400110"/>
+          </a:xfrm>
+          <a:prstGeom prst="rect">
+            <a:avLst/>
+          </a:prstGeom>
+          <a:noFill/>
+        </p:spPr>
+        <p:txBody>
+          <a:bodyPr wrap="square" rtlCol="0">
+            <a:spAutoFit/>
+          </a:bodyPr>
+          <a:lstStyle/>
+          <a:p>
+            <a:r>
+              <a:rPr lang="en-US" altLang="ko-KR" sz="2000" b="1" dirty="0" smtClean="0"/>
+              <a:t>MYSQL</a:t>
+            </a:r>
+            <a:r>
+              <a:rPr lang="ko-KR" altLang="en-US" sz="2000" b="1" dirty="0" smtClean="0"/>
+              <a:t> </a:t>
+            </a:r>
+            <a:r>
+              <a:rPr lang="en-US" altLang="ko-KR" sz="2000" b="1" dirty="0" smtClean="0"/>
+              <a:t>1</a:t>
+            </a:r>
+            <a:r>
+              <a:rPr lang="ko-KR" altLang="en-US" sz="2000" b="1" dirty="0" smtClean="0"/>
+              <a:t>일차</a:t>
+            </a:r>
+            <a:r>
+              <a:rPr lang="en-US" altLang="ko-KR" sz="2000" b="1" dirty="0" smtClean="0"/>
+              <a:t>(Select </a:t>
+            </a:r>
+            <a:r>
+              <a:rPr lang="ko-KR" altLang="en-US" sz="2000" b="1" dirty="0" smtClean="0"/>
+              <a:t>구조</a:t>
+            </a:r>
+            <a:r>
+              <a:rPr lang="en-US" altLang="ko-KR" sz="2000" b="1" dirty="0" smtClean="0"/>
+              <a:t>)</a:t>
+            </a:r>
+            <a:endParaRPr lang="ko-KR" altLang="en-US" sz="2000" b="1" dirty="0"/>
+          </a:p>
+        </p:txBody>
+      </p:sp>
+      <p:sp>
+        <p:nvSpPr>
+          <p:cNvPr id="7" name="직사각형 6"/>
+          <p:cNvSpPr/>
+          <p:nvPr/>
+        </p:nvSpPr>
+        <p:spPr>
+          <a:xfrm>
+            <a:off x="467544" y="1124744"/>
+            <a:ext cx="4261103" cy="923330"/>
+          </a:xfrm>
+          <a:prstGeom prst="rect">
+            <a:avLst/>
+          </a:prstGeom>
+          <a:ln>
+            <a:solidFill>
+              <a:schemeClr val="accent1"/>
+            </a:solidFill>
+          </a:ln>
+        </p:spPr>
+        <p:txBody>
+          <a:bodyPr wrap="none">
+            <a:spAutoFit/>
+          </a:bodyPr>
+          <a:lstStyle/>
+          <a:p>
+            <a:r>
+              <a:rPr lang="en-US" altLang="ko-KR" dirty="0" smtClean="0"/>
+              <a:t>select   </a:t>
+            </a:r>
+            <a:r>
+              <a:rPr lang="en-US" altLang="ko-KR" b="1" dirty="0" smtClean="0">
+                <a:solidFill>
+                  <a:srgbClr val="FF0000"/>
+                </a:solidFill>
+              </a:rPr>
+              <a:t>[</a:t>
+            </a:r>
+            <a:r>
+              <a:rPr lang="ko-KR" altLang="en-US" b="1" dirty="0" smtClean="0">
+                <a:solidFill>
+                  <a:srgbClr val="FF0000"/>
+                </a:solidFill>
+              </a:rPr>
+              <a:t>출력할 결과물</a:t>
+            </a:r>
+            <a:r>
+              <a:rPr lang="en-US" altLang="ko-KR" b="1" dirty="0" smtClean="0">
+                <a:solidFill>
+                  <a:srgbClr val="FF0000"/>
+                </a:solidFill>
+              </a:rPr>
+              <a:t>…(</a:t>
+            </a:r>
+            <a:r>
+              <a:rPr lang="ko-KR" altLang="en-US" b="1" dirty="0" err="1" smtClean="0">
+                <a:solidFill>
+                  <a:srgbClr val="FF0000"/>
+                </a:solidFill>
+              </a:rPr>
+              <a:t>컬럼의</a:t>
+            </a:r>
+            <a:r>
+              <a:rPr lang="ko-KR" altLang="en-US" b="1" dirty="0" smtClean="0">
+                <a:solidFill>
+                  <a:srgbClr val="FF0000"/>
+                </a:solidFill>
+              </a:rPr>
+              <a:t> 이름</a:t>
+            </a:r>
+            <a:r>
+              <a:rPr lang="en-US" altLang="ko-KR" b="1" dirty="0" smtClean="0">
+                <a:solidFill>
+                  <a:srgbClr val="FF0000"/>
+                </a:solidFill>
+              </a:rPr>
+              <a:t>)]</a:t>
+            </a:r>
+          </a:p>
+          <a:p>
+            <a:endParaRPr lang="en-US" altLang="ko-KR" dirty="0" smtClean="0"/>
+          </a:p>
+          <a:p>
+            <a:r>
+              <a:rPr lang="en-US" altLang="ko-KR" dirty="0" smtClean="0"/>
+              <a:t>From    </a:t>
+            </a:r>
+            <a:r>
+              <a:rPr lang="en-US" altLang="ko-KR" b="1" dirty="0" smtClean="0">
+                <a:solidFill>
+                  <a:schemeClr val="accent6">
+                    <a:lumMod val="50000"/>
+                  </a:schemeClr>
+                </a:solidFill>
+              </a:rPr>
+              <a:t>[</a:t>
+            </a:r>
+            <a:r>
+              <a:rPr lang="ko-KR" altLang="en-US" b="1" dirty="0" smtClean="0">
+                <a:solidFill>
+                  <a:schemeClr val="accent6">
+                    <a:lumMod val="50000"/>
+                  </a:schemeClr>
+                </a:solidFill>
+              </a:rPr>
+              <a:t>대상 </a:t>
+            </a:r>
+            <a:r>
+              <a:rPr lang="ko-KR" altLang="en-US" b="1" dirty="0" err="1" smtClean="0">
+                <a:solidFill>
+                  <a:schemeClr val="accent6">
+                    <a:lumMod val="50000"/>
+                  </a:schemeClr>
+                </a:solidFill>
+              </a:rPr>
+              <a:t>테이블명</a:t>
+            </a:r>
+            <a:r>
+              <a:rPr lang="en-US" altLang="ko-KR" b="1" dirty="0" smtClean="0">
+                <a:solidFill>
+                  <a:schemeClr val="accent6">
+                    <a:lumMod val="50000"/>
+                  </a:schemeClr>
+                </a:solidFill>
+              </a:rPr>
+              <a:t>]</a:t>
+            </a:r>
+            <a:endParaRPr lang="ko-KR" altLang="en-US" b="1" dirty="0">
+              <a:solidFill>
+                <a:schemeClr val="accent6">
+                  <a:lumMod val="50000"/>
+                </a:schemeClr>
+              </a:solidFill>
+            </a:endParaRPr>
+          </a:p>
+        </p:txBody>
+      </p:sp>
+      <p:sp>
+        <p:nvSpPr>
+          <p:cNvPr id="15" name="직사각형 14"/>
+          <p:cNvSpPr/>
+          <p:nvPr/>
+        </p:nvSpPr>
+        <p:spPr>
+          <a:xfrm>
+            <a:off x="539552" y="2420888"/>
+            <a:ext cx="7058279" cy="3693319"/>
+          </a:xfrm>
+          <a:prstGeom prst="rect">
+            <a:avLst/>
+          </a:prstGeom>
+          <a:ln>
+            <a:solidFill>
+              <a:schemeClr val="accent1"/>
+            </a:solidFill>
+          </a:ln>
+        </p:spPr>
+        <p:txBody>
+          <a:bodyPr wrap="none">
+            <a:spAutoFit/>
+          </a:bodyPr>
+          <a:lstStyle/>
+          <a:p>
+            <a:pPr marL="342900" indent="-342900">
+              <a:buAutoNum type="arabicPeriod"/>
+            </a:pPr>
+            <a:r>
+              <a:rPr lang="en-US" altLang="ko-KR" dirty="0" smtClean="0"/>
+              <a:t>Distinct  : </a:t>
+            </a:r>
+            <a:r>
+              <a:rPr lang="ko-KR" altLang="en-US" dirty="0" err="1" smtClean="0"/>
+              <a:t>중복행</a:t>
+            </a:r>
+            <a:r>
+              <a:rPr lang="ko-KR" altLang="en-US" dirty="0" smtClean="0"/>
+              <a:t> 제거</a:t>
+            </a:r>
+            <a:endParaRPr lang="en-US" altLang="ko-KR" dirty="0" smtClean="0"/>
+          </a:p>
+          <a:p>
+            <a:pPr marL="342900" indent="-342900"/>
+            <a:r>
+              <a:rPr lang="en-US" altLang="ko-KR" dirty="0" smtClean="0"/>
+              <a:t>    select </a:t>
+            </a:r>
+            <a:r>
+              <a:rPr lang="en-US" altLang="ko-KR" b="1" dirty="0" smtClean="0">
+                <a:solidFill>
+                  <a:srgbClr val="FF0000"/>
+                </a:solidFill>
+              </a:rPr>
+              <a:t>distinct</a:t>
+            </a:r>
+            <a:r>
+              <a:rPr lang="en-US" altLang="ko-KR" dirty="0" smtClean="0"/>
+              <a:t> job from </a:t>
+            </a:r>
+            <a:r>
+              <a:rPr lang="en-US" altLang="ko-KR" dirty="0" err="1" smtClean="0"/>
+              <a:t>emp</a:t>
+            </a:r>
+            <a:r>
+              <a:rPr lang="en-US" altLang="ko-KR" dirty="0" smtClean="0"/>
+              <a:t>;    - </a:t>
+            </a:r>
+            <a:r>
+              <a:rPr lang="ko-KR" altLang="en-US" dirty="0" smtClean="0"/>
+              <a:t>중복된 </a:t>
+            </a:r>
+            <a:r>
+              <a:rPr lang="en-US" altLang="ko-KR" dirty="0" smtClean="0"/>
+              <a:t>job</a:t>
+            </a:r>
+            <a:r>
+              <a:rPr lang="ko-KR" altLang="en-US" dirty="0" smtClean="0"/>
+              <a:t>은 하나만 출력</a:t>
+            </a:r>
+            <a:endParaRPr lang="en-US" altLang="ko-KR" dirty="0" smtClean="0"/>
+          </a:p>
+          <a:p>
+            <a:pPr marL="342900" indent="-342900"/>
+            <a:endParaRPr lang="en-US" altLang="ko-KR" dirty="0" smtClean="0"/>
+          </a:p>
+          <a:p>
+            <a:pPr marL="342900" indent="-342900">
+              <a:buAutoNum type="arabicPeriod" startAt="2"/>
+            </a:pPr>
+            <a:r>
+              <a:rPr lang="ko-KR" altLang="en-US" dirty="0" smtClean="0"/>
+              <a:t>별명</a:t>
+            </a:r>
+            <a:endParaRPr lang="en-US" altLang="ko-KR" dirty="0" smtClean="0"/>
+          </a:p>
+          <a:p>
+            <a:pPr marL="342900" indent="-342900"/>
+            <a:r>
+              <a:rPr lang="en-US" altLang="ko-KR" dirty="0" smtClean="0"/>
+              <a:t>    </a:t>
+            </a:r>
+            <a:r>
+              <a:rPr lang="en-US" altLang="ko-KR" dirty="0" smtClean="0"/>
+              <a:t>select </a:t>
+            </a:r>
+            <a:r>
+              <a:rPr lang="en-US" altLang="ko-KR" dirty="0" smtClean="0"/>
+              <a:t>distinct  </a:t>
+            </a:r>
+            <a:r>
+              <a:rPr lang="en-US" altLang="ko-KR" b="1" dirty="0" smtClean="0">
+                <a:solidFill>
+                  <a:srgbClr val="FF0000"/>
+                </a:solidFill>
+              </a:rPr>
+              <a:t>job </a:t>
+            </a:r>
+            <a:r>
+              <a:rPr lang="ko-KR" altLang="en-US" b="1" dirty="0" smtClean="0">
+                <a:solidFill>
+                  <a:srgbClr val="FF0000"/>
+                </a:solidFill>
+              </a:rPr>
+              <a:t>업무 </a:t>
+            </a:r>
+            <a:r>
+              <a:rPr lang="en-US" altLang="ko-KR" dirty="0" smtClean="0"/>
+              <a:t>from </a:t>
+            </a:r>
+            <a:r>
+              <a:rPr lang="en-US" altLang="ko-KR" dirty="0" err="1" smtClean="0"/>
+              <a:t>emp</a:t>
+            </a:r>
+            <a:r>
+              <a:rPr lang="en-US" altLang="ko-KR" dirty="0" smtClean="0"/>
+              <a:t>; </a:t>
+            </a:r>
+            <a:r>
+              <a:rPr lang="ko-KR" altLang="en-US" dirty="0" smtClean="0"/>
+              <a:t> </a:t>
+            </a:r>
+            <a:r>
+              <a:rPr lang="ko-KR" altLang="en-US" dirty="0" smtClean="0"/>
+              <a:t>    </a:t>
+            </a:r>
+            <a:r>
+              <a:rPr lang="en-US" altLang="ko-KR" dirty="0" smtClean="0"/>
+              <a:t>- </a:t>
+            </a:r>
+            <a:r>
+              <a:rPr lang="ko-KR" altLang="en-US" dirty="0" smtClean="0"/>
+              <a:t>묵시적 별명 부여</a:t>
+            </a:r>
+            <a:endParaRPr lang="en-US" altLang="ko-KR" dirty="0" smtClean="0"/>
+          </a:p>
+          <a:p>
+            <a:pPr marL="342900" indent="-342900"/>
+            <a:r>
+              <a:rPr lang="en-US" altLang="ko-KR" dirty="0" smtClean="0"/>
+              <a:t>    select distinct  </a:t>
+            </a:r>
+            <a:r>
+              <a:rPr lang="en-US" altLang="ko-KR" b="1" dirty="0" smtClean="0">
+                <a:solidFill>
+                  <a:srgbClr val="FF0000"/>
+                </a:solidFill>
+              </a:rPr>
+              <a:t>job as </a:t>
+            </a:r>
+            <a:r>
+              <a:rPr lang="ko-KR" altLang="en-US" b="1" dirty="0" smtClean="0">
+                <a:solidFill>
+                  <a:srgbClr val="FF0000"/>
+                </a:solidFill>
+              </a:rPr>
+              <a:t>업무 </a:t>
+            </a:r>
+            <a:r>
+              <a:rPr lang="en-US" altLang="ko-KR" dirty="0" smtClean="0"/>
+              <a:t>from </a:t>
+            </a:r>
+            <a:r>
+              <a:rPr lang="en-US" altLang="ko-KR" dirty="0" err="1" smtClean="0"/>
+              <a:t>emp</a:t>
+            </a:r>
+            <a:r>
+              <a:rPr lang="en-US" altLang="ko-KR" dirty="0" smtClean="0"/>
+              <a:t>;   - </a:t>
+            </a:r>
+            <a:r>
+              <a:rPr lang="ko-KR" altLang="en-US" dirty="0" smtClean="0"/>
+              <a:t>명시적</a:t>
+            </a:r>
+            <a:r>
+              <a:rPr lang="en-US" altLang="ko-KR" dirty="0" smtClean="0"/>
+              <a:t>(</a:t>
+            </a:r>
+            <a:r>
+              <a:rPr lang="en-US" altLang="ko-KR" b="1" dirty="0" smtClean="0">
+                <a:solidFill>
+                  <a:srgbClr val="FF0000"/>
+                </a:solidFill>
+              </a:rPr>
+              <a:t>as</a:t>
+            </a:r>
+            <a:r>
+              <a:rPr lang="en-US" altLang="ko-KR" dirty="0" smtClean="0"/>
+              <a:t>)</a:t>
+            </a:r>
+            <a:r>
+              <a:rPr lang="ko-KR" altLang="en-US" dirty="0" smtClean="0"/>
+              <a:t> 별명 부여</a:t>
+            </a:r>
+            <a:endParaRPr lang="en-US" altLang="ko-KR" dirty="0" smtClean="0"/>
+          </a:p>
+          <a:p>
+            <a:pPr marL="342900" indent="-342900"/>
+            <a:endParaRPr lang="en-US" altLang="ko-KR" dirty="0" smtClean="0"/>
+          </a:p>
+          <a:p>
+            <a:pPr marL="342900" indent="-342900"/>
+            <a:r>
+              <a:rPr lang="en-US" altLang="ko-KR" dirty="0" smtClean="0"/>
+              <a:t>    select </a:t>
+            </a:r>
+            <a:r>
+              <a:rPr lang="en-US" altLang="ko-KR" dirty="0" smtClean="0"/>
+              <a:t>distinct  </a:t>
+            </a:r>
+            <a:r>
+              <a:rPr lang="en-US" altLang="ko-KR" b="1" dirty="0" smtClean="0">
+                <a:solidFill>
+                  <a:srgbClr val="FF0000"/>
+                </a:solidFill>
+              </a:rPr>
+              <a:t>job </a:t>
+            </a:r>
+            <a:r>
+              <a:rPr lang="en-US" altLang="ko-KR" b="1" dirty="0" smtClean="0">
+                <a:solidFill>
+                  <a:srgbClr val="FF0000"/>
+                </a:solidFill>
+              </a:rPr>
+              <a:t>“</a:t>
+            </a:r>
+            <a:r>
+              <a:rPr lang="ko-KR" altLang="en-US" b="1" dirty="0" smtClean="0">
+                <a:solidFill>
+                  <a:srgbClr val="FF0000"/>
+                </a:solidFill>
+              </a:rPr>
+              <a:t>업 무</a:t>
+            </a:r>
+            <a:r>
+              <a:rPr lang="en-US" altLang="ko-KR" b="1" dirty="0" smtClean="0">
+                <a:solidFill>
+                  <a:srgbClr val="FF0000"/>
+                </a:solidFill>
+              </a:rPr>
+              <a:t>”</a:t>
+            </a:r>
+            <a:r>
+              <a:rPr lang="ko-KR" altLang="en-US" b="1" dirty="0" smtClean="0">
+                <a:solidFill>
+                  <a:srgbClr val="FF0000"/>
+                </a:solidFill>
+              </a:rPr>
+              <a:t> </a:t>
+            </a:r>
+            <a:r>
+              <a:rPr lang="en-US" altLang="ko-KR" dirty="0" smtClean="0"/>
+              <a:t>from </a:t>
+            </a:r>
+            <a:r>
+              <a:rPr lang="en-US" altLang="ko-KR" dirty="0" err="1" smtClean="0"/>
+              <a:t>emp</a:t>
+            </a:r>
+            <a:r>
+              <a:rPr lang="en-US" altLang="ko-KR" dirty="0" smtClean="0"/>
+              <a:t>;      - </a:t>
+            </a:r>
+            <a:r>
+              <a:rPr lang="ko-KR" altLang="en-US" dirty="0" smtClean="0"/>
+              <a:t>공백처리 가능</a:t>
+            </a:r>
+            <a:r>
+              <a:rPr lang="en-US" altLang="ko-KR" dirty="0" smtClean="0"/>
+              <a:t> </a:t>
+            </a:r>
+          </a:p>
+          <a:p>
+            <a:pPr marL="342900" indent="-342900"/>
+            <a:r>
+              <a:rPr lang="en-US" altLang="ko-KR" dirty="0" smtClean="0"/>
+              <a:t>    select </a:t>
+            </a:r>
+            <a:r>
+              <a:rPr lang="en-US" altLang="ko-KR" dirty="0" smtClean="0"/>
+              <a:t>distinct  </a:t>
+            </a:r>
+            <a:r>
+              <a:rPr lang="en-US" altLang="ko-KR" b="1" dirty="0" smtClean="0">
+                <a:solidFill>
+                  <a:srgbClr val="FF0000"/>
+                </a:solidFill>
+              </a:rPr>
+              <a:t>job </a:t>
+            </a:r>
+            <a:r>
+              <a:rPr lang="en-US" altLang="ko-KR" b="1" dirty="0" smtClean="0">
+                <a:solidFill>
+                  <a:srgbClr val="FF0000"/>
+                </a:solidFill>
+              </a:rPr>
+              <a:t>‘</a:t>
+            </a:r>
+            <a:r>
+              <a:rPr lang="ko-KR" altLang="en-US" b="1" dirty="0" smtClean="0">
+                <a:solidFill>
+                  <a:srgbClr val="FF0000"/>
+                </a:solidFill>
+              </a:rPr>
+              <a:t>업 무</a:t>
+            </a:r>
+            <a:r>
+              <a:rPr lang="en-US" altLang="ko-KR" b="1" dirty="0" smtClean="0">
+                <a:solidFill>
+                  <a:srgbClr val="FF0000"/>
+                </a:solidFill>
+              </a:rPr>
+              <a:t>’</a:t>
+            </a:r>
+            <a:r>
+              <a:rPr lang="ko-KR" altLang="en-US" b="1" dirty="0" smtClean="0">
+                <a:solidFill>
+                  <a:srgbClr val="FF0000"/>
+                </a:solidFill>
+              </a:rPr>
+              <a:t> </a:t>
+            </a:r>
+            <a:r>
+              <a:rPr lang="en-US" altLang="ko-KR" dirty="0" smtClean="0"/>
+              <a:t>from </a:t>
+            </a:r>
+            <a:r>
+              <a:rPr lang="en-US" altLang="ko-KR" dirty="0" err="1" smtClean="0"/>
+              <a:t>emp</a:t>
+            </a:r>
+            <a:endParaRPr lang="en-US" altLang="ko-KR" dirty="0" smtClean="0"/>
+          </a:p>
+          <a:p>
+            <a:pPr marL="342900" indent="-342900"/>
+            <a:endParaRPr lang="en-US" altLang="ko-KR" dirty="0" smtClean="0"/>
+          </a:p>
+          <a:p>
+            <a:pPr marL="342900" indent="-342900"/>
+            <a:r>
+              <a:rPr lang="en-US" altLang="ko-KR" dirty="0" smtClean="0"/>
+              <a:t>3. </a:t>
+            </a:r>
+            <a:r>
+              <a:rPr lang="en-US" altLang="ko-KR" dirty="0" err="1" smtClean="0"/>
+              <a:t>Emp</a:t>
+            </a:r>
+            <a:r>
+              <a:rPr lang="ko-KR" altLang="en-US" dirty="0" smtClean="0"/>
+              <a:t>테이블에서 </a:t>
+            </a:r>
+            <a:r>
+              <a:rPr lang="ko-KR" altLang="en-US" dirty="0" err="1" smtClean="0"/>
+              <a:t>한문장으로</a:t>
+            </a:r>
+            <a:r>
+              <a:rPr lang="ko-KR" altLang="en-US" dirty="0" smtClean="0"/>
+              <a:t> 아래와 같이 출력</a:t>
+            </a:r>
+            <a:endParaRPr lang="en-US" altLang="ko-KR" dirty="0" smtClean="0"/>
+          </a:p>
+          <a:p>
+            <a:pPr marL="342900" indent="-342900"/>
+            <a:r>
+              <a:rPr lang="en-US" altLang="ko-KR" dirty="0" smtClean="0"/>
+              <a:t> </a:t>
+            </a:r>
+            <a:r>
+              <a:rPr lang="en-US" altLang="ko-KR" dirty="0" smtClean="0"/>
+              <a:t>  “</a:t>
+            </a:r>
+            <a:r>
+              <a:rPr lang="ko-KR" altLang="en-US" dirty="0" smtClean="0"/>
+              <a:t>이름</a:t>
+            </a:r>
+            <a:r>
+              <a:rPr lang="en-US" altLang="ko-KR" dirty="0" smtClean="0"/>
+              <a:t> </a:t>
+            </a:r>
+            <a:r>
+              <a:rPr lang="ko-KR" altLang="en-US" dirty="0" smtClean="0"/>
+              <a:t>급여</a:t>
+            </a:r>
+            <a:r>
+              <a:rPr lang="en-US" altLang="ko-KR" dirty="0" smtClean="0"/>
+              <a:t>”  : </a:t>
+            </a:r>
+            <a:r>
+              <a:rPr lang="en-US" altLang="ko-KR" dirty="0" err="1" smtClean="0"/>
+              <a:t>ename</a:t>
+            </a:r>
+            <a:r>
+              <a:rPr lang="en-US" altLang="ko-KR" dirty="0" smtClean="0"/>
+              <a:t>, </a:t>
+            </a:r>
+            <a:r>
+              <a:rPr lang="en-US" altLang="ko-KR" dirty="0" err="1" smtClean="0"/>
+              <a:t>sal</a:t>
+            </a:r>
+            <a:endParaRPr lang="en-US" altLang="ko-KR" dirty="0" smtClean="0"/>
+          </a:p>
+          <a:p>
+            <a:pPr marL="342900" indent="-342900"/>
+            <a:r>
+              <a:rPr lang="en-US" altLang="ko-KR" dirty="0" smtClean="0"/>
+              <a:t> </a:t>
+            </a:r>
+            <a:r>
+              <a:rPr lang="en-US" altLang="ko-KR" dirty="0" smtClean="0"/>
+              <a:t>   select </a:t>
+            </a:r>
+            <a:r>
+              <a:rPr lang="en-US" altLang="ko-KR" dirty="0" err="1" smtClean="0"/>
+              <a:t>concat</a:t>
+            </a:r>
+            <a:r>
+              <a:rPr lang="en-US" altLang="ko-KR" dirty="0" smtClean="0"/>
+              <a:t>(</a:t>
+            </a:r>
+            <a:r>
+              <a:rPr lang="en-US" altLang="ko-KR" dirty="0" err="1" smtClean="0"/>
+              <a:t>ename</a:t>
+            </a:r>
+            <a:r>
+              <a:rPr lang="en-US" altLang="ko-KR" dirty="0" smtClean="0"/>
+              <a:t>, ‘ ‘, </a:t>
+            </a:r>
+            <a:r>
+              <a:rPr lang="en-US" altLang="ko-KR" dirty="0" err="1" smtClean="0"/>
+              <a:t>sal</a:t>
+            </a:r>
+            <a:r>
+              <a:rPr lang="en-US" altLang="ko-KR" dirty="0" smtClean="0"/>
+              <a:t>)</a:t>
+            </a:r>
+            <a:r>
+              <a:rPr lang="ko-KR" altLang="en-US" dirty="0" smtClean="0"/>
+              <a:t>  </a:t>
+            </a:r>
+            <a:r>
+              <a:rPr lang="en-US" altLang="ko-KR" dirty="0" smtClean="0"/>
+              <a:t>from </a:t>
+            </a:r>
+            <a:r>
+              <a:rPr lang="en-US" altLang="ko-KR" dirty="0" err="1" smtClean="0"/>
+              <a:t>emp</a:t>
+            </a:r>
+            <a:r>
+              <a:rPr lang="en-US" altLang="ko-KR" dirty="0" smtClean="0"/>
+              <a:t>;</a:t>
+            </a:r>
+          </a:p>
+        </p:txBody>
+      </p:sp>
+      <p:sp>
+        <p:nvSpPr>
+          <p:cNvPr id="16" name="직사각형 15"/>
+          <p:cNvSpPr/>
+          <p:nvPr/>
+        </p:nvSpPr>
+        <p:spPr>
+          <a:xfrm>
+            <a:off x="4499992" y="260648"/>
+            <a:ext cx="2347117" cy="369332"/>
+          </a:xfrm>
+          <a:prstGeom prst="rect">
+            <a:avLst/>
+          </a:prstGeom>
+        </p:spPr>
+        <p:txBody>
+          <a:bodyPr wrap="none">
+            <a:spAutoFit/>
+          </a:bodyPr>
+          <a:lstStyle/>
+          <a:p>
+            <a:r>
+              <a:rPr lang="en-US" altLang="ko-KR" dirty="0" smtClean="0"/>
+              <a:t>(dept, </a:t>
+            </a:r>
+            <a:r>
+              <a:rPr lang="en-US" altLang="ko-KR" dirty="0" err="1" smtClean="0"/>
+              <a:t>emp</a:t>
+            </a:r>
+            <a:r>
+              <a:rPr lang="en-US" altLang="ko-KR" dirty="0" smtClean="0"/>
+              <a:t>, </a:t>
+            </a:r>
+            <a:r>
+              <a:rPr lang="en-US" altLang="ko-KR" dirty="0" err="1" smtClean="0"/>
+              <a:t>salgrade</a:t>
+            </a:r>
+            <a:endParaRPr lang="ko-KR" altLang="en-US" dirty="0"/>
+          </a:p>
+        </p:txBody>
+      </p:sp>
+    </p:spTree>
+  </p:cSld>
+  <p:clrMapOvr>
+    <a:masterClrMapping/>
+  </p:clrMapOvr>
+</p:sld>
+</file>
+
+<file path=ppt/slides/slide9.xml><?xml version="1.0" encoding="utf-8"?>
+<p:sld xmlns:a="http://schemas.openxmlformats.org/drawingml/2006/main" xmlns:r="http://schemas.openxmlformats.org/officeDocument/2006/relationships" xmlns:p="http://schemas.openxmlformats.org/presentationml/2006/main">
+  <p:cSld>
+    <p:spTree>
+      <p:nvGrpSpPr>
+        <p:cNvPr id="1" name=""/>
+        <p:cNvGrpSpPr/>
+        <p:nvPr/>
+      </p:nvGrpSpPr>
+      <p:grpSpPr>
+        <a:xfrm>
+          <a:off x="0" y="0"/>
+          <a:ext cx="0" cy="0"/>
+          <a:chOff x="0" y="0"/>
+          <a:chExt cx="0" cy="0"/>
+        </a:xfrm>
+      </p:grpSpPr>
+      <p:sp>
+        <p:nvSpPr>
+          <p:cNvPr id="5" name="TextBox 4"/>
+          <p:cNvSpPr txBox="1"/>
+          <p:nvPr/>
+        </p:nvSpPr>
+        <p:spPr>
+          <a:xfrm>
+            <a:off x="251520" y="260648"/>
+            <a:ext cx="5976664" cy="400110"/>
+          </a:xfrm>
+          <a:prstGeom prst="rect">
+            <a:avLst/>
+          </a:prstGeom>
+          <a:noFill/>
+        </p:spPr>
+        <p:txBody>
+          <a:bodyPr wrap="square" rtlCol="0">
+            <a:spAutoFit/>
+          </a:bodyPr>
+          <a:lstStyle/>
+          <a:p>
+            <a:r>
+              <a:rPr lang="en-US" altLang="ko-KR" sz="2000" b="1" dirty="0" smtClean="0"/>
+              <a:t>MYSQL</a:t>
+            </a:r>
+            <a:r>
+              <a:rPr lang="ko-KR" altLang="en-US" sz="2000" b="1" dirty="0" smtClean="0"/>
+              <a:t> </a:t>
+            </a:r>
+            <a:r>
+              <a:rPr lang="en-US" altLang="ko-KR" sz="2000" b="1" dirty="0" smtClean="0"/>
+              <a:t>1</a:t>
+            </a:r>
+            <a:r>
+              <a:rPr lang="ko-KR" altLang="en-US" sz="2000" b="1" dirty="0" smtClean="0"/>
+              <a:t>일차</a:t>
+            </a:r>
+            <a:r>
+              <a:rPr lang="en-US" altLang="ko-KR" sz="2000" b="1" dirty="0" smtClean="0"/>
+              <a:t>(Select </a:t>
+            </a:r>
+            <a:r>
+              <a:rPr lang="ko-KR" altLang="en-US" sz="2000" b="1" dirty="0" smtClean="0"/>
+              <a:t>구조</a:t>
+            </a:r>
+            <a:r>
+              <a:rPr lang="en-US" altLang="ko-KR" sz="2000" b="1" dirty="0" smtClean="0"/>
+              <a:t>)</a:t>
+            </a:r>
+            <a:endParaRPr lang="ko-KR" altLang="en-US" sz="2000" b="1" dirty="0"/>
+          </a:p>
+        </p:txBody>
+      </p:sp>
+      <p:sp>
+        <p:nvSpPr>
+          <p:cNvPr id="7" name="직사각형 6"/>
+          <p:cNvSpPr/>
+          <p:nvPr/>
+        </p:nvSpPr>
+        <p:spPr>
+          <a:xfrm>
+            <a:off x="467544" y="1124744"/>
+            <a:ext cx="5684505" cy="1477328"/>
+          </a:xfrm>
+          <a:prstGeom prst="rect">
+            <a:avLst/>
+          </a:prstGeom>
+          <a:ln>
+            <a:solidFill>
+              <a:schemeClr val="accent1"/>
+            </a:solidFill>
+          </a:ln>
+        </p:spPr>
+        <p:txBody>
+          <a:bodyPr wrap="none">
+            <a:spAutoFit/>
+          </a:bodyPr>
+          <a:lstStyle/>
+          <a:p>
+            <a:r>
+              <a:rPr lang="en-US" altLang="ko-KR" dirty="0" smtClean="0"/>
+              <a:t>select   </a:t>
+            </a:r>
+            <a:r>
+              <a:rPr lang="en-US" altLang="ko-KR" b="1" dirty="0" smtClean="0">
+                <a:solidFill>
+                  <a:srgbClr val="FF0000"/>
+                </a:solidFill>
+              </a:rPr>
+              <a:t>[</a:t>
+            </a:r>
+            <a:r>
+              <a:rPr lang="ko-KR" altLang="en-US" b="1" dirty="0" smtClean="0">
+                <a:solidFill>
+                  <a:srgbClr val="FF0000"/>
+                </a:solidFill>
+              </a:rPr>
+              <a:t>출력할 결과물</a:t>
+            </a:r>
+            <a:r>
+              <a:rPr lang="en-US" altLang="ko-KR" b="1" dirty="0" smtClean="0">
+                <a:solidFill>
+                  <a:srgbClr val="FF0000"/>
+                </a:solidFill>
+              </a:rPr>
+              <a:t>…(</a:t>
+            </a:r>
+            <a:r>
+              <a:rPr lang="ko-KR" altLang="en-US" b="1" dirty="0" err="1" smtClean="0">
+                <a:solidFill>
+                  <a:srgbClr val="FF0000"/>
+                </a:solidFill>
+              </a:rPr>
+              <a:t>컬럼의</a:t>
+            </a:r>
+            <a:r>
+              <a:rPr lang="ko-KR" altLang="en-US" b="1" dirty="0" smtClean="0">
+                <a:solidFill>
+                  <a:srgbClr val="FF0000"/>
+                </a:solidFill>
+              </a:rPr>
+              <a:t> 이름</a:t>
+            </a:r>
+            <a:r>
+              <a:rPr lang="en-US" altLang="ko-KR" b="1" dirty="0" smtClean="0">
+                <a:solidFill>
+                  <a:srgbClr val="FF0000"/>
+                </a:solidFill>
+              </a:rPr>
+              <a:t>)]</a:t>
+            </a:r>
+          </a:p>
+          <a:p>
+            <a:endParaRPr lang="en-US" altLang="ko-KR" dirty="0" smtClean="0"/>
+          </a:p>
+          <a:p>
+            <a:r>
+              <a:rPr lang="en-US" altLang="ko-KR" dirty="0" smtClean="0"/>
+              <a:t>From    </a:t>
+            </a:r>
+            <a:r>
+              <a:rPr lang="en-US" altLang="ko-KR" b="1" dirty="0" smtClean="0">
+                <a:solidFill>
+                  <a:schemeClr val="accent6">
+                    <a:lumMod val="50000"/>
+                  </a:schemeClr>
+                </a:solidFill>
+              </a:rPr>
+              <a:t>[</a:t>
+            </a:r>
+            <a:r>
+              <a:rPr lang="ko-KR" altLang="en-US" b="1" dirty="0" smtClean="0">
+                <a:solidFill>
+                  <a:schemeClr val="accent6">
+                    <a:lumMod val="50000"/>
+                  </a:schemeClr>
+                </a:solidFill>
+              </a:rPr>
+              <a:t>대상 </a:t>
+            </a:r>
+            <a:r>
+              <a:rPr lang="ko-KR" altLang="en-US" b="1" dirty="0" err="1" smtClean="0">
+                <a:solidFill>
+                  <a:schemeClr val="accent6">
+                    <a:lumMod val="50000"/>
+                  </a:schemeClr>
+                </a:solidFill>
+              </a:rPr>
+              <a:t>테이블명</a:t>
+            </a:r>
+            <a:r>
+              <a:rPr lang="en-US" altLang="ko-KR" b="1" dirty="0" smtClean="0">
+                <a:solidFill>
+                  <a:schemeClr val="accent6">
+                    <a:lumMod val="50000"/>
+                  </a:schemeClr>
+                </a:solidFill>
+              </a:rPr>
+              <a:t>]</a:t>
+            </a:r>
+          </a:p>
+          <a:p>
+            <a:endParaRPr lang="en-US" altLang="ko-KR" b="1" dirty="0" smtClean="0">
+              <a:solidFill>
+                <a:schemeClr val="accent6">
+                  <a:lumMod val="50000"/>
+                </a:schemeClr>
+              </a:solidFill>
+            </a:endParaRPr>
+          </a:p>
+          <a:p>
+            <a:r>
+              <a:rPr lang="en-US" altLang="ko-KR" dirty="0" smtClean="0"/>
+              <a:t>Where   [</a:t>
+            </a:r>
+            <a:r>
+              <a:rPr lang="ko-KR" altLang="en-US" dirty="0" err="1" smtClean="0"/>
+              <a:t>조건절</a:t>
+            </a:r>
+            <a:r>
+              <a:rPr lang="en-US" altLang="ko-KR" dirty="0" smtClean="0"/>
+              <a:t>, </a:t>
+            </a:r>
+            <a:r>
+              <a:rPr lang="ko-KR" altLang="en-US" dirty="0" err="1" smtClean="0"/>
+              <a:t>필터링</a:t>
+            </a:r>
+            <a:r>
+              <a:rPr lang="en-US" altLang="ko-KR" dirty="0" smtClean="0"/>
+              <a:t>, </a:t>
+            </a:r>
+            <a:r>
+              <a:rPr lang="ko-KR" altLang="en-US" dirty="0" smtClean="0"/>
+              <a:t>원하는 </a:t>
+            </a:r>
+            <a:r>
+              <a:rPr lang="ko-KR" altLang="en-US" dirty="0" err="1" smtClean="0"/>
+              <a:t>로우</a:t>
+            </a:r>
+            <a:r>
+              <a:rPr lang="ko-KR" altLang="en-US" dirty="0" smtClean="0"/>
+              <a:t> 데이터만 요청</a:t>
+            </a:r>
+            <a:r>
+              <a:rPr lang="en-US" altLang="ko-KR" dirty="0" smtClean="0"/>
+              <a:t>]</a:t>
+            </a:r>
+            <a:endParaRPr lang="ko-KR" altLang="en-US" dirty="0"/>
+          </a:p>
+        </p:txBody>
+      </p:sp>
+      <p:sp>
+        <p:nvSpPr>
+          <p:cNvPr id="16" name="직사각형 15"/>
+          <p:cNvSpPr/>
+          <p:nvPr/>
+        </p:nvSpPr>
+        <p:spPr>
+          <a:xfrm>
+            <a:off x="4499992" y="260648"/>
+            <a:ext cx="2417650" cy="369332"/>
+          </a:xfrm>
+          <a:prstGeom prst="rect">
+            <a:avLst/>
+          </a:prstGeom>
+        </p:spPr>
+        <p:txBody>
+          <a:bodyPr wrap="none">
+            <a:spAutoFit/>
+          </a:bodyPr>
+          <a:lstStyle/>
+          <a:p>
+            <a:r>
+              <a:rPr lang="en-US" altLang="ko-KR" dirty="0" smtClean="0"/>
+              <a:t>(dept, </a:t>
+            </a:r>
+            <a:r>
+              <a:rPr lang="en-US" altLang="ko-KR" dirty="0" err="1" smtClean="0"/>
+              <a:t>emp</a:t>
+            </a:r>
+            <a:r>
+              <a:rPr lang="en-US" altLang="ko-KR" dirty="0" smtClean="0"/>
+              <a:t>, </a:t>
+            </a:r>
+            <a:r>
+              <a:rPr lang="en-US" altLang="ko-KR" dirty="0" err="1" smtClean="0"/>
+              <a:t>salgrade</a:t>
+            </a:r>
+            <a:r>
+              <a:rPr lang="en-US" altLang="ko-KR" dirty="0" smtClean="0"/>
+              <a:t>)</a:t>
+            </a:r>
+            <a:endParaRPr lang="ko-KR" altLang="en-US" dirty="0"/>
+          </a:p>
+        </p:txBody>
+      </p:sp>
+      <p:sp>
+        <p:nvSpPr>
+          <p:cNvPr id="6" name="직사각형 5"/>
+          <p:cNvSpPr/>
+          <p:nvPr/>
+        </p:nvSpPr>
+        <p:spPr>
+          <a:xfrm>
+            <a:off x="755576" y="2924944"/>
+            <a:ext cx="8152809" cy="3416320"/>
+          </a:xfrm>
+          <a:prstGeom prst="rect">
+            <a:avLst/>
+          </a:prstGeom>
+        </p:spPr>
+        <p:txBody>
+          <a:bodyPr wrap="none">
+            <a:spAutoFit/>
+          </a:bodyPr>
+          <a:lstStyle/>
+          <a:p>
+            <a:pPr marL="342900" indent="-342900">
+              <a:buAutoNum type="arabicPeriod"/>
+            </a:pPr>
+            <a:r>
+              <a:rPr lang="en-US" altLang="ko-KR" dirty="0" err="1" smtClean="0"/>
+              <a:t>Emp</a:t>
+            </a:r>
+            <a:r>
+              <a:rPr lang="en-US" altLang="ko-KR" dirty="0" smtClean="0"/>
+              <a:t> </a:t>
+            </a:r>
+            <a:r>
+              <a:rPr lang="ko-KR" altLang="en-US" dirty="0" smtClean="0"/>
+              <a:t>테이블에서 이름이</a:t>
+            </a:r>
+            <a:r>
+              <a:rPr lang="en-US" altLang="ko-KR" dirty="0" smtClean="0"/>
+              <a:t>(</a:t>
+            </a:r>
+            <a:r>
+              <a:rPr lang="en-US" altLang="ko-KR" dirty="0" err="1" smtClean="0"/>
+              <a:t>ename</a:t>
+            </a:r>
+            <a:r>
+              <a:rPr lang="en-US" altLang="ko-KR" dirty="0" smtClean="0"/>
+              <a:t>) smith</a:t>
+            </a:r>
+            <a:r>
+              <a:rPr lang="ko-KR" altLang="en-US" dirty="0" smtClean="0"/>
+              <a:t>인 사람의 모든 정보를 출력</a:t>
+            </a:r>
+            <a:r>
+              <a:rPr lang="en-US" altLang="ko-KR" dirty="0" smtClean="0"/>
+              <a:t>!</a:t>
+            </a:r>
+          </a:p>
+          <a:p>
+            <a:pPr marL="342900" indent="-342900"/>
+            <a:r>
+              <a:rPr lang="en-US" altLang="ko-KR" dirty="0" smtClean="0"/>
+              <a:t>    </a:t>
+            </a:r>
+            <a:r>
+              <a:rPr lang="en-US" altLang="ko-KR" dirty="0" smtClean="0"/>
+              <a:t>select * from </a:t>
+            </a:r>
+            <a:r>
+              <a:rPr lang="en-US" altLang="ko-KR" dirty="0" err="1" smtClean="0"/>
+              <a:t>emp</a:t>
+            </a:r>
+            <a:r>
+              <a:rPr lang="en-US" altLang="ko-KR" dirty="0" smtClean="0"/>
+              <a:t> where </a:t>
+            </a:r>
+            <a:r>
+              <a:rPr lang="en-US" altLang="ko-KR" dirty="0" err="1" smtClean="0"/>
+              <a:t>ename</a:t>
+            </a:r>
+            <a:r>
+              <a:rPr lang="en-US" altLang="ko-KR" dirty="0" smtClean="0"/>
+              <a:t> </a:t>
+            </a:r>
+            <a:r>
+              <a:rPr lang="en-US" altLang="ko-KR" dirty="0" smtClean="0"/>
+              <a:t>= 'smith</a:t>
+            </a:r>
+            <a:r>
+              <a:rPr lang="en-US" altLang="ko-KR" dirty="0" smtClean="0"/>
+              <a:t>';</a:t>
+            </a:r>
+          </a:p>
+          <a:p>
+            <a:pPr marL="342900" indent="-342900"/>
+            <a:endParaRPr lang="en-US" altLang="ko-KR" dirty="0" smtClean="0"/>
+          </a:p>
+          <a:p>
+            <a:pPr marL="342900" indent="-342900"/>
+            <a:r>
+              <a:rPr lang="en-US" altLang="ko-KR" dirty="0" smtClean="0"/>
+              <a:t>2. </a:t>
+            </a:r>
+            <a:r>
+              <a:rPr lang="en-US" altLang="ko-KR" dirty="0" err="1" smtClean="0"/>
+              <a:t>Emp</a:t>
+            </a:r>
+            <a:r>
+              <a:rPr lang="en-US" altLang="ko-KR" dirty="0" smtClean="0"/>
+              <a:t> </a:t>
+            </a:r>
+            <a:r>
+              <a:rPr lang="ko-KR" altLang="en-US" dirty="0" smtClean="0"/>
+              <a:t>테이블에서 급여가 </a:t>
+            </a:r>
+            <a:r>
+              <a:rPr lang="en-US" altLang="ko-KR" dirty="0" smtClean="0"/>
+              <a:t>3000</a:t>
+            </a:r>
+            <a:r>
+              <a:rPr lang="ko-KR" altLang="en-US" dirty="0" smtClean="0"/>
+              <a:t>과 </a:t>
+            </a:r>
+            <a:r>
+              <a:rPr lang="en-US" altLang="ko-KR" dirty="0" smtClean="0"/>
+              <a:t>5000 </a:t>
+            </a:r>
+            <a:r>
+              <a:rPr lang="ko-KR" altLang="en-US" dirty="0" smtClean="0"/>
+              <a:t>사이인 회원의 이름과 급여를 출력</a:t>
+            </a:r>
+            <a:r>
+              <a:rPr lang="en-US" altLang="ko-KR" dirty="0" smtClean="0"/>
+              <a:t>!</a:t>
+            </a:r>
+          </a:p>
+          <a:p>
+            <a:pPr marL="342900" indent="-342900"/>
+            <a:r>
+              <a:rPr lang="en-US" altLang="ko-KR" dirty="0" smtClean="0"/>
+              <a:t>   </a:t>
+            </a:r>
+            <a:r>
+              <a:rPr lang="en-US" altLang="ko-KR" dirty="0" smtClean="0"/>
+              <a:t>select </a:t>
+            </a:r>
+            <a:r>
+              <a:rPr lang="en-US" altLang="ko-KR" dirty="0" err="1" smtClean="0"/>
+              <a:t>ename</a:t>
+            </a:r>
+            <a:r>
+              <a:rPr lang="en-US" altLang="ko-KR" dirty="0" smtClean="0"/>
+              <a:t>, </a:t>
+            </a:r>
+            <a:r>
+              <a:rPr lang="en-US" altLang="ko-KR" dirty="0" err="1" smtClean="0"/>
+              <a:t>sal</a:t>
+            </a:r>
+            <a:r>
+              <a:rPr lang="en-US" altLang="ko-KR" dirty="0" smtClean="0"/>
+              <a:t> </a:t>
+            </a:r>
+            <a:r>
+              <a:rPr lang="en-US" altLang="ko-KR" dirty="0" smtClean="0"/>
+              <a:t>from </a:t>
+            </a:r>
+            <a:r>
+              <a:rPr lang="en-US" altLang="ko-KR" dirty="0" err="1" smtClean="0"/>
+              <a:t>emp</a:t>
+            </a:r>
+            <a:r>
+              <a:rPr lang="en-US" altLang="ko-KR" dirty="0" smtClean="0"/>
+              <a:t> where </a:t>
+            </a:r>
+            <a:r>
+              <a:rPr lang="en-US" altLang="ko-KR" b="1" dirty="0" err="1" smtClean="0">
+                <a:solidFill>
+                  <a:srgbClr val="FF0000"/>
+                </a:solidFill>
+              </a:rPr>
+              <a:t>sal</a:t>
+            </a:r>
+            <a:r>
+              <a:rPr lang="en-US" altLang="ko-KR" b="1" dirty="0" smtClean="0">
+                <a:solidFill>
+                  <a:srgbClr val="FF0000"/>
+                </a:solidFill>
+              </a:rPr>
+              <a:t>&gt;=3000 </a:t>
+            </a:r>
+            <a:r>
+              <a:rPr lang="en-US" altLang="ko-KR" b="1" dirty="0" smtClean="0">
+                <a:solidFill>
+                  <a:srgbClr val="FF0000"/>
+                </a:solidFill>
+              </a:rPr>
+              <a:t>and </a:t>
+            </a:r>
+            <a:r>
+              <a:rPr lang="en-US" altLang="ko-KR" b="1" dirty="0" err="1" smtClean="0">
+                <a:solidFill>
+                  <a:srgbClr val="FF0000"/>
+                </a:solidFill>
+              </a:rPr>
+              <a:t>sal</a:t>
+            </a:r>
+            <a:r>
+              <a:rPr lang="en-US" altLang="ko-KR" b="1" dirty="0" smtClean="0">
+                <a:solidFill>
+                  <a:srgbClr val="FF0000"/>
+                </a:solidFill>
+              </a:rPr>
+              <a:t>&lt;=5000</a:t>
+            </a:r>
+            <a:r>
+              <a:rPr lang="en-US" altLang="ko-KR" dirty="0" smtClean="0"/>
+              <a:t>;</a:t>
+            </a:r>
+          </a:p>
+          <a:p>
+            <a:pPr marL="342900" indent="-342900"/>
+            <a:r>
+              <a:rPr lang="en-US" altLang="ko-KR" dirty="0" smtClean="0"/>
+              <a:t>   select </a:t>
+            </a:r>
+            <a:r>
+              <a:rPr lang="en-US" altLang="ko-KR" dirty="0" err="1" smtClean="0"/>
+              <a:t>ename</a:t>
+            </a:r>
+            <a:r>
+              <a:rPr lang="en-US" altLang="ko-KR" dirty="0" smtClean="0"/>
+              <a:t>, </a:t>
+            </a:r>
+            <a:r>
+              <a:rPr lang="en-US" altLang="ko-KR" dirty="0" err="1" smtClean="0"/>
+              <a:t>sal</a:t>
+            </a:r>
+            <a:r>
+              <a:rPr lang="en-US" altLang="ko-KR" dirty="0" smtClean="0"/>
+              <a:t> </a:t>
+            </a:r>
+            <a:r>
+              <a:rPr lang="en-US" altLang="ko-KR" dirty="0" smtClean="0"/>
+              <a:t>from </a:t>
+            </a:r>
+            <a:r>
+              <a:rPr lang="en-US" altLang="ko-KR" dirty="0" err="1" smtClean="0"/>
+              <a:t>emp</a:t>
+            </a:r>
+            <a:r>
+              <a:rPr lang="en-US" altLang="ko-KR" dirty="0" smtClean="0"/>
+              <a:t> where </a:t>
+            </a:r>
+            <a:r>
+              <a:rPr lang="en-US" altLang="ko-KR" dirty="0" err="1" smtClean="0"/>
+              <a:t>sal</a:t>
+            </a:r>
+            <a:r>
+              <a:rPr lang="en-US" altLang="ko-KR" dirty="0" smtClean="0"/>
+              <a:t> </a:t>
+            </a:r>
+            <a:r>
+              <a:rPr lang="en-US" altLang="ko-KR" b="1" dirty="0" smtClean="0">
+                <a:solidFill>
+                  <a:srgbClr val="FF0000"/>
+                </a:solidFill>
+              </a:rPr>
+              <a:t>between </a:t>
+            </a:r>
+            <a:r>
+              <a:rPr lang="en-US" altLang="ko-KR" b="1" dirty="0" smtClean="0">
+                <a:solidFill>
+                  <a:srgbClr val="FF0000"/>
+                </a:solidFill>
+              </a:rPr>
+              <a:t>3000 </a:t>
+            </a:r>
+            <a:r>
+              <a:rPr lang="en-US" altLang="ko-KR" b="1" dirty="0" smtClean="0">
+                <a:solidFill>
+                  <a:srgbClr val="FF0000"/>
+                </a:solidFill>
+              </a:rPr>
+              <a:t>and </a:t>
+            </a:r>
+            <a:r>
+              <a:rPr lang="en-US" altLang="ko-KR" b="1" dirty="0" smtClean="0">
+                <a:solidFill>
+                  <a:srgbClr val="FF0000"/>
+                </a:solidFill>
+              </a:rPr>
+              <a:t>5000</a:t>
+            </a:r>
+            <a:r>
+              <a:rPr lang="en-US" altLang="ko-KR" dirty="0" smtClean="0"/>
+              <a:t>;</a:t>
+            </a:r>
+          </a:p>
+          <a:p>
+            <a:pPr marL="342900" indent="-342900"/>
+            <a:endParaRPr lang="en-US" altLang="ko-KR" dirty="0" smtClean="0"/>
+          </a:p>
+          <a:p>
+            <a:pPr marL="342900" indent="-342900"/>
+            <a:r>
+              <a:rPr lang="en-US" altLang="ko-KR" dirty="0" smtClean="0"/>
+              <a:t>3. </a:t>
+            </a:r>
+            <a:r>
+              <a:rPr lang="en-US" altLang="ko-KR" dirty="0" err="1" smtClean="0"/>
+              <a:t>Emp</a:t>
+            </a:r>
+            <a:r>
+              <a:rPr lang="ko-KR" altLang="en-US" dirty="0" smtClean="0"/>
+              <a:t>테이블에서 입사일</a:t>
+            </a:r>
+            <a:r>
+              <a:rPr lang="en-US" altLang="ko-KR" dirty="0" smtClean="0"/>
+              <a:t>(</a:t>
+            </a:r>
+            <a:r>
+              <a:rPr lang="en-US" altLang="ko-KR" dirty="0" err="1" smtClean="0"/>
+              <a:t>hiredate</a:t>
+            </a:r>
+            <a:r>
+              <a:rPr lang="en-US" altLang="ko-KR" dirty="0" smtClean="0"/>
+              <a:t>) dl 1981</a:t>
+            </a:r>
+            <a:r>
+              <a:rPr lang="ko-KR" altLang="en-US" dirty="0" smtClean="0"/>
+              <a:t>년 이전에 입사한 직원의 이름과</a:t>
+            </a:r>
+            <a:r>
+              <a:rPr lang="en-US" altLang="ko-KR" dirty="0" smtClean="0"/>
+              <a:t>, </a:t>
+            </a:r>
+          </a:p>
+          <a:p>
+            <a:pPr marL="342900" indent="-342900"/>
+            <a:r>
+              <a:rPr lang="en-US" altLang="ko-KR" dirty="0" smtClean="0"/>
+              <a:t> </a:t>
+            </a:r>
+            <a:r>
+              <a:rPr lang="en-US" altLang="ko-KR" dirty="0" smtClean="0"/>
+              <a:t>  </a:t>
+            </a:r>
+            <a:r>
+              <a:rPr lang="ko-KR" altLang="en-US" dirty="0" smtClean="0"/>
+              <a:t>입사일을 출력</a:t>
+            </a:r>
+            <a:endParaRPr lang="en-US" altLang="ko-KR" dirty="0" smtClean="0"/>
+          </a:p>
+          <a:p>
+            <a:pPr marL="342900" indent="-342900"/>
+            <a:r>
+              <a:rPr lang="en-US" altLang="ko-KR" dirty="0" smtClean="0"/>
+              <a:t>  </a:t>
+            </a:r>
+            <a:r>
+              <a:rPr lang="en-US" altLang="ko-KR" dirty="0" smtClean="0"/>
+              <a:t>select </a:t>
+            </a:r>
+            <a:r>
+              <a:rPr lang="en-US" altLang="ko-KR" dirty="0" err="1" smtClean="0"/>
+              <a:t>ename,hiredate</a:t>
+            </a:r>
+            <a:r>
+              <a:rPr lang="en-US" altLang="ko-KR" dirty="0" smtClean="0"/>
+              <a:t> from </a:t>
+            </a:r>
+            <a:r>
+              <a:rPr lang="en-US" altLang="ko-KR" dirty="0" err="1" smtClean="0"/>
+              <a:t>emp</a:t>
+            </a:r>
+            <a:r>
+              <a:rPr lang="en-US" altLang="ko-KR" dirty="0" smtClean="0"/>
+              <a:t> where year(</a:t>
+            </a:r>
+            <a:r>
+              <a:rPr lang="en-US" altLang="ko-KR" dirty="0" err="1" smtClean="0"/>
+              <a:t>hiredate</a:t>
+            </a:r>
+            <a:r>
+              <a:rPr lang="en-US" altLang="ko-KR" dirty="0" smtClean="0"/>
+              <a:t>) </a:t>
+            </a:r>
+            <a:r>
+              <a:rPr lang="en-US" altLang="ko-KR" dirty="0" smtClean="0"/>
+              <a:t>&lt; </a:t>
+            </a:r>
+            <a:r>
+              <a:rPr lang="en-US" altLang="ko-KR" dirty="0" smtClean="0"/>
+              <a:t>1981</a:t>
+            </a:r>
+            <a:r>
+              <a:rPr lang="en-US" altLang="ko-KR" dirty="0" smtClean="0"/>
+              <a:t>;    - ???</a:t>
+            </a:r>
+            <a:endParaRPr lang="en-US" altLang="ko-KR" dirty="0" smtClean="0"/>
+          </a:p>
+          <a:p>
+            <a:pPr marL="342900" indent="-342900"/>
+            <a:r>
+              <a:rPr lang="en-US" altLang="ko-KR" dirty="0" smtClean="0"/>
+              <a:t>  select </a:t>
+            </a:r>
+            <a:r>
+              <a:rPr lang="en-US" altLang="ko-KR" dirty="0" err="1" smtClean="0"/>
+              <a:t>ename,hiredate</a:t>
+            </a:r>
+            <a:r>
+              <a:rPr lang="en-US" altLang="ko-KR" dirty="0" smtClean="0"/>
+              <a:t> from </a:t>
+            </a:r>
+            <a:r>
+              <a:rPr lang="en-US" altLang="ko-KR" dirty="0" err="1" smtClean="0"/>
+              <a:t>emp</a:t>
+            </a:r>
+            <a:r>
+              <a:rPr lang="en-US" altLang="ko-KR" dirty="0" smtClean="0"/>
+              <a:t> where </a:t>
+            </a:r>
+            <a:r>
+              <a:rPr lang="en-US" altLang="ko-KR" dirty="0" err="1" smtClean="0"/>
+              <a:t>hiredate</a:t>
+            </a:r>
+            <a:r>
+              <a:rPr lang="en-US" altLang="ko-KR" dirty="0" smtClean="0"/>
+              <a:t> </a:t>
+            </a:r>
+            <a:r>
+              <a:rPr lang="en-US" altLang="ko-KR" dirty="0" smtClean="0"/>
+              <a:t>&lt; ‘1981-01-01';  - ???</a:t>
+            </a:r>
+            <a:endParaRPr lang="en-US" altLang="ko-KR" dirty="0" smtClean="0"/>
+          </a:p>
+          <a:p>
+            <a:pPr marL="342900" indent="-342900"/>
+            <a:r>
+              <a:rPr lang="en-US" altLang="ko-KR" dirty="0" smtClean="0"/>
+              <a:t> </a:t>
+            </a:r>
+            <a:endParaRPr lang="en-US" altLang="ko-KR" dirty="0" smtClean="0"/>
           </a:p>
         </p:txBody>
       </p:sp>

--- a/MYSQL.pptx
+++ b/MYSQL.pptx
@@ -23,6 +23,21 @@
     <p:sldId id="271" r:id="rId17"/>
     <p:sldId id="272" r:id="rId18"/>
     <p:sldId id="273" r:id="rId19"/>
+    <p:sldId id="274" r:id="rId20"/>
+    <p:sldId id="275" r:id="rId21"/>
+    <p:sldId id="276" r:id="rId22"/>
+    <p:sldId id="277" r:id="rId23"/>
+    <p:sldId id="278" r:id="rId24"/>
+    <p:sldId id="279" r:id="rId25"/>
+    <p:sldId id="280" r:id="rId26"/>
+    <p:sldId id="281" r:id="rId27"/>
+    <p:sldId id="282" r:id="rId28"/>
+    <p:sldId id="283" r:id="rId29"/>
+    <p:sldId id="284" r:id="rId30"/>
+    <p:sldId id="285" r:id="rId31"/>
+    <p:sldId id="286" r:id="rId32"/>
+    <p:sldId id="287" r:id="rId33"/>
+    <p:sldId id="288" r:id="rId34"/>
   </p:sldIdLst>
   <p:sldSz cx="9144000" cy="6858000" type="screen4x3"/>
   <p:notesSz cx="6858000" cy="9144000"/>
@@ -306,7 +321,7 @@
             <a:fld id="{E6E1248E-BEF7-4F03-9095-D07197679308}" type="datetimeFigureOut">
               <a:rPr lang="ko-KR" altLang="en-US" smtClean="0"/>
               <a:pPr/>
-              <a:t>2021-02-19</a:t>
+              <a:t>2021-02-22</a:t>
             </a:fld>
             <a:endParaRPr lang="ko-KR" altLang="en-US"/>
           </a:p>
@@ -473,7 +488,7 @@
             <a:fld id="{E6E1248E-BEF7-4F03-9095-D07197679308}" type="datetimeFigureOut">
               <a:rPr lang="ko-KR" altLang="en-US" smtClean="0"/>
               <a:pPr/>
-              <a:t>2021-02-19</a:t>
+              <a:t>2021-02-22</a:t>
             </a:fld>
             <a:endParaRPr lang="ko-KR" altLang="en-US"/>
           </a:p>
@@ -650,7 +665,7 @@
             <a:fld id="{E6E1248E-BEF7-4F03-9095-D07197679308}" type="datetimeFigureOut">
               <a:rPr lang="ko-KR" altLang="en-US" smtClean="0"/>
               <a:pPr/>
-              <a:t>2021-02-19</a:t>
+              <a:t>2021-02-22</a:t>
             </a:fld>
             <a:endParaRPr lang="ko-KR" altLang="en-US"/>
           </a:p>
@@ -817,7 +832,7 @@
             <a:fld id="{E6E1248E-BEF7-4F03-9095-D07197679308}" type="datetimeFigureOut">
               <a:rPr lang="ko-KR" altLang="en-US" smtClean="0"/>
               <a:pPr/>
-              <a:t>2021-02-19</a:t>
+              <a:t>2021-02-22</a:t>
             </a:fld>
             <a:endParaRPr lang="ko-KR" altLang="en-US"/>
           </a:p>
@@ -1060,7 +1075,7 @@
             <a:fld id="{E6E1248E-BEF7-4F03-9095-D07197679308}" type="datetimeFigureOut">
               <a:rPr lang="ko-KR" altLang="en-US" smtClean="0"/>
               <a:pPr/>
-              <a:t>2021-02-19</a:t>
+              <a:t>2021-02-22</a:t>
             </a:fld>
             <a:endParaRPr lang="ko-KR" altLang="en-US"/>
           </a:p>
@@ -1345,7 +1360,7 @@
             <a:fld id="{E6E1248E-BEF7-4F03-9095-D07197679308}" type="datetimeFigureOut">
               <a:rPr lang="ko-KR" altLang="en-US" smtClean="0"/>
               <a:pPr/>
-              <a:t>2021-02-19</a:t>
+              <a:t>2021-02-22</a:t>
             </a:fld>
             <a:endParaRPr lang="ko-KR" altLang="en-US"/>
           </a:p>
@@ -1764,7 +1779,7 @@
             <a:fld id="{E6E1248E-BEF7-4F03-9095-D07197679308}" type="datetimeFigureOut">
               <a:rPr lang="ko-KR" altLang="en-US" smtClean="0"/>
               <a:pPr/>
-              <a:t>2021-02-19</a:t>
+              <a:t>2021-02-22</a:t>
             </a:fld>
             <a:endParaRPr lang="ko-KR" altLang="en-US"/>
           </a:p>
@@ -1879,7 +1894,7 @@
             <a:fld id="{E6E1248E-BEF7-4F03-9095-D07197679308}" type="datetimeFigureOut">
               <a:rPr lang="ko-KR" altLang="en-US" smtClean="0"/>
               <a:pPr/>
-              <a:t>2021-02-19</a:t>
+              <a:t>2021-02-22</a:t>
             </a:fld>
             <a:endParaRPr lang="ko-KR" altLang="en-US"/>
           </a:p>
@@ -1971,7 +1986,7 @@
             <a:fld id="{E6E1248E-BEF7-4F03-9095-D07197679308}" type="datetimeFigureOut">
               <a:rPr lang="ko-KR" altLang="en-US" smtClean="0"/>
               <a:pPr/>
-              <a:t>2021-02-19</a:t>
+              <a:t>2021-02-22</a:t>
             </a:fld>
             <a:endParaRPr lang="ko-KR" altLang="en-US"/>
           </a:p>
@@ -2245,7 +2260,7 @@
             <a:fld id="{E6E1248E-BEF7-4F03-9095-D07197679308}" type="datetimeFigureOut">
               <a:rPr lang="ko-KR" altLang="en-US" smtClean="0"/>
               <a:pPr/>
-              <a:t>2021-02-19</a:t>
+              <a:t>2021-02-22</a:t>
             </a:fld>
             <a:endParaRPr lang="ko-KR" altLang="en-US"/>
           </a:p>
@@ -2495,7 +2510,7 @@
             <a:fld id="{E6E1248E-BEF7-4F03-9095-D07197679308}" type="datetimeFigureOut">
               <a:rPr lang="ko-KR" altLang="en-US" smtClean="0"/>
               <a:pPr/>
-              <a:t>2021-02-19</a:t>
+              <a:t>2021-02-22</a:t>
             </a:fld>
             <a:endParaRPr lang="ko-KR" altLang="en-US"/>
           </a:p>
@@ -2705,7 +2720,7 @@
             <a:fld id="{E6E1248E-BEF7-4F03-9095-D07197679308}" type="datetimeFigureOut">
               <a:rPr lang="ko-KR" altLang="en-US" smtClean="0"/>
               <a:pPr/>
-              <a:t>2021-02-19</a:t>
+              <a:t>2021-02-22</a:t>
             </a:fld>
             <a:endParaRPr lang="ko-KR" altLang="en-US"/>
           </a:p>
@@ -3701,7 +3716,7 @@
         </p:nvSpPr>
         <p:spPr>
           <a:xfrm>
-            <a:off x="971600" y="3140968"/>
+            <a:off x="899592" y="3140968"/>
             <a:ext cx="7344816" cy="432048"/>
           </a:xfrm>
           <a:prstGeom prst="rect">
@@ -3785,6 +3800,142 @@
           </a:p>
         </p:txBody>
       </p:sp>
+      <p:cxnSp>
+        <p:nvCxnSpPr>
+          <p:cNvPr id="18" name="직선 화살표 연결선 17"/>
+          <p:cNvCxnSpPr/>
+          <p:nvPr/>
+        </p:nvCxnSpPr>
+        <p:spPr>
+          <a:xfrm>
+            <a:off x="6012160" y="1628800"/>
+            <a:ext cx="72009" cy="1512168"/>
+          </a:xfrm>
+          <a:prstGeom prst="straightConnector1">
+            <a:avLst/>
+          </a:prstGeom>
+          <a:ln w="25400">
+            <a:solidFill>
+              <a:srgbClr val="FF0000"/>
+            </a:solidFill>
+            <a:tailEnd type="arrow"/>
+          </a:ln>
+        </p:spPr>
+        <p:style>
+          <a:lnRef idx="1">
+            <a:schemeClr val="accent1"/>
+          </a:lnRef>
+          <a:fillRef idx="0">
+            <a:schemeClr val="accent1"/>
+          </a:fillRef>
+          <a:effectRef idx="0">
+            <a:schemeClr val="accent1"/>
+          </a:effectRef>
+          <a:fontRef idx="minor">
+            <a:schemeClr val="tx1"/>
+          </a:fontRef>
+        </p:style>
+      </p:cxnSp>
+      <p:sp>
+        <p:nvSpPr>
+          <p:cNvPr id="24" name="직사각형 23"/>
+          <p:cNvSpPr/>
+          <p:nvPr/>
+        </p:nvSpPr>
+        <p:spPr>
+          <a:xfrm>
+            <a:off x="6055189" y="2204864"/>
+            <a:ext cx="1079142" cy="369332"/>
+          </a:xfrm>
+          <a:prstGeom prst="rect">
+            <a:avLst/>
+          </a:prstGeom>
+        </p:spPr>
+        <p:txBody>
+          <a:bodyPr wrap="none">
+            <a:spAutoFit/>
+          </a:bodyPr>
+          <a:lstStyle/>
+          <a:p>
+            <a:pPr algn="ctr"/>
+            <a:r>
+              <a:rPr lang="en-US" altLang="ko-KR" dirty="0" smtClean="0"/>
+              <a:t>Commit!</a:t>
+            </a:r>
+            <a:endParaRPr lang="ko-KR" altLang="en-US" dirty="0"/>
+          </a:p>
+        </p:txBody>
+      </p:sp>
+      <p:cxnSp>
+        <p:nvCxnSpPr>
+          <p:cNvPr id="25" name="직선 화살표 연결선 24"/>
+          <p:cNvCxnSpPr/>
+          <p:nvPr/>
+        </p:nvCxnSpPr>
+        <p:spPr>
+          <a:xfrm flipH="1">
+            <a:off x="5148064" y="3212976"/>
+            <a:ext cx="936104" cy="2304256"/>
+          </a:xfrm>
+          <a:prstGeom prst="straightConnector1">
+            <a:avLst/>
+          </a:prstGeom>
+          <a:ln w="25400">
+            <a:solidFill>
+              <a:srgbClr val="FF0000"/>
+            </a:solidFill>
+            <a:tailEnd type="arrow"/>
+          </a:ln>
+        </p:spPr>
+        <p:style>
+          <a:lnRef idx="1">
+            <a:schemeClr val="accent1"/>
+          </a:lnRef>
+          <a:fillRef idx="0">
+            <a:schemeClr val="accent1"/>
+          </a:fillRef>
+          <a:effectRef idx="0">
+            <a:schemeClr val="accent1"/>
+          </a:effectRef>
+          <a:fontRef idx="minor">
+            <a:schemeClr val="tx1"/>
+          </a:fontRef>
+        </p:style>
+      </p:cxnSp>
+      <p:sp>
+        <p:nvSpPr>
+          <p:cNvPr id="27" name="직사각형 26"/>
+          <p:cNvSpPr/>
+          <p:nvPr/>
+        </p:nvSpPr>
+        <p:spPr>
+          <a:xfrm>
+            <a:off x="5801198" y="4509120"/>
+            <a:ext cx="713658" cy="369332"/>
+          </a:xfrm>
+          <a:prstGeom prst="rect">
+            <a:avLst/>
+          </a:prstGeom>
+        </p:spPr>
+        <p:txBody>
+          <a:bodyPr wrap="none">
+            <a:spAutoFit/>
+          </a:bodyPr>
+          <a:lstStyle/>
+          <a:p>
+            <a:pPr algn="ctr"/>
+            <a:r>
+              <a:rPr lang="ko-KR" altLang="en-US" dirty="0" smtClean="0"/>
+              <a:t>적용</a:t>
+            </a:r>
+            <a:r>
+              <a:rPr lang="en-US" altLang="ko-KR" dirty="0" smtClean="0"/>
+              <a:t>!</a:t>
+            </a:r>
+            <a:endParaRPr lang="ko-KR" altLang="en-US" dirty="0"/>
+          </a:p>
+        </p:txBody>
+      </p:sp>
     </p:spTree>
   </p:cSld>
   <p:clrMapOvr>
@@ -4656,11 +4807,7 @@
             <a:pPr marL="342900" indent="-342900"/>
             <a:r>
               <a:rPr lang="en-US" altLang="ko-KR" dirty="0" smtClean="0"/>
-              <a:t> </a:t>
-            </a:r>
-            <a:r>
-              <a:rPr lang="en-US" altLang="ko-KR" dirty="0" smtClean="0"/>
-              <a:t>   </a:t>
+              <a:t>    </a:t>
             </a:r>
             <a:r>
               <a:rPr lang="ko-KR" altLang="en-US" dirty="0" smtClean="0"/>
@@ -4695,39 +4842,30 @@
             <a:pPr marL="342900" indent="-342900"/>
             <a:r>
               <a:rPr lang="en-US" altLang="ko-KR" dirty="0" smtClean="0"/>
+              <a:t>    select </a:t>
+            </a:r>
+            <a:r>
+              <a:rPr lang="en-US" altLang="ko-KR" dirty="0" err="1" smtClean="0"/>
+              <a:t>ename,sal</a:t>
+            </a:r>
+            <a:r>
+              <a:rPr lang="en-US" altLang="ko-KR" dirty="0" smtClean="0"/>
+              <a:t> from </a:t>
+            </a:r>
+            <a:r>
+              <a:rPr lang="en-US" altLang="ko-KR" dirty="0" err="1" smtClean="0"/>
+              <a:t>emp</a:t>
+            </a:r>
+            <a:r>
+              <a:rPr lang="en-US" altLang="ko-KR" dirty="0" smtClean="0"/>
               <a:t> </a:t>
             </a:r>
-            <a:r>
-              <a:rPr lang="en-US" altLang="ko-KR" dirty="0" smtClean="0"/>
-              <a:t>   select </a:t>
-            </a:r>
-            <a:r>
-              <a:rPr lang="en-US" altLang="ko-KR" dirty="0" err="1" smtClean="0"/>
-              <a:t>ename,sal</a:t>
-            </a:r>
-            <a:r>
-              <a:rPr lang="en-US" altLang="ko-KR" dirty="0" smtClean="0"/>
-              <a:t> from </a:t>
-            </a:r>
-            <a:r>
-              <a:rPr lang="en-US" altLang="ko-KR" dirty="0" err="1" smtClean="0"/>
-              <a:t>emp</a:t>
-            </a:r>
-            <a:r>
-              <a:rPr lang="en-US" altLang="ko-KR" dirty="0" smtClean="0"/>
-              <a:t> </a:t>
-            </a:r>
-            <a:endParaRPr lang="en-US" altLang="ko-KR" dirty="0" smtClean="0"/>
           </a:p>
           <a:p>
             <a:pPr marL="342900" indent="-342900"/>
             <a:r>
               <a:rPr lang="en-US" altLang="ko-KR" dirty="0" smtClean="0"/>
-              <a:t> </a:t>
-            </a:r>
-            <a:r>
-              <a:rPr lang="en-US" altLang="ko-KR" dirty="0" smtClean="0"/>
-              <a:t>   </a:t>
+              <a:t>    </a:t>
             </a:r>
             <a:r>
               <a:rPr lang="en-US" altLang="ko-KR" b="1" dirty="0" smtClean="0">
@@ -4735,7 +4873,15 @@
                   <a:srgbClr val="FF0000"/>
                 </a:solidFill>
               </a:rPr>
-              <a:t>order </a:t>
+              <a:t>order by </a:t>
+            </a:r>
+            <a:r>
+              <a:rPr lang="en-US" altLang="ko-KR" b="1" dirty="0" err="1" smtClean="0">
+                <a:solidFill>
+                  <a:srgbClr val="FF0000"/>
+                </a:solidFill>
+              </a:rPr>
+              <a:t>ename</a:t>
             </a:r>
             <a:r>
               <a:rPr lang="en-US" altLang="ko-KR" b="1" dirty="0" smtClean="0">
@@ -4743,31 +4889,7 @@
                   <a:srgbClr val="FF0000"/>
                 </a:solidFill>
               </a:rPr>
-              <a:t>by </a:t>
-            </a:r>
-            <a:r>
-              <a:rPr lang="en-US" altLang="ko-KR" b="1" dirty="0" err="1" smtClean="0">
-                <a:solidFill>
-                  <a:srgbClr val="FF0000"/>
-                </a:solidFill>
-              </a:rPr>
-              <a:t>ename</a:t>
-            </a:r>
-            <a:r>
-              <a:rPr lang="en-US" altLang="ko-KR" b="1" dirty="0" smtClean="0">
-                <a:solidFill>
-                  <a:srgbClr val="FF0000"/>
-                </a:solidFill>
-              </a:rPr>
-              <a:t> </a:t>
-            </a:r>
-            <a:r>
-              <a:rPr lang="en-US" altLang="ko-KR" b="1" dirty="0" smtClean="0">
-                <a:solidFill>
-                  <a:srgbClr val="FF0000"/>
-                </a:solidFill>
-              </a:rPr>
-              <a:t>[</a:t>
+              <a:t> [</a:t>
             </a:r>
             <a:r>
               <a:rPr lang="en-US" altLang="ko-KR" b="1" dirty="0" err="1" smtClean="0">
@@ -6037,11 +6159,7 @@
           <a:p>
             <a:r>
               <a:rPr lang="en-US" altLang="ko-KR" dirty="0" smtClean="0"/>
-              <a:t>EMPNO </a:t>
-            </a:r>
-            <a:r>
-              <a:rPr lang="en-US" altLang="ko-KR" dirty="0" smtClean="0"/>
-              <a:t>| ENAME  | JOB       | MGR  | HIREDATE   | SAL     | COMM    | </a:t>
+              <a:t>EMPNO | ENAME  | JOB       | MGR  | HIREDATE   | SAL     | COMM    | </a:t>
             </a:r>
             <a:r>
               <a:rPr lang="en-US" altLang="ko-KR" b="1" dirty="0" smtClean="0">
@@ -6129,11 +6247,7 @@
             </a:r>
             <a:r>
               <a:rPr lang="en-US" altLang="ko-KR" dirty="0" smtClean="0"/>
-              <a:t> </a:t>
-            </a:r>
-            <a:r>
-              <a:rPr lang="en-US" altLang="ko-KR" dirty="0" smtClean="0"/>
-              <a:t>| DNAME      | LOC</a:t>
+              <a:t> | DNAME      | LOC</a:t>
             </a:r>
             <a:endParaRPr lang="ko-KR" altLang="en-US" dirty="0"/>
           </a:p>
@@ -6356,15 +6470,7 @@
                   <a:srgbClr val="FF0000"/>
                 </a:solidFill>
               </a:rPr>
-              <a:t> </a:t>
-            </a:r>
-            <a:r>
-              <a:rPr lang="en-US" altLang="ko-KR" b="1" dirty="0" smtClean="0">
-                <a:solidFill>
-                  <a:srgbClr val="FF0000"/>
-                </a:solidFill>
-              </a:rPr>
-              <a:t> - </a:t>
+              <a:t>  - </a:t>
             </a:r>
             <a:r>
               <a:rPr lang="ko-KR" altLang="en-US" b="1" dirty="0" err="1" smtClean="0">
@@ -6759,11 +6865,7 @@
           <a:p>
             <a:r>
               <a:rPr lang="en-US" altLang="ko-KR" dirty="0" smtClean="0"/>
-              <a:t>EMPNO </a:t>
-            </a:r>
-            <a:r>
-              <a:rPr lang="en-US" altLang="ko-KR" dirty="0" smtClean="0"/>
-              <a:t>| ENAME  | JOB       | MGR  | HIREDATE   | SAL     | COMM    | </a:t>
+              <a:t>EMPNO | ENAME  | JOB       | MGR  | HIREDATE   | SAL     | COMM    | </a:t>
             </a:r>
             <a:r>
               <a:rPr lang="en-US" altLang="ko-KR" b="1" dirty="0" smtClean="0">
@@ -6851,11 +6953,7 @@
             </a:r>
             <a:r>
               <a:rPr lang="en-US" altLang="ko-KR" dirty="0" smtClean="0"/>
-              <a:t> </a:t>
-            </a:r>
-            <a:r>
-              <a:rPr lang="en-US" altLang="ko-KR" dirty="0" smtClean="0"/>
-              <a:t>| DNAME      | LOC</a:t>
+              <a:t> | DNAME      | LOC</a:t>
             </a:r>
             <a:endParaRPr lang="ko-KR" altLang="en-US" dirty="0"/>
           </a:p>
@@ -7040,7 +7138,6 @@
               <a:rPr lang="en-US" altLang="ko-KR" dirty="0" smtClean="0"/>
               <a:t>, d.loc </a:t>
             </a:r>
-            <a:endParaRPr lang="en-US" altLang="ko-KR" dirty="0" smtClean="0"/>
           </a:p>
           <a:p>
             <a:r>
@@ -7079,7 +7176,6 @@
               <a:rPr lang="en-US" altLang="ko-KR" dirty="0" smtClean="0"/>
               <a:t> </a:t>
             </a:r>
-            <a:endParaRPr lang="en-US" altLang="ko-KR" dirty="0" smtClean="0"/>
           </a:p>
           <a:p>
             <a:r>
@@ -7126,11 +7222,7 @@
           <a:p>
             <a:r>
               <a:rPr lang="en-US" altLang="ko-KR" dirty="0" smtClean="0"/>
-              <a:t> </a:t>
-            </a:r>
-            <a:r>
-              <a:rPr lang="en-US" altLang="ko-KR" dirty="0" smtClean="0"/>
-              <a:t>         </a:t>
+              <a:t>          </a:t>
             </a:r>
             <a:r>
               <a:rPr lang="en-US" altLang="ko-KR" dirty="0" err="1" smtClean="0"/>
@@ -7138,11 +7230,7 @@
             </a:r>
             <a:r>
               <a:rPr lang="en-US" altLang="ko-KR" dirty="0" smtClean="0"/>
-              <a:t> </a:t>
-            </a:r>
-            <a:r>
-              <a:rPr lang="en-US" altLang="ko-KR" dirty="0" smtClean="0"/>
-              <a:t>= 'smith';</a:t>
+              <a:t> = 'smith';</a:t>
             </a:r>
             <a:endParaRPr lang="en-US" altLang="ko-KR" dirty="0"/>
           </a:p>
@@ -7429,11 +7517,7 @@
           <a:p>
             <a:r>
               <a:rPr lang="en-US" altLang="ko-KR" dirty="0" smtClean="0"/>
-              <a:t>EMPNO </a:t>
-            </a:r>
-            <a:r>
-              <a:rPr lang="en-US" altLang="ko-KR" dirty="0" smtClean="0"/>
-              <a:t>| ENAME  | JOB       | MGR  | HIREDATE   | SAL     | COMM    | </a:t>
+              <a:t>EMPNO | ENAME  | JOB       | MGR  | HIREDATE   | SAL     | COMM    | </a:t>
             </a:r>
             <a:r>
               <a:rPr lang="en-US" altLang="ko-KR" b="1" dirty="0" smtClean="0">
@@ -7529,11 +7613,7 @@
             </a:r>
             <a:r>
               <a:rPr lang="en-US" altLang="ko-KR" dirty="0" smtClean="0"/>
-              <a:t> </a:t>
-            </a:r>
-            <a:r>
-              <a:rPr lang="en-US" altLang="ko-KR" dirty="0" smtClean="0"/>
-              <a:t>| DNAME      | LOC</a:t>
+              <a:t> | DNAME      | LOC</a:t>
             </a:r>
             <a:endParaRPr lang="ko-KR" altLang="en-US" dirty="0"/>
           </a:p>
@@ -7680,7 +7760,6 @@
               <a:rPr lang="en-US" altLang="ko-KR" dirty="0" smtClean="0"/>
               <a:t> s </a:t>
             </a:r>
-            <a:endParaRPr lang="en-US" altLang="ko-KR" dirty="0" smtClean="0"/>
           </a:p>
           <a:p>
             <a:r>
@@ -7731,11 +7810,7 @@
           <a:p>
             <a:r>
               <a:rPr lang="en-US" altLang="ko-KR" dirty="0" smtClean="0"/>
-              <a:t> </a:t>
-            </a:r>
-            <a:r>
-              <a:rPr lang="en-US" altLang="ko-KR" dirty="0" smtClean="0"/>
-              <a:t>        and </a:t>
+              <a:t>         and </a:t>
             </a:r>
             <a:r>
               <a:rPr lang="en-US" altLang="ko-KR" dirty="0" err="1" smtClean="0"/>
@@ -7743,15 +7818,7 @@
             </a:r>
             <a:r>
               <a:rPr lang="en-US" altLang="ko-KR" dirty="0" smtClean="0"/>
-              <a:t> </a:t>
-            </a:r>
-            <a:r>
-              <a:rPr lang="en-US" altLang="ko-KR" dirty="0" smtClean="0"/>
-              <a:t>= </a:t>
-            </a:r>
-            <a:r>
-              <a:rPr lang="en-US" altLang="ko-KR" dirty="0" smtClean="0"/>
-              <a:t>'smith‘;</a:t>
+              <a:t> = 'smith‘;</a:t>
             </a:r>
             <a:endParaRPr lang="en-US" altLang="ko-KR" dirty="0"/>
           </a:p>
@@ -7820,33 +7887,17 @@
                   <a:srgbClr val="FF0000"/>
                 </a:solidFill>
               </a:rPr>
-              <a:t> </a:t>
-            </a:r>
+              <a:t>    </a:t>
+            </a:r>
+          </a:p>
+          <a:p>
             <a:r>
               <a:rPr lang="en-US" altLang="ko-KR" b="1" dirty="0" smtClean="0">
                 <a:solidFill>
                   <a:srgbClr val="FF0000"/>
                 </a:solidFill>
               </a:rPr>
-              <a:t>   </a:t>
-            </a:r>
-          </a:p>
-          <a:p>
-            <a:r>
-              <a:rPr lang="en-US" altLang="ko-KR" b="1" dirty="0" smtClean="0">
-                <a:solidFill>
-                  <a:srgbClr val="FF0000"/>
-                </a:solidFill>
-              </a:rPr>
-              <a:t> </a:t>
-            </a:r>
-            <a:r>
-              <a:rPr lang="en-US" altLang="ko-KR" b="1" dirty="0" smtClean="0">
-                <a:solidFill>
-                  <a:srgbClr val="FF0000"/>
-                </a:solidFill>
-              </a:rPr>
-              <a:t>        </a:t>
+              <a:t>         </a:t>
             </a:r>
             <a:r>
               <a:rPr lang="en-US" altLang="ko-KR" dirty="0" smtClean="0"/>
@@ -8121,11 +8172,7 @@
             </a:r>
             <a:r>
               <a:rPr lang="en-US" altLang="ko-KR" dirty="0" smtClean="0"/>
-              <a:t> </a:t>
-            </a:r>
-            <a:r>
-              <a:rPr lang="en-US" altLang="ko-KR" dirty="0" smtClean="0"/>
-              <a:t>| </a:t>
+              <a:t> | </a:t>
             </a:r>
             <a:r>
               <a:rPr lang="en-US" altLang="ko-KR" b="1" dirty="0" smtClean="0">
@@ -8257,11 +8304,7 @@
           <a:p>
             <a:r>
               <a:rPr lang="pt-BR" altLang="ko-KR" dirty="0" smtClean="0"/>
-              <a:t>select e.ename, </a:t>
-            </a:r>
-            <a:r>
-              <a:rPr lang="pt-BR" altLang="ko-KR" dirty="0" smtClean="0"/>
-              <a:t>e2.ename</a:t>
+              <a:t>select e.ename, e2.ename</a:t>
             </a:r>
           </a:p>
           <a:p>
@@ -8281,15 +8324,7 @@
                   <a:srgbClr val="FF0000"/>
                 </a:solidFill>
               </a:rPr>
-              <a:t>emp e,emp </a:t>
-            </a:r>
-            <a:r>
-              <a:rPr lang="pt-BR" altLang="ko-KR" b="1" dirty="0" smtClean="0">
-                <a:solidFill>
-                  <a:srgbClr val="FF0000"/>
-                </a:solidFill>
-              </a:rPr>
-              <a:t>e2</a:t>
+              <a:t>emp e,emp e2</a:t>
             </a:r>
           </a:p>
           <a:p>
@@ -8310,15 +8345,7 @@
                   <a:srgbClr val="FF0000"/>
                 </a:solidFill>
               </a:rPr>
-              <a:t>e.mgr = </a:t>
-            </a:r>
-            <a:r>
-              <a:rPr lang="pt-BR" altLang="ko-KR" b="1" dirty="0" smtClean="0">
-                <a:solidFill>
-                  <a:srgbClr val="FF0000"/>
-                </a:solidFill>
-              </a:rPr>
-              <a:t>e2.empno</a:t>
+              <a:t>e.mgr = e2.empno</a:t>
             </a:r>
           </a:p>
           <a:p>
@@ -8335,15 +8362,7 @@
                   <a:srgbClr val="FF0000"/>
                 </a:solidFill>
               </a:rPr>
-              <a:t> </a:t>
-            </a:r>
-            <a:r>
-              <a:rPr lang="pt-BR" altLang="ko-KR" b="1" dirty="0" smtClean="0">
-                <a:solidFill>
-                  <a:srgbClr val="FF0000"/>
-                </a:solidFill>
-              </a:rPr>
-              <a:t>        and e.ename = ‘SMITH’</a:t>
+              <a:t>         and e.ename = ‘SMITH’</a:t>
             </a:r>
             <a:r>
               <a:rPr lang="pt-BR" altLang="ko-KR" dirty="0" smtClean="0"/>
@@ -8634,11 +8653,7 @@
             </a:r>
             <a:r>
               <a:rPr lang="en-US" altLang="ko-KR" dirty="0" smtClean="0"/>
-              <a:t> </a:t>
-            </a:r>
-            <a:r>
-              <a:rPr lang="en-US" altLang="ko-KR" dirty="0" smtClean="0"/>
-              <a:t>| </a:t>
+              <a:t> | </a:t>
             </a:r>
             <a:r>
               <a:rPr lang="en-US" altLang="ko-KR" b="1" dirty="0" smtClean="0">
@@ -8709,7 +8724,6 @@
               <a:rPr lang="en-US" altLang="ko-KR" b="1" dirty="0" smtClean="0"/>
               <a:t>.</a:t>
             </a:r>
-            <a:endParaRPr lang="en-US" altLang="ko-KR" b="1" dirty="0" smtClean="0"/>
           </a:p>
           <a:p>
             <a:r>
@@ -8764,11 +8778,7 @@
           <a:p>
             <a:r>
               <a:rPr lang="pt-BR" altLang="ko-KR" dirty="0" smtClean="0"/>
-              <a:t>select e.ename, </a:t>
-            </a:r>
-            <a:r>
-              <a:rPr lang="pt-BR" altLang="ko-KR" dirty="0" smtClean="0"/>
-              <a:t>e2.ename </a:t>
+              <a:t>select e.ename, e2.ename </a:t>
             </a:r>
           </a:p>
           <a:p>
@@ -8782,15 +8792,7 @@
                   <a:srgbClr val="FF0000"/>
                 </a:solidFill>
               </a:rPr>
-              <a:t>emp e,emp </a:t>
-            </a:r>
-            <a:r>
-              <a:rPr lang="pt-BR" altLang="ko-KR" b="1" dirty="0" smtClean="0">
-                <a:solidFill>
-                  <a:srgbClr val="FF0000"/>
-                </a:solidFill>
-              </a:rPr>
-              <a:t>e2</a:t>
+              <a:t>emp e,emp e2</a:t>
             </a:r>
           </a:p>
           <a:p>
@@ -8869,46 +8871,224 @@
                   <a:srgbClr val="FF0000"/>
                 </a:solidFill>
               </a:rPr>
-              <a:t>emp </a:t>
-            </a:r>
+              <a:t>emp e LEFT OUTER JOIN emp e2</a:t>
+            </a:r>
+          </a:p>
+          <a:p>
             <a:r>
               <a:rPr lang="pt-BR" altLang="ko-KR" b="1" dirty="0" smtClean="0">
                 <a:solidFill>
                   <a:srgbClr val="FF0000"/>
                 </a:solidFill>
               </a:rPr>
-              <a:t>e LEFT OUTER JOIN emp e2</a:t>
-            </a:r>
-          </a:p>
-          <a:p>
-            <a:r>
-              <a:rPr lang="pt-BR" altLang="ko-KR" b="1" dirty="0" smtClean="0">
-                <a:solidFill>
-                  <a:srgbClr val="FF0000"/>
-                </a:solidFill>
-              </a:rPr>
-              <a:t> </a:t>
-            </a:r>
-            <a:r>
-              <a:rPr lang="pt-BR" altLang="ko-KR" b="1" dirty="0" smtClean="0">
-                <a:solidFill>
-                  <a:srgbClr val="FF0000"/>
-                </a:solidFill>
-              </a:rPr>
-              <a:t>      on e.mgr </a:t>
-            </a:r>
-            <a:r>
-              <a:rPr lang="pt-BR" altLang="ko-KR" b="1" dirty="0" smtClean="0">
-                <a:solidFill>
-                  <a:srgbClr val="FF0000"/>
-                </a:solidFill>
-              </a:rPr>
-              <a:t>= e2.empno</a:t>
+              <a:t>       on e.mgr = e2.empno</a:t>
             </a:r>
             <a:r>
               <a:rPr lang="pt-BR" altLang="ko-KR" dirty="0" smtClean="0"/>
               <a:t>;</a:t>
             </a:r>
+          </a:p>
+        </p:txBody>
+      </p:sp>
+    </p:spTree>
+  </p:cSld>
+  <p:clrMapOvr>
+    <a:masterClrMapping/>
+  </p:clrMapOvr>
+</p:sld>
+</file>
+
+<file path=ppt/slides/slide19.xml><?xml version="1.0" encoding="utf-8"?>
+<p:sld xmlns:a="http://schemas.openxmlformats.org/drawingml/2006/main" xmlns:r="http://schemas.openxmlformats.org/officeDocument/2006/relationships" xmlns:p="http://schemas.openxmlformats.org/presentationml/2006/main">
+  <p:cSld>
+    <p:spTree>
+      <p:nvGrpSpPr>
+        <p:cNvPr id="1" name=""/>
+        <p:cNvGrpSpPr/>
+        <p:nvPr/>
+      </p:nvGrpSpPr>
+      <p:grpSpPr>
+        <a:xfrm>
+          <a:off x="0" y="0"/>
+          <a:ext cx="0" cy="0"/>
+          <a:chOff x="0" y="0"/>
+          <a:chExt cx="0" cy="0"/>
+        </a:xfrm>
+      </p:grpSpPr>
+      <p:sp>
+        <p:nvSpPr>
+          <p:cNvPr id="5" name="TextBox 4"/>
+          <p:cNvSpPr txBox="1"/>
+          <p:nvPr/>
+        </p:nvSpPr>
+        <p:spPr>
+          <a:xfrm>
+            <a:off x="251520" y="260648"/>
+            <a:ext cx="5976664" cy="400110"/>
+          </a:xfrm>
+          <a:prstGeom prst="rect">
+            <a:avLst/>
+          </a:prstGeom>
+          <a:noFill/>
+        </p:spPr>
+        <p:txBody>
+          <a:bodyPr wrap="square" rtlCol="0">
+            <a:spAutoFit/>
+          </a:bodyPr>
+          <a:lstStyle/>
+          <a:p>
+            <a:r>
+              <a:rPr lang="en-US" altLang="ko-KR" sz="2000" b="1" dirty="0" smtClean="0"/>
+              <a:t>MYSQL</a:t>
+            </a:r>
+            <a:r>
+              <a:rPr lang="ko-KR" altLang="en-US" sz="2000" b="1" dirty="0" smtClean="0"/>
+              <a:t> </a:t>
+            </a:r>
+            <a:r>
+              <a:rPr lang="en-US" altLang="ko-KR" sz="2000" b="1" dirty="0" smtClean="0"/>
+              <a:t>1</a:t>
+            </a:r>
+            <a:r>
+              <a:rPr lang="ko-KR" altLang="en-US" sz="2000" b="1" dirty="0" smtClean="0"/>
+              <a:t>일차</a:t>
+            </a:r>
+            <a:r>
+              <a:rPr lang="en-US" altLang="ko-KR" sz="2000" b="1" dirty="0" smtClean="0"/>
+              <a:t>()</a:t>
+            </a:r>
+            <a:endParaRPr lang="ko-KR" altLang="en-US" sz="2000" b="1" dirty="0"/>
+          </a:p>
+        </p:txBody>
+      </p:sp>
+      <p:sp>
+        <p:nvSpPr>
+          <p:cNvPr id="16" name="직사각형 15"/>
+          <p:cNvSpPr/>
+          <p:nvPr/>
+        </p:nvSpPr>
+        <p:spPr>
+          <a:xfrm>
+            <a:off x="467544" y="980728"/>
+            <a:ext cx="8064896" cy="3693319"/>
+          </a:xfrm>
+          <a:prstGeom prst="rect">
+            <a:avLst/>
+          </a:prstGeom>
+        </p:spPr>
+        <p:txBody>
+          <a:bodyPr wrap="square">
+            <a:spAutoFit/>
+          </a:bodyPr>
+          <a:lstStyle/>
+          <a:p>
+            <a:r>
+              <a:rPr lang="ko-KR" altLang="en-US" dirty="0" err="1" smtClean="0"/>
+              <a:t>이클립스에서</a:t>
+            </a:r>
+            <a:r>
+              <a:rPr lang="ko-KR" altLang="en-US" dirty="0" smtClean="0"/>
+              <a:t> </a:t>
+            </a:r>
+            <a:r>
+              <a:rPr lang="en-US" altLang="ko-KR" dirty="0" smtClean="0"/>
+              <a:t>JDBC </a:t>
+            </a:r>
+            <a:r>
+              <a:rPr lang="ko-KR" altLang="en-US" dirty="0" smtClean="0"/>
+              <a:t>사용</a:t>
+            </a:r>
+            <a:endParaRPr lang="en-US" altLang="ko-KR" dirty="0" smtClean="0"/>
+          </a:p>
+          <a:p>
+            <a:endParaRPr lang="en-US" altLang="ko-KR" dirty="0" smtClean="0"/>
+          </a:p>
+          <a:p>
+            <a:r>
+              <a:rPr lang="en-US" altLang="ko-KR" dirty="0" smtClean="0"/>
+              <a:t>1. JDBC </a:t>
+            </a:r>
+            <a:r>
+              <a:rPr lang="ko-KR" altLang="en-US" dirty="0" smtClean="0"/>
+              <a:t>라이브러리 연결</a:t>
+            </a:r>
+            <a:endParaRPr lang="en-US" altLang="ko-KR" dirty="0" smtClean="0"/>
+          </a:p>
+          <a:p>
+            <a:r>
+              <a:rPr lang="en-US" altLang="ko-KR" b="1" dirty="0" smtClean="0"/>
+              <a:t>mysql-connector-java-8.0.12.jar</a:t>
+            </a:r>
+          </a:p>
+          <a:p>
+            <a:endParaRPr lang="en-US" altLang="ko-KR" b="1" dirty="0" smtClean="0"/>
+          </a:p>
+          <a:p>
+            <a:r>
+              <a:rPr lang="en-US" altLang="ko-KR" b="1" dirty="0" smtClean="0"/>
+              <a:t>C:\Program Files\Java\jdk1.8.0_261\</a:t>
+            </a:r>
+            <a:r>
+              <a:rPr lang="en-US" altLang="ko-KR" b="1" dirty="0" err="1" smtClean="0"/>
+              <a:t>jre</a:t>
+            </a:r>
+            <a:r>
+              <a:rPr lang="en-US" altLang="ko-KR" b="1" dirty="0" smtClean="0"/>
+              <a:t>\lib\ext</a:t>
+            </a:r>
+          </a:p>
+          <a:p>
+            <a:endParaRPr lang="en-US" altLang="ko-KR" b="1" dirty="0" smtClean="0"/>
+          </a:p>
+          <a:p>
+            <a:r>
+              <a:rPr lang="en-US" altLang="ko-KR" dirty="0" smtClean="0"/>
+              <a:t>2. </a:t>
+            </a:r>
+            <a:r>
+              <a:rPr lang="en-US" altLang="ko-KR" dirty="0" err="1" smtClean="0"/>
+              <a:t>Jdbc</a:t>
+            </a:r>
+            <a:r>
+              <a:rPr lang="en-US" altLang="ko-KR" dirty="0" smtClean="0"/>
+              <a:t> </a:t>
+            </a:r>
+            <a:r>
+              <a:rPr lang="ko-KR" altLang="en-US" dirty="0" smtClean="0"/>
+              <a:t>드라이버 설치 확인</a:t>
+            </a:r>
+            <a:endParaRPr lang="en-US" altLang="ko-KR" dirty="0" smtClean="0"/>
+          </a:p>
+          <a:p>
+            <a:endParaRPr lang="en-US" altLang="ko-KR" dirty="0" smtClean="0"/>
+          </a:p>
+          <a:p>
+            <a:r>
+              <a:rPr lang="en-US" altLang="ko-KR" dirty="0" smtClean="0"/>
+              <a:t>3. </a:t>
+            </a:r>
+            <a:r>
+              <a:rPr lang="ko-KR" altLang="en-US" dirty="0" smtClean="0"/>
+              <a:t>접속 확인</a:t>
+            </a:r>
+            <a:endParaRPr lang="en-US" altLang="ko-KR" dirty="0" smtClean="0"/>
+          </a:p>
+          <a:p>
+            <a:endParaRPr lang="en-US" altLang="ko-KR" dirty="0" smtClean="0"/>
+          </a:p>
+          <a:p>
+            <a:r>
+              <a:rPr lang="en-US" altLang="ko-KR" dirty="0" smtClean="0"/>
+              <a:t>4. </a:t>
+            </a:r>
+            <a:r>
+              <a:rPr lang="ko-KR" altLang="en-US" dirty="0" smtClean="0"/>
+              <a:t>종료</a:t>
+            </a:r>
+            <a:endParaRPr lang="en-US" altLang="ko-KR" dirty="0" smtClean="0"/>
+          </a:p>
+          <a:p>
+            <a:endParaRPr lang="ko-KR" altLang="en-US" dirty="0"/>
           </a:p>
         </p:txBody>
       </p:sp>
@@ -9265,6 +9445,3097 @@
               <a:t>!</a:t>
             </a:r>
             <a:endParaRPr lang="ko-KR" altLang="en-US" dirty="0"/>
+          </a:p>
+        </p:txBody>
+      </p:sp>
+    </p:spTree>
+  </p:cSld>
+  <p:clrMapOvr>
+    <a:masterClrMapping/>
+  </p:clrMapOvr>
+</p:sld>
+</file>
+
+<file path=ppt/slides/slide20.xml><?xml version="1.0" encoding="utf-8"?>
+<p:sld xmlns:a="http://schemas.openxmlformats.org/drawingml/2006/main" xmlns:r="http://schemas.openxmlformats.org/officeDocument/2006/relationships" xmlns:p="http://schemas.openxmlformats.org/presentationml/2006/main">
+  <p:cSld>
+    <p:spTree>
+      <p:nvGrpSpPr>
+        <p:cNvPr id="1" name=""/>
+        <p:cNvGrpSpPr/>
+        <p:nvPr/>
+      </p:nvGrpSpPr>
+      <p:grpSpPr>
+        <a:xfrm>
+          <a:off x="0" y="0"/>
+          <a:ext cx="0" cy="0"/>
+          <a:chOff x="0" y="0"/>
+          <a:chExt cx="0" cy="0"/>
+        </a:xfrm>
+      </p:grpSpPr>
+      <p:sp>
+        <p:nvSpPr>
+          <p:cNvPr id="5" name="TextBox 4"/>
+          <p:cNvSpPr txBox="1"/>
+          <p:nvPr/>
+        </p:nvSpPr>
+        <p:spPr>
+          <a:xfrm>
+            <a:off x="251520" y="260648"/>
+            <a:ext cx="5976664" cy="400110"/>
+          </a:xfrm>
+          <a:prstGeom prst="rect">
+            <a:avLst/>
+          </a:prstGeom>
+          <a:noFill/>
+        </p:spPr>
+        <p:txBody>
+          <a:bodyPr wrap="square" rtlCol="0">
+            <a:spAutoFit/>
+          </a:bodyPr>
+          <a:lstStyle/>
+          <a:p>
+            <a:r>
+              <a:rPr lang="en-US" altLang="ko-KR" sz="2000" b="1" dirty="0" smtClean="0"/>
+              <a:t>MYSQL</a:t>
+            </a:r>
+            <a:r>
+              <a:rPr lang="ko-KR" altLang="en-US" sz="2000" b="1" dirty="0" smtClean="0"/>
+              <a:t> </a:t>
+            </a:r>
+            <a:r>
+              <a:rPr lang="en-US" altLang="ko-KR" sz="2000" b="1" dirty="0" smtClean="0"/>
+              <a:t>1</a:t>
+            </a:r>
+            <a:r>
+              <a:rPr lang="ko-KR" altLang="en-US" sz="2000" b="1" dirty="0" smtClean="0"/>
+              <a:t>일차</a:t>
+            </a:r>
+            <a:r>
+              <a:rPr lang="en-US" altLang="ko-KR" sz="2000" b="1" dirty="0" smtClean="0"/>
+              <a:t>()</a:t>
+            </a:r>
+            <a:endParaRPr lang="ko-KR" altLang="en-US" sz="2000" b="1" dirty="0"/>
+          </a:p>
+        </p:txBody>
+      </p:sp>
+      <p:sp>
+        <p:nvSpPr>
+          <p:cNvPr id="16" name="직사각형 15"/>
+          <p:cNvSpPr/>
+          <p:nvPr/>
+        </p:nvSpPr>
+        <p:spPr>
+          <a:xfrm>
+            <a:off x="467544" y="980728"/>
+            <a:ext cx="8064896" cy="3693319"/>
+          </a:xfrm>
+          <a:prstGeom prst="rect">
+            <a:avLst/>
+          </a:prstGeom>
+        </p:spPr>
+        <p:txBody>
+          <a:bodyPr wrap="square">
+            <a:spAutoFit/>
+          </a:bodyPr>
+          <a:lstStyle/>
+          <a:p>
+            <a:r>
+              <a:rPr lang="ko-KR" altLang="en-US" dirty="0" err="1" smtClean="0"/>
+              <a:t>이클립스에서</a:t>
+            </a:r>
+            <a:r>
+              <a:rPr lang="ko-KR" altLang="en-US" dirty="0" smtClean="0"/>
+              <a:t> </a:t>
+            </a:r>
+            <a:r>
+              <a:rPr lang="en-US" altLang="ko-KR" dirty="0" smtClean="0"/>
+              <a:t>JDBC </a:t>
+            </a:r>
+            <a:r>
+              <a:rPr lang="ko-KR" altLang="en-US" dirty="0" smtClean="0"/>
+              <a:t>사용</a:t>
+            </a:r>
+            <a:endParaRPr lang="en-US" altLang="ko-KR" dirty="0" smtClean="0"/>
+          </a:p>
+          <a:p>
+            <a:endParaRPr lang="en-US" altLang="ko-KR" dirty="0" smtClean="0"/>
+          </a:p>
+          <a:p>
+            <a:r>
+              <a:rPr lang="en-US" altLang="ko-KR" dirty="0" smtClean="0"/>
+              <a:t>1. JDBC </a:t>
+            </a:r>
+            <a:r>
+              <a:rPr lang="ko-KR" altLang="en-US" dirty="0" smtClean="0"/>
+              <a:t>라이브러리 연결</a:t>
+            </a:r>
+            <a:endParaRPr lang="en-US" altLang="ko-KR" dirty="0" smtClean="0"/>
+          </a:p>
+          <a:p>
+            <a:r>
+              <a:rPr lang="en-US" altLang="ko-KR" b="1" dirty="0" smtClean="0"/>
+              <a:t>mysql-connector-java-8.0.12.jar</a:t>
+            </a:r>
+          </a:p>
+          <a:p>
+            <a:endParaRPr lang="en-US" altLang="ko-KR" b="1" dirty="0" smtClean="0"/>
+          </a:p>
+          <a:p>
+            <a:r>
+              <a:rPr lang="en-US" altLang="ko-KR" b="1" dirty="0" smtClean="0"/>
+              <a:t>C:\Program Files\Java\jdk1.8.0_261\</a:t>
+            </a:r>
+            <a:r>
+              <a:rPr lang="en-US" altLang="ko-KR" b="1" dirty="0" err="1" smtClean="0"/>
+              <a:t>jre</a:t>
+            </a:r>
+            <a:r>
+              <a:rPr lang="en-US" altLang="ko-KR" b="1" dirty="0" smtClean="0"/>
+              <a:t>\lib\ext</a:t>
+            </a:r>
+          </a:p>
+          <a:p>
+            <a:endParaRPr lang="en-US" altLang="ko-KR" b="1" dirty="0" smtClean="0"/>
+          </a:p>
+          <a:p>
+            <a:r>
+              <a:rPr lang="en-US" altLang="ko-KR" dirty="0" smtClean="0"/>
+              <a:t>2. </a:t>
+            </a:r>
+            <a:r>
+              <a:rPr lang="en-US" altLang="ko-KR" dirty="0" err="1" smtClean="0"/>
+              <a:t>Jdbc</a:t>
+            </a:r>
+            <a:r>
+              <a:rPr lang="en-US" altLang="ko-KR" dirty="0" smtClean="0"/>
+              <a:t> </a:t>
+            </a:r>
+            <a:r>
+              <a:rPr lang="ko-KR" altLang="en-US" dirty="0" smtClean="0"/>
+              <a:t>드라이버 설치 확인</a:t>
+            </a:r>
+            <a:endParaRPr lang="en-US" altLang="ko-KR" dirty="0" smtClean="0"/>
+          </a:p>
+          <a:p>
+            <a:endParaRPr lang="en-US" altLang="ko-KR" dirty="0" smtClean="0"/>
+          </a:p>
+          <a:p>
+            <a:r>
+              <a:rPr lang="en-US" altLang="ko-KR" dirty="0" smtClean="0"/>
+              <a:t>3. </a:t>
+            </a:r>
+            <a:r>
+              <a:rPr lang="ko-KR" altLang="en-US" dirty="0" smtClean="0"/>
+              <a:t>접속 확인</a:t>
+            </a:r>
+            <a:endParaRPr lang="en-US" altLang="ko-KR" dirty="0" smtClean="0"/>
+          </a:p>
+          <a:p>
+            <a:endParaRPr lang="en-US" altLang="ko-KR" dirty="0" smtClean="0"/>
+          </a:p>
+          <a:p>
+            <a:r>
+              <a:rPr lang="en-US" altLang="ko-KR" dirty="0" smtClean="0"/>
+              <a:t>4. </a:t>
+            </a:r>
+            <a:r>
+              <a:rPr lang="ko-KR" altLang="en-US" dirty="0" smtClean="0"/>
+              <a:t>종료</a:t>
+            </a:r>
+            <a:endParaRPr lang="en-US" altLang="ko-KR" dirty="0" smtClean="0"/>
+          </a:p>
+          <a:p>
+            <a:endParaRPr lang="ko-KR" altLang="en-US" dirty="0"/>
+          </a:p>
+        </p:txBody>
+      </p:sp>
+      <p:pic>
+        <p:nvPicPr>
+          <p:cNvPr id="1026" name="Picture 2"/>
+          <p:cNvPicPr>
+            <a:picLocks noChangeAspect="1" noChangeArrowheads="1"/>
+          </p:cNvPicPr>
+          <p:nvPr/>
+        </p:nvPicPr>
+        <p:blipFill>
+          <a:blip r:embed="rId2" cstate="print"/>
+          <a:srcRect/>
+          <a:stretch>
+            <a:fillRect/>
+          </a:stretch>
+        </p:blipFill>
+        <p:spPr bwMode="auto">
+          <a:xfrm>
+            <a:off x="0" y="428625"/>
+            <a:ext cx="9239250" cy="6000750"/>
+          </a:xfrm>
+          <a:prstGeom prst="rect">
+            <a:avLst/>
+          </a:prstGeom>
+          <a:noFill/>
+          <a:ln w="9525">
+            <a:noFill/>
+            <a:miter lim="800000"/>
+            <a:headEnd/>
+            <a:tailEnd/>
+          </a:ln>
+        </p:spPr>
+      </p:pic>
+    </p:spTree>
+  </p:cSld>
+  <p:clrMapOvr>
+    <a:masterClrMapping/>
+  </p:clrMapOvr>
+</p:sld>
+</file>
+
+<file path=ppt/slides/slide21.xml><?xml version="1.0" encoding="utf-8"?>
+<p:sld xmlns:a="http://schemas.openxmlformats.org/drawingml/2006/main" xmlns:r="http://schemas.openxmlformats.org/officeDocument/2006/relationships" xmlns:p="http://schemas.openxmlformats.org/presentationml/2006/main">
+  <p:cSld>
+    <p:spTree>
+      <p:nvGrpSpPr>
+        <p:cNvPr id="1" name=""/>
+        <p:cNvGrpSpPr/>
+        <p:nvPr/>
+      </p:nvGrpSpPr>
+      <p:grpSpPr>
+        <a:xfrm>
+          <a:off x="0" y="0"/>
+          <a:ext cx="0" cy="0"/>
+          <a:chOff x="0" y="0"/>
+          <a:chExt cx="0" cy="0"/>
+        </a:xfrm>
+      </p:grpSpPr>
+      <p:sp>
+        <p:nvSpPr>
+          <p:cNvPr id="5" name="TextBox 4"/>
+          <p:cNvSpPr txBox="1"/>
+          <p:nvPr/>
+        </p:nvSpPr>
+        <p:spPr>
+          <a:xfrm>
+            <a:off x="251520" y="260648"/>
+            <a:ext cx="5976664" cy="400110"/>
+          </a:xfrm>
+          <a:prstGeom prst="rect">
+            <a:avLst/>
+          </a:prstGeom>
+          <a:noFill/>
+        </p:spPr>
+        <p:txBody>
+          <a:bodyPr wrap="square" rtlCol="0">
+            <a:spAutoFit/>
+          </a:bodyPr>
+          <a:lstStyle/>
+          <a:p>
+            <a:r>
+              <a:rPr lang="en-US" altLang="ko-KR" sz="2000" b="1" dirty="0" smtClean="0"/>
+              <a:t>MYSQL</a:t>
+            </a:r>
+            <a:r>
+              <a:rPr lang="ko-KR" altLang="en-US" sz="2000" b="1" dirty="0" smtClean="0"/>
+              <a:t> </a:t>
+            </a:r>
+            <a:r>
+              <a:rPr lang="en-US" altLang="ko-KR" sz="2000" b="1" dirty="0" smtClean="0"/>
+              <a:t>2</a:t>
+            </a:r>
+            <a:r>
+              <a:rPr lang="ko-KR" altLang="en-US" sz="2000" b="1" dirty="0" smtClean="0"/>
+              <a:t>일차</a:t>
+            </a:r>
+            <a:endParaRPr lang="ko-KR" altLang="en-US" sz="2000" b="1" dirty="0"/>
+          </a:p>
+        </p:txBody>
+      </p:sp>
+      <p:sp>
+        <p:nvSpPr>
+          <p:cNvPr id="18" name="직사각형 17"/>
+          <p:cNvSpPr/>
+          <p:nvPr/>
+        </p:nvSpPr>
+        <p:spPr>
+          <a:xfrm>
+            <a:off x="683568" y="908720"/>
+            <a:ext cx="7013908" cy="2862322"/>
+          </a:xfrm>
+          <a:prstGeom prst="rect">
+            <a:avLst/>
+          </a:prstGeom>
+        </p:spPr>
+        <p:txBody>
+          <a:bodyPr wrap="none">
+            <a:spAutoFit/>
+          </a:bodyPr>
+          <a:lstStyle/>
+          <a:p>
+            <a:r>
+              <a:rPr lang="en-US" altLang="ko-KR" dirty="0" smtClean="0"/>
+              <a:t>1. DDL (</a:t>
+            </a:r>
+            <a:r>
+              <a:rPr lang="ko-KR" altLang="en-US" dirty="0" smtClean="0"/>
+              <a:t>테이블 관련 </a:t>
+            </a:r>
+            <a:r>
+              <a:rPr lang="ko-KR" altLang="en-US" dirty="0" err="1" smtClean="0"/>
+              <a:t>쿼리문</a:t>
+            </a:r>
+            <a:r>
+              <a:rPr lang="en-US" altLang="ko-KR" dirty="0" smtClean="0"/>
+              <a:t>)</a:t>
+            </a:r>
+          </a:p>
+          <a:p>
+            <a:endParaRPr lang="en-US" altLang="ko-KR" dirty="0" smtClean="0"/>
+          </a:p>
+          <a:p>
+            <a:r>
+              <a:rPr lang="en-US" altLang="ko-KR" dirty="0" smtClean="0"/>
+              <a:t>2. DML(Insert, update, delete)</a:t>
+            </a:r>
+          </a:p>
+          <a:p>
+            <a:r>
+              <a:rPr lang="en-US" altLang="ko-KR" dirty="0" smtClean="0"/>
+              <a:t>-----------------------------------------------------------------</a:t>
+            </a:r>
+            <a:endParaRPr lang="en-US" altLang="ko-KR" dirty="0" smtClean="0"/>
+          </a:p>
+          <a:p>
+            <a:r>
+              <a:rPr lang="en-US" altLang="ko-KR" dirty="0" smtClean="0"/>
+              <a:t>3. </a:t>
+            </a:r>
+            <a:r>
+              <a:rPr lang="ko-KR" altLang="en-US" dirty="0" err="1" smtClean="0"/>
+              <a:t>이클립스에서</a:t>
+            </a:r>
+            <a:r>
+              <a:rPr lang="ko-KR" altLang="en-US" dirty="0" smtClean="0"/>
+              <a:t> </a:t>
+            </a:r>
+            <a:r>
+              <a:rPr lang="en-US" altLang="ko-KR" dirty="0" smtClean="0"/>
+              <a:t>JDBC </a:t>
+            </a:r>
+            <a:r>
+              <a:rPr lang="ko-KR" altLang="en-US" dirty="0" smtClean="0"/>
+              <a:t>사용</a:t>
+            </a:r>
+            <a:endParaRPr lang="en-US" altLang="ko-KR" dirty="0" smtClean="0"/>
+          </a:p>
+          <a:p>
+            <a:endParaRPr lang="en-US" altLang="ko-KR" dirty="0" smtClean="0"/>
+          </a:p>
+          <a:p>
+            <a:r>
+              <a:rPr lang="en-US" altLang="ko-KR" dirty="0" smtClean="0"/>
+              <a:t>   3.1 </a:t>
+            </a:r>
+            <a:r>
+              <a:rPr lang="ko-KR" altLang="en-US" dirty="0" smtClean="0"/>
+              <a:t>명령객체 </a:t>
+            </a:r>
+            <a:r>
+              <a:rPr lang="en-US" altLang="ko-KR" dirty="0" smtClean="0"/>
+              <a:t>(Statement, </a:t>
+            </a:r>
+            <a:r>
+              <a:rPr lang="en-US" altLang="ko-KR" dirty="0" err="1" smtClean="0"/>
+              <a:t>PreparedStatement</a:t>
+            </a:r>
+            <a:r>
+              <a:rPr lang="en-US" altLang="ko-KR" dirty="0" smtClean="0"/>
+              <a:t>, </a:t>
+            </a:r>
+            <a:r>
+              <a:rPr lang="en-US" altLang="ko-KR" dirty="0" err="1" smtClean="0"/>
+              <a:t>CallaleStatement</a:t>
+            </a:r>
+            <a:r>
+              <a:rPr lang="en-US" altLang="ko-KR" dirty="0" smtClean="0"/>
+              <a:t>)</a:t>
+            </a:r>
+          </a:p>
+          <a:p>
+            <a:r>
+              <a:rPr lang="en-US" altLang="ko-KR" dirty="0" smtClean="0"/>
+              <a:t> </a:t>
+            </a:r>
+            <a:r>
+              <a:rPr lang="en-US" altLang="ko-KR" dirty="0" smtClean="0"/>
+              <a:t>  …</a:t>
+            </a:r>
+          </a:p>
+          <a:p>
+            <a:endParaRPr lang="en-US" altLang="ko-KR" dirty="0" smtClean="0"/>
+          </a:p>
+          <a:p>
+            <a:r>
+              <a:rPr lang="en-US" altLang="ko-KR" dirty="0" smtClean="0"/>
+              <a:t>* </a:t>
+            </a:r>
+            <a:r>
+              <a:rPr lang="ko-KR" altLang="en-US" dirty="0" smtClean="0"/>
+              <a:t>조별 프로젝트 진행</a:t>
+            </a:r>
+            <a:r>
+              <a:rPr lang="en-US" altLang="ko-KR" dirty="0" smtClean="0"/>
+              <a:t>(</a:t>
+            </a:r>
+            <a:r>
+              <a:rPr lang="ko-KR" altLang="en-US" dirty="0" smtClean="0"/>
+              <a:t>지난번 구현 결과물을 </a:t>
+            </a:r>
+            <a:r>
+              <a:rPr lang="en-US" altLang="ko-KR" dirty="0" err="1" smtClean="0"/>
+              <a:t>DataBase</a:t>
+            </a:r>
+            <a:r>
+              <a:rPr lang="ko-KR" altLang="en-US" dirty="0" smtClean="0"/>
+              <a:t>화</a:t>
+            </a:r>
+            <a:r>
+              <a:rPr lang="en-US" altLang="ko-KR" dirty="0" smtClean="0"/>
+              <a:t>)</a:t>
+            </a:r>
+            <a:endParaRPr lang="en-US" altLang="ko-KR" dirty="0" smtClean="0"/>
+          </a:p>
+        </p:txBody>
+      </p:sp>
+    </p:spTree>
+  </p:cSld>
+  <p:clrMapOvr>
+    <a:masterClrMapping/>
+  </p:clrMapOvr>
+</p:sld>
+</file>
+
+<file path=ppt/slides/slide22.xml><?xml version="1.0" encoding="utf-8"?>
+<p:sld xmlns:a="http://schemas.openxmlformats.org/drawingml/2006/main" xmlns:r="http://schemas.openxmlformats.org/officeDocument/2006/relationships" xmlns:p="http://schemas.openxmlformats.org/presentationml/2006/main">
+  <p:cSld>
+    <p:spTree>
+      <p:nvGrpSpPr>
+        <p:cNvPr id="1" name=""/>
+        <p:cNvGrpSpPr/>
+        <p:nvPr/>
+      </p:nvGrpSpPr>
+      <p:grpSpPr>
+        <a:xfrm>
+          <a:off x="0" y="0"/>
+          <a:ext cx="0" cy="0"/>
+          <a:chOff x="0" y="0"/>
+          <a:chExt cx="0" cy="0"/>
+        </a:xfrm>
+      </p:grpSpPr>
+      <p:sp>
+        <p:nvSpPr>
+          <p:cNvPr id="5" name="TextBox 4"/>
+          <p:cNvSpPr txBox="1"/>
+          <p:nvPr/>
+        </p:nvSpPr>
+        <p:spPr>
+          <a:xfrm>
+            <a:off x="251520" y="260648"/>
+            <a:ext cx="5976664" cy="400110"/>
+          </a:xfrm>
+          <a:prstGeom prst="rect">
+            <a:avLst/>
+          </a:prstGeom>
+          <a:noFill/>
+        </p:spPr>
+        <p:txBody>
+          <a:bodyPr wrap="square" rtlCol="0">
+            <a:spAutoFit/>
+          </a:bodyPr>
+          <a:lstStyle/>
+          <a:p>
+            <a:r>
+              <a:rPr lang="en-US" altLang="ko-KR" sz="2000" b="1" dirty="0" smtClean="0"/>
+              <a:t>MYSQL</a:t>
+            </a:r>
+            <a:r>
+              <a:rPr lang="ko-KR" altLang="en-US" sz="2000" b="1" dirty="0" smtClean="0"/>
+              <a:t> </a:t>
+            </a:r>
+            <a:r>
+              <a:rPr lang="en-US" altLang="ko-KR" sz="2000" b="1" dirty="0" smtClean="0"/>
+              <a:t>2</a:t>
+            </a:r>
+            <a:r>
+              <a:rPr lang="ko-KR" altLang="en-US" sz="2000" b="1" dirty="0" smtClean="0"/>
+              <a:t>일차</a:t>
+            </a:r>
+            <a:r>
+              <a:rPr lang="en-US" altLang="ko-KR" sz="2000" b="1" dirty="0" smtClean="0"/>
+              <a:t>(</a:t>
+            </a:r>
+            <a:r>
+              <a:rPr lang="ko-KR" altLang="en-US" sz="2000" b="1" dirty="0" smtClean="0"/>
+              <a:t>계좌 실습</a:t>
+            </a:r>
+            <a:r>
+              <a:rPr lang="en-US" altLang="ko-KR" sz="2000" b="1" dirty="0" smtClean="0"/>
+              <a:t>)</a:t>
+            </a:r>
+            <a:endParaRPr lang="ko-KR" altLang="en-US" sz="2000" b="1" dirty="0"/>
+          </a:p>
+        </p:txBody>
+      </p:sp>
+      <p:sp>
+        <p:nvSpPr>
+          <p:cNvPr id="18" name="직사각형 17"/>
+          <p:cNvSpPr/>
+          <p:nvPr/>
+        </p:nvSpPr>
+        <p:spPr>
+          <a:xfrm>
+            <a:off x="683568" y="908720"/>
+            <a:ext cx="7920880" cy="2031325"/>
+          </a:xfrm>
+          <a:prstGeom prst="rect">
+            <a:avLst/>
+          </a:prstGeom>
+        </p:spPr>
+        <p:txBody>
+          <a:bodyPr wrap="square">
+            <a:spAutoFit/>
+          </a:bodyPr>
+          <a:lstStyle/>
+          <a:p>
+            <a:pPr marL="342900" indent="-342900">
+              <a:buAutoNum type="arabicPeriod"/>
+            </a:pPr>
+            <a:r>
+              <a:rPr lang="ko-KR" altLang="en-US" dirty="0" smtClean="0"/>
+              <a:t>테이블 생성</a:t>
+            </a:r>
+            <a:endParaRPr lang="en-US" altLang="ko-KR" dirty="0" smtClean="0"/>
+          </a:p>
+          <a:p>
+            <a:pPr marL="342900" indent="-342900">
+              <a:buAutoNum type="arabicPeriod"/>
+            </a:pPr>
+            <a:endParaRPr lang="en-US" altLang="ko-KR" dirty="0" smtClean="0"/>
+          </a:p>
+          <a:p>
+            <a:pPr marL="342900" indent="-342900">
+              <a:buAutoNum type="arabicPeriod"/>
+            </a:pPr>
+            <a:endParaRPr lang="en-US" altLang="ko-KR" dirty="0" smtClean="0"/>
+          </a:p>
+          <a:p>
+            <a:pPr marL="342900" indent="-342900">
+              <a:buAutoNum type="arabicPeriod"/>
+            </a:pPr>
+            <a:r>
+              <a:rPr lang="ko-KR" altLang="en-US" dirty="0" err="1" smtClean="0"/>
+              <a:t>쿼리문</a:t>
+            </a:r>
+            <a:r>
+              <a:rPr lang="ko-KR" altLang="en-US" dirty="0" smtClean="0"/>
+              <a:t> 작성</a:t>
+            </a:r>
+            <a:endParaRPr lang="en-US" altLang="ko-KR" dirty="0" smtClean="0"/>
+          </a:p>
+          <a:p>
+            <a:pPr marL="342900" indent="-342900">
+              <a:buAutoNum type="arabicPeriod"/>
+            </a:pPr>
+            <a:endParaRPr lang="en-US" altLang="ko-KR" dirty="0" smtClean="0"/>
+          </a:p>
+          <a:p>
+            <a:pPr marL="342900" indent="-342900">
+              <a:buAutoNum type="arabicPeriod"/>
+            </a:pPr>
+            <a:endParaRPr lang="en-US" altLang="ko-KR" dirty="0" smtClean="0"/>
+          </a:p>
+          <a:p>
+            <a:pPr marL="342900" indent="-342900">
+              <a:buAutoNum type="arabicPeriod"/>
+            </a:pPr>
+            <a:r>
+              <a:rPr lang="ko-KR" altLang="en-US" dirty="0" smtClean="0"/>
+              <a:t>프로그래밍 구현</a:t>
+            </a:r>
+            <a:endParaRPr lang="en-US" altLang="ko-KR" dirty="0" smtClean="0"/>
+          </a:p>
+        </p:txBody>
+      </p:sp>
+    </p:spTree>
+  </p:cSld>
+  <p:clrMapOvr>
+    <a:masterClrMapping/>
+  </p:clrMapOvr>
+</p:sld>
+</file>
+
+<file path=ppt/slides/slide23.xml><?xml version="1.0" encoding="utf-8"?>
+<p:sld xmlns:a="http://schemas.openxmlformats.org/drawingml/2006/main" xmlns:r="http://schemas.openxmlformats.org/officeDocument/2006/relationships" xmlns:p="http://schemas.openxmlformats.org/presentationml/2006/main">
+  <p:cSld>
+    <p:spTree>
+      <p:nvGrpSpPr>
+        <p:cNvPr id="1" name=""/>
+        <p:cNvGrpSpPr/>
+        <p:nvPr/>
+      </p:nvGrpSpPr>
+      <p:grpSpPr>
+        <a:xfrm>
+          <a:off x="0" y="0"/>
+          <a:ext cx="0" cy="0"/>
+          <a:chOff x="0" y="0"/>
+          <a:chExt cx="0" cy="0"/>
+        </a:xfrm>
+      </p:grpSpPr>
+      <p:sp>
+        <p:nvSpPr>
+          <p:cNvPr id="5" name="TextBox 4"/>
+          <p:cNvSpPr txBox="1"/>
+          <p:nvPr/>
+        </p:nvSpPr>
+        <p:spPr>
+          <a:xfrm>
+            <a:off x="251520" y="260648"/>
+            <a:ext cx="5976664" cy="400110"/>
+          </a:xfrm>
+          <a:prstGeom prst="rect">
+            <a:avLst/>
+          </a:prstGeom>
+          <a:noFill/>
+        </p:spPr>
+        <p:txBody>
+          <a:bodyPr wrap="square" rtlCol="0">
+            <a:spAutoFit/>
+          </a:bodyPr>
+          <a:lstStyle/>
+          <a:p>
+            <a:r>
+              <a:rPr lang="en-US" altLang="ko-KR" sz="2000" b="1" dirty="0" smtClean="0"/>
+              <a:t>MYSQL</a:t>
+            </a:r>
+            <a:r>
+              <a:rPr lang="ko-KR" altLang="en-US" sz="2000" b="1" dirty="0" smtClean="0"/>
+              <a:t> </a:t>
+            </a:r>
+            <a:r>
+              <a:rPr lang="en-US" altLang="ko-KR" sz="2000" b="1" dirty="0" smtClean="0"/>
+              <a:t>2</a:t>
+            </a:r>
+            <a:r>
+              <a:rPr lang="ko-KR" altLang="en-US" sz="2000" b="1" dirty="0" smtClean="0"/>
+              <a:t>일차</a:t>
+            </a:r>
+            <a:r>
+              <a:rPr lang="en-US" altLang="ko-KR" sz="2000" b="1" dirty="0" smtClean="0"/>
+              <a:t>(</a:t>
+            </a:r>
+            <a:r>
+              <a:rPr lang="ko-KR" altLang="en-US" sz="2000" b="1" dirty="0" smtClean="0"/>
+              <a:t>계좌 실습</a:t>
+            </a:r>
+            <a:r>
+              <a:rPr lang="en-US" altLang="ko-KR" sz="2000" b="1" dirty="0" smtClean="0"/>
+              <a:t>)</a:t>
+            </a:r>
+            <a:endParaRPr lang="ko-KR" altLang="en-US" sz="2000" b="1" dirty="0"/>
+          </a:p>
+        </p:txBody>
+      </p:sp>
+      <p:sp>
+        <p:nvSpPr>
+          <p:cNvPr id="18" name="직사각형 17"/>
+          <p:cNvSpPr/>
+          <p:nvPr/>
+        </p:nvSpPr>
+        <p:spPr>
+          <a:xfrm>
+            <a:off x="683568" y="908720"/>
+            <a:ext cx="7920880" cy="4801314"/>
+          </a:xfrm>
+          <a:prstGeom prst="rect">
+            <a:avLst/>
+          </a:prstGeom>
+        </p:spPr>
+        <p:txBody>
+          <a:bodyPr wrap="square">
+            <a:spAutoFit/>
+          </a:bodyPr>
+          <a:lstStyle/>
+          <a:p>
+            <a:pPr marL="342900" indent="-342900">
+              <a:buAutoNum type="arabicPeriod"/>
+            </a:pPr>
+            <a:r>
+              <a:rPr lang="ko-KR" altLang="en-US" b="1" dirty="0" smtClean="0"/>
+              <a:t>계좌</a:t>
+            </a:r>
+            <a:r>
+              <a:rPr lang="ko-KR" altLang="en-US" dirty="0" smtClean="0"/>
+              <a:t> 테이블 </a:t>
+            </a:r>
+            <a:r>
+              <a:rPr lang="ko-KR" altLang="en-US" dirty="0" err="1" smtClean="0"/>
+              <a:t>쿼리문</a:t>
+            </a:r>
+            <a:endParaRPr lang="en-US" altLang="ko-KR" dirty="0" smtClean="0"/>
+          </a:p>
+          <a:p>
+            <a:pPr marL="342900" indent="-342900"/>
+            <a:endParaRPr lang="en-US" altLang="ko-KR" dirty="0" smtClean="0"/>
+          </a:p>
+          <a:p>
+            <a:pPr marL="342900" indent="-342900">
+              <a:buAutoNum type="arabicParenR"/>
+            </a:pPr>
+            <a:r>
+              <a:rPr lang="en-US" altLang="ko-KR" dirty="0" smtClean="0"/>
+              <a:t>insert( </a:t>
+            </a:r>
+            <a:r>
+              <a:rPr lang="ko-KR" altLang="en-US" dirty="0" smtClean="0"/>
+              <a:t>계좌번호</a:t>
+            </a:r>
+            <a:r>
+              <a:rPr lang="en-US" altLang="ko-KR" dirty="0" smtClean="0"/>
+              <a:t>, </a:t>
+            </a:r>
+            <a:r>
+              <a:rPr lang="ko-KR" altLang="en-US" dirty="0" smtClean="0"/>
+              <a:t>이름 </a:t>
+            </a:r>
+            <a:r>
+              <a:rPr lang="en-US" altLang="ko-KR" dirty="0" smtClean="0"/>
+              <a:t>)</a:t>
+            </a:r>
+          </a:p>
+          <a:p>
+            <a:pPr marL="342900" indent="-342900">
+              <a:buAutoNum type="arabicParenR"/>
+            </a:pPr>
+            <a:endParaRPr lang="en-US" altLang="ko-KR" dirty="0" smtClean="0"/>
+          </a:p>
+          <a:p>
+            <a:pPr marL="342900" indent="-342900">
+              <a:buAutoNum type="arabicParenR"/>
+            </a:pPr>
+            <a:r>
+              <a:rPr lang="en-US" altLang="ko-KR" dirty="0" smtClean="0"/>
+              <a:t>Insert(</a:t>
+            </a:r>
+            <a:r>
+              <a:rPr lang="ko-KR" altLang="en-US" dirty="0" smtClean="0"/>
+              <a:t>계좌번호</a:t>
+            </a:r>
+            <a:r>
+              <a:rPr lang="en-US" altLang="ko-KR" dirty="0" smtClean="0"/>
+              <a:t>, </a:t>
+            </a:r>
+            <a:r>
+              <a:rPr lang="ko-KR" altLang="en-US" dirty="0" smtClean="0"/>
+              <a:t>이름</a:t>
+            </a:r>
+            <a:r>
+              <a:rPr lang="en-US" altLang="ko-KR" dirty="0" smtClean="0"/>
+              <a:t>, </a:t>
+            </a:r>
+            <a:r>
+              <a:rPr lang="ko-KR" altLang="en-US" dirty="0" smtClean="0"/>
+              <a:t>잔액</a:t>
+            </a:r>
+            <a:r>
+              <a:rPr lang="en-US" altLang="ko-KR" dirty="0" smtClean="0"/>
+              <a:t>)</a:t>
+            </a:r>
+          </a:p>
+          <a:p>
+            <a:pPr marL="342900" indent="-342900">
+              <a:buAutoNum type="arabicParenR"/>
+            </a:pPr>
+            <a:endParaRPr lang="en-US" altLang="ko-KR" dirty="0" smtClean="0"/>
+          </a:p>
+          <a:p>
+            <a:pPr marL="342900" indent="-342900">
+              <a:buAutoNum type="arabicParenR"/>
+            </a:pPr>
+            <a:r>
+              <a:rPr lang="en-US" altLang="ko-KR" dirty="0" smtClean="0"/>
+              <a:t>Select( </a:t>
+            </a:r>
+            <a:r>
+              <a:rPr lang="ko-KR" altLang="en-US" dirty="0" smtClean="0"/>
+              <a:t>계좌번호로 검색 </a:t>
+            </a:r>
+            <a:r>
+              <a:rPr lang="en-US" altLang="ko-KR" dirty="0" smtClean="0"/>
+              <a:t>-&gt; </a:t>
+            </a:r>
+            <a:r>
+              <a:rPr lang="ko-KR" altLang="en-US" dirty="0" smtClean="0"/>
+              <a:t>모든 정보 획득</a:t>
+            </a:r>
+            <a:r>
+              <a:rPr lang="en-US" altLang="ko-KR" dirty="0" smtClean="0"/>
+              <a:t>)</a:t>
+            </a:r>
+          </a:p>
+          <a:p>
+            <a:pPr marL="342900" indent="-342900">
+              <a:buAutoNum type="arabicParenR"/>
+            </a:pPr>
+            <a:endParaRPr lang="en-US" altLang="ko-KR" dirty="0" smtClean="0"/>
+          </a:p>
+          <a:p>
+            <a:pPr marL="342900" indent="-342900"/>
+            <a:r>
+              <a:rPr lang="en-US" altLang="ko-KR" dirty="0" smtClean="0"/>
+              <a:t>*------------------- </a:t>
+            </a:r>
+            <a:r>
+              <a:rPr lang="ko-KR" altLang="en-US" dirty="0" smtClean="0"/>
+              <a:t>해당 계좌가 가지고 있는 잔액을 얻어와야 함</a:t>
+            </a:r>
+            <a:r>
+              <a:rPr lang="en-US" altLang="ko-KR" dirty="0" smtClean="0"/>
+              <a:t>---------</a:t>
+            </a:r>
+          </a:p>
+          <a:p>
+            <a:pPr marL="342900" indent="-342900"/>
+            <a:r>
+              <a:rPr lang="en-US" altLang="ko-KR" dirty="0" smtClean="0"/>
+              <a:t>4) Update(</a:t>
+            </a:r>
+            <a:r>
+              <a:rPr lang="ko-KR" altLang="en-US" dirty="0" smtClean="0"/>
+              <a:t>계좌번호로 찾아서 입금처리</a:t>
+            </a:r>
+            <a:r>
+              <a:rPr lang="en-US" altLang="ko-KR" dirty="0" smtClean="0"/>
+              <a:t>) : </a:t>
+            </a:r>
+            <a:r>
+              <a:rPr lang="ko-KR" altLang="en-US" dirty="0" smtClean="0"/>
+              <a:t>기존잔액 </a:t>
+            </a:r>
+            <a:r>
+              <a:rPr lang="en-US" altLang="ko-KR" dirty="0" smtClean="0"/>
+              <a:t>+ </a:t>
+            </a:r>
+            <a:r>
+              <a:rPr lang="ko-KR" altLang="en-US" dirty="0" smtClean="0"/>
+              <a:t>입금액</a:t>
+            </a:r>
+            <a:endParaRPr lang="en-US" altLang="ko-KR" dirty="0" smtClean="0"/>
+          </a:p>
+          <a:p>
+            <a:pPr marL="342900" indent="-342900">
+              <a:buAutoNum type="arabicParenR"/>
+            </a:pPr>
+            <a:endParaRPr lang="en-US" altLang="ko-KR" dirty="0" smtClean="0"/>
+          </a:p>
+          <a:p>
+            <a:pPr marL="342900" indent="-342900"/>
+            <a:r>
+              <a:rPr lang="en-US" altLang="ko-KR" dirty="0" smtClean="0"/>
+              <a:t>5) Update(</a:t>
+            </a:r>
+            <a:r>
+              <a:rPr lang="ko-KR" altLang="en-US" dirty="0" smtClean="0"/>
+              <a:t>계좌번호로 찾아서 출금처리</a:t>
+            </a:r>
+            <a:r>
+              <a:rPr lang="en-US" altLang="ko-KR" dirty="0" smtClean="0"/>
+              <a:t>)</a:t>
+            </a:r>
+          </a:p>
+          <a:p>
+            <a:pPr marL="342900" indent="-342900"/>
+            <a:endParaRPr lang="en-US" altLang="ko-KR" dirty="0" smtClean="0"/>
+          </a:p>
+          <a:p>
+            <a:pPr marL="342900" indent="-342900"/>
+            <a:r>
+              <a:rPr lang="en-US" altLang="ko-KR" dirty="0" smtClean="0"/>
+              <a:t>6) delete(</a:t>
+            </a:r>
+            <a:r>
+              <a:rPr lang="ko-KR" altLang="en-US" dirty="0" smtClean="0"/>
+              <a:t>계좌번호로 해당 계좌 삭제</a:t>
+            </a:r>
+            <a:r>
+              <a:rPr lang="en-US" altLang="ko-KR" dirty="0" smtClean="0"/>
+              <a:t>)</a:t>
+            </a:r>
+          </a:p>
+          <a:p>
+            <a:pPr marL="342900" indent="-342900"/>
+            <a:endParaRPr lang="en-US" altLang="ko-KR" dirty="0" smtClean="0"/>
+          </a:p>
+          <a:p>
+            <a:pPr marL="342900" indent="-342900"/>
+            <a:r>
+              <a:rPr lang="en-US" altLang="ko-KR" dirty="0" smtClean="0"/>
+              <a:t>7) select(</a:t>
+            </a:r>
+            <a:r>
+              <a:rPr lang="ko-KR" altLang="en-US" dirty="0" smtClean="0"/>
+              <a:t>모든 계좌 출력</a:t>
+            </a:r>
+            <a:r>
+              <a:rPr lang="en-US" altLang="ko-KR" dirty="0" smtClean="0"/>
+              <a:t>)</a:t>
+            </a:r>
+            <a:endParaRPr lang="en-US" altLang="ko-KR" dirty="0" smtClean="0"/>
+          </a:p>
+          <a:p>
+            <a:pPr marL="342900" indent="-342900"/>
+            <a:endParaRPr lang="en-US" altLang="ko-KR" dirty="0" smtClean="0"/>
+          </a:p>
+        </p:txBody>
+      </p:sp>
+    </p:spTree>
+  </p:cSld>
+  <p:clrMapOvr>
+    <a:masterClrMapping/>
+  </p:clrMapOvr>
+</p:sld>
+</file>
+
+<file path=ppt/slides/slide24.xml><?xml version="1.0" encoding="utf-8"?>
+<p:sld xmlns:a="http://schemas.openxmlformats.org/drawingml/2006/main" xmlns:r="http://schemas.openxmlformats.org/officeDocument/2006/relationships" xmlns:p="http://schemas.openxmlformats.org/presentationml/2006/main">
+  <p:cSld>
+    <p:spTree>
+      <p:nvGrpSpPr>
+        <p:cNvPr id="1" name=""/>
+        <p:cNvGrpSpPr/>
+        <p:nvPr/>
+      </p:nvGrpSpPr>
+      <p:grpSpPr>
+        <a:xfrm>
+          <a:off x="0" y="0"/>
+          <a:ext cx="0" cy="0"/>
+          <a:chOff x="0" y="0"/>
+          <a:chExt cx="0" cy="0"/>
+        </a:xfrm>
+      </p:grpSpPr>
+      <p:sp>
+        <p:nvSpPr>
+          <p:cNvPr id="5" name="TextBox 4"/>
+          <p:cNvSpPr txBox="1"/>
+          <p:nvPr/>
+        </p:nvSpPr>
+        <p:spPr>
+          <a:xfrm>
+            <a:off x="251520" y="260648"/>
+            <a:ext cx="5976664" cy="400110"/>
+          </a:xfrm>
+          <a:prstGeom prst="rect">
+            <a:avLst/>
+          </a:prstGeom>
+          <a:noFill/>
+        </p:spPr>
+        <p:txBody>
+          <a:bodyPr wrap="square" rtlCol="0">
+            <a:spAutoFit/>
+          </a:bodyPr>
+          <a:lstStyle/>
+          <a:p>
+            <a:r>
+              <a:rPr lang="en-US" altLang="ko-KR" sz="2000" b="1" dirty="0" smtClean="0"/>
+              <a:t>MYSQL</a:t>
+            </a:r>
+            <a:r>
+              <a:rPr lang="ko-KR" altLang="en-US" sz="2000" b="1" dirty="0" smtClean="0"/>
+              <a:t> </a:t>
+            </a:r>
+            <a:r>
+              <a:rPr lang="en-US" altLang="ko-KR" sz="2000" b="1" dirty="0" smtClean="0"/>
+              <a:t>2</a:t>
+            </a:r>
+            <a:r>
+              <a:rPr lang="ko-KR" altLang="en-US" sz="2000" b="1" dirty="0" smtClean="0"/>
+              <a:t>일차</a:t>
+            </a:r>
+            <a:r>
+              <a:rPr lang="en-US" altLang="ko-KR" sz="2000" b="1" dirty="0" smtClean="0"/>
+              <a:t>(</a:t>
+            </a:r>
+            <a:r>
+              <a:rPr lang="ko-KR" altLang="en-US" sz="2000" b="1" dirty="0" smtClean="0"/>
+              <a:t>계좌 실습</a:t>
+            </a:r>
+            <a:r>
+              <a:rPr lang="en-US" altLang="ko-KR" sz="2000" b="1" dirty="0" smtClean="0"/>
+              <a:t>)</a:t>
+            </a:r>
+            <a:endParaRPr lang="ko-KR" altLang="en-US" sz="2000" b="1" dirty="0"/>
+          </a:p>
+        </p:txBody>
+      </p:sp>
+      <p:sp>
+        <p:nvSpPr>
+          <p:cNvPr id="18" name="직사각형 17"/>
+          <p:cNvSpPr/>
+          <p:nvPr/>
+        </p:nvSpPr>
+        <p:spPr>
+          <a:xfrm>
+            <a:off x="683568" y="908720"/>
+            <a:ext cx="7920880" cy="6463308"/>
+          </a:xfrm>
+          <a:prstGeom prst="rect">
+            <a:avLst/>
+          </a:prstGeom>
+        </p:spPr>
+        <p:txBody>
+          <a:bodyPr wrap="square">
+            <a:spAutoFit/>
+          </a:bodyPr>
+          <a:lstStyle/>
+          <a:p>
+            <a:pPr marL="342900" indent="-342900">
+              <a:buAutoNum type="arabicPeriod"/>
+            </a:pPr>
+            <a:r>
+              <a:rPr lang="ko-KR" altLang="en-US" dirty="0" smtClean="0"/>
+              <a:t>테이블 생성</a:t>
+            </a:r>
+            <a:endParaRPr lang="en-US" altLang="ko-KR" dirty="0" smtClean="0"/>
+          </a:p>
+          <a:p>
+            <a:pPr marL="342900" indent="-342900"/>
+            <a:endParaRPr lang="en-US" altLang="ko-KR" dirty="0" smtClean="0"/>
+          </a:p>
+          <a:p>
+            <a:pPr marL="342900" indent="-342900"/>
+            <a:r>
+              <a:rPr lang="ko-KR" altLang="en-US" dirty="0" smtClean="0"/>
+              <a:t>계좌 테이블</a:t>
+            </a:r>
+            <a:r>
+              <a:rPr lang="en-US" altLang="ko-KR" dirty="0" smtClean="0"/>
+              <a:t>(Account)</a:t>
+            </a:r>
+          </a:p>
+          <a:p>
+            <a:pPr marL="342900" indent="-342900"/>
+            <a:r>
+              <a:rPr lang="en-US" altLang="ko-KR" dirty="0" smtClean="0"/>
+              <a:t>drop </a:t>
+            </a:r>
+            <a:r>
+              <a:rPr lang="en-US" altLang="ko-KR" dirty="0" smtClean="0"/>
+              <a:t>table Account;  </a:t>
+            </a:r>
+          </a:p>
+          <a:p>
+            <a:pPr marL="342900" indent="-342900"/>
+            <a:endParaRPr lang="en-US" altLang="ko-KR" dirty="0" smtClean="0"/>
+          </a:p>
+          <a:p>
+            <a:pPr marL="342900" indent="-342900"/>
+            <a:r>
+              <a:rPr lang="en-US" altLang="ko-KR" dirty="0" smtClean="0"/>
+              <a:t>create table Account (</a:t>
+            </a:r>
+          </a:p>
+          <a:p>
+            <a:pPr marL="342900" indent="-342900"/>
+            <a:r>
+              <a:rPr lang="en-US" altLang="ko-KR" dirty="0" smtClean="0"/>
+              <a:t>    </a:t>
+            </a:r>
+            <a:r>
+              <a:rPr lang="en-US" altLang="ko-KR" dirty="0" err="1" smtClean="0"/>
+              <a:t>accid</a:t>
+            </a:r>
+            <a:r>
+              <a:rPr lang="en-US" altLang="ko-KR" dirty="0" smtClean="0"/>
+              <a:t> </a:t>
+            </a:r>
+            <a:r>
+              <a:rPr lang="en-US" altLang="ko-KR" dirty="0" err="1" smtClean="0"/>
+              <a:t>int</a:t>
+            </a:r>
+            <a:r>
+              <a:rPr lang="en-US" altLang="ko-KR" dirty="0" smtClean="0"/>
+              <a:t>,</a:t>
+            </a:r>
+          </a:p>
+          <a:p>
+            <a:pPr marL="342900" indent="-342900"/>
+            <a:r>
+              <a:rPr lang="en-US" altLang="ko-KR" dirty="0" smtClean="0"/>
+              <a:t>    name </a:t>
+            </a:r>
+            <a:r>
+              <a:rPr lang="en-US" altLang="ko-KR" dirty="0" err="1" smtClean="0"/>
+              <a:t>varchar</a:t>
+            </a:r>
+            <a:r>
+              <a:rPr lang="en-US" altLang="ko-KR" dirty="0" smtClean="0"/>
+              <a:t>(10) not null,</a:t>
+            </a:r>
+          </a:p>
+          <a:p>
+            <a:pPr marL="342900" indent="-342900"/>
+            <a:r>
+              <a:rPr lang="en-US" altLang="ko-KR" dirty="0" smtClean="0"/>
+              <a:t>    balance </a:t>
+            </a:r>
+            <a:r>
+              <a:rPr lang="en-US" altLang="ko-KR" dirty="0" err="1" smtClean="0"/>
+              <a:t>int</a:t>
+            </a:r>
+            <a:r>
+              <a:rPr lang="en-US" altLang="ko-KR" dirty="0" smtClean="0"/>
+              <a:t> default 0,</a:t>
+            </a:r>
+          </a:p>
+          <a:p>
+            <a:pPr marL="342900" indent="-342900"/>
+            <a:r>
+              <a:rPr lang="en-US" altLang="ko-KR" dirty="0" smtClean="0"/>
+              <a:t>    </a:t>
+            </a:r>
+            <a:r>
+              <a:rPr lang="en-US" altLang="ko-KR" dirty="0" err="1" smtClean="0"/>
+              <a:t>newtime</a:t>
+            </a:r>
+            <a:r>
+              <a:rPr lang="en-US" altLang="ko-KR" dirty="0" smtClean="0"/>
+              <a:t> </a:t>
+            </a:r>
+            <a:r>
+              <a:rPr lang="en-US" altLang="ko-KR" dirty="0" err="1" smtClean="0"/>
+              <a:t>datetime</a:t>
+            </a:r>
+            <a:r>
+              <a:rPr lang="en-US" altLang="ko-KR" dirty="0" smtClean="0"/>
+              <a:t> default </a:t>
+            </a:r>
+            <a:r>
+              <a:rPr lang="en-US" altLang="ko-KR" dirty="0" err="1" smtClean="0"/>
+              <a:t>current_timestamp</a:t>
+            </a:r>
+            <a:r>
+              <a:rPr lang="en-US" altLang="ko-KR" dirty="0" smtClean="0"/>
+              <a:t>,</a:t>
+            </a:r>
+          </a:p>
+          <a:p>
+            <a:pPr marL="342900" indent="-342900"/>
+            <a:r>
+              <a:rPr lang="en-US" altLang="ko-KR" dirty="0" smtClean="0"/>
+              <a:t>    primary key (</a:t>
+            </a:r>
+            <a:r>
+              <a:rPr lang="en-US" altLang="ko-KR" dirty="0" err="1" smtClean="0"/>
+              <a:t>accid</a:t>
+            </a:r>
+            <a:r>
+              <a:rPr lang="en-US" altLang="ko-KR" dirty="0" smtClean="0"/>
+              <a:t>)</a:t>
+            </a:r>
+          </a:p>
+          <a:p>
+            <a:pPr marL="342900" indent="-342900"/>
+            <a:r>
+              <a:rPr lang="en-US" altLang="ko-KR" dirty="0" smtClean="0"/>
+              <a:t>);</a:t>
+            </a:r>
+          </a:p>
+          <a:p>
+            <a:pPr marL="342900" indent="-342900"/>
+            <a:endParaRPr lang="en-US" altLang="ko-KR" dirty="0" smtClean="0"/>
+          </a:p>
+          <a:p>
+            <a:pPr marL="342900" indent="-342900"/>
+            <a:r>
+              <a:rPr lang="en-US" altLang="ko-KR" dirty="0" smtClean="0"/>
+              <a:t>create table account(</a:t>
+            </a:r>
+          </a:p>
+          <a:p>
+            <a:pPr marL="342900" indent="-342900"/>
+            <a:r>
+              <a:rPr lang="en-US" altLang="ko-KR" dirty="0" err="1" smtClean="0"/>
+              <a:t>accid</a:t>
+            </a:r>
+            <a:r>
+              <a:rPr lang="en-US" altLang="ko-KR" dirty="0" smtClean="0"/>
+              <a:t> </a:t>
+            </a:r>
+            <a:r>
+              <a:rPr lang="en-US" altLang="ko-KR" dirty="0" err="1" smtClean="0"/>
+              <a:t>int</a:t>
+            </a:r>
+            <a:r>
+              <a:rPr lang="en-US" altLang="ko-KR" dirty="0" smtClean="0"/>
+              <a:t> primary key,</a:t>
+            </a:r>
+          </a:p>
+          <a:p>
+            <a:pPr marL="342900" indent="-342900"/>
+            <a:r>
+              <a:rPr lang="en-US" altLang="ko-KR" dirty="0" smtClean="0"/>
+              <a:t>name </a:t>
+            </a:r>
+            <a:r>
+              <a:rPr lang="en-US" altLang="ko-KR" dirty="0" err="1" smtClean="0"/>
+              <a:t>varchar</a:t>
+            </a:r>
+            <a:r>
+              <a:rPr lang="en-US" altLang="ko-KR" dirty="0" smtClean="0"/>
+              <a:t>(30) not null,</a:t>
+            </a:r>
+          </a:p>
+          <a:p>
+            <a:pPr marL="342900" indent="-342900"/>
+            <a:r>
+              <a:rPr lang="en-US" altLang="ko-KR" dirty="0" smtClean="0"/>
+              <a:t>balance </a:t>
+            </a:r>
+            <a:r>
+              <a:rPr lang="en-US" altLang="ko-KR" dirty="0" err="1" smtClean="0"/>
+              <a:t>int</a:t>
+            </a:r>
+            <a:r>
+              <a:rPr lang="en-US" altLang="ko-KR" dirty="0" smtClean="0"/>
+              <a:t> default 0,</a:t>
+            </a:r>
+          </a:p>
+          <a:p>
+            <a:pPr marL="342900" indent="-342900"/>
+            <a:r>
+              <a:rPr lang="en-US" altLang="ko-KR" dirty="0" err="1" smtClean="0"/>
+              <a:t>newtime</a:t>
+            </a:r>
+            <a:r>
+              <a:rPr lang="en-US" altLang="ko-KR" dirty="0" smtClean="0"/>
+              <a:t> </a:t>
+            </a:r>
+            <a:r>
+              <a:rPr lang="en-US" altLang="ko-KR" dirty="0" err="1" smtClean="0"/>
+              <a:t>datetime</a:t>
+            </a:r>
+            <a:r>
+              <a:rPr lang="en-US" altLang="ko-KR" dirty="0" smtClean="0"/>
+              <a:t> default now()</a:t>
+            </a:r>
+          </a:p>
+          <a:p>
+            <a:pPr marL="342900" indent="-342900"/>
+            <a:r>
+              <a:rPr lang="en-US" altLang="ko-KR" dirty="0" smtClean="0"/>
+              <a:t>);</a:t>
+            </a:r>
+            <a:endParaRPr lang="en-US" altLang="ko-KR" dirty="0" smtClean="0"/>
+          </a:p>
+          <a:p>
+            <a:pPr marL="342900" indent="-342900"/>
+            <a:r>
+              <a:rPr lang="en-US" altLang="ko-KR" dirty="0" smtClean="0"/>
+              <a:t>-------------------------------------------------------------</a:t>
+            </a:r>
+          </a:p>
+          <a:p>
+            <a:pPr marL="342900" indent="-342900"/>
+            <a:endParaRPr lang="en-US" altLang="ko-KR" dirty="0" smtClean="0"/>
+          </a:p>
+          <a:p>
+            <a:pPr marL="342900" indent="-342900"/>
+            <a:endParaRPr lang="en-US" altLang="ko-KR" dirty="0" smtClean="0"/>
+          </a:p>
+          <a:p>
+            <a:pPr marL="342900" indent="-342900">
+              <a:buAutoNum type="arabicPeriod"/>
+            </a:pPr>
+            <a:endParaRPr lang="en-US" altLang="ko-KR" dirty="0" smtClean="0"/>
+          </a:p>
+        </p:txBody>
+      </p:sp>
+    </p:spTree>
+  </p:cSld>
+  <p:clrMapOvr>
+    <a:masterClrMapping/>
+  </p:clrMapOvr>
+</p:sld>
+</file>
+
+<file path=ppt/slides/slide25.xml><?xml version="1.0" encoding="utf-8"?>
+<p:sld xmlns:a="http://schemas.openxmlformats.org/drawingml/2006/main" xmlns:r="http://schemas.openxmlformats.org/officeDocument/2006/relationships" xmlns:p="http://schemas.openxmlformats.org/presentationml/2006/main">
+  <p:cSld>
+    <p:spTree>
+      <p:nvGrpSpPr>
+        <p:cNvPr id="1" name=""/>
+        <p:cNvGrpSpPr/>
+        <p:nvPr/>
+      </p:nvGrpSpPr>
+      <p:grpSpPr>
+        <a:xfrm>
+          <a:off x="0" y="0"/>
+          <a:ext cx="0" cy="0"/>
+          <a:chOff x="0" y="0"/>
+          <a:chExt cx="0" cy="0"/>
+        </a:xfrm>
+      </p:grpSpPr>
+      <p:sp>
+        <p:nvSpPr>
+          <p:cNvPr id="5" name="TextBox 4"/>
+          <p:cNvSpPr txBox="1"/>
+          <p:nvPr/>
+        </p:nvSpPr>
+        <p:spPr>
+          <a:xfrm>
+            <a:off x="251520" y="260648"/>
+            <a:ext cx="5976664" cy="400110"/>
+          </a:xfrm>
+          <a:prstGeom prst="rect">
+            <a:avLst/>
+          </a:prstGeom>
+          <a:noFill/>
+        </p:spPr>
+        <p:txBody>
+          <a:bodyPr wrap="square" rtlCol="0">
+            <a:spAutoFit/>
+          </a:bodyPr>
+          <a:lstStyle/>
+          <a:p>
+            <a:r>
+              <a:rPr lang="en-US" altLang="ko-KR" sz="2000" b="1" dirty="0" smtClean="0"/>
+              <a:t>MYSQL</a:t>
+            </a:r>
+            <a:r>
+              <a:rPr lang="ko-KR" altLang="en-US" sz="2000" b="1" dirty="0" smtClean="0"/>
+              <a:t> </a:t>
+            </a:r>
+            <a:r>
+              <a:rPr lang="en-US" altLang="ko-KR" sz="2000" b="1" dirty="0" smtClean="0"/>
+              <a:t>2</a:t>
+            </a:r>
+            <a:r>
+              <a:rPr lang="ko-KR" altLang="en-US" sz="2000" b="1" dirty="0" smtClean="0"/>
+              <a:t>일차</a:t>
+            </a:r>
+            <a:r>
+              <a:rPr lang="en-US" altLang="ko-KR" sz="2000" b="1" dirty="0" smtClean="0"/>
+              <a:t>(</a:t>
+            </a:r>
+            <a:r>
+              <a:rPr lang="ko-KR" altLang="en-US" sz="2000" b="1" dirty="0" smtClean="0"/>
+              <a:t>계좌 실습</a:t>
+            </a:r>
+            <a:r>
+              <a:rPr lang="en-US" altLang="ko-KR" sz="2000" b="1" dirty="0" smtClean="0"/>
+              <a:t>)</a:t>
+            </a:r>
+            <a:endParaRPr lang="ko-KR" altLang="en-US" sz="2000" b="1" dirty="0"/>
+          </a:p>
+        </p:txBody>
+      </p:sp>
+      <p:sp>
+        <p:nvSpPr>
+          <p:cNvPr id="18" name="직사각형 17"/>
+          <p:cNvSpPr/>
+          <p:nvPr/>
+        </p:nvSpPr>
+        <p:spPr>
+          <a:xfrm>
+            <a:off x="683568" y="908720"/>
+            <a:ext cx="7920880" cy="369332"/>
+          </a:xfrm>
+          <a:prstGeom prst="rect">
+            <a:avLst/>
+          </a:prstGeom>
+        </p:spPr>
+        <p:txBody>
+          <a:bodyPr wrap="square">
+            <a:spAutoFit/>
+          </a:bodyPr>
+          <a:lstStyle/>
+          <a:p>
+            <a:pPr marL="342900" indent="-342900">
+              <a:buAutoNum type="arabicPeriod"/>
+            </a:pPr>
+            <a:r>
+              <a:rPr lang="en-US" altLang="ko-KR" dirty="0" smtClean="0"/>
+              <a:t>2. </a:t>
+            </a:r>
+            <a:r>
+              <a:rPr lang="ko-KR" altLang="en-US" dirty="0" smtClean="0"/>
+              <a:t>기본 </a:t>
+            </a:r>
+            <a:r>
+              <a:rPr lang="ko-KR" altLang="en-US" dirty="0" err="1" smtClean="0"/>
+              <a:t>쿼리문</a:t>
+            </a:r>
+            <a:endParaRPr lang="en-US" altLang="ko-KR" dirty="0" smtClean="0"/>
+          </a:p>
+        </p:txBody>
+      </p:sp>
+      <p:sp>
+        <p:nvSpPr>
+          <p:cNvPr id="4" name="직사각형 3"/>
+          <p:cNvSpPr/>
+          <p:nvPr/>
+        </p:nvSpPr>
+        <p:spPr>
+          <a:xfrm>
+            <a:off x="827584" y="1556792"/>
+            <a:ext cx="7560840" cy="3693319"/>
+          </a:xfrm>
+          <a:prstGeom prst="rect">
+            <a:avLst/>
+          </a:prstGeom>
+        </p:spPr>
+        <p:txBody>
+          <a:bodyPr wrap="square">
+            <a:spAutoFit/>
+          </a:bodyPr>
+          <a:lstStyle/>
+          <a:p>
+            <a:r>
+              <a:rPr lang="en-US" altLang="ko-KR" dirty="0" smtClean="0"/>
+              <a:t>insert into account(</a:t>
+            </a:r>
+            <a:r>
+              <a:rPr lang="en-US" altLang="ko-KR" dirty="0" err="1" smtClean="0"/>
+              <a:t>accid,name</a:t>
+            </a:r>
+            <a:r>
+              <a:rPr lang="en-US" altLang="ko-KR" dirty="0" smtClean="0"/>
+              <a:t>) values(1002,"</a:t>
+            </a:r>
+            <a:r>
+              <a:rPr lang="ko-KR" altLang="en-US" dirty="0" smtClean="0"/>
+              <a:t>이름</a:t>
+            </a:r>
+            <a:r>
+              <a:rPr lang="en-US" altLang="ko-KR" dirty="0" smtClean="0"/>
+              <a:t>");</a:t>
+            </a:r>
+          </a:p>
+          <a:p>
+            <a:endParaRPr lang="en-US" altLang="ko-KR" dirty="0" smtClean="0"/>
+          </a:p>
+          <a:p>
+            <a:r>
+              <a:rPr lang="en-US" altLang="ko-KR" dirty="0" smtClean="0"/>
+              <a:t>insert into account(</a:t>
+            </a:r>
+            <a:r>
+              <a:rPr lang="en-US" altLang="ko-KR" dirty="0" err="1" smtClean="0"/>
+              <a:t>accid,name,balance</a:t>
+            </a:r>
+            <a:r>
+              <a:rPr lang="en-US" altLang="ko-KR" dirty="0" smtClean="0"/>
+              <a:t>) values(1002,"</a:t>
+            </a:r>
+            <a:r>
+              <a:rPr lang="ko-KR" altLang="en-US" dirty="0" smtClean="0"/>
+              <a:t>이름</a:t>
+            </a:r>
+            <a:r>
+              <a:rPr lang="en-US" altLang="ko-KR" dirty="0" smtClean="0"/>
+              <a:t>",9000);</a:t>
+            </a:r>
+          </a:p>
+          <a:p>
+            <a:endParaRPr lang="en-US" altLang="ko-KR" dirty="0" smtClean="0"/>
+          </a:p>
+          <a:p>
+            <a:r>
+              <a:rPr lang="en-US" altLang="ko-KR" dirty="0" smtClean="0"/>
+              <a:t>select * from account where </a:t>
+            </a:r>
+            <a:r>
+              <a:rPr lang="en-US" altLang="ko-KR" dirty="0" err="1" smtClean="0"/>
+              <a:t>accid</a:t>
+            </a:r>
+            <a:r>
+              <a:rPr lang="en-US" altLang="ko-KR" dirty="0" smtClean="0"/>
+              <a:t>=1002;</a:t>
+            </a:r>
+          </a:p>
+          <a:p>
+            <a:endParaRPr lang="en-US" altLang="ko-KR" dirty="0" smtClean="0"/>
+          </a:p>
+          <a:p>
+            <a:r>
+              <a:rPr lang="en-US" altLang="ko-KR" dirty="0" smtClean="0"/>
+              <a:t>update account set balance= balance+ 10000 where </a:t>
+            </a:r>
+            <a:r>
+              <a:rPr lang="en-US" altLang="ko-KR" dirty="0" err="1" smtClean="0"/>
+              <a:t>accid</a:t>
+            </a:r>
+            <a:r>
+              <a:rPr lang="en-US" altLang="ko-KR" dirty="0" smtClean="0"/>
+              <a:t>=1002;</a:t>
+            </a:r>
+          </a:p>
+          <a:p>
+            <a:endParaRPr lang="en-US" altLang="ko-KR" dirty="0" smtClean="0"/>
+          </a:p>
+          <a:p>
+            <a:r>
+              <a:rPr lang="en-US" altLang="ko-KR" dirty="0" smtClean="0"/>
+              <a:t>update account set balance= balance - 1000 where </a:t>
+            </a:r>
+            <a:r>
+              <a:rPr lang="en-US" altLang="ko-KR" dirty="0" err="1" smtClean="0"/>
+              <a:t>accid</a:t>
+            </a:r>
+            <a:r>
+              <a:rPr lang="en-US" altLang="ko-KR" dirty="0" smtClean="0"/>
+              <a:t> = 1002;</a:t>
+            </a:r>
+          </a:p>
+          <a:p>
+            <a:endParaRPr lang="en-US" altLang="ko-KR" dirty="0" smtClean="0"/>
+          </a:p>
+          <a:p>
+            <a:r>
+              <a:rPr lang="en-US" altLang="ko-KR" dirty="0" smtClean="0"/>
+              <a:t>delete from account where </a:t>
+            </a:r>
+            <a:r>
+              <a:rPr lang="en-US" altLang="ko-KR" dirty="0" err="1" smtClean="0"/>
+              <a:t>accid</a:t>
+            </a:r>
+            <a:r>
+              <a:rPr lang="en-US" altLang="ko-KR" dirty="0" smtClean="0"/>
+              <a:t>= 1;</a:t>
+            </a:r>
+          </a:p>
+          <a:p>
+            <a:endParaRPr lang="en-US" altLang="ko-KR" dirty="0" smtClean="0"/>
+          </a:p>
+          <a:p>
+            <a:r>
+              <a:rPr lang="en-US" altLang="ko-KR" dirty="0" smtClean="0"/>
+              <a:t>select * from account;</a:t>
+            </a:r>
+            <a:endParaRPr lang="ko-KR" altLang="en-US" dirty="0"/>
+          </a:p>
+        </p:txBody>
+      </p:sp>
+    </p:spTree>
+  </p:cSld>
+  <p:clrMapOvr>
+    <a:masterClrMapping/>
+  </p:clrMapOvr>
+</p:sld>
+</file>
+
+<file path=ppt/slides/slide26.xml><?xml version="1.0" encoding="utf-8"?>
+<p:sld xmlns:a="http://schemas.openxmlformats.org/drawingml/2006/main" xmlns:r="http://schemas.openxmlformats.org/officeDocument/2006/relationships" xmlns:p="http://schemas.openxmlformats.org/presentationml/2006/main">
+  <p:cSld>
+    <p:spTree>
+      <p:nvGrpSpPr>
+        <p:cNvPr id="1" name=""/>
+        <p:cNvGrpSpPr/>
+        <p:nvPr/>
+      </p:nvGrpSpPr>
+      <p:grpSpPr>
+        <a:xfrm>
+          <a:off x="0" y="0"/>
+          <a:ext cx="0" cy="0"/>
+          <a:chOff x="0" y="0"/>
+          <a:chExt cx="0" cy="0"/>
+        </a:xfrm>
+      </p:grpSpPr>
+      <p:sp>
+        <p:nvSpPr>
+          <p:cNvPr id="5" name="TextBox 4"/>
+          <p:cNvSpPr txBox="1"/>
+          <p:nvPr/>
+        </p:nvSpPr>
+        <p:spPr>
+          <a:xfrm>
+            <a:off x="251520" y="260648"/>
+            <a:ext cx="5976664" cy="400110"/>
+          </a:xfrm>
+          <a:prstGeom prst="rect">
+            <a:avLst/>
+          </a:prstGeom>
+          <a:noFill/>
+        </p:spPr>
+        <p:txBody>
+          <a:bodyPr wrap="square" rtlCol="0">
+            <a:spAutoFit/>
+          </a:bodyPr>
+          <a:lstStyle/>
+          <a:p>
+            <a:r>
+              <a:rPr lang="en-US" altLang="ko-KR" sz="2000" b="1" dirty="0" smtClean="0"/>
+              <a:t>MYSQL</a:t>
+            </a:r>
+            <a:r>
+              <a:rPr lang="ko-KR" altLang="en-US" sz="2000" b="1" dirty="0" smtClean="0"/>
+              <a:t> </a:t>
+            </a:r>
+            <a:r>
+              <a:rPr lang="en-US" altLang="ko-KR" sz="2000" b="1" dirty="0" smtClean="0"/>
+              <a:t>2</a:t>
+            </a:r>
+            <a:r>
+              <a:rPr lang="ko-KR" altLang="en-US" sz="2000" b="1" dirty="0" smtClean="0"/>
+              <a:t>일차</a:t>
+            </a:r>
+            <a:r>
+              <a:rPr lang="en-US" altLang="ko-KR" sz="2000" b="1" dirty="0" smtClean="0"/>
+              <a:t>(</a:t>
+            </a:r>
+            <a:r>
+              <a:rPr lang="ko-KR" altLang="en-US" sz="2000" b="1" dirty="0" smtClean="0"/>
+              <a:t>계좌 실습</a:t>
+            </a:r>
+            <a:r>
+              <a:rPr lang="en-US" altLang="ko-KR" sz="2000" b="1" dirty="0" smtClean="0"/>
+              <a:t>)</a:t>
+            </a:r>
+            <a:endParaRPr lang="ko-KR" altLang="en-US" sz="2000" b="1" dirty="0"/>
+          </a:p>
+        </p:txBody>
+      </p:sp>
+      <p:sp>
+        <p:nvSpPr>
+          <p:cNvPr id="18" name="직사각형 17"/>
+          <p:cNvSpPr/>
+          <p:nvPr/>
+        </p:nvSpPr>
+        <p:spPr>
+          <a:xfrm>
+            <a:off x="683568" y="908720"/>
+            <a:ext cx="7920880" cy="3970318"/>
+          </a:xfrm>
+          <a:prstGeom prst="rect">
+            <a:avLst/>
+          </a:prstGeom>
+        </p:spPr>
+        <p:txBody>
+          <a:bodyPr wrap="square">
+            <a:spAutoFit/>
+          </a:bodyPr>
+          <a:lstStyle/>
+          <a:p>
+            <a:pPr marL="342900" indent="-342900"/>
+            <a:r>
+              <a:rPr lang="en-US" altLang="ko-KR" b="1" dirty="0" smtClean="0"/>
+              <a:t>2. </a:t>
+            </a:r>
+            <a:r>
+              <a:rPr lang="ko-KR" altLang="en-US" b="1" dirty="0" smtClean="0"/>
+              <a:t>거래 테이블</a:t>
+            </a:r>
+            <a:endParaRPr lang="en-US" altLang="ko-KR" b="1" dirty="0" smtClean="0"/>
+          </a:p>
+          <a:p>
+            <a:pPr marL="342900" indent="-342900"/>
+            <a:endParaRPr lang="en-US" altLang="ko-KR" b="1" dirty="0" smtClean="0"/>
+          </a:p>
+          <a:p>
+            <a:r>
+              <a:rPr lang="en-US" altLang="ko-KR" b="1" dirty="0" err="1" smtClean="0"/>
+              <a:t>AccountIO</a:t>
+            </a:r>
+            <a:r>
+              <a:rPr lang="en-US" altLang="ko-KR" b="1" dirty="0" smtClean="0"/>
+              <a:t> </a:t>
+            </a:r>
+          </a:p>
+          <a:p>
+            <a:r>
+              <a:rPr lang="en-US" altLang="ko-KR" b="1" dirty="0" err="1" smtClean="0"/>
+              <a:t>Int</a:t>
+            </a:r>
+            <a:r>
+              <a:rPr lang="en-US" altLang="ko-KR" b="1" dirty="0" smtClean="0"/>
+              <a:t> </a:t>
+            </a:r>
+            <a:r>
+              <a:rPr lang="en-US" altLang="ko-KR" b="1" dirty="0" err="1" smtClean="0"/>
+              <a:t>idx</a:t>
+            </a:r>
+            <a:r>
+              <a:rPr lang="en-US" altLang="ko-KR" b="1" dirty="0" smtClean="0"/>
+              <a:t> ;</a:t>
+            </a:r>
+            <a:r>
+              <a:rPr lang="en-US" altLang="ko-KR" b="1" dirty="0" smtClean="0"/>
+              <a:t> // PK, AUTOINCREMENT</a:t>
+            </a:r>
+          </a:p>
+          <a:p>
+            <a:r>
+              <a:rPr lang="en-US" altLang="ko-KR" b="1" dirty="0" smtClean="0"/>
+              <a:t>private </a:t>
+            </a:r>
+            <a:r>
+              <a:rPr lang="en-US" altLang="ko-KR" b="1" dirty="0" err="1" smtClean="0"/>
+              <a:t>int</a:t>
+            </a:r>
+            <a:r>
+              <a:rPr lang="en-US" altLang="ko-KR" b="1" dirty="0" smtClean="0"/>
+              <a:t> </a:t>
+            </a:r>
+            <a:r>
+              <a:rPr lang="en-US" altLang="ko-KR" b="1" dirty="0" err="1" smtClean="0"/>
+              <a:t>accnum</a:t>
+            </a:r>
+            <a:r>
+              <a:rPr lang="en-US" altLang="ko-KR" b="1" dirty="0" smtClean="0"/>
+              <a:t>;   //FK </a:t>
+            </a:r>
+            <a:r>
+              <a:rPr lang="en-US" altLang="ko-KR" b="1" dirty="0" smtClean="0">
+                <a:solidFill>
+                  <a:srgbClr val="FF0000"/>
+                </a:solidFill>
+              </a:rPr>
+              <a:t>(Account</a:t>
+            </a:r>
+            <a:r>
+              <a:rPr lang="ko-KR" altLang="en-US" b="1" dirty="0" smtClean="0">
+                <a:solidFill>
+                  <a:srgbClr val="FF0000"/>
+                </a:solidFill>
+              </a:rPr>
+              <a:t>테이</a:t>
+            </a:r>
+            <a:r>
+              <a:rPr lang="ko-KR" altLang="en-US" b="1" dirty="0" smtClean="0">
+                <a:solidFill>
+                  <a:srgbClr val="FF0000"/>
+                </a:solidFill>
+              </a:rPr>
+              <a:t>블</a:t>
+            </a:r>
+            <a:r>
+              <a:rPr lang="ko-KR" altLang="en-US" b="1" dirty="0" smtClean="0">
+                <a:solidFill>
+                  <a:srgbClr val="FF0000"/>
+                </a:solidFill>
+              </a:rPr>
+              <a:t>의 </a:t>
+            </a:r>
+            <a:r>
+              <a:rPr lang="en-US" altLang="ko-KR" b="1" dirty="0" err="1" smtClean="0">
+                <a:solidFill>
+                  <a:srgbClr val="FF0000"/>
+                </a:solidFill>
+              </a:rPr>
+              <a:t>accid</a:t>
+            </a:r>
+            <a:r>
+              <a:rPr lang="en-US" altLang="ko-KR" b="1" dirty="0" smtClean="0">
+                <a:solidFill>
+                  <a:srgbClr val="FF0000"/>
+                </a:solidFill>
+              </a:rPr>
+              <a:t>)</a:t>
+            </a:r>
+            <a:endParaRPr lang="en-US" altLang="ko-KR" b="1" dirty="0" smtClean="0">
+              <a:solidFill>
+                <a:srgbClr val="FF0000"/>
+              </a:solidFill>
+            </a:endParaRPr>
+          </a:p>
+          <a:p>
+            <a:r>
+              <a:rPr lang="en-US" altLang="ko-KR" b="1" dirty="0" smtClean="0"/>
+              <a:t>private </a:t>
+            </a:r>
+            <a:r>
+              <a:rPr lang="en-US" altLang="ko-KR" b="1" dirty="0" err="1" smtClean="0"/>
+              <a:t>int</a:t>
+            </a:r>
+            <a:r>
+              <a:rPr lang="en-US" altLang="ko-KR" b="1" dirty="0" smtClean="0"/>
+              <a:t> input</a:t>
+            </a:r>
+            <a:r>
+              <a:rPr lang="en-US" altLang="ko-KR" b="1" dirty="0" smtClean="0"/>
+              <a:t>;     // NOT NULL</a:t>
+            </a:r>
+            <a:endParaRPr lang="en-US" altLang="ko-KR" b="1" dirty="0" smtClean="0"/>
+          </a:p>
+          <a:p>
+            <a:r>
+              <a:rPr lang="en-US" altLang="ko-KR" b="1" dirty="0" smtClean="0"/>
+              <a:t>private </a:t>
+            </a:r>
+            <a:r>
+              <a:rPr lang="en-US" altLang="ko-KR" b="1" dirty="0" err="1" smtClean="0"/>
+              <a:t>int</a:t>
+            </a:r>
+            <a:r>
+              <a:rPr lang="en-US" altLang="ko-KR" b="1" dirty="0" smtClean="0"/>
+              <a:t> output</a:t>
+            </a:r>
+            <a:r>
+              <a:rPr lang="en-US" altLang="ko-KR" b="1" dirty="0" smtClean="0"/>
+              <a:t>;  // NOT NULL</a:t>
+            </a:r>
+            <a:endParaRPr lang="en-US" altLang="ko-KR" b="1" dirty="0" smtClean="0"/>
+          </a:p>
+          <a:p>
+            <a:r>
+              <a:rPr lang="en-US" altLang="ko-KR" b="1" dirty="0" smtClean="0"/>
+              <a:t>private </a:t>
+            </a:r>
+            <a:r>
+              <a:rPr lang="en-US" altLang="ko-KR" b="1" dirty="0" err="1" smtClean="0"/>
+              <a:t>int</a:t>
+            </a:r>
+            <a:r>
+              <a:rPr lang="en-US" altLang="ko-KR" b="1" dirty="0" smtClean="0"/>
+              <a:t> balance</a:t>
+            </a:r>
+            <a:r>
+              <a:rPr lang="en-US" altLang="ko-KR" b="1" dirty="0" smtClean="0"/>
+              <a:t>;  // NOT NULL</a:t>
+            </a:r>
+            <a:endParaRPr lang="en-US" altLang="ko-KR" b="1" dirty="0" smtClean="0"/>
+          </a:p>
+          <a:p>
+            <a:r>
+              <a:rPr lang="en-US" altLang="ko-KR" dirty="0" smtClean="0"/>
+              <a:t>Calendar </a:t>
+            </a:r>
+            <a:r>
+              <a:rPr lang="en-US" altLang="ko-KR" dirty="0" err="1" smtClean="0"/>
+              <a:t>cd</a:t>
+            </a:r>
+            <a:r>
+              <a:rPr lang="en-US" altLang="ko-KR" dirty="0" smtClean="0"/>
+              <a:t>;           // DEFAULT now()</a:t>
+            </a:r>
+          </a:p>
+          <a:p>
+            <a:r>
+              <a:rPr lang="en-US" altLang="ko-KR" dirty="0" smtClean="0"/>
+              <a:t>------------------------------------------------------------</a:t>
+            </a:r>
+          </a:p>
+          <a:p>
+            <a:endParaRPr lang="en-US" altLang="ko-KR" dirty="0" smtClean="0"/>
+          </a:p>
+          <a:p>
+            <a:r>
+              <a:rPr lang="en-US" altLang="ko-KR" dirty="0" smtClean="0"/>
+              <a:t>Insert </a:t>
+            </a:r>
+            <a:r>
+              <a:rPr lang="ko-KR" altLang="en-US" dirty="0" err="1" smtClean="0"/>
+              <a:t>쿼리문</a:t>
+            </a:r>
+            <a:endParaRPr lang="en-US" altLang="ko-KR" dirty="0" smtClean="0"/>
+          </a:p>
+          <a:p>
+            <a:endParaRPr lang="en-US" altLang="ko-KR" dirty="0" smtClean="0"/>
+          </a:p>
+          <a:p>
+            <a:r>
+              <a:rPr lang="en-US" altLang="ko-KR" dirty="0" smtClean="0"/>
+              <a:t>Select </a:t>
+            </a:r>
+            <a:r>
+              <a:rPr lang="ko-KR" altLang="en-US" dirty="0" err="1" smtClean="0"/>
+              <a:t>커리문</a:t>
+            </a:r>
+            <a:r>
+              <a:rPr lang="en-US" altLang="ko-KR" dirty="0" smtClean="0"/>
+              <a:t>(</a:t>
+            </a:r>
+            <a:r>
+              <a:rPr lang="en-US" altLang="ko-KR" dirty="0" err="1" smtClean="0"/>
+              <a:t>int</a:t>
+            </a:r>
+            <a:r>
+              <a:rPr lang="en-US" altLang="ko-KR" dirty="0" smtClean="0"/>
+              <a:t> </a:t>
+            </a:r>
+            <a:r>
+              <a:rPr lang="en-US" altLang="ko-KR" dirty="0" err="1" smtClean="0"/>
+              <a:t>accnum</a:t>
+            </a:r>
+            <a:r>
+              <a:rPr lang="en-US" altLang="ko-KR" dirty="0" smtClean="0"/>
+              <a:t>); </a:t>
+            </a:r>
+            <a:endParaRPr lang="en-US" altLang="ko-KR" dirty="0" smtClean="0"/>
+          </a:p>
+        </p:txBody>
+      </p:sp>
+    </p:spTree>
+  </p:cSld>
+  <p:clrMapOvr>
+    <a:masterClrMapping/>
+  </p:clrMapOvr>
+</p:sld>
+</file>
+
+<file path=ppt/slides/slide27.xml><?xml version="1.0" encoding="utf-8"?>
+<p:sld xmlns:a="http://schemas.openxmlformats.org/drawingml/2006/main" xmlns:r="http://schemas.openxmlformats.org/officeDocument/2006/relationships" xmlns:p="http://schemas.openxmlformats.org/presentationml/2006/main">
+  <p:cSld>
+    <p:spTree>
+      <p:nvGrpSpPr>
+        <p:cNvPr id="1" name=""/>
+        <p:cNvGrpSpPr/>
+        <p:nvPr/>
+      </p:nvGrpSpPr>
+      <p:grpSpPr>
+        <a:xfrm>
+          <a:off x="0" y="0"/>
+          <a:ext cx="0" cy="0"/>
+          <a:chOff x="0" y="0"/>
+          <a:chExt cx="0" cy="0"/>
+        </a:xfrm>
+      </p:grpSpPr>
+      <p:sp>
+        <p:nvSpPr>
+          <p:cNvPr id="5" name="TextBox 4"/>
+          <p:cNvSpPr txBox="1"/>
+          <p:nvPr/>
+        </p:nvSpPr>
+        <p:spPr>
+          <a:xfrm>
+            <a:off x="251520" y="260648"/>
+            <a:ext cx="5976664" cy="400110"/>
+          </a:xfrm>
+          <a:prstGeom prst="rect">
+            <a:avLst/>
+          </a:prstGeom>
+          <a:noFill/>
+        </p:spPr>
+        <p:txBody>
+          <a:bodyPr wrap="square" rtlCol="0">
+            <a:spAutoFit/>
+          </a:bodyPr>
+          <a:lstStyle/>
+          <a:p>
+            <a:r>
+              <a:rPr lang="en-US" altLang="ko-KR" sz="2000" b="1" dirty="0" smtClean="0"/>
+              <a:t>MYSQL</a:t>
+            </a:r>
+            <a:r>
+              <a:rPr lang="ko-KR" altLang="en-US" sz="2000" b="1" dirty="0" smtClean="0"/>
+              <a:t> </a:t>
+            </a:r>
+            <a:r>
+              <a:rPr lang="en-US" altLang="ko-KR" sz="2000" b="1" dirty="0" smtClean="0"/>
+              <a:t>2</a:t>
+            </a:r>
+            <a:r>
+              <a:rPr lang="ko-KR" altLang="en-US" sz="2000" b="1" dirty="0" smtClean="0"/>
+              <a:t>일차</a:t>
+            </a:r>
+            <a:r>
+              <a:rPr lang="en-US" altLang="ko-KR" sz="2000" b="1" dirty="0" smtClean="0"/>
+              <a:t>(</a:t>
+            </a:r>
+            <a:r>
+              <a:rPr lang="ko-KR" altLang="en-US" sz="2000" b="1" dirty="0" smtClean="0"/>
+              <a:t>계좌 실습</a:t>
+            </a:r>
+            <a:r>
+              <a:rPr lang="en-US" altLang="ko-KR" sz="2000" b="1" dirty="0" smtClean="0"/>
+              <a:t>)</a:t>
+            </a:r>
+            <a:endParaRPr lang="ko-KR" altLang="en-US" sz="2000" b="1" dirty="0"/>
+          </a:p>
+        </p:txBody>
+      </p:sp>
+      <p:sp>
+        <p:nvSpPr>
+          <p:cNvPr id="18" name="직사각형 17"/>
+          <p:cNvSpPr/>
+          <p:nvPr/>
+        </p:nvSpPr>
+        <p:spPr>
+          <a:xfrm>
+            <a:off x="683568" y="908720"/>
+            <a:ext cx="7920880" cy="2862322"/>
+          </a:xfrm>
+          <a:prstGeom prst="rect">
+            <a:avLst/>
+          </a:prstGeom>
+        </p:spPr>
+        <p:txBody>
+          <a:bodyPr wrap="square">
+            <a:spAutoFit/>
+          </a:bodyPr>
+          <a:lstStyle/>
+          <a:p>
+            <a:pPr marL="342900" indent="-342900"/>
+            <a:r>
+              <a:rPr lang="en-US" altLang="ko-KR" b="1" dirty="0" smtClean="0"/>
+              <a:t>2. </a:t>
+            </a:r>
+            <a:r>
+              <a:rPr lang="ko-KR" altLang="en-US" b="1" dirty="0" smtClean="0"/>
+              <a:t>거래 테이블</a:t>
+            </a:r>
+            <a:endParaRPr lang="en-US" altLang="ko-KR" b="1" dirty="0" smtClean="0"/>
+          </a:p>
+          <a:p>
+            <a:pPr marL="342900" indent="-342900"/>
+            <a:endParaRPr lang="en-US" altLang="ko-KR" b="1" dirty="0" smtClean="0"/>
+          </a:p>
+          <a:p>
+            <a:r>
+              <a:rPr lang="en-US" altLang="ko-KR" b="1" dirty="0" err="1" smtClean="0"/>
+              <a:t>AccountIO</a:t>
+            </a:r>
+            <a:r>
+              <a:rPr lang="en-US" altLang="ko-KR" b="1" dirty="0" smtClean="0"/>
+              <a:t> </a:t>
+            </a:r>
+          </a:p>
+          <a:p>
+            <a:r>
+              <a:rPr lang="en-US" altLang="ko-KR" b="1" dirty="0" err="1" smtClean="0"/>
+              <a:t>Int</a:t>
+            </a:r>
+            <a:r>
+              <a:rPr lang="en-US" altLang="ko-KR" b="1" dirty="0" smtClean="0"/>
+              <a:t> </a:t>
+            </a:r>
+            <a:r>
+              <a:rPr lang="en-US" altLang="ko-KR" b="1" dirty="0" err="1" smtClean="0"/>
+              <a:t>idx</a:t>
+            </a:r>
+            <a:r>
+              <a:rPr lang="en-US" altLang="ko-KR" b="1" dirty="0" smtClean="0"/>
+              <a:t> ;</a:t>
+            </a:r>
+            <a:r>
+              <a:rPr lang="en-US" altLang="ko-KR" b="1" dirty="0" smtClean="0"/>
+              <a:t> // PK, AUTOINCREMENT</a:t>
+            </a:r>
+          </a:p>
+          <a:p>
+            <a:r>
+              <a:rPr lang="en-US" altLang="ko-KR" b="1" dirty="0" smtClean="0"/>
+              <a:t>private </a:t>
+            </a:r>
+            <a:r>
+              <a:rPr lang="en-US" altLang="ko-KR" b="1" dirty="0" err="1" smtClean="0"/>
+              <a:t>int</a:t>
+            </a:r>
+            <a:r>
+              <a:rPr lang="en-US" altLang="ko-KR" b="1" dirty="0" smtClean="0"/>
+              <a:t> </a:t>
+            </a:r>
+            <a:r>
+              <a:rPr lang="en-US" altLang="ko-KR" b="1" dirty="0" err="1" smtClean="0"/>
+              <a:t>accnum</a:t>
+            </a:r>
+            <a:r>
+              <a:rPr lang="en-US" altLang="ko-KR" b="1" dirty="0" smtClean="0"/>
+              <a:t>;   //FK </a:t>
+            </a:r>
+            <a:r>
+              <a:rPr lang="en-US" altLang="ko-KR" b="1" dirty="0" smtClean="0">
+                <a:solidFill>
+                  <a:srgbClr val="FF0000"/>
+                </a:solidFill>
+              </a:rPr>
+              <a:t>(Account</a:t>
+            </a:r>
+            <a:r>
+              <a:rPr lang="ko-KR" altLang="en-US" b="1" dirty="0" smtClean="0">
+                <a:solidFill>
+                  <a:srgbClr val="FF0000"/>
+                </a:solidFill>
+              </a:rPr>
+              <a:t>테이</a:t>
+            </a:r>
+            <a:r>
+              <a:rPr lang="ko-KR" altLang="en-US" b="1" dirty="0" smtClean="0">
+                <a:solidFill>
+                  <a:srgbClr val="FF0000"/>
+                </a:solidFill>
+              </a:rPr>
+              <a:t>블</a:t>
+            </a:r>
+            <a:r>
+              <a:rPr lang="ko-KR" altLang="en-US" b="1" dirty="0" smtClean="0">
+                <a:solidFill>
+                  <a:srgbClr val="FF0000"/>
+                </a:solidFill>
+              </a:rPr>
+              <a:t>의 </a:t>
+            </a:r>
+            <a:r>
+              <a:rPr lang="en-US" altLang="ko-KR" b="1" dirty="0" err="1" smtClean="0">
+                <a:solidFill>
+                  <a:srgbClr val="FF0000"/>
+                </a:solidFill>
+              </a:rPr>
+              <a:t>accid</a:t>
+            </a:r>
+            <a:r>
+              <a:rPr lang="en-US" altLang="ko-KR" b="1" dirty="0" smtClean="0">
+                <a:solidFill>
+                  <a:srgbClr val="FF0000"/>
+                </a:solidFill>
+              </a:rPr>
+              <a:t>)</a:t>
+            </a:r>
+            <a:endParaRPr lang="en-US" altLang="ko-KR" b="1" dirty="0" smtClean="0">
+              <a:solidFill>
+                <a:srgbClr val="FF0000"/>
+              </a:solidFill>
+            </a:endParaRPr>
+          </a:p>
+          <a:p>
+            <a:r>
+              <a:rPr lang="en-US" altLang="ko-KR" b="1" dirty="0" smtClean="0"/>
+              <a:t>private </a:t>
+            </a:r>
+            <a:r>
+              <a:rPr lang="en-US" altLang="ko-KR" b="1" dirty="0" err="1" smtClean="0"/>
+              <a:t>int</a:t>
+            </a:r>
+            <a:r>
+              <a:rPr lang="en-US" altLang="ko-KR" b="1" dirty="0" smtClean="0"/>
+              <a:t> input</a:t>
+            </a:r>
+            <a:r>
+              <a:rPr lang="en-US" altLang="ko-KR" b="1" dirty="0" smtClean="0"/>
+              <a:t>;     // NOT NULL</a:t>
+            </a:r>
+            <a:endParaRPr lang="en-US" altLang="ko-KR" b="1" dirty="0" smtClean="0"/>
+          </a:p>
+          <a:p>
+            <a:r>
+              <a:rPr lang="en-US" altLang="ko-KR" b="1" dirty="0" smtClean="0"/>
+              <a:t>private </a:t>
+            </a:r>
+            <a:r>
+              <a:rPr lang="en-US" altLang="ko-KR" b="1" dirty="0" err="1" smtClean="0"/>
+              <a:t>int</a:t>
+            </a:r>
+            <a:r>
+              <a:rPr lang="en-US" altLang="ko-KR" b="1" dirty="0" smtClean="0"/>
+              <a:t> output</a:t>
+            </a:r>
+            <a:r>
+              <a:rPr lang="en-US" altLang="ko-KR" b="1" dirty="0" smtClean="0"/>
+              <a:t>;  // NOT NULL</a:t>
+            </a:r>
+            <a:endParaRPr lang="en-US" altLang="ko-KR" b="1" dirty="0" smtClean="0"/>
+          </a:p>
+          <a:p>
+            <a:r>
+              <a:rPr lang="en-US" altLang="ko-KR" b="1" dirty="0" smtClean="0"/>
+              <a:t>private </a:t>
+            </a:r>
+            <a:r>
+              <a:rPr lang="en-US" altLang="ko-KR" b="1" dirty="0" err="1" smtClean="0"/>
+              <a:t>int</a:t>
+            </a:r>
+            <a:r>
+              <a:rPr lang="en-US" altLang="ko-KR" b="1" dirty="0" smtClean="0"/>
+              <a:t> balance</a:t>
+            </a:r>
+            <a:r>
+              <a:rPr lang="en-US" altLang="ko-KR" b="1" dirty="0" smtClean="0"/>
+              <a:t>;  // NOT NULL</a:t>
+            </a:r>
+            <a:endParaRPr lang="en-US" altLang="ko-KR" b="1" dirty="0" smtClean="0"/>
+          </a:p>
+          <a:p>
+            <a:r>
+              <a:rPr lang="en-US" altLang="ko-KR" dirty="0" smtClean="0"/>
+              <a:t>Calendar </a:t>
+            </a:r>
+            <a:r>
+              <a:rPr lang="en-US" altLang="ko-KR" dirty="0" err="1" smtClean="0"/>
+              <a:t>cd</a:t>
+            </a:r>
+            <a:r>
+              <a:rPr lang="en-US" altLang="ko-KR" dirty="0" smtClean="0"/>
+              <a:t>;           // DEFAULT now()</a:t>
+            </a:r>
+          </a:p>
+          <a:p>
+            <a:r>
+              <a:rPr lang="en-US" altLang="ko-KR" dirty="0" smtClean="0"/>
+              <a:t>------------------------------------------------------------</a:t>
+            </a:r>
+          </a:p>
+        </p:txBody>
+      </p:sp>
+      <p:sp>
+        <p:nvSpPr>
+          <p:cNvPr id="4" name="직사각형 3"/>
+          <p:cNvSpPr/>
+          <p:nvPr/>
+        </p:nvSpPr>
+        <p:spPr>
+          <a:xfrm>
+            <a:off x="2843808" y="3861048"/>
+            <a:ext cx="6048672" cy="2308324"/>
+          </a:xfrm>
+          <a:prstGeom prst="rect">
+            <a:avLst/>
+          </a:prstGeom>
+        </p:spPr>
+        <p:txBody>
+          <a:bodyPr wrap="square">
+            <a:spAutoFit/>
+          </a:bodyPr>
+          <a:lstStyle/>
+          <a:p>
+            <a:r>
+              <a:rPr lang="en-US" altLang="ko-KR" dirty="0" smtClean="0"/>
+              <a:t>create table </a:t>
+            </a:r>
+            <a:r>
+              <a:rPr lang="en-US" altLang="ko-KR" dirty="0" err="1" smtClean="0"/>
+              <a:t>accountio</a:t>
+            </a:r>
+            <a:r>
+              <a:rPr lang="en-US" altLang="ko-KR" dirty="0" smtClean="0"/>
+              <a:t>(</a:t>
+            </a:r>
+          </a:p>
+          <a:p>
+            <a:r>
+              <a:rPr lang="en-US" altLang="ko-KR" dirty="0" err="1" smtClean="0"/>
+              <a:t>idx</a:t>
+            </a:r>
+            <a:r>
+              <a:rPr lang="en-US" altLang="ko-KR" dirty="0" smtClean="0"/>
+              <a:t> </a:t>
+            </a:r>
+            <a:r>
+              <a:rPr lang="en-US" altLang="ko-KR" dirty="0" err="1" smtClean="0"/>
+              <a:t>int</a:t>
+            </a:r>
+            <a:r>
+              <a:rPr lang="en-US" altLang="ko-KR" dirty="0" smtClean="0"/>
+              <a:t> primary key </a:t>
+            </a:r>
+            <a:r>
+              <a:rPr lang="en-US" altLang="ko-KR" dirty="0" err="1" smtClean="0"/>
+              <a:t>auto_increment</a:t>
+            </a:r>
+            <a:r>
+              <a:rPr lang="en-US" altLang="ko-KR" dirty="0" smtClean="0"/>
+              <a:t>,</a:t>
+            </a:r>
+          </a:p>
+          <a:p>
+            <a:r>
+              <a:rPr lang="en-US" altLang="ko-KR" dirty="0" err="1" smtClean="0"/>
+              <a:t>accnum</a:t>
+            </a:r>
+            <a:r>
+              <a:rPr lang="en-US" altLang="ko-KR" dirty="0" smtClean="0"/>
+              <a:t> </a:t>
+            </a:r>
+            <a:r>
+              <a:rPr lang="en-US" altLang="ko-KR" dirty="0" err="1" smtClean="0"/>
+              <a:t>int</a:t>
+            </a:r>
+            <a:r>
+              <a:rPr lang="en-US" altLang="ko-KR" dirty="0" smtClean="0"/>
+              <a:t>,</a:t>
+            </a:r>
+          </a:p>
+          <a:p>
+            <a:r>
+              <a:rPr lang="en-US" altLang="ko-KR" dirty="0" smtClean="0"/>
+              <a:t>input </a:t>
+            </a:r>
+            <a:r>
+              <a:rPr lang="en-US" altLang="ko-KR" dirty="0" err="1" smtClean="0"/>
+              <a:t>int</a:t>
+            </a:r>
+            <a:r>
+              <a:rPr lang="en-US" altLang="ko-KR" dirty="0" smtClean="0"/>
+              <a:t> not null, </a:t>
+            </a:r>
+          </a:p>
+          <a:p>
+            <a:r>
+              <a:rPr lang="en-US" altLang="ko-KR" dirty="0" smtClean="0"/>
+              <a:t>output </a:t>
+            </a:r>
+            <a:r>
+              <a:rPr lang="en-US" altLang="ko-KR" dirty="0" err="1" smtClean="0"/>
+              <a:t>int</a:t>
+            </a:r>
+            <a:r>
+              <a:rPr lang="en-US" altLang="ko-KR" dirty="0" smtClean="0"/>
+              <a:t> not null,</a:t>
+            </a:r>
+          </a:p>
+          <a:p>
+            <a:r>
+              <a:rPr lang="en-US" altLang="ko-KR" dirty="0" smtClean="0"/>
+              <a:t>balance </a:t>
+            </a:r>
+            <a:r>
+              <a:rPr lang="en-US" altLang="ko-KR" dirty="0" err="1" smtClean="0"/>
+              <a:t>int</a:t>
+            </a:r>
+            <a:r>
+              <a:rPr lang="en-US" altLang="ko-KR" dirty="0" smtClean="0"/>
+              <a:t> not null</a:t>
+            </a:r>
+            <a:r>
+              <a:rPr lang="en-US" altLang="ko-KR" dirty="0" smtClean="0"/>
+              <a:t>, </a:t>
+            </a:r>
+            <a:endParaRPr lang="en-US" altLang="ko-KR" dirty="0" smtClean="0"/>
+          </a:p>
+          <a:p>
+            <a:r>
+              <a:rPr lang="en-US" altLang="ko-KR" dirty="0" err="1" smtClean="0"/>
+              <a:t>cd</a:t>
+            </a:r>
+            <a:r>
+              <a:rPr lang="en-US" altLang="ko-KR" dirty="0" smtClean="0"/>
+              <a:t> </a:t>
+            </a:r>
+            <a:r>
+              <a:rPr lang="en-US" altLang="ko-KR" dirty="0" err="1" smtClean="0"/>
+              <a:t>datetime</a:t>
+            </a:r>
+            <a:r>
+              <a:rPr lang="en-US" altLang="ko-KR" dirty="0" smtClean="0"/>
+              <a:t> default now(),</a:t>
+            </a:r>
+          </a:p>
+          <a:p>
+            <a:r>
+              <a:rPr lang="en-US" altLang="ko-KR" dirty="0" smtClean="0"/>
+              <a:t>foreign key(</a:t>
+            </a:r>
+            <a:r>
+              <a:rPr lang="en-US" altLang="ko-KR" dirty="0" err="1" smtClean="0"/>
+              <a:t>accnum</a:t>
+            </a:r>
+            <a:r>
+              <a:rPr lang="en-US" altLang="ko-KR" dirty="0" smtClean="0"/>
+              <a:t>) </a:t>
+            </a:r>
+            <a:r>
+              <a:rPr lang="en-US" altLang="ko-KR" dirty="0" smtClean="0"/>
+              <a:t>references account(</a:t>
+            </a:r>
+            <a:r>
+              <a:rPr lang="en-US" altLang="ko-KR" dirty="0" err="1" smtClean="0"/>
+              <a:t>accid</a:t>
+            </a:r>
+            <a:r>
+              <a:rPr lang="en-US" altLang="ko-KR" dirty="0" smtClean="0"/>
+              <a:t>));</a:t>
+            </a:r>
+            <a:endParaRPr lang="en-US" altLang="ko-KR" dirty="0"/>
+          </a:p>
+        </p:txBody>
+      </p:sp>
+    </p:spTree>
+  </p:cSld>
+  <p:clrMapOvr>
+    <a:masterClrMapping/>
+  </p:clrMapOvr>
+</p:sld>
+</file>
+
+<file path=ppt/slides/slide28.xml><?xml version="1.0" encoding="utf-8"?>
+<p:sld xmlns:a="http://schemas.openxmlformats.org/drawingml/2006/main" xmlns:r="http://schemas.openxmlformats.org/officeDocument/2006/relationships" xmlns:p="http://schemas.openxmlformats.org/presentationml/2006/main">
+  <p:cSld>
+    <p:spTree>
+      <p:nvGrpSpPr>
+        <p:cNvPr id="1" name=""/>
+        <p:cNvGrpSpPr/>
+        <p:nvPr/>
+      </p:nvGrpSpPr>
+      <p:grpSpPr>
+        <a:xfrm>
+          <a:off x="0" y="0"/>
+          <a:ext cx="0" cy="0"/>
+          <a:chOff x="0" y="0"/>
+          <a:chExt cx="0" cy="0"/>
+        </a:xfrm>
+      </p:grpSpPr>
+      <p:sp>
+        <p:nvSpPr>
+          <p:cNvPr id="5" name="TextBox 4"/>
+          <p:cNvSpPr txBox="1"/>
+          <p:nvPr/>
+        </p:nvSpPr>
+        <p:spPr>
+          <a:xfrm>
+            <a:off x="251520" y="260648"/>
+            <a:ext cx="5976664" cy="400110"/>
+          </a:xfrm>
+          <a:prstGeom prst="rect">
+            <a:avLst/>
+          </a:prstGeom>
+          <a:noFill/>
+        </p:spPr>
+        <p:txBody>
+          <a:bodyPr wrap="square" rtlCol="0">
+            <a:spAutoFit/>
+          </a:bodyPr>
+          <a:lstStyle/>
+          <a:p>
+            <a:r>
+              <a:rPr lang="en-US" altLang="ko-KR" sz="2000" b="1" dirty="0" smtClean="0"/>
+              <a:t>MYSQL</a:t>
+            </a:r>
+            <a:r>
+              <a:rPr lang="ko-KR" altLang="en-US" sz="2000" b="1" dirty="0" smtClean="0"/>
+              <a:t> </a:t>
+            </a:r>
+            <a:r>
+              <a:rPr lang="en-US" altLang="ko-KR" sz="2000" b="1" dirty="0" smtClean="0"/>
+              <a:t>2</a:t>
+            </a:r>
+            <a:r>
+              <a:rPr lang="ko-KR" altLang="en-US" sz="2000" b="1" dirty="0" smtClean="0"/>
+              <a:t>일차</a:t>
+            </a:r>
+            <a:r>
+              <a:rPr lang="en-US" altLang="ko-KR" sz="2000" b="1" dirty="0" smtClean="0"/>
+              <a:t>(</a:t>
+            </a:r>
+            <a:r>
+              <a:rPr lang="ko-KR" altLang="en-US" sz="2000" b="1" dirty="0" smtClean="0"/>
+              <a:t>계좌 실습</a:t>
+            </a:r>
+            <a:r>
+              <a:rPr lang="en-US" altLang="ko-KR" sz="2000" b="1" dirty="0" smtClean="0"/>
+              <a:t>)</a:t>
+            </a:r>
+            <a:endParaRPr lang="ko-KR" altLang="en-US" sz="2000" b="1" dirty="0"/>
+          </a:p>
+        </p:txBody>
+      </p:sp>
+      <p:sp>
+        <p:nvSpPr>
+          <p:cNvPr id="18" name="직사각형 17"/>
+          <p:cNvSpPr/>
+          <p:nvPr/>
+        </p:nvSpPr>
+        <p:spPr>
+          <a:xfrm>
+            <a:off x="683568" y="908720"/>
+            <a:ext cx="7920880" cy="1754326"/>
+          </a:xfrm>
+          <a:prstGeom prst="rect">
+            <a:avLst/>
+          </a:prstGeom>
+        </p:spPr>
+        <p:txBody>
+          <a:bodyPr wrap="square">
+            <a:spAutoFit/>
+          </a:bodyPr>
+          <a:lstStyle/>
+          <a:p>
+            <a:pPr marL="342900" indent="-342900">
+              <a:buAutoNum type="arabicParenR"/>
+            </a:pPr>
+            <a:r>
+              <a:rPr lang="en-US" altLang="ko-KR" dirty="0" smtClean="0"/>
+              <a:t>Insert </a:t>
+            </a:r>
+            <a:r>
+              <a:rPr lang="ko-KR" altLang="en-US" dirty="0" err="1" smtClean="0"/>
+              <a:t>쿼리문</a:t>
+            </a:r>
+            <a:endParaRPr lang="en-US" altLang="ko-KR" dirty="0" smtClean="0"/>
+          </a:p>
+          <a:p>
+            <a:pPr marL="342900" indent="-342900">
+              <a:buAutoNum type="arabicParenR"/>
+            </a:pPr>
+            <a:endParaRPr lang="en-US" altLang="ko-KR" dirty="0" smtClean="0"/>
+          </a:p>
+          <a:p>
+            <a:endParaRPr lang="en-US" altLang="ko-KR" dirty="0" smtClean="0"/>
+          </a:p>
+          <a:p>
+            <a:endParaRPr lang="en-US" altLang="ko-KR" dirty="0" smtClean="0"/>
+          </a:p>
+          <a:p>
+            <a:r>
+              <a:rPr lang="en-US" altLang="ko-KR" dirty="0" smtClean="0"/>
+              <a:t>2) Select </a:t>
+            </a:r>
+            <a:r>
+              <a:rPr lang="ko-KR" altLang="en-US" dirty="0" err="1" smtClean="0"/>
+              <a:t>커리문</a:t>
+            </a:r>
+            <a:r>
+              <a:rPr lang="en-US" altLang="ko-KR" dirty="0" smtClean="0"/>
+              <a:t>(</a:t>
+            </a:r>
+            <a:r>
+              <a:rPr lang="en-US" altLang="ko-KR" dirty="0" err="1" smtClean="0"/>
+              <a:t>int</a:t>
+            </a:r>
+            <a:r>
+              <a:rPr lang="en-US" altLang="ko-KR" dirty="0" smtClean="0"/>
+              <a:t> </a:t>
+            </a:r>
+            <a:r>
+              <a:rPr lang="en-US" altLang="ko-KR" dirty="0" err="1" smtClean="0"/>
+              <a:t>accnum</a:t>
+            </a:r>
+            <a:r>
+              <a:rPr lang="en-US" altLang="ko-KR" dirty="0" smtClean="0"/>
+              <a:t>); </a:t>
+            </a:r>
+          </a:p>
+          <a:p>
+            <a:endParaRPr lang="en-US" altLang="ko-KR" dirty="0" smtClean="0"/>
+          </a:p>
+        </p:txBody>
+      </p:sp>
+      <p:sp>
+        <p:nvSpPr>
+          <p:cNvPr id="4" name="직사각형 3"/>
+          <p:cNvSpPr/>
+          <p:nvPr/>
+        </p:nvSpPr>
+        <p:spPr>
+          <a:xfrm>
+            <a:off x="539552" y="3212976"/>
+            <a:ext cx="8352928" cy="1200329"/>
+          </a:xfrm>
+          <a:prstGeom prst="rect">
+            <a:avLst/>
+          </a:prstGeom>
+        </p:spPr>
+        <p:txBody>
+          <a:bodyPr wrap="square">
+            <a:spAutoFit/>
+          </a:bodyPr>
+          <a:lstStyle/>
+          <a:p>
+            <a:r>
+              <a:rPr lang="en-US" altLang="ko-KR" dirty="0" smtClean="0"/>
+              <a:t>insert into </a:t>
+            </a:r>
+            <a:r>
+              <a:rPr lang="en-US" altLang="ko-KR" dirty="0" err="1" smtClean="0"/>
+              <a:t>accountio</a:t>
+            </a:r>
+            <a:r>
+              <a:rPr lang="en-US" altLang="ko-KR" dirty="0" smtClean="0"/>
+              <a:t>(</a:t>
+            </a:r>
+            <a:r>
+              <a:rPr lang="en-US" altLang="ko-KR" dirty="0" err="1" smtClean="0"/>
+              <a:t>accnum,input,output,balance</a:t>
+            </a:r>
+            <a:r>
+              <a:rPr lang="en-US" altLang="ko-KR" dirty="0" smtClean="0"/>
+              <a:t>) </a:t>
+            </a:r>
+            <a:endParaRPr lang="en-US" altLang="ko-KR" dirty="0" smtClean="0"/>
+          </a:p>
+          <a:p>
+            <a:r>
+              <a:rPr lang="en-US" altLang="ko-KR" dirty="0" smtClean="0"/>
+              <a:t>values( 10, 1000, 0, (select balance from account where </a:t>
+            </a:r>
+            <a:r>
+              <a:rPr lang="en-US" altLang="ko-KR" dirty="0" err="1" smtClean="0"/>
+              <a:t>accid</a:t>
+            </a:r>
+            <a:r>
+              <a:rPr lang="en-US" altLang="ko-KR" dirty="0" smtClean="0"/>
+              <a:t>=10));</a:t>
+            </a:r>
+            <a:endParaRPr lang="en-US" altLang="ko-KR" dirty="0" smtClean="0"/>
+          </a:p>
+          <a:p>
+            <a:endParaRPr lang="en-US" altLang="ko-KR" dirty="0" smtClean="0"/>
+          </a:p>
+          <a:p>
+            <a:r>
+              <a:rPr lang="en-US" altLang="ko-KR" dirty="0" smtClean="0"/>
+              <a:t>select * from </a:t>
+            </a:r>
+            <a:r>
+              <a:rPr lang="en-US" altLang="ko-KR" dirty="0" err="1" smtClean="0"/>
+              <a:t>accountio</a:t>
+            </a:r>
+            <a:r>
+              <a:rPr lang="en-US" altLang="ko-KR" dirty="0" smtClean="0"/>
+              <a:t> where </a:t>
+            </a:r>
+            <a:r>
+              <a:rPr lang="en-US" altLang="ko-KR" dirty="0" err="1" smtClean="0"/>
+              <a:t>accnum</a:t>
+            </a:r>
+            <a:r>
+              <a:rPr lang="en-US" altLang="ko-KR" dirty="0" smtClean="0"/>
+              <a:t>= 10;</a:t>
+            </a:r>
+            <a:endParaRPr lang="en-US" altLang="ko-KR" dirty="0"/>
+          </a:p>
+        </p:txBody>
+      </p:sp>
+    </p:spTree>
+  </p:cSld>
+  <p:clrMapOvr>
+    <a:masterClrMapping/>
+  </p:clrMapOvr>
+</p:sld>
+</file>
+
+<file path=ppt/slides/slide29.xml><?xml version="1.0" encoding="utf-8"?>
+<p:sld xmlns:a="http://schemas.openxmlformats.org/drawingml/2006/main" xmlns:r="http://schemas.openxmlformats.org/officeDocument/2006/relationships" xmlns:p="http://schemas.openxmlformats.org/presentationml/2006/main">
+  <p:cSld>
+    <p:spTree>
+      <p:nvGrpSpPr>
+        <p:cNvPr id="1" name=""/>
+        <p:cNvGrpSpPr/>
+        <p:nvPr/>
+      </p:nvGrpSpPr>
+      <p:grpSpPr>
+        <a:xfrm>
+          <a:off x="0" y="0"/>
+          <a:ext cx="0" cy="0"/>
+          <a:chOff x="0" y="0"/>
+          <a:chExt cx="0" cy="0"/>
+        </a:xfrm>
+      </p:grpSpPr>
+      <p:sp>
+        <p:nvSpPr>
+          <p:cNvPr id="5" name="TextBox 4"/>
+          <p:cNvSpPr txBox="1"/>
+          <p:nvPr/>
+        </p:nvSpPr>
+        <p:spPr>
+          <a:xfrm>
+            <a:off x="251520" y="260648"/>
+            <a:ext cx="5976664" cy="400110"/>
+          </a:xfrm>
+          <a:prstGeom prst="rect">
+            <a:avLst/>
+          </a:prstGeom>
+          <a:noFill/>
+        </p:spPr>
+        <p:txBody>
+          <a:bodyPr wrap="square" rtlCol="0">
+            <a:spAutoFit/>
+          </a:bodyPr>
+          <a:lstStyle/>
+          <a:p>
+            <a:r>
+              <a:rPr lang="en-US" altLang="ko-KR" sz="2000" b="1" dirty="0" smtClean="0"/>
+              <a:t>MYSQL</a:t>
+            </a:r>
+            <a:r>
+              <a:rPr lang="ko-KR" altLang="en-US" sz="2000" b="1" dirty="0" smtClean="0"/>
+              <a:t> </a:t>
+            </a:r>
+            <a:r>
+              <a:rPr lang="en-US" altLang="ko-KR" sz="2000" b="1" dirty="0" smtClean="0"/>
+              <a:t>2</a:t>
+            </a:r>
+            <a:r>
+              <a:rPr lang="ko-KR" altLang="en-US" sz="2000" b="1" dirty="0" smtClean="0"/>
+              <a:t>일차</a:t>
+            </a:r>
+            <a:r>
+              <a:rPr lang="en-US" altLang="ko-KR" sz="2000" b="1" dirty="0" smtClean="0"/>
+              <a:t>(</a:t>
+            </a:r>
+            <a:r>
+              <a:rPr lang="ko-KR" altLang="en-US" sz="2000" b="1" dirty="0" smtClean="0"/>
+              <a:t>계좌 실습</a:t>
+            </a:r>
+            <a:r>
+              <a:rPr lang="en-US" altLang="ko-KR" sz="2000" b="1" dirty="0" smtClean="0"/>
+              <a:t>)</a:t>
+            </a:r>
+            <a:endParaRPr lang="ko-KR" altLang="en-US" sz="2000" b="1" dirty="0"/>
+          </a:p>
+        </p:txBody>
+      </p:sp>
+      <p:sp>
+        <p:nvSpPr>
+          <p:cNvPr id="18" name="직사각형 17"/>
+          <p:cNvSpPr/>
+          <p:nvPr/>
+        </p:nvSpPr>
+        <p:spPr>
+          <a:xfrm>
+            <a:off x="467544" y="836712"/>
+            <a:ext cx="8064896" cy="1754326"/>
+          </a:xfrm>
+          <a:prstGeom prst="rect">
+            <a:avLst/>
+          </a:prstGeom>
+          <a:ln>
+            <a:solidFill>
+              <a:schemeClr val="accent1"/>
+            </a:solidFill>
+          </a:ln>
+        </p:spPr>
+        <p:txBody>
+          <a:bodyPr wrap="square">
+            <a:spAutoFit/>
+          </a:bodyPr>
+          <a:lstStyle/>
+          <a:p>
+            <a:r>
+              <a:rPr lang="en-US" altLang="ko-KR" dirty="0" smtClean="0"/>
+              <a:t>PK , FK </a:t>
+            </a:r>
+            <a:r>
+              <a:rPr lang="ko-KR" altLang="en-US" dirty="0" smtClean="0"/>
+              <a:t>관계를 가질 때 삭제나 </a:t>
+            </a:r>
+            <a:r>
+              <a:rPr lang="ko-KR" altLang="en-US" dirty="0" err="1" smtClean="0"/>
+              <a:t>수정시</a:t>
+            </a:r>
+            <a:r>
+              <a:rPr lang="ko-KR" altLang="en-US" dirty="0" smtClean="0"/>
+              <a:t> </a:t>
+            </a:r>
+            <a:r>
+              <a:rPr lang="ko-KR" altLang="en-US" dirty="0" err="1" smtClean="0"/>
+              <a:t>무결성</a:t>
+            </a:r>
+            <a:r>
+              <a:rPr lang="ko-KR" altLang="en-US" dirty="0" smtClean="0"/>
+              <a:t> 제약조건이 위배되는 상황이</a:t>
+            </a:r>
+            <a:endParaRPr lang="en-US" altLang="ko-KR" dirty="0" smtClean="0"/>
+          </a:p>
+          <a:p>
+            <a:r>
+              <a:rPr lang="ko-KR" altLang="en-US" dirty="0" smtClean="0"/>
+              <a:t>발생될 수 있음</a:t>
+            </a:r>
+            <a:r>
+              <a:rPr lang="en-US" altLang="ko-KR" dirty="0" smtClean="0"/>
+              <a:t>.</a:t>
+            </a:r>
+          </a:p>
+          <a:p>
+            <a:endParaRPr lang="en-US" altLang="ko-KR" dirty="0" smtClean="0"/>
+          </a:p>
+          <a:p>
+            <a:pPr marL="342900" indent="-342900">
+              <a:buAutoNum type="arabicParenR"/>
+            </a:pPr>
+            <a:r>
+              <a:rPr lang="ko-KR" altLang="en-US" dirty="0" smtClean="0"/>
+              <a:t>발생되지 않도록 </a:t>
+            </a:r>
+            <a:r>
+              <a:rPr lang="ko-KR" altLang="en-US" dirty="0" err="1" smtClean="0"/>
+              <a:t>쿼리문을</a:t>
+            </a:r>
+            <a:r>
+              <a:rPr lang="ko-KR" altLang="en-US" dirty="0" smtClean="0"/>
+              <a:t> 작성하는 방법</a:t>
+            </a:r>
+            <a:endParaRPr lang="en-US" altLang="ko-KR" dirty="0" smtClean="0"/>
+          </a:p>
+          <a:p>
+            <a:pPr marL="342900" indent="-342900">
+              <a:buAutoNum type="arabicParenR"/>
+            </a:pPr>
+            <a:endParaRPr lang="en-US" altLang="ko-KR" dirty="0" smtClean="0"/>
+          </a:p>
+          <a:p>
+            <a:pPr marL="342900" indent="-342900">
+              <a:buAutoNum type="arabicParenR"/>
+            </a:pPr>
+            <a:r>
+              <a:rPr lang="ko-KR" altLang="en-US" dirty="0" smtClean="0"/>
+              <a:t>테이블 생성시 설정</a:t>
+            </a:r>
+            <a:endParaRPr lang="en-US" altLang="ko-KR" dirty="0" smtClean="0"/>
+          </a:p>
+        </p:txBody>
+      </p:sp>
+      <p:sp>
+        <p:nvSpPr>
+          <p:cNvPr id="6" name="직사각형 5"/>
+          <p:cNvSpPr/>
+          <p:nvPr/>
+        </p:nvSpPr>
+        <p:spPr>
+          <a:xfrm>
+            <a:off x="179512" y="2780928"/>
+            <a:ext cx="8784976" cy="3139321"/>
+          </a:xfrm>
+          <a:prstGeom prst="rect">
+            <a:avLst/>
+          </a:prstGeom>
+        </p:spPr>
+        <p:txBody>
+          <a:bodyPr wrap="square">
+            <a:spAutoFit/>
+          </a:bodyPr>
+          <a:lstStyle/>
+          <a:p>
+            <a:r>
+              <a:rPr lang="en-US" altLang="ko-KR" dirty="0" smtClean="0"/>
+              <a:t>&lt;</a:t>
+            </a:r>
+            <a:r>
+              <a:rPr lang="en-US" altLang="ko-KR" dirty="0" err="1" smtClean="0"/>
+              <a:t>AccountIO</a:t>
+            </a:r>
+            <a:r>
+              <a:rPr lang="en-US" altLang="ko-KR" dirty="0" smtClean="0"/>
+              <a:t> </a:t>
+            </a:r>
+            <a:r>
+              <a:rPr lang="ko-KR" altLang="en-US" dirty="0" smtClean="0"/>
+              <a:t>테이블 생성 </a:t>
+            </a:r>
+            <a:r>
+              <a:rPr lang="en-US" altLang="ko-KR" dirty="0" smtClean="0"/>
+              <a:t>cascade&gt;</a:t>
+            </a:r>
+          </a:p>
+          <a:p>
+            <a:r>
+              <a:rPr lang="en-US" altLang="ko-KR" dirty="0" smtClean="0"/>
+              <a:t>create table </a:t>
+            </a:r>
+            <a:r>
+              <a:rPr lang="en-US" altLang="ko-KR" dirty="0" err="1" smtClean="0"/>
+              <a:t>accountIO</a:t>
+            </a:r>
+            <a:r>
+              <a:rPr lang="en-US" altLang="ko-KR" dirty="0" smtClean="0"/>
+              <a:t>(</a:t>
+            </a:r>
+          </a:p>
+          <a:p>
+            <a:r>
+              <a:rPr lang="en-US" altLang="ko-KR" dirty="0" smtClean="0"/>
+              <a:t>	</a:t>
+            </a:r>
+            <a:r>
+              <a:rPr lang="en-US" altLang="ko-KR" dirty="0" err="1" smtClean="0"/>
+              <a:t>idx</a:t>
+            </a:r>
+            <a:r>
+              <a:rPr lang="en-US" altLang="ko-KR" dirty="0" smtClean="0"/>
+              <a:t> </a:t>
+            </a:r>
+            <a:r>
+              <a:rPr lang="en-US" altLang="ko-KR" dirty="0" err="1" smtClean="0"/>
+              <a:t>int</a:t>
+            </a:r>
+            <a:r>
+              <a:rPr lang="en-US" altLang="ko-KR" dirty="0" smtClean="0"/>
+              <a:t> primary key </a:t>
+            </a:r>
+            <a:r>
+              <a:rPr lang="en-US" altLang="ko-KR" dirty="0" err="1" smtClean="0"/>
+              <a:t>auto_increment</a:t>
+            </a:r>
+            <a:r>
+              <a:rPr lang="en-US" altLang="ko-KR" dirty="0" smtClean="0"/>
+              <a:t>,	</a:t>
+            </a:r>
+            <a:r>
+              <a:rPr lang="en-US" altLang="ko-KR" dirty="0" err="1" smtClean="0"/>
+              <a:t>accnum</a:t>
+            </a:r>
+            <a:r>
+              <a:rPr lang="en-US" altLang="ko-KR" dirty="0" smtClean="0"/>
+              <a:t> </a:t>
+            </a:r>
+            <a:r>
+              <a:rPr lang="en-US" altLang="ko-KR" dirty="0" err="1" smtClean="0"/>
+              <a:t>int</a:t>
+            </a:r>
+            <a:r>
+              <a:rPr lang="en-US" altLang="ko-KR" dirty="0" smtClean="0"/>
+              <a:t>,</a:t>
+            </a:r>
+          </a:p>
+          <a:p>
+            <a:r>
+              <a:rPr lang="en-US" altLang="ko-KR" dirty="0" smtClean="0"/>
+              <a:t>	input </a:t>
+            </a:r>
+            <a:r>
+              <a:rPr lang="en-US" altLang="ko-KR" dirty="0" err="1" smtClean="0"/>
+              <a:t>int</a:t>
+            </a:r>
+            <a:r>
+              <a:rPr lang="en-US" altLang="ko-KR" dirty="0" smtClean="0"/>
+              <a:t> not null,			output </a:t>
+            </a:r>
+            <a:r>
+              <a:rPr lang="en-US" altLang="ko-KR" dirty="0" err="1" smtClean="0"/>
+              <a:t>int</a:t>
+            </a:r>
+            <a:r>
+              <a:rPr lang="en-US" altLang="ko-KR" dirty="0" smtClean="0"/>
+              <a:t> not null,</a:t>
+            </a:r>
+          </a:p>
+          <a:p>
+            <a:r>
+              <a:rPr lang="en-US" altLang="ko-KR" dirty="0" smtClean="0"/>
+              <a:t>	balance </a:t>
+            </a:r>
+            <a:r>
+              <a:rPr lang="en-US" altLang="ko-KR" dirty="0" err="1" smtClean="0"/>
+              <a:t>int</a:t>
+            </a:r>
+            <a:r>
+              <a:rPr lang="en-US" altLang="ko-KR" dirty="0" smtClean="0"/>
+              <a:t> not null,</a:t>
+            </a:r>
+          </a:p>
+          <a:p>
+            <a:r>
+              <a:rPr lang="en-US" altLang="ko-KR" dirty="0" smtClean="0"/>
+              <a:t>	</a:t>
+            </a:r>
+            <a:r>
+              <a:rPr lang="en-US" altLang="ko-KR" dirty="0" err="1" smtClean="0"/>
+              <a:t>cd</a:t>
+            </a:r>
+            <a:r>
+              <a:rPr lang="en-US" altLang="ko-KR" dirty="0" smtClean="0"/>
+              <a:t> </a:t>
+            </a:r>
+            <a:r>
+              <a:rPr lang="en-US" altLang="ko-KR" dirty="0" err="1" smtClean="0"/>
+              <a:t>datetime</a:t>
+            </a:r>
+            <a:r>
+              <a:rPr lang="en-US" altLang="ko-KR" dirty="0" smtClean="0"/>
+              <a:t> default now(),</a:t>
+            </a:r>
+          </a:p>
+          <a:p>
+            <a:r>
+              <a:rPr lang="en-US" altLang="ko-KR" dirty="0" smtClean="0"/>
+              <a:t>	foreign key(</a:t>
+            </a:r>
+            <a:r>
+              <a:rPr lang="en-US" altLang="ko-KR" dirty="0" err="1" smtClean="0"/>
+              <a:t>accnum</a:t>
+            </a:r>
+            <a:r>
+              <a:rPr lang="en-US" altLang="ko-KR" dirty="0" smtClean="0"/>
+              <a:t>) references account(</a:t>
+            </a:r>
+            <a:r>
+              <a:rPr lang="en-US" altLang="ko-KR" dirty="0" err="1" smtClean="0"/>
+              <a:t>accid</a:t>
+            </a:r>
+            <a:r>
+              <a:rPr lang="en-US" altLang="ko-KR" dirty="0" smtClean="0"/>
+              <a:t>) </a:t>
+            </a:r>
+            <a:r>
+              <a:rPr lang="en-US" altLang="ko-KR" b="1" dirty="0" smtClean="0">
+                <a:solidFill>
+                  <a:srgbClr val="FF0000"/>
+                </a:solidFill>
+              </a:rPr>
+              <a:t>on update </a:t>
+            </a:r>
+            <a:r>
+              <a:rPr lang="en-US" altLang="ko-KR" b="1" u="sng" dirty="0" smtClean="0">
+                <a:solidFill>
+                  <a:srgbClr val="FF0000"/>
+                </a:solidFill>
+              </a:rPr>
+              <a:t>cascade</a:t>
+            </a:r>
+            <a:r>
+              <a:rPr lang="en-US" altLang="ko-KR" b="1" dirty="0" smtClean="0">
+                <a:solidFill>
+                  <a:srgbClr val="FF0000"/>
+                </a:solidFill>
+              </a:rPr>
+              <a:t> on </a:t>
+            </a:r>
+            <a:r>
+              <a:rPr lang="en-US" altLang="ko-KR" b="1" dirty="0" smtClean="0">
+                <a:solidFill>
+                  <a:srgbClr val="FF0000"/>
+                </a:solidFill>
+              </a:rPr>
+              <a:t>             delete </a:t>
+            </a:r>
+            <a:r>
+              <a:rPr lang="en-US" altLang="ko-KR" b="1" dirty="0" smtClean="0">
+                <a:solidFill>
+                  <a:srgbClr val="FF0000"/>
+                </a:solidFill>
+              </a:rPr>
+              <a:t>cascade</a:t>
+            </a:r>
+          </a:p>
+          <a:p>
+            <a:r>
+              <a:rPr lang="en-US" altLang="ko-KR" dirty="0" smtClean="0"/>
+              <a:t>	</a:t>
+            </a:r>
+            <a:r>
+              <a:rPr lang="en-US" altLang="ko-KR" dirty="0" smtClean="0"/>
+              <a:t>);</a:t>
+            </a:r>
+          </a:p>
+          <a:p>
+            <a:endParaRPr lang="en-US" altLang="ko-KR" dirty="0" smtClean="0"/>
+          </a:p>
+          <a:p>
+            <a:r>
+              <a:rPr lang="en-US" altLang="ko-KR" b="1" dirty="0" smtClean="0">
+                <a:solidFill>
+                  <a:srgbClr val="FF0000"/>
+                </a:solidFill>
+              </a:rPr>
+              <a:t>on update </a:t>
+            </a:r>
+            <a:r>
+              <a:rPr lang="en-US" altLang="ko-KR" b="1" u="sng" dirty="0" smtClean="0">
+                <a:solidFill>
+                  <a:srgbClr val="FF0000"/>
+                </a:solidFill>
+              </a:rPr>
+              <a:t>null</a:t>
+            </a:r>
+            <a:r>
+              <a:rPr lang="en-US" altLang="ko-KR" b="1" dirty="0" smtClean="0">
+                <a:solidFill>
+                  <a:srgbClr val="FF0000"/>
+                </a:solidFill>
+              </a:rPr>
+              <a:t> on delete null</a:t>
+            </a:r>
+            <a:endParaRPr lang="en-US" altLang="ko-KR" b="1" dirty="0">
+              <a:solidFill>
+                <a:srgbClr val="FF0000"/>
+              </a:solidFill>
+            </a:endParaRPr>
           </a:p>
         </p:txBody>
       </p:sp>
@@ -9484,6 +12755,1354 @@
 </p:sld>
 </file>
 
+<file path=ppt/slides/slide30.xml><?xml version="1.0" encoding="utf-8"?>
+<p:sld xmlns:a="http://schemas.openxmlformats.org/drawingml/2006/main" xmlns:r="http://schemas.openxmlformats.org/officeDocument/2006/relationships" xmlns:p="http://schemas.openxmlformats.org/presentationml/2006/main">
+  <p:cSld>
+    <p:spTree>
+      <p:nvGrpSpPr>
+        <p:cNvPr id="1" name=""/>
+        <p:cNvGrpSpPr/>
+        <p:nvPr/>
+      </p:nvGrpSpPr>
+      <p:grpSpPr>
+        <a:xfrm>
+          <a:off x="0" y="0"/>
+          <a:ext cx="0" cy="0"/>
+          <a:chOff x="0" y="0"/>
+          <a:chExt cx="0" cy="0"/>
+        </a:xfrm>
+      </p:grpSpPr>
+      <p:sp>
+        <p:nvSpPr>
+          <p:cNvPr id="5" name="TextBox 4"/>
+          <p:cNvSpPr txBox="1"/>
+          <p:nvPr/>
+        </p:nvSpPr>
+        <p:spPr>
+          <a:xfrm>
+            <a:off x="251520" y="260648"/>
+            <a:ext cx="5976664" cy="400110"/>
+          </a:xfrm>
+          <a:prstGeom prst="rect">
+            <a:avLst/>
+          </a:prstGeom>
+          <a:noFill/>
+        </p:spPr>
+        <p:txBody>
+          <a:bodyPr wrap="square" rtlCol="0">
+            <a:spAutoFit/>
+          </a:bodyPr>
+          <a:lstStyle/>
+          <a:p>
+            <a:r>
+              <a:rPr lang="en-US" altLang="ko-KR" sz="2000" b="1" dirty="0" smtClean="0"/>
+              <a:t>MYSQL</a:t>
+            </a:r>
+            <a:r>
+              <a:rPr lang="ko-KR" altLang="en-US" sz="2000" b="1" dirty="0" smtClean="0"/>
+              <a:t> </a:t>
+            </a:r>
+            <a:r>
+              <a:rPr lang="en-US" altLang="ko-KR" sz="2000" b="1" dirty="0" smtClean="0"/>
+              <a:t>2</a:t>
+            </a:r>
+            <a:r>
+              <a:rPr lang="ko-KR" altLang="en-US" sz="2000" b="1" dirty="0" smtClean="0"/>
+              <a:t>일차</a:t>
+            </a:r>
+            <a:r>
+              <a:rPr lang="en-US" altLang="ko-KR" sz="2000" b="1" dirty="0" smtClean="0"/>
+              <a:t>(</a:t>
+            </a:r>
+            <a:r>
+              <a:rPr lang="ko-KR" altLang="en-US" sz="2000" b="1" dirty="0" smtClean="0"/>
+              <a:t>계좌 실습</a:t>
+            </a:r>
+            <a:r>
+              <a:rPr lang="en-US" altLang="ko-KR" sz="2000" b="1" dirty="0" smtClean="0"/>
+              <a:t>)</a:t>
+            </a:r>
+            <a:endParaRPr lang="ko-KR" altLang="en-US" sz="2000" b="1" dirty="0"/>
+          </a:p>
+        </p:txBody>
+      </p:sp>
+      <p:sp>
+        <p:nvSpPr>
+          <p:cNvPr id="7" name="직사각형 6"/>
+          <p:cNvSpPr/>
+          <p:nvPr/>
+        </p:nvSpPr>
+        <p:spPr>
+          <a:xfrm>
+            <a:off x="971600" y="1052736"/>
+            <a:ext cx="2376264" cy="792088"/>
+          </a:xfrm>
+          <a:prstGeom prst="rect">
+            <a:avLst/>
+          </a:prstGeom>
+          <a:solidFill>
+            <a:schemeClr val="bg1"/>
+          </a:solidFill>
+        </p:spPr>
+        <p:style>
+          <a:lnRef idx="2">
+            <a:schemeClr val="accent1">
+              <a:shade val="50000"/>
+            </a:schemeClr>
+          </a:lnRef>
+          <a:fillRef idx="1">
+            <a:schemeClr val="accent1"/>
+          </a:fillRef>
+          <a:effectRef idx="0">
+            <a:schemeClr val="accent1"/>
+          </a:effectRef>
+          <a:fontRef idx="minor">
+            <a:schemeClr val="lt1"/>
+          </a:fontRef>
+        </p:style>
+        <p:txBody>
+          <a:bodyPr rtlCol="0" anchor="ctr"/>
+          <a:lstStyle/>
+          <a:p>
+            <a:pPr algn="ctr"/>
+            <a:r>
+              <a:rPr lang="en-US" altLang="ko-KR" dirty="0" smtClean="0">
+                <a:solidFill>
+                  <a:schemeClr val="tx1"/>
+                </a:solidFill>
+              </a:rPr>
+              <a:t>&lt;&lt;data&gt;&gt;</a:t>
+            </a:r>
+          </a:p>
+          <a:p>
+            <a:pPr algn="ctr"/>
+            <a:r>
+              <a:rPr lang="en-US" altLang="ko-KR" dirty="0" err="1" smtClean="0">
+                <a:solidFill>
+                  <a:schemeClr val="tx1"/>
+                </a:solidFill>
+              </a:rPr>
+              <a:t>Accont</a:t>
+            </a:r>
+            <a:endParaRPr lang="ko-KR" altLang="en-US" dirty="0">
+              <a:solidFill>
+                <a:schemeClr val="tx1"/>
+              </a:solidFill>
+            </a:endParaRPr>
+          </a:p>
+        </p:txBody>
+      </p:sp>
+      <p:sp>
+        <p:nvSpPr>
+          <p:cNvPr id="8" name="직사각형 7"/>
+          <p:cNvSpPr/>
+          <p:nvPr/>
+        </p:nvSpPr>
+        <p:spPr>
+          <a:xfrm>
+            <a:off x="4499992" y="1124744"/>
+            <a:ext cx="2376264" cy="792088"/>
+          </a:xfrm>
+          <a:prstGeom prst="rect">
+            <a:avLst/>
+          </a:prstGeom>
+          <a:solidFill>
+            <a:schemeClr val="bg1"/>
+          </a:solidFill>
+        </p:spPr>
+        <p:style>
+          <a:lnRef idx="2">
+            <a:schemeClr val="accent1">
+              <a:shade val="50000"/>
+            </a:schemeClr>
+          </a:lnRef>
+          <a:fillRef idx="1">
+            <a:schemeClr val="accent1"/>
+          </a:fillRef>
+          <a:effectRef idx="0">
+            <a:schemeClr val="accent1"/>
+          </a:effectRef>
+          <a:fontRef idx="minor">
+            <a:schemeClr val="lt1"/>
+          </a:fontRef>
+        </p:style>
+        <p:txBody>
+          <a:bodyPr rtlCol="0" anchor="ctr"/>
+          <a:lstStyle/>
+          <a:p>
+            <a:pPr algn="ctr"/>
+            <a:r>
+              <a:rPr lang="en-US" altLang="ko-KR" dirty="0" smtClean="0">
+                <a:solidFill>
+                  <a:schemeClr val="tx1"/>
+                </a:solidFill>
+              </a:rPr>
+              <a:t>&lt;&lt;data&gt;&gt;</a:t>
+            </a:r>
+          </a:p>
+          <a:p>
+            <a:pPr algn="ctr"/>
+            <a:r>
+              <a:rPr lang="en-US" altLang="ko-KR" dirty="0" err="1" smtClean="0">
+                <a:solidFill>
+                  <a:schemeClr val="tx1"/>
+                </a:solidFill>
+              </a:rPr>
+              <a:t>AccontIO</a:t>
+            </a:r>
+            <a:endParaRPr lang="ko-KR" altLang="en-US" dirty="0">
+              <a:solidFill>
+                <a:schemeClr val="tx1"/>
+              </a:solidFill>
+            </a:endParaRPr>
+          </a:p>
+        </p:txBody>
+      </p:sp>
+      <p:sp>
+        <p:nvSpPr>
+          <p:cNvPr id="9" name="직사각형 8"/>
+          <p:cNvSpPr/>
+          <p:nvPr/>
+        </p:nvSpPr>
+        <p:spPr>
+          <a:xfrm>
+            <a:off x="2771800" y="3861048"/>
+            <a:ext cx="2376264" cy="792088"/>
+          </a:xfrm>
+          <a:prstGeom prst="rect">
+            <a:avLst/>
+          </a:prstGeom>
+          <a:solidFill>
+            <a:schemeClr val="bg1"/>
+          </a:solidFill>
+        </p:spPr>
+        <p:style>
+          <a:lnRef idx="2">
+            <a:schemeClr val="accent1">
+              <a:shade val="50000"/>
+            </a:schemeClr>
+          </a:lnRef>
+          <a:fillRef idx="1">
+            <a:schemeClr val="accent1"/>
+          </a:fillRef>
+          <a:effectRef idx="0">
+            <a:schemeClr val="accent1"/>
+          </a:effectRef>
+          <a:fontRef idx="minor">
+            <a:schemeClr val="lt1"/>
+          </a:fontRef>
+        </p:style>
+        <p:txBody>
+          <a:bodyPr rtlCol="0" anchor="ctr"/>
+          <a:lstStyle/>
+          <a:p>
+            <a:pPr algn="ctr"/>
+            <a:r>
+              <a:rPr lang="en-US" altLang="ko-KR" dirty="0" err="1" smtClean="0">
+                <a:solidFill>
+                  <a:schemeClr val="tx1"/>
+                </a:solidFill>
+              </a:rPr>
+              <a:t>AccontDB</a:t>
+            </a:r>
+            <a:endParaRPr lang="ko-KR" altLang="en-US" dirty="0">
+              <a:solidFill>
+                <a:schemeClr val="tx1"/>
+              </a:solidFill>
+            </a:endParaRPr>
+          </a:p>
+        </p:txBody>
+      </p:sp>
+      <p:sp>
+        <p:nvSpPr>
+          <p:cNvPr id="11" name="순서도: 자기 디스크 10"/>
+          <p:cNvSpPr/>
+          <p:nvPr/>
+        </p:nvSpPr>
+        <p:spPr>
+          <a:xfrm>
+            <a:off x="2627784" y="5157192"/>
+            <a:ext cx="2952328" cy="936104"/>
+          </a:xfrm>
+          <a:prstGeom prst="flowChartMagneticDisk">
+            <a:avLst/>
+          </a:prstGeom>
+        </p:spPr>
+        <p:style>
+          <a:lnRef idx="2">
+            <a:schemeClr val="accent1">
+              <a:shade val="50000"/>
+            </a:schemeClr>
+          </a:lnRef>
+          <a:fillRef idx="1">
+            <a:schemeClr val="accent1"/>
+          </a:fillRef>
+          <a:effectRef idx="0">
+            <a:schemeClr val="accent1"/>
+          </a:effectRef>
+          <a:fontRef idx="minor">
+            <a:schemeClr val="lt1"/>
+          </a:fontRef>
+        </p:style>
+        <p:txBody>
+          <a:bodyPr rtlCol="0" anchor="ctr"/>
+          <a:lstStyle/>
+          <a:p>
+            <a:pPr algn="ctr"/>
+            <a:r>
+              <a:rPr lang="en-US" altLang="ko-KR" dirty="0" err="1" smtClean="0"/>
+              <a:t>DataBase</a:t>
+            </a:r>
+            <a:endParaRPr lang="ko-KR" altLang="en-US" dirty="0"/>
+          </a:p>
+        </p:txBody>
+      </p:sp>
+      <p:cxnSp>
+        <p:nvCxnSpPr>
+          <p:cNvPr id="12" name="직선 화살표 연결선 11"/>
+          <p:cNvCxnSpPr/>
+          <p:nvPr/>
+        </p:nvCxnSpPr>
+        <p:spPr>
+          <a:xfrm>
+            <a:off x="4067944" y="4653136"/>
+            <a:ext cx="1" cy="576064"/>
+          </a:xfrm>
+          <a:prstGeom prst="straightConnector1">
+            <a:avLst/>
+          </a:prstGeom>
+          <a:ln w="25400">
+            <a:solidFill>
+              <a:srgbClr val="FF0000"/>
+            </a:solidFill>
+            <a:headEnd type="triangle"/>
+            <a:tailEnd type="triangle"/>
+          </a:ln>
+        </p:spPr>
+        <p:style>
+          <a:lnRef idx="1">
+            <a:schemeClr val="accent1"/>
+          </a:lnRef>
+          <a:fillRef idx="0">
+            <a:schemeClr val="accent1"/>
+          </a:fillRef>
+          <a:effectRef idx="0">
+            <a:schemeClr val="accent1"/>
+          </a:effectRef>
+          <a:fontRef idx="minor">
+            <a:schemeClr val="tx1"/>
+          </a:fontRef>
+        </p:style>
+      </p:cxnSp>
+      <p:sp>
+        <p:nvSpPr>
+          <p:cNvPr id="14" name="직사각형 13"/>
+          <p:cNvSpPr/>
+          <p:nvPr/>
+        </p:nvSpPr>
+        <p:spPr>
+          <a:xfrm>
+            <a:off x="683568" y="2708920"/>
+            <a:ext cx="7848872" cy="792088"/>
+          </a:xfrm>
+          <a:prstGeom prst="rect">
+            <a:avLst/>
+          </a:prstGeom>
+          <a:solidFill>
+            <a:schemeClr val="bg1"/>
+          </a:solidFill>
+        </p:spPr>
+        <p:style>
+          <a:lnRef idx="2">
+            <a:schemeClr val="accent1">
+              <a:shade val="50000"/>
+            </a:schemeClr>
+          </a:lnRef>
+          <a:fillRef idx="1">
+            <a:schemeClr val="accent1"/>
+          </a:fillRef>
+          <a:effectRef idx="0">
+            <a:schemeClr val="accent1"/>
+          </a:effectRef>
+          <a:fontRef idx="minor">
+            <a:schemeClr val="lt1"/>
+          </a:fontRef>
+        </p:style>
+        <p:txBody>
+          <a:bodyPr rtlCol="0" anchor="ctr"/>
+          <a:lstStyle/>
+          <a:p>
+            <a:pPr algn="ctr"/>
+            <a:r>
+              <a:rPr lang="en-US" altLang="ko-KR" dirty="0" smtClean="0">
+                <a:solidFill>
+                  <a:schemeClr val="tx1"/>
+                </a:solidFill>
+              </a:rPr>
+              <a:t>&lt;&lt;manager&gt;&gt;</a:t>
+            </a:r>
+          </a:p>
+          <a:p>
+            <a:pPr algn="ctr"/>
+            <a:r>
+              <a:rPr lang="en-US" altLang="ko-KR" dirty="0" smtClean="0">
+                <a:solidFill>
+                  <a:schemeClr val="tx1"/>
+                </a:solidFill>
+              </a:rPr>
+              <a:t>Bank</a:t>
+            </a:r>
+          </a:p>
+          <a:p>
+            <a:pPr algn="ctr"/>
+            <a:endParaRPr lang="ko-KR" altLang="en-US" dirty="0">
+              <a:solidFill>
+                <a:schemeClr val="tx1"/>
+              </a:solidFill>
+            </a:endParaRPr>
+          </a:p>
+        </p:txBody>
+      </p:sp>
+      <p:sp>
+        <p:nvSpPr>
+          <p:cNvPr id="15" name="직사각형 14"/>
+          <p:cNvSpPr/>
+          <p:nvPr/>
+        </p:nvSpPr>
+        <p:spPr>
+          <a:xfrm>
+            <a:off x="6156176" y="3789040"/>
+            <a:ext cx="2376264" cy="792088"/>
+          </a:xfrm>
+          <a:prstGeom prst="rect">
+            <a:avLst/>
+          </a:prstGeom>
+          <a:solidFill>
+            <a:schemeClr val="bg1"/>
+          </a:solidFill>
+        </p:spPr>
+        <p:style>
+          <a:lnRef idx="2">
+            <a:schemeClr val="accent1">
+              <a:shade val="50000"/>
+            </a:schemeClr>
+          </a:lnRef>
+          <a:fillRef idx="1">
+            <a:schemeClr val="accent1"/>
+          </a:fillRef>
+          <a:effectRef idx="0">
+            <a:schemeClr val="accent1"/>
+          </a:effectRef>
+          <a:fontRef idx="minor">
+            <a:schemeClr val="lt1"/>
+          </a:fontRef>
+        </p:style>
+        <p:txBody>
+          <a:bodyPr rtlCol="0" anchor="ctr"/>
+          <a:lstStyle/>
+          <a:p>
+            <a:pPr algn="ctr"/>
+            <a:r>
+              <a:rPr lang="en-US" altLang="ko-KR" dirty="0" err="1" smtClean="0">
+                <a:solidFill>
+                  <a:schemeClr val="tx1"/>
+                </a:solidFill>
+              </a:rPr>
+              <a:t>BitGlobal</a:t>
+            </a:r>
+            <a:endParaRPr lang="ko-KR" altLang="en-US" dirty="0">
+              <a:solidFill>
+                <a:schemeClr val="tx1"/>
+              </a:solidFill>
+            </a:endParaRPr>
+          </a:p>
+        </p:txBody>
+      </p:sp>
+      <p:cxnSp>
+        <p:nvCxnSpPr>
+          <p:cNvPr id="17" name="직선 화살표 연결선 16"/>
+          <p:cNvCxnSpPr/>
+          <p:nvPr/>
+        </p:nvCxnSpPr>
+        <p:spPr>
+          <a:xfrm flipV="1">
+            <a:off x="1979712" y="1844824"/>
+            <a:ext cx="0" cy="864096"/>
+          </a:xfrm>
+          <a:prstGeom prst="straightConnector1">
+            <a:avLst/>
+          </a:prstGeom>
+          <a:ln w="25400">
+            <a:solidFill>
+              <a:srgbClr val="FF0000"/>
+            </a:solidFill>
+            <a:tailEnd type="arrow"/>
+          </a:ln>
+        </p:spPr>
+        <p:style>
+          <a:lnRef idx="1">
+            <a:schemeClr val="accent1"/>
+          </a:lnRef>
+          <a:fillRef idx="0">
+            <a:schemeClr val="accent1"/>
+          </a:fillRef>
+          <a:effectRef idx="0">
+            <a:schemeClr val="accent1"/>
+          </a:effectRef>
+          <a:fontRef idx="minor">
+            <a:schemeClr val="tx1"/>
+          </a:fontRef>
+        </p:style>
+      </p:cxnSp>
+      <p:cxnSp>
+        <p:nvCxnSpPr>
+          <p:cNvPr id="24" name="직선 화살표 연결선 23"/>
+          <p:cNvCxnSpPr/>
+          <p:nvPr/>
+        </p:nvCxnSpPr>
+        <p:spPr>
+          <a:xfrm flipV="1">
+            <a:off x="5868144" y="1916832"/>
+            <a:ext cx="0" cy="792088"/>
+          </a:xfrm>
+          <a:prstGeom prst="straightConnector1">
+            <a:avLst/>
+          </a:prstGeom>
+          <a:ln w="25400">
+            <a:solidFill>
+              <a:srgbClr val="FF0000"/>
+            </a:solidFill>
+            <a:tailEnd type="arrow"/>
+          </a:ln>
+        </p:spPr>
+        <p:style>
+          <a:lnRef idx="1">
+            <a:schemeClr val="accent1"/>
+          </a:lnRef>
+          <a:fillRef idx="0">
+            <a:schemeClr val="accent1"/>
+          </a:fillRef>
+          <a:effectRef idx="0">
+            <a:schemeClr val="accent1"/>
+          </a:effectRef>
+          <a:fontRef idx="minor">
+            <a:schemeClr val="tx1"/>
+          </a:fontRef>
+        </p:style>
+      </p:cxnSp>
+      <p:cxnSp>
+        <p:nvCxnSpPr>
+          <p:cNvPr id="27" name="직선 화살표 연결선 26"/>
+          <p:cNvCxnSpPr/>
+          <p:nvPr/>
+        </p:nvCxnSpPr>
+        <p:spPr>
+          <a:xfrm>
+            <a:off x="4067944" y="3501008"/>
+            <a:ext cx="0" cy="432048"/>
+          </a:xfrm>
+          <a:prstGeom prst="straightConnector1">
+            <a:avLst/>
+          </a:prstGeom>
+          <a:ln w="25400">
+            <a:solidFill>
+              <a:srgbClr val="FF0000"/>
+            </a:solidFill>
+            <a:tailEnd type="arrow"/>
+          </a:ln>
+        </p:spPr>
+        <p:style>
+          <a:lnRef idx="1">
+            <a:schemeClr val="accent1"/>
+          </a:lnRef>
+          <a:fillRef idx="0">
+            <a:schemeClr val="accent1"/>
+          </a:fillRef>
+          <a:effectRef idx="0">
+            <a:schemeClr val="accent1"/>
+          </a:effectRef>
+          <a:fontRef idx="minor">
+            <a:schemeClr val="tx1"/>
+          </a:fontRef>
+        </p:style>
+      </p:cxnSp>
+    </p:spTree>
+  </p:cSld>
+  <p:clrMapOvr>
+    <a:masterClrMapping/>
+  </p:clrMapOvr>
+</p:sld>
+</file>
+
+<file path=ppt/slides/slide31.xml><?xml version="1.0" encoding="utf-8"?>
+<p:sld xmlns:a="http://schemas.openxmlformats.org/drawingml/2006/main" xmlns:r="http://schemas.openxmlformats.org/officeDocument/2006/relationships" xmlns:p="http://schemas.openxmlformats.org/presentationml/2006/main">
+  <p:cSld>
+    <p:spTree>
+      <p:nvGrpSpPr>
+        <p:cNvPr id="1" name=""/>
+        <p:cNvGrpSpPr/>
+        <p:nvPr/>
+      </p:nvGrpSpPr>
+      <p:grpSpPr>
+        <a:xfrm>
+          <a:off x="0" y="0"/>
+          <a:ext cx="0" cy="0"/>
+          <a:chOff x="0" y="0"/>
+          <a:chExt cx="0" cy="0"/>
+        </a:xfrm>
+      </p:grpSpPr>
+      <p:sp>
+        <p:nvSpPr>
+          <p:cNvPr id="5" name="TextBox 4"/>
+          <p:cNvSpPr txBox="1"/>
+          <p:nvPr/>
+        </p:nvSpPr>
+        <p:spPr>
+          <a:xfrm>
+            <a:off x="251520" y="260648"/>
+            <a:ext cx="5976664" cy="400110"/>
+          </a:xfrm>
+          <a:prstGeom prst="rect">
+            <a:avLst/>
+          </a:prstGeom>
+          <a:noFill/>
+        </p:spPr>
+        <p:txBody>
+          <a:bodyPr wrap="square" rtlCol="0">
+            <a:spAutoFit/>
+          </a:bodyPr>
+          <a:lstStyle/>
+          <a:p>
+            <a:r>
+              <a:rPr lang="en-US" altLang="ko-KR" sz="2000" b="1" dirty="0" smtClean="0"/>
+              <a:t>MYSQL</a:t>
+            </a:r>
+            <a:r>
+              <a:rPr lang="ko-KR" altLang="en-US" sz="2000" b="1" dirty="0" smtClean="0"/>
+              <a:t> </a:t>
+            </a:r>
+            <a:r>
+              <a:rPr lang="en-US" altLang="ko-KR" sz="2000" b="1" dirty="0" smtClean="0"/>
+              <a:t>2</a:t>
+            </a:r>
+            <a:r>
+              <a:rPr lang="ko-KR" altLang="en-US" sz="2000" b="1" dirty="0" smtClean="0"/>
+              <a:t>일차</a:t>
+            </a:r>
+            <a:r>
+              <a:rPr lang="en-US" altLang="ko-KR" sz="2000" b="1" dirty="0" smtClean="0"/>
+              <a:t>(</a:t>
+            </a:r>
+            <a:r>
+              <a:rPr lang="ko-KR" altLang="en-US" sz="2000" b="1" dirty="0" err="1" smtClean="0"/>
+              <a:t>파싱</a:t>
+            </a:r>
+            <a:r>
+              <a:rPr lang="en-US" altLang="ko-KR" sz="2000" b="1" dirty="0" smtClean="0"/>
+              <a:t>)</a:t>
+            </a:r>
+            <a:endParaRPr lang="ko-KR" altLang="en-US" sz="2000" b="1" dirty="0"/>
+          </a:p>
+        </p:txBody>
+      </p:sp>
+      <p:sp>
+        <p:nvSpPr>
+          <p:cNvPr id="13" name="직사각형 12"/>
+          <p:cNvSpPr/>
+          <p:nvPr/>
+        </p:nvSpPr>
+        <p:spPr>
+          <a:xfrm>
+            <a:off x="385792" y="980728"/>
+            <a:ext cx="6706487" cy="923330"/>
+          </a:xfrm>
+          <a:prstGeom prst="rect">
+            <a:avLst/>
+          </a:prstGeom>
+          <a:ln>
+            <a:solidFill>
+              <a:schemeClr val="accent1"/>
+            </a:solidFill>
+          </a:ln>
+        </p:spPr>
+        <p:txBody>
+          <a:bodyPr wrap="square">
+            <a:spAutoFit/>
+          </a:bodyPr>
+          <a:lstStyle/>
+          <a:p>
+            <a:pPr algn="ctr"/>
+            <a:r>
+              <a:rPr lang="ko-KR" altLang="en-US" dirty="0" smtClean="0"/>
+              <a:t>직렬화 </a:t>
+            </a:r>
+            <a:r>
+              <a:rPr lang="en-US" altLang="ko-KR" dirty="0" smtClean="0"/>
+              <a:t>:       </a:t>
+            </a:r>
+            <a:r>
+              <a:rPr lang="ko-KR" altLang="en-US" dirty="0" smtClean="0"/>
+              <a:t>객체   </a:t>
+            </a:r>
+            <a:r>
+              <a:rPr lang="en-US" altLang="ko-KR" dirty="0" smtClean="0">
+                <a:sym typeface="Wingdings" pitchFamily="2" charset="2"/>
+              </a:rPr>
+              <a:t>   String  byte[]  </a:t>
+            </a:r>
+          </a:p>
+          <a:p>
+            <a:pPr algn="ctr"/>
+            <a:endParaRPr lang="en-US" altLang="ko-KR" dirty="0" smtClean="0">
+              <a:sym typeface="Wingdings" pitchFamily="2" charset="2"/>
+            </a:endParaRPr>
+          </a:p>
+          <a:p>
+            <a:pPr algn="ctr"/>
+            <a:r>
+              <a:rPr lang="ko-KR" altLang="en-US" dirty="0" err="1" smtClean="0">
+                <a:sym typeface="Wingdings" pitchFamily="2" charset="2"/>
+              </a:rPr>
+              <a:t>역직렬화</a:t>
+            </a:r>
+            <a:r>
+              <a:rPr lang="ko-KR" altLang="en-US" dirty="0" smtClean="0">
+                <a:sym typeface="Wingdings" pitchFamily="2" charset="2"/>
+              </a:rPr>
+              <a:t> </a:t>
+            </a:r>
+            <a:r>
+              <a:rPr lang="en-US" altLang="ko-KR" dirty="0" smtClean="0">
+                <a:sym typeface="Wingdings" pitchFamily="2" charset="2"/>
+              </a:rPr>
+              <a:t>:  byte[]  String  </a:t>
+            </a:r>
+            <a:r>
+              <a:rPr lang="ko-KR" altLang="en-US" dirty="0" smtClean="0">
+                <a:sym typeface="Wingdings" pitchFamily="2" charset="2"/>
+              </a:rPr>
+              <a:t>객체</a:t>
+            </a:r>
+            <a:endParaRPr lang="en-US" altLang="ko-KR" dirty="0" smtClean="0"/>
+          </a:p>
+        </p:txBody>
+      </p:sp>
+    </p:spTree>
+  </p:cSld>
+  <p:clrMapOvr>
+    <a:masterClrMapping/>
+  </p:clrMapOvr>
+</p:sld>
+</file>
+
+<file path=ppt/slides/slide32.xml><?xml version="1.0" encoding="utf-8"?>
+<p:sld xmlns:a="http://schemas.openxmlformats.org/drawingml/2006/main" xmlns:r="http://schemas.openxmlformats.org/officeDocument/2006/relationships" xmlns:p="http://schemas.openxmlformats.org/presentationml/2006/main">
+  <p:cSld>
+    <p:spTree>
+      <p:nvGrpSpPr>
+        <p:cNvPr id="1" name=""/>
+        <p:cNvGrpSpPr/>
+        <p:nvPr/>
+      </p:nvGrpSpPr>
+      <p:grpSpPr>
+        <a:xfrm>
+          <a:off x="0" y="0"/>
+          <a:ext cx="0" cy="0"/>
+          <a:chOff x="0" y="0"/>
+          <a:chExt cx="0" cy="0"/>
+        </a:xfrm>
+      </p:grpSpPr>
+      <p:sp>
+        <p:nvSpPr>
+          <p:cNvPr id="5" name="TextBox 4"/>
+          <p:cNvSpPr txBox="1"/>
+          <p:nvPr/>
+        </p:nvSpPr>
+        <p:spPr>
+          <a:xfrm>
+            <a:off x="251520" y="260648"/>
+            <a:ext cx="5976664" cy="400110"/>
+          </a:xfrm>
+          <a:prstGeom prst="rect">
+            <a:avLst/>
+          </a:prstGeom>
+          <a:noFill/>
+        </p:spPr>
+        <p:txBody>
+          <a:bodyPr wrap="square" rtlCol="0">
+            <a:spAutoFit/>
+          </a:bodyPr>
+          <a:lstStyle/>
+          <a:p>
+            <a:r>
+              <a:rPr lang="en-US" altLang="ko-KR" sz="2000" b="1" dirty="0" smtClean="0"/>
+              <a:t>MYSQL</a:t>
+            </a:r>
+            <a:r>
+              <a:rPr lang="ko-KR" altLang="en-US" sz="2000" b="1" dirty="0" smtClean="0"/>
+              <a:t> </a:t>
+            </a:r>
+            <a:r>
+              <a:rPr lang="en-US" altLang="ko-KR" sz="2000" b="1" dirty="0" smtClean="0"/>
+              <a:t>2</a:t>
+            </a:r>
+            <a:r>
+              <a:rPr lang="ko-KR" altLang="en-US" sz="2000" b="1" dirty="0" smtClean="0"/>
+              <a:t>일차</a:t>
+            </a:r>
+            <a:r>
+              <a:rPr lang="en-US" altLang="ko-KR" sz="2000" b="1" dirty="0" smtClean="0"/>
+              <a:t>(</a:t>
+            </a:r>
+            <a:r>
+              <a:rPr lang="ko-KR" altLang="en-US" sz="2000" b="1" dirty="0" smtClean="0"/>
+              <a:t>테이블 설계</a:t>
+            </a:r>
+            <a:r>
+              <a:rPr lang="en-US" altLang="ko-KR" sz="2000" b="1" dirty="0" smtClean="0"/>
+              <a:t>)</a:t>
+            </a:r>
+            <a:endParaRPr lang="ko-KR" altLang="en-US" sz="2000" b="1" dirty="0"/>
+          </a:p>
+        </p:txBody>
+      </p:sp>
+      <p:sp>
+        <p:nvSpPr>
+          <p:cNvPr id="13" name="직사각형 12"/>
+          <p:cNvSpPr/>
+          <p:nvPr/>
+        </p:nvSpPr>
+        <p:spPr>
+          <a:xfrm>
+            <a:off x="467544" y="692696"/>
+            <a:ext cx="8136904" cy="5632311"/>
+          </a:xfrm>
+          <a:prstGeom prst="rect">
+            <a:avLst/>
+          </a:prstGeom>
+          <a:ln>
+            <a:solidFill>
+              <a:schemeClr val="accent1"/>
+            </a:solidFill>
+          </a:ln>
+        </p:spPr>
+        <p:txBody>
+          <a:bodyPr wrap="square">
+            <a:spAutoFit/>
+          </a:bodyPr>
+          <a:lstStyle/>
+          <a:p>
+            <a:pPr marL="342900" indent="-342900">
+              <a:buAutoNum type="arabicPeriod"/>
+            </a:pPr>
+            <a:r>
+              <a:rPr lang="ko-KR" altLang="en-US" dirty="0" smtClean="0"/>
+              <a:t>중복</a:t>
+            </a:r>
+            <a:r>
+              <a:rPr lang="en-US" altLang="ko-KR" dirty="0" smtClean="0"/>
+              <a:t> </a:t>
+            </a:r>
+            <a:r>
+              <a:rPr lang="ko-KR" altLang="en-US" dirty="0" smtClean="0"/>
+              <a:t>데이터 저장 방지</a:t>
+            </a:r>
+            <a:r>
+              <a:rPr lang="en-US" altLang="ko-KR" dirty="0" smtClean="0"/>
+              <a:t>!</a:t>
+            </a:r>
+          </a:p>
+          <a:p>
+            <a:pPr marL="342900" indent="-342900"/>
+            <a:r>
+              <a:rPr lang="en-US" altLang="ko-KR" dirty="0" smtClean="0"/>
+              <a:t>     * </a:t>
+            </a:r>
+            <a:r>
+              <a:rPr lang="ko-KR" altLang="en-US" dirty="0" smtClean="0"/>
+              <a:t>회원정보</a:t>
+            </a:r>
+            <a:r>
+              <a:rPr lang="en-US" altLang="ko-KR" dirty="0" smtClean="0"/>
+              <a:t>(</a:t>
+            </a:r>
+            <a:r>
+              <a:rPr lang="ko-KR" altLang="en-US" u="sng" dirty="0" smtClean="0"/>
+              <a:t>회원번호</a:t>
+            </a:r>
+            <a:r>
+              <a:rPr lang="en-US" altLang="ko-KR" dirty="0" smtClean="0"/>
+              <a:t>, </a:t>
+            </a:r>
+            <a:r>
+              <a:rPr lang="ko-KR" altLang="en-US" dirty="0" smtClean="0"/>
+              <a:t>이름</a:t>
+            </a:r>
+            <a:r>
+              <a:rPr lang="en-US" altLang="ko-KR" dirty="0" smtClean="0"/>
+              <a:t>, XXXX)</a:t>
+            </a:r>
+            <a:endParaRPr lang="en-US" altLang="ko-KR" dirty="0" smtClean="0"/>
+          </a:p>
+          <a:p>
+            <a:pPr marL="342900" indent="-342900"/>
+            <a:endParaRPr lang="en-US" altLang="ko-KR" dirty="0" smtClean="0"/>
+          </a:p>
+          <a:p>
+            <a:pPr marL="342900" indent="-342900"/>
+            <a:endParaRPr lang="en-US" altLang="ko-KR" dirty="0" smtClean="0"/>
+          </a:p>
+          <a:p>
+            <a:pPr marL="342900" indent="-342900"/>
+            <a:r>
+              <a:rPr lang="en-US" altLang="ko-KR" dirty="0" smtClean="0"/>
+              <a:t>2. </a:t>
+            </a:r>
+            <a:r>
+              <a:rPr lang="ko-KR" altLang="en-US" dirty="0" smtClean="0"/>
+              <a:t>데이터 테이블</a:t>
+            </a:r>
+            <a:r>
+              <a:rPr lang="en-US" altLang="ko-KR" dirty="0" smtClean="0"/>
+              <a:t>[</a:t>
+            </a:r>
+            <a:r>
+              <a:rPr lang="ko-KR" altLang="en-US" dirty="0" smtClean="0"/>
+              <a:t>회원</a:t>
+            </a:r>
+            <a:r>
+              <a:rPr lang="en-US" altLang="ko-KR" dirty="0" smtClean="0"/>
+              <a:t>, </a:t>
+            </a:r>
+            <a:r>
+              <a:rPr lang="ko-KR" altLang="en-US" dirty="0" smtClean="0"/>
+              <a:t>버스</a:t>
+            </a:r>
+            <a:r>
+              <a:rPr lang="en-US" altLang="ko-KR" dirty="0" smtClean="0"/>
+              <a:t>],     </a:t>
+            </a:r>
+            <a:r>
+              <a:rPr lang="ko-KR" altLang="en-US" dirty="0" smtClean="0"/>
+              <a:t>관계 테이블</a:t>
+            </a:r>
+            <a:r>
+              <a:rPr lang="en-US" altLang="ko-KR" dirty="0" smtClean="0"/>
+              <a:t>[</a:t>
+            </a:r>
+            <a:r>
+              <a:rPr lang="ko-KR" altLang="en-US" dirty="0" smtClean="0"/>
+              <a:t>예약</a:t>
+            </a:r>
+            <a:r>
+              <a:rPr lang="en-US" altLang="ko-KR" dirty="0" smtClean="0"/>
+              <a:t>]</a:t>
+            </a:r>
+          </a:p>
+          <a:p>
+            <a:pPr marL="342900" indent="-342900"/>
+            <a:r>
+              <a:rPr lang="en-US" altLang="ko-KR" dirty="0" smtClean="0"/>
+              <a:t>-------------------------------------------------------</a:t>
+            </a:r>
+          </a:p>
+          <a:p>
+            <a:pPr marL="342900" indent="-342900"/>
+            <a:r>
+              <a:rPr lang="en-US" altLang="ko-KR" dirty="0" smtClean="0"/>
+              <a:t>[</a:t>
+            </a:r>
+            <a:r>
+              <a:rPr lang="ko-KR" altLang="en-US" dirty="0" smtClean="0"/>
+              <a:t>회원</a:t>
+            </a:r>
+            <a:r>
+              <a:rPr lang="en-US" altLang="ko-KR" dirty="0" smtClean="0"/>
+              <a:t>]</a:t>
+            </a:r>
+          </a:p>
+          <a:p>
+            <a:pPr marL="342900" indent="-342900"/>
+            <a:r>
+              <a:rPr lang="en-US" altLang="ko-KR" dirty="0" smtClean="0">
+                <a:solidFill>
+                  <a:srgbClr val="FF0000"/>
+                </a:solidFill>
+              </a:rPr>
+              <a:t>1</a:t>
+            </a:r>
+            <a:r>
+              <a:rPr lang="en-US" altLang="ko-KR" dirty="0" smtClean="0"/>
+              <a:t> </a:t>
+            </a:r>
+            <a:r>
+              <a:rPr lang="ko-KR" altLang="en-US" dirty="0" smtClean="0"/>
+              <a:t>홍길동</a:t>
+            </a:r>
+            <a:endParaRPr lang="en-US" altLang="ko-KR" dirty="0" smtClean="0"/>
+          </a:p>
+          <a:p>
+            <a:pPr marL="342900" indent="-342900"/>
+            <a:r>
+              <a:rPr lang="en-US" altLang="ko-KR" dirty="0" smtClean="0"/>
+              <a:t>2 </a:t>
+            </a:r>
+            <a:r>
+              <a:rPr lang="ko-KR" altLang="en-US" dirty="0" smtClean="0"/>
+              <a:t>김길동</a:t>
+            </a:r>
+            <a:endParaRPr lang="en-US" altLang="ko-KR" dirty="0" smtClean="0"/>
+          </a:p>
+          <a:p>
+            <a:pPr marL="342900" indent="-342900"/>
+            <a:r>
+              <a:rPr lang="en-US" altLang="ko-KR" dirty="0" smtClean="0"/>
+              <a:t>3 </a:t>
+            </a:r>
+            <a:r>
+              <a:rPr lang="ko-KR" altLang="en-US" dirty="0" smtClean="0"/>
+              <a:t>고길동</a:t>
+            </a:r>
+            <a:endParaRPr lang="en-US" altLang="ko-KR" dirty="0" smtClean="0"/>
+          </a:p>
+          <a:p>
+            <a:pPr marL="342900" indent="-342900"/>
+            <a:endParaRPr lang="en-US" altLang="ko-KR" dirty="0" smtClean="0"/>
+          </a:p>
+          <a:p>
+            <a:pPr marL="342900" indent="-342900"/>
+            <a:r>
+              <a:rPr lang="en-US" altLang="ko-KR" dirty="0" smtClean="0"/>
+              <a:t>[</a:t>
+            </a:r>
+            <a:r>
+              <a:rPr lang="ko-KR" altLang="en-US" dirty="0" smtClean="0"/>
+              <a:t>버스</a:t>
+            </a:r>
+            <a:r>
+              <a:rPr lang="en-US" altLang="ko-KR" dirty="0" smtClean="0"/>
+              <a:t>]</a:t>
+            </a:r>
+          </a:p>
+          <a:p>
+            <a:pPr marL="342900" indent="-342900"/>
+            <a:r>
+              <a:rPr lang="ko-KR" altLang="en-US" dirty="0" smtClean="0"/>
+              <a:t>버스번호  </a:t>
+            </a:r>
+            <a:r>
+              <a:rPr lang="ko-KR" altLang="en-US" dirty="0" err="1" smtClean="0"/>
+              <a:t>좌석수</a:t>
+            </a:r>
+            <a:r>
+              <a:rPr lang="en-US" altLang="ko-KR" dirty="0" smtClean="0"/>
+              <a:t>(max), </a:t>
+            </a:r>
+            <a:r>
+              <a:rPr lang="ko-KR" altLang="en-US" dirty="0" smtClean="0"/>
+              <a:t>예약자수</a:t>
+            </a:r>
+            <a:r>
+              <a:rPr lang="en-US" altLang="ko-KR" dirty="0" smtClean="0"/>
+              <a:t>(count) </a:t>
+            </a:r>
+            <a:r>
+              <a:rPr lang="ko-KR" altLang="en-US" dirty="0" smtClean="0"/>
+              <a:t> 좌석상태</a:t>
+            </a:r>
+            <a:r>
+              <a:rPr lang="en-US" altLang="ko-KR" dirty="0" smtClean="0"/>
+              <a:t>(</a:t>
+            </a:r>
+            <a:r>
+              <a:rPr lang="ko-KR" altLang="en-US" dirty="0" smtClean="0"/>
+              <a:t>문자열</a:t>
+            </a:r>
+            <a:r>
+              <a:rPr lang="en-US" altLang="ko-KR" dirty="0" smtClean="0"/>
+              <a:t>)</a:t>
+            </a:r>
+          </a:p>
+          <a:p>
+            <a:pPr marL="342900" indent="-342900"/>
+            <a:r>
+              <a:rPr lang="en-US" altLang="ko-KR" dirty="0" smtClean="0"/>
+              <a:t>---------------------------------------------------------</a:t>
+            </a:r>
+          </a:p>
+          <a:p>
+            <a:pPr marL="342900" indent="-342900"/>
+            <a:r>
+              <a:rPr lang="en-US" altLang="ko-KR" b="1" dirty="0" smtClean="0">
+                <a:solidFill>
+                  <a:srgbClr val="FF0000"/>
+                </a:solidFill>
+              </a:rPr>
+              <a:t>10</a:t>
+            </a:r>
+            <a:r>
+              <a:rPr lang="en-US" altLang="ko-KR" dirty="0" smtClean="0"/>
+              <a:t>  40   10    0000101111011101110011</a:t>
+            </a:r>
+          </a:p>
+          <a:p>
+            <a:pPr marL="342900" indent="-342900"/>
+            <a:r>
+              <a:rPr lang="en-US" altLang="ko-KR" dirty="0" smtClean="0"/>
+              <a:t>11  40    20   10101010011010010101010</a:t>
+            </a:r>
+          </a:p>
+          <a:p>
+            <a:pPr marL="342900" indent="-342900"/>
+            <a:r>
+              <a:rPr lang="en-US" altLang="ko-KR" dirty="0" smtClean="0"/>
+              <a:t>------------------------------------------------------------------</a:t>
+            </a:r>
+          </a:p>
+          <a:p>
+            <a:pPr marL="342900" indent="-342900"/>
+            <a:endParaRPr lang="en-US" altLang="ko-KR" dirty="0" smtClean="0"/>
+          </a:p>
+          <a:p>
+            <a:pPr marL="342900" indent="-342900"/>
+            <a:r>
+              <a:rPr lang="en-US" altLang="ko-KR" dirty="0" smtClean="0"/>
+              <a:t>[</a:t>
+            </a:r>
+            <a:r>
+              <a:rPr lang="ko-KR" altLang="en-US" dirty="0" smtClean="0"/>
+              <a:t>관계</a:t>
+            </a:r>
+            <a:r>
+              <a:rPr lang="en-US" altLang="ko-KR" dirty="0" smtClean="0"/>
+              <a:t>] </a:t>
+            </a:r>
+            <a:r>
+              <a:rPr lang="ko-KR" altLang="en-US" dirty="0" smtClean="0"/>
+              <a:t>어떤 회원이 어떤 버스를 예약했다</a:t>
+            </a:r>
+            <a:r>
+              <a:rPr lang="en-US" altLang="ko-KR" dirty="0" smtClean="0"/>
+              <a:t>.</a:t>
+            </a:r>
+          </a:p>
+          <a:p>
+            <a:pPr marL="342900" indent="-342900"/>
+            <a:r>
+              <a:rPr lang="en-US" altLang="ko-KR" b="1" dirty="0" smtClean="0">
+                <a:solidFill>
+                  <a:srgbClr val="FF0000"/>
+                </a:solidFill>
+              </a:rPr>
+              <a:t>1(FK)</a:t>
+            </a:r>
+            <a:r>
+              <a:rPr lang="ko-KR" altLang="en-US" b="1" dirty="0" smtClean="0">
+                <a:solidFill>
+                  <a:srgbClr val="FF0000"/>
+                </a:solidFill>
+              </a:rPr>
+              <a:t>번 회원이 </a:t>
+            </a:r>
+            <a:r>
+              <a:rPr lang="en-US" altLang="ko-KR" b="1" dirty="0" smtClean="0">
+                <a:solidFill>
+                  <a:srgbClr val="FF0000"/>
+                </a:solidFill>
+              </a:rPr>
+              <a:t>10(FK)</a:t>
+            </a:r>
+            <a:r>
+              <a:rPr lang="ko-KR" altLang="en-US" dirty="0" smtClean="0"/>
+              <a:t>번 버스를 예약했다</a:t>
+            </a:r>
+            <a:r>
+              <a:rPr lang="en-US" altLang="ko-KR" dirty="0" smtClean="0"/>
+              <a:t>. + </a:t>
+            </a:r>
+            <a:r>
+              <a:rPr lang="ko-KR" altLang="en-US" dirty="0" smtClean="0"/>
+              <a:t>날짜</a:t>
+            </a:r>
+            <a:r>
+              <a:rPr lang="en-US" altLang="ko-KR" dirty="0" smtClean="0"/>
+              <a:t>/</a:t>
+            </a:r>
+            <a:r>
+              <a:rPr lang="ko-KR" altLang="en-US" dirty="0" smtClean="0"/>
+              <a:t>시간</a:t>
+            </a:r>
+            <a:r>
+              <a:rPr lang="en-US" altLang="ko-KR" dirty="0" smtClean="0"/>
+              <a:t> </a:t>
+            </a:r>
+            <a:r>
+              <a:rPr lang="en-US" altLang="ko-KR" dirty="0" smtClean="0"/>
+              <a:t>+ </a:t>
+            </a:r>
+            <a:r>
+              <a:rPr lang="ko-KR" altLang="en-US" dirty="0" err="1" smtClean="0"/>
+              <a:t>몇번째</a:t>
+            </a:r>
+            <a:r>
+              <a:rPr lang="ko-KR" altLang="en-US" dirty="0" smtClean="0"/>
+              <a:t> 좌석</a:t>
+            </a:r>
+            <a:endParaRPr lang="en-US" altLang="ko-KR" dirty="0" smtClean="0"/>
+          </a:p>
+        </p:txBody>
+      </p:sp>
+      <p:pic>
+        <p:nvPicPr>
+          <p:cNvPr id="1026" name="Picture 2"/>
+          <p:cNvPicPr>
+            <a:picLocks noChangeAspect="1" noChangeArrowheads="1"/>
+          </p:cNvPicPr>
+          <p:nvPr/>
+        </p:nvPicPr>
+        <p:blipFill>
+          <a:blip r:embed="rId2" cstate="print"/>
+          <a:srcRect/>
+          <a:stretch>
+            <a:fillRect/>
+          </a:stretch>
+        </p:blipFill>
+        <p:spPr bwMode="auto">
+          <a:xfrm>
+            <a:off x="1196975" y="2155825"/>
+            <a:ext cx="6750050" cy="2546350"/>
+          </a:xfrm>
+          <a:prstGeom prst="rect">
+            <a:avLst/>
+          </a:prstGeom>
+          <a:noFill/>
+          <a:ln w="9525">
+            <a:noFill/>
+            <a:miter lim="800000"/>
+            <a:headEnd/>
+            <a:tailEnd/>
+          </a:ln>
+        </p:spPr>
+      </p:pic>
+    </p:spTree>
+  </p:cSld>
+  <p:clrMapOvr>
+    <a:masterClrMapping/>
+  </p:clrMapOvr>
+</p:sld>
+</file>
+
+<file path=ppt/slides/slide33.xml><?xml version="1.0" encoding="utf-8"?>
+<p:sld xmlns:a="http://schemas.openxmlformats.org/drawingml/2006/main" xmlns:r="http://schemas.openxmlformats.org/officeDocument/2006/relationships" xmlns:p="http://schemas.openxmlformats.org/presentationml/2006/main">
+  <p:cSld>
+    <p:spTree>
+      <p:nvGrpSpPr>
+        <p:cNvPr id="1" name=""/>
+        <p:cNvGrpSpPr/>
+        <p:nvPr/>
+      </p:nvGrpSpPr>
+      <p:grpSpPr>
+        <a:xfrm>
+          <a:off x="0" y="0"/>
+          <a:ext cx="0" cy="0"/>
+          <a:chOff x="0" y="0"/>
+          <a:chExt cx="0" cy="0"/>
+        </a:xfrm>
+      </p:grpSpPr>
+      <p:sp>
+        <p:nvSpPr>
+          <p:cNvPr id="5" name="TextBox 4"/>
+          <p:cNvSpPr txBox="1"/>
+          <p:nvPr/>
+        </p:nvSpPr>
+        <p:spPr>
+          <a:xfrm>
+            <a:off x="251520" y="260648"/>
+            <a:ext cx="5976664" cy="400110"/>
+          </a:xfrm>
+          <a:prstGeom prst="rect">
+            <a:avLst/>
+          </a:prstGeom>
+          <a:noFill/>
+        </p:spPr>
+        <p:txBody>
+          <a:bodyPr wrap="square" rtlCol="0">
+            <a:spAutoFit/>
+          </a:bodyPr>
+          <a:lstStyle/>
+          <a:p>
+            <a:r>
+              <a:rPr lang="en-US" altLang="ko-KR" sz="2000" b="1" dirty="0" smtClean="0"/>
+              <a:t>MYSQL</a:t>
+            </a:r>
+            <a:r>
+              <a:rPr lang="ko-KR" altLang="en-US" sz="2000" b="1" dirty="0" smtClean="0"/>
+              <a:t> </a:t>
+            </a:r>
+            <a:r>
+              <a:rPr lang="en-US" altLang="ko-KR" sz="2000" b="1" dirty="0" smtClean="0"/>
+              <a:t>2</a:t>
+            </a:r>
+            <a:r>
+              <a:rPr lang="ko-KR" altLang="en-US" sz="2000" b="1" dirty="0" smtClean="0"/>
+              <a:t>일차</a:t>
+            </a:r>
+            <a:r>
+              <a:rPr lang="en-US" altLang="ko-KR" sz="2000" b="1" dirty="0" smtClean="0"/>
+              <a:t>(</a:t>
+            </a:r>
+            <a:r>
+              <a:rPr lang="ko-KR" altLang="en-US" sz="2000" b="1" dirty="0" smtClean="0"/>
+              <a:t>테이블 설계</a:t>
+            </a:r>
+            <a:r>
+              <a:rPr lang="en-US" altLang="ko-KR" sz="2000" b="1" dirty="0" smtClean="0"/>
+              <a:t>)</a:t>
+            </a:r>
+            <a:endParaRPr lang="ko-KR" altLang="en-US" sz="2000" b="1" dirty="0"/>
+          </a:p>
+        </p:txBody>
+      </p:sp>
+      <p:pic>
+        <p:nvPicPr>
+          <p:cNvPr id="1026" name="Picture 2"/>
+          <p:cNvPicPr>
+            <a:picLocks noChangeAspect="1" noChangeArrowheads="1"/>
+          </p:cNvPicPr>
+          <p:nvPr/>
+        </p:nvPicPr>
+        <p:blipFill>
+          <a:blip r:embed="rId2" cstate="print"/>
+          <a:srcRect/>
+          <a:stretch>
+            <a:fillRect/>
+          </a:stretch>
+        </p:blipFill>
+        <p:spPr bwMode="auto">
+          <a:xfrm>
+            <a:off x="467544" y="1484784"/>
+            <a:ext cx="8208014" cy="3096344"/>
+          </a:xfrm>
+          <a:prstGeom prst="rect">
+            <a:avLst/>
+          </a:prstGeom>
+          <a:noFill/>
+          <a:ln w="9525">
+            <a:noFill/>
+            <a:miter lim="800000"/>
+            <a:headEnd/>
+            <a:tailEnd/>
+          </a:ln>
+        </p:spPr>
+      </p:pic>
+    </p:spTree>
+  </p:cSld>
+  <p:clrMapOvr>
+    <a:masterClrMapping/>
+  </p:clrMapOvr>
+</p:sld>
+</file>
+
 <file path=ppt/slides/slide4.xml><?xml version="1.0" encoding="utf-8"?>
 <p:sld xmlns:a="http://schemas.openxmlformats.org/drawingml/2006/main" xmlns:r="http://schemas.openxmlformats.org/officeDocument/2006/relationships" xmlns:p="http://schemas.openxmlformats.org/presentationml/2006/main">
   <p:cSld>
@@ -10354,11 +14973,7 @@
             </a:r>
             <a:r>
               <a:rPr lang="en-US" altLang="ko-KR" dirty="0" smtClean="0"/>
-              <a:t>) </a:t>
-            </a:r>
-            <a:r>
-              <a:rPr lang="en-US" altLang="ko-KR" dirty="0" smtClean="0"/>
-              <a:t> </a:t>
+              <a:t>)  </a:t>
             </a:r>
             <a:r>
               <a:rPr lang="ko-KR" altLang="en-US" dirty="0" smtClean="0"/>
@@ -10724,15 +15339,7 @@
           <a:p>
             <a:r>
               <a:rPr lang="en-US" altLang="ko-KR" dirty="0" smtClean="0"/>
-              <a:t>show </a:t>
-            </a:r>
-            <a:r>
-              <a:rPr lang="en-US" altLang="ko-KR" dirty="0" smtClean="0"/>
-              <a:t>tables</a:t>
-            </a:r>
-            <a:r>
-              <a:rPr lang="en-US" altLang="ko-KR" dirty="0" smtClean="0"/>
-              <a:t>;      - </a:t>
+              <a:t>show tables;      - </a:t>
             </a:r>
             <a:r>
               <a:rPr lang="ko-KR" altLang="en-US" dirty="0" smtClean="0"/>
@@ -11112,11 +15719,7 @@
             <a:pPr marL="342900" indent="-342900"/>
             <a:r>
               <a:rPr lang="en-US" altLang="ko-KR" dirty="0" smtClean="0"/>
-              <a:t> </a:t>
-            </a:r>
-            <a:r>
-              <a:rPr lang="en-US" altLang="ko-KR" dirty="0" smtClean="0"/>
-              <a:t>    select * from dept;</a:t>
+              <a:t>     select * from dept;</a:t>
             </a:r>
           </a:p>
           <a:p>
@@ -11236,11 +15839,7 @@
             </a:r>
             <a:r>
               <a:rPr lang="ko-KR" altLang="en-US" dirty="0" err="1" smtClean="0"/>
-              <a:t>컬</a:t>
-            </a:r>
-            <a:r>
-              <a:rPr lang="ko-KR" altLang="en-US" dirty="0" err="1" smtClean="0"/>
-              <a:t>럼들을</a:t>
+              <a:t>컬럼들을</a:t>
             </a:r>
             <a:r>
               <a:rPr lang="ko-KR" altLang="en-US" dirty="0" smtClean="0"/>
@@ -11281,7 +15880,6 @@
               <a:rPr lang="en-US" altLang="ko-KR" dirty="0" smtClean="0"/>
               <a:t>;</a:t>
             </a:r>
-            <a:endParaRPr lang="en-US" altLang="ko-KR" dirty="0" smtClean="0"/>
           </a:p>
           <a:p>
             <a:pPr marL="342900" indent="-342900"/>
@@ -11651,15 +16249,7 @@
             <a:pPr marL="342900" indent="-342900"/>
             <a:r>
               <a:rPr lang="en-US" altLang="ko-KR" dirty="0" smtClean="0"/>
-              <a:t>    </a:t>
-            </a:r>
-            <a:r>
-              <a:rPr lang="en-US" altLang="ko-KR" dirty="0" smtClean="0"/>
-              <a:t>select </a:t>
-            </a:r>
-            <a:r>
-              <a:rPr lang="en-US" altLang="ko-KR" dirty="0" smtClean="0"/>
-              <a:t>distinct  </a:t>
+              <a:t>    select distinct  </a:t>
             </a:r>
             <a:r>
               <a:rPr lang="en-US" altLang="ko-KR" b="1" dirty="0" smtClean="0">
@@ -11691,11 +16281,7 @@
             </a:r>
             <a:r>
               <a:rPr lang="ko-KR" altLang="en-US" dirty="0" smtClean="0"/>
-              <a:t> </a:t>
-            </a:r>
-            <a:r>
-              <a:rPr lang="ko-KR" altLang="en-US" dirty="0" smtClean="0"/>
-              <a:t>    </a:t>
+              <a:t>     </a:t>
             </a:r>
             <a:r>
               <a:rPr lang="en-US" altLang="ko-KR" dirty="0" smtClean="0"/>
@@ -11775,11 +16361,7 @@
             <a:pPr marL="342900" indent="-342900"/>
             <a:r>
               <a:rPr lang="en-US" altLang="ko-KR" dirty="0" smtClean="0"/>
-              <a:t>    select </a:t>
-            </a:r>
-            <a:r>
-              <a:rPr lang="en-US" altLang="ko-KR" dirty="0" smtClean="0"/>
-              <a:t>distinct  </a:t>
+              <a:t>    select distinct  </a:t>
             </a:r>
             <a:r>
               <a:rPr lang="en-US" altLang="ko-KR" b="1" dirty="0" smtClean="0">
@@ -11787,7 +16369,15 @@
                   <a:srgbClr val="FF0000"/>
                 </a:solidFill>
               </a:rPr>
-              <a:t>job </a:t>
+              <a:t>job “</a:t>
+            </a:r>
+            <a:r>
+              <a:rPr lang="ko-KR" altLang="en-US" b="1" dirty="0" smtClean="0">
+                <a:solidFill>
+                  <a:srgbClr val="FF0000"/>
+                </a:solidFill>
+              </a:rPr>
+              <a:t>업 무</a:t>
             </a:r>
             <a:r>
               <a:rPr lang="en-US" altLang="ko-KR" b="1" dirty="0" smtClean="0">
@@ -11795,7 +16385,7 @@
                   <a:srgbClr val="FF0000"/>
                 </a:solidFill>
               </a:rPr>
-              <a:t>“</a:t>
+              <a:t>”</a:t>
             </a:r>
             <a:r>
               <a:rPr lang="ko-KR" altLang="en-US" b="1" dirty="0" smtClean="0">
@@ -11803,7 +16393,34 @@
                   <a:srgbClr val="FF0000"/>
                 </a:solidFill>
               </a:rPr>
-              <a:t>업 무</a:t>
+              <a:t> </a:t>
+            </a:r>
+            <a:r>
+              <a:rPr lang="en-US" altLang="ko-KR" dirty="0" smtClean="0"/>
+              <a:t>from </a:t>
+            </a:r>
+            <a:r>
+              <a:rPr lang="en-US" altLang="ko-KR" dirty="0" err="1" smtClean="0"/>
+              <a:t>emp</a:t>
+            </a:r>
+            <a:r>
+              <a:rPr lang="en-US" altLang="ko-KR" dirty="0" smtClean="0"/>
+              <a:t>;      - </a:t>
+            </a:r>
+            <a:r>
+              <a:rPr lang="ko-KR" altLang="en-US" dirty="0" smtClean="0"/>
+              <a:t>공백처리 가능</a:t>
+            </a:r>
+            <a:r>
+              <a:rPr lang="en-US" altLang="ko-KR" dirty="0" smtClean="0"/>
+              <a:t> </a:t>
+            </a:r>
+          </a:p>
+          <a:p>
+            <a:pPr marL="342900" indent="-342900"/>
+            <a:r>
+              <a:rPr lang="en-US" altLang="ko-KR" dirty="0" smtClean="0"/>
+              <a:t>    select distinct  </a:t>
             </a:r>
             <a:r>
               <a:rPr lang="en-US" altLang="ko-KR" b="1" dirty="0" smtClean="0">
@@ -11811,62 +16428,7 @@
                   <a:srgbClr val="FF0000"/>
                 </a:solidFill>
               </a:rPr>
-              <a:t>”</a:t>
-            </a:r>
-            <a:r>
-              <a:rPr lang="ko-KR" altLang="en-US" b="1" dirty="0" smtClean="0">
-                <a:solidFill>
-                  <a:srgbClr val="FF0000"/>
-                </a:solidFill>
-              </a:rPr>
-              <a:t> </a:t>
-            </a:r>
-            <a:r>
-              <a:rPr lang="en-US" altLang="ko-KR" dirty="0" smtClean="0"/>
-              <a:t>from </a:t>
-            </a:r>
-            <a:r>
-              <a:rPr lang="en-US" altLang="ko-KR" dirty="0" err="1" smtClean="0"/>
-              <a:t>emp</a:t>
-            </a:r>
-            <a:r>
-              <a:rPr lang="en-US" altLang="ko-KR" dirty="0" smtClean="0"/>
-              <a:t>;      - </a:t>
-            </a:r>
-            <a:r>
-              <a:rPr lang="ko-KR" altLang="en-US" dirty="0" smtClean="0"/>
-              <a:t>공백처리 가능</a:t>
-            </a:r>
-            <a:r>
-              <a:rPr lang="en-US" altLang="ko-KR" dirty="0" smtClean="0"/>
-              <a:t> </a:t>
-            </a:r>
-          </a:p>
-          <a:p>
-            <a:pPr marL="342900" indent="-342900"/>
-            <a:r>
-              <a:rPr lang="en-US" altLang="ko-KR" dirty="0" smtClean="0"/>
-              <a:t>    select </a:t>
-            </a:r>
-            <a:r>
-              <a:rPr lang="en-US" altLang="ko-KR" dirty="0" smtClean="0"/>
-              <a:t>distinct  </a:t>
-            </a:r>
-            <a:r>
-              <a:rPr lang="en-US" altLang="ko-KR" b="1" dirty="0" smtClean="0">
-                <a:solidFill>
-                  <a:srgbClr val="FF0000"/>
-                </a:solidFill>
-              </a:rPr>
-              <a:t>job </a:t>
-            </a:r>
-            <a:r>
-              <a:rPr lang="en-US" altLang="ko-KR" b="1" dirty="0" smtClean="0">
-                <a:solidFill>
-                  <a:srgbClr val="FF0000"/>
-                </a:solidFill>
-              </a:rPr>
-              <a:t>‘</a:t>
+              <a:t>job ‘</a:t>
             </a:r>
             <a:r>
               <a:rPr lang="ko-KR" altLang="en-US" b="1" dirty="0" smtClean="0">
@@ -11934,21 +16496,17 @@
             <a:pPr marL="342900" indent="-342900"/>
             <a:r>
               <a:rPr lang="en-US" altLang="ko-KR" dirty="0" smtClean="0"/>
+              <a:t>   “</a:t>
+            </a:r>
+            <a:r>
+              <a:rPr lang="ko-KR" altLang="en-US" dirty="0" smtClean="0"/>
+              <a:t>이름</a:t>
+            </a:r>
+            <a:r>
+              <a:rPr lang="en-US" altLang="ko-KR" dirty="0" smtClean="0"/>
               <a:t> </a:t>
             </a:r>
             <a:r>
-              <a:rPr lang="en-US" altLang="ko-KR" dirty="0" smtClean="0"/>
-              <a:t>  “</a:t>
-            </a:r>
-            <a:r>
-              <a:rPr lang="ko-KR" altLang="en-US" dirty="0" smtClean="0"/>
-              <a:t>이름</a:t>
-            </a:r>
-            <a:r>
-              <a:rPr lang="en-US" altLang="ko-KR" dirty="0" smtClean="0"/>
-              <a:t> </a:t>
-            </a:r>
-            <a:r>
               <a:rPr lang="ko-KR" altLang="en-US" dirty="0" smtClean="0"/>
               <a:t>급여</a:t>
             </a:r>
@@ -11974,11 +16532,7 @@
             <a:pPr marL="342900" indent="-342900"/>
             <a:r>
               <a:rPr lang="en-US" altLang="ko-KR" dirty="0" smtClean="0"/>
-              <a:t> </a:t>
-            </a:r>
-            <a:r>
-              <a:rPr lang="en-US" altLang="ko-KR" dirty="0" smtClean="0"/>
-              <a:t>   select </a:t>
+              <a:t>    select </a:t>
             </a:r>
             <a:r>
               <a:rPr lang="en-US" altLang="ko-KR" dirty="0" err="1" smtClean="0"/>
@@ -12427,11 +16981,7 @@
             <a:pPr marL="342900" indent="-342900"/>
             <a:r>
               <a:rPr lang="en-US" altLang="ko-KR" dirty="0" smtClean="0"/>
-              <a:t>    </a:t>
-            </a:r>
-            <a:r>
-              <a:rPr lang="en-US" altLang="ko-KR" dirty="0" smtClean="0"/>
-              <a:t>select * from </a:t>
+              <a:t>    select * from </a:t>
             </a:r>
             <a:r>
               <a:rPr lang="en-US" altLang="ko-KR" dirty="0" err="1" smtClean="0"/>
@@ -12447,15 +16997,7 @@
             </a:r>
             <a:r>
               <a:rPr lang="en-US" altLang="ko-KR" dirty="0" smtClean="0"/>
-              <a:t> </a:t>
-            </a:r>
-            <a:r>
-              <a:rPr lang="en-US" altLang="ko-KR" dirty="0" smtClean="0"/>
-              <a:t>= 'smith</a:t>
-            </a:r>
-            <a:r>
-              <a:rPr lang="en-US" altLang="ko-KR" dirty="0" smtClean="0"/>
-              <a:t>';</a:t>
+              <a:t> = 'smith';</a:t>
             </a:r>
           </a:p>
           <a:p>
@@ -12505,11 +17047,7 @@
             <a:pPr marL="342900" indent="-342900"/>
             <a:r>
               <a:rPr lang="en-US" altLang="ko-KR" dirty="0" smtClean="0"/>
-              <a:t>   </a:t>
-            </a:r>
-            <a:r>
-              <a:rPr lang="en-US" altLang="ko-KR" dirty="0" smtClean="0"/>
-              <a:t>select </a:t>
+              <a:t>   select </a:t>
             </a:r>
             <a:r>
               <a:rPr lang="en-US" altLang="ko-KR" dirty="0" err="1" smtClean="0"/>
@@ -12525,138 +17063,98 @@
             </a:r>
             <a:r>
               <a:rPr lang="en-US" altLang="ko-KR" dirty="0" smtClean="0"/>
+              <a:t> from </a:t>
+            </a:r>
+            <a:r>
+              <a:rPr lang="en-US" altLang="ko-KR" dirty="0" err="1" smtClean="0"/>
+              <a:t>emp</a:t>
+            </a:r>
+            <a:r>
+              <a:rPr lang="en-US" altLang="ko-KR" dirty="0" smtClean="0"/>
+              <a:t> where </a:t>
+            </a:r>
+            <a:r>
+              <a:rPr lang="en-US" altLang="ko-KR" b="1" dirty="0" err="1" smtClean="0">
+                <a:solidFill>
+                  <a:srgbClr val="FF0000"/>
+                </a:solidFill>
+              </a:rPr>
+              <a:t>sal</a:t>
+            </a:r>
+            <a:r>
+              <a:rPr lang="en-US" altLang="ko-KR" b="1" dirty="0" smtClean="0">
+                <a:solidFill>
+                  <a:srgbClr val="FF0000"/>
+                </a:solidFill>
+              </a:rPr>
+              <a:t>&gt;=3000 and </a:t>
+            </a:r>
+            <a:r>
+              <a:rPr lang="en-US" altLang="ko-KR" b="1" dirty="0" err="1" smtClean="0">
+                <a:solidFill>
+                  <a:srgbClr val="FF0000"/>
+                </a:solidFill>
+              </a:rPr>
+              <a:t>sal</a:t>
+            </a:r>
+            <a:r>
+              <a:rPr lang="en-US" altLang="ko-KR" b="1" dirty="0" smtClean="0">
+                <a:solidFill>
+                  <a:srgbClr val="FF0000"/>
+                </a:solidFill>
+              </a:rPr>
+              <a:t>&lt;=5000</a:t>
+            </a:r>
+            <a:r>
+              <a:rPr lang="en-US" altLang="ko-KR" dirty="0" smtClean="0"/>
+              <a:t>;</a:t>
+            </a:r>
+          </a:p>
+          <a:p>
+            <a:pPr marL="342900" indent="-342900"/>
+            <a:r>
+              <a:rPr lang="en-US" altLang="ko-KR" dirty="0" smtClean="0"/>
+              <a:t>   select </a:t>
+            </a:r>
+            <a:r>
+              <a:rPr lang="en-US" altLang="ko-KR" dirty="0" err="1" smtClean="0"/>
+              <a:t>ename</a:t>
+            </a:r>
+            <a:r>
+              <a:rPr lang="en-US" altLang="ko-KR" dirty="0" smtClean="0"/>
+              <a:t>, </a:t>
+            </a:r>
+            <a:r>
+              <a:rPr lang="en-US" altLang="ko-KR" dirty="0" err="1" smtClean="0"/>
+              <a:t>sal</a:t>
+            </a:r>
+            <a:r>
+              <a:rPr lang="en-US" altLang="ko-KR" dirty="0" smtClean="0"/>
+              <a:t> from </a:t>
+            </a:r>
+            <a:r>
+              <a:rPr lang="en-US" altLang="ko-KR" dirty="0" err="1" smtClean="0"/>
+              <a:t>emp</a:t>
+            </a:r>
+            <a:r>
+              <a:rPr lang="en-US" altLang="ko-KR" dirty="0" smtClean="0"/>
+              <a:t> where </a:t>
+            </a:r>
+            <a:r>
+              <a:rPr lang="en-US" altLang="ko-KR" dirty="0" err="1" smtClean="0"/>
+              <a:t>sal</a:t>
+            </a:r>
+            <a:r>
+              <a:rPr lang="en-US" altLang="ko-KR" dirty="0" smtClean="0"/>
               <a:t> </a:t>
             </a:r>
             <a:r>
-              <a:rPr lang="en-US" altLang="ko-KR" dirty="0" smtClean="0"/>
-              <a:t>from </a:t>
-            </a:r>
-            <a:r>
-              <a:rPr lang="en-US" altLang="ko-KR" dirty="0" err="1" smtClean="0"/>
-              <a:t>emp</a:t>
-            </a:r>
-            <a:r>
-              <a:rPr lang="en-US" altLang="ko-KR" dirty="0" smtClean="0"/>
-              <a:t> where </a:t>
-            </a:r>
-            <a:r>
-              <a:rPr lang="en-US" altLang="ko-KR" b="1" dirty="0" err="1" smtClean="0">
-                <a:solidFill>
-                  <a:srgbClr val="FF0000"/>
-                </a:solidFill>
-              </a:rPr>
-              <a:t>sal</a:t>
-            </a:r>
-            <a:r>
               <a:rPr lang="en-US" altLang="ko-KR" b="1" dirty="0" smtClean="0">
                 <a:solidFill>
                   <a:srgbClr val="FF0000"/>
                 </a:solidFill>
               </a:rPr>
-              <a:t>&gt;=3000 </a:t>
-            </a:r>
-            <a:r>
-              <a:rPr lang="en-US" altLang="ko-KR" b="1" dirty="0" smtClean="0">
-                <a:solidFill>
-                  <a:srgbClr val="FF0000"/>
-                </a:solidFill>
-              </a:rPr>
-              <a:t>and </a:t>
-            </a:r>
-            <a:r>
-              <a:rPr lang="en-US" altLang="ko-KR" b="1" dirty="0" err="1" smtClean="0">
-                <a:solidFill>
-                  <a:srgbClr val="FF0000"/>
-                </a:solidFill>
-              </a:rPr>
-              <a:t>sal</a:t>
-            </a:r>
-            <a:r>
-              <a:rPr lang="en-US" altLang="ko-KR" b="1" dirty="0" smtClean="0">
-                <a:solidFill>
-                  <a:srgbClr val="FF0000"/>
-                </a:solidFill>
-              </a:rPr>
-              <a:t>&lt;=5000</a:t>
-            </a:r>
-            <a:r>
-              <a:rPr lang="en-US" altLang="ko-KR" dirty="0" smtClean="0"/>
-              <a:t>;</a:t>
-            </a:r>
-          </a:p>
-          <a:p>
-            <a:pPr marL="342900" indent="-342900"/>
-            <a:r>
-              <a:rPr lang="en-US" altLang="ko-KR" dirty="0" smtClean="0"/>
-              <a:t>   select </a:t>
-            </a:r>
-            <a:r>
-              <a:rPr lang="en-US" altLang="ko-KR" dirty="0" err="1" smtClean="0"/>
-              <a:t>ename</a:t>
-            </a:r>
-            <a:r>
-              <a:rPr lang="en-US" altLang="ko-KR" dirty="0" smtClean="0"/>
-              <a:t>, </a:t>
-            </a:r>
-            <a:r>
-              <a:rPr lang="en-US" altLang="ko-KR" dirty="0" err="1" smtClean="0"/>
-              <a:t>sal</a:t>
-            </a:r>
-            <a:r>
-              <a:rPr lang="en-US" altLang="ko-KR" dirty="0" smtClean="0"/>
-              <a:t> </a:t>
-            </a:r>
-            <a:r>
-              <a:rPr lang="en-US" altLang="ko-KR" dirty="0" smtClean="0"/>
-              <a:t>from </a:t>
-            </a:r>
-            <a:r>
-              <a:rPr lang="en-US" altLang="ko-KR" dirty="0" err="1" smtClean="0"/>
-              <a:t>emp</a:t>
-            </a:r>
-            <a:r>
-              <a:rPr lang="en-US" altLang="ko-KR" dirty="0" smtClean="0"/>
-              <a:t> where </a:t>
-            </a:r>
-            <a:r>
-              <a:rPr lang="en-US" altLang="ko-KR" dirty="0" err="1" smtClean="0"/>
-              <a:t>sal</a:t>
-            </a:r>
-            <a:r>
-              <a:rPr lang="en-US" altLang="ko-KR" dirty="0" smtClean="0"/>
-              <a:t> </a:t>
-            </a:r>
-            <a:r>
-              <a:rPr lang="en-US" altLang="ko-KR" b="1" dirty="0" smtClean="0">
-                <a:solidFill>
-                  <a:srgbClr val="FF0000"/>
-                </a:solidFill>
-              </a:rPr>
-              <a:t>between </a:t>
-            </a:r>
-            <a:r>
-              <a:rPr lang="en-US" altLang="ko-KR" b="1" dirty="0" smtClean="0">
-                <a:solidFill>
-                  <a:srgbClr val="FF0000"/>
-                </a:solidFill>
-              </a:rPr>
-              <a:t>3000 </a:t>
-            </a:r>
-            <a:r>
-              <a:rPr lang="en-US" altLang="ko-KR" b="1" dirty="0" smtClean="0">
-                <a:solidFill>
-                  <a:srgbClr val="FF0000"/>
-                </a:solidFill>
-              </a:rPr>
-              <a:t>and </a:t>
-            </a:r>
-            <a:r>
-              <a:rPr lang="en-US" altLang="ko-KR" b="1" dirty="0" smtClean="0">
-                <a:solidFill>
-                  <a:srgbClr val="FF0000"/>
-                </a:solidFill>
-              </a:rPr>
-              <a:t>5000</a:t>
+              <a:t>between 3000 and 5000</a:t>
             </a:r>
             <a:r>
               <a:rPr lang="en-US" altLang="ko-KR" dirty="0" smtClean="0"/>
@@ -12706,109 +17204,82 @@
             <a:pPr marL="342900" indent="-342900"/>
             <a:r>
               <a:rPr lang="en-US" altLang="ko-KR" dirty="0" smtClean="0"/>
+              <a:t>   </a:t>
+            </a:r>
+            <a:r>
+              <a:rPr lang="ko-KR" altLang="en-US" dirty="0" smtClean="0"/>
+              <a:t>입사일을 출력</a:t>
+            </a:r>
+            <a:endParaRPr lang="en-US" altLang="ko-KR" dirty="0" smtClean="0"/>
+          </a:p>
+          <a:p>
+            <a:pPr marL="342900" indent="-342900"/>
+            <a:r>
+              <a:rPr lang="en-US" altLang="ko-KR" dirty="0" smtClean="0"/>
+              <a:t>  select </a:t>
+            </a:r>
+            <a:r>
+              <a:rPr lang="en-US" altLang="ko-KR" dirty="0" err="1" smtClean="0"/>
+              <a:t>ename,hiredate</a:t>
+            </a:r>
+            <a:r>
+              <a:rPr lang="en-US" altLang="ko-KR" dirty="0" smtClean="0"/>
+              <a:t> from </a:t>
+            </a:r>
+            <a:r>
+              <a:rPr lang="en-US" altLang="ko-KR" dirty="0" err="1" smtClean="0"/>
+              <a:t>emp</a:t>
+            </a:r>
+            <a:r>
+              <a:rPr lang="en-US" altLang="ko-KR" dirty="0" smtClean="0"/>
+              <a:t> where year(</a:t>
+            </a:r>
+            <a:r>
+              <a:rPr lang="en-US" altLang="ko-KR" dirty="0" err="1" smtClean="0"/>
+              <a:t>hiredate</a:t>
+            </a:r>
+            <a:r>
+              <a:rPr lang="en-US" altLang="ko-KR" dirty="0" smtClean="0"/>
+              <a:t>) &lt; 1981;    - ???</a:t>
+            </a:r>
+          </a:p>
+          <a:p>
+            <a:pPr marL="342900" indent="-342900"/>
+            <a:r>
+              <a:rPr lang="en-US" altLang="ko-KR" dirty="0" smtClean="0"/>
+              <a:t>  select </a:t>
+            </a:r>
+            <a:r>
+              <a:rPr lang="en-US" altLang="ko-KR" dirty="0" err="1" smtClean="0"/>
+              <a:t>ename,hiredate</a:t>
+            </a:r>
+            <a:r>
+              <a:rPr lang="en-US" altLang="ko-KR" dirty="0" smtClean="0"/>
+              <a:t> from </a:t>
+            </a:r>
+            <a:r>
+              <a:rPr lang="en-US" altLang="ko-KR" dirty="0" err="1" smtClean="0"/>
+              <a:t>emp</a:t>
+            </a:r>
+            <a:r>
+              <a:rPr lang="en-US" altLang="ko-KR" dirty="0" smtClean="0"/>
+              <a:t> where </a:t>
+            </a:r>
+            <a:r>
+              <a:rPr lang="en-US" altLang="ko-KR" dirty="0" err="1" smtClean="0"/>
+              <a:t>hiredate</a:t>
+            </a:r>
+            <a:r>
+              <a:rPr lang="en-US" altLang="ko-KR" dirty="0" smtClean="0"/>
+              <a:t> &lt; ‘1981-01-01';  - ???</a:t>
+            </a:r>
+          </a:p>
+          <a:p>
+            <a:pPr marL="342900" indent="-342900"/>
+            <a:r>
+              <a:rPr lang="en-US" altLang="ko-KR" dirty="0" smtClean="0"/>
               <a:t> </a:t>
             </a:r>
-            <a:r>
-              <a:rPr lang="en-US" altLang="ko-KR" dirty="0" smtClean="0"/>
-              <a:t>  </a:t>
-            </a:r>
-            <a:r>
-              <a:rPr lang="ko-KR" altLang="en-US" dirty="0" smtClean="0"/>
-              <a:t>입사일을 출력</a:t>
-            </a:r>
-            <a:endParaRPr lang="en-US" altLang="ko-KR" dirty="0" smtClean="0"/>
-          </a:p>
-          <a:p>
-            <a:pPr marL="342900" indent="-342900"/>
-            <a:r>
-              <a:rPr lang="en-US" altLang="ko-KR" dirty="0" smtClean="0"/>
-              <a:t>  </a:t>
-            </a:r>
-            <a:r>
-              <a:rPr lang="en-US" altLang="ko-KR" dirty="0" smtClean="0"/>
-              <a:t>select </a:t>
-            </a:r>
-            <a:r>
-              <a:rPr lang="en-US" altLang="ko-KR" dirty="0" err="1" smtClean="0"/>
-              <a:t>ename,hiredate</a:t>
-            </a:r>
-            <a:r>
-              <a:rPr lang="en-US" altLang="ko-KR" dirty="0" smtClean="0"/>
-              <a:t> from </a:t>
-            </a:r>
-            <a:r>
-              <a:rPr lang="en-US" altLang="ko-KR" dirty="0" err="1" smtClean="0"/>
-              <a:t>emp</a:t>
-            </a:r>
-            <a:r>
-              <a:rPr lang="en-US" altLang="ko-KR" dirty="0" smtClean="0"/>
-              <a:t> where year(</a:t>
-            </a:r>
-            <a:r>
-              <a:rPr lang="en-US" altLang="ko-KR" dirty="0" err="1" smtClean="0"/>
-              <a:t>hiredate</a:t>
-            </a:r>
-            <a:r>
-              <a:rPr lang="en-US" altLang="ko-KR" dirty="0" smtClean="0"/>
-              <a:t>) </a:t>
-            </a:r>
-            <a:r>
-              <a:rPr lang="en-US" altLang="ko-KR" dirty="0" smtClean="0"/>
-              <a:t>&lt; </a:t>
-            </a:r>
-            <a:r>
-              <a:rPr lang="en-US" altLang="ko-KR" dirty="0" smtClean="0"/>
-              <a:t>1981</a:t>
-            </a:r>
-            <a:r>
-              <a:rPr lang="en-US" altLang="ko-KR" dirty="0" smtClean="0"/>
-              <a:t>;    - ???</a:t>
-            </a:r>
-            <a:endParaRPr lang="en-US" altLang="ko-KR" dirty="0" smtClean="0"/>
-          </a:p>
-          <a:p>
-            <a:pPr marL="342900" indent="-342900"/>
-            <a:r>
-              <a:rPr lang="en-US" altLang="ko-KR" dirty="0" smtClean="0"/>
-              <a:t>  select </a:t>
-            </a:r>
-            <a:r>
-              <a:rPr lang="en-US" altLang="ko-KR" dirty="0" err="1" smtClean="0"/>
-              <a:t>ename,hiredate</a:t>
-            </a:r>
-            <a:r>
-              <a:rPr lang="en-US" altLang="ko-KR" dirty="0" smtClean="0"/>
-              <a:t> from </a:t>
-            </a:r>
-            <a:r>
-              <a:rPr lang="en-US" altLang="ko-KR" dirty="0" err="1" smtClean="0"/>
-              <a:t>emp</a:t>
-            </a:r>
-            <a:r>
-              <a:rPr lang="en-US" altLang="ko-KR" dirty="0" smtClean="0"/>
-              <a:t> where </a:t>
-            </a:r>
-            <a:r>
-              <a:rPr lang="en-US" altLang="ko-KR" dirty="0" err="1" smtClean="0"/>
-              <a:t>hiredate</a:t>
-            </a:r>
-            <a:r>
-              <a:rPr lang="en-US" altLang="ko-KR" dirty="0" smtClean="0"/>
-              <a:t> </a:t>
-            </a:r>
-            <a:r>
-              <a:rPr lang="en-US" altLang="ko-KR" dirty="0" smtClean="0"/>
-              <a:t>&lt; ‘1981-01-01';  - ???</a:t>
-            </a:r>
-            <a:endParaRPr lang="en-US" altLang="ko-KR" dirty="0" smtClean="0"/>
-          </a:p>
-          <a:p>
-            <a:pPr marL="342900" indent="-342900"/>
-            <a:r>
-              <a:rPr lang="en-US" altLang="ko-KR" dirty="0" smtClean="0"/>
-              <a:t> </a:t>
-            </a:r>
-            <a:endParaRPr lang="en-US" altLang="ko-KR" dirty="0" smtClean="0"/>
           </a:p>
         </p:txBody>
       </p:sp>

--- a/MYSQL.pptx
+++ b/MYSQL.pptx
@@ -38,6 +38,9 @@
     <p:sldId id="286" r:id="rId32"/>
     <p:sldId id="287" r:id="rId33"/>
     <p:sldId id="288" r:id="rId34"/>
+    <p:sldId id="289" r:id="rId35"/>
+    <p:sldId id="290" r:id="rId36"/>
+    <p:sldId id="291" r:id="rId37"/>
   </p:sldIdLst>
   <p:sldSz cx="9144000" cy="6858000" type="screen4x3"/>
   <p:notesSz cx="6858000" cy="9144000"/>
@@ -321,7 +324,7 @@
             <a:fld id="{E6E1248E-BEF7-4F03-9095-D07197679308}" type="datetimeFigureOut">
               <a:rPr lang="ko-KR" altLang="en-US" smtClean="0"/>
               <a:pPr/>
-              <a:t>2021-02-22</a:t>
+              <a:t>2021-02-23</a:t>
             </a:fld>
             <a:endParaRPr lang="ko-KR" altLang="en-US"/>
           </a:p>
@@ -488,7 +491,7 @@
             <a:fld id="{E6E1248E-BEF7-4F03-9095-D07197679308}" type="datetimeFigureOut">
               <a:rPr lang="ko-KR" altLang="en-US" smtClean="0"/>
               <a:pPr/>
-              <a:t>2021-02-22</a:t>
+              <a:t>2021-02-23</a:t>
             </a:fld>
             <a:endParaRPr lang="ko-KR" altLang="en-US"/>
           </a:p>
@@ -665,7 +668,7 @@
             <a:fld id="{E6E1248E-BEF7-4F03-9095-D07197679308}" type="datetimeFigureOut">
               <a:rPr lang="ko-KR" altLang="en-US" smtClean="0"/>
               <a:pPr/>
-              <a:t>2021-02-22</a:t>
+              <a:t>2021-02-23</a:t>
             </a:fld>
             <a:endParaRPr lang="ko-KR" altLang="en-US"/>
           </a:p>
@@ -832,7 +835,7 @@
             <a:fld id="{E6E1248E-BEF7-4F03-9095-D07197679308}" type="datetimeFigureOut">
               <a:rPr lang="ko-KR" altLang="en-US" smtClean="0"/>
               <a:pPr/>
-              <a:t>2021-02-22</a:t>
+              <a:t>2021-02-23</a:t>
             </a:fld>
             <a:endParaRPr lang="ko-KR" altLang="en-US"/>
           </a:p>
@@ -1075,7 +1078,7 @@
             <a:fld id="{E6E1248E-BEF7-4F03-9095-D07197679308}" type="datetimeFigureOut">
               <a:rPr lang="ko-KR" altLang="en-US" smtClean="0"/>
               <a:pPr/>
-              <a:t>2021-02-22</a:t>
+              <a:t>2021-02-23</a:t>
             </a:fld>
             <a:endParaRPr lang="ko-KR" altLang="en-US"/>
           </a:p>
@@ -1360,7 +1363,7 @@
             <a:fld id="{E6E1248E-BEF7-4F03-9095-D07197679308}" type="datetimeFigureOut">
               <a:rPr lang="ko-KR" altLang="en-US" smtClean="0"/>
               <a:pPr/>
-              <a:t>2021-02-22</a:t>
+              <a:t>2021-02-23</a:t>
             </a:fld>
             <a:endParaRPr lang="ko-KR" altLang="en-US"/>
           </a:p>
@@ -1779,7 +1782,7 @@
             <a:fld id="{E6E1248E-BEF7-4F03-9095-D07197679308}" type="datetimeFigureOut">
               <a:rPr lang="ko-KR" altLang="en-US" smtClean="0"/>
               <a:pPr/>
-              <a:t>2021-02-22</a:t>
+              <a:t>2021-02-23</a:t>
             </a:fld>
             <a:endParaRPr lang="ko-KR" altLang="en-US"/>
           </a:p>
@@ -1894,7 +1897,7 @@
             <a:fld id="{E6E1248E-BEF7-4F03-9095-D07197679308}" type="datetimeFigureOut">
               <a:rPr lang="ko-KR" altLang="en-US" smtClean="0"/>
               <a:pPr/>
-              <a:t>2021-02-22</a:t>
+              <a:t>2021-02-23</a:t>
             </a:fld>
             <a:endParaRPr lang="ko-KR" altLang="en-US"/>
           </a:p>
@@ -1986,7 +1989,7 @@
             <a:fld id="{E6E1248E-BEF7-4F03-9095-D07197679308}" type="datetimeFigureOut">
               <a:rPr lang="ko-KR" altLang="en-US" smtClean="0"/>
               <a:pPr/>
-              <a:t>2021-02-22</a:t>
+              <a:t>2021-02-23</a:t>
             </a:fld>
             <a:endParaRPr lang="ko-KR" altLang="en-US"/>
           </a:p>
@@ -2260,7 +2263,7 @@
             <a:fld id="{E6E1248E-BEF7-4F03-9095-D07197679308}" type="datetimeFigureOut">
               <a:rPr lang="ko-KR" altLang="en-US" smtClean="0"/>
               <a:pPr/>
-              <a:t>2021-02-22</a:t>
+              <a:t>2021-02-23</a:t>
             </a:fld>
             <a:endParaRPr lang="ko-KR" altLang="en-US"/>
           </a:p>
@@ -2510,7 +2513,7 @@
             <a:fld id="{E6E1248E-BEF7-4F03-9095-D07197679308}" type="datetimeFigureOut">
               <a:rPr lang="ko-KR" altLang="en-US" smtClean="0"/>
               <a:pPr/>
-              <a:t>2021-02-22</a:t>
+              <a:t>2021-02-23</a:t>
             </a:fld>
             <a:endParaRPr lang="ko-KR" altLang="en-US"/>
           </a:p>
@@ -2720,7 +2723,7 @@
             <a:fld id="{E6E1248E-BEF7-4F03-9095-D07197679308}" type="datetimeFigureOut">
               <a:rPr lang="ko-KR" altLang="en-US" smtClean="0"/>
               <a:pPr/>
-              <a:t>2021-02-22</a:t>
+              <a:t>2021-02-23</a:t>
             </a:fld>
             <a:endParaRPr lang="ko-KR" altLang="en-US"/>
           </a:p>
@@ -9801,7 +9804,6 @@
               <a:rPr lang="en-US" altLang="ko-KR" dirty="0" smtClean="0"/>
               <a:t>-----------------------------------------------------------------</a:t>
             </a:r>
-            <a:endParaRPr lang="en-US" altLang="ko-KR" dirty="0" smtClean="0"/>
           </a:p>
           <a:p>
             <a:r>
@@ -9862,11 +9864,7 @@
           <a:p>
             <a:r>
               <a:rPr lang="en-US" altLang="ko-KR" dirty="0" smtClean="0"/>
-              <a:t> </a:t>
-            </a:r>
-            <a:r>
-              <a:rPr lang="en-US" altLang="ko-KR" dirty="0" smtClean="0"/>
-              <a:t>  …</a:t>
+              <a:t>   …</a:t>
             </a:r>
           </a:p>
           <a:p>
@@ -9901,7 +9899,6 @@
               <a:rPr lang="en-US" altLang="ko-KR" dirty="0" smtClean="0"/>
               <a:t>)</a:t>
             </a:r>
-            <a:endParaRPr lang="en-US" altLang="ko-KR" dirty="0" smtClean="0"/>
           </a:p>
         </p:txBody>
       </p:sp>
@@ -10387,7 +10384,6 @@
               <a:rPr lang="en-US" altLang="ko-KR" dirty="0" smtClean="0"/>
               <a:t>)</a:t>
             </a:r>
-            <a:endParaRPr lang="en-US" altLang="ko-KR" dirty="0" smtClean="0"/>
           </a:p>
           <a:p>
             <a:pPr marL="342900" indent="-342900"/>
@@ -10523,11 +10519,7 @@
             <a:pPr marL="342900" indent="-342900"/>
             <a:r>
               <a:rPr lang="en-US" altLang="ko-KR" dirty="0" smtClean="0"/>
-              <a:t>drop </a:t>
-            </a:r>
-            <a:r>
-              <a:rPr lang="en-US" altLang="ko-KR" dirty="0" smtClean="0"/>
-              <a:t>table Account;  </a:t>
+              <a:t>drop table Account;  </a:t>
             </a:r>
           </a:p>
           <a:p>
@@ -10732,7 +10724,6 @@
               <a:rPr lang="en-US" altLang="ko-KR" dirty="0" smtClean="0"/>
               <a:t>);</a:t>
             </a:r>
-            <a:endParaRPr lang="en-US" altLang="ko-KR" dirty="0" smtClean="0"/>
           </a:p>
           <a:p>
             <a:pPr marL="342900" indent="-342900"/>
@@ -11163,11 +11154,7 @@
             </a:r>
             <a:r>
               <a:rPr lang="en-US" altLang="ko-KR" b="1" dirty="0" smtClean="0"/>
-              <a:t> ;</a:t>
-            </a:r>
-            <a:r>
-              <a:rPr lang="en-US" altLang="ko-KR" b="1" dirty="0" smtClean="0"/>
-              <a:t> // PK, AUTOINCREMENT</a:t>
+              <a:t> ; // PK, AUTOINCREMENT</a:t>
             </a:r>
           </a:p>
           <a:p>
@@ -11205,23 +11192,7 @@
                   <a:srgbClr val="FF0000"/>
                 </a:solidFill>
               </a:rPr>
-              <a:t>테이</a:t>
-            </a:r>
-            <a:r>
-              <a:rPr lang="ko-KR" altLang="en-US" b="1" dirty="0" smtClean="0">
-                <a:solidFill>
-                  <a:srgbClr val="FF0000"/>
-                </a:solidFill>
-              </a:rPr>
-              <a:t>블</a:t>
-            </a:r>
-            <a:r>
-              <a:rPr lang="ko-KR" altLang="en-US" b="1" dirty="0" smtClean="0">
-                <a:solidFill>
-                  <a:srgbClr val="FF0000"/>
-                </a:solidFill>
-              </a:rPr>
-              <a:t>의 </a:t>
+              <a:t>테이블의 </a:t>
             </a:r>
             <a:r>
               <a:rPr lang="en-US" altLang="ko-KR" b="1" dirty="0" err="1" smtClean="0">
@@ -11239,11 +11210,6 @@
               </a:rPr>
               <a:t>)</a:t>
             </a:r>
-            <a:endParaRPr lang="en-US" altLang="ko-KR" b="1" dirty="0" smtClean="0">
-              <a:solidFill>
-                <a:srgbClr val="FF0000"/>
-              </a:solidFill>
-            </a:endParaRPr>
           </a:p>
           <a:p>
             <a:r>
@@ -11256,13 +11222,8 @@
             </a:r>
             <a:r>
               <a:rPr lang="en-US" altLang="ko-KR" b="1" dirty="0" smtClean="0"/>
-              <a:t> input</a:t>
-            </a:r>
-            <a:r>
-              <a:rPr lang="en-US" altLang="ko-KR" b="1" dirty="0" smtClean="0"/>
-              <a:t>;     // NOT NULL</a:t>
-            </a:r>
-            <a:endParaRPr lang="en-US" altLang="ko-KR" b="1" dirty="0" smtClean="0"/>
+              <a:t> input;     // NOT NULL</a:t>
+            </a:r>
           </a:p>
           <a:p>
             <a:r>
@@ -11275,13 +11236,8 @@
             </a:r>
             <a:r>
               <a:rPr lang="en-US" altLang="ko-KR" b="1" dirty="0" smtClean="0"/>
-              <a:t> output</a:t>
-            </a:r>
-            <a:r>
-              <a:rPr lang="en-US" altLang="ko-KR" b="1" dirty="0" smtClean="0"/>
-              <a:t>;  // NOT NULL</a:t>
-            </a:r>
-            <a:endParaRPr lang="en-US" altLang="ko-KR" b="1" dirty="0" smtClean="0"/>
+              <a:t> output;  // NOT NULL</a:t>
+            </a:r>
           </a:p>
           <a:p>
             <a:r>
@@ -11294,13 +11250,8 @@
             </a:r>
             <a:r>
               <a:rPr lang="en-US" altLang="ko-KR" b="1" dirty="0" smtClean="0"/>
-              <a:t> balance</a:t>
-            </a:r>
-            <a:r>
-              <a:rPr lang="en-US" altLang="ko-KR" b="1" dirty="0" smtClean="0"/>
-              <a:t>;  // NOT NULL</a:t>
-            </a:r>
-            <a:endParaRPr lang="en-US" altLang="ko-KR" b="1" dirty="0" smtClean="0"/>
+              <a:t> balance;  // NOT NULL</a:t>
+            </a:r>
           </a:p>
           <a:p>
             <a:r>
@@ -11368,7 +11319,6 @@
               <a:rPr lang="en-US" altLang="ko-KR" dirty="0" smtClean="0"/>
               <a:t>); </a:t>
             </a:r>
-            <a:endParaRPr lang="en-US" altLang="ko-KR" dirty="0" smtClean="0"/>
           </a:p>
         </p:txBody>
       </p:sp>
@@ -11512,11 +11462,7 @@
             </a:r>
             <a:r>
               <a:rPr lang="en-US" altLang="ko-KR" b="1" dirty="0" smtClean="0"/>
-              <a:t> ;</a:t>
-            </a:r>
-            <a:r>
-              <a:rPr lang="en-US" altLang="ko-KR" b="1" dirty="0" smtClean="0"/>
-              <a:t> // PK, AUTOINCREMENT</a:t>
+              <a:t> ; // PK, AUTOINCREMENT</a:t>
             </a:r>
           </a:p>
           <a:p>
@@ -11554,23 +11500,7 @@
                   <a:srgbClr val="FF0000"/>
                 </a:solidFill>
               </a:rPr>
-              <a:t>테이</a:t>
-            </a:r>
-            <a:r>
-              <a:rPr lang="ko-KR" altLang="en-US" b="1" dirty="0" smtClean="0">
-                <a:solidFill>
-                  <a:srgbClr val="FF0000"/>
-                </a:solidFill>
-              </a:rPr>
-              <a:t>블</a:t>
-            </a:r>
-            <a:r>
-              <a:rPr lang="ko-KR" altLang="en-US" b="1" dirty="0" smtClean="0">
-                <a:solidFill>
-                  <a:srgbClr val="FF0000"/>
-                </a:solidFill>
-              </a:rPr>
-              <a:t>의 </a:t>
+              <a:t>테이블의 </a:t>
             </a:r>
             <a:r>
               <a:rPr lang="en-US" altLang="ko-KR" b="1" dirty="0" err="1" smtClean="0">
@@ -11588,11 +11518,6 @@
               </a:rPr>
               <a:t>)</a:t>
             </a:r>
-            <a:endParaRPr lang="en-US" altLang="ko-KR" b="1" dirty="0" smtClean="0">
-              <a:solidFill>
-                <a:srgbClr val="FF0000"/>
-              </a:solidFill>
-            </a:endParaRPr>
           </a:p>
           <a:p>
             <a:r>
@@ -11605,13 +11530,8 @@
             </a:r>
             <a:r>
               <a:rPr lang="en-US" altLang="ko-KR" b="1" dirty="0" smtClean="0"/>
-              <a:t> input</a:t>
-            </a:r>
-            <a:r>
-              <a:rPr lang="en-US" altLang="ko-KR" b="1" dirty="0" smtClean="0"/>
-              <a:t>;     // NOT NULL</a:t>
-            </a:r>
-            <a:endParaRPr lang="en-US" altLang="ko-KR" b="1" dirty="0" smtClean="0"/>
+              <a:t> input;     // NOT NULL</a:t>
+            </a:r>
           </a:p>
           <a:p>
             <a:r>
@@ -11624,13 +11544,8 @@
             </a:r>
             <a:r>
               <a:rPr lang="en-US" altLang="ko-KR" b="1" dirty="0" smtClean="0"/>
-              <a:t> output</a:t>
-            </a:r>
-            <a:r>
-              <a:rPr lang="en-US" altLang="ko-KR" b="1" dirty="0" smtClean="0"/>
-              <a:t>;  // NOT NULL</a:t>
-            </a:r>
-            <a:endParaRPr lang="en-US" altLang="ko-KR" b="1" dirty="0" smtClean="0"/>
+              <a:t> output;  // NOT NULL</a:t>
+            </a:r>
           </a:p>
           <a:p>
             <a:r>
@@ -11643,13 +11558,8 @@
             </a:r>
             <a:r>
               <a:rPr lang="en-US" altLang="ko-KR" b="1" dirty="0" smtClean="0"/>
-              <a:t> balance</a:t>
-            </a:r>
-            <a:r>
-              <a:rPr lang="en-US" altLang="ko-KR" b="1" dirty="0" smtClean="0"/>
-              <a:t>;  // NOT NULL</a:t>
-            </a:r>
-            <a:endParaRPr lang="en-US" altLang="ko-KR" b="1" dirty="0" smtClean="0"/>
+              <a:t> balance;  // NOT NULL</a:t>
+            </a:r>
           </a:p>
           <a:p>
             <a:r>
@@ -11790,13 +11700,8 @@
             </a:r>
             <a:r>
               <a:rPr lang="en-US" altLang="ko-KR" dirty="0" smtClean="0"/>
-              <a:t> not null</a:t>
-            </a:r>
-            <a:r>
-              <a:rPr lang="en-US" altLang="ko-KR" dirty="0" smtClean="0"/>
-              <a:t>, </a:t>
-            </a:r>
-            <a:endParaRPr lang="en-US" altLang="ko-KR" dirty="0" smtClean="0"/>
+              <a:t> not null, </a:t>
+            </a:r>
           </a:p>
           <a:p>
             <a:r>
@@ -11827,11 +11732,7 @@
             </a:r>
             <a:r>
               <a:rPr lang="en-US" altLang="ko-KR" dirty="0" smtClean="0"/>
-              <a:t>) </a:t>
-            </a:r>
-            <a:r>
-              <a:rPr lang="en-US" altLang="ko-KR" dirty="0" smtClean="0"/>
-              <a:t>references account(</a:t>
+              <a:t>) references account(</a:t>
             </a:r>
             <a:r>
               <a:rPr lang="en-US" altLang="ko-KR" dirty="0" err="1" smtClean="0"/>
@@ -12046,7 +11947,6 @@
               <a:rPr lang="en-US" altLang="ko-KR" dirty="0" smtClean="0"/>
               <a:t>) </a:t>
             </a:r>
-            <a:endParaRPr lang="en-US" altLang="ko-KR" dirty="0" smtClean="0"/>
           </a:p>
           <a:p>
             <a:r>
@@ -12061,7 +11961,6 @@
               <a:rPr lang="en-US" altLang="ko-KR" dirty="0" smtClean="0"/>
               <a:t>=10));</a:t>
             </a:r>
-            <a:endParaRPr lang="en-US" altLang="ko-KR" dirty="0" smtClean="0"/>
           </a:p>
           <a:p>
             <a:endParaRPr lang="en-US" altLang="ko-KR" dirty="0" smtClean="0"/>
@@ -12474,33 +12373,13 @@
                   <a:srgbClr val="FF0000"/>
                 </a:solidFill>
               </a:rPr>
-              <a:t> on </a:t>
-            </a:r>
-            <a:r>
-              <a:rPr lang="en-US" altLang="ko-KR" b="1" dirty="0" smtClean="0">
-                <a:solidFill>
-                  <a:srgbClr val="FF0000"/>
-                </a:solidFill>
-              </a:rPr>
-              <a:t>             delete </a:t>
-            </a:r>
-            <a:r>
-              <a:rPr lang="en-US" altLang="ko-KR" b="1" dirty="0" smtClean="0">
-                <a:solidFill>
-                  <a:srgbClr val="FF0000"/>
-                </a:solidFill>
-              </a:rPr>
-              <a:t>cascade</a:t>
-            </a:r>
-          </a:p>
-          <a:p>
-            <a:r>
-              <a:rPr lang="en-US" altLang="ko-KR" dirty="0" smtClean="0"/>
-              <a:t>	</a:t>
-            </a:r>
-            <a:r>
-              <a:rPr lang="en-US" altLang="ko-KR" dirty="0" smtClean="0"/>
-              <a:t>);</a:t>
+              <a:t> on              delete cascade</a:t>
+            </a:r>
+          </a:p>
+          <a:p>
+            <a:r>
+              <a:rPr lang="en-US" altLang="ko-KR" dirty="0" smtClean="0"/>
+              <a:t>	);</a:t>
             </a:r>
           </a:p>
           <a:p>
@@ -13642,7 +13521,6 @@
               <a:rPr lang="en-US" altLang="ko-KR" dirty="0" smtClean="0"/>
               <a:t>, XXXX)</a:t>
             </a:r>
-            <a:endParaRPr lang="en-US" altLang="ko-KR" dirty="0" smtClean="0"/>
           </a:p>
           <a:p>
             <a:pPr marL="342900" indent="-342900"/>
@@ -13934,11 +13812,7 @@
             </a:r>
             <a:r>
               <a:rPr lang="en-US" altLang="ko-KR" dirty="0" smtClean="0"/>
-              <a:t> </a:t>
-            </a:r>
-            <a:r>
-              <a:rPr lang="en-US" altLang="ko-KR" dirty="0" smtClean="0"/>
-              <a:t>+ </a:t>
+              <a:t> + </a:t>
             </a:r>
             <a:r>
               <a:rPr lang="ko-KR" altLang="en-US" dirty="0" err="1" smtClean="0"/>
@@ -14095,6 +13969,4737 @@
           </a:ln>
         </p:spPr>
       </p:pic>
+    </p:spTree>
+  </p:cSld>
+  <p:clrMapOvr>
+    <a:masterClrMapping/>
+  </p:clrMapOvr>
+</p:sld>
+</file>
+
+<file path=ppt/slides/slide34.xml><?xml version="1.0" encoding="utf-8"?>
+<p:sld xmlns:a="http://schemas.openxmlformats.org/drawingml/2006/main" xmlns:r="http://schemas.openxmlformats.org/officeDocument/2006/relationships" xmlns:p="http://schemas.openxmlformats.org/presentationml/2006/main">
+  <p:cSld>
+    <p:spTree>
+      <p:nvGrpSpPr>
+        <p:cNvPr id="1" name=""/>
+        <p:cNvGrpSpPr/>
+        <p:nvPr/>
+      </p:nvGrpSpPr>
+      <p:grpSpPr>
+        <a:xfrm>
+          <a:off x="0" y="0"/>
+          <a:ext cx="0" cy="0"/>
+          <a:chOff x="0" y="0"/>
+          <a:chExt cx="0" cy="0"/>
+        </a:xfrm>
+      </p:grpSpPr>
+      <p:sp>
+        <p:nvSpPr>
+          <p:cNvPr id="51" name="폭발 1 50"/>
+          <p:cNvSpPr/>
+          <p:nvPr/>
+        </p:nvSpPr>
+        <p:spPr>
+          <a:xfrm>
+            <a:off x="3491880" y="3356992"/>
+            <a:ext cx="1872208" cy="1656184"/>
+          </a:xfrm>
+          <a:prstGeom prst="irregularSeal1">
+            <a:avLst/>
+          </a:prstGeom>
+        </p:spPr>
+        <p:style>
+          <a:lnRef idx="2">
+            <a:schemeClr val="accent1">
+              <a:shade val="50000"/>
+            </a:schemeClr>
+          </a:lnRef>
+          <a:fillRef idx="1">
+            <a:schemeClr val="accent1"/>
+          </a:fillRef>
+          <a:effectRef idx="0">
+            <a:schemeClr val="accent1"/>
+          </a:effectRef>
+          <a:fontRef idx="minor">
+            <a:schemeClr val="lt1"/>
+          </a:fontRef>
+        </p:style>
+        <p:txBody>
+          <a:bodyPr rtlCol="0" anchor="ctr"/>
+          <a:lstStyle/>
+          <a:p>
+            <a:pPr algn="ctr"/>
+            <a:r>
+              <a:rPr lang="en-US" altLang="ko-KR" dirty="0" smtClean="0"/>
+              <a:t>Internet</a:t>
+            </a:r>
+            <a:endParaRPr lang="ko-KR" altLang="en-US" dirty="0"/>
+          </a:p>
+        </p:txBody>
+      </p:sp>
+      <p:sp>
+        <p:nvSpPr>
+          <p:cNvPr id="5" name="TextBox 4"/>
+          <p:cNvSpPr txBox="1"/>
+          <p:nvPr/>
+        </p:nvSpPr>
+        <p:spPr>
+          <a:xfrm>
+            <a:off x="251520" y="260648"/>
+            <a:ext cx="5976664" cy="400110"/>
+          </a:xfrm>
+          <a:prstGeom prst="rect">
+            <a:avLst/>
+          </a:prstGeom>
+          <a:noFill/>
+        </p:spPr>
+        <p:txBody>
+          <a:bodyPr wrap="square" rtlCol="0">
+            <a:spAutoFit/>
+          </a:bodyPr>
+          <a:lstStyle/>
+          <a:p>
+            <a:r>
+              <a:rPr lang="en-US" altLang="ko-KR" sz="2000" b="1" dirty="0" smtClean="0"/>
+              <a:t>MYSQL</a:t>
+            </a:r>
+            <a:r>
+              <a:rPr lang="ko-KR" altLang="en-US" sz="2000" b="1" dirty="0" smtClean="0"/>
+              <a:t> </a:t>
+            </a:r>
+            <a:r>
+              <a:rPr lang="en-US" altLang="ko-KR" sz="2000" b="1" dirty="0" smtClean="0"/>
+              <a:t>3</a:t>
+            </a:r>
+            <a:r>
+              <a:rPr lang="ko-KR" altLang="en-US" sz="2000" b="1" dirty="0" smtClean="0"/>
+              <a:t>일차</a:t>
+            </a:r>
+            <a:endParaRPr lang="ko-KR" altLang="en-US" sz="2000" b="1" dirty="0"/>
+          </a:p>
+        </p:txBody>
+      </p:sp>
+      <p:sp>
+        <p:nvSpPr>
+          <p:cNvPr id="26" name="직사각형 25"/>
+          <p:cNvSpPr/>
+          <p:nvPr/>
+        </p:nvSpPr>
+        <p:spPr>
+          <a:xfrm>
+            <a:off x="539552" y="908720"/>
+            <a:ext cx="5739072" cy="1477328"/>
+          </a:xfrm>
+          <a:prstGeom prst="rect">
+            <a:avLst/>
+          </a:prstGeom>
+        </p:spPr>
+        <p:txBody>
+          <a:bodyPr wrap="none">
+            <a:spAutoFit/>
+          </a:bodyPr>
+          <a:lstStyle/>
+          <a:p>
+            <a:r>
+              <a:rPr lang="ko-KR" altLang="en-US" dirty="0" smtClean="0"/>
+              <a:t>계좌 관리 프로그램을 </a:t>
+            </a:r>
+            <a:r>
+              <a:rPr lang="en-US" altLang="ko-KR" dirty="0" smtClean="0"/>
+              <a:t>Client / Server </a:t>
+            </a:r>
+            <a:r>
+              <a:rPr lang="ko-KR" altLang="en-US" dirty="0" smtClean="0"/>
+              <a:t>구조로 변경</a:t>
+            </a:r>
+            <a:endParaRPr lang="en-US" altLang="ko-KR" dirty="0" smtClean="0"/>
+          </a:p>
+          <a:p>
+            <a:endParaRPr lang="en-US" altLang="ko-KR" dirty="0" smtClean="0"/>
+          </a:p>
+          <a:p>
+            <a:pPr>
+              <a:buFontTx/>
+              <a:buChar char="-"/>
+            </a:pPr>
+            <a:r>
+              <a:rPr lang="en-US" altLang="ko-KR" b="1" dirty="0" smtClean="0"/>
+              <a:t>TCP / IP </a:t>
+            </a:r>
+            <a:r>
+              <a:rPr lang="ko-KR" altLang="en-US" b="1" dirty="0" smtClean="0">
+                <a:solidFill>
+                  <a:srgbClr val="FF0000"/>
+                </a:solidFill>
+              </a:rPr>
+              <a:t>프로토콜</a:t>
+            </a:r>
+            <a:r>
+              <a:rPr lang="en-US" altLang="ko-KR" b="1" dirty="0" smtClean="0">
+                <a:solidFill>
+                  <a:srgbClr val="FF0000"/>
+                </a:solidFill>
+              </a:rPr>
+              <a:t>(</a:t>
+            </a:r>
+            <a:r>
+              <a:rPr lang="ko-KR" altLang="en-US" b="1" dirty="0" smtClean="0">
+                <a:solidFill>
+                  <a:srgbClr val="FF0000"/>
+                </a:solidFill>
+              </a:rPr>
+              <a:t>약속</a:t>
+            </a:r>
+            <a:r>
+              <a:rPr lang="en-US" altLang="ko-KR" b="1" dirty="0" smtClean="0">
+                <a:solidFill>
+                  <a:srgbClr val="FF0000"/>
+                </a:solidFill>
+              </a:rPr>
+              <a:t>)</a:t>
+            </a:r>
+          </a:p>
+          <a:p>
+            <a:pPr>
+              <a:buFontTx/>
+              <a:buChar char="-"/>
+            </a:pPr>
+            <a:endParaRPr lang="en-US" altLang="ko-KR" b="1" dirty="0" smtClean="0">
+              <a:solidFill>
+                <a:srgbClr val="FF0000"/>
+              </a:solidFill>
+            </a:endParaRPr>
+          </a:p>
+          <a:p>
+            <a:r>
+              <a:rPr lang="en-US" altLang="ko-KR" b="1" dirty="0" smtClean="0"/>
+              <a:t>- Application</a:t>
+            </a:r>
+            <a:r>
+              <a:rPr lang="ko-KR" altLang="en-US" b="1" dirty="0" smtClean="0"/>
+              <a:t>에서의 프로토콜 정의</a:t>
+            </a:r>
+            <a:r>
+              <a:rPr lang="en-US" altLang="ko-KR" b="1" dirty="0" smtClean="0"/>
+              <a:t>(</a:t>
+            </a:r>
+            <a:r>
+              <a:rPr lang="ko-KR" altLang="en-US" b="1" dirty="0" smtClean="0"/>
+              <a:t>직렬화</a:t>
+            </a:r>
+            <a:r>
+              <a:rPr lang="en-US" altLang="ko-KR" b="1" dirty="0" smtClean="0"/>
+              <a:t>/</a:t>
+            </a:r>
+            <a:r>
+              <a:rPr lang="ko-KR" altLang="en-US" b="1" dirty="0" err="1" smtClean="0"/>
+              <a:t>역직렬화</a:t>
+            </a:r>
+            <a:r>
+              <a:rPr lang="en-US" altLang="ko-KR" b="1" dirty="0" smtClean="0"/>
+              <a:t>)</a:t>
+            </a:r>
+            <a:endParaRPr lang="ko-KR" altLang="en-US" b="1" dirty="0"/>
+          </a:p>
+        </p:txBody>
+      </p:sp>
+      <p:sp>
+        <p:nvSpPr>
+          <p:cNvPr id="28" name="직사각형 27"/>
+          <p:cNvSpPr/>
+          <p:nvPr/>
+        </p:nvSpPr>
+        <p:spPr>
+          <a:xfrm>
+            <a:off x="611560" y="3429000"/>
+            <a:ext cx="2376264" cy="2520280"/>
+          </a:xfrm>
+          <a:prstGeom prst="rect">
+            <a:avLst/>
+          </a:prstGeom>
+          <a:solidFill>
+            <a:schemeClr val="bg1"/>
+          </a:solidFill>
+        </p:spPr>
+        <p:style>
+          <a:lnRef idx="2">
+            <a:schemeClr val="accent1">
+              <a:shade val="50000"/>
+            </a:schemeClr>
+          </a:lnRef>
+          <a:fillRef idx="1">
+            <a:schemeClr val="accent1"/>
+          </a:fillRef>
+          <a:effectRef idx="0">
+            <a:schemeClr val="accent1"/>
+          </a:effectRef>
+          <a:fontRef idx="minor">
+            <a:schemeClr val="lt1"/>
+          </a:fontRef>
+        </p:style>
+        <p:txBody>
+          <a:bodyPr rtlCol="0" anchor="ctr"/>
+          <a:lstStyle/>
+          <a:p>
+            <a:pPr algn="ctr"/>
+            <a:endParaRPr lang="ko-KR" altLang="en-US" dirty="0">
+              <a:solidFill>
+                <a:schemeClr val="tx1"/>
+              </a:solidFill>
+            </a:endParaRPr>
+          </a:p>
+        </p:txBody>
+      </p:sp>
+      <p:sp>
+        <p:nvSpPr>
+          <p:cNvPr id="29" name="직사각형 28"/>
+          <p:cNvSpPr/>
+          <p:nvPr/>
+        </p:nvSpPr>
+        <p:spPr>
+          <a:xfrm>
+            <a:off x="395536" y="2996952"/>
+            <a:ext cx="2880320" cy="369332"/>
+          </a:xfrm>
+          <a:prstGeom prst="rect">
+            <a:avLst/>
+          </a:prstGeom>
+        </p:spPr>
+        <p:txBody>
+          <a:bodyPr wrap="square">
+            <a:spAutoFit/>
+          </a:bodyPr>
+          <a:lstStyle/>
+          <a:p>
+            <a:pPr algn="ctr"/>
+            <a:r>
+              <a:rPr lang="en-US" altLang="ko-KR" dirty="0" smtClean="0"/>
+              <a:t>Client(</a:t>
+            </a:r>
+            <a:r>
+              <a:rPr lang="ko-KR" altLang="en-US" dirty="0" smtClean="0"/>
+              <a:t>사용자</a:t>
+            </a:r>
+            <a:r>
+              <a:rPr lang="en-US" altLang="ko-KR" dirty="0" smtClean="0"/>
+              <a:t>,</a:t>
+            </a:r>
+            <a:r>
+              <a:rPr lang="ko-KR" altLang="en-US" dirty="0" smtClean="0"/>
+              <a:t>관리자</a:t>
+            </a:r>
+            <a:r>
+              <a:rPr lang="en-US" altLang="ko-KR" dirty="0" smtClean="0"/>
+              <a:t>)</a:t>
+            </a:r>
+            <a:endParaRPr lang="ko-KR" altLang="en-US" dirty="0"/>
+          </a:p>
+        </p:txBody>
+      </p:sp>
+      <p:sp>
+        <p:nvSpPr>
+          <p:cNvPr id="30" name="직사각형 29"/>
+          <p:cNvSpPr/>
+          <p:nvPr/>
+        </p:nvSpPr>
+        <p:spPr>
+          <a:xfrm>
+            <a:off x="5868144" y="3356992"/>
+            <a:ext cx="2376264" cy="2520280"/>
+          </a:xfrm>
+          <a:prstGeom prst="rect">
+            <a:avLst/>
+          </a:prstGeom>
+          <a:solidFill>
+            <a:schemeClr val="bg1"/>
+          </a:solidFill>
+        </p:spPr>
+        <p:style>
+          <a:lnRef idx="2">
+            <a:schemeClr val="accent1">
+              <a:shade val="50000"/>
+            </a:schemeClr>
+          </a:lnRef>
+          <a:fillRef idx="1">
+            <a:schemeClr val="accent1"/>
+          </a:fillRef>
+          <a:effectRef idx="0">
+            <a:schemeClr val="accent1"/>
+          </a:effectRef>
+          <a:fontRef idx="minor">
+            <a:schemeClr val="lt1"/>
+          </a:fontRef>
+        </p:style>
+        <p:txBody>
+          <a:bodyPr rtlCol="0" anchor="ctr"/>
+          <a:lstStyle/>
+          <a:p>
+            <a:pPr algn="ctr"/>
+            <a:endParaRPr lang="ko-KR" altLang="en-US" dirty="0">
+              <a:solidFill>
+                <a:schemeClr val="tx1"/>
+              </a:solidFill>
+            </a:endParaRPr>
+          </a:p>
+        </p:txBody>
+      </p:sp>
+      <p:sp>
+        <p:nvSpPr>
+          <p:cNvPr id="31" name="직사각형 30"/>
+          <p:cNvSpPr/>
+          <p:nvPr/>
+        </p:nvSpPr>
+        <p:spPr>
+          <a:xfrm>
+            <a:off x="6012160" y="2924944"/>
+            <a:ext cx="2160240" cy="369332"/>
+          </a:xfrm>
+          <a:prstGeom prst="rect">
+            <a:avLst/>
+          </a:prstGeom>
+        </p:spPr>
+        <p:txBody>
+          <a:bodyPr wrap="square">
+            <a:spAutoFit/>
+          </a:bodyPr>
+          <a:lstStyle/>
+          <a:p>
+            <a:pPr algn="ctr"/>
+            <a:r>
+              <a:rPr lang="en-US" altLang="ko-KR" dirty="0" smtClean="0"/>
+              <a:t>Server(</a:t>
+            </a:r>
+            <a:r>
+              <a:rPr lang="ko-KR" altLang="en-US" dirty="0" smtClean="0"/>
+              <a:t>서비스 제공</a:t>
+            </a:r>
+            <a:r>
+              <a:rPr lang="en-US" altLang="ko-KR" dirty="0" smtClean="0"/>
+              <a:t>)</a:t>
+            </a:r>
+            <a:endParaRPr lang="ko-KR" altLang="en-US" dirty="0"/>
+          </a:p>
+        </p:txBody>
+      </p:sp>
+      <p:sp>
+        <p:nvSpPr>
+          <p:cNvPr id="32" name="순서도: 자기 디스크 31"/>
+          <p:cNvSpPr/>
+          <p:nvPr/>
+        </p:nvSpPr>
+        <p:spPr>
+          <a:xfrm>
+            <a:off x="6228184" y="4941168"/>
+            <a:ext cx="1872208" cy="864096"/>
+          </a:xfrm>
+          <a:prstGeom prst="flowChartMagneticDisk">
+            <a:avLst/>
+          </a:prstGeom>
+        </p:spPr>
+        <p:style>
+          <a:lnRef idx="2">
+            <a:schemeClr val="accent1">
+              <a:shade val="50000"/>
+            </a:schemeClr>
+          </a:lnRef>
+          <a:fillRef idx="1">
+            <a:schemeClr val="accent1"/>
+          </a:fillRef>
+          <a:effectRef idx="0">
+            <a:schemeClr val="accent1"/>
+          </a:effectRef>
+          <a:fontRef idx="minor">
+            <a:schemeClr val="lt1"/>
+          </a:fontRef>
+        </p:style>
+        <p:txBody>
+          <a:bodyPr rtlCol="0" anchor="ctr"/>
+          <a:lstStyle/>
+          <a:p>
+            <a:pPr algn="ctr"/>
+            <a:r>
+              <a:rPr lang="en-US" altLang="ko-KR" dirty="0" err="1" smtClean="0"/>
+              <a:t>DataBase</a:t>
+            </a:r>
+            <a:endParaRPr lang="ko-KR" altLang="en-US" dirty="0"/>
+          </a:p>
+        </p:txBody>
+      </p:sp>
+      <p:sp>
+        <p:nvSpPr>
+          <p:cNvPr id="33" name="직사각형 32"/>
+          <p:cNvSpPr/>
+          <p:nvPr/>
+        </p:nvSpPr>
+        <p:spPr>
+          <a:xfrm>
+            <a:off x="6012160" y="4437112"/>
+            <a:ext cx="2088232" cy="360040"/>
+          </a:xfrm>
+          <a:prstGeom prst="rect">
+            <a:avLst/>
+          </a:prstGeom>
+          <a:solidFill>
+            <a:schemeClr val="bg1"/>
+          </a:solidFill>
+        </p:spPr>
+        <p:style>
+          <a:lnRef idx="2">
+            <a:schemeClr val="accent1">
+              <a:shade val="50000"/>
+            </a:schemeClr>
+          </a:lnRef>
+          <a:fillRef idx="1">
+            <a:schemeClr val="accent1"/>
+          </a:fillRef>
+          <a:effectRef idx="0">
+            <a:schemeClr val="accent1"/>
+          </a:effectRef>
+          <a:fontRef idx="minor">
+            <a:schemeClr val="lt1"/>
+          </a:fontRef>
+        </p:style>
+        <p:txBody>
+          <a:bodyPr rtlCol="0" anchor="ctr"/>
+          <a:lstStyle/>
+          <a:p>
+            <a:pPr algn="ctr"/>
+            <a:r>
+              <a:rPr lang="ko-KR" altLang="en-US" dirty="0" smtClean="0">
+                <a:solidFill>
+                  <a:schemeClr val="tx1"/>
+                </a:solidFill>
+              </a:rPr>
+              <a:t>데이터관리모듈</a:t>
+            </a:r>
+            <a:endParaRPr lang="ko-KR" altLang="en-US" dirty="0">
+              <a:solidFill>
+                <a:schemeClr val="tx1"/>
+              </a:solidFill>
+            </a:endParaRPr>
+          </a:p>
+        </p:txBody>
+      </p:sp>
+      <p:sp>
+        <p:nvSpPr>
+          <p:cNvPr id="34" name="직사각형 33"/>
+          <p:cNvSpPr/>
+          <p:nvPr/>
+        </p:nvSpPr>
+        <p:spPr>
+          <a:xfrm>
+            <a:off x="5940152" y="3429000"/>
+            <a:ext cx="864096" cy="792088"/>
+          </a:xfrm>
+          <a:prstGeom prst="rect">
+            <a:avLst/>
+          </a:prstGeom>
+          <a:solidFill>
+            <a:schemeClr val="accent2"/>
+          </a:solidFill>
+        </p:spPr>
+        <p:style>
+          <a:lnRef idx="2">
+            <a:schemeClr val="accent1">
+              <a:shade val="50000"/>
+            </a:schemeClr>
+          </a:lnRef>
+          <a:fillRef idx="1">
+            <a:schemeClr val="accent1"/>
+          </a:fillRef>
+          <a:effectRef idx="0">
+            <a:schemeClr val="accent1"/>
+          </a:effectRef>
+          <a:fontRef idx="minor">
+            <a:schemeClr val="lt1"/>
+          </a:fontRef>
+        </p:style>
+        <p:txBody>
+          <a:bodyPr rtlCol="0" anchor="ctr"/>
+          <a:lstStyle/>
+          <a:p>
+            <a:pPr algn="ctr"/>
+            <a:r>
+              <a:rPr lang="ko-KR" altLang="en-US" dirty="0" smtClean="0">
+                <a:solidFill>
+                  <a:schemeClr val="tx1"/>
+                </a:solidFill>
+              </a:rPr>
+              <a:t>통신</a:t>
+            </a:r>
+            <a:endParaRPr lang="en-US" altLang="ko-KR" dirty="0" smtClean="0">
+              <a:solidFill>
+                <a:schemeClr val="tx1"/>
+              </a:solidFill>
+            </a:endParaRPr>
+          </a:p>
+          <a:p>
+            <a:pPr algn="ctr"/>
+            <a:r>
+              <a:rPr lang="ko-KR" altLang="en-US" dirty="0" smtClean="0">
+                <a:solidFill>
+                  <a:schemeClr val="tx1"/>
+                </a:solidFill>
+              </a:rPr>
+              <a:t>모</a:t>
+            </a:r>
+            <a:r>
+              <a:rPr lang="ko-KR" altLang="en-US" dirty="0" smtClean="0">
+                <a:solidFill>
+                  <a:schemeClr val="tx1"/>
+                </a:solidFill>
+              </a:rPr>
+              <a:t>듈</a:t>
+            </a:r>
+            <a:endParaRPr lang="ko-KR" altLang="en-US" dirty="0">
+              <a:solidFill>
+                <a:schemeClr val="tx1"/>
+              </a:solidFill>
+            </a:endParaRPr>
+          </a:p>
+        </p:txBody>
+      </p:sp>
+      <p:cxnSp>
+        <p:nvCxnSpPr>
+          <p:cNvPr id="35" name="직선 화살표 연결선 34"/>
+          <p:cNvCxnSpPr>
+            <a:endCxn id="34" idx="1"/>
+          </p:cNvCxnSpPr>
+          <p:nvPr/>
+        </p:nvCxnSpPr>
+        <p:spPr>
+          <a:xfrm flipV="1">
+            <a:off x="2843808" y="3825044"/>
+            <a:ext cx="3096344" cy="36004"/>
+          </a:xfrm>
+          <a:prstGeom prst="straightConnector1">
+            <a:avLst/>
+          </a:prstGeom>
+          <a:ln w="25400">
+            <a:solidFill>
+              <a:srgbClr val="FF0000"/>
+            </a:solidFill>
+            <a:tailEnd type="arrow"/>
+          </a:ln>
+        </p:spPr>
+        <p:style>
+          <a:lnRef idx="1">
+            <a:schemeClr val="accent1"/>
+          </a:lnRef>
+          <a:fillRef idx="0">
+            <a:schemeClr val="accent1"/>
+          </a:fillRef>
+          <a:effectRef idx="0">
+            <a:schemeClr val="accent1"/>
+          </a:effectRef>
+          <a:fontRef idx="minor">
+            <a:schemeClr val="tx1"/>
+          </a:fontRef>
+        </p:style>
+      </p:cxnSp>
+      <p:sp>
+        <p:nvSpPr>
+          <p:cNvPr id="38" name="직사각형 37"/>
+          <p:cNvSpPr/>
+          <p:nvPr/>
+        </p:nvSpPr>
+        <p:spPr>
+          <a:xfrm>
+            <a:off x="7236296" y="3429000"/>
+            <a:ext cx="864096" cy="792088"/>
+          </a:xfrm>
+          <a:prstGeom prst="rect">
+            <a:avLst/>
+          </a:prstGeom>
+          <a:solidFill>
+            <a:schemeClr val="bg1"/>
+          </a:solidFill>
+        </p:spPr>
+        <p:style>
+          <a:lnRef idx="2">
+            <a:schemeClr val="accent1">
+              <a:shade val="50000"/>
+            </a:schemeClr>
+          </a:lnRef>
+          <a:fillRef idx="1">
+            <a:schemeClr val="accent1"/>
+          </a:fillRef>
+          <a:effectRef idx="0">
+            <a:schemeClr val="accent1"/>
+          </a:effectRef>
+          <a:fontRef idx="minor">
+            <a:schemeClr val="lt1"/>
+          </a:fontRef>
+        </p:style>
+        <p:txBody>
+          <a:bodyPr rtlCol="0" anchor="ctr"/>
+          <a:lstStyle/>
+          <a:p>
+            <a:pPr algn="ctr"/>
+            <a:r>
+              <a:rPr lang="ko-KR" altLang="en-US" dirty="0" smtClean="0">
+                <a:solidFill>
+                  <a:schemeClr val="tx1"/>
+                </a:solidFill>
+              </a:rPr>
+              <a:t>관리</a:t>
+            </a:r>
+            <a:endParaRPr lang="en-US" altLang="ko-KR" dirty="0" smtClean="0">
+              <a:solidFill>
+                <a:schemeClr val="tx1"/>
+              </a:solidFill>
+            </a:endParaRPr>
+          </a:p>
+          <a:p>
+            <a:pPr algn="ctr"/>
+            <a:r>
+              <a:rPr lang="ko-KR" altLang="en-US" dirty="0" smtClean="0">
+                <a:solidFill>
+                  <a:schemeClr val="tx1"/>
+                </a:solidFill>
+              </a:rPr>
+              <a:t>모</a:t>
+            </a:r>
+            <a:r>
+              <a:rPr lang="ko-KR" altLang="en-US" dirty="0" smtClean="0">
+                <a:solidFill>
+                  <a:schemeClr val="tx1"/>
+                </a:solidFill>
+              </a:rPr>
+              <a:t>듈</a:t>
+            </a:r>
+            <a:endParaRPr lang="ko-KR" altLang="en-US" dirty="0">
+              <a:solidFill>
+                <a:schemeClr val="tx1"/>
+              </a:solidFill>
+            </a:endParaRPr>
+          </a:p>
+        </p:txBody>
+      </p:sp>
+      <p:cxnSp>
+        <p:nvCxnSpPr>
+          <p:cNvPr id="42" name="직선 화살표 연결선 41"/>
+          <p:cNvCxnSpPr>
+            <a:endCxn id="38" idx="1"/>
+          </p:cNvCxnSpPr>
+          <p:nvPr/>
+        </p:nvCxnSpPr>
+        <p:spPr>
+          <a:xfrm>
+            <a:off x="6804248" y="3825044"/>
+            <a:ext cx="432048" cy="0"/>
+          </a:xfrm>
+          <a:prstGeom prst="straightConnector1">
+            <a:avLst/>
+          </a:prstGeom>
+          <a:ln w="25400">
+            <a:solidFill>
+              <a:srgbClr val="FF0000"/>
+            </a:solidFill>
+            <a:tailEnd type="arrow"/>
+          </a:ln>
+        </p:spPr>
+        <p:style>
+          <a:lnRef idx="1">
+            <a:schemeClr val="accent1"/>
+          </a:lnRef>
+          <a:fillRef idx="0">
+            <a:schemeClr val="accent1"/>
+          </a:fillRef>
+          <a:effectRef idx="0">
+            <a:schemeClr val="accent1"/>
+          </a:effectRef>
+          <a:fontRef idx="minor">
+            <a:schemeClr val="tx1"/>
+          </a:fontRef>
+        </p:style>
+      </p:cxnSp>
+      <p:cxnSp>
+        <p:nvCxnSpPr>
+          <p:cNvPr id="44" name="직선 화살표 연결선 43"/>
+          <p:cNvCxnSpPr>
+            <a:stCxn id="38" idx="2"/>
+          </p:cNvCxnSpPr>
+          <p:nvPr/>
+        </p:nvCxnSpPr>
+        <p:spPr>
+          <a:xfrm flipH="1">
+            <a:off x="7308304" y="4221088"/>
+            <a:ext cx="360040" cy="288032"/>
+          </a:xfrm>
+          <a:prstGeom prst="straightConnector1">
+            <a:avLst/>
+          </a:prstGeom>
+          <a:ln w="25400">
+            <a:solidFill>
+              <a:srgbClr val="FF0000"/>
+            </a:solidFill>
+            <a:tailEnd type="arrow"/>
+          </a:ln>
+        </p:spPr>
+        <p:style>
+          <a:lnRef idx="1">
+            <a:schemeClr val="accent1"/>
+          </a:lnRef>
+          <a:fillRef idx="0">
+            <a:schemeClr val="accent1"/>
+          </a:fillRef>
+          <a:effectRef idx="0">
+            <a:schemeClr val="accent1"/>
+          </a:effectRef>
+          <a:fontRef idx="minor">
+            <a:schemeClr val="tx1"/>
+          </a:fontRef>
+        </p:style>
+      </p:cxnSp>
+      <p:cxnSp>
+        <p:nvCxnSpPr>
+          <p:cNvPr id="47" name="직선 화살표 연결선 46"/>
+          <p:cNvCxnSpPr>
+            <a:stCxn id="33" idx="2"/>
+            <a:endCxn id="32" idx="0"/>
+          </p:cNvCxnSpPr>
+          <p:nvPr/>
+        </p:nvCxnSpPr>
+        <p:spPr>
+          <a:xfrm>
+            <a:off x="7056276" y="4797152"/>
+            <a:ext cx="108012" cy="432048"/>
+          </a:xfrm>
+          <a:prstGeom prst="straightConnector1">
+            <a:avLst/>
+          </a:prstGeom>
+          <a:ln w="25400">
+            <a:solidFill>
+              <a:srgbClr val="FF0000"/>
+            </a:solidFill>
+            <a:tailEnd type="arrow"/>
+          </a:ln>
+        </p:spPr>
+        <p:style>
+          <a:lnRef idx="1">
+            <a:schemeClr val="accent1"/>
+          </a:lnRef>
+          <a:fillRef idx="0">
+            <a:schemeClr val="accent1"/>
+          </a:fillRef>
+          <a:effectRef idx="0">
+            <a:schemeClr val="accent1"/>
+          </a:effectRef>
+          <a:fontRef idx="minor">
+            <a:schemeClr val="tx1"/>
+          </a:fontRef>
+        </p:style>
+      </p:cxnSp>
+      <p:sp>
+        <p:nvSpPr>
+          <p:cNvPr id="53" name="직사각형 52"/>
+          <p:cNvSpPr/>
+          <p:nvPr/>
+        </p:nvSpPr>
+        <p:spPr>
+          <a:xfrm>
+            <a:off x="2051720" y="3573016"/>
+            <a:ext cx="864096" cy="792088"/>
+          </a:xfrm>
+          <a:prstGeom prst="rect">
+            <a:avLst/>
+          </a:prstGeom>
+          <a:solidFill>
+            <a:schemeClr val="accent2"/>
+          </a:solidFill>
+        </p:spPr>
+        <p:style>
+          <a:lnRef idx="2">
+            <a:schemeClr val="accent1">
+              <a:shade val="50000"/>
+            </a:schemeClr>
+          </a:lnRef>
+          <a:fillRef idx="1">
+            <a:schemeClr val="accent1"/>
+          </a:fillRef>
+          <a:effectRef idx="0">
+            <a:schemeClr val="accent1"/>
+          </a:effectRef>
+          <a:fontRef idx="minor">
+            <a:schemeClr val="lt1"/>
+          </a:fontRef>
+        </p:style>
+        <p:txBody>
+          <a:bodyPr rtlCol="0" anchor="ctr"/>
+          <a:lstStyle/>
+          <a:p>
+            <a:pPr algn="ctr"/>
+            <a:r>
+              <a:rPr lang="ko-KR" altLang="en-US" dirty="0" smtClean="0">
+                <a:solidFill>
+                  <a:schemeClr val="tx1"/>
+                </a:solidFill>
+              </a:rPr>
+              <a:t>통신</a:t>
+            </a:r>
+            <a:endParaRPr lang="en-US" altLang="ko-KR" dirty="0" smtClean="0">
+              <a:solidFill>
+                <a:schemeClr val="tx1"/>
+              </a:solidFill>
+            </a:endParaRPr>
+          </a:p>
+          <a:p>
+            <a:pPr algn="ctr"/>
+            <a:r>
+              <a:rPr lang="ko-KR" altLang="en-US" dirty="0" smtClean="0">
+                <a:solidFill>
+                  <a:schemeClr val="tx1"/>
+                </a:solidFill>
+              </a:rPr>
+              <a:t>모</a:t>
+            </a:r>
+            <a:r>
+              <a:rPr lang="ko-KR" altLang="en-US" dirty="0" smtClean="0">
+                <a:solidFill>
+                  <a:schemeClr val="tx1"/>
+                </a:solidFill>
+              </a:rPr>
+              <a:t>듈</a:t>
+            </a:r>
+            <a:endParaRPr lang="ko-KR" altLang="en-US" dirty="0">
+              <a:solidFill>
+                <a:schemeClr val="tx1"/>
+              </a:solidFill>
+            </a:endParaRPr>
+          </a:p>
+        </p:txBody>
+      </p:sp>
+      <p:sp>
+        <p:nvSpPr>
+          <p:cNvPr id="55" name="직사각형 54"/>
+          <p:cNvSpPr/>
+          <p:nvPr/>
+        </p:nvSpPr>
+        <p:spPr>
+          <a:xfrm>
+            <a:off x="3419872" y="2924944"/>
+            <a:ext cx="2016224" cy="923330"/>
+          </a:xfrm>
+          <a:prstGeom prst="rect">
+            <a:avLst/>
+          </a:prstGeom>
+        </p:spPr>
+        <p:txBody>
+          <a:bodyPr wrap="square">
+            <a:spAutoFit/>
+          </a:bodyPr>
+          <a:lstStyle/>
+          <a:p>
+            <a:r>
+              <a:rPr lang="en-US" altLang="ko-KR" b="1" dirty="0" smtClean="0"/>
+              <a:t>String</a:t>
+            </a:r>
+          </a:p>
+          <a:p>
+            <a:r>
+              <a:rPr lang="en-US" altLang="ko-KR" b="1" dirty="0" smtClean="0"/>
+              <a:t>byte[]</a:t>
+            </a:r>
+          </a:p>
+          <a:p>
+            <a:r>
+              <a:rPr lang="en-US" altLang="ko-KR" b="1" dirty="0" smtClean="0"/>
+              <a:t>Object(</a:t>
+            </a:r>
+            <a:r>
+              <a:rPr lang="ko-KR" altLang="en-US" b="1" dirty="0" smtClean="0"/>
+              <a:t>직렬화</a:t>
+            </a:r>
+            <a:r>
+              <a:rPr lang="en-US" altLang="ko-KR" b="1" dirty="0" smtClean="0"/>
+              <a:t>)</a:t>
+            </a:r>
+            <a:endParaRPr lang="ko-KR" altLang="en-US" dirty="0"/>
+          </a:p>
+        </p:txBody>
+      </p:sp>
+      <p:sp>
+        <p:nvSpPr>
+          <p:cNvPr id="57" name="직사각형 56"/>
+          <p:cNvSpPr/>
+          <p:nvPr/>
+        </p:nvSpPr>
+        <p:spPr>
+          <a:xfrm>
+            <a:off x="755576" y="3573016"/>
+            <a:ext cx="864096" cy="792088"/>
+          </a:xfrm>
+          <a:prstGeom prst="rect">
+            <a:avLst/>
+          </a:prstGeom>
+          <a:solidFill>
+            <a:schemeClr val="bg1"/>
+          </a:solidFill>
+        </p:spPr>
+        <p:style>
+          <a:lnRef idx="2">
+            <a:schemeClr val="accent1">
+              <a:shade val="50000"/>
+            </a:schemeClr>
+          </a:lnRef>
+          <a:fillRef idx="1">
+            <a:schemeClr val="accent1"/>
+          </a:fillRef>
+          <a:effectRef idx="0">
+            <a:schemeClr val="accent1"/>
+          </a:effectRef>
+          <a:fontRef idx="minor">
+            <a:schemeClr val="lt1"/>
+          </a:fontRef>
+        </p:style>
+        <p:txBody>
+          <a:bodyPr rtlCol="0" anchor="ctr"/>
+          <a:lstStyle/>
+          <a:p>
+            <a:pPr algn="ctr"/>
+            <a:r>
+              <a:rPr lang="ko-KR" altLang="en-US" dirty="0" smtClean="0">
+                <a:solidFill>
+                  <a:schemeClr val="tx1"/>
+                </a:solidFill>
+              </a:rPr>
+              <a:t>관리</a:t>
+            </a:r>
+            <a:endParaRPr lang="en-US" altLang="ko-KR" dirty="0" smtClean="0">
+              <a:solidFill>
+                <a:schemeClr val="tx1"/>
+              </a:solidFill>
+            </a:endParaRPr>
+          </a:p>
+          <a:p>
+            <a:pPr algn="ctr"/>
+            <a:r>
+              <a:rPr lang="ko-KR" altLang="en-US" dirty="0" smtClean="0">
+                <a:solidFill>
+                  <a:schemeClr val="tx1"/>
+                </a:solidFill>
+              </a:rPr>
+              <a:t>모</a:t>
+            </a:r>
+            <a:r>
+              <a:rPr lang="ko-KR" altLang="en-US" dirty="0" smtClean="0">
+                <a:solidFill>
+                  <a:schemeClr val="tx1"/>
+                </a:solidFill>
+              </a:rPr>
+              <a:t>듈</a:t>
+            </a:r>
+            <a:endParaRPr lang="ko-KR" altLang="en-US" dirty="0">
+              <a:solidFill>
+                <a:schemeClr val="tx1"/>
+              </a:solidFill>
+            </a:endParaRPr>
+          </a:p>
+        </p:txBody>
+      </p:sp>
+      <p:sp>
+        <p:nvSpPr>
+          <p:cNvPr id="58" name="직사각형 57"/>
+          <p:cNvSpPr/>
+          <p:nvPr/>
+        </p:nvSpPr>
+        <p:spPr>
+          <a:xfrm>
+            <a:off x="827584" y="4725144"/>
+            <a:ext cx="2016224" cy="792088"/>
+          </a:xfrm>
+          <a:prstGeom prst="rect">
+            <a:avLst/>
+          </a:prstGeom>
+          <a:solidFill>
+            <a:schemeClr val="bg1"/>
+          </a:solidFill>
+        </p:spPr>
+        <p:style>
+          <a:lnRef idx="2">
+            <a:schemeClr val="accent1">
+              <a:shade val="50000"/>
+            </a:schemeClr>
+          </a:lnRef>
+          <a:fillRef idx="1">
+            <a:schemeClr val="accent1"/>
+          </a:fillRef>
+          <a:effectRef idx="0">
+            <a:schemeClr val="accent1"/>
+          </a:effectRef>
+          <a:fontRef idx="minor">
+            <a:schemeClr val="lt1"/>
+          </a:fontRef>
+        </p:style>
+        <p:txBody>
+          <a:bodyPr rtlCol="0" anchor="ctr"/>
+          <a:lstStyle/>
+          <a:p>
+            <a:pPr algn="ctr"/>
+            <a:r>
+              <a:rPr lang="ko-KR" altLang="en-US" dirty="0" smtClean="0">
+                <a:solidFill>
+                  <a:schemeClr val="tx1"/>
+                </a:solidFill>
+              </a:rPr>
+              <a:t>사용자인터페이스</a:t>
+            </a:r>
+            <a:endParaRPr lang="en-US" altLang="ko-KR" dirty="0" smtClean="0">
+              <a:solidFill>
+                <a:schemeClr val="tx1"/>
+              </a:solidFill>
+            </a:endParaRPr>
+          </a:p>
+        </p:txBody>
+      </p:sp>
+      <p:cxnSp>
+        <p:nvCxnSpPr>
+          <p:cNvPr id="59" name="직선 화살표 연결선 58"/>
+          <p:cNvCxnSpPr/>
+          <p:nvPr/>
+        </p:nvCxnSpPr>
+        <p:spPr>
+          <a:xfrm flipH="1" flipV="1">
+            <a:off x="1331640" y="4365104"/>
+            <a:ext cx="144016" cy="360040"/>
+          </a:xfrm>
+          <a:prstGeom prst="straightConnector1">
+            <a:avLst/>
+          </a:prstGeom>
+          <a:ln w="25400">
+            <a:solidFill>
+              <a:srgbClr val="FF0000"/>
+            </a:solidFill>
+            <a:tailEnd type="arrow"/>
+          </a:ln>
+        </p:spPr>
+        <p:style>
+          <a:lnRef idx="1">
+            <a:schemeClr val="accent1"/>
+          </a:lnRef>
+          <a:fillRef idx="0">
+            <a:schemeClr val="accent1"/>
+          </a:fillRef>
+          <a:effectRef idx="0">
+            <a:schemeClr val="accent1"/>
+          </a:effectRef>
+          <a:fontRef idx="minor">
+            <a:schemeClr val="tx1"/>
+          </a:fontRef>
+        </p:style>
+      </p:cxnSp>
+      <p:cxnSp>
+        <p:nvCxnSpPr>
+          <p:cNvPr id="61" name="직선 화살표 연결선 60"/>
+          <p:cNvCxnSpPr>
+            <a:stCxn id="57" idx="3"/>
+            <a:endCxn id="53" idx="1"/>
+          </p:cNvCxnSpPr>
+          <p:nvPr/>
+        </p:nvCxnSpPr>
+        <p:spPr>
+          <a:xfrm>
+            <a:off x="1619672" y="3969060"/>
+            <a:ext cx="432048" cy="0"/>
+          </a:xfrm>
+          <a:prstGeom prst="straightConnector1">
+            <a:avLst/>
+          </a:prstGeom>
+          <a:ln w="25400">
+            <a:solidFill>
+              <a:srgbClr val="FF0000"/>
+            </a:solidFill>
+            <a:tailEnd type="arrow"/>
+          </a:ln>
+        </p:spPr>
+        <p:style>
+          <a:lnRef idx="1">
+            <a:schemeClr val="accent1"/>
+          </a:lnRef>
+          <a:fillRef idx="0">
+            <a:schemeClr val="accent1"/>
+          </a:fillRef>
+          <a:effectRef idx="0">
+            <a:schemeClr val="accent1"/>
+          </a:effectRef>
+          <a:fontRef idx="minor">
+            <a:schemeClr val="tx1"/>
+          </a:fontRef>
+        </p:style>
+      </p:cxnSp>
+    </p:spTree>
+  </p:cSld>
+  <p:clrMapOvr>
+    <a:masterClrMapping/>
+  </p:clrMapOvr>
+</p:sld>
+</file>
+
+<file path=ppt/slides/slide35.xml><?xml version="1.0" encoding="utf-8"?>
+<p:sld xmlns:a="http://schemas.openxmlformats.org/drawingml/2006/main" xmlns:r="http://schemas.openxmlformats.org/officeDocument/2006/relationships" xmlns:p="http://schemas.openxmlformats.org/presentationml/2006/main">
+  <p:cSld>
+    <p:spTree>
+      <p:nvGrpSpPr>
+        <p:cNvPr id="1" name=""/>
+        <p:cNvGrpSpPr/>
+        <p:nvPr/>
+      </p:nvGrpSpPr>
+      <p:grpSpPr>
+        <a:xfrm>
+          <a:off x="0" y="0"/>
+          <a:ext cx="0" cy="0"/>
+          <a:chOff x="0" y="0"/>
+          <a:chExt cx="0" cy="0"/>
+        </a:xfrm>
+      </p:grpSpPr>
+      <p:sp>
+        <p:nvSpPr>
+          <p:cNvPr id="68" name="직사각형 67"/>
+          <p:cNvSpPr/>
+          <p:nvPr/>
+        </p:nvSpPr>
+        <p:spPr>
+          <a:xfrm>
+            <a:off x="539552" y="1772816"/>
+            <a:ext cx="3312368" cy="1584176"/>
+          </a:xfrm>
+          <a:prstGeom prst="rect">
+            <a:avLst/>
+          </a:prstGeom>
+          <a:solidFill>
+            <a:schemeClr val="tx2">
+              <a:lumMod val="20000"/>
+              <a:lumOff val="80000"/>
+            </a:schemeClr>
+          </a:solidFill>
+        </p:spPr>
+        <p:style>
+          <a:lnRef idx="2">
+            <a:schemeClr val="accent1">
+              <a:shade val="50000"/>
+            </a:schemeClr>
+          </a:lnRef>
+          <a:fillRef idx="1">
+            <a:schemeClr val="accent1"/>
+          </a:fillRef>
+          <a:effectRef idx="0">
+            <a:schemeClr val="accent1"/>
+          </a:effectRef>
+          <a:fontRef idx="minor">
+            <a:schemeClr val="lt1"/>
+          </a:fontRef>
+        </p:style>
+        <p:txBody>
+          <a:bodyPr rtlCol="0" anchor="ctr"/>
+          <a:lstStyle/>
+          <a:p>
+            <a:pPr algn="ctr"/>
+            <a:endParaRPr lang="ko-KR" altLang="en-US" dirty="0">
+              <a:solidFill>
+                <a:schemeClr val="tx1"/>
+              </a:solidFill>
+            </a:endParaRPr>
+          </a:p>
+        </p:txBody>
+      </p:sp>
+      <p:sp>
+        <p:nvSpPr>
+          <p:cNvPr id="5" name="TextBox 4"/>
+          <p:cNvSpPr txBox="1"/>
+          <p:nvPr/>
+        </p:nvSpPr>
+        <p:spPr>
+          <a:xfrm>
+            <a:off x="251520" y="260648"/>
+            <a:ext cx="5976664" cy="400110"/>
+          </a:xfrm>
+          <a:prstGeom prst="rect">
+            <a:avLst/>
+          </a:prstGeom>
+          <a:noFill/>
+        </p:spPr>
+        <p:txBody>
+          <a:bodyPr wrap="square" rtlCol="0">
+            <a:spAutoFit/>
+          </a:bodyPr>
+          <a:lstStyle/>
+          <a:p>
+            <a:r>
+              <a:rPr lang="en-US" altLang="ko-KR" sz="2000" b="1" dirty="0" smtClean="0"/>
+              <a:t>MYSQL</a:t>
+            </a:r>
+            <a:r>
+              <a:rPr lang="ko-KR" altLang="en-US" sz="2000" b="1" dirty="0" smtClean="0"/>
+              <a:t> </a:t>
+            </a:r>
+            <a:r>
+              <a:rPr lang="en-US" altLang="ko-KR" sz="2000" b="1" dirty="0" smtClean="0"/>
+              <a:t>3</a:t>
+            </a:r>
+            <a:r>
+              <a:rPr lang="ko-KR" altLang="en-US" sz="2000" b="1" dirty="0" smtClean="0"/>
+              <a:t>일차</a:t>
+            </a:r>
+            <a:endParaRPr lang="ko-KR" altLang="en-US" sz="2000" b="1" dirty="0"/>
+          </a:p>
+        </p:txBody>
+      </p:sp>
+      <p:sp>
+        <p:nvSpPr>
+          <p:cNvPr id="26" name="직사각형 25"/>
+          <p:cNvSpPr/>
+          <p:nvPr/>
+        </p:nvSpPr>
+        <p:spPr>
+          <a:xfrm>
+            <a:off x="539552" y="908720"/>
+            <a:ext cx="2807756" cy="646331"/>
+          </a:xfrm>
+          <a:prstGeom prst="rect">
+            <a:avLst/>
+          </a:prstGeom>
+        </p:spPr>
+        <p:txBody>
+          <a:bodyPr wrap="none">
+            <a:spAutoFit/>
+          </a:bodyPr>
+          <a:lstStyle/>
+          <a:p>
+            <a:pPr>
+              <a:buFontTx/>
+              <a:buChar char="-"/>
+            </a:pPr>
+            <a:r>
+              <a:rPr lang="en-US" altLang="ko-KR" b="1" dirty="0" smtClean="0"/>
+              <a:t>TCP / IP </a:t>
+            </a:r>
+            <a:r>
+              <a:rPr lang="ko-KR" altLang="en-US" b="1" dirty="0" smtClean="0">
+                <a:solidFill>
+                  <a:srgbClr val="FF0000"/>
+                </a:solidFill>
+              </a:rPr>
+              <a:t>프로토콜</a:t>
+            </a:r>
+            <a:r>
+              <a:rPr lang="en-US" altLang="ko-KR" b="1" dirty="0" smtClean="0">
+                <a:solidFill>
+                  <a:srgbClr val="FF0000"/>
+                </a:solidFill>
+              </a:rPr>
+              <a:t>(</a:t>
+            </a:r>
+            <a:r>
+              <a:rPr lang="ko-KR" altLang="en-US" b="1" dirty="0" smtClean="0">
+                <a:solidFill>
+                  <a:srgbClr val="FF0000"/>
+                </a:solidFill>
+              </a:rPr>
+              <a:t>약속</a:t>
+            </a:r>
+            <a:r>
+              <a:rPr lang="en-US" altLang="ko-KR" b="1" dirty="0" smtClean="0">
+                <a:solidFill>
+                  <a:srgbClr val="FF0000"/>
+                </a:solidFill>
+              </a:rPr>
+              <a:t>)</a:t>
+            </a:r>
+          </a:p>
+          <a:p>
+            <a:pPr>
+              <a:buFontTx/>
+              <a:buChar char="-"/>
+            </a:pPr>
+            <a:endParaRPr lang="en-US" altLang="ko-KR" b="1" dirty="0" smtClean="0">
+              <a:solidFill>
+                <a:srgbClr val="FF0000"/>
+              </a:solidFill>
+            </a:endParaRPr>
+          </a:p>
+        </p:txBody>
+      </p:sp>
+      <p:sp>
+        <p:nvSpPr>
+          <p:cNvPr id="28" name="직사각형 27"/>
+          <p:cNvSpPr/>
+          <p:nvPr/>
+        </p:nvSpPr>
+        <p:spPr>
+          <a:xfrm>
+            <a:off x="5652120" y="1772816"/>
+            <a:ext cx="3312368" cy="2016224"/>
+          </a:xfrm>
+          <a:prstGeom prst="rect">
+            <a:avLst/>
+          </a:prstGeom>
+          <a:solidFill>
+            <a:schemeClr val="tx2">
+              <a:lumMod val="20000"/>
+              <a:lumOff val="80000"/>
+            </a:schemeClr>
+          </a:solidFill>
+        </p:spPr>
+        <p:style>
+          <a:lnRef idx="2">
+            <a:schemeClr val="accent1">
+              <a:shade val="50000"/>
+            </a:schemeClr>
+          </a:lnRef>
+          <a:fillRef idx="1">
+            <a:schemeClr val="accent1"/>
+          </a:fillRef>
+          <a:effectRef idx="0">
+            <a:schemeClr val="accent1"/>
+          </a:effectRef>
+          <a:fontRef idx="minor">
+            <a:schemeClr val="lt1"/>
+          </a:fontRef>
+        </p:style>
+        <p:txBody>
+          <a:bodyPr rtlCol="0" anchor="ctr"/>
+          <a:lstStyle/>
+          <a:p>
+            <a:pPr algn="ctr"/>
+            <a:endParaRPr lang="ko-KR" altLang="en-US" dirty="0">
+              <a:solidFill>
+                <a:schemeClr val="tx1"/>
+              </a:solidFill>
+            </a:endParaRPr>
+          </a:p>
+        </p:txBody>
+      </p:sp>
+      <p:sp>
+        <p:nvSpPr>
+          <p:cNvPr id="29" name="직사각형 28"/>
+          <p:cNvSpPr/>
+          <p:nvPr/>
+        </p:nvSpPr>
+        <p:spPr>
+          <a:xfrm>
+            <a:off x="611560" y="1412776"/>
+            <a:ext cx="2880320" cy="369332"/>
+          </a:xfrm>
+          <a:prstGeom prst="rect">
+            <a:avLst/>
+          </a:prstGeom>
+        </p:spPr>
+        <p:txBody>
+          <a:bodyPr wrap="square">
+            <a:spAutoFit/>
+          </a:bodyPr>
+          <a:lstStyle/>
+          <a:p>
+            <a:pPr algn="ctr"/>
+            <a:r>
+              <a:rPr lang="en-US" altLang="ko-KR" dirty="0" smtClean="0"/>
+              <a:t>Client(</a:t>
+            </a:r>
+            <a:r>
+              <a:rPr lang="ko-KR" altLang="en-US" dirty="0" smtClean="0"/>
+              <a:t>사용자</a:t>
+            </a:r>
+            <a:r>
+              <a:rPr lang="en-US" altLang="ko-KR" dirty="0" smtClean="0"/>
+              <a:t>,</a:t>
+            </a:r>
+            <a:r>
+              <a:rPr lang="ko-KR" altLang="en-US" dirty="0" smtClean="0"/>
+              <a:t>관리자</a:t>
+            </a:r>
+            <a:r>
+              <a:rPr lang="en-US" altLang="ko-KR" dirty="0" smtClean="0"/>
+              <a:t>)</a:t>
+            </a:r>
+            <a:endParaRPr lang="ko-KR" altLang="en-US" dirty="0"/>
+          </a:p>
+        </p:txBody>
+      </p:sp>
+      <p:sp>
+        <p:nvSpPr>
+          <p:cNvPr id="31" name="직사각형 30"/>
+          <p:cNvSpPr/>
+          <p:nvPr/>
+        </p:nvSpPr>
+        <p:spPr>
+          <a:xfrm>
+            <a:off x="6012160" y="1340768"/>
+            <a:ext cx="2160240" cy="369332"/>
+          </a:xfrm>
+          <a:prstGeom prst="rect">
+            <a:avLst/>
+          </a:prstGeom>
+        </p:spPr>
+        <p:txBody>
+          <a:bodyPr wrap="square">
+            <a:spAutoFit/>
+          </a:bodyPr>
+          <a:lstStyle/>
+          <a:p>
+            <a:pPr algn="ctr"/>
+            <a:r>
+              <a:rPr lang="en-US" altLang="ko-KR" dirty="0" smtClean="0"/>
+              <a:t>Server(</a:t>
+            </a:r>
+            <a:r>
+              <a:rPr lang="ko-KR" altLang="en-US" dirty="0" smtClean="0"/>
+              <a:t>서비스 제공</a:t>
+            </a:r>
+            <a:r>
+              <a:rPr lang="en-US" altLang="ko-KR" dirty="0" smtClean="0"/>
+              <a:t>)</a:t>
+            </a:r>
+            <a:endParaRPr lang="ko-KR" altLang="en-US" dirty="0"/>
+          </a:p>
+        </p:txBody>
+      </p:sp>
+      <p:sp>
+        <p:nvSpPr>
+          <p:cNvPr id="33" name="직사각형 32"/>
+          <p:cNvSpPr/>
+          <p:nvPr/>
+        </p:nvSpPr>
+        <p:spPr>
+          <a:xfrm>
+            <a:off x="5868144" y="4077072"/>
+            <a:ext cx="3024336" cy="360040"/>
+          </a:xfrm>
+          <a:prstGeom prst="rect">
+            <a:avLst/>
+          </a:prstGeom>
+          <a:solidFill>
+            <a:schemeClr val="bg1"/>
+          </a:solidFill>
+        </p:spPr>
+        <p:style>
+          <a:lnRef idx="2">
+            <a:schemeClr val="accent1">
+              <a:shade val="50000"/>
+            </a:schemeClr>
+          </a:lnRef>
+          <a:fillRef idx="1">
+            <a:schemeClr val="accent1"/>
+          </a:fillRef>
+          <a:effectRef idx="0">
+            <a:schemeClr val="accent1"/>
+          </a:effectRef>
+          <a:fontRef idx="minor">
+            <a:schemeClr val="lt1"/>
+          </a:fontRef>
+        </p:style>
+        <p:txBody>
+          <a:bodyPr rtlCol="0" anchor="ctr"/>
+          <a:lstStyle/>
+          <a:p>
+            <a:pPr algn="ctr"/>
+            <a:r>
+              <a:rPr lang="en-US" altLang="ko-KR" dirty="0" err="1" smtClean="0">
+                <a:solidFill>
+                  <a:schemeClr val="tx1"/>
+                </a:solidFill>
+              </a:rPr>
+              <a:t>Accpet</a:t>
+            </a:r>
+            <a:r>
+              <a:rPr lang="en-US" altLang="ko-KR" dirty="0" smtClean="0">
+                <a:solidFill>
+                  <a:schemeClr val="tx1"/>
+                </a:solidFill>
+              </a:rPr>
+              <a:t>() : </a:t>
+            </a:r>
+            <a:r>
+              <a:rPr lang="ko-KR" altLang="en-US" dirty="0" smtClean="0">
+                <a:solidFill>
+                  <a:schemeClr val="tx1"/>
+                </a:solidFill>
+              </a:rPr>
+              <a:t>전화대기</a:t>
+            </a:r>
+            <a:endParaRPr lang="ko-KR" altLang="en-US" dirty="0">
+              <a:solidFill>
+                <a:schemeClr val="tx1"/>
+              </a:solidFill>
+            </a:endParaRPr>
+          </a:p>
+        </p:txBody>
+      </p:sp>
+      <p:sp>
+        <p:nvSpPr>
+          <p:cNvPr id="38" name="직사각형 37"/>
+          <p:cNvSpPr/>
+          <p:nvPr/>
+        </p:nvSpPr>
+        <p:spPr>
+          <a:xfrm>
+            <a:off x="5796136" y="3284984"/>
+            <a:ext cx="3024336" cy="360040"/>
+          </a:xfrm>
+          <a:prstGeom prst="rect">
+            <a:avLst/>
+          </a:prstGeom>
+          <a:solidFill>
+            <a:schemeClr val="bg1"/>
+          </a:solidFill>
+        </p:spPr>
+        <p:style>
+          <a:lnRef idx="2">
+            <a:schemeClr val="accent1">
+              <a:shade val="50000"/>
+            </a:schemeClr>
+          </a:lnRef>
+          <a:fillRef idx="1">
+            <a:schemeClr val="accent1"/>
+          </a:fillRef>
+          <a:effectRef idx="0">
+            <a:schemeClr val="accent1"/>
+          </a:effectRef>
+          <a:fontRef idx="minor">
+            <a:schemeClr val="lt1"/>
+          </a:fontRef>
+        </p:style>
+        <p:txBody>
+          <a:bodyPr rtlCol="0" anchor="ctr"/>
+          <a:lstStyle/>
+          <a:p>
+            <a:pPr algn="ctr"/>
+            <a:r>
+              <a:rPr lang="en-US" altLang="ko-KR" dirty="0" smtClean="0">
+                <a:solidFill>
+                  <a:schemeClr val="tx1"/>
+                </a:solidFill>
+              </a:rPr>
+              <a:t>Listen() : </a:t>
+            </a:r>
+            <a:r>
+              <a:rPr lang="ko-KR" altLang="en-US" dirty="0" err="1" smtClean="0">
+                <a:solidFill>
+                  <a:schemeClr val="tx1"/>
+                </a:solidFill>
+              </a:rPr>
+              <a:t>망연결</a:t>
+            </a:r>
+            <a:r>
+              <a:rPr lang="en-US" altLang="ko-KR" dirty="0" smtClean="0">
+                <a:solidFill>
+                  <a:schemeClr val="tx1"/>
+                </a:solidFill>
+              </a:rPr>
+              <a:t> </a:t>
+            </a:r>
+            <a:endParaRPr lang="en-US" altLang="ko-KR" dirty="0" smtClean="0">
+              <a:solidFill>
+                <a:schemeClr val="tx1"/>
+              </a:solidFill>
+            </a:endParaRPr>
+          </a:p>
+        </p:txBody>
+      </p:sp>
+      <p:sp>
+        <p:nvSpPr>
+          <p:cNvPr id="57" name="직사각형 56"/>
+          <p:cNvSpPr/>
+          <p:nvPr/>
+        </p:nvSpPr>
+        <p:spPr>
+          <a:xfrm>
+            <a:off x="5796136" y="2348880"/>
+            <a:ext cx="3024336" cy="432048"/>
+          </a:xfrm>
+          <a:prstGeom prst="rect">
+            <a:avLst/>
+          </a:prstGeom>
+          <a:solidFill>
+            <a:schemeClr val="bg1"/>
+          </a:solidFill>
+        </p:spPr>
+        <p:style>
+          <a:lnRef idx="2">
+            <a:schemeClr val="accent1">
+              <a:shade val="50000"/>
+            </a:schemeClr>
+          </a:lnRef>
+          <a:fillRef idx="1">
+            <a:schemeClr val="accent1"/>
+          </a:fillRef>
+          <a:effectRef idx="0">
+            <a:schemeClr val="accent1"/>
+          </a:effectRef>
+          <a:fontRef idx="minor">
+            <a:schemeClr val="lt1"/>
+          </a:fontRef>
+        </p:style>
+        <p:txBody>
+          <a:bodyPr rtlCol="0" anchor="ctr"/>
+          <a:lstStyle/>
+          <a:p>
+            <a:pPr algn="ctr"/>
+            <a:r>
+              <a:rPr lang="en-US" altLang="ko-KR" dirty="0" smtClean="0">
+                <a:solidFill>
+                  <a:schemeClr val="tx1"/>
+                </a:solidFill>
+              </a:rPr>
+              <a:t>Bind() </a:t>
+            </a:r>
+            <a:r>
+              <a:rPr lang="ko-KR" altLang="en-US" dirty="0" smtClean="0">
+                <a:solidFill>
+                  <a:schemeClr val="tx1"/>
+                </a:solidFill>
+              </a:rPr>
+              <a:t>주소할당</a:t>
+            </a:r>
+            <a:r>
+              <a:rPr lang="en-US" altLang="ko-KR" dirty="0" smtClean="0">
+                <a:solidFill>
+                  <a:schemeClr val="tx1"/>
+                </a:solidFill>
+              </a:rPr>
+              <a:t>[</a:t>
+            </a:r>
+            <a:r>
+              <a:rPr lang="ko-KR" altLang="en-US" dirty="0" smtClean="0">
+                <a:solidFill>
+                  <a:schemeClr val="tx1"/>
+                </a:solidFill>
+              </a:rPr>
+              <a:t>전화번호</a:t>
+            </a:r>
+            <a:r>
+              <a:rPr lang="en-US" altLang="ko-KR" dirty="0" smtClean="0">
+                <a:solidFill>
+                  <a:schemeClr val="tx1"/>
+                </a:solidFill>
+              </a:rPr>
+              <a:t>]</a:t>
+            </a:r>
+            <a:endParaRPr lang="ko-KR" altLang="en-US" dirty="0">
+              <a:solidFill>
+                <a:schemeClr val="tx1"/>
+              </a:solidFill>
+            </a:endParaRPr>
+          </a:p>
+        </p:txBody>
+      </p:sp>
+      <p:sp>
+        <p:nvSpPr>
+          <p:cNvPr id="58" name="직사각형 57"/>
+          <p:cNvSpPr/>
+          <p:nvPr/>
+        </p:nvSpPr>
+        <p:spPr>
+          <a:xfrm>
+            <a:off x="5796136" y="1844824"/>
+            <a:ext cx="3024336" cy="360040"/>
+          </a:xfrm>
+          <a:prstGeom prst="rect">
+            <a:avLst/>
+          </a:prstGeom>
+          <a:solidFill>
+            <a:schemeClr val="bg1"/>
+          </a:solidFill>
+        </p:spPr>
+        <p:style>
+          <a:lnRef idx="2">
+            <a:schemeClr val="accent1">
+              <a:shade val="50000"/>
+            </a:schemeClr>
+          </a:lnRef>
+          <a:fillRef idx="1">
+            <a:schemeClr val="accent1"/>
+          </a:fillRef>
+          <a:effectRef idx="0">
+            <a:schemeClr val="accent1"/>
+          </a:effectRef>
+          <a:fontRef idx="minor">
+            <a:schemeClr val="lt1"/>
+          </a:fontRef>
+        </p:style>
+        <p:txBody>
+          <a:bodyPr rtlCol="0" anchor="ctr"/>
+          <a:lstStyle/>
+          <a:p>
+            <a:pPr algn="ctr"/>
+            <a:r>
+              <a:rPr lang="en-US" altLang="ko-KR" dirty="0" smtClean="0">
+                <a:solidFill>
+                  <a:schemeClr val="tx1"/>
+                </a:solidFill>
+              </a:rPr>
+              <a:t>Socket()</a:t>
+            </a:r>
+            <a:r>
+              <a:rPr lang="ko-KR" altLang="en-US" dirty="0" smtClean="0">
+                <a:solidFill>
+                  <a:schemeClr val="tx1"/>
+                </a:solidFill>
+              </a:rPr>
+              <a:t>소켓생성</a:t>
+            </a:r>
+            <a:r>
+              <a:rPr lang="en-US" altLang="ko-KR" dirty="0" smtClean="0">
+                <a:solidFill>
+                  <a:schemeClr val="tx1"/>
+                </a:solidFill>
+              </a:rPr>
+              <a:t>[</a:t>
+            </a:r>
+            <a:r>
+              <a:rPr lang="ko-KR" altLang="en-US" dirty="0" smtClean="0">
+                <a:solidFill>
+                  <a:schemeClr val="tx1"/>
+                </a:solidFill>
+              </a:rPr>
+              <a:t>전화기</a:t>
+            </a:r>
+            <a:r>
+              <a:rPr lang="en-US" altLang="ko-KR" dirty="0" smtClean="0">
+                <a:solidFill>
+                  <a:schemeClr val="tx1"/>
+                </a:solidFill>
+              </a:rPr>
+              <a:t>]</a:t>
+            </a:r>
+          </a:p>
+        </p:txBody>
+      </p:sp>
+      <p:cxnSp>
+        <p:nvCxnSpPr>
+          <p:cNvPr id="61" name="직선 화살표 연결선 60"/>
+          <p:cNvCxnSpPr>
+            <a:endCxn id="41" idx="6"/>
+          </p:cNvCxnSpPr>
+          <p:nvPr/>
+        </p:nvCxnSpPr>
+        <p:spPr>
+          <a:xfrm flipH="1">
+            <a:off x="6300192" y="3933056"/>
+            <a:ext cx="288032" cy="72008"/>
+          </a:xfrm>
+          <a:prstGeom prst="straightConnector1">
+            <a:avLst/>
+          </a:prstGeom>
+          <a:ln w="25400">
+            <a:solidFill>
+              <a:srgbClr val="FF0000"/>
+            </a:solidFill>
+            <a:tailEnd type="arrow"/>
+          </a:ln>
+        </p:spPr>
+        <p:style>
+          <a:lnRef idx="1">
+            <a:schemeClr val="accent1"/>
+          </a:lnRef>
+          <a:fillRef idx="0">
+            <a:schemeClr val="accent1"/>
+          </a:fillRef>
+          <a:effectRef idx="0">
+            <a:schemeClr val="accent1"/>
+          </a:effectRef>
+          <a:fontRef idx="minor">
+            <a:schemeClr val="tx1"/>
+          </a:fontRef>
+        </p:style>
+      </p:cxnSp>
+      <p:sp>
+        <p:nvSpPr>
+          <p:cNvPr id="24" name="직사각형 23"/>
+          <p:cNvSpPr/>
+          <p:nvPr/>
+        </p:nvSpPr>
+        <p:spPr>
+          <a:xfrm>
+            <a:off x="7596336" y="2852936"/>
+            <a:ext cx="935577" cy="369332"/>
+          </a:xfrm>
+          <a:prstGeom prst="rect">
+            <a:avLst/>
+          </a:prstGeom>
+        </p:spPr>
+        <p:txBody>
+          <a:bodyPr wrap="none">
+            <a:spAutoFit/>
+          </a:bodyPr>
+          <a:lstStyle/>
+          <a:p>
+            <a:r>
+              <a:rPr lang="en-US" altLang="ko-KR" b="1" dirty="0" err="1" smtClean="0"/>
+              <a:t>Ip:port</a:t>
+            </a:r>
+            <a:endParaRPr lang="ko-KR" altLang="en-US" dirty="0"/>
+          </a:p>
+        </p:txBody>
+      </p:sp>
+      <p:sp>
+        <p:nvSpPr>
+          <p:cNvPr id="27" name="직사각형 26"/>
+          <p:cNvSpPr/>
+          <p:nvPr/>
+        </p:nvSpPr>
+        <p:spPr>
+          <a:xfrm>
+            <a:off x="4860032" y="1844824"/>
+            <a:ext cx="716863" cy="369332"/>
+          </a:xfrm>
+          <a:prstGeom prst="rect">
+            <a:avLst/>
+          </a:prstGeom>
+        </p:spPr>
+        <p:txBody>
+          <a:bodyPr wrap="none">
+            <a:spAutoFit/>
+          </a:bodyPr>
+          <a:lstStyle/>
+          <a:p>
+            <a:r>
+              <a:rPr lang="en-US" altLang="ko-KR" b="1" dirty="0" smtClean="0"/>
+              <a:t>[Init]</a:t>
+            </a:r>
+            <a:endParaRPr lang="ko-KR" altLang="en-US" b="1" dirty="0"/>
+          </a:p>
+        </p:txBody>
+      </p:sp>
+      <p:sp>
+        <p:nvSpPr>
+          <p:cNvPr id="36" name="직사각형 35"/>
+          <p:cNvSpPr/>
+          <p:nvPr/>
+        </p:nvSpPr>
+        <p:spPr>
+          <a:xfrm>
+            <a:off x="4932040" y="4293096"/>
+            <a:ext cx="784189" cy="923330"/>
+          </a:xfrm>
+          <a:prstGeom prst="rect">
+            <a:avLst/>
+          </a:prstGeom>
+        </p:spPr>
+        <p:txBody>
+          <a:bodyPr wrap="square">
+            <a:spAutoFit/>
+          </a:bodyPr>
+          <a:lstStyle/>
+          <a:p>
+            <a:r>
+              <a:rPr lang="en-US" altLang="ko-KR" b="1" dirty="0" smtClean="0"/>
+              <a:t>[Run]</a:t>
+            </a:r>
+          </a:p>
+          <a:p>
+            <a:endParaRPr lang="en-US" altLang="ko-KR" b="1" dirty="0" smtClean="0"/>
+          </a:p>
+          <a:p>
+            <a:r>
+              <a:rPr lang="en-US" altLang="ko-KR" b="1" dirty="0" smtClean="0"/>
+              <a:t>-</a:t>
+            </a:r>
+            <a:r>
+              <a:rPr lang="ko-KR" altLang="en-US" b="1" dirty="0" smtClean="0"/>
+              <a:t>반복</a:t>
+            </a:r>
+            <a:endParaRPr lang="ko-KR" altLang="en-US" b="1" dirty="0"/>
+          </a:p>
+        </p:txBody>
+      </p:sp>
+      <p:sp>
+        <p:nvSpPr>
+          <p:cNvPr id="39" name="타원 38"/>
+          <p:cNvSpPr/>
+          <p:nvPr/>
+        </p:nvSpPr>
+        <p:spPr>
+          <a:xfrm>
+            <a:off x="6588224" y="3789040"/>
+            <a:ext cx="576064" cy="432048"/>
+          </a:xfrm>
+          <a:prstGeom prst="ellipse">
+            <a:avLst/>
+          </a:prstGeom>
+          <a:solidFill>
+            <a:schemeClr val="accent2"/>
+          </a:solidFill>
+        </p:spPr>
+        <p:style>
+          <a:lnRef idx="2">
+            <a:schemeClr val="accent1">
+              <a:shade val="50000"/>
+            </a:schemeClr>
+          </a:lnRef>
+          <a:fillRef idx="1">
+            <a:schemeClr val="accent1"/>
+          </a:fillRef>
+          <a:effectRef idx="0">
+            <a:schemeClr val="accent1"/>
+          </a:effectRef>
+          <a:fontRef idx="minor">
+            <a:schemeClr val="lt1"/>
+          </a:fontRef>
+        </p:style>
+        <p:txBody>
+          <a:bodyPr rtlCol="0" anchor="ctr"/>
+          <a:lstStyle/>
+          <a:p>
+            <a:pPr algn="ctr"/>
+            <a:r>
+              <a:rPr lang="en-US" altLang="ko-KR" dirty="0" smtClean="0"/>
+              <a:t>S</a:t>
+            </a:r>
+            <a:endParaRPr lang="ko-KR" altLang="en-US" dirty="0"/>
+          </a:p>
+        </p:txBody>
+      </p:sp>
+      <p:sp>
+        <p:nvSpPr>
+          <p:cNvPr id="40" name="타원 39"/>
+          <p:cNvSpPr/>
+          <p:nvPr/>
+        </p:nvSpPr>
+        <p:spPr>
+          <a:xfrm>
+            <a:off x="5940152" y="476672"/>
+            <a:ext cx="2232248" cy="432048"/>
+          </a:xfrm>
+          <a:prstGeom prst="ellipse">
+            <a:avLst/>
+          </a:prstGeom>
+          <a:solidFill>
+            <a:schemeClr val="accent2"/>
+          </a:solidFill>
+        </p:spPr>
+        <p:style>
+          <a:lnRef idx="2">
+            <a:schemeClr val="accent1">
+              <a:shade val="50000"/>
+            </a:schemeClr>
+          </a:lnRef>
+          <a:fillRef idx="1">
+            <a:schemeClr val="accent1"/>
+          </a:fillRef>
+          <a:effectRef idx="0">
+            <a:schemeClr val="accent1"/>
+          </a:effectRef>
+          <a:fontRef idx="minor">
+            <a:schemeClr val="lt1"/>
+          </a:fontRef>
+        </p:style>
+        <p:txBody>
+          <a:bodyPr rtlCol="0" anchor="ctr"/>
+          <a:lstStyle/>
+          <a:p>
+            <a:pPr algn="ctr"/>
+            <a:r>
+              <a:rPr lang="en-US" altLang="ko-KR" dirty="0" smtClean="0"/>
+              <a:t>S : </a:t>
+            </a:r>
+            <a:r>
+              <a:rPr lang="ko-KR" altLang="en-US" dirty="0" smtClean="0"/>
+              <a:t>대기소켓</a:t>
+            </a:r>
+            <a:endParaRPr lang="ko-KR" altLang="en-US" dirty="0"/>
+          </a:p>
+        </p:txBody>
+      </p:sp>
+      <p:sp>
+        <p:nvSpPr>
+          <p:cNvPr id="41" name="타원 40"/>
+          <p:cNvSpPr/>
+          <p:nvPr/>
+        </p:nvSpPr>
+        <p:spPr>
+          <a:xfrm>
+            <a:off x="5724128" y="3789040"/>
+            <a:ext cx="576064" cy="432048"/>
+          </a:xfrm>
+          <a:prstGeom prst="ellipse">
+            <a:avLst/>
+          </a:prstGeom>
+          <a:solidFill>
+            <a:schemeClr val="accent6">
+              <a:lumMod val="75000"/>
+            </a:schemeClr>
+          </a:solidFill>
+        </p:spPr>
+        <p:style>
+          <a:lnRef idx="2">
+            <a:schemeClr val="accent1">
+              <a:shade val="50000"/>
+            </a:schemeClr>
+          </a:lnRef>
+          <a:fillRef idx="1">
+            <a:schemeClr val="accent1"/>
+          </a:fillRef>
+          <a:effectRef idx="0">
+            <a:schemeClr val="accent1"/>
+          </a:effectRef>
+          <a:fontRef idx="minor">
+            <a:schemeClr val="lt1"/>
+          </a:fontRef>
+        </p:style>
+        <p:txBody>
+          <a:bodyPr rtlCol="0" anchor="ctr"/>
+          <a:lstStyle/>
+          <a:p>
+            <a:pPr algn="ctr"/>
+            <a:r>
+              <a:rPr lang="en-US" altLang="ko-KR" dirty="0" smtClean="0"/>
+              <a:t>S</a:t>
+            </a:r>
+            <a:endParaRPr lang="ko-KR" altLang="en-US" dirty="0"/>
+          </a:p>
+        </p:txBody>
+      </p:sp>
+      <p:sp>
+        <p:nvSpPr>
+          <p:cNvPr id="43" name="타원 42"/>
+          <p:cNvSpPr/>
+          <p:nvPr/>
+        </p:nvSpPr>
+        <p:spPr>
+          <a:xfrm>
+            <a:off x="3923928" y="476672"/>
+            <a:ext cx="1800200" cy="432048"/>
+          </a:xfrm>
+          <a:prstGeom prst="ellipse">
+            <a:avLst/>
+          </a:prstGeom>
+          <a:solidFill>
+            <a:schemeClr val="accent6">
+              <a:lumMod val="75000"/>
+            </a:schemeClr>
+          </a:solidFill>
+        </p:spPr>
+        <p:style>
+          <a:lnRef idx="2">
+            <a:schemeClr val="accent1">
+              <a:shade val="50000"/>
+            </a:schemeClr>
+          </a:lnRef>
+          <a:fillRef idx="1">
+            <a:schemeClr val="accent1"/>
+          </a:fillRef>
+          <a:effectRef idx="0">
+            <a:schemeClr val="accent1"/>
+          </a:effectRef>
+          <a:fontRef idx="minor">
+            <a:schemeClr val="lt1"/>
+          </a:fontRef>
+        </p:style>
+        <p:txBody>
+          <a:bodyPr rtlCol="0" anchor="ctr"/>
+          <a:lstStyle/>
+          <a:p>
+            <a:pPr algn="ctr"/>
+            <a:r>
+              <a:rPr lang="en-US" altLang="ko-KR" dirty="0" smtClean="0"/>
+              <a:t>S:</a:t>
+            </a:r>
+            <a:r>
+              <a:rPr lang="ko-KR" altLang="en-US" dirty="0" smtClean="0"/>
+              <a:t>통신소켓</a:t>
+            </a:r>
+            <a:endParaRPr lang="ko-KR" altLang="en-US" dirty="0"/>
+          </a:p>
+        </p:txBody>
+      </p:sp>
+      <p:sp>
+        <p:nvSpPr>
+          <p:cNvPr id="45" name="직사각형 44"/>
+          <p:cNvSpPr/>
+          <p:nvPr/>
+        </p:nvSpPr>
+        <p:spPr>
+          <a:xfrm>
+            <a:off x="5940152" y="4725144"/>
+            <a:ext cx="3024336" cy="360040"/>
+          </a:xfrm>
+          <a:prstGeom prst="rect">
+            <a:avLst/>
+          </a:prstGeom>
+          <a:solidFill>
+            <a:schemeClr val="bg1"/>
+          </a:solidFill>
+        </p:spPr>
+        <p:style>
+          <a:lnRef idx="2">
+            <a:schemeClr val="accent1">
+              <a:shade val="50000"/>
+            </a:schemeClr>
+          </a:lnRef>
+          <a:fillRef idx="1">
+            <a:schemeClr val="accent1"/>
+          </a:fillRef>
+          <a:effectRef idx="0">
+            <a:schemeClr val="accent1"/>
+          </a:effectRef>
+          <a:fontRef idx="minor">
+            <a:schemeClr val="lt1"/>
+          </a:fontRef>
+        </p:style>
+        <p:txBody>
+          <a:bodyPr rtlCol="0" anchor="ctr"/>
+          <a:lstStyle/>
+          <a:p>
+            <a:pPr algn="ctr"/>
+            <a:r>
+              <a:rPr lang="en-US" altLang="ko-KR" dirty="0" err="1" smtClean="0">
+                <a:solidFill>
+                  <a:schemeClr val="tx1"/>
+                </a:solidFill>
+              </a:rPr>
+              <a:t>Recv</a:t>
+            </a:r>
+            <a:r>
+              <a:rPr lang="en-US" altLang="ko-KR" dirty="0" smtClean="0">
+                <a:solidFill>
+                  <a:schemeClr val="tx1"/>
+                </a:solidFill>
+              </a:rPr>
+              <a:t>() :</a:t>
+            </a:r>
+            <a:endParaRPr lang="ko-KR" altLang="en-US" dirty="0">
+              <a:solidFill>
+                <a:schemeClr val="tx1"/>
+              </a:solidFill>
+            </a:endParaRPr>
+          </a:p>
+        </p:txBody>
+      </p:sp>
+      <p:sp>
+        <p:nvSpPr>
+          <p:cNvPr id="48" name="직사각형 47"/>
+          <p:cNvSpPr/>
+          <p:nvPr/>
+        </p:nvSpPr>
+        <p:spPr>
+          <a:xfrm>
+            <a:off x="5940152" y="5301208"/>
+            <a:ext cx="3024336" cy="360040"/>
+          </a:xfrm>
+          <a:prstGeom prst="rect">
+            <a:avLst/>
+          </a:prstGeom>
+          <a:solidFill>
+            <a:schemeClr val="bg1"/>
+          </a:solidFill>
+        </p:spPr>
+        <p:style>
+          <a:lnRef idx="2">
+            <a:schemeClr val="accent1">
+              <a:shade val="50000"/>
+            </a:schemeClr>
+          </a:lnRef>
+          <a:fillRef idx="1">
+            <a:schemeClr val="accent1"/>
+          </a:fillRef>
+          <a:effectRef idx="0">
+            <a:schemeClr val="accent1"/>
+          </a:effectRef>
+          <a:fontRef idx="minor">
+            <a:schemeClr val="lt1"/>
+          </a:fontRef>
+        </p:style>
+        <p:txBody>
+          <a:bodyPr rtlCol="0" anchor="ctr"/>
+          <a:lstStyle/>
+          <a:p>
+            <a:pPr algn="ctr"/>
+            <a:r>
+              <a:rPr lang="en-US" altLang="ko-KR" dirty="0" smtClean="0">
+                <a:solidFill>
+                  <a:schemeClr val="tx1"/>
+                </a:solidFill>
+              </a:rPr>
+              <a:t>Send()</a:t>
+            </a:r>
+            <a:endParaRPr lang="ko-KR" altLang="en-US" dirty="0">
+              <a:solidFill>
+                <a:schemeClr val="tx1"/>
+              </a:solidFill>
+            </a:endParaRPr>
+          </a:p>
+        </p:txBody>
+      </p:sp>
+      <p:sp>
+        <p:nvSpPr>
+          <p:cNvPr id="49" name="타원 48"/>
+          <p:cNvSpPr/>
+          <p:nvPr/>
+        </p:nvSpPr>
+        <p:spPr>
+          <a:xfrm>
+            <a:off x="6300192" y="4653136"/>
+            <a:ext cx="576064" cy="432048"/>
+          </a:xfrm>
+          <a:prstGeom prst="ellipse">
+            <a:avLst/>
+          </a:prstGeom>
+          <a:solidFill>
+            <a:schemeClr val="accent6">
+              <a:lumMod val="75000"/>
+            </a:schemeClr>
+          </a:solidFill>
+        </p:spPr>
+        <p:style>
+          <a:lnRef idx="2">
+            <a:schemeClr val="accent1">
+              <a:shade val="50000"/>
+            </a:schemeClr>
+          </a:lnRef>
+          <a:fillRef idx="1">
+            <a:schemeClr val="accent1"/>
+          </a:fillRef>
+          <a:effectRef idx="0">
+            <a:schemeClr val="accent1"/>
+          </a:effectRef>
+          <a:fontRef idx="minor">
+            <a:schemeClr val="lt1"/>
+          </a:fontRef>
+        </p:style>
+        <p:txBody>
+          <a:bodyPr rtlCol="0" anchor="ctr"/>
+          <a:lstStyle/>
+          <a:p>
+            <a:pPr algn="ctr"/>
+            <a:r>
+              <a:rPr lang="en-US" altLang="ko-KR" dirty="0" smtClean="0"/>
+              <a:t>S</a:t>
+            </a:r>
+            <a:endParaRPr lang="ko-KR" altLang="en-US" dirty="0"/>
+          </a:p>
+        </p:txBody>
+      </p:sp>
+      <p:sp>
+        <p:nvSpPr>
+          <p:cNvPr id="50" name="타원 49"/>
+          <p:cNvSpPr/>
+          <p:nvPr/>
+        </p:nvSpPr>
+        <p:spPr>
+          <a:xfrm>
+            <a:off x="6372200" y="5229200"/>
+            <a:ext cx="576064" cy="432048"/>
+          </a:xfrm>
+          <a:prstGeom prst="ellipse">
+            <a:avLst/>
+          </a:prstGeom>
+          <a:solidFill>
+            <a:schemeClr val="accent6">
+              <a:lumMod val="75000"/>
+            </a:schemeClr>
+          </a:solidFill>
+        </p:spPr>
+        <p:style>
+          <a:lnRef idx="2">
+            <a:schemeClr val="accent1">
+              <a:shade val="50000"/>
+            </a:schemeClr>
+          </a:lnRef>
+          <a:fillRef idx="1">
+            <a:schemeClr val="accent1"/>
+          </a:fillRef>
+          <a:effectRef idx="0">
+            <a:schemeClr val="accent1"/>
+          </a:effectRef>
+          <a:fontRef idx="minor">
+            <a:schemeClr val="lt1"/>
+          </a:fontRef>
+        </p:style>
+        <p:txBody>
+          <a:bodyPr rtlCol="0" anchor="ctr"/>
+          <a:lstStyle/>
+          <a:p>
+            <a:pPr algn="ctr"/>
+            <a:r>
+              <a:rPr lang="en-US" altLang="ko-KR" dirty="0" smtClean="0"/>
+              <a:t>S</a:t>
+            </a:r>
+            <a:endParaRPr lang="ko-KR" altLang="en-US" dirty="0"/>
+          </a:p>
+        </p:txBody>
+      </p:sp>
+      <p:sp>
+        <p:nvSpPr>
+          <p:cNvPr id="54" name="직사각형 53"/>
+          <p:cNvSpPr/>
+          <p:nvPr/>
+        </p:nvSpPr>
+        <p:spPr>
+          <a:xfrm>
+            <a:off x="5004048" y="6093296"/>
+            <a:ext cx="753732" cy="369332"/>
+          </a:xfrm>
+          <a:prstGeom prst="rect">
+            <a:avLst/>
+          </a:prstGeom>
+        </p:spPr>
+        <p:txBody>
+          <a:bodyPr wrap="none">
+            <a:spAutoFit/>
+          </a:bodyPr>
+          <a:lstStyle/>
+          <a:p>
+            <a:r>
+              <a:rPr lang="en-US" altLang="ko-KR" b="1" dirty="0" smtClean="0"/>
+              <a:t>[Exit]</a:t>
+            </a:r>
+            <a:endParaRPr lang="ko-KR" altLang="en-US" b="1" dirty="0"/>
+          </a:p>
+        </p:txBody>
+      </p:sp>
+      <p:sp>
+        <p:nvSpPr>
+          <p:cNvPr id="56" name="직사각형 55"/>
+          <p:cNvSpPr/>
+          <p:nvPr/>
+        </p:nvSpPr>
+        <p:spPr>
+          <a:xfrm>
+            <a:off x="5940152" y="6093296"/>
+            <a:ext cx="3024336" cy="360040"/>
+          </a:xfrm>
+          <a:prstGeom prst="rect">
+            <a:avLst/>
+          </a:prstGeom>
+          <a:solidFill>
+            <a:schemeClr val="bg1"/>
+          </a:solidFill>
+        </p:spPr>
+        <p:style>
+          <a:lnRef idx="2">
+            <a:schemeClr val="accent1">
+              <a:shade val="50000"/>
+            </a:schemeClr>
+          </a:lnRef>
+          <a:fillRef idx="1">
+            <a:schemeClr val="accent1"/>
+          </a:fillRef>
+          <a:effectRef idx="0">
+            <a:schemeClr val="accent1"/>
+          </a:effectRef>
+          <a:fontRef idx="minor">
+            <a:schemeClr val="lt1"/>
+          </a:fontRef>
+        </p:style>
+        <p:txBody>
+          <a:bodyPr rtlCol="0" anchor="ctr"/>
+          <a:lstStyle/>
+          <a:p>
+            <a:pPr algn="ctr"/>
+            <a:r>
+              <a:rPr lang="en-US" altLang="ko-KR" dirty="0" err="1" smtClean="0">
+                <a:solidFill>
+                  <a:schemeClr val="tx1"/>
+                </a:solidFill>
+              </a:rPr>
+              <a:t>CloseSocket</a:t>
+            </a:r>
+            <a:r>
+              <a:rPr lang="en-US" altLang="ko-KR" dirty="0" smtClean="0">
+                <a:solidFill>
+                  <a:schemeClr val="tx1"/>
+                </a:solidFill>
+              </a:rPr>
+              <a:t>() : </a:t>
+            </a:r>
+            <a:r>
+              <a:rPr lang="ko-KR" altLang="en-US" dirty="0" smtClean="0">
+                <a:solidFill>
+                  <a:schemeClr val="tx1"/>
+                </a:solidFill>
+              </a:rPr>
+              <a:t>전화기</a:t>
+            </a:r>
+            <a:r>
+              <a:rPr lang="en-US" altLang="ko-KR" dirty="0" smtClean="0">
+                <a:solidFill>
+                  <a:schemeClr val="tx1"/>
+                </a:solidFill>
+              </a:rPr>
+              <a:t>X</a:t>
+            </a:r>
+            <a:endParaRPr lang="ko-KR" altLang="en-US" dirty="0">
+              <a:solidFill>
+                <a:schemeClr val="tx1"/>
+              </a:solidFill>
+            </a:endParaRPr>
+          </a:p>
+        </p:txBody>
+      </p:sp>
+      <p:sp>
+        <p:nvSpPr>
+          <p:cNvPr id="60" name="타원 59"/>
+          <p:cNvSpPr/>
+          <p:nvPr/>
+        </p:nvSpPr>
+        <p:spPr>
+          <a:xfrm>
+            <a:off x="5724128" y="6237312"/>
+            <a:ext cx="576064" cy="432048"/>
+          </a:xfrm>
+          <a:prstGeom prst="ellipse">
+            <a:avLst/>
+          </a:prstGeom>
+          <a:solidFill>
+            <a:schemeClr val="accent2"/>
+          </a:solidFill>
+        </p:spPr>
+        <p:style>
+          <a:lnRef idx="2">
+            <a:schemeClr val="accent1">
+              <a:shade val="50000"/>
+            </a:schemeClr>
+          </a:lnRef>
+          <a:fillRef idx="1">
+            <a:schemeClr val="accent1"/>
+          </a:fillRef>
+          <a:effectRef idx="0">
+            <a:schemeClr val="accent1"/>
+          </a:effectRef>
+          <a:fontRef idx="minor">
+            <a:schemeClr val="lt1"/>
+          </a:fontRef>
+        </p:style>
+        <p:txBody>
+          <a:bodyPr rtlCol="0" anchor="ctr"/>
+          <a:lstStyle/>
+          <a:p>
+            <a:pPr algn="ctr"/>
+            <a:r>
+              <a:rPr lang="en-US" altLang="ko-KR" dirty="0" smtClean="0"/>
+              <a:t>S</a:t>
+            </a:r>
+            <a:endParaRPr lang="ko-KR" altLang="en-US" dirty="0"/>
+          </a:p>
+        </p:txBody>
+      </p:sp>
+      <p:sp>
+        <p:nvSpPr>
+          <p:cNvPr id="62" name="직사각형 61"/>
+          <p:cNvSpPr/>
+          <p:nvPr/>
+        </p:nvSpPr>
+        <p:spPr>
+          <a:xfrm>
+            <a:off x="683568" y="1844824"/>
+            <a:ext cx="3024336" cy="360040"/>
+          </a:xfrm>
+          <a:prstGeom prst="rect">
+            <a:avLst/>
+          </a:prstGeom>
+          <a:solidFill>
+            <a:schemeClr val="bg1"/>
+          </a:solidFill>
+        </p:spPr>
+        <p:style>
+          <a:lnRef idx="2">
+            <a:schemeClr val="accent1">
+              <a:shade val="50000"/>
+            </a:schemeClr>
+          </a:lnRef>
+          <a:fillRef idx="1">
+            <a:schemeClr val="accent1"/>
+          </a:fillRef>
+          <a:effectRef idx="0">
+            <a:schemeClr val="accent1"/>
+          </a:effectRef>
+          <a:fontRef idx="minor">
+            <a:schemeClr val="lt1"/>
+          </a:fontRef>
+        </p:style>
+        <p:txBody>
+          <a:bodyPr rtlCol="0" anchor="ctr"/>
+          <a:lstStyle/>
+          <a:p>
+            <a:pPr algn="ctr"/>
+            <a:r>
+              <a:rPr lang="en-US" altLang="ko-KR" dirty="0" smtClean="0">
+                <a:solidFill>
+                  <a:schemeClr val="tx1"/>
+                </a:solidFill>
+              </a:rPr>
+              <a:t>Socket()</a:t>
+            </a:r>
+            <a:r>
+              <a:rPr lang="ko-KR" altLang="en-US" dirty="0" smtClean="0">
+                <a:solidFill>
+                  <a:schemeClr val="tx1"/>
+                </a:solidFill>
+              </a:rPr>
+              <a:t>소켓생성</a:t>
+            </a:r>
+            <a:r>
+              <a:rPr lang="en-US" altLang="ko-KR" dirty="0" smtClean="0">
+                <a:solidFill>
+                  <a:schemeClr val="tx1"/>
+                </a:solidFill>
+              </a:rPr>
+              <a:t>[</a:t>
+            </a:r>
+            <a:r>
+              <a:rPr lang="ko-KR" altLang="en-US" dirty="0" smtClean="0">
+                <a:solidFill>
+                  <a:schemeClr val="tx1"/>
+                </a:solidFill>
+              </a:rPr>
+              <a:t>전화기</a:t>
+            </a:r>
+            <a:r>
+              <a:rPr lang="en-US" altLang="ko-KR" dirty="0" smtClean="0">
+                <a:solidFill>
+                  <a:schemeClr val="tx1"/>
+                </a:solidFill>
+              </a:rPr>
+              <a:t>]</a:t>
+            </a:r>
+          </a:p>
+        </p:txBody>
+      </p:sp>
+      <p:sp>
+        <p:nvSpPr>
+          <p:cNvPr id="63" name="직사각형 62"/>
+          <p:cNvSpPr/>
+          <p:nvPr/>
+        </p:nvSpPr>
+        <p:spPr>
+          <a:xfrm>
+            <a:off x="683568" y="2492896"/>
+            <a:ext cx="3024336" cy="360040"/>
+          </a:xfrm>
+          <a:prstGeom prst="rect">
+            <a:avLst/>
+          </a:prstGeom>
+          <a:solidFill>
+            <a:schemeClr val="bg1"/>
+          </a:solidFill>
+        </p:spPr>
+        <p:style>
+          <a:lnRef idx="2">
+            <a:schemeClr val="accent1">
+              <a:shade val="50000"/>
+            </a:schemeClr>
+          </a:lnRef>
+          <a:fillRef idx="1">
+            <a:schemeClr val="accent1"/>
+          </a:fillRef>
+          <a:effectRef idx="0">
+            <a:schemeClr val="accent1"/>
+          </a:effectRef>
+          <a:fontRef idx="minor">
+            <a:schemeClr val="lt1"/>
+          </a:fontRef>
+        </p:style>
+        <p:txBody>
+          <a:bodyPr rtlCol="0" anchor="ctr"/>
+          <a:lstStyle/>
+          <a:p>
+            <a:pPr algn="ctr"/>
+            <a:r>
+              <a:rPr lang="en-US" altLang="ko-KR" dirty="0" smtClean="0">
+                <a:solidFill>
+                  <a:schemeClr val="tx1"/>
+                </a:solidFill>
+              </a:rPr>
+              <a:t>Connect() : </a:t>
+            </a:r>
+            <a:r>
+              <a:rPr lang="ko-KR" altLang="en-US" dirty="0" err="1" smtClean="0">
+                <a:solidFill>
+                  <a:schemeClr val="tx1"/>
+                </a:solidFill>
+              </a:rPr>
+              <a:t>전화걸기</a:t>
+            </a:r>
+            <a:endParaRPr lang="en-US" altLang="ko-KR" dirty="0" smtClean="0">
+              <a:solidFill>
+                <a:schemeClr val="tx1"/>
+              </a:solidFill>
+            </a:endParaRPr>
+          </a:p>
+        </p:txBody>
+      </p:sp>
+      <p:sp>
+        <p:nvSpPr>
+          <p:cNvPr id="64" name="직사각형 63"/>
+          <p:cNvSpPr/>
+          <p:nvPr/>
+        </p:nvSpPr>
+        <p:spPr>
+          <a:xfrm>
+            <a:off x="2411760" y="2924944"/>
+            <a:ext cx="935577" cy="369332"/>
+          </a:xfrm>
+          <a:prstGeom prst="rect">
+            <a:avLst/>
+          </a:prstGeom>
+        </p:spPr>
+        <p:txBody>
+          <a:bodyPr wrap="none">
+            <a:spAutoFit/>
+          </a:bodyPr>
+          <a:lstStyle/>
+          <a:p>
+            <a:r>
+              <a:rPr lang="en-US" altLang="ko-KR" b="1" dirty="0" err="1" smtClean="0"/>
+              <a:t>Ip:port</a:t>
+            </a:r>
+            <a:endParaRPr lang="ko-KR" altLang="en-US" dirty="0"/>
+          </a:p>
+        </p:txBody>
+      </p:sp>
+      <p:cxnSp>
+        <p:nvCxnSpPr>
+          <p:cNvPr id="65" name="직선 화살표 연결선 64"/>
+          <p:cNvCxnSpPr>
+            <a:endCxn id="33" idx="1"/>
+          </p:cNvCxnSpPr>
+          <p:nvPr/>
+        </p:nvCxnSpPr>
+        <p:spPr>
+          <a:xfrm>
+            <a:off x="3419872" y="2852936"/>
+            <a:ext cx="2448272" cy="1404156"/>
+          </a:xfrm>
+          <a:prstGeom prst="straightConnector1">
+            <a:avLst/>
+          </a:prstGeom>
+          <a:ln w="25400">
+            <a:solidFill>
+              <a:srgbClr val="FF0000"/>
+            </a:solidFill>
+            <a:tailEnd type="arrow"/>
+          </a:ln>
+        </p:spPr>
+        <p:style>
+          <a:lnRef idx="1">
+            <a:schemeClr val="accent1"/>
+          </a:lnRef>
+          <a:fillRef idx="0">
+            <a:schemeClr val="accent1"/>
+          </a:fillRef>
+          <a:effectRef idx="0">
+            <a:schemeClr val="accent1"/>
+          </a:effectRef>
+          <a:fontRef idx="minor">
+            <a:schemeClr val="tx1"/>
+          </a:fontRef>
+        </p:style>
+      </p:cxnSp>
+      <p:sp>
+        <p:nvSpPr>
+          <p:cNvPr id="69" name="타원 68"/>
+          <p:cNvSpPr/>
+          <p:nvPr/>
+        </p:nvSpPr>
+        <p:spPr>
+          <a:xfrm>
+            <a:off x="323528" y="1916832"/>
+            <a:ext cx="576064" cy="432048"/>
+          </a:xfrm>
+          <a:prstGeom prst="ellipse">
+            <a:avLst/>
+          </a:prstGeom>
+          <a:solidFill>
+            <a:schemeClr val="accent6">
+              <a:lumMod val="75000"/>
+            </a:schemeClr>
+          </a:solidFill>
+        </p:spPr>
+        <p:style>
+          <a:lnRef idx="2">
+            <a:schemeClr val="accent1">
+              <a:shade val="50000"/>
+            </a:schemeClr>
+          </a:lnRef>
+          <a:fillRef idx="1">
+            <a:schemeClr val="accent1"/>
+          </a:fillRef>
+          <a:effectRef idx="0">
+            <a:schemeClr val="accent1"/>
+          </a:effectRef>
+          <a:fontRef idx="minor">
+            <a:schemeClr val="lt1"/>
+          </a:fontRef>
+        </p:style>
+        <p:txBody>
+          <a:bodyPr rtlCol="0" anchor="ctr"/>
+          <a:lstStyle/>
+          <a:p>
+            <a:pPr algn="ctr"/>
+            <a:r>
+              <a:rPr lang="en-US" altLang="ko-KR" dirty="0" smtClean="0"/>
+              <a:t>S</a:t>
+            </a:r>
+            <a:endParaRPr lang="ko-KR" altLang="en-US" dirty="0"/>
+          </a:p>
+        </p:txBody>
+      </p:sp>
+      <p:sp>
+        <p:nvSpPr>
+          <p:cNvPr id="70" name="타원 69"/>
+          <p:cNvSpPr/>
+          <p:nvPr/>
+        </p:nvSpPr>
+        <p:spPr>
+          <a:xfrm>
+            <a:off x="5436096" y="1628800"/>
+            <a:ext cx="576064" cy="432048"/>
+          </a:xfrm>
+          <a:prstGeom prst="ellipse">
+            <a:avLst/>
+          </a:prstGeom>
+          <a:solidFill>
+            <a:schemeClr val="accent2"/>
+          </a:solidFill>
+        </p:spPr>
+        <p:style>
+          <a:lnRef idx="2">
+            <a:schemeClr val="accent1">
+              <a:shade val="50000"/>
+            </a:schemeClr>
+          </a:lnRef>
+          <a:fillRef idx="1">
+            <a:schemeClr val="accent1"/>
+          </a:fillRef>
+          <a:effectRef idx="0">
+            <a:schemeClr val="accent1"/>
+          </a:effectRef>
+          <a:fontRef idx="minor">
+            <a:schemeClr val="lt1"/>
+          </a:fontRef>
+        </p:style>
+        <p:txBody>
+          <a:bodyPr rtlCol="0" anchor="ctr"/>
+          <a:lstStyle/>
+          <a:p>
+            <a:pPr algn="ctr"/>
+            <a:r>
+              <a:rPr lang="en-US" altLang="ko-KR" dirty="0" smtClean="0"/>
+              <a:t>S</a:t>
+            </a:r>
+            <a:endParaRPr lang="ko-KR" altLang="en-US" dirty="0"/>
+          </a:p>
+        </p:txBody>
+      </p:sp>
+      <p:sp>
+        <p:nvSpPr>
+          <p:cNvPr id="71" name="직사각형 70"/>
+          <p:cNvSpPr/>
+          <p:nvPr/>
+        </p:nvSpPr>
+        <p:spPr>
+          <a:xfrm>
+            <a:off x="467544" y="3717032"/>
+            <a:ext cx="4435830" cy="369332"/>
+          </a:xfrm>
+          <a:prstGeom prst="rect">
+            <a:avLst/>
+          </a:prstGeom>
+        </p:spPr>
+        <p:txBody>
+          <a:bodyPr wrap="none">
+            <a:spAutoFit/>
+          </a:bodyPr>
+          <a:lstStyle/>
+          <a:p>
+            <a:r>
+              <a:rPr lang="ko-KR" altLang="en-US" b="1" dirty="0" smtClean="0">
+                <a:solidFill>
+                  <a:srgbClr val="FF0000"/>
+                </a:solidFill>
+              </a:rPr>
+              <a:t>통신소켓은 </a:t>
+            </a:r>
+            <a:r>
+              <a:rPr lang="ko-KR" altLang="en-US" b="1" dirty="0" err="1" smtClean="0">
+                <a:solidFill>
+                  <a:srgbClr val="FF0000"/>
+                </a:solidFill>
+              </a:rPr>
+              <a:t>연결시</a:t>
+            </a:r>
+            <a:r>
+              <a:rPr lang="ko-KR" altLang="en-US" b="1" dirty="0" smtClean="0">
+                <a:solidFill>
+                  <a:srgbClr val="FF0000"/>
+                </a:solidFill>
+              </a:rPr>
+              <a:t> 자동으로 주소가 할당</a:t>
+            </a:r>
+            <a:endParaRPr lang="ko-KR" altLang="en-US" b="1" dirty="0">
+              <a:solidFill>
+                <a:srgbClr val="FF0000"/>
+              </a:solidFill>
+            </a:endParaRPr>
+          </a:p>
+        </p:txBody>
+      </p:sp>
+      <p:sp>
+        <p:nvSpPr>
+          <p:cNvPr id="72" name="직사각형 71"/>
+          <p:cNvSpPr/>
+          <p:nvPr/>
+        </p:nvSpPr>
+        <p:spPr>
+          <a:xfrm>
+            <a:off x="683568" y="5373216"/>
+            <a:ext cx="3024336" cy="360040"/>
+          </a:xfrm>
+          <a:prstGeom prst="rect">
+            <a:avLst/>
+          </a:prstGeom>
+          <a:solidFill>
+            <a:schemeClr val="bg1"/>
+          </a:solidFill>
+        </p:spPr>
+        <p:style>
+          <a:lnRef idx="2">
+            <a:schemeClr val="accent1">
+              <a:shade val="50000"/>
+            </a:schemeClr>
+          </a:lnRef>
+          <a:fillRef idx="1">
+            <a:schemeClr val="accent1"/>
+          </a:fillRef>
+          <a:effectRef idx="0">
+            <a:schemeClr val="accent1"/>
+          </a:effectRef>
+          <a:fontRef idx="minor">
+            <a:schemeClr val="lt1"/>
+          </a:fontRef>
+        </p:style>
+        <p:txBody>
+          <a:bodyPr rtlCol="0" anchor="ctr"/>
+          <a:lstStyle/>
+          <a:p>
+            <a:pPr algn="ctr"/>
+            <a:r>
+              <a:rPr lang="en-US" altLang="ko-KR" dirty="0" err="1" smtClean="0">
+                <a:solidFill>
+                  <a:schemeClr val="tx1"/>
+                </a:solidFill>
+              </a:rPr>
+              <a:t>Recv</a:t>
+            </a:r>
+            <a:r>
+              <a:rPr lang="en-US" altLang="ko-KR" dirty="0" smtClean="0">
+                <a:solidFill>
+                  <a:schemeClr val="tx1"/>
+                </a:solidFill>
+              </a:rPr>
+              <a:t>() : Input[</a:t>
+            </a:r>
+            <a:r>
+              <a:rPr lang="ko-KR" altLang="en-US" dirty="0" smtClean="0">
+                <a:solidFill>
+                  <a:schemeClr val="tx1"/>
+                </a:solidFill>
+              </a:rPr>
+              <a:t>수동</a:t>
+            </a:r>
+            <a:r>
+              <a:rPr lang="en-US" altLang="ko-KR" dirty="0" smtClean="0">
+                <a:solidFill>
+                  <a:schemeClr val="tx1"/>
+                </a:solidFill>
+              </a:rPr>
+              <a:t>]</a:t>
+            </a:r>
+            <a:endParaRPr lang="ko-KR" altLang="en-US" dirty="0">
+              <a:solidFill>
+                <a:schemeClr val="tx1"/>
+              </a:solidFill>
+            </a:endParaRPr>
+          </a:p>
+        </p:txBody>
+      </p:sp>
+      <p:sp>
+        <p:nvSpPr>
+          <p:cNvPr id="73" name="직사각형 72"/>
+          <p:cNvSpPr/>
+          <p:nvPr/>
+        </p:nvSpPr>
+        <p:spPr>
+          <a:xfrm>
+            <a:off x="683568" y="4869160"/>
+            <a:ext cx="3024336" cy="360040"/>
+          </a:xfrm>
+          <a:prstGeom prst="rect">
+            <a:avLst/>
+          </a:prstGeom>
+          <a:solidFill>
+            <a:schemeClr val="bg1"/>
+          </a:solidFill>
+        </p:spPr>
+        <p:style>
+          <a:lnRef idx="2">
+            <a:schemeClr val="accent1">
+              <a:shade val="50000"/>
+            </a:schemeClr>
+          </a:lnRef>
+          <a:fillRef idx="1">
+            <a:schemeClr val="accent1"/>
+          </a:fillRef>
+          <a:effectRef idx="0">
+            <a:schemeClr val="accent1"/>
+          </a:effectRef>
+          <a:fontRef idx="minor">
+            <a:schemeClr val="lt1"/>
+          </a:fontRef>
+        </p:style>
+        <p:txBody>
+          <a:bodyPr rtlCol="0" anchor="ctr"/>
+          <a:lstStyle/>
+          <a:p>
+            <a:pPr algn="ctr"/>
+            <a:r>
+              <a:rPr lang="en-US" altLang="ko-KR" dirty="0" smtClean="0">
+                <a:solidFill>
+                  <a:schemeClr val="tx1"/>
+                </a:solidFill>
+              </a:rPr>
+              <a:t>Send() : Output[</a:t>
+            </a:r>
+            <a:r>
+              <a:rPr lang="ko-KR" altLang="en-US" dirty="0" smtClean="0">
+                <a:solidFill>
+                  <a:schemeClr val="tx1"/>
+                </a:solidFill>
+              </a:rPr>
+              <a:t>능동</a:t>
+            </a:r>
+            <a:r>
+              <a:rPr lang="en-US" altLang="ko-KR" dirty="0" smtClean="0">
+                <a:solidFill>
+                  <a:schemeClr val="tx1"/>
+                </a:solidFill>
+              </a:rPr>
+              <a:t>]</a:t>
+            </a:r>
+            <a:endParaRPr lang="ko-KR" altLang="en-US" dirty="0">
+              <a:solidFill>
+                <a:schemeClr val="tx1"/>
+              </a:solidFill>
+            </a:endParaRPr>
+          </a:p>
+        </p:txBody>
+      </p:sp>
+      <p:sp>
+        <p:nvSpPr>
+          <p:cNvPr id="74" name="직사각형 73"/>
+          <p:cNvSpPr/>
+          <p:nvPr/>
+        </p:nvSpPr>
+        <p:spPr>
+          <a:xfrm>
+            <a:off x="323528" y="6093296"/>
+            <a:ext cx="3974165" cy="646331"/>
+          </a:xfrm>
+          <a:prstGeom prst="rect">
+            <a:avLst/>
+          </a:prstGeom>
+        </p:spPr>
+        <p:txBody>
+          <a:bodyPr wrap="none">
+            <a:spAutoFit/>
+          </a:bodyPr>
+          <a:lstStyle/>
+          <a:p>
+            <a:pPr>
+              <a:buFont typeface="Arial" charset="0"/>
+              <a:buChar char="•"/>
+            </a:pPr>
+            <a:r>
+              <a:rPr lang="ko-KR" altLang="en-US" b="1" dirty="0" err="1" smtClean="0">
+                <a:solidFill>
+                  <a:srgbClr val="FF0000"/>
+                </a:solidFill>
+              </a:rPr>
+              <a:t>블록킹함수</a:t>
+            </a:r>
+            <a:r>
+              <a:rPr lang="en-US" altLang="ko-KR" b="1" dirty="0" smtClean="0">
+                <a:solidFill>
+                  <a:srgbClr val="FF0000"/>
+                </a:solidFill>
+              </a:rPr>
+              <a:t>, </a:t>
+            </a:r>
+            <a:r>
+              <a:rPr lang="ko-KR" altLang="en-US" b="1" dirty="0" smtClean="0">
+                <a:solidFill>
+                  <a:srgbClr val="FF0000"/>
+                </a:solidFill>
+              </a:rPr>
+              <a:t>동기함수</a:t>
+            </a:r>
+            <a:endParaRPr lang="en-US" altLang="ko-KR" b="1" dirty="0" smtClean="0">
+              <a:solidFill>
+                <a:srgbClr val="FF0000"/>
+              </a:solidFill>
+            </a:endParaRPr>
+          </a:p>
+          <a:p>
+            <a:r>
+              <a:rPr lang="en-US" altLang="ko-KR" b="1" dirty="0" smtClean="0">
+                <a:solidFill>
+                  <a:srgbClr val="FF0000"/>
+                </a:solidFill>
+              </a:rPr>
+              <a:t> </a:t>
+            </a:r>
+            <a:r>
+              <a:rPr lang="en-US" altLang="ko-KR" b="1" dirty="0" smtClean="0">
+                <a:solidFill>
+                  <a:srgbClr val="FF0000"/>
+                </a:solidFill>
+              </a:rPr>
+              <a:t> </a:t>
+            </a:r>
+            <a:r>
+              <a:rPr lang="ko-KR" altLang="en-US" b="1" dirty="0" smtClean="0">
+                <a:solidFill>
+                  <a:srgbClr val="FF0000"/>
+                </a:solidFill>
+              </a:rPr>
+              <a:t>해당함수의 기능이 완료될 때 리턴</a:t>
+            </a:r>
+            <a:r>
+              <a:rPr lang="en-US" altLang="ko-KR" b="1" dirty="0" smtClean="0">
+                <a:solidFill>
+                  <a:srgbClr val="FF0000"/>
+                </a:solidFill>
+              </a:rPr>
+              <a:t>!</a:t>
+            </a:r>
+            <a:endParaRPr lang="ko-KR" altLang="en-US" b="1" dirty="0">
+              <a:solidFill>
+                <a:srgbClr val="FF0000"/>
+              </a:solidFill>
+            </a:endParaRPr>
+          </a:p>
+        </p:txBody>
+      </p:sp>
+      <p:sp>
+        <p:nvSpPr>
+          <p:cNvPr id="75" name="직사각형 74"/>
+          <p:cNvSpPr/>
+          <p:nvPr/>
+        </p:nvSpPr>
+        <p:spPr>
+          <a:xfrm>
+            <a:off x="683568" y="5805264"/>
+            <a:ext cx="3024336" cy="360040"/>
+          </a:xfrm>
+          <a:prstGeom prst="rect">
+            <a:avLst/>
+          </a:prstGeom>
+          <a:solidFill>
+            <a:schemeClr val="bg1"/>
+          </a:solidFill>
+        </p:spPr>
+        <p:style>
+          <a:lnRef idx="2">
+            <a:schemeClr val="accent1">
+              <a:shade val="50000"/>
+            </a:schemeClr>
+          </a:lnRef>
+          <a:fillRef idx="1">
+            <a:schemeClr val="accent1"/>
+          </a:fillRef>
+          <a:effectRef idx="0">
+            <a:schemeClr val="accent1"/>
+          </a:effectRef>
+          <a:fontRef idx="minor">
+            <a:schemeClr val="lt1"/>
+          </a:fontRef>
+        </p:style>
+        <p:txBody>
+          <a:bodyPr rtlCol="0" anchor="ctr"/>
+          <a:lstStyle/>
+          <a:p>
+            <a:pPr algn="ctr"/>
+            <a:r>
+              <a:rPr lang="en-US" altLang="ko-KR" dirty="0" err="1" smtClean="0">
+                <a:solidFill>
+                  <a:schemeClr val="tx1"/>
+                </a:solidFill>
+              </a:rPr>
+              <a:t>CloseSocket</a:t>
+            </a:r>
+            <a:r>
+              <a:rPr lang="en-US" altLang="ko-KR" dirty="0" smtClean="0">
+                <a:solidFill>
+                  <a:schemeClr val="tx1"/>
+                </a:solidFill>
+              </a:rPr>
+              <a:t>() : </a:t>
+            </a:r>
+            <a:r>
+              <a:rPr lang="ko-KR" altLang="en-US" dirty="0" smtClean="0">
+                <a:solidFill>
+                  <a:schemeClr val="tx1"/>
+                </a:solidFill>
+              </a:rPr>
+              <a:t>전화기</a:t>
+            </a:r>
+            <a:r>
+              <a:rPr lang="en-US" altLang="ko-KR" dirty="0" smtClean="0">
+                <a:solidFill>
+                  <a:schemeClr val="tx1"/>
+                </a:solidFill>
+              </a:rPr>
+              <a:t>X</a:t>
+            </a:r>
+            <a:endParaRPr lang="ko-KR" altLang="en-US" dirty="0">
+              <a:solidFill>
+                <a:schemeClr val="tx1"/>
+              </a:solidFill>
+            </a:endParaRPr>
+          </a:p>
+        </p:txBody>
+      </p:sp>
+      <p:sp>
+        <p:nvSpPr>
+          <p:cNvPr id="76" name="타원 75"/>
+          <p:cNvSpPr/>
+          <p:nvPr/>
+        </p:nvSpPr>
+        <p:spPr>
+          <a:xfrm>
+            <a:off x="323528" y="5661248"/>
+            <a:ext cx="576064" cy="432048"/>
+          </a:xfrm>
+          <a:prstGeom prst="ellipse">
+            <a:avLst/>
+          </a:prstGeom>
+          <a:solidFill>
+            <a:schemeClr val="accent6">
+              <a:lumMod val="75000"/>
+            </a:schemeClr>
+          </a:solidFill>
+        </p:spPr>
+        <p:style>
+          <a:lnRef idx="2">
+            <a:schemeClr val="accent1">
+              <a:shade val="50000"/>
+            </a:schemeClr>
+          </a:lnRef>
+          <a:fillRef idx="1">
+            <a:schemeClr val="accent1"/>
+          </a:fillRef>
+          <a:effectRef idx="0">
+            <a:schemeClr val="accent1"/>
+          </a:effectRef>
+          <a:fontRef idx="minor">
+            <a:schemeClr val="lt1"/>
+          </a:fontRef>
+        </p:style>
+        <p:txBody>
+          <a:bodyPr rtlCol="0" anchor="ctr"/>
+          <a:lstStyle/>
+          <a:p>
+            <a:pPr algn="ctr"/>
+            <a:r>
+              <a:rPr lang="en-US" altLang="ko-KR" dirty="0" smtClean="0"/>
+              <a:t>S</a:t>
+            </a:r>
+            <a:endParaRPr lang="ko-KR" altLang="en-US" dirty="0"/>
+          </a:p>
+        </p:txBody>
+      </p:sp>
+    </p:spTree>
+  </p:cSld>
+  <p:clrMapOvr>
+    <a:masterClrMapping/>
+  </p:clrMapOvr>
+</p:sld>
+</file>
+
+<file path=ppt/slides/slide36.xml><?xml version="1.0" encoding="utf-8"?>
+<p:sld xmlns:a="http://schemas.openxmlformats.org/drawingml/2006/main" xmlns:r="http://schemas.openxmlformats.org/officeDocument/2006/relationships" xmlns:p="http://schemas.openxmlformats.org/presentationml/2006/main">
+  <p:cSld>
+    <p:spTree>
+      <p:nvGrpSpPr>
+        <p:cNvPr id="1" name=""/>
+        <p:cNvGrpSpPr/>
+        <p:nvPr/>
+      </p:nvGrpSpPr>
+      <p:grpSpPr>
+        <a:xfrm>
+          <a:off x="0" y="0"/>
+          <a:ext cx="0" cy="0"/>
+          <a:chOff x="0" y="0"/>
+          <a:chExt cx="0" cy="0"/>
+        </a:xfrm>
+      </p:grpSpPr>
+      <p:sp>
+        <p:nvSpPr>
+          <p:cNvPr id="77" name="직사각형 76"/>
+          <p:cNvSpPr/>
+          <p:nvPr/>
+        </p:nvSpPr>
+        <p:spPr>
+          <a:xfrm>
+            <a:off x="7092280" y="3573016"/>
+            <a:ext cx="936104" cy="1872208"/>
+          </a:xfrm>
+          <a:prstGeom prst="rect">
+            <a:avLst/>
+          </a:prstGeom>
+          <a:solidFill>
+            <a:schemeClr val="bg1"/>
+          </a:solidFill>
+        </p:spPr>
+        <p:style>
+          <a:lnRef idx="2">
+            <a:schemeClr val="accent1">
+              <a:shade val="50000"/>
+            </a:schemeClr>
+          </a:lnRef>
+          <a:fillRef idx="1">
+            <a:schemeClr val="accent1"/>
+          </a:fillRef>
+          <a:effectRef idx="0">
+            <a:schemeClr val="accent1"/>
+          </a:effectRef>
+          <a:fontRef idx="minor">
+            <a:schemeClr val="lt1"/>
+          </a:fontRef>
+        </p:style>
+        <p:txBody>
+          <a:bodyPr rtlCol="0" anchor="ctr"/>
+          <a:lstStyle/>
+          <a:p>
+            <a:pPr algn="ctr"/>
+            <a:r>
+              <a:rPr lang="en-US" altLang="ko-KR" dirty="0" err="1" smtClean="0">
+                <a:solidFill>
+                  <a:schemeClr val="tx1"/>
+                </a:solidFill>
+              </a:rPr>
+              <a:t>Recv</a:t>
+            </a:r>
+            <a:r>
+              <a:rPr lang="en-US" altLang="ko-KR" dirty="0" smtClean="0">
+                <a:solidFill>
+                  <a:schemeClr val="tx1"/>
+                </a:solidFill>
+              </a:rPr>
+              <a:t>()</a:t>
+            </a:r>
+          </a:p>
+          <a:p>
+            <a:pPr algn="ctr"/>
+            <a:r>
+              <a:rPr lang="en-US" altLang="ko-KR" dirty="0" smtClean="0">
+                <a:solidFill>
+                  <a:schemeClr val="tx1"/>
+                </a:solidFill>
+              </a:rPr>
+              <a:t>Send()</a:t>
+            </a:r>
+            <a:endParaRPr lang="ko-KR" altLang="en-US" dirty="0">
+              <a:solidFill>
+                <a:schemeClr val="tx1"/>
+              </a:solidFill>
+            </a:endParaRPr>
+          </a:p>
+        </p:txBody>
+      </p:sp>
+      <p:sp>
+        <p:nvSpPr>
+          <p:cNvPr id="48" name="직사각형 47"/>
+          <p:cNvSpPr/>
+          <p:nvPr/>
+        </p:nvSpPr>
+        <p:spPr>
+          <a:xfrm>
+            <a:off x="5364088" y="3573016"/>
+            <a:ext cx="1440160" cy="1872208"/>
+          </a:xfrm>
+          <a:prstGeom prst="rect">
+            <a:avLst/>
+          </a:prstGeom>
+          <a:solidFill>
+            <a:schemeClr val="bg1"/>
+          </a:solidFill>
+        </p:spPr>
+        <p:style>
+          <a:lnRef idx="2">
+            <a:schemeClr val="accent1">
+              <a:shade val="50000"/>
+            </a:schemeClr>
+          </a:lnRef>
+          <a:fillRef idx="1">
+            <a:schemeClr val="accent1"/>
+          </a:fillRef>
+          <a:effectRef idx="0">
+            <a:schemeClr val="accent1"/>
+          </a:effectRef>
+          <a:fontRef idx="minor">
+            <a:schemeClr val="lt1"/>
+          </a:fontRef>
+        </p:style>
+        <p:txBody>
+          <a:bodyPr rtlCol="0" anchor="ctr"/>
+          <a:lstStyle/>
+          <a:p>
+            <a:pPr algn="ctr"/>
+            <a:r>
+              <a:rPr lang="en-US" altLang="ko-KR" dirty="0" err="1" smtClean="0">
+                <a:solidFill>
+                  <a:schemeClr val="tx1"/>
+                </a:solidFill>
+              </a:rPr>
+              <a:t>Recv</a:t>
+            </a:r>
+            <a:r>
+              <a:rPr lang="en-US" altLang="ko-KR" dirty="0" smtClean="0">
+                <a:solidFill>
+                  <a:schemeClr val="tx1"/>
+                </a:solidFill>
+              </a:rPr>
+              <a:t>()</a:t>
+            </a:r>
+          </a:p>
+          <a:p>
+            <a:pPr algn="ctr"/>
+            <a:r>
+              <a:rPr lang="en-US" altLang="ko-KR" dirty="0" err="1" smtClean="0">
+                <a:solidFill>
+                  <a:schemeClr val="tx1"/>
+                </a:solidFill>
+              </a:rPr>
+              <a:t>SendAll</a:t>
+            </a:r>
+            <a:r>
+              <a:rPr lang="en-US" altLang="ko-KR" dirty="0" smtClean="0">
+                <a:solidFill>
+                  <a:schemeClr val="tx1"/>
+                </a:solidFill>
+              </a:rPr>
+              <a:t>()</a:t>
+            </a:r>
+            <a:endParaRPr lang="ko-KR" altLang="en-US" dirty="0">
+              <a:solidFill>
+                <a:schemeClr val="tx1"/>
+              </a:solidFill>
+            </a:endParaRPr>
+          </a:p>
+        </p:txBody>
+      </p:sp>
+      <p:sp>
+        <p:nvSpPr>
+          <p:cNvPr id="47" name="직사각형 46"/>
+          <p:cNvSpPr/>
+          <p:nvPr/>
+        </p:nvSpPr>
+        <p:spPr>
+          <a:xfrm>
+            <a:off x="251520" y="1772816"/>
+            <a:ext cx="3600400" cy="1080120"/>
+          </a:xfrm>
+          <a:prstGeom prst="rect">
+            <a:avLst/>
+          </a:prstGeom>
+          <a:solidFill>
+            <a:schemeClr val="tx2">
+              <a:lumMod val="20000"/>
+              <a:lumOff val="80000"/>
+            </a:schemeClr>
+          </a:solidFill>
+        </p:spPr>
+        <p:style>
+          <a:lnRef idx="2">
+            <a:schemeClr val="accent1">
+              <a:shade val="50000"/>
+            </a:schemeClr>
+          </a:lnRef>
+          <a:fillRef idx="1">
+            <a:schemeClr val="accent1"/>
+          </a:fillRef>
+          <a:effectRef idx="0">
+            <a:schemeClr val="accent1"/>
+          </a:effectRef>
+          <a:fontRef idx="minor">
+            <a:schemeClr val="lt1"/>
+          </a:fontRef>
+        </p:style>
+        <p:txBody>
+          <a:bodyPr rtlCol="0" anchor="ctr"/>
+          <a:lstStyle/>
+          <a:p>
+            <a:pPr algn="ctr"/>
+            <a:endParaRPr lang="ko-KR" altLang="en-US" dirty="0">
+              <a:solidFill>
+                <a:schemeClr val="tx1"/>
+              </a:solidFill>
+            </a:endParaRPr>
+          </a:p>
+        </p:txBody>
+      </p:sp>
+      <p:sp>
+        <p:nvSpPr>
+          <p:cNvPr id="5" name="TextBox 4"/>
+          <p:cNvSpPr txBox="1"/>
+          <p:nvPr/>
+        </p:nvSpPr>
+        <p:spPr>
+          <a:xfrm>
+            <a:off x="251520" y="260648"/>
+            <a:ext cx="5976664" cy="400110"/>
+          </a:xfrm>
+          <a:prstGeom prst="rect">
+            <a:avLst/>
+          </a:prstGeom>
+          <a:noFill/>
+        </p:spPr>
+        <p:txBody>
+          <a:bodyPr wrap="square" rtlCol="0">
+            <a:spAutoFit/>
+          </a:bodyPr>
+          <a:lstStyle/>
+          <a:p>
+            <a:r>
+              <a:rPr lang="en-US" altLang="ko-KR" sz="2000" b="1" dirty="0" smtClean="0"/>
+              <a:t>MYSQL</a:t>
+            </a:r>
+            <a:r>
+              <a:rPr lang="ko-KR" altLang="en-US" sz="2000" b="1" dirty="0" smtClean="0"/>
+              <a:t> </a:t>
+            </a:r>
+            <a:r>
+              <a:rPr lang="en-US" altLang="ko-KR" sz="2000" b="1" dirty="0" smtClean="0"/>
+              <a:t>3</a:t>
+            </a:r>
+            <a:r>
+              <a:rPr lang="ko-KR" altLang="en-US" sz="2000" b="1" dirty="0" smtClean="0"/>
+              <a:t>일차</a:t>
+            </a:r>
+            <a:endParaRPr lang="ko-KR" altLang="en-US" sz="2000" b="1" dirty="0"/>
+          </a:p>
+        </p:txBody>
+      </p:sp>
+      <p:sp>
+        <p:nvSpPr>
+          <p:cNvPr id="26" name="직사각형 25"/>
+          <p:cNvSpPr/>
+          <p:nvPr/>
+        </p:nvSpPr>
+        <p:spPr>
+          <a:xfrm>
+            <a:off x="539552" y="908720"/>
+            <a:ext cx="5168979" cy="646331"/>
+          </a:xfrm>
+          <a:prstGeom prst="rect">
+            <a:avLst/>
+          </a:prstGeom>
+        </p:spPr>
+        <p:txBody>
+          <a:bodyPr wrap="none">
+            <a:spAutoFit/>
+          </a:bodyPr>
+          <a:lstStyle/>
+          <a:p>
+            <a:pPr>
+              <a:buFontTx/>
+              <a:buChar char="-"/>
+            </a:pPr>
+            <a:r>
+              <a:rPr lang="en-US" altLang="ko-KR" b="1" dirty="0" smtClean="0"/>
+              <a:t>TCP / IP </a:t>
+            </a:r>
+            <a:r>
+              <a:rPr lang="ko-KR" altLang="en-US" b="1" dirty="0" smtClean="0">
+                <a:solidFill>
+                  <a:srgbClr val="FF0000"/>
+                </a:solidFill>
+              </a:rPr>
+              <a:t>프로토콜</a:t>
+            </a:r>
+            <a:r>
+              <a:rPr lang="en-US" altLang="ko-KR" b="1" dirty="0" smtClean="0">
+                <a:solidFill>
+                  <a:srgbClr val="FF0000"/>
+                </a:solidFill>
+              </a:rPr>
+              <a:t>(</a:t>
+            </a:r>
+            <a:r>
+              <a:rPr lang="ko-KR" altLang="en-US" b="1" dirty="0" smtClean="0">
+                <a:solidFill>
+                  <a:srgbClr val="FF0000"/>
+                </a:solidFill>
+              </a:rPr>
+              <a:t>약속</a:t>
+            </a:r>
+            <a:r>
+              <a:rPr lang="en-US" altLang="ko-KR" b="1" dirty="0" smtClean="0">
+                <a:solidFill>
+                  <a:srgbClr val="FF0000"/>
+                </a:solidFill>
+              </a:rPr>
+              <a:t>) – 1</a:t>
+            </a:r>
+            <a:r>
+              <a:rPr lang="ko-KR" altLang="en-US" b="1" dirty="0" smtClean="0">
+                <a:solidFill>
+                  <a:srgbClr val="FF0000"/>
+                </a:solidFill>
+              </a:rPr>
+              <a:t>대 다 통신</a:t>
+            </a:r>
+            <a:r>
+              <a:rPr lang="en-US" altLang="ko-KR" b="1" dirty="0" smtClean="0">
+                <a:solidFill>
+                  <a:srgbClr val="FF0000"/>
+                </a:solidFill>
+              </a:rPr>
+              <a:t>(</a:t>
+            </a:r>
+            <a:r>
+              <a:rPr lang="ko-KR" altLang="en-US" b="1" dirty="0" err="1" smtClean="0">
+                <a:solidFill>
+                  <a:srgbClr val="FF0000"/>
+                </a:solidFill>
+              </a:rPr>
+              <a:t>쓰레드</a:t>
+            </a:r>
+            <a:r>
+              <a:rPr lang="en-US" altLang="ko-KR" b="1" dirty="0" smtClean="0">
+                <a:solidFill>
+                  <a:srgbClr val="FF0000"/>
+                </a:solidFill>
+              </a:rPr>
+              <a:t>)</a:t>
+            </a:r>
+          </a:p>
+          <a:p>
+            <a:pPr>
+              <a:buFontTx/>
+              <a:buChar char="-"/>
+            </a:pPr>
+            <a:endParaRPr lang="en-US" altLang="ko-KR" b="1" dirty="0" smtClean="0">
+              <a:solidFill>
+                <a:srgbClr val="FF0000"/>
+              </a:solidFill>
+            </a:endParaRPr>
+          </a:p>
+        </p:txBody>
+      </p:sp>
+      <p:sp>
+        <p:nvSpPr>
+          <p:cNvPr id="29" name="직사각형 28"/>
+          <p:cNvSpPr/>
+          <p:nvPr/>
+        </p:nvSpPr>
+        <p:spPr>
+          <a:xfrm>
+            <a:off x="611560" y="1412776"/>
+            <a:ext cx="2880320" cy="369332"/>
+          </a:xfrm>
+          <a:prstGeom prst="rect">
+            <a:avLst/>
+          </a:prstGeom>
+        </p:spPr>
+        <p:txBody>
+          <a:bodyPr wrap="square">
+            <a:spAutoFit/>
+          </a:bodyPr>
+          <a:lstStyle/>
+          <a:p>
+            <a:pPr algn="ctr"/>
+            <a:r>
+              <a:rPr lang="en-US" altLang="ko-KR" dirty="0" smtClean="0"/>
+              <a:t>Client(</a:t>
+            </a:r>
+            <a:r>
+              <a:rPr lang="ko-KR" altLang="en-US" dirty="0" smtClean="0"/>
+              <a:t>사용자</a:t>
+            </a:r>
+            <a:r>
+              <a:rPr lang="en-US" altLang="ko-KR" dirty="0" smtClean="0"/>
+              <a:t>,</a:t>
+            </a:r>
+            <a:r>
+              <a:rPr lang="ko-KR" altLang="en-US" dirty="0" smtClean="0"/>
+              <a:t>관리자</a:t>
+            </a:r>
+            <a:r>
+              <a:rPr lang="en-US" altLang="ko-KR" dirty="0" smtClean="0"/>
+              <a:t>)</a:t>
+            </a:r>
+            <a:endParaRPr lang="ko-KR" altLang="en-US" dirty="0"/>
+          </a:p>
+        </p:txBody>
+      </p:sp>
+      <p:sp>
+        <p:nvSpPr>
+          <p:cNvPr id="33" name="직사각형 32"/>
+          <p:cNvSpPr/>
+          <p:nvPr/>
+        </p:nvSpPr>
+        <p:spPr>
+          <a:xfrm>
+            <a:off x="5868144" y="2348880"/>
+            <a:ext cx="3024336" cy="1008112"/>
+          </a:xfrm>
+          <a:prstGeom prst="rect">
+            <a:avLst/>
+          </a:prstGeom>
+          <a:solidFill>
+            <a:schemeClr val="bg1"/>
+          </a:solidFill>
+        </p:spPr>
+        <p:style>
+          <a:lnRef idx="2">
+            <a:schemeClr val="accent1">
+              <a:shade val="50000"/>
+            </a:schemeClr>
+          </a:lnRef>
+          <a:fillRef idx="1">
+            <a:schemeClr val="accent1"/>
+          </a:fillRef>
+          <a:effectRef idx="0">
+            <a:schemeClr val="accent1"/>
+          </a:effectRef>
+          <a:fontRef idx="minor">
+            <a:schemeClr val="lt1"/>
+          </a:fontRef>
+        </p:style>
+        <p:txBody>
+          <a:bodyPr rtlCol="0" anchor="ctr"/>
+          <a:lstStyle/>
+          <a:p>
+            <a:pPr algn="ctr"/>
+            <a:r>
+              <a:rPr lang="en-US" altLang="ko-KR" dirty="0" smtClean="0">
+                <a:solidFill>
+                  <a:schemeClr val="tx1"/>
+                </a:solidFill>
+              </a:rPr>
+              <a:t>Accept() :</a:t>
+            </a:r>
+          </a:p>
+          <a:p>
+            <a:pPr marL="342900" indent="-342900" algn="ctr">
+              <a:buAutoNum type="arabicParenR"/>
+            </a:pPr>
+            <a:r>
+              <a:rPr lang="ko-KR" altLang="en-US" dirty="0" smtClean="0">
+                <a:solidFill>
+                  <a:schemeClr val="tx1"/>
+                </a:solidFill>
+              </a:rPr>
+              <a:t>통신소켓생성</a:t>
+            </a:r>
+            <a:endParaRPr lang="en-US" altLang="ko-KR" dirty="0" smtClean="0">
+              <a:solidFill>
+                <a:schemeClr val="tx1"/>
+              </a:solidFill>
+            </a:endParaRPr>
+          </a:p>
+          <a:p>
+            <a:pPr marL="342900" indent="-342900" algn="ctr">
+              <a:buAutoNum type="arabicParenR"/>
+            </a:pPr>
+            <a:r>
+              <a:rPr lang="ko-KR" altLang="en-US" dirty="0" err="1" smtClean="0">
+                <a:solidFill>
+                  <a:schemeClr val="tx1"/>
+                </a:solidFill>
+              </a:rPr>
+              <a:t>쓰레드</a:t>
+            </a:r>
+            <a:r>
+              <a:rPr lang="ko-KR" altLang="en-US" dirty="0" smtClean="0">
+                <a:solidFill>
+                  <a:schemeClr val="tx1"/>
+                </a:solidFill>
+              </a:rPr>
+              <a:t> 생성</a:t>
+            </a:r>
+            <a:endParaRPr lang="ko-KR" altLang="en-US" dirty="0">
+              <a:solidFill>
+                <a:schemeClr val="tx1"/>
+              </a:solidFill>
+            </a:endParaRPr>
+          </a:p>
+        </p:txBody>
+      </p:sp>
+      <p:sp>
+        <p:nvSpPr>
+          <p:cNvPr id="40" name="타원 39"/>
+          <p:cNvSpPr/>
+          <p:nvPr/>
+        </p:nvSpPr>
+        <p:spPr>
+          <a:xfrm>
+            <a:off x="5940152" y="476672"/>
+            <a:ext cx="2232248" cy="432048"/>
+          </a:xfrm>
+          <a:prstGeom prst="ellipse">
+            <a:avLst/>
+          </a:prstGeom>
+          <a:solidFill>
+            <a:schemeClr val="accent2"/>
+          </a:solidFill>
+        </p:spPr>
+        <p:style>
+          <a:lnRef idx="2">
+            <a:schemeClr val="accent1">
+              <a:shade val="50000"/>
+            </a:schemeClr>
+          </a:lnRef>
+          <a:fillRef idx="1">
+            <a:schemeClr val="accent1"/>
+          </a:fillRef>
+          <a:effectRef idx="0">
+            <a:schemeClr val="accent1"/>
+          </a:effectRef>
+          <a:fontRef idx="minor">
+            <a:schemeClr val="lt1"/>
+          </a:fontRef>
+        </p:style>
+        <p:txBody>
+          <a:bodyPr rtlCol="0" anchor="ctr"/>
+          <a:lstStyle/>
+          <a:p>
+            <a:pPr algn="ctr"/>
+            <a:r>
+              <a:rPr lang="en-US" altLang="ko-KR" dirty="0" smtClean="0"/>
+              <a:t>S : </a:t>
+            </a:r>
+            <a:r>
+              <a:rPr lang="ko-KR" altLang="en-US" dirty="0" smtClean="0"/>
+              <a:t>대기소켓</a:t>
+            </a:r>
+            <a:endParaRPr lang="ko-KR" altLang="en-US" dirty="0"/>
+          </a:p>
+        </p:txBody>
+      </p:sp>
+      <p:sp>
+        <p:nvSpPr>
+          <p:cNvPr id="41" name="타원 40"/>
+          <p:cNvSpPr/>
+          <p:nvPr/>
+        </p:nvSpPr>
+        <p:spPr>
+          <a:xfrm>
+            <a:off x="5868144" y="3573016"/>
+            <a:ext cx="720080" cy="432048"/>
+          </a:xfrm>
+          <a:prstGeom prst="ellipse">
+            <a:avLst/>
+          </a:prstGeom>
+          <a:solidFill>
+            <a:schemeClr val="accent6">
+              <a:lumMod val="75000"/>
+            </a:schemeClr>
+          </a:solidFill>
+        </p:spPr>
+        <p:style>
+          <a:lnRef idx="2">
+            <a:schemeClr val="accent1">
+              <a:shade val="50000"/>
+            </a:schemeClr>
+          </a:lnRef>
+          <a:fillRef idx="1">
+            <a:schemeClr val="accent1"/>
+          </a:fillRef>
+          <a:effectRef idx="0">
+            <a:schemeClr val="accent1"/>
+          </a:effectRef>
+          <a:fontRef idx="minor">
+            <a:schemeClr val="lt1"/>
+          </a:fontRef>
+        </p:style>
+        <p:txBody>
+          <a:bodyPr rtlCol="0" anchor="ctr"/>
+          <a:lstStyle/>
+          <a:p>
+            <a:pPr algn="ctr"/>
+            <a:r>
+              <a:rPr lang="en-US" altLang="ko-KR" dirty="0" smtClean="0"/>
+              <a:t>S1</a:t>
+            </a:r>
+            <a:endParaRPr lang="ko-KR" altLang="en-US" dirty="0"/>
+          </a:p>
+        </p:txBody>
+      </p:sp>
+      <p:sp>
+        <p:nvSpPr>
+          <p:cNvPr id="43" name="타원 42"/>
+          <p:cNvSpPr/>
+          <p:nvPr/>
+        </p:nvSpPr>
+        <p:spPr>
+          <a:xfrm>
+            <a:off x="3923928" y="476672"/>
+            <a:ext cx="1800200" cy="432048"/>
+          </a:xfrm>
+          <a:prstGeom prst="ellipse">
+            <a:avLst/>
+          </a:prstGeom>
+          <a:solidFill>
+            <a:schemeClr val="accent6">
+              <a:lumMod val="75000"/>
+            </a:schemeClr>
+          </a:solidFill>
+        </p:spPr>
+        <p:style>
+          <a:lnRef idx="2">
+            <a:schemeClr val="accent1">
+              <a:shade val="50000"/>
+            </a:schemeClr>
+          </a:lnRef>
+          <a:fillRef idx="1">
+            <a:schemeClr val="accent1"/>
+          </a:fillRef>
+          <a:effectRef idx="0">
+            <a:schemeClr val="accent1"/>
+          </a:effectRef>
+          <a:fontRef idx="minor">
+            <a:schemeClr val="lt1"/>
+          </a:fontRef>
+        </p:style>
+        <p:txBody>
+          <a:bodyPr rtlCol="0" anchor="ctr"/>
+          <a:lstStyle/>
+          <a:p>
+            <a:pPr algn="ctr"/>
+            <a:r>
+              <a:rPr lang="en-US" altLang="ko-KR" dirty="0" smtClean="0"/>
+              <a:t>S:</a:t>
+            </a:r>
+            <a:r>
+              <a:rPr lang="ko-KR" altLang="en-US" dirty="0" smtClean="0"/>
+              <a:t>통신소켓</a:t>
+            </a:r>
+            <a:endParaRPr lang="ko-KR" altLang="en-US" dirty="0"/>
+          </a:p>
+        </p:txBody>
+      </p:sp>
+      <p:sp>
+        <p:nvSpPr>
+          <p:cNvPr id="63" name="직사각형 62"/>
+          <p:cNvSpPr/>
+          <p:nvPr/>
+        </p:nvSpPr>
+        <p:spPr>
+          <a:xfrm>
+            <a:off x="467544" y="1916832"/>
+            <a:ext cx="3024336" cy="360040"/>
+          </a:xfrm>
+          <a:prstGeom prst="rect">
+            <a:avLst/>
+          </a:prstGeom>
+          <a:solidFill>
+            <a:schemeClr val="bg1"/>
+          </a:solidFill>
+        </p:spPr>
+        <p:style>
+          <a:lnRef idx="2">
+            <a:schemeClr val="accent1">
+              <a:shade val="50000"/>
+            </a:schemeClr>
+          </a:lnRef>
+          <a:fillRef idx="1">
+            <a:schemeClr val="accent1"/>
+          </a:fillRef>
+          <a:effectRef idx="0">
+            <a:schemeClr val="accent1"/>
+          </a:effectRef>
+          <a:fontRef idx="minor">
+            <a:schemeClr val="lt1"/>
+          </a:fontRef>
+        </p:style>
+        <p:txBody>
+          <a:bodyPr rtlCol="0" anchor="ctr"/>
+          <a:lstStyle/>
+          <a:p>
+            <a:pPr algn="ctr"/>
+            <a:r>
+              <a:rPr lang="en-US" altLang="ko-KR" dirty="0" smtClean="0">
+                <a:solidFill>
+                  <a:schemeClr val="tx1"/>
+                </a:solidFill>
+              </a:rPr>
+              <a:t>Connect() : </a:t>
+            </a:r>
+            <a:r>
+              <a:rPr lang="ko-KR" altLang="en-US" dirty="0" err="1" smtClean="0">
+                <a:solidFill>
+                  <a:schemeClr val="tx1"/>
+                </a:solidFill>
+              </a:rPr>
+              <a:t>전화걸기</a:t>
+            </a:r>
+            <a:endParaRPr lang="en-US" altLang="ko-KR" dirty="0" smtClean="0">
+              <a:solidFill>
+                <a:schemeClr val="tx1"/>
+              </a:solidFill>
+            </a:endParaRPr>
+          </a:p>
+        </p:txBody>
+      </p:sp>
+      <p:sp>
+        <p:nvSpPr>
+          <p:cNvPr id="69" name="타원 68"/>
+          <p:cNvSpPr/>
+          <p:nvPr/>
+        </p:nvSpPr>
+        <p:spPr>
+          <a:xfrm>
+            <a:off x="3419872" y="1916832"/>
+            <a:ext cx="720080" cy="432048"/>
+          </a:xfrm>
+          <a:prstGeom prst="ellipse">
+            <a:avLst/>
+          </a:prstGeom>
+          <a:solidFill>
+            <a:schemeClr val="accent6">
+              <a:lumMod val="75000"/>
+            </a:schemeClr>
+          </a:solidFill>
+        </p:spPr>
+        <p:style>
+          <a:lnRef idx="2">
+            <a:schemeClr val="accent1">
+              <a:shade val="50000"/>
+            </a:schemeClr>
+          </a:lnRef>
+          <a:fillRef idx="1">
+            <a:schemeClr val="accent1"/>
+          </a:fillRef>
+          <a:effectRef idx="0">
+            <a:schemeClr val="accent1"/>
+          </a:effectRef>
+          <a:fontRef idx="minor">
+            <a:schemeClr val="lt1"/>
+          </a:fontRef>
+        </p:style>
+        <p:txBody>
+          <a:bodyPr rtlCol="0" anchor="ctr"/>
+          <a:lstStyle/>
+          <a:p>
+            <a:pPr algn="ctr"/>
+            <a:r>
+              <a:rPr lang="en-US" altLang="ko-KR" dirty="0" smtClean="0"/>
+              <a:t>S1</a:t>
+            </a:r>
+            <a:endParaRPr lang="ko-KR" altLang="en-US" dirty="0"/>
+          </a:p>
+        </p:txBody>
+      </p:sp>
+      <p:sp>
+        <p:nvSpPr>
+          <p:cNvPr id="70" name="타원 69"/>
+          <p:cNvSpPr/>
+          <p:nvPr/>
+        </p:nvSpPr>
+        <p:spPr>
+          <a:xfrm>
+            <a:off x="6300192" y="2276872"/>
+            <a:ext cx="576064" cy="432048"/>
+          </a:xfrm>
+          <a:prstGeom prst="ellipse">
+            <a:avLst/>
+          </a:prstGeom>
+          <a:solidFill>
+            <a:schemeClr val="accent2"/>
+          </a:solidFill>
+        </p:spPr>
+        <p:style>
+          <a:lnRef idx="2">
+            <a:schemeClr val="accent1">
+              <a:shade val="50000"/>
+            </a:schemeClr>
+          </a:lnRef>
+          <a:fillRef idx="1">
+            <a:schemeClr val="accent1"/>
+          </a:fillRef>
+          <a:effectRef idx="0">
+            <a:schemeClr val="accent1"/>
+          </a:effectRef>
+          <a:fontRef idx="minor">
+            <a:schemeClr val="lt1"/>
+          </a:fontRef>
+        </p:style>
+        <p:txBody>
+          <a:bodyPr rtlCol="0" anchor="ctr"/>
+          <a:lstStyle/>
+          <a:p>
+            <a:pPr algn="ctr"/>
+            <a:r>
+              <a:rPr lang="en-US" altLang="ko-KR" dirty="0" smtClean="0"/>
+              <a:t>S</a:t>
+            </a:r>
+            <a:endParaRPr lang="ko-KR" altLang="en-US" dirty="0"/>
+          </a:p>
+        </p:txBody>
+      </p:sp>
+      <p:sp>
+        <p:nvSpPr>
+          <p:cNvPr id="72" name="직사각형 71"/>
+          <p:cNvSpPr/>
+          <p:nvPr/>
+        </p:nvSpPr>
+        <p:spPr>
+          <a:xfrm>
+            <a:off x="467544" y="3068960"/>
+            <a:ext cx="3024336" cy="360040"/>
+          </a:xfrm>
+          <a:prstGeom prst="rect">
+            <a:avLst/>
+          </a:prstGeom>
+          <a:solidFill>
+            <a:schemeClr val="bg1"/>
+          </a:solidFill>
+        </p:spPr>
+        <p:style>
+          <a:lnRef idx="2">
+            <a:schemeClr val="accent1">
+              <a:shade val="50000"/>
+            </a:schemeClr>
+          </a:lnRef>
+          <a:fillRef idx="1">
+            <a:schemeClr val="accent1"/>
+          </a:fillRef>
+          <a:effectRef idx="0">
+            <a:schemeClr val="accent1"/>
+          </a:effectRef>
+          <a:fontRef idx="minor">
+            <a:schemeClr val="lt1"/>
+          </a:fontRef>
+        </p:style>
+        <p:txBody>
+          <a:bodyPr rtlCol="0" anchor="ctr"/>
+          <a:lstStyle/>
+          <a:p>
+            <a:pPr algn="ctr"/>
+            <a:r>
+              <a:rPr lang="en-US" altLang="ko-KR" dirty="0" err="1" smtClean="0">
+                <a:solidFill>
+                  <a:schemeClr val="tx1"/>
+                </a:solidFill>
+              </a:rPr>
+              <a:t>Recv</a:t>
+            </a:r>
+            <a:r>
+              <a:rPr lang="en-US" altLang="ko-KR" dirty="0" smtClean="0">
+                <a:solidFill>
+                  <a:schemeClr val="tx1"/>
+                </a:solidFill>
+              </a:rPr>
+              <a:t>() : Input[</a:t>
+            </a:r>
+            <a:r>
+              <a:rPr lang="ko-KR" altLang="en-US" dirty="0" smtClean="0">
+                <a:solidFill>
+                  <a:schemeClr val="tx1"/>
+                </a:solidFill>
+              </a:rPr>
+              <a:t>수동</a:t>
+            </a:r>
+            <a:r>
+              <a:rPr lang="en-US" altLang="ko-KR" dirty="0" smtClean="0">
+                <a:solidFill>
+                  <a:schemeClr val="tx1"/>
+                </a:solidFill>
+              </a:rPr>
+              <a:t>]</a:t>
+            </a:r>
+            <a:endParaRPr lang="ko-KR" altLang="en-US" dirty="0">
+              <a:solidFill>
+                <a:schemeClr val="tx1"/>
+              </a:solidFill>
+            </a:endParaRPr>
+          </a:p>
+        </p:txBody>
+      </p:sp>
+      <p:sp>
+        <p:nvSpPr>
+          <p:cNvPr id="73" name="직사각형 72"/>
+          <p:cNvSpPr/>
+          <p:nvPr/>
+        </p:nvSpPr>
+        <p:spPr>
+          <a:xfrm>
+            <a:off x="539552" y="2420888"/>
+            <a:ext cx="3024336" cy="360040"/>
+          </a:xfrm>
+          <a:prstGeom prst="rect">
+            <a:avLst/>
+          </a:prstGeom>
+          <a:solidFill>
+            <a:schemeClr val="bg1"/>
+          </a:solidFill>
+        </p:spPr>
+        <p:style>
+          <a:lnRef idx="2">
+            <a:schemeClr val="accent1">
+              <a:shade val="50000"/>
+            </a:schemeClr>
+          </a:lnRef>
+          <a:fillRef idx="1">
+            <a:schemeClr val="accent1"/>
+          </a:fillRef>
+          <a:effectRef idx="0">
+            <a:schemeClr val="accent1"/>
+          </a:effectRef>
+          <a:fontRef idx="minor">
+            <a:schemeClr val="lt1"/>
+          </a:fontRef>
+        </p:style>
+        <p:txBody>
+          <a:bodyPr rtlCol="0" anchor="ctr"/>
+          <a:lstStyle/>
+          <a:p>
+            <a:pPr algn="ctr"/>
+            <a:r>
+              <a:rPr lang="en-US" altLang="ko-KR" dirty="0" smtClean="0">
+                <a:solidFill>
+                  <a:schemeClr val="tx1"/>
+                </a:solidFill>
+              </a:rPr>
+              <a:t>Send() : Output[</a:t>
+            </a:r>
+            <a:r>
+              <a:rPr lang="ko-KR" altLang="en-US" dirty="0" smtClean="0">
+                <a:solidFill>
+                  <a:schemeClr val="tx1"/>
+                </a:solidFill>
+              </a:rPr>
+              <a:t>능동</a:t>
+            </a:r>
+            <a:r>
+              <a:rPr lang="en-US" altLang="ko-KR" dirty="0" smtClean="0">
+                <a:solidFill>
+                  <a:schemeClr val="tx1"/>
+                </a:solidFill>
+              </a:rPr>
+              <a:t>]</a:t>
+            </a:r>
+            <a:endParaRPr lang="ko-KR" altLang="en-US" dirty="0">
+              <a:solidFill>
+                <a:schemeClr val="tx1"/>
+              </a:solidFill>
+            </a:endParaRPr>
+          </a:p>
+        </p:txBody>
+      </p:sp>
+      <p:cxnSp>
+        <p:nvCxnSpPr>
+          <p:cNvPr id="42" name="직선 화살표 연결선 41"/>
+          <p:cNvCxnSpPr>
+            <a:endCxn id="41" idx="3"/>
+          </p:cNvCxnSpPr>
+          <p:nvPr/>
+        </p:nvCxnSpPr>
+        <p:spPr>
+          <a:xfrm>
+            <a:off x="3851920" y="2420888"/>
+            <a:ext cx="2121677" cy="1520904"/>
+          </a:xfrm>
+          <a:prstGeom prst="straightConnector1">
+            <a:avLst/>
+          </a:prstGeom>
+          <a:ln w="25400">
+            <a:solidFill>
+              <a:srgbClr val="FF0000"/>
+            </a:solidFill>
+            <a:tailEnd type="arrow"/>
+          </a:ln>
+        </p:spPr>
+        <p:style>
+          <a:lnRef idx="1">
+            <a:schemeClr val="accent1"/>
+          </a:lnRef>
+          <a:fillRef idx="0">
+            <a:schemeClr val="accent1"/>
+          </a:fillRef>
+          <a:effectRef idx="0">
+            <a:schemeClr val="accent1"/>
+          </a:effectRef>
+          <a:fontRef idx="minor">
+            <a:schemeClr val="tx1"/>
+          </a:fontRef>
+        </p:style>
+      </p:cxnSp>
+      <p:sp>
+        <p:nvSpPr>
+          <p:cNvPr id="52" name="직사각형 51"/>
+          <p:cNvSpPr/>
+          <p:nvPr/>
+        </p:nvSpPr>
+        <p:spPr>
+          <a:xfrm>
+            <a:off x="251520" y="3789040"/>
+            <a:ext cx="3600400" cy="1224136"/>
+          </a:xfrm>
+          <a:prstGeom prst="rect">
+            <a:avLst/>
+          </a:prstGeom>
+          <a:solidFill>
+            <a:schemeClr val="tx2">
+              <a:lumMod val="20000"/>
+              <a:lumOff val="80000"/>
+            </a:schemeClr>
+          </a:solidFill>
+        </p:spPr>
+        <p:style>
+          <a:lnRef idx="2">
+            <a:schemeClr val="accent1">
+              <a:shade val="50000"/>
+            </a:schemeClr>
+          </a:lnRef>
+          <a:fillRef idx="1">
+            <a:schemeClr val="accent1"/>
+          </a:fillRef>
+          <a:effectRef idx="0">
+            <a:schemeClr val="accent1"/>
+          </a:effectRef>
+          <a:fontRef idx="minor">
+            <a:schemeClr val="lt1"/>
+          </a:fontRef>
+        </p:style>
+        <p:txBody>
+          <a:bodyPr rtlCol="0" anchor="ctr"/>
+          <a:lstStyle/>
+          <a:p>
+            <a:pPr algn="ctr"/>
+            <a:endParaRPr lang="ko-KR" altLang="en-US" dirty="0">
+              <a:solidFill>
+                <a:schemeClr val="tx1"/>
+              </a:solidFill>
+            </a:endParaRPr>
+          </a:p>
+        </p:txBody>
+      </p:sp>
+      <p:sp>
+        <p:nvSpPr>
+          <p:cNvPr id="53" name="직사각형 52"/>
+          <p:cNvSpPr/>
+          <p:nvPr/>
+        </p:nvSpPr>
+        <p:spPr>
+          <a:xfrm>
+            <a:off x="467544" y="3933056"/>
+            <a:ext cx="3024336" cy="360040"/>
+          </a:xfrm>
+          <a:prstGeom prst="rect">
+            <a:avLst/>
+          </a:prstGeom>
+          <a:solidFill>
+            <a:schemeClr val="bg1"/>
+          </a:solidFill>
+        </p:spPr>
+        <p:style>
+          <a:lnRef idx="2">
+            <a:schemeClr val="accent1">
+              <a:shade val="50000"/>
+            </a:schemeClr>
+          </a:lnRef>
+          <a:fillRef idx="1">
+            <a:schemeClr val="accent1"/>
+          </a:fillRef>
+          <a:effectRef idx="0">
+            <a:schemeClr val="accent1"/>
+          </a:effectRef>
+          <a:fontRef idx="minor">
+            <a:schemeClr val="lt1"/>
+          </a:fontRef>
+        </p:style>
+        <p:txBody>
+          <a:bodyPr rtlCol="0" anchor="ctr"/>
+          <a:lstStyle/>
+          <a:p>
+            <a:pPr algn="ctr"/>
+            <a:r>
+              <a:rPr lang="en-US" altLang="ko-KR" dirty="0" smtClean="0">
+                <a:solidFill>
+                  <a:schemeClr val="tx1"/>
+                </a:solidFill>
+              </a:rPr>
+              <a:t>Connect() : </a:t>
+            </a:r>
+            <a:r>
+              <a:rPr lang="ko-KR" altLang="en-US" dirty="0" err="1" smtClean="0">
+                <a:solidFill>
+                  <a:schemeClr val="tx1"/>
+                </a:solidFill>
+              </a:rPr>
+              <a:t>전화걸기</a:t>
+            </a:r>
+            <a:endParaRPr lang="en-US" altLang="ko-KR" dirty="0" smtClean="0">
+              <a:solidFill>
+                <a:schemeClr val="tx1"/>
+              </a:solidFill>
+            </a:endParaRPr>
+          </a:p>
+        </p:txBody>
+      </p:sp>
+      <p:sp>
+        <p:nvSpPr>
+          <p:cNvPr id="55" name="타원 54"/>
+          <p:cNvSpPr/>
+          <p:nvPr/>
+        </p:nvSpPr>
+        <p:spPr>
+          <a:xfrm>
+            <a:off x="3419872" y="3933056"/>
+            <a:ext cx="720080" cy="432048"/>
+          </a:xfrm>
+          <a:prstGeom prst="ellipse">
+            <a:avLst/>
+          </a:prstGeom>
+          <a:solidFill>
+            <a:schemeClr val="accent6">
+              <a:lumMod val="75000"/>
+            </a:schemeClr>
+          </a:solidFill>
+        </p:spPr>
+        <p:style>
+          <a:lnRef idx="2">
+            <a:schemeClr val="accent1">
+              <a:shade val="50000"/>
+            </a:schemeClr>
+          </a:lnRef>
+          <a:fillRef idx="1">
+            <a:schemeClr val="accent1"/>
+          </a:fillRef>
+          <a:effectRef idx="0">
+            <a:schemeClr val="accent1"/>
+          </a:effectRef>
+          <a:fontRef idx="minor">
+            <a:schemeClr val="lt1"/>
+          </a:fontRef>
+        </p:style>
+        <p:txBody>
+          <a:bodyPr rtlCol="0" anchor="ctr"/>
+          <a:lstStyle/>
+          <a:p>
+            <a:pPr algn="ctr"/>
+            <a:r>
+              <a:rPr lang="en-US" altLang="ko-KR" dirty="0" smtClean="0"/>
+              <a:t>S2</a:t>
+            </a:r>
+            <a:endParaRPr lang="ko-KR" altLang="en-US" dirty="0"/>
+          </a:p>
+        </p:txBody>
+      </p:sp>
+      <p:sp>
+        <p:nvSpPr>
+          <p:cNvPr id="59" name="직사각형 58"/>
+          <p:cNvSpPr/>
+          <p:nvPr/>
+        </p:nvSpPr>
+        <p:spPr>
+          <a:xfrm>
+            <a:off x="611560" y="5517232"/>
+            <a:ext cx="3024336" cy="360040"/>
+          </a:xfrm>
+          <a:prstGeom prst="rect">
+            <a:avLst/>
+          </a:prstGeom>
+          <a:solidFill>
+            <a:schemeClr val="bg1"/>
+          </a:solidFill>
+        </p:spPr>
+        <p:style>
+          <a:lnRef idx="2">
+            <a:schemeClr val="accent1">
+              <a:shade val="50000"/>
+            </a:schemeClr>
+          </a:lnRef>
+          <a:fillRef idx="1">
+            <a:schemeClr val="accent1"/>
+          </a:fillRef>
+          <a:effectRef idx="0">
+            <a:schemeClr val="accent1"/>
+          </a:effectRef>
+          <a:fontRef idx="minor">
+            <a:schemeClr val="lt1"/>
+          </a:fontRef>
+        </p:style>
+        <p:txBody>
+          <a:bodyPr rtlCol="0" anchor="ctr"/>
+          <a:lstStyle/>
+          <a:p>
+            <a:pPr algn="ctr"/>
+            <a:r>
+              <a:rPr lang="en-US" altLang="ko-KR" dirty="0" err="1" smtClean="0">
+                <a:solidFill>
+                  <a:schemeClr val="tx1"/>
+                </a:solidFill>
+              </a:rPr>
+              <a:t>Recv</a:t>
+            </a:r>
+            <a:r>
+              <a:rPr lang="en-US" altLang="ko-KR" dirty="0" smtClean="0">
+                <a:solidFill>
+                  <a:schemeClr val="tx1"/>
+                </a:solidFill>
+              </a:rPr>
+              <a:t>() : Input[</a:t>
+            </a:r>
+            <a:r>
+              <a:rPr lang="ko-KR" altLang="en-US" dirty="0" smtClean="0">
+                <a:solidFill>
+                  <a:schemeClr val="tx1"/>
+                </a:solidFill>
+              </a:rPr>
+              <a:t>수동</a:t>
+            </a:r>
+            <a:r>
+              <a:rPr lang="en-US" altLang="ko-KR" dirty="0" smtClean="0">
+                <a:solidFill>
+                  <a:schemeClr val="tx1"/>
+                </a:solidFill>
+              </a:rPr>
+              <a:t>]</a:t>
+            </a:r>
+            <a:endParaRPr lang="ko-KR" altLang="en-US" dirty="0">
+              <a:solidFill>
+                <a:schemeClr val="tx1"/>
+              </a:solidFill>
+            </a:endParaRPr>
+          </a:p>
+        </p:txBody>
+      </p:sp>
+      <p:sp>
+        <p:nvSpPr>
+          <p:cNvPr id="66" name="직사각형 65"/>
+          <p:cNvSpPr/>
+          <p:nvPr/>
+        </p:nvSpPr>
+        <p:spPr>
+          <a:xfrm>
+            <a:off x="539552" y="4437112"/>
+            <a:ext cx="3024336" cy="360040"/>
+          </a:xfrm>
+          <a:prstGeom prst="rect">
+            <a:avLst/>
+          </a:prstGeom>
+          <a:solidFill>
+            <a:schemeClr val="bg1"/>
+          </a:solidFill>
+        </p:spPr>
+        <p:style>
+          <a:lnRef idx="2">
+            <a:schemeClr val="accent1">
+              <a:shade val="50000"/>
+            </a:schemeClr>
+          </a:lnRef>
+          <a:fillRef idx="1">
+            <a:schemeClr val="accent1"/>
+          </a:fillRef>
+          <a:effectRef idx="0">
+            <a:schemeClr val="accent1"/>
+          </a:effectRef>
+          <a:fontRef idx="minor">
+            <a:schemeClr val="lt1"/>
+          </a:fontRef>
+        </p:style>
+        <p:txBody>
+          <a:bodyPr rtlCol="0" anchor="ctr"/>
+          <a:lstStyle/>
+          <a:p>
+            <a:pPr algn="ctr"/>
+            <a:r>
+              <a:rPr lang="en-US" altLang="ko-KR" dirty="0" smtClean="0">
+                <a:solidFill>
+                  <a:schemeClr val="tx1"/>
+                </a:solidFill>
+              </a:rPr>
+              <a:t>Send() : Output[</a:t>
+            </a:r>
+            <a:r>
+              <a:rPr lang="ko-KR" altLang="en-US" dirty="0" smtClean="0">
+                <a:solidFill>
+                  <a:schemeClr val="tx1"/>
+                </a:solidFill>
+              </a:rPr>
+              <a:t>능동</a:t>
+            </a:r>
+            <a:r>
+              <a:rPr lang="en-US" altLang="ko-KR" dirty="0" smtClean="0">
+                <a:solidFill>
+                  <a:schemeClr val="tx1"/>
+                </a:solidFill>
+              </a:rPr>
+              <a:t>]</a:t>
+            </a:r>
+            <a:endParaRPr lang="ko-KR" altLang="en-US" dirty="0">
+              <a:solidFill>
+                <a:schemeClr val="tx1"/>
+              </a:solidFill>
+            </a:endParaRPr>
+          </a:p>
+        </p:txBody>
+      </p:sp>
+      <p:sp>
+        <p:nvSpPr>
+          <p:cNvPr id="67" name="타원 66"/>
+          <p:cNvSpPr/>
+          <p:nvPr/>
+        </p:nvSpPr>
+        <p:spPr>
+          <a:xfrm>
+            <a:off x="7236296" y="3861048"/>
+            <a:ext cx="720080" cy="432048"/>
+          </a:xfrm>
+          <a:prstGeom prst="ellipse">
+            <a:avLst/>
+          </a:prstGeom>
+          <a:solidFill>
+            <a:schemeClr val="accent6">
+              <a:lumMod val="75000"/>
+            </a:schemeClr>
+          </a:solidFill>
+        </p:spPr>
+        <p:style>
+          <a:lnRef idx="2">
+            <a:schemeClr val="accent1">
+              <a:shade val="50000"/>
+            </a:schemeClr>
+          </a:lnRef>
+          <a:fillRef idx="1">
+            <a:schemeClr val="accent1"/>
+          </a:fillRef>
+          <a:effectRef idx="0">
+            <a:schemeClr val="accent1"/>
+          </a:effectRef>
+          <a:fontRef idx="minor">
+            <a:schemeClr val="lt1"/>
+          </a:fontRef>
+        </p:style>
+        <p:txBody>
+          <a:bodyPr rtlCol="0" anchor="ctr"/>
+          <a:lstStyle/>
+          <a:p>
+            <a:pPr algn="ctr"/>
+            <a:r>
+              <a:rPr lang="en-US" altLang="ko-KR" dirty="0" smtClean="0"/>
+              <a:t>S2</a:t>
+            </a:r>
+            <a:endParaRPr lang="ko-KR" altLang="en-US" dirty="0"/>
+          </a:p>
+        </p:txBody>
+      </p:sp>
+      <p:cxnSp>
+        <p:nvCxnSpPr>
+          <p:cNvPr id="78" name="직선 화살표 연결선 77"/>
+          <p:cNvCxnSpPr>
+            <a:stCxn id="48" idx="1"/>
+          </p:cNvCxnSpPr>
+          <p:nvPr/>
+        </p:nvCxnSpPr>
+        <p:spPr>
+          <a:xfrm flipH="1" flipV="1">
+            <a:off x="3707904" y="3212976"/>
+            <a:ext cx="1656184" cy="1296144"/>
+          </a:xfrm>
+          <a:prstGeom prst="straightConnector1">
+            <a:avLst/>
+          </a:prstGeom>
+          <a:ln w="25400">
+            <a:solidFill>
+              <a:srgbClr val="FF0000"/>
+            </a:solidFill>
+            <a:tailEnd type="arrow"/>
+          </a:ln>
+        </p:spPr>
+        <p:style>
+          <a:lnRef idx="1">
+            <a:schemeClr val="accent1"/>
+          </a:lnRef>
+          <a:fillRef idx="0">
+            <a:schemeClr val="accent1"/>
+          </a:fillRef>
+          <a:effectRef idx="0">
+            <a:schemeClr val="accent1"/>
+          </a:effectRef>
+          <a:fontRef idx="minor">
+            <a:schemeClr val="tx1"/>
+          </a:fontRef>
+        </p:style>
+      </p:cxnSp>
+      <p:sp>
+        <p:nvSpPr>
+          <p:cNvPr id="81" name="직사각형 80"/>
+          <p:cNvSpPr/>
+          <p:nvPr/>
+        </p:nvSpPr>
+        <p:spPr>
+          <a:xfrm>
+            <a:off x="6372200" y="1700808"/>
+            <a:ext cx="2194832" cy="369332"/>
+          </a:xfrm>
+          <a:prstGeom prst="rect">
+            <a:avLst/>
+          </a:prstGeom>
+        </p:spPr>
+        <p:txBody>
+          <a:bodyPr wrap="none">
+            <a:spAutoFit/>
+          </a:bodyPr>
+          <a:lstStyle/>
+          <a:p>
+            <a:r>
+              <a:rPr lang="ko-KR" altLang="en-US" b="1" dirty="0" smtClean="0">
+                <a:solidFill>
+                  <a:srgbClr val="FF0000"/>
+                </a:solidFill>
+              </a:rPr>
+              <a:t>다중 접속이 가능한</a:t>
+            </a:r>
+            <a:endParaRPr lang="ko-KR" altLang="en-US" dirty="0"/>
+          </a:p>
+        </p:txBody>
+      </p:sp>
+      <p:cxnSp>
+        <p:nvCxnSpPr>
+          <p:cNvPr id="84" name="직선 화살표 연결선 83"/>
+          <p:cNvCxnSpPr>
+            <a:stCxn id="48" idx="1"/>
+          </p:cNvCxnSpPr>
+          <p:nvPr/>
+        </p:nvCxnSpPr>
+        <p:spPr>
+          <a:xfrm flipH="1">
+            <a:off x="3851920" y="4509120"/>
+            <a:ext cx="1512168" cy="1080120"/>
+          </a:xfrm>
+          <a:prstGeom prst="straightConnector1">
+            <a:avLst/>
+          </a:prstGeom>
+          <a:ln w="25400">
+            <a:solidFill>
+              <a:srgbClr val="FF0000"/>
+            </a:solidFill>
+            <a:tailEnd type="arrow"/>
+          </a:ln>
+        </p:spPr>
+        <p:style>
+          <a:lnRef idx="1">
+            <a:schemeClr val="accent1"/>
+          </a:lnRef>
+          <a:fillRef idx="0">
+            <a:schemeClr val="accent1"/>
+          </a:fillRef>
+          <a:effectRef idx="0">
+            <a:schemeClr val="accent1"/>
+          </a:effectRef>
+          <a:fontRef idx="minor">
+            <a:schemeClr val="tx1"/>
+          </a:fontRef>
+        </p:style>
+      </p:cxnSp>
     </p:spTree>
   </p:cSld>
   <p:clrMapOvr>

--- a/MYSQL.pptx
+++ b/MYSQL.pptx
@@ -4,6 +4,9 @@
   <p:sldMasterIdLst>
     <p:sldMasterId id="2147483648" r:id="rId1"/>
   </p:sldMasterIdLst>
+  <p:notesMasterIdLst>
+    <p:notesMasterId r:id="rId39"/>
+  </p:notesMasterIdLst>
   <p:sldIdLst>
     <p:sldId id="256" r:id="rId2"/>
     <p:sldId id="257" r:id="rId3"/>
@@ -41,6 +44,7 @@
     <p:sldId id="289" r:id="rId35"/>
     <p:sldId id="290" r:id="rId36"/>
     <p:sldId id="291" r:id="rId37"/>
+    <p:sldId id="292" r:id="rId38"/>
   </p:sldIdLst>
   <p:sldSz cx="9144000" cy="6858000" type="screen4x3"/>
   <p:notesSz cx="6858000" cy="9144000"/>
@@ -140,6 +144,434 @@
     </a:lvl9pPr>
   </p:defaultTextStyle>
 </p:presentation>
+</file>
+
+<file path=ppt/notesMasters/notesMaster1.xml><?xml version="1.0" encoding="utf-8"?>
+<p:notesMaster xmlns:a="http://schemas.openxmlformats.org/drawingml/2006/main" xmlns:r="http://schemas.openxmlformats.org/officeDocument/2006/relationships" xmlns:p="http://schemas.openxmlformats.org/presentationml/2006/main">
+  <p:cSld>
+    <p:bg>
+      <p:bgRef idx="1001">
+        <a:schemeClr val="bg1"/>
+      </p:bgRef>
+    </p:bg>
+    <p:spTree>
+      <p:nvGrpSpPr>
+        <p:cNvPr id="1" name=""/>
+        <p:cNvGrpSpPr/>
+        <p:nvPr/>
+      </p:nvGrpSpPr>
+      <p:grpSpPr>
+        <a:xfrm>
+          <a:off x="0" y="0"/>
+          <a:ext cx="0" cy="0"/>
+          <a:chOff x="0" y="0"/>
+          <a:chExt cx="0" cy="0"/>
+        </a:xfrm>
+      </p:grpSpPr>
+      <p:sp>
+        <p:nvSpPr>
+          <p:cNvPr id="2" name="머리글 개체 틀 1"/>
+          <p:cNvSpPr>
+            <a:spLocks noGrp="1"/>
+          </p:cNvSpPr>
+          <p:nvPr>
+            <p:ph type="hdr" sz="quarter"/>
+          </p:nvPr>
+        </p:nvSpPr>
+        <p:spPr>
+          <a:xfrm>
+            <a:off x="0" y="0"/>
+            <a:ext cx="2971800" cy="457200"/>
+          </a:xfrm>
+          <a:prstGeom prst="rect">
+            <a:avLst/>
+          </a:prstGeom>
+        </p:spPr>
+        <p:txBody>
+          <a:bodyPr vert="horz" lIns="91440" tIns="45720" rIns="91440" bIns="45720" rtlCol="0"/>
+          <a:lstStyle>
+            <a:lvl1pPr algn="l">
+              <a:defRPr sz="1200"/>
+            </a:lvl1pPr>
+          </a:lstStyle>
+          <a:p>
+            <a:endParaRPr lang="ko-KR" altLang="en-US"/>
+          </a:p>
+        </p:txBody>
+      </p:sp>
+      <p:sp>
+        <p:nvSpPr>
+          <p:cNvPr id="3" name="날짜 개체 틀 2"/>
+          <p:cNvSpPr>
+            <a:spLocks noGrp="1"/>
+          </p:cNvSpPr>
+          <p:nvPr>
+            <p:ph type="dt" idx="1"/>
+          </p:nvPr>
+        </p:nvSpPr>
+        <p:spPr>
+          <a:xfrm>
+            <a:off x="3884613" y="0"/>
+            <a:ext cx="2971800" cy="457200"/>
+          </a:xfrm>
+          <a:prstGeom prst="rect">
+            <a:avLst/>
+          </a:prstGeom>
+        </p:spPr>
+        <p:txBody>
+          <a:bodyPr vert="horz" lIns="91440" tIns="45720" rIns="91440" bIns="45720" rtlCol="0"/>
+          <a:lstStyle>
+            <a:lvl1pPr algn="r">
+              <a:defRPr sz="1200"/>
+            </a:lvl1pPr>
+          </a:lstStyle>
+          <a:p>
+            <a:fld id="{8A3D9BB6-3F8E-4F9A-92E2-7FA912678F98}" type="datetimeFigureOut">
+              <a:rPr lang="ko-KR" altLang="en-US" smtClean="0"/>
+              <a:t>2021-02-23</a:t>
+            </a:fld>
+            <a:endParaRPr lang="ko-KR" altLang="en-US"/>
+          </a:p>
+        </p:txBody>
+      </p:sp>
+      <p:sp>
+        <p:nvSpPr>
+          <p:cNvPr id="4" name="슬라이드 이미지 개체 틀 3"/>
+          <p:cNvSpPr>
+            <a:spLocks noGrp="1" noRot="1" noChangeAspect="1"/>
+          </p:cNvSpPr>
+          <p:nvPr>
+            <p:ph type="sldImg" idx="2"/>
+          </p:nvPr>
+        </p:nvSpPr>
+        <p:spPr>
+          <a:xfrm>
+            <a:off x="1143000" y="685800"/>
+            <a:ext cx="4572000" cy="3429000"/>
+          </a:xfrm>
+          <a:prstGeom prst="rect">
+            <a:avLst/>
+          </a:prstGeom>
+          <a:noFill/>
+          <a:ln w="12700">
+            <a:solidFill>
+              <a:prstClr val="black"/>
+            </a:solidFill>
+          </a:ln>
+        </p:spPr>
+        <p:txBody>
+          <a:bodyPr vert="horz" lIns="91440" tIns="45720" rIns="91440" bIns="45720" rtlCol="0" anchor="ctr"/>
+          <a:lstStyle/>
+          <a:p>
+            <a:endParaRPr lang="ko-KR" altLang="en-US"/>
+          </a:p>
+        </p:txBody>
+      </p:sp>
+      <p:sp>
+        <p:nvSpPr>
+          <p:cNvPr id="5" name="슬라이드 노트 개체 틀 4"/>
+          <p:cNvSpPr>
+            <a:spLocks noGrp="1"/>
+          </p:cNvSpPr>
+          <p:nvPr>
+            <p:ph type="body" sz="quarter" idx="3"/>
+          </p:nvPr>
+        </p:nvSpPr>
+        <p:spPr>
+          <a:xfrm>
+            <a:off x="685800" y="4343400"/>
+            <a:ext cx="5486400" cy="4114800"/>
+          </a:xfrm>
+          <a:prstGeom prst="rect">
+            <a:avLst/>
+          </a:prstGeom>
+        </p:spPr>
+        <p:txBody>
+          <a:bodyPr vert="horz" lIns="91440" tIns="45720" rIns="91440" bIns="45720" rtlCol="0">
+            <a:normAutofit/>
+          </a:bodyPr>
+          <a:lstStyle/>
+          <a:p>
+            <a:pPr lvl="0"/>
+            <a:r>
+              <a:rPr lang="ko-KR" altLang="en-US" smtClean="0"/>
+              <a:t>마스터 텍스트 스타일을 편집합니다</a:t>
+            </a:r>
+          </a:p>
+          <a:p>
+            <a:pPr lvl="1"/>
+            <a:r>
+              <a:rPr lang="ko-KR" altLang="en-US" smtClean="0"/>
+              <a:t>둘째 수준</a:t>
+            </a:r>
+          </a:p>
+          <a:p>
+            <a:pPr lvl="2"/>
+            <a:r>
+              <a:rPr lang="ko-KR" altLang="en-US" smtClean="0"/>
+              <a:t>셋째 수준</a:t>
+            </a:r>
+          </a:p>
+          <a:p>
+            <a:pPr lvl="3"/>
+            <a:r>
+              <a:rPr lang="ko-KR" altLang="en-US" smtClean="0"/>
+              <a:t>넷째 수준</a:t>
+            </a:r>
+          </a:p>
+          <a:p>
+            <a:pPr lvl="4"/>
+            <a:r>
+              <a:rPr lang="ko-KR" altLang="en-US" smtClean="0"/>
+              <a:t>다섯째 수준</a:t>
+            </a:r>
+            <a:endParaRPr lang="ko-KR" altLang="en-US"/>
+          </a:p>
+        </p:txBody>
+      </p:sp>
+      <p:sp>
+        <p:nvSpPr>
+          <p:cNvPr id="6" name="바닥글 개체 틀 5"/>
+          <p:cNvSpPr>
+            <a:spLocks noGrp="1"/>
+          </p:cNvSpPr>
+          <p:nvPr>
+            <p:ph type="ftr" sz="quarter" idx="4"/>
+          </p:nvPr>
+        </p:nvSpPr>
+        <p:spPr>
+          <a:xfrm>
+            <a:off x="0" y="8685213"/>
+            <a:ext cx="2971800" cy="457200"/>
+          </a:xfrm>
+          <a:prstGeom prst="rect">
+            <a:avLst/>
+          </a:prstGeom>
+        </p:spPr>
+        <p:txBody>
+          <a:bodyPr vert="horz" lIns="91440" tIns="45720" rIns="91440" bIns="45720" rtlCol="0" anchor="b"/>
+          <a:lstStyle>
+            <a:lvl1pPr algn="l">
+              <a:defRPr sz="1200"/>
+            </a:lvl1pPr>
+          </a:lstStyle>
+          <a:p>
+            <a:endParaRPr lang="ko-KR" altLang="en-US"/>
+          </a:p>
+        </p:txBody>
+      </p:sp>
+      <p:sp>
+        <p:nvSpPr>
+          <p:cNvPr id="7" name="슬라이드 번호 개체 틀 6"/>
+          <p:cNvSpPr>
+            <a:spLocks noGrp="1"/>
+          </p:cNvSpPr>
+          <p:nvPr>
+            <p:ph type="sldNum" sz="quarter" idx="5"/>
+          </p:nvPr>
+        </p:nvSpPr>
+        <p:spPr>
+          <a:xfrm>
+            <a:off x="3884613" y="8685213"/>
+            <a:ext cx="2971800" cy="457200"/>
+          </a:xfrm>
+          <a:prstGeom prst="rect">
+            <a:avLst/>
+          </a:prstGeom>
+        </p:spPr>
+        <p:txBody>
+          <a:bodyPr vert="horz" lIns="91440" tIns="45720" rIns="91440" bIns="45720" rtlCol="0" anchor="b"/>
+          <a:lstStyle>
+            <a:lvl1pPr algn="r">
+              <a:defRPr sz="1200"/>
+            </a:lvl1pPr>
+          </a:lstStyle>
+          <a:p>
+            <a:fld id="{9B29EBB2-951D-47EB-9B68-3F59D474D910}" type="slidenum">
+              <a:rPr lang="ko-KR" altLang="en-US" smtClean="0"/>
+              <a:t>‹#›</a:t>
+            </a:fld>
+            <a:endParaRPr lang="ko-KR" altLang="en-US"/>
+          </a:p>
+        </p:txBody>
+      </p:sp>
+    </p:spTree>
+  </p:cSld>
+  <p:clrMap bg1="lt1" tx1="dk1" bg2="lt2" tx2="dk2" accent1="accent1" accent2="accent2" accent3="accent3" accent4="accent4" accent5="accent5" accent6="accent6" hlink="hlink" folHlink="folHlink"/>
+  <p:notesStyle>
+    <a:lvl1pPr marL="0" algn="l" defTabSz="914400" rtl="0" eaLnBrk="1" latinLnBrk="1" hangingPunct="1">
+      <a:defRPr sz="1200" kern="1200">
+        <a:solidFill>
+          <a:schemeClr val="tx1"/>
+        </a:solidFill>
+        <a:latin typeface="+mn-lt"/>
+        <a:ea typeface="+mn-ea"/>
+        <a:cs typeface="+mn-cs"/>
+      </a:defRPr>
+    </a:lvl1pPr>
+    <a:lvl2pPr marL="457200" algn="l" defTabSz="914400" rtl="0" eaLnBrk="1" latinLnBrk="1" hangingPunct="1">
+      <a:defRPr sz="1200" kern="1200">
+        <a:solidFill>
+          <a:schemeClr val="tx1"/>
+        </a:solidFill>
+        <a:latin typeface="+mn-lt"/>
+        <a:ea typeface="+mn-ea"/>
+        <a:cs typeface="+mn-cs"/>
+      </a:defRPr>
+    </a:lvl2pPr>
+    <a:lvl3pPr marL="914400" algn="l" defTabSz="914400" rtl="0" eaLnBrk="1" latinLnBrk="1" hangingPunct="1">
+      <a:defRPr sz="1200" kern="1200">
+        <a:solidFill>
+          <a:schemeClr val="tx1"/>
+        </a:solidFill>
+        <a:latin typeface="+mn-lt"/>
+        <a:ea typeface="+mn-ea"/>
+        <a:cs typeface="+mn-cs"/>
+      </a:defRPr>
+    </a:lvl3pPr>
+    <a:lvl4pPr marL="1371600" algn="l" defTabSz="914400" rtl="0" eaLnBrk="1" latinLnBrk="1" hangingPunct="1">
+      <a:defRPr sz="1200" kern="1200">
+        <a:solidFill>
+          <a:schemeClr val="tx1"/>
+        </a:solidFill>
+        <a:latin typeface="+mn-lt"/>
+        <a:ea typeface="+mn-ea"/>
+        <a:cs typeface="+mn-cs"/>
+      </a:defRPr>
+    </a:lvl4pPr>
+    <a:lvl5pPr marL="1828800" algn="l" defTabSz="914400" rtl="0" eaLnBrk="1" latinLnBrk="1" hangingPunct="1">
+      <a:defRPr sz="1200" kern="1200">
+        <a:solidFill>
+          <a:schemeClr val="tx1"/>
+        </a:solidFill>
+        <a:latin typeface="+mn-lt"/>
+        <a:ea typeface="+mn-ea"/>
+        <a:cs typeface="+mn-cs"/>
+      </a:defRPr>
+    </a:lvl5pPr>
+    <a:lvl6pPr marL="2286000" algn="l" defTabSz="914400" rtl="0" eaLnBrk="1" latinLnBrk="1" hangingPunct="1">
+      <a:defRPr sz="1200" kern="1200">
+        <a:solidFill>
+          <a:schemeClr val="tx1"/>
+        </a:solidFill>
+        <a:latin typeface="+mn-lt"/>
+        <a:ea typeface="+mn-ea"/>
+        <a:cs typeface="+mn-cs"/>
+      </a:defRPr>
+    </a:lvl6pPr>
+    <a:lvl7pPr marL="2743200" algn="l" defTabSz="914400" rtl="0" eaLnBrk="1" latinLnBrk="1" hangingPunct="1">
+      <a:defRPr sz="1200" kern="1200">
+        <a:solidFill>
+          <a:schemeClr val="tx1"/>
+        </a:solidFill>
+        <a:latin typeface="+mn-lt"/>
+        <a:ea typeface="+mn-ea"/>
+        <a:cs typeface="+mn-cs"/>
+      </a:defRPr>
+    </a:lvl7pPr>
+    <a:lvl8pPr marL="3200400" algn="l" defTabSz="914400" rtl="0" eaLnBrk="1" latinLnBrk="1" hangingPunct="1">
+      <a:defRPr sz="1200" kern="1200">
+        <a:solidFill>
+          <a:schemeClr val="tx1"/>
+        </a:solidFill>
+        <a:latin typeface="+mn-lt"/>
+        <a:ea typeface="+mn-ea"/>
+        <a:cs typeface="+mn-cs"/>
+      </a:defRPr>
+    </a:lvl8pPr>
+    <a:lvl9pPr marL="3657600" algn="l" defTabSz="914400" rtl="0" eaLnBrk="1" latinLnBrk="1" hangingPunct="1">
+      <a:defRPr sz="1200" kern="1200">
+        <a:solidFill>
+          <a:schemeClr val="tx1"/>
+        </a:solidFill>
+        <a:latin typeface="+mn-lt"/>
+        <a:ea typeface="+mn-ea"/>
+        <a:cs typeface="+mn-cs"/>
+      </a:defRPr>
+    </a:lvl9pPr>
+  </p:notesStyle>
+</p:notesMaster>
+</file>
+
+<file path=ppt/notesSlides/notesSlide1.xml><?xml version="1.0" encoding="utf-8"?>
+<p:notes xmlns:a="http://schemas.openxmlformats.org/drawingml/2006/main" xmlns:r="http://schemas.openxmlformats.org/officeDocument/2006/relationships" xmlns:p="http://schemas.openxmlformats.org/presentationml/2006/main">
+  <p:cSld>
+    <p:spTree>
+      <p:nvGrpSpPr>
+        <p:cNvPr id="1" name=""/>
+        <p:cNvGrpSpPr/>
+        <p:nvPr/>
+      </p:nvGrpSpPr>
+      <p:grpSpPr>
+        <a:xfrm>
+          <a:off x="0" y="0"/>
+          <a:ext cx="0" cy="0"/>
+          <a:chOff x="0" y="0"/>
+          <a:chExt cx="0" cy="0"/>
+        </a:xfrm>
+      </p:grpSpPr>
+      <p:sp>
+        <p:nvSpPr>
+          <p:cNvPr id="2" name="슬라이드 이미지 개체 틀 1"/>
+          <p:cNvSpPr>
+            <a:spLocks noGrp="1" noRot="1" noChangeAspect="1"/>
+          </p:cNvSpPr>
+          <p:nvPr>
+            <p:ph type="sldImg"/>
+          </p:nvPr>
+        </p:nvSpPr>
+        <p:spPr/>
+      </p:sp>
+      <p:sp>
+        <p:nvSpPr>
+          <p:cNvPr id="3" name="슬라이드 노트 개체 틀 2"/>
+          <p:cNvSpPr>
+            <a:spLocks noGrp="1"/>
+          </p:cNvSpPr>
+          <p:nvPr>
+            <p:ph type="body" idx="1"/>
+          </p:nvPr>
+        </p:nvSpPr>
+        <p:spPr/>
+        <p:txBody>
+          <a:bodyPr>
+            <a:normAutofit/>
+          </a:bodyPr>
+          <a:lstStyle/>
+          <a:p>
+            <a:endParaRPr lang="ko-KR" altLang="en-US" dirty="0"/>
+          </a:p>
+        </p:txBody>
+      </p:sp>
+      <p:sp>
+        <p:nvSpPr>
+          <p:cNvPr id="4" name="슬라이드 번호 개체 틀 3"/>
+          <p:cNvSpPr>
+            <a:spLocks noGrp="1"/>
+          </p:cNvSpPr>
+          <p:nvPr>
+            <p:ph type="sldNum" sz="quarter" idx="10"/>
+          </p:nvPr>
+        </p:nvSpPr>
+        <p:spPr/>
+        <p:txBody>
+          <a:bodyPr/>
+          <a:lstStyle/>
+          <a:p>
+            <a:fld id="{9B29EBB2-951D-47EB-9B68-3F59D474D910}" type="slidenum">
+              <a:rPr lang="ko-KR" altLang="en-US" smtClean="0"/>
+              <a:t>37</a:t>
+            </a:fld>
+            <a:endParaRPr lang="ko-KR" altLang="en-US"/>
+          </a:p>
+        </p:txBody>
+      </p:sp>
+    </p:spTree>
+  </p:cSld>
+  <p:clrMapOvr>
+    <a:masterClrMapping/>
+  </p:clrMapOvr>
+</p:notes>
 </file>
 
 <file path=ppt/slideLayouts/slideLayout1.xml><?xml version="1.0" encoding="utf-8"?>
@@ -18700,6 +19132,1514 @@
           </a:fontRef>
         </p:style>
       </p:cxnSp>
+    </p:spTree>
+  </p:cSld>
+  <p:clrMapOvr>
+    <a:masterClrMapping/>
+  </p:clrMapOvr>
+</p:sld>
+</file>
+
+<file path=ppt/slides/slide37.xml><?xml version="1.0" encoding="utf-8"?>
+<p:sld xmlns:a="http://schemas.openxmlformats.org/drawingml/2006/main" xmlns:r="http://schemas.openxmlformats.org/officeDocument/2006/relationships" xmlns:p="http://schemas.openxmlformats.org/presentationml/2006/main">
+  <p:cSld>
+    <p:spTree>
+      <p:nvGrpSpPr>
+        <p:cNvPr id="1" name=""/>
+        <p:cNvGrpSpPr/>
+        <p:nvPr/>
+      </p:nvGrpSpPr>
+      <p:grpSpPr>
+        <a:xfrm>
+          <a:off x="0" y="0"/>
+          <a:ext cx="0" cy="0"/>
+          <a:chOff x="0" y="0"/>
+          <a:chExt cx="0" cy="0"/>
+        </a:xfrm>
+      </p:grpSpPr>
+      <p:sp>
+        <p:nvSpPr>
+          <p:cNvPr id="5" name="TextBox 4"/>
+          <p:cNvSpPr txBox="1"/>
+          <p:nvPr/>
+        </p:nvSpPr>
+        <p:spPr>
+          <a:xfrm>
+            <a:off x="251520" y="260648"/>
+            <a:ext cx="5976664" cy="400110"/>
+          </a:xfrm>
+          <a:prstGeom prst="rect">
+            <a:avLst/>
+          </a:prstGeom>
+          <a:noFill/>
+        </p:spPr>
+        <p:txBody>
+          <a:bodyPr wrap="square" rtlCol="0">
+            <a:spAutoFit/>
+          </a:bodyPr>
+          <a:lstStyle/>
+          <a:p>
+            <a:r>
+              <a:rPr lang="en-US" altLang="ko-KR" sz="2000" b="1" dirty="0" smtClean="0"/>
+              <a:t>MYSQL</a:t>
+            </a:r>
+            <a:r>
+              <a:rPr lang="ko-KR" altLang="en-US" sz="2000" b="1" dirty="0" smtClean="0"/>
+              <a:t> </a:t>
+            </a:r>
+            <a:r>
+              <a:rPr lang="en-US" altLang="ko-KR" sz="2000" b="1" dirty="0" smtClean="0"/>
+              <a:t>3</a:t>
+            </a:r>
+            <a:r>
+              <a:rPr lang="ko-KR" altLang="en-US" sz="2000" b="1" dirty="0" smtClean="0"/>
+              <a:t>일차</a:t>
+            </a:r>
+            <a:endParaRPr lang="ko-KR" altLang="en-US" sz="2000" b="1" dirty="0"/>
+          </a:p>
+        </p:txBody>
+      </p:sp>
+      <p:sp>
+        <p:nvSpPr>
+          <p:cNvPr id="28" name="직사각형 27"/>
+          <p:cNvSpPr/>
+          <p:nvPr/>
+        </p:nvSpPr>
+        <p:spPr>
+          <a:xfrm>
+            <a:off x="611560" y="3429000"/>
+            <a:ext cx="3384376" cy="3240360"/>
+          </a:xfrm>
+          <a:prstGeom prst="rect">
+            <a:avLst/>
+          </a:prstGeom>
+          <a:solidFill>
+            <a:schemeClr val="bg1"/>
+          </a:solidFill>
+        </p:spPr>
+        <p:style>
+          <a:lnRef idx="2">
+            <a:schemeClr val="accent1">
+              <a:shade val="50000"/>
+            </a:schemeClr>
+          </a:lnRef>
+          <a:fillRef idx="1">
+            <a:schemeClr val="accent1"/>
+          </a:fillRef>
+          <a:effectRef idx="0">
+            <a:schemeClr val="accent1"/>
+          </a:effectRef>
+          <a:fontRef idx="minor">
+            <a:schemeClr val="lt1"/>
+          </a:fontRef>
+        </p:style>
+        <p:txBody>
+          <a:bodyPr rtlCol="0" anchor="ctr"/>
+          <a:lstStyle/>
+          <a:p>
+            <a:pPr algn="ctr"/>
+            <a:endParaRPr lang="ko-KR" altLang="en-US" dirty="0">
+              <a:solidFill>
+                <a:schemeClr val="tx1"/>
+              </a:solidFill>
+            </a:endParaRPr>
+          </a:p>
+        </p:txBody>
+      </p:sp>
+      <p:sp>
+        <p:nvSpPr>
+          <p:cNvPr id="29" name="직사각형 28"/>
+          <p:cNvSpPr/>
+          <p:nvPr/>
+        </p:nvSpPr>
+        <p:spPr>
+          <a:xfrm>
+            <a:off x="395536" y="2996952"/>
+            <a:ext cx="2880320" cy="369332"/>
+          </a:xfrm>
+          <a:prstGeom prst="rect">
+            <a:avLst/>
+          </a:prstGeom>
+        </p:spPr>
+        <p:txBody>
+          <a:bodyPr wrap="square">
+            <a:spAutoFit/>
+          </a:bodyPr>
+          <a:lstStyle/>
+          <a:p>
+            <a:pPr algn="ctr"/>
+            <a:r>
+              <a:rPr lang="en-US" altLang="ko-KR" dirty="0" smtClean="0"/>
+              <a:t>Client(</a:t>
+            </a:r>
+            <a:r>
+              <a:rPr lang="ko-KR" altLang="en-US" dirty="0" smtClean="0"/>
+              <a:t>사용자</a:t>
+            </a:r>
+            <a:r>
+              <a:rPr lang="en-US" altLang="ko-KR" dirty="0" smtClean="0"/>
+              <a:t>,</a:t>
+            </a:r>
+            <a:r>
+              <a:rPr lang="ko-KR" altLang="en-US" dirty="0" smtClean="0"/>
+              <a:t>관리자</a:t>
+            </a:r>
+            <a:r>
+              <a:rPr lang="en-US" altLang="ko-KR" dirty="0" smtClean="0"/>
+              <a:t>)</a:t>
+            </a:r>
+            <a:endParaRPr lang="ko-KR" altLang="en-US" dirty="0"/>
+          </a:p>
+        </p:txBody>
+      </p:sp>
+      <p:sp>
+        <p:nvSpPr>
+          <p:cNvPr id="30" name="직사각형 29"/>
+          <p:cNvSpPr/>
+          <p:nvPr/>
+        </p:nvSpPr>
+        <p:spPr>
+          <a:xfrm>
+            <a:off x="4427984" y="3356992"/>
+            <a:ext cx="4392488" cy="3240360"/>
+          </a:xfrm>
+          <a:prstGeom prst="rect">
+            <a:avLst/>
+          </a:prstGeom>
+          <a:solidFill>
+            <a:schemeClr val="bg1"/>
+          </a:solidFill>
+        </p:spPr>
+        <p:style>
+          <a:lnRef idx="2">
+            <a:schemeClr val="accent1">
+              <a:shade val="50000"/>
+            </a:schemeClr>
+          </a:lnRef>
+          <a:fillRef idx="1">
+            <a:schemeClr val="accent1"/>
+          </a:fillRef>
+          <a:effectRef idx="0">
+            <a:schemeClr val="accent1"/>
+          </a:effectRef>
+          <a:fontRef idx="minor">
+            <a:schemeClr val="lt1"/>
+          </a:fontRef>
+        </p:style>
+        <p:txBody>
+          <a:bodyPr rtlCol="0" anchor="ctr"/>
+          <a:lstStyle/>
+          <a:p>
+            <a:pPr algn="ctr"/>
+            <a:endParaRPr lang="ko-KR" altLang="en-US" dirty="0">
+              <a:solidFill>
+                <a:schemeClr val="tx1"/>
+              </a:solidFill>
+            </a:endParaRPr>
+          </a:p>
+        </p:txBody>
+      </p:sp>
+      <p:sp>
+        <p:nvSpPr>
+          <p:cNvPr id="31" name="직사각형 30"/>
+          <p:cNvSpPr/>
+          <p:nvPr/>
+        </p:nvSpPr>
+        <p:spPr>
+          <a:xfrm>
+            <a:off x="6012160" y="2924944"/>
+            <a:ext cx="2160240" cy="369332"/>
+          </a:xfrm>
+          <a:prstGeom prst="rect">
+            <a:avLst/>
+          </a:prstGeom>
+        </p:spPr>
+        <p:txBody>
+          <a:bodyPr wrap="square">
+            <a:spAutoFit/>
+          </a:bodyPr>
+          <a:lstStyle/>
+          <a:p>
+            <a:pPr algn="ctr"/>
+            <a:r>
+              <a:rPr lang="en-US" altLang="ko-KR" dirty="0" smtClean="0"/>
+              <a:t>Server(</a:t>
+            </a:r>
+            <a:r>
+              <a:rPr lang="ko-KR" altLang="en-US" dirty="0" smtClean="0"/>
+              <a:t>서비스 제공</a:t>
+            </a:r>
+            <a:r>
+              <a:rPr lang="en-US" altLang="ko-KR" dirty="0" smtClean="0"/>
+              <a:t>)</a:t>
+            </a:r>
+            <a:endParaRPr lang="ko-KR" altLang="en-US" dirty="0"/>
+          </a:p>
+        </p:txBody>
+      </p:sp>
+      <p:sp>
+        <p:nvSpPr>
+          <p:cNvPr id="32" name="순서도: 자기 디스크 31"/>
+          <p:cNvSpPr/>
+          <p:nvPr/>
+        </p:nvSpPr>
+        <p:spPr>
+          <a:xfrm>
+            <a:off x="5580112" y="5661248"/>
+            <a:ext cx="1872208" cy="864096"/>
+          </a:xfrm>
+          <a:prstGeom prst="flowChartMagneticDisk">
+            <a:avLst/>
+          </a:prstGeom>
+        </p:spPr>
+        <p:style>
+          <a:lnRef idx="2">
+            <a:schemeClr val="accent1">
+              <a:shade val="50000"/>
+            </a:schemeClr>
+          </a:lnRef>
+          <a:fillRef idx="1">
+            <a:schemeClr val="accent1"/>
+          </a:fillRef>
+          <a:effectRef idx="0">
+            <a:schemeClr val="accent1"/>
+          </a:effectRef>
+          <a:fontRef idx="minor">
+            <a:schemeClr val="lt1"/>
+          </a:fontRef>
+        </p:style>
+        <p:txBody>
+          <a:bodyPr rtlCol="0" anchor="ctr"/>
+          <a:lstStyle/>
+          <a:p>
+            <a:pPr algn="ctr"/>
+            <a:r>
+              <a:rPr lang="en-US" altLang="ko-KR" dirty="0" err="1" smtClean="0"/>
+              <a:t>DataBase</a:t>
+            </a:r>
+            <a:endParaRPr lang="ko-KR" altLang="en-US" dirty="0"/>
+          </a:p>
+        </p:txBody>
+      </p:sp>
+      <p:sp>
+        <p:nvSpPr>
+          <p:cNvPr id="33" name="직사각형 32"/>
+          <p:cNvSpPr/>
+          <p:nvPr/>
+        </p:nvSpPr>
+        <p:spPr>
+          <a:xfrm>
+            <a:off x="4860032" y="5085184"/>
+            <a:ext cx="2088232" cy="360040"/>
+          </a:xfrm>
+          <a:prstGeom prst="rect">
+            <a:avLst/>
+          </a:prstGeom>
+          <a:solidFill>
+            <a:schemeClr val="bg1"/>
+          </a:solidFill>
+        </p:spPr>
+        <p:style>
+          <a:lnRef idx="2">
+            <a:schemeClr val="accent1">
+              <a:shade val="50000"/>
+            </a:schemeClr>
+          </a:lnRef>
+          <a:fillRef idx="1">
+            <a:schemeClr val="accent1"/>
+          </a:fillRef>
+          <a:effectRef idx="0">
+            <a:schemeClr val="accent1"/>
+          </a:effectRef>
+          <a:fontRef idx="minor">
+            <a:schemeClr val="lt1"/>
+          </a:fontRef>
+        </p:style>
+        <p:txBody>
+          <a:bodyPr rtlCol="0" anchor="ctr"/>
+          <a:lstStyle/>
+          <a:p>
+            <a:pPr algn="ctr"/>
+            <a:r>
+              <a:rPr lang="ko-KR" altLang="en-US" dirty="0" smtClean="0">
+                <a:solidFill>
+                  <a:schemeClr val="tx1"/>
+                </a:solidFill>
+              </a:rPr>
+              <a:t>데이터관리모듈</a:t>
+            </a:r>
+            <a:endParaRPr lang="ko-KR" altLang="en-US" dirty="0">
+              <a:solidFill>
+                <a:schemeClr val="tx1"/>
+              </a:solidFill>
+            </a:endParaRPr>
+          </a:p>
+        </p:txBody>
+      </p:sp>
+      <p:sp>
+        <p:nvSpPr>
+          <p:cNvPr id="34" name="직사각형 33"/>
+          <p:cNvSpPr/>
+          <p:nvPr/>
+        </p:nvSpPr>
+        <p:spPr>
+          <a:xfrm>
+            <a:off x="4644008" y="3429000"/>
+            <a:ext cx="864096" cy="792088"/>
+          </a:xfrm>
+          <a:prstGeom prst="rect">
+            <a:avLst/>
+          </a:prstGeom>
+          <a:solidFill>
+            <a:schemeClr val="accent2"/>
+          </a:solidFill>
+        </p:spPr>
+        <p:style>
+          <a:lnRef idx="2">
+            <a:schemeClr val="accent1">
+              <a:shade val="50000"/>
+            </a:schemeClr>
+          </a:lnRef>
+          <a:fillRef idx="1">
+            <a:schemeClr val="accent1"/>
+          </a:fillRef>
+          <a:effectRef idx="0">
+            <a:schemeClr val="accent1"/>
+          </a:effectRef>
+          <a:fontRef idx="minor">
+            <a:schemeClr val="lt1"/>
+          </a:fontRef>
+        </p:style>
+        <p:txBody>
+          <a:bodyPr rtlCol="0" anchor="ctr"/>
+          <a:lstStyle/>
+          <a:p>
+            <a:pPr algn="ctr"/>
+            <a:r>
+              <a:rPr lang="ko-KR" altLang="en-US" dirty="0" smtClean="0">
+                <a:solidFill>
+                  <a:schemeClr val="tx1"/>
+                </a:solidFill>
+              </a:rPr>
+              <a:t>통신</a:t>
+            </a:r>
+            <a:endParaRPr lang="en-US" altLang="ko-KR" dirty="0" smtClean="0">
+              <a:solidFill>
+                <a:schemeClr val="tx1"/>
+              </a:solidFill>
+            </a:endParaRPr>
+          </a:p>
+          <a:p>
+            <a:pPr algn="ctr"/>
+            <a:r>
+              <a:rPr lang="ko-KR" altLang="en-US" dirty="0" smtClean="0">
+                <a:solidFill>
+                  <a:schemeClr val="tx1"/>
+                </a:solidFill>
+              </a:rPr>
+              <a:t>모</a:t>
+            </a:r>
+            <a:r>
+              <a:rPr lang="ko-KR" altLang="en-US" dirty="0" smtClean="0">
+                <a:solidFill>
+                  <a:schemeClr val="tx1"/>
+                </a:solidFill>
+              </a:rPr>
+              <a:t>듈</a:t>
+            </a:r>
+            <a:endParaRPr lang="ko-KR" altLang="en-US" dirty="0">
+              <a:solidFill>
+                <a:schemeClr val="tx1"/>
+              </a:solidFill>
+            </a:endParaRPr>
+          </a:p>
+        </p:txBody>
+      </p:sp>
+      <p:cxnSp>
+        <p:nvCxnSpPr>
+          <p:cNvPr id="35" name="직선 화살표 연결선 34"/>
+          <p:cNvCxnSpPr>
+            <a:endCxn id="34" idx="1"/>
+          </p:cNvCxnSpPr>
+          <p:nvPr/>
+        </p:nvCxnSpPr>
+        <p:spPr>
+          <a:xfrm>
+            <a:off x="3275856" y="3789040"/>
+            <a:ext cx="1368152" cy="36004"/>
+          </a:xfrm>
+          <a:prstGeom prst="straightConnector1">
+            <a:avLst/>
+          </a:prstGeom>
+          <a:ln w="25400">
+            <a:solidFill>
+              <a:srgbClr val="FF0000"/>
+            </a:solidFill>
+            <a:tailEnd type="arrow"/>
+          </a:ln>
+        </p:spPr>
+        <p:style>
+          <a:lnRef idx="1">
+            <a:schemeClr val="accent1"/>
+          </a:lnRef>
+          <a:fillRef idx="0">
+            <a:schemeClr val="accent1"/>
+          </a:fillRef>
+          <a:effectRef idx="0">
+            <a:schemeClr val="accent1"/>
+          </a:effectRef>
+          <a:fontRef idx="minor">
+            <a:schemeClr val="tx1"/>
+          </a:fontRef>
+        </p:style>
+      </p:cxnSp>
+      <p:sp>
+        <p:nvSpPr>
+          <p:cNvPr id="38" name="직사각형 37"/>
+          <p:cNvSpPr/>
+          <p:nvPr/>
+        </p:nvSpPr>
+        <p:spPr>
+          <a:xfrm>
+            <a:off x="5868144" y="3501008"/>
+            <a:ext cx="1368152" cy="792088"/>
+          </a:xfrm>
+          <a:prstGeom prst="rect">
+            <a:avLst/>
+          </a:prstGeom>
+          <a:solidFill>
+            <a:schemeClr val="bg1"/>
+          </a:solidFill>
+        </p:spPr>
+        <p:style>
+          <a:lnRef idx="2">
+            <a:schemeClr val="accent1">
+              <a:shade val="50000"/>
+            </a:schemeClr>
+          </a:lnRef>
+          <a:fillRef idx="1">
+            <a:schemeClr val="accent1"/>
+          </a:fillRef>
+          <a:effectRef idx="0">
+            <a:schemeClr val="accent1"/>
+          </a:effectRef>
+          <a:fontRef idx="minor">
+            <a:schemeClr val="lt1"/>
+          </a:fontRef>
+        </p:style>
+        <p:txBody>
+          <a:bodyPr rtlCol="0" anchor="ctr"/>
+          <a:lstStyle/>
+          <a:p>
+            <a:pPr algn="ctr"/>
+            <a:r>
+              <a:rPr lang="ko-KR" altLang="en-US" dirty="0" smtClean="0">
+                <a:solidFill>
+                  <a:schemeClr val="tx1"/>
+                </a:solidFill>
+              </a:rPr>
+              <a:t>관리</a:t>
+            </a:r>
+            <a:endParaRPr lang="en-US" altLang="ko-KR" dirty="0" smtClean="0">
+              <a:solidFill>
+                <a:schemeClr val="tx1"/>
+              </a:solidFill>
+            </a:endParaRPr>
+          </a:p>
+          <a:p>
+            <a:pPr algn="ctr"/>
+            <a:r>
+              <a:rPr lang="ko-KR" altLang="en-US" dirty="0" smtClean="0">
+                <a:solidFill>
+                  <a:schemeClr val="tx1"/>
+                </a:solidFill>
+              </a:rPr>
+              <a:t>모듈</a:t>
+            </a:r>
+            <a:endParaRPr lang="en-US" altLang="ko-KR" dirty="0" smtClean="0">
+              <a:solidFill>
+                <a:schemeClr val="tx1"/>
+              </a:solidFill>
+            </a:endParaRPr>
+          </a:p>
+          <a:p>
+            <a:pPr algn="ctr"/>
+            <a:r>
+              <a:rPr lang="en-US" altLang="ko-KR" dirty="0" smtClean="0">
+                <a:solidFill>
+                  <a:schemeClr val="tx1"/>
+                </a:solidFill>
+              </a:rPr>
+              <a:t>(Manager)</a:t>
+            </a:r>
+            <a:endParaRPr lang="ko-KR" altLang="en-US" dirty="0">
+              <a:solidFill>
+                <a:schemeClr val="tx1"/>
+              </a:solidFill>
+            </a:endParaRPr>
+          </a:p>
+        </p:txBody>
+      </p:sp>
+      <p:cxnSp>
+        <p:nvCxnSpPr>
+          <p:cNvPr id="42" name="직선 화살표 연결선 41"/>
+          <p:cNvCxnSpPr>
+            <a:endCxn id="38" idx="1"/>
+          </p:cNvCxnSpPr>
+          <p:nvPr/>
+        </p:nvCxnSpPr>
+        <p:spPr>
+          <a:xfrm>
+            <a:off x="5508104" y="3789040"/>
+            <a:ext cx="360040" cy="108012"/>
+          </a:xfrm>
+          <a:prstGeom prst="straightConnector1">
+            <a:avLst/>
+          </a:prstGeom>
+          <a:ln w="25400">
+            <a:solidFill>
+              <a:srgbClr val="FF0000"/>
+            </a:solidFill>
+            <a:tailEnd type="arrow"/>
+          </a:ln>
+        </p:spPr>
+        <p:style>
+          <a:lnRef idx="1">
+            <a:schemeClr val="accent1"/>
+          </a:lnRef>
+          <a:fillRef idx="0">
+            <a:schemeClr val="accent1"/>
+          </a:fillRef>
+          <a:effectRef idx="0">
+            <a:schemeClr val="accent1"/>
+          </a:effectRef>
+          <a:fontRef idx="minor">
+            <a:schemeClr val="tx1"/>
+          </a:fontRef>
+        </p:style>
+      </p:cxnSp>
+      <p:cxnSp>
+        <p:nvCxnSpPr>
+          <p:cNvPr id="44" name="직선 화살표 연결선 43"/>
+          <p:cNvCxnSpPr/>
+          <p:nvPr/>
+        </p:nvCxnSpPr>
+        <p:spPr>
+          <a:xfrm>
+            <a:off x="7236296" y="3717032"/>
+            <a:ext cx="288032" cy="0"/>
+          </a:xfrm>
+          <a:prstGeom prst="straightConnector1">
+            <a:avLst/>
+          </a:prstGeom>
+          <a:ln w="25400">
+            <a:solidFill>
+              <a:srgbClr val="FF0000"/>
+            </a:solidFill>
+            <a:tailEnd type="arrow"/>
+          </a:ln>
+        </p:spPr>
+        <p:style>
+          <a:lnRef idx="1">
+            <a:schemeClr val="accent1"/>
+          </a:lnRef>
+          <a:fillRef idx="0">
+            <a:schemeClr val="accent1"/>
+          </a:fillRef>
+          <a:effectRef idx="0">
+            <a:schemeClr val="accent1"/>
+          </a:effectRef>
+          <a:fontRef idx="minor">
+            <a:schemeClr val="tx1"/>
+          </a:fontRef>
+        </p:style>
+      </p:cxnSp>
+      <p:cxnSp>
+        <p:nvCxnSpPr>
+          <p:cNvPr id="47" name="직선 화살표 연결선 46"/>
+          <p:cNvCxnSpPr>
+            <a:stCxn id="33" idx="2"/>
+            <a:endCxn id="32" idx="0"/>
+          </p:cNvCxnSpPr>
+          <p:nvPr/>
+        </p:nvCxnSpPr>
+        <p:spPr>
+          <a:xfrm>
+            <a:off x="5904148" y="5445224"/>
+            <a:ext cx="612068" cy="504056"/>
+          </a:xfrm>
+          <a:prstGeom prst="straightConnector1">
+            <a:avLst/>
+          </a:prstGeom>
+          <a:ln w="25400">
+            <a:solidFill>
+              <a:srgbClr val="FF0000"/>
+            </a:solidFill>
+            <a:tailEnd type="arrow"/>
+          </a:ln>
+        </p:spPr>
+        <p:style>
+          <a:lnRef idx="1">
+            <a:schemeClr val="accent1"/>
+          </a:lnRef>
+          <a:fillRef idx="0">
+            <a:schemeClr val="accent1"/>
+          </a:fillRef>
+          <a:effectRef idx="0">
+            <a:schemeClr val="accent1"/>
+          </a:effectRef>
+          <a:fontRef idx="minor">
+            <a:schemeClr val="tx1"/>
+          </a:fontRef>
+        </p:style>
+      </p:cxnSp>
+      <p:sp>
+        <p:nvSpPr>
+          <p:cNvPr id="53" name="직사각형 52"/>
+          <p:cNvSpPr/>
+          <p:nvPr/>
+        </p:nvSpPr>
+        <p:spPr>
+          <a:xfrm>
+            <a:off x="2771800" y="3573016"/>
+            <a:ext cx="864096" cy="792088"/>
+          </a:xfrm>
+          <a:prstGeom prst="rect">
+            <a:avLst/>
+          </a:prstGeom>
+          <a:solidFill>
+            <a:schemeClr val="accent2"/>
+          </a:solidFill>
+        </p:spPr>
+        <p:style>
+          <a:lnRef idx="2">
+            <a:schemeClr val="accent1">
+              <a:shade val="50000"/>
+            </a:schemeClr>
+          </a:lnRef>
+          <a:fillRef idx="1">
+            <a:schemeClr val="accent1"/>
+          </a:fillRef>
+          <a:effectRef idx="0">
+            <a:schemeClr val="accent1"/>
+          </a:effectRef>
+          <a:fontRef idx="minor">
+            <a:schemeClr val="lt1"/>
+          </a:fontRef>
+        </p:style>
+        <p:txBody>
+          <a:bodyPr rtlCol="0" anchor="ctr"/>
+          <a:lstStyle/>
+          <a:p>
+            <a:pPr algn="ctr"/>
+            <a:r>
+              <a:rPr lang="ko-KR" altLang="en-US" dirty="0" smtClean="0">
+                <a:solidFill>
+                  <a:schemeClr val="tx1"/>
+                </a:solidFill>
+              </a:rPr>
+              <a:t>통신</a:t>
+            </a:r>
+            <a:endParaRPr lang="en-US" altLang="ko-KR" dirty="0" smtClean="0">
+              <a:solidFill>
+                <a:schemeClr val="tx1"/>
+              </a:solidFill>
+            </a:endParaRPr>
+          </a:p>
+          <a:p>
+            <a:pPr algn="ctr"/>
+            <a:r>
+              <a:rPr lang="ko-KR" altLang="en-US" dirty="0" smtClean="0">
+                <a:solidFill>
+                  <a:schemeClr val="tx1"/>
+                </a:solidFill>
+              </a:rPr>
+              <a:t>모</a:t>
+            </a:r>
+            <a:r>
+              <a:rPr lang="ko-KR" altLang="en-US" dirty="0" smtClean="0">
+                <a:solidFill>
+                  <a:schemeClr val="tx1"/>
+                </a:solidFill>
+              </a:rPr>
+              <a:t>듈</a:t>
+            </a:r>
+            <a:endParaRPr lang="ko-KR" altLang="en-US" dirty="0">
+              <a:solidFill>
+                <a:schemeClr val="tx1"/>
+              </a:solidFill>
+            </a:endParaRPr>
+          </a:p>
+        </p:txBody>
+      </p:sp>
+      <p:sp>
+        <p:nvSpPr>
+          <p:cNvPr id="55" name="직사각형 54"/>
+          <p:cNvSpPr/>
+          <p:nvPr/>
+        </p:nvSpPr>
+        <p:spPr>
+          <a:xfrm>
+            <a:off x="3419872" y="2924944"/>
+            <a:ext cx="2016224" cy="369332"/>
+          </a:xfrm>
+          <a:prstGeom prst="rect">
+            <a:avLst/>
+          </a:prstGeom>
+        </p:spPr>
+        <p:txBody>
+          <a:bodyPr wrap="square">
+            <a:spAutoFit/>
+          </a:bodyPr>
+          <a:lstStyle/>
+          <a:p>
+            <a:r>
+              <a:rPr lang="en-US" altLang="ko-KR" b="1" dirty="0" smtClean="0"/>
+              <a:t>String</a:t>
+            </a:r>
+            <a:endParaRPr lang="ko-KR" altLang="en-US" dirty="0"/>
+          </a:p>
+        </p:txBody>
+      </p:sp>
+      <p:sp>
+        <p:nvSpPr>
+          <p:cNvPr id="57" name="직사각형 56"/>
+          <p:cNvSpPr/>
+          <p:nvPr/>
+        </p:nvSpPr>
+        <p:spPr>
+          <a:xfrm>
+            <a:off x="755576" y="4869160"/>
+            <a:ext cx="2952328" cy="576064"/>
+          </a:xfrm>
+          <a:prstGeom prst="rect">
+            <a:avLst/>
+          </a:prstGeom>
+          <a:solidFill>
+            <a:schemeClr val="bg1"/>
+          </a:solidFill>
+        </p:spPr>
+        <p:style>
+          <a:lnRef idx="2">
+            <a:schemeClr val="accent1">
+              <a:shade val="50000"/>
+            </a:schemeClr>
+          </a:lnRef>
+          <a:fillRef idx="1">
+            <a:schemeClr val="accent1"/>
+          </a:fillRef>
+          <a:effectRef idx="0">
+            <a:schemeClr val="accent1"/>
+          </a:effectRef>
+          <a:fontRef idx="minor">
+            <a:schemeClr val="lt1"/>
+          </a:fontRef>
+        </p:style>
+        <p:txBody>
+          <a:bodyPr rtlCol="0" anchor="ctr"/>
+          <a:lstStyle/>
+          <a:p>
+            <a:pPr algn="ctr"/>
+            <a:r>
+              <a:rPr lang="ko-KR" altLang="en-US" dirty="0" smtClean="0">
+                <a:solidFill>
+                  <a:schemeClr val="tx1"/>
+                </a:solidFill>
+              </a:rPr>
+              <a:t>관리 </a:t>
+            </a:r>
+            <a:r>
+              <a:rPr lang="ko-KR" altLang="en-US" dirty="0" smtClean="0">
+                <a:solidFill>
+                  <a:schemeClr val="tx1"/>
+                </a:solidFill>
+              </a:rPr>
+              <a:t>모듈</a:t>
+            </a:r>
+            <a:endParaRPr lang="en-US" altLang="ko-KR" dirty="0" smtClean="0">
+              <a:solidFill>
+                <a:schemeClr val="tx1"/>
+              </a:solidFill>
+            </a:endParaRPr>
+          </a:p>
+          <a:p>
+            <a:pPr algn="ctr"/>
+            <a:r>
+              <a:rPr lang="en-US" altLang="ko-KR" dirty="0" smtClean="0">
+                <a:solidFill>
+                  <a:schemeClr val="tx1"/>
+                </a:solidFill>
+              </a:rPr>
+              <a:t>(Bank)</a:t>
+            </a:r>
+            <a:endParaRPr lang="ko-KR" altLang="en-US" dirty="0">
+              <a:solidFill>
+                <a:schemeClr val="tx1"/>
+              </a:solidFill>
+            </a:endParaRPr>
+          </a:p>
+        </p:txBody>
+      </p:sp>
+      <p:sp>
+        <p:nvSpPr>
+          <p:cNvPr id="58" name="직사각형 57"/>
+          <p:cNvSpPr/>
+          <p:nvPr/>
+        </p:nvSpPr>
+        <p:spPr>
+          <a:xfrm>
+            <a:off x="827584" y="5733256"/>
+            <a:ext cx="2952328" cy="792088"/>
+          </a:xfrm>
+          <a:prstGeom prst="rect">
+            <a:avLst/>
+          </a:prstGeom>
+          <a:solidFill>
+            <a:schemeClr val="bg1"/>
+          </a:solidFill>
+        </p:spPr>
+        <p:style>
+          <a:lnRef idx="2">
+            <a:schemeClr val="accent1">
+              <a:shade val="50000"/>
+            </a:schemeClr>
+          </a:lnRef>
+          <a:fillRef idx="1">
+            <a:schemeClr val="accent1"/>
+          </a:fillRef>
+          <a:effectRef idx="0">
+            <a:schemeClr val="accent1"/>
+          </a:effectRef>
+          <a:fontRef idx="minor">
+            <a:schemeClr val="lt1"/>
+          </a:fontRef>
+        </p:style>
+        <p:txBody>
+          <a:bodyPr rtlCol="0" anchor="ctr"/>
+          <a:lstStyle/>
+          <a:p>
+            <a:pPr algn="ctr"/>
+            <a:r>
+              <a:rPr lang="ko-KR" altLang="en-US" dirty="0" smtClean="0">
+                <a:solidFill>
+                  <a:schemeClr val="tx1"/>
+                </a:solidFill>
+              </a:rPr>
+              <a:t>사용자인터페이스</a:t>
+            </a:r>
+            <a:endParaRPr lang="en-US" altLang="ko-KR" dirty="0" smtClean="0">
+              <a:solidFill>
+                <a:schemeClr val="tx1"/>
+              </a:solidFill>
+            </a:endParaRPr>
+          </a:p>
+          <a:p>
+            <a:pPr algn="ctr"/>
+            <a:r>
+              <a:rPr lang="en-US" altLang="ko-KR" dirty="0" smtClean="0">
+                <a:solidFill>
+                  <a:schemeClr val="tx1"/>
+                </a:solidFill>
+              </a:rPr>
+              <a:t>(App)</a:t>
+            </a:r>
+            <a:endParaRPr lang="en-US" altLang="ko-KR" dirty="0" smtClean="0">
+              <a:solidFill>
+                <a:schemeClr val="tx1"/>
+              </a:solidFill>
+            </a:endParaRPr>
+          </a:p>
+        </p:txBody>
+      </p:sp>
+      <p:cxnSp>
+        <p:nvCxnSpPr>
+          <p:cNvPr id="59" name="직선 화살표 연결선 58"/>
+          <p:cNvCxnSpPr>
+            <a:stCxn id="58" idx="0"/>
+            <a:endCxn id="57" idx="2"/>
+          </p:cNvCxnSpPr>
+          <p:nvPr/>
+        </p:nvCxnSpPr>
+        <p:spPr>
+          <a:xfrm flipH="1" flipV="1">
+            <a:off x="2231740" y="5445224"/>
+            <a:ext cx="72008" cy="288032"/>
+          </a:xfrm>
+          <a:prstGeom prst="straightConnector1">
+            <a:avLst/>
+          </a:prstGeom>
+          <a:ln w="25400">
+            <a:solidFill>
+              <a:srgbClr val="FF0000"/>
+            </a:solidFill>
+            <a:tailEnd type="arrow"/>
+          </a:ln>
+        </p:spPr>
+        <p:style>
+          <a:lnRef idx="1">
+            <a:schemeClr val="accent1"/>
+          </a:lnRef>
+          <a:fillRef idx="0">
+            <a:schemeClr val="accent1"/>
+          </a:fillRef>
+          <a:effectRef idx="0">
+            <a:schemeClr val="accent1"/>
+          </a:effectRef>
+          <a:fontRef idx="minor">
+            <a:schemeClr val="tx1"/>
+          </a:fontRef>
+        </p:style>
+      </p:cxnSp>
+      <p:sp>
+        <p:nvSpPr>
+          <p:cNvPr id="23" name="직사각형 22"/>
+          <p:cNvSpPr/>
+          <p:nvPr/>
+        </p:nvSpPr>
+        <p:spPr>
+          <a:xfrm>
+            <a:off x="323528" y="836712"/>
+            <a:ext cx="5400600" cy="2031325"/>
+          </a:xfrm>
+          <a:prstGeom prst="rect">
+            <a:avLst/>
+          </a:prstGeom>
+          <a:ln>
+            <a:solidFill>
+              <a:schemeClr val="accent1"/>
+            </a:solidFill>
+          </a:ln>
+        </p:spPr>
+        <p:txBody>
+          <a:bodyPr wrap="square">
+            <a:spAutoFit/>
+          </a:bodyPr>
+          <a:lstStyle/>
+          <a:p>
+            <a:r>
+              <a:rPr lang="en-US" altLang="ko-KR" b="1" dirty="0" smtClean="0"/>
+              <a:t>Application </a:t>
+            </a:r>
+            <a:r>
+              <a:rPr lang="ko-KR" altLang="en-US" b="1" dirty="0" smtClean="0"/>
+              <a:t>프로토콜 정의</a:t>
+            </a:r>
+            <a:endParaRPr lang="en-US" altLang="ko-KR" b="1" dirty="0" smtClean="0"/>
+          </a:p>
+          <a:p>
+            <a:endParaRPr lang="en-US" altLang="ko-KR" dirty="0" smtClean="0"/>
+          </a:p>
+          <a:p>
+            <a:r>
+              <a:rPr lang="en-US" altLang="ko-KR" dirty="0" smtClean="0"/>
+              <a:t>//client </a:t>
+            </a:r>
+            <a:r>
+              <a:rPr lang="en-US" altLang="ko-KR" dirty="0" smtClean="0">
+                <a:sym typeface="Wingdings" pitchFamily="2" charset="2"/>
+              </a:rPr>
+              <a:t> Server</a:t>
+            </a:r>
+            <a:endParaRPr lang="en-US" altLang="ko-KR" dirty="0" smtClean="0"/>
+          </a:p>
+          <a:p>
+            <a:r>
+              <a:rPr lang="en-US" altLang="ko-KR" dirty="0" smtClean="0"/>
+              <a:t>“MakeAccount@111#ccm#1000”</a:t>
+            </a:r>
+          </a:p>
+          <a:p>
+            <a:r>
+              <a:rPr lang="en-US" altLang="ko-KR" dirty="0" smtClean="0"/>
+              <a:t>//server </a:t>
+            </a:r>
+            <a:r>
+              <a:rPr lang="en-US" altLang="ko-KR" dirty="0" smtClean="0">
+                <a:sym typeface="Wingdings" pitchFamily="2" charset="2"/>
+              </a:rPr>
+              <a:t> Client</a:t>
+            </a:r>
+          </a:p>
+          <a:p>
+            <a:r>
+              <a:rPr lang="en-US" altLang="ko-KR" dirty="0" smtClean="0">
+                <a:sym typeface="Wingdings" pitchFamily="2" charset="2"/>
+              </a:rPr>
+              <a:t>“MakeAccount_ck@111#S”</a:t>
+            </a:r>
+          </a:p>
+          <a:p>
+            <a:r>
+              <a:rPr lang="en-US" altLang="ko-KR" dirty="0" smtClean="0">
+                <a:sym typeface="Wingdings" pitchFamily="2" charset="2"/>
+              </a:rPr>
+              <a:t>“MakeAccount_ack@111#F”</a:t>
+            </a:r>
+            <a:endParaRPr lang="en-US" altLang="ko-KR" dirty="0" smtClean="0"/>
+          </a:p>
+        </p:txBody>
+      </p:sp>
+      <p:sp>
+        <p:nvSpPr>
+          <p:cNvPr id="43" name="직사각형 42"/>
+          <p:cNvSpPr/>
+          <p:nvPr/>
+        </p:nvSpPr>
+        <p:spPr>
+          <a:xfrm>
+            <a:off x="755576" y="3645024"/>
+            <a:ext cx="864096" cy="936104"/>
+          </a:xfrm>
+          <a:prstGeom prst="rect">
+            <a:avLst/>
+          </a:prstGeom>
+          <a:solidFill>
+            <a:schemeClr val="bg1"/>
+          </a:solidFill>
+        </p:spPr>
+        <p:style>
+          <a:lnRef idx="2">
+            <a:schemeClr val="accent1">
+              <a:shade val="50000"/>
+            </a:schemeClr>
+          </a:lnRef>
+          <a:fillRef idx="1">
+            <a:schemeClr val="accent1"/>
+          </a:fillRef>
+          <a:effectRef idx="0">
+            <a:schemeClr val="accent1"/>
+          </a:effectRef>
+          <a:fontRef idx="minor">
+            <a:schemeClr val="lt1"/>
+          </a:fontRef>
+        </p:style>
+        <p:txBody>
+          <a:bodyPr rtlCol="0" anchor="ctr"/>
+          <a:lstStyle/>
+          <a:p>
+            <a:pPr algn="ctr"/>
+            <a:r>
+              <a:rPr lang="en-US" altLang="ko-KR" dirty="0" smtClean="0">
+                <a:solidFill>
+                  <a:schemeClr val="tx1"/>
+                </a:solidFill>
+              </a:rPr>
+              <a:t>Packet</a:t>
+            </a:r>
+            <a:endParaRPr lang="ko-KR" altLang="en-US" dirty="0">
+              <a:solidFill>
+                <a:schemeClr val="tx1"/>
+              </a:solidFill>
+            </a:endParaRPr>
+          </a:p>
+        </p:txBody>
+      </p:sp>
+      <p:cxnSp>
+        <p:nvCxnSpPr>
+          <p:cNvPr id="45" name="직선 화살표 연결선 44"/>
+          <p:cNvCxnSpPr/>
+          <p:nvPr/>
+        </p:nvCxnSpPr>
+        <p:spPr>
+          <a:xfrm flipV="1">
+            <a:off x="1259632" y="4581128"/>
+            <a:ext cx="0" cy="288032"/>
+          </a:xfrm>
+          <a:prstGeom prst="straightConnector1">
+            <a:avLst/>
+          </a:prstGeom>
+          <a:ln w="25400">
+            <a:solidFill>
+              <a:srgbClr val="FF0000"/>
+            </a:solidFill>
+            <a:tailEnd type="arrow"/>
+          </a:ln>
+        </p:spPr>
+        <p:style>
+          <a:lnRef idx="1">
+            <a:schemeClr val="accent1"/>
+          </a:lnRef>
+          <a:fillRef idx="0">
+            <a:schemeClr val="accent1"/>
+          </a:fillRef>
+          <a:effectRef idx="0">
+            <a:schemeClr val="accent1"/>
+          </a:effectRef>
+          <a:fontRef idx="minor">
+            <a:schemeClr val="tx1"/>
+          </a:fontRef>
+        </p:style>
+      </p:cxnSp>
+      <p:cxnSp>
+        <p:nvCxnSpPr>
+          <p:cNvPr id="50" name="직선 화살표 연결선 49"/>
+          <p:cNvCxnSpPr/>
+          <p:nvPr/>
+        </p:nvCxnSpPr>
+        <p:spPr>
+          <a:xfrm flipV="1">
+            <a:off x="3131840" y="4365104"/>
+            <a:ext cx="0" cy="504056"/>
+          </a:xfrm>
+          <a:prstGeom prst="straightConnector1">
+            <a:avLst/>
+          </a:prstGeom>
+          <a:ln w="25400">
+            <a:solidFill>
+              <a:srgbClr val="FF0000"/>
+            </a:solidFill>
+            <a:tailEnd type="arrow"/>
+          </a:ln>
+        </p:spPr>
+        <p:style>
+          <a:lnRef idx="1">
+            <a:schemeClr val="accent1"/>
+          </a:lnRef>
+          <a:fillRef idx="0">
+            <a:schemeClr val="accent1"/>
+          </a:fillRef>
+          <a:effectRef idx="0">
+            <a:schemeClr val="accent1"/>
+          </a:effectRef>
+          <a:fontRef idx="minor">
+            <a:schemeClr val="tx1"/>
+          </a:fontRef>
+        </p:style>
+      </p:cxnSp>
+      <p:sp>
+        <p:nvSpPr>
+          <p:cNvPr id="68" name="직사각형 67"/>
+          <p:cNvSpPr/>
+          <p:nvPr/>
+        </p:nvSpPr>
+        <p:spPr>
+          <a:xfrm>
+            <a:off x="7524328" y="3501008"/>
+            <a:ext cx="1152128" cy="792088"/>
+          </a:xfrm>
+          <a:prstGeom prst="rect">
+            <a:avLst/>
+          </a:prstGeom>
+          <a:solidFill>
+            <a:schemeClr val="bg1"/>
+          </a:solidFill>
+        </p:spPr>
+        <p:style>
+          <a:lnRef idx="2">
+            <a:schemeClr val="accent1">
+              <a:shade val="50000"/>
+            </a:schemeClr>
+          </a:lnRef>
+          <a:fillRef idx="1">
+            <a:schemeClr val="accent1"/>
+          </a:fillRef>
+          <a:effectRef idx="0">
+            <a:schemeClr val="accent1"/>
+          </a:effectRef>
+          <a:fontRef idx="minor">
+            <a:schemeClr val="lt1"/>
+          </a:fontRef>
+        </p:style>
+        <p:txBody>
+          <a:bodyPr rtlCol="0" anchor="ctr"/>
+          <a:lstStyle/>
+          <a:p>
+            <a:pPr algn="ctr"/>
+            <a:r>
+              <a:rPr lang="en-US" altLang="ko-KR" dirty="0" smtClean="0">
+                <a:solidFill>
+                  <a:schemeClr val="tx1"/>
+                </a:solidFill>
+              </a:rPr>
+              <a:t>Parser</a:t>
+            </a:r>
+          </a:p>
+          <a:p>
+            <a:pPr algn="ctr"/>
+            <a:r>
+              <a:rPr lang="en-US" altLang="ko-KR" dirty="0" smtClean="0">
+                <a:solidFill>
+                  <a:schemeClr val="tx1"/>
+                </a:solidFill>
+              </a:rPr>
+              <a:t>(</a:t>
+            </a:r>
+            <a:r>
+              <a:rPr lang="ko-KR" altLang="en-US" dirty="0" smtClean="0">
+                <a:solidFill>
+                  <a:schemeClr val="tx1"/>
+                </a:solidFill>
+              </a:rPr>
+              <a:t>분석</a:t>
+            </a:r>
+            <a:r>
+              <a:rPr lang="en-US" altLang="ko-KR" dirty="0" smtClean="0">
+                <a:solidFill>
+                  <a:schemeClr val="tx1"/>
+                </a:solidFill>
+              </a:rPr>
+              <a:t>)</a:t>
+            </a:r>
+            <a:endParaRPr lang="ko-KR" altLang="en-US" dirty="0">
+              <a:solidFill>
+                <a:schemeClr val="tx1"/>
+              </a:solidFill>
+            </a:endParaRPr>
+          </a:p>
+        </p:txBody>
+      </p:sp>
+      <p:cxnSp>
+        <p:nvCxnSpPr>
+          <p:cNvPr id="71" name="직선 화살표 연결선 70"/>
+          <p:cNvCxnSpPr/>
+          <p:nvPr/>
+        </p:nvCxnSpPr>
+        <p:spPr>
+          <a:xfrm flipH="1">
+            <a:off x="7236296" y="4077072"/>
+            <a:ext cx="288032" cy="0"/>
+          </a:xfrm>
+          <a:prstGeom prst="straightConnector1">
+            <a:avLst/>
+          </a:prstGeom>
+          <a:ln w="25400">
+            <a:solidFill>
+              <a:srgbClr val="FF0000"/>
+            </a:solidFill>
+            <a:tailEnd type="arrow"/>
+          </a:ln>
+        </p:spPr>
+        <p:style>
+          <a:lnRef idx="1">
+            <a:schemeClr val="accent1"/>
+          </a:lnRef>
+          <a:fillRef idx="0">
+            <a:schemeClr val="accent1"/>
+          </a:fillRef>
+          <a:effectRef idx="0">
+            <a:schemeClr val="accent1"/>
+          </a:effectRef>
+          <a:fontRef idx="minor">
+            <a:schemeClr val="tx1"/>
+          </a:fontRef>
+        </p:style>
+      </p:cxnSp>
+      <p:sp>
+        <p:nvSpPr>
+          <p:cNvPr id="76" name="직사각형 75"/>
+          <p:cNvSpPr/>
+          <p:nvPr/>
+        </p:nvSpPr>
+        <p:spPr>
+          <a:xfrm>
+            <a:off x="2627784" y="5085184"/>
+            <a:ext cx="947695" cy="338554"/>
+          </a:xfrm>
+          <a:prstGeom prst="rect">
+            <a:avLst/>
+          </a:prstGeom>
+        </p:spPr>
+        <p:txBody>
+          <a:bodyPr wrap="none">
+            <a:spAutoFit/>
+          </a:bodyPr>
+          <a:lstStyle/>
+          <a:p>
+            <a:r>
+              <a:rPr lang="en-US" altLang="ko-KR" sz="1600" b="1" dirty="0" smtClean="0">
+                <a:solidFill>
+                  <a:srgbClr val="FF0000"/>
+                </a:solidFill>
+              </a:rPr>
+              <a:t>[</a:t>
+            </a:r>
+            <a:r>
+              <a:rPr lang="ko-KR" altLang="en-US" sz="1600" b="1" dirty="0" smtClean="0">
+                <a:solidFill>
+                  <a:srgbClr val="FF0000"/>
+                </a:solidFill>
+              </a:rPr>
+              <a:t>시작점</a:t>
+            </a:r>
+            <a:r>
+              <a:rPr lang="en-US" altLang="ko-KR" sz="1600" b="1" dirty="0" smtClean="0">
+                <a:solidFill>
+                  <a:srgbClr val="FF0000"/>
+                </a:solidFill>
+              </a:rPr>
+              <a:t>]</a:t>
+            </a:r>
+            <a:endParaRPr lang="ko-KR" altLang="en-US" sz="1600" b="1" dirty="0">
+              <a:solidFill>
+                <a:srgbClr val="FF0000"/>
+              </a:solidFill>
+            </a:endParaRPr>
+          </a:p>
+        </p:txBody>
+      </p:sp>
+      <p:sp>
+        <p:nvSpPr>
+          <p:cNvPr id="77" name="직사각형 76"/>
+          <p:cNvSpPr/>
+          <p:nvPr/>
+        </p:nvSpPr>
+        <p:spPr>
+          <a:xfrm>
+            <a:off x="6156176" y="4293096"/>
+            <a:ext cx="742511" cy="338554"/>
+          </a:xfrm>
+          <a:prstGeom prst="rect">
+            <a:avLst/>
+          </a:prstGeom>
+        </p:spPr>
+        <p:txBody>
+          <a:bodyPr wrap="none">
+            <a:spAutoFit/>
+          </a:bodyPr>
+          <a:lstStyle/>
+          <a:p>
+            <a:r>
+              <a:rPr lang="en-US" altLang="ko-KR" sz="1600" b="1" dirty="0" smtClean="0">
+                <a:solidFill>
+                  <a:srgbClr val="0070C0"/>
+                </a:solidFill>
+              </a:rPr>
+              <a:t>[</a:t>
+            </a:r>
+            <a:r>
+              <a:rPr lang="ko-KR" altLang="en-US" sz="1600" b="1" dirty="0" smtClean="0">
+                <a:solidFill>
+                  <a:srgbClr val="0070C0"/>
+                </a:solidFill>
+              </a:rPr>
+              <a:t>반환</a:t>
+            </a:r>
+            <a:r>
+              <a:rPr lang="en-US" altLang="ko-KR" sz="1600" b="1" dirty="0" smtClean="0">
+                <a:solidFill>
+                  <a:srgbClr val="0070C0"/>
+                </a:solidFill>
+              </a:rPr>
+              <a:t>]</a:t>
+            </a:r>
+            <a:endParaRPr lang="ko-KR" altLang="en-US" sz="1600" b="1" dirty="0">
+              <a:solidFill>
+                <a:srgbClr val="0070C0"/>
+              </a:solidFill>
+            </a:endParaRPr>
+          </a:p>
+        </p:txBody>
+      </p:sp>
+      <p:sp>
+        <p:nvSpPr>
+          <p:cNvPr id="78" name="직사각형 77"/>
+          <p:cNvSpPr/>
+          <p:nvPr/>
+        </p:nvSpPr>
+        <p:spPr>
+          <a:xfrm>
+            <a:off x="7524328" y="4509120"/>
+            <a:ext cx="1152128" cy="792088"/>
+          </a:xfrm>
+          <a:prstGeom prst="rect">
+            <a:avLst/>
+          </a:prstGeom>
+          <a:solidFill>
+            <a:schemeClr val="bg1"/>
+          </a:solidFill>
+        </p:spPr>
+        <p:style>
+          <a:lnRef idx="2">
+            <a:schemeClr val="accent1">
+              <a:shade val="50000"/>
+            </a:schemeClr>
+          </a:lnRef>
+          <a:fillRef idx="1">
+            <a:schemeClr val="accent1"/>
+          </a:fillRef>
+          <a:effectRef idx="0">
+            <a:schemeClr val="accent1"/>
+          </a:effectRef>
+          <a:fontRef idx="minor">
+            <a:schemeClr val="lt1"/>
+          </a:fontRef>
+        </p:style>
+        <p:txBody>
+          <a:bodyPr rtlCol="0" anchor="ctr"/>
+          <a:lstStyle/>
+          <a:p>
+            <a:pPr algn="ctr"/>
+            <a:r>
+              <a:rPr lang="en-US" altLang="ko-KR" dirty="0" smtClean="0">
+                <a:solidFill>
+                  <a:schemeClr val="tx1"/>
+                </a:solidFill>
+              </a:rPr>
+              <a:t>Packet</a:t>
+            </a:r>
+            <a:endParaRPr lang="ko-KR" altLang="en-US" dirty="0">
+              <a:solidFill>
+                <a:schemeClr val="tx1"/>
+              </a:solidFill>
+            </a:endParaRPr>
+          </a:p>
+        </p:txBody>
+      </p:sp>
+      <p:sp>
+        <p:nvSpPr>
+          <p:cNvPr id="89" name="직사각형 88"/>
+          <p:cNvSpPr/>
+          <p:nvPr/>
+        </p:nvSpPr>
+        <p:spPr>
+          <a:xfrm>
+            <a:off x="1763688" y="3645024"/>
+            <a:ext cx="864096" cy="936104"/>
+          </a:xfrm>
+          <a:prstGeom prst="rect">
+            <a:avLst/>
+          </a:prstGeom>
+          <a:solidFill>
+            <a:schemeClr val="bg1"/>
+          </a:solidFill>
+        </p:spPr>
+        <p:style>
+          <a:lnRef idx="2">
+            <a:schemeClr val="accent1">
+              <a:shade val="50000"/>
+            </a:schemeClr>
+          </a:lnRef>
+          <a:fillRef idx="1">
+            <a:schemeClr val="accent1"/>
+          </a:fillRef>
+          <a:effectRef idx="0">
+            <a:schemeClr val="accent1"/>
+          </a:effectRef>
+          <a:fontRef idx="minor">
+            <a:schemeClr val="lt1"/>
+          </a:fontRef>
+        </p:style>
+        <p:txBody>
+          <a:bodyPr rtlCol="0" anchor="ctr"/>
+          <a:lstStyle/>
+          <a:p>
+            <a:pPr algn="ctr"/>
+            <a:r>
+              <a:rPr lang="en-US" altLang="ko-KR" dirty="0" smtClean="0">
+                <a:solidFill>
+                  <a:schemeClr val="tx1"/>
+                </a:solidFill>
+              </a:rPr>
+              <a:t>Parser</a:t>
+            </a:r>
+            <a:endParaRPr lang="ko-KR" altLang="en-US" dirty="0">
+              <a:solidFill>
+                <a:schemeClr val="tx1"/>
+              </a:solidFill>
+            </a:endParaRPr>
+          </a:p>
+        </p:txBody>
+      </p:sp>
     </p:spTree>
   </p:cSld>
   <p:clrMapOvr>
@@ -22177,4 +24117,287 @@
   <a:objectDefaults/>
   <a:extraClrSchemeLst/>
 </a:theme>
+</file>
+
+<file path=ppt/theme/theme2.xml><?xml version="1.0" encoding="utf-8"?>
+<a:theme xmlns:a="http://schemas.openxmlformats.org/drawingml/2006/main" name="Office 테마">
+  <a:themeElements>
+    <a:clrScheme name="Office">
+      <a:dk1>
+        <a:sysClr val="windowText" lastClr="000000"/>
+      </a:dk1>
+      <a:lt1>
+        <a:sysClr val="window" lastClr="FFFFFF"/>
+      </a:lt1>
+      <a:dk2>
+        <a:srgbClr val="1F497D"/>
+      </a:dk2>
+      <a:lt2>
+        <a:srgbClr val="EEECE1"/>
+      </a:lt2>
+      <a:accent1>
+        <a:srgbClr val="4F81BD"/>
+      </a:accent1>
+      <a:accent2>
+        <a:srgbClr val="C0504D"/>
+      </a:accent2>
+      <a:accent3>
+        <a:srgbClr val="9BBB59"/>
+      </a:accent3>
+      <a:accent4>
+        <a:srgbClr val="8064A2"/>
+      </a:accent4>
+      <a:accent5>
+        <a:srgbClr val="4BACC6"/>
+      </a:accent5>
+      <a:accent6>
+        <a:srgbClr val="F79646"/>
+      </a:accent6>
+      <a:hlink>
+        <a:srgbClr val="0000FF"/>
+      </a:hlink>
+      <a:folHlink>
+        <a:srgbClr val="800080"/>
+      </a:folHlink>
+    </a:clrScheme>
+    <a:fontScheme name="Office">
+      <a:majorFont>
+        <a:latin typeface="맑은 고딕"/>
+        <a:ea typeface=""/>
+        <a:cs typeface=""/>
+        <a:font script="Jpan" typeface="ＭＳ Ｐゴシック"/>
+        <a:font script="Hang" typeface="맑은 고딕"/>
+        <a:font script="Hans" typeface="宋体"/>
+        <a:font script="Hant" typeface="新細明體"/>
+        <a:font script="Arab" typeface="Times New Roman"/>
+        <a:font script="Hebr" typeface="Times New Roman"/>
+        <a:font script="Thai" typeface="Angsana New"/>
+        <a:font script="Ethi" typeface="Nyala"/>
+        <a:font script="Beng" typeface="Vrinda"/>
+        <a:font script="Gujr" typeface="Shruti"/>
+        <a:font script="Khmr" typeface="MoolBoran"/>
+        <a:font script="Knda" typeface="Tunga"/>
+        <a:font script="Guru" typeface="Raavi"/>
+        <a:font script="Cans" typeface="Euphemia"/>
+        <a:font script="Cher" typeface="Plantagenet Cherokee"/>
+        <a:font script="Yiii" typeface="Microsoft Yi Baiti"/>
+        <a:font script="Tibt" typeface="Microsoft Himalaya"/>
+        <a:font script="Thaa" typeface="MV Boli"/>
+        <a:font script="Deva" typeface="Mangal"/>
+        <a:font script="Telu" typeface="Gautami"/>
+        <a:font script="Taml" typeface="Latha"/>
+        <a:font script="Syrc" typeface="Estrangelo Edessa"/>
+        <a:font script="Orya" typeface="Kalinga"/>
+        <a:font script="Mlym" typeface="Kartika"/>
+        <a:font script="Laoo" typeface="DokChampa"/>
+        <a:font script="Sinh" typeface="Iskoola Pota"/>
+        <a:font script="Mong" typeface="Mongolian Baiti"/>
+        <a:font script="Viet" typeface="Times New Roman"/>
+        <a:font script="Uigh" typeface="Microsoft Uighur"/>
+      </a:majorFont>
+      <a:minorFont>
+        <a:latin typeface="맑은 고딕"/>
+        <a:ea typeface=""/>
+        <a:cs typeface=""/>
+        <a:font script="Jpan" typeface="ＭＳ Ｐゴシック"/>
+        <a:font script="Hang" typeface="맑은 고딕"/>
+        <a:font script="Hans" typeface="宋体"/>
+        <a:font script="Hant" typeface="新細明體"/>
+        <a:font script="Arab" typeface="Arial"/>
+        <a:font script="Hebr" typeface="Arial"/>
+        <a:font script="Thai" typeface="Cordia New"/>
+        <a:font script="Ethi" typeface="Nyala"/>
+        <a:font script="Beng" typeface="Vrinda"/>
+        <a:font script="Gujr" typeface="Shruti"/>
+        <a:font script="Khmr" typeface="DaunPenh"/>
+        <a:font script="Knda" typeface="Tunga"/>
+        <a:font script="Guru" typeface="Raavi"/>
+        <a:font script="Cans" typeface="Euphemia"/>
+        <a:font script="Cher" typeface="Plantagenet Cherokee"/>
+        <a:font script="Yiii" typeface="Microsoft Yi Baiti"/>
+        <a:font script="Tibt" typeface="Microsoft Himalaya"/>
+        <a:font script="Thaa" typeface="MV Boli"/>
+        <a:font script="Deva" typeface="Mangal"/>
+        <a:font script="Telu" typeface="Gautami"/>
+        <a:font script="Taml" typeface="Latha"/>
+        <a:font script="Syrc" typeface="Estrangelo Edessa"/>
+        <a:font script="Orya" typeface="Kalinga"/>
+        <a:font script="Mlym" typeface="Kartika"/>
+        <a:font script="Laoo" typeface="DokChampa"/>
+        <a:font script="Sinh" typeface="Iskoola Pota"/>
+        <a:font script="Mong" typeface="Mongolian Baiti"/>
+        <a:font script="Viet" typeface="Arial"/>
+        <a:font script="Uigh" typeface="Microsoft Uighur"/>
+      </a:minorFont>
+    </a:fontScheme>
+    <a:fmtScheme name="Office">
+      <a:fillStyleLst>
+        <a:solidFill>
+          <a:schemeClr val="phClr"/>
+        </a:solidFill>
+        <a:gradFill rotWithShape="1">
+          <a:gsLst>
+            <a:gs pos="0">
+              <a:schemeClr val="phClr">
+                <a:tint val="50000"/>
+                <a:satMod val="300000"/>
+              </a:schemeClr>
+            </a:gs>
+            <a:gs pos="35000">
+              <a:schemeClr val="phClr">
+                <a:tint val="37000"/>
+                <a:satMod val="300000"/>
+              </a:schemeClr>
+            </a:gs>
+            <a:gs pos="100000">
+              <a:schemeClr val="phClr">
+                <a:tint val="15000"/>
+                <a:satMod val="350000"/>
+              </a:schemeClr>
+            </a:gs>
+          </a:gsLst>
+          <a:lin ang="16200000" scaled="1"/>
+        </a:gradFill>
+        <a:gradFill rotWithShape="1">
+          <a:gsLst>
+            <a:gs pos="0">
+              <a:schemeClr val="phClr">
+                <a:shade val="51000"/>
+                <a:satMod val="130000"/>
+              </a:schemeClr>
+            </a:gs>
+            <a:gs pos="80000">
+              <a:schemeClr val="phClr">
+                <a:shade val="93000"/>
+                <a:satMod val="130000"/>
+              </a:schemeClr>
+            </a:gs>
+            <a:gs pos="100000">
+              <a:schemeClr val="phClr">
+                <a:shade val="94000"/>
+                <a:satMod val="135000"/>
+              </a:schemeClr>
+            </a:gs>
+          </a:gsLst>
+          <a:lin ang="16200000" scaled="0"/>
+        </a:gradFill>
+      </a:fillStyleLst>
+      <a:lnStyleLst>
+        <a:ln w="9525" cap="flat" cmpd="sng" algn="ctr">
+          <a:solidFill>
+            <a:schemeClr val="phClr">
+              <a:shade val="95000"/>
+              <a:satMod val="105000"/>
+            </a:schemeClr>
+          </a:solidFill>
+          <a:prstDash val="solid"/>
+        </a:ln>
+        <a:ln w="25400" cap="flat" cmpd="sng" algn="ctr">
+          <a:solidFill>
+            <a:schemeClr val="phClr"/>
+          </a:solidFill>
+          <a:prstDash val="solid"/>
+        </a:ln>
+        <a:ln w="38100" cap="flat" cmpd="sng" algn="ctr">
+          <a:solidFill>
+            <a:schemeClr val="phClr"/>
+          </a:solidFill>
+          <a:prstDash val="solid"/>
+        </a:ln>
+      </a:lnStyleLst>
+      <a:effectStyleLst>
+        <a:effectStyle>
+          <a:effectLst>
+            <a:outerShdw blurRad="40000" dist="20000" dir="5400000" rotWithShape="0">
+              <a:srgbClr val="000000">
+                <a:alpha val="38000"/>
+              </a:srgbClr>
+            </a:outerShdw>
+          </a:effectLst>
+        </a:effectStyle>
+        <a:effectStyle>
+          <a:effectLst>
+            <a:outerShdw blurRad="40000" dist="23000" dir="5400000" rotWithShape="0">
+              <a:srgbClr val="000000">
+                <a:alpha val="35000"/>
+              </a:srgbClr>
+            </a:outerShdw>
+          </a:effectLst>
+        </a:effectStyle>
+        <a:effectStyle>
+          <a:effectLst>
+            <a:outerShdw blurRad="40000" dist="23000" dir="5400000" rotWithShape="0">
+              <a:srgbClr val="000000">
+                <a:alpha val="35000"/>
+              </a:srgbClr>
+            </a:outerShdw>
+          </a:effectLst>
+          <a:scene3d>
+            <a:camera prst="orthographicFront">
+              <a:rot lat="0" lon="0" rev="0"/>
+            </a:camera>
+            <a:lightRig rig="threePt" dir="t">
+              <a:rot lat="0" lon="0" rev="1200000"/>
+            </a:lightRig>
+          </a:scene3d>
+          <a:sp3d>
+            <a:bevelT w="63500" h="25400"/>
+          </a:sp3d>
+        </a:effectStyle>
+      </a:effectStyleLst>
+      <a:bgFillStyleLst>
+        <a:solidFill>
+          <a:schemeClr val="phClr"/>
+        </a:solidFill>
+        <a:gradFill rotWithShape="1">
+          <a:gsLst>
+            <a:gs pos="0">
+              <a:schemeClr val="phClr">
+                <a:tint val="40000"/>
+                <a:satMod val="350000"/>
+              </a:schemeClr>
+            </a:gs>
+            <a:gs pos="40000">
+              <a:schemeClr val="phClr">
+                <a:tint val="45000"/>
+                <a:shade val="99000"/>
+                <a:satMod val="350000"/>
+              </a:schemeClr>
+            </a:gs>
+            <a:gs pos="100000">
+              <a:schemeClr val="phClr">
+                <a:shade val="20000"/>
+                <a:satMod val="255000"/>
+              </a:schemeClr>
+            </a:gs>
+          </a:gsLst>
+          <a:path path="circle">
+            <a:fillToRect l="50000" t="-80000" r="50000" b="180000"/>
+          </a:path>
+        </a:gradFill>
+        <a:gradFill rotWithShape="1">
+          <a:gsLst>
+            <a:gs pos="0">
+              <a:schemeClr val="phClr">
+                <a:tint val="80000"/>
+                <a:satMod val="300000"/>
+              </a:schemeClr>
+            </a:gs>
+            <a:gs pos="100000">
+              <a:schemeClr val="phClr">
+                <a:shade val="30000"/>
+                <a:satMod val="200000"/>
+              </a:schemeClr>
+            </a:gs>
+          </a:gsLst>
+          <a:path path="circle">
+            <a:fillToRect l="50000" t="50000" r="50000" b="50000"/>
+          </a:path>
+        </a:gradFill>
+      </a:bgFillStyleLst>
+    </a:fmtScheme>
+  </a:themeElements>
+  <a:objectDefaults/>
+  <a:extraClrSchemeLst/>
+</a:theme>
 </file>
--- a/MYSQL.pptx
+++ b/MYSQL.pptx
@@ -5,7 +5,7 @@
     <p:sldMasterId id="2147483648" r:id="rId1"/>
   </p:sldMasterIdLst>
   <p:notesMasterIdLst>
-    <p:notesMasterId r:id="rId39"/>
+    <p:notesMasterId r:id="rId45"/>
   </p:notesMasterIdLst>
   <p:sldIdLst>
     <p:sldId id="256" r:id="rId2"/>
@@ -45,6 +45,12 @@
     <p:sldId id="290" r:id="rId36"/>
     <p:sldId id="291" r:id="rId37"/>
     <p:sldId id="292" r:id="rId38"/>
+    <p:sldId id="293" r:id="rId39"/>
+    <p:sldId id="294" r:id="rId40"/>
+    <p:sldId id="295" r:id="rId41"/>
+    <p:sldId id="296" r:id="rId42"/>
+    <p:sldId id="297" r:id="rId43"/>
+    <p:sldId id="298" r:id="rId44"/>
   </p:sldIdLst>
   <p:sldSz cx="9144000" cy="6858000" type="screen4x3"/>
   <p:notesSz cx="6858000" cy="9144000"/>
@@ -19429,7 +19435,7 @@
         </p:nvSpPr>
         <p:spPr>
           <a:xfrm>
-            <a:off x="4860032" y="5085184"/>
+            <a:off x="5076056" y="5013176"/>
             <a:ext cx="2088232" cy="360040"/>
           </a:xfrm>
           <a:prstGeom prst="rect">
@@ -19765,8 +19771,8 @@
         </p:nvCxnSpPr>
         <p:spPr>
           <a:xfrm>
-            <a:off x="5904148" y="5445224"/>
-            <a:ext cx="612068" cy="504056"/>
+            <a:off x="6120172" y="5373216"/>
+            <a:ext cx="396044" cy="576064"/>
           </a:xfrm>
           <a:prstGeom prst="straightConnector1">
             <a:avLst/>
@@ -20637,6 +20643,538 @@
                 <a:schemeClr val="tx1"/>
               </a:solidFill>
             </a:endParaRPr>
+          </a:p>
+        </p:txBody>
+      </p:sp>
+    </p:spTree>
+  </p:cSld>
+  <p:clrMapOvr>
+    <a:masterClrMapping/>
+  </p:clrMapOvr>
+</p:sld>
+</file>
+
+<file path=ppt/slides/slide38.xml><?xml version="1.0" encoding="utf-8"?>
+<p:sld xmlns:a="http://schemas.openxmlformats.org/drawingml/2006/main" xmlns:r="http://schemas.openxmlformats.org/officeDocument/2006/relationships" xmlns:p="http://schemas.openxmlformats.org/presentationml/2006/main">
+  <p:cSld>
+    <p:spTree>
+      <p:nvGrpSpPr>
+        <p:cNvPr id="1" name=""/>
+        <p:cNvGrpSpPr/>
+        <p:nvPr/>
+      </p:nvGrpSpPr>
+      <p:grpSpPr>
+        <a:xfrm>
+          <a:off x="0" y="0"/>
+          <a:ext cx="0" cy="0"/>
+          <a:chOff x="0" y="0"/>
+          <a:chExt cx="0" cy="0"/>
+        </a:xfrm>
+      </p:grpSpPr>
+      <p:sp>
+        <p:nvSpPr>
+          <p:cNvPr id="5" name="TextBox 4"/>
+          <p:cNvSpPr txBox="1"/>
+          <p:nvPr/>
+        </p:nvSpPr>
+        <p:spPr>
+          <a:xfrm>
+            <a:off x="251520" y="260648"/>
+            <a:ext cx="5976664" cy="400110"/>
+          </a:xfrm>
+          <a:prstGeom prst="rect">
+            <a:avLst/>
+          </a:prstGeom>
+          <a:noFill/>
+        </p:spPr>
+        <p:txBody>
+          <a:bodyPr wrap="square" rtlCol="0">
+            <a:spAutoFit/>
+          </a:bodyPr>
+          <a:lstStyle/>
+          <a:p>
+            <a:r>
+              <a:rPr lang="en-US" altLang="ko-KR" sz="2000" b="1" dirty="0" smtClean="0"/>
+              <a:t>MYSQL</a:t>
+            </a:r>
+            <a:r>
+              <a:rPr lang="ko-KR" altLang="en-US" sz="2000" b="1" dirty="0" smtClean="0"/>
+              <a:t> </a:t>
+            </a:r>
+            <a:r>
+              <a:rPr lang="en-US" altLang="ko-KR" sz="2000" b="1" dirty="0" smtClean="0"/>
+              <a:t>3</a:t>
+            </a:r>
+            <a:r>
+              <a:rPr lang="ko-KR" altLang="en-US" sz="2000" b="1" dirty="0" smtClean="0"/>
+              <a:t>일차</a:t>
+            </a:r>
+            <a:endParaRPr lang="ko-KR" altLang="en-US" sz="2000" b="1" dirty="0"/>
+          </a:p>
+        </p:txBody>
+      </p:sp>
+      <p:sp>
+        <p:nvSpPr>
+          <p:cNvPr id="9" name="직사각형 8"/>
+          <p:cNvSpPr/>
+          <p:nvPr/>
+        </p:nvSpPr>
+        <p:spPr>
+          <a:xfrm>
+            <a:off x="539552" y="980728"/>
+            <a:ext cx="3227165" cy="1200329"/>
+          </a:xfrm>
+          <a:prstGeom prst="rect">
+            <a:avLst/>
+          </a:prstGeom>
+        </p:spPr>
+        <p:txBody>
+          <a:bodyPr wrap="none">
+            <a:spAutoFit/>
+          </a:bodyPr>
+          <a:lstStyle/>
+          <a:p>
+            <a:r>
+              <a:rPr lang="ko-KR" altLang="en-US" dirty="0" smtClean="0"/>
+              <a:t>프로시저</a:t>
+            </a:r>
+            <a:r>
+              <a:rPr lang="en-US" altLang="ko-KR" dirty="0" smtClean="0"/>
+              <a:t>1 </a:t>
+            </a:r>
+          </a:p>
+          <a:p>
+            <a:endParaRPr lang="en-US" altLang="ko-KR" dirty="0" smtClean="0"/>
+          </a:p>
+          <a:p>
+            <a:r>
+              <a:rPr lang="ko-KR" altLang="en-US" dirty="0" smtClean="0"/>
+              <a:t>이름 </a:t>
+            </a:r>
+            <a:r>
+              <a:rPr lang="en-US" altLang="ko-KR" dirty="0" smtClean="0"/>
+              <a:t>: </a:t>
+            </a:r>
+            <a:r>
+              <a:rPr lang="en-US" altLang="ko-KR" dirty="0" err="1" smtClean="0"/>
+              <a:t>MakeAccount</a:t>
+            </a:r>
+            <a:endParaRPr lang="en-US" altLang="ko-KR" dirty="0" smtClean="0"/>
+          </a:p>
+          <a:p>
+            <a:r>
+              <a:rPr lang="en-US" altLang="ko-KR" dirty="0" smtClean="0"/>
+              <a:t>IN    : </a:t>
+            </a:r>
+            <a:r>
+              <a:rPr lang="ko-KR" altLang="en-US" dirty="0" smtClean="0"/>
+              <a:t>계좌번호</a:t>
+            </a:r>
+            <a:r>
+              <a:rPr lang="en-US" altLang="ko-KR" dirty="0" smtClean="0"/>
+              <a:t>, </a:t>
+            </a:r>
+            <a:r>
+              <a:rPr lang="ko-KR" altLang="en-US" dirty="0" smtClean="0"/>
+              <a:t>이름</a:t>
+            </a:r>
+            <a:r>
+              <a:rPr lang="en-US" altLang="ko-KR" dirty="0" smtClean="0"/>
+              <a:t>, </a:t>
+            </a:r>
+            <a:r>
+              <a:rPr lang="ko-KR" altLang="en-US" dirty="0" smtClean="0"/>
+              <a:t>입금액</a:t>
+            </a:r>
+            <a:endParaRPr lang="en-US" altLang="ko-KR" dirty="0" smtClean="0"/>
+          </a:p>
+        </p:txBody>
+      </p:sp>
+      <p:sp>
+        <p:nvSpPr>
+          <p:cNvPr id="32" name="직사각형 31"/>
+          <p:cNvSpPr/>
+          <p:nvPr/>
+        </p:nvSpPr>
+        <p:spPr>
+          <a:xfrm>
+            <a:off x="611560" y="2492896"/>
+            <a:ext cx="8208912" cy="2031325"/>
+          </a:xfrm>
+          <a:prstGeom prst="rect">
+            <a:avLst/>
+          </a:prstGeom>
+        </p:spPr>
+        <p:txBody>
+          <a:bodyPr wrap="square">
+            <a:spAutoFit/>
+          </a:bodyPr>
+          <a:lstStyle/>
+          <a:p>
+            <a:r>
+              <a:rPr lang="en-US" altLang="ko-KR" dirty="0" smtClean="0"/>
+              <a:t>delimiter //</a:t>
+            </a:r>
+          </a:p>
+          <a:p>
+            <a:r>
+              <a:rPr lang="en-US" altLang="ko-KR" dirty="0" smtClean="0"/>
+              <a:t>create procedure </a:t>
+            </a:r>
+            <a:r>
+              <a:rPr lang="en-US" altLang="ko-KR" dirty="0" err="1" smtClean="0"/>
+              <a:t>MakeAccount</a:t>
+            </a:r>
+            <a:r>
+              <a:rPr lang="en-US" altLang="ko-KR" dirty="0" smtClean="0"/>
+              <a:t>(IN id INT, IN name VARCHAR(30), IN bal INT)</a:t>
+            </a:r>
+          </a:p>
+          <a:p>
+            <a:r>
+              <a:rPr lang="en-US" altLang="ko-KR" dirty="0" smtClean="0"/>
+              <a:t>begin</a:t>
+            </a:r>
+          </a:p>
+          <a:p>
+            <a:r>
+              <a:rPr lang="en-US" altLang="ko-KR" dirty="0" smtClean="0"/>
+              <a:t>insert into account(</a:t>
+            </a:r>
+            <a:r>
+              <a:rPr lang="en-US" altLang="ko-KR" dirty="0" err="1" smtClean="0"/>
+              <a:t>accid,name,balance</a:t>
+            </a:r>
+            <a:r>
+              <a:rPr lang="en-US" altLang="ko-KR" dirty="0" smtClean="0"/>
+              <a:t>) values(</a:t>
+            </a:r>
+            <a:r>
+              <a:rPr lang="en-US" altLang="ko-KR" dirty="0" err="1" smtClean="0"/>
+              <a:t>id,name,bal</a:t>
+            </a:r>
+            <a:r>
+              <a:rPr lang="en-US" altLang="ko-KR" dirty="0" smtClean="0"/>
+              <a:t>);</a:t>
+            </a:r>
+          </a:p>
+          <a:p>
+            <a:r>
+              <a:rPr lang="en-US" altLang="ko-KR" dirty="0" smtClean="0"/>
+              <a:t>end //</a:t>
+            </a:r>
+          </a:p>
+          <a:p>
+            <a:endParaRPr lang="en-US" altLang="ko-KR" dirty="0" smtClean="0"/>
+          </a:p>
+          <a:p>
+            <a:r>
+              <a:rPr lang="en-US" altLang="ko-KR" dirty="0" smtClean="0"/>
+              <a:t>delimiter ;</a:t>
+            </a:r>
+            <a:endParaRPr lang="en-US" altLang="ko-KR" dirty="0"/>
+          </a:p>
+        </p:txBody>
+      </p:sp>
+    </p:spTree>
+  </p:cSld>
+  <p:clrMapOvr>
+    <a:masterClrMapping/>
+  </p:clrMapOvr>
+</p:sld>
+</file>
+
+<file path=ppt/slides/slide39.xml><?xml version="1.0" encoding="utf-8"?>
+<p:sld xmlns:a="http://schemas.openxmlformats.org/drawingml/2006/main" xmlns:r="http://schemas.openxmlformats.org/officeDocument/2006/relationships" xmlns:p="http://schemas.openxmlformats.org/presentationml/2006/main">
+  <p:cSld>
+    <p:spTree>
+      <p:nvGrpSpPr>
+        <p:cNvPr id="1" name=""/>
+        <p:cNvGrpSpPr/>
+        <p:nvPr/>
+      </p:nvGrpSpPr>
+      <p:grpSpPr>
+        <a:xfrm>
+          <a:off x="0" y="0"/>
+          <a:ext cx="0" cy="0"/>
+          <a:chOff x="0" y="0"/>
+          <a:chExt cx="0" cy="0"/>
+        </a:xfrm>
+      </p:grpSpPr>
+      <p:sp>
+        <p:nvSpPr>
+          <p:cNvPr id="5" name="TextBox 4"/>
+          <p:cNvSpPr txBox="1"/>
+          <p:nvPr/>
+        </p:nvSpPr>
+        <p:spPr>
+          <a:xfrm>
+            <a:off x="251520" y="260648"/>
+            <a:ext cx="5976664" cy="400110"/>
+          </a:xfrm>
+          <a:prstGeom prst="rect">
+            <a:avLst/>
+          </a:prstGeom>
+          <a:noFill/>
+        </p:spPr>
+        <p:txBody>
+          <a:bodyPr wrap="square" rtlCol="0">
+            <a:spAutoFit/>
+          </a:bodyPr>
+          <a:lstStyle/>
+          <a:p>
+            <a:r>
+              <a:rPr lang="en-US" altLang="ko-KR" sz="2000" b="1" dirty="0" smtClean="0"/>
+              <a:t>MYSQL</a:t>
+            </a:r>
+            <a:r>
+              <a:rPr lang="ko-KR" altLang="en-US" sz="2000" b="1" dirty="0" smtClean="0"/>
+              <a:t> </a:t>
+            </a:r>
+            <a:r>
+              <a:rPr lang="en-US" altLang="ko-KR" sz="2000" b="1" dirty="0" smtClean="0"/>
+              <a:t>3</a:t>
+            </a:r>
+            <a:r>
+              <a:rPr lang="ko-KR" altLang="en-US" sz="2000" b="1" dirty="0" smtClean="0"/>
+              <a:t>일차</a:t>
+            </a:r>
+            <a:endParaRPr lang="ko-KR" altLang="en-US" sz="2000" b="1" dirty="0"/>
+          </a:p>
+        </p:txBody>
+      </p:sp>
+      <p:sp>
+        <p:nvSpPr>
+          <p:cNvPr id="26" name="직사각형 25"/>
+          <p:cNvSpPr/>
+          <p:nvPr/>
+        </p:nvSpPr>
+        <p:spPr>
+          <a:xfrm>
+            <a:off x="539552" y="980728"/>
+            <a:ext cx="2744662" cy="1477328"/>
+          </a:xfrm>
+          <a:prstGeom prst="rect">
+            <a:avLst/>
+          </a:prstGeom>
+        </p:spPr>
+        <p:txBody>
+          <a:bodyPr wrap="none">
+            <a:spAutoFit/>
+          </a:bodyPr>
+          <a:lstStyle/>
+          <a:p>
+            <a:r>
+              <a:rPr lang="ko-KR" altLang="en-US" dirty="0" smtClean="0"/>
+              <a:t>프로시저</a:t>
+            </a:r>
+            <a:r>
+              <a:rPr lang="en-US" altLang="ko-KR" dirty="0" smtClean="0"/>
+              <a:t>2</a:t>
+            </a:r>
+            <a:endParaRPr lang="en-US" altLang="ko-KR" dirty="0" smtClean="0"/>
+          </a:p>
+          <a:p>
+            <a:endParaRPr lang="en-US" altLang="ko-KR" dirty="0" smtClean="0"/>
+          </a:p>
+          <a:p>
+            <a:r>
+              <a:rPr lang="ko-KR" altLang="en-US" dirty="0" smtClean="0"/>
+              <a:t>이름 </a:t>
+            </a:r>
+            <a:r>
+              <a:rPr lang="en-US" altLang="ko-KR" dirty="0" smtClean="0"/>
+              <a:t>: </a:t>
+            </a:r>
+            <a:r>
+              <a:rPr lang="en-US" altLang="ko-KR" dirty="0" err="1" smtClean="0"/>
+              <a:t>SelectAccount</a:t>
+            </a:r>
+            <a:endParaRPr lang="en-US" altLang="ko-KR" dirty="0" smtClean="0"/>
+          </a:p>
+          <a:p>
+            <a:r>
+              <a:rPr lang="en-US" altLang="ko-KR" dirty="0" smtClean="0"/>
+              <a:t>IN    : </a:t>
+            </a:r>
+            <a:r>
+              <a:rPr lang="ko-KR" altLang="en-US" dirty="0" smtClean="0"/>
+              <a:t>계좌번호</a:t>
+            </a:r>
+            <a:endParaRPr lang="en-US" altLang="ko-KR" dirty="0" smtClean="0"/>
+          </a:p>
+          <a:p>
+            <a:r>
+              <a:rPr lang="en-US" altLang="ko-KR" dirty="0" smtClean="0"/>
+              <a:t>OUT : </a:t>
+            </a:r>
+            <a:r>
+              <a:rPr lang="ko-KR" altLang="en-US" dirty="0" smtClean="0"/>
+              <a:t>이름</a:t>
+            </a:r>
+            <a:r>
+              <a:rPr lang="en-US" altLang="ko-KR" dirty="0" smtClean="0"/>
+              <a:t>, </a:t>
+            </a:r>
+            <a:r>
+              <a:rPr lang="ko-KR" altLang="en-US" dirty="0" smtClean="0"/>
+              <a:t>입금액</a:t>
+            </a:r>
+            <a:r>
+              <a:rPr lang="en-US" altLang="ko-KR" dirty="0" smtClean="0"/>
+              <a:t>, </a:t>
+            </a:r>
+            <a:r>
+              <a:rPr lang="ko-KR" altLang="en-US" dirty="0" smtClean="0"/>
+              <a:t>날짜</a:t>
+            </a:r>
+            <a:endParaRPr lang="en-US" altLang="ko-KR" dirty="0" smtClean="0"/>
+          </a:p>
+        </p:txBody>
+      </p:sp>
+      <p:sp>
+        <p:nvSpPr>
+          <p:cNvPr id="8" name="직사각형 7"/>
+          <p:cNvSpPr/>
+          <p:nvPr/>
+        </p:nvSpPr>
+        <p:spPr>
+          <a:xfrm>
+            <a:off x="467544" y="2708920"/>
+            <a:ext cx="8352928" cy="2308324"/>
+          </a:xfrm>
+          <a:prstGeom prst="rect">
+            <a:avLst/>
+          </a:prstGeom>
+        </p:spPr>
+        <p:txBody>
+          <a:bodyPr wrap="square">
+            <a:spAutoFit/>
+          </a:bodyPr>
+          <a:lstStyle/>
+          <a:p>
+            <a:r>
+              <a:rPr lang="en-US" altLang="ko-KR" dirty="0" smtClean="0"/>
+              <a:t>delimiter //</a:t>
+            </a:r>
+          </a:p>
+          <a:p>
+            <a:r>
+              <a:rPr lang="en-US" altLang="ko-KR" dirty="0" smtClean="0"/>
+              <a:t>create procedure </a:t>
+            </a:r>
+            <a:r>
+              <a:rPr lang="en-US" altLang="ko-KR" dirty="0" err="1" smtClean="0"/>
+              <a:t>SelectAccount</a:t>
+            </a:r>
+            <a:r>
+              <a:rPr lang="en-US" altLang="ko-KR" dirty="0" smtClean="0"/>
+              <a:t>(IN  id INT, OUT </a:t>
+            </a:r>
+            <a:r>
+              <a:rPr lang="en-US" altLang="ko-KR" dirty="0" err="1" smtClean="0"/>
+              <a:t>retname</a:t>
+            </a:r>
+            <a:r>
+              <a:rPr lang="en-US" altLang="ko-KR" dirty="0" smtClean="0"/>
+              <a:t> </a:t>
+            </a:r>
+            <a:r>
+              <a:rPr lang="en-US" altLang="ko-KR" dirty="0" err="1" smtClean="0"/>
+              <a:t>varchar</a:t>
+            </a:r>
+            <a:r>
+              <a:rPr lang="en-US" altLang="ko-KR" dirty="0" smtClean="0"/>
+              <a:t>(20), OUT </a:t>
+            </a:r>
+            <a:r>
+              <a:rPr lang="en-US" altLang="ko-KR" dirty="0" err="1" smtClean="0"/>
+              <a:t>retbalance</a:t>
+            </a:r>
+            <a:r>
+              <a:rPr lang="en-US" altLang="ko-KR" dirty="0" smtClean="0"/>
+              <a:t> </a:t>
+            </a:r>
+            <a:r>
+              <a:rPr lang="en-US" altLang="ko-KR" dirty="0" err="1" smtClean="0"/>
+              <a:t>int</a:t>
+            </a:r>
+            <a:r>
+              <a:rPr lang="en-US" altLang="ko-KR" dirty="0" smtClean="0"/>
+              <a:t>, OUT  </a:t>
+            </a:r>
+            <a:r>
+              <a:rPr lang="en-US" altLang="ko-KR" dirty="0" err="1" smtClean="0"/>
+              <a:t>retnewtime</a:t>
+            </a:r>
+            <a:r>
+              <a:rPr lang="en-US" altLang="ko-KR" dirty="0" smtClean="0"/>
+              <a:t> timestamp)</a:t>
+            </a:r>
+          </a:p>
+          <a:p>
+            <a:r>
+              <a:rPr lang="en-US" altLang="ko-KR" dirty="0" smtClean="0"/>
+              <a:t>begin</a:t>
+            </a:r>
+          </a:p>
+          <a:p>
+            <a:r>
+              <a:rPr lang="en-US" altLang="ko-KR" dirty="0" smtClean="0"/>
+              <a:t>select name, balance, </a:t>
+            </a:r>
+            <a:r>
+              <a:rPr lang="en-US" altLang="ko-KR" dirty="0" err="1" smtClean="0"/>
+              <a:t>newtime</a:t>
+            </a:r>
+            <a:r>
+              <a:rPr lang="en-US" altLang="ko-KR" dirty="0" smtClean="0"/>
+              <a:t> into </a:t>
+            </a:r>
+            <a:r>
+              <a:rPr lang="en-US" altLang="ko-KR" dirty="0" err="1" smtClean="0"/>
+              <a:t>retname</a:t>
+            </a:r>
+            <a:r>
+              <a:rPr lang="en-US" altLang="ko-KR" dirty="0" smtClean="0"/>
+              <a:t>, </a:t>
+            </a:r>
+            <a:r>
+              <a:rPr lang="en-US" altLang="ko-KR" dirty="0" err="1" smtClean="0"/>
+              <a:t>retbalance</a:t>
+            </a:r>
+            <a:r>
+              <a:rPr lang="en-US" altLang="ko-KR" dirty="0" smtClean="0"/>
+              <a:t>, </a:t>
+            </a:r>
+            <a:r>
+              <a:rPr lang="en-US" altLang="ko-KR" dirty="0" err="1" smtClean="0"/>
+              <a:t>retnewtime</a:t>
+            </a:r>
+            <a:r>
+              <a:rPr lang="en-US" altLang="ko-KR" dirty="0" smtClean="0"/>
+              <a:t> from account where </a:t>
+            </a:r>
+            <a:r>
+              <a:rPr lang="en-US" altLang="ko-KR" dirty="0" err="1" smtClean="0"/>
+              <a:t>accid</a:t>
+            </a:r>
+            <a:r>
+              <a:rPr lang="en-US" altLang="ko-KR" dirty="0" smtClean="0"/>
+              <a:t> = id;</a:t>
+            </a:r>
+          </a:p>
+          <a:p>
+            <a:r>
+              <a:rPr lang="en-US" altLang="ko-KR" dirty="0" smtClean="0"/>
+              <a:t>end //</a:t>
+            </a:r>
+          </a:p>
+          <a:p>
+            <a:r>
+              <a:rPr lang="en-US" altLang="ko-KR" dirty="0" smtClean="0"/>
+              <a:t>delimiter ;</a:t>
+            </a:r>
           </a:p>
         </p:txBody>
       </p:sp>
@@ -20983,6 +21521,1134 @@
                 <a:srgbClr val="FF0000"/>
               </a:solidFill>
             </a:endParaRPr>
+          </a:p>
+        </p:txBody>
+      </p:sp>
+    </p:spTree>
+  </p:cSld>
+  <p:clrMapOvr>
+    <a:masterClrMapping/>
+  </p:clrMapOvr>
+</p:sld>
+</file>
+
+<file path=ppt/slides/slide40.xml><?xml version="1.0" encoding="utf-8"?>
+<p:sld xmlns:a="http://schemas.openxmlformats.org/drawingml/2006/main" xmlns:r="http://schemas.openxmlformats.org/officeDocument/2006/relationships" xmlns:p="http://schemas.openxmlformats.org/presentationml/2006/main">
+  <p:cSld>
+    <p:spTree>
+      <p:nvGrpSpPr>
+        <p:cNvPr id="1" name=""/>
+        <p:cNvGrpSpPr/>
+        <p:nvPr/>
+      </p:nvGrpSpPr>
+      <p:grpSpPr>
+        <a:xfrm>
+          <a:off x="0" y="0"/>
+          <a:ext cx="0" cy="0"/>
+          <a:chOff x="0" y="0"/>
+          <a:chExt cx="0" cy="0"/>
+        </a:xfrm>
+      </p:grpSpPr>
+      <p:sp>
+        <p:nvSpPr>
+          <p:cNvPr id="5" name="TextBox 4"/>
+          <p:cNvSpPr txBox="1"/>
+          <p:nvPr/>
+        </p:nvSpPr>
+        <p:spPr>
+          <a:xfrm>
+            <a:off x="251520" y="260648"/>
+            <a:ext cx="5976664" cy="400110"/>
+          </a:xfrm>
+          <a:prstGeom prst="rect">
+            <a:avLst/>
+          </a:prstGeom>
+          <a:noFill/>
+        </p:spPr>
+        <p:txBody>
+          <a:bodyPr wrap="square" rtlCol="0">
+            <a:spAutoFit/>
+          </a:bodyPr>
+          <a:lstStyle/>
+          <a:p>
+            <a:r>
+              <a:rPr lang="en-US" altLang="ko-KR" sz="2000" b="1" dirty="0" smtClean="0"/>
+              <a:t>MYSQL</a:t>
+            </a:r>
+            <a:r>
+              <a:rPr lang="ko-KR" altLang="en-US" sz="2000" b="1" dirty="0" smtClean="0"/>
+              <a:t> </a:t>
+            </a:r>
+            <a:r>
+              <a:rPr lang="en-US" altLang="ko-KR" sz="2000" b="1" dirty="0" smtClean="0"/>
+              <a:t>3</a:t>
+            </a:r>
+            <a:r>
+              <a:rPr lang="ko-KR" altLang="en-US" sz="2000" b="1" dirty="0" smtClean="0"/>
+              <a:t>일차</a:t>
+            </a:r>
+            <a:endParaRPr lang="ko-KR" altLang="en-US" sz="2000" b="1" dirty="0"/>
+          </a:p>
+        </p:txBody>
+      </p:sp>
+      <p:sp>
+        <p:nvSpPr>
+          <p:cNvPr id="28" name="직사각형 27"/>
+          <p:cNvSpPr/>
+          <p:nvPr/>
+        </p:nvSpPr>
+        <p:spPr>
+          <a:xfrm>
+            <a:off x="395536" y="980728"/>
+            <a:ext cx="2632452" cy="1200329"/>
+          </a:xfrm>
+          <a:prstGeom prst="rect">
+            <a:avLst/>
+          </a:prstGeom>
+        </p:spPr>
+        <p:txBody>
+          <a:bodyPr wrap="none">
+            <a:spAutoFit/>
+          </a:bodyPr>
+          <a:lstStyle/>
+          <a:p>
+            <a:r>
+              <a:rPr lang="ko-KR" altLang="en-US" dirty="0" smtClean="0"/>
+              <a:t>프로시저</a:t>
+            </a:r>
+            <a:r>
+              <a:rPr lang="en-US" altLang="ko-KR" dirty="0" smtClean="0"/>
+              <a:t>3</a:t>
+            </a:r>
+            <a:endParaRPr lang="en-US" altLang="ko-KR" dirty="0" smtClean="0"/>
+          </a:p>
+          <a:p>
+            <a:endParaRPr lang="en-US" altLang="ko-KR" dirty="0" smtClean="0"/>
+          </a:p>
+          <a:p>
+            <a:r>
+              <a:rPr lang="ko-KR" altLang="en-US" dirty="0" smtClean="0"/>
+              <a:t>이름 </a:t>
+            </a:r>
+            <a:r>
+              <a:rPr lang="en-US" altLang="ko-KR" dirty="0" smtClean="0"/>
+              <a:t>: </a:t>
+            </a:r>
+            <a:r>
+              <a:rPr lang="en-US" altLang="ko-KR" dirty="0" err="1" smtClean="0"/>
+              <a:t>Input</a:t>
+            </a:r>
+            <a:r>
+              <a:rPr lang="en-US" altLang="ko-KR" dirty="0" err="1" smtClean="0"/>
+              <a:t>Account</a:t>
+            </a:r>
+            <a:endParaRPr lang="en-US" altLang="ko-KR" dirty="0" smtClean="0"/>
+          </a:p>
+          <a:p>
+            <a:r>
+              <a:rPr lang="en-US" altLang="ko-KR" dirty="0" smtClean="0"/>
+              <a:t>IN    : </a:t>
+            </a:r>
+            <a:r>
+              <a:rPr lang="ko-KR" altLang="en-US" dirty="0" smtClean="0"/>
+              <a:t>계좌번호</a:t>
+            </a:r>
+            <a:r>
+              <a:rPr lang="en-US" altLang="ko-KR" dirty="0" smtClean="0"/>
+              <a:t>, </a:t>
+            </a:r>
+            <a:r>
+              <a:rPr lang="ko-KR" altLang="en-US" dirty="0" smtClean="0"/>
+              <a:t>입금액</a:t>
+            </a:r>
+            <a:endParaRPr lang="en-US" altLang="ko-KR" dirty="0" smtClean="0"/>
+          </a:p>
+        </p:txBody>
+      </p:sp>
+      <p:sp>
+        <p:nvSpPr>
+          <p:cNvPr id="8" name="직사각형 7"/>
+          <p:cNvSpPr/>
+          <p:nvPr/>
+        </p:nvSpPr>
+        <p:spPr>
+          <a:xfrm>
+            <a:off x="467544" y="2564904"/>
+            <a:ext cx="8064896" cy="1754326"/>
+          </a:xfrm>
+          <a:prstGeom prst="rect">
+            <a:avLst/>
+          </a:prstGeom>
+        </p:spPr>
+        <p:txBody>
+          <a:bodyPr wrap="square">
+            <a:spAutoFit/>
+          </a:bodyPr>
+          <a:lstStyle/>
+          <a:p>
+            <a:r>
+              <a:rPr lang="en-US" altLang="ko-KR" dirty="0" smtClean="0"/>
+              <a:t>delimiter //</a:t>
+            </a:r>
+          </a:p>
+          <a:p>
+            <a:r>
+              <a:rPr lang="en-US" altLang="ko-KR" dirty="0" smtClean="0"/>
+              <a:t>create procedure </a:t>
+            </a:r>
+            <a:r>
+              <a:rPr lang="en-US" altLang="ko-KR" dirty="0" err="1" smtClean="0"/>
+              <a:t>InputAccount</a:t>
+            </a:r>
+            <a:r>
+              <a:rPr lang="en-US" altLang="ko-KR" dirty="0" smtClean="0"/>
+              <a:t>(id </a:t>
+            </a:r>
+            <a:r>
+              <a:rPr lang="en-US" altLang="ko-KR" dirty="0" err="1" smtClean="0"/>
+              <a:t>int</a:t>
+            </a:r>
+            <a:r>
+              <a:rPr lang="en-US" altLang="ko-KR" dirty="0" smtClean="0"/>
+              <a:t>, money </a:t>
+            </a:r>
+            <a:r>
+              <a:rPr lang="en-US" altLang="ko-KR" dirty="0" err="1" smtClean="0"/>
+              <a:t>int</a:t>
+            </a:r>
+            <a:r>
+              <a:rPr lang="en-US" altLang="ko-KR" dirty="0" smtClean="0"/>
+              <a:t>)</a:t>
+            </a:r>
+          </a:p>
+          <a:p>
+            <a:r>
+              <a:rPr lang="en-US" altLang="ko-KR" dirty="0" smtClean="0"/>
+              <a:t>begin</a:t>
+            </a:r>
+          </a:p>
+          <a:p>
+            <a:r>
+              <a:rPr lang="en-US" altLang="ko-KR" dirty="0" smtClean="0"/>
+              <a:t>update account set balance = balance + money where </a:t>
+            </a:r>
+            <a:r>
+              <a:rPr lang="en-US" altLang="ko-KR" dirty="0" err="1" smtClean="0"/>
+              <a:t>accid</a:t>
+            </a:r>
+            <a:r>
+              <a:rPr lang="en-US" altLang="ko-KR" dirty="0" smtClean="0"/>
+              <a:t> = id;</a:t>
+            </a:r>
+          </a:p>
+          <a:p>
+            <a:r>
+              <a:rPr lang="en-US" altLang="ko-KR" dirty="0" smtClean="0"/>
+              <a:t>end //</a:t>
+            </a:r>
+          </a:p>
+          <a:p>
+            <a:r>
+              <a:rPr lang="en-US" altLang="ko-KR" dirty="0" smtClean="0"/>
+              <a:t>delimiter ;</a:t>
+            </a:r>
+            <a:endParaRPr lang="en-US" altLang="ko-KR" dirty="0"/>
+          </a:p>
+        </p:txBody>
+      </p:sp>
+    </p:spTree>
+  </p:cSld>
+  <p:clrMapOvr>
+    <a:masterClrMapping/>
+  </p:clrMapOvr>
+</p:sld>
+</file>
+
+<file path=ppt/slides/slide41.xml><?xml version="1.0" encoding="utf-8"?>
+<p:sld xmlns:a="http://schemas.openxmlformats.org/drawingml/2006/main" xmlns:r="http://schemas.openxmlformats.org/officeDocument/2006/relationships" xmlns:p="http://schemas.openxmlformats.org/presentationml/2006/main">
+  <p:cSld>
+    <p:spTree>
+      <p:nvGrpSpPr>
+        <p:cNvPr id="1" name=""/>
+        <p:cNvGrpSpPr/>
+        <p:nvPr/>
+      </p:nvGrpSpPr>
+      <p:grpSpPr>
+        <a:xfrm>
+          <a:off x="0" y="0"/>
+          <a:ext cx="0" cy="0"/>
+          <a:chOff x="0" y="0"/>
+          <a:chExt cx="0" cy="0"/>
+        </a:xfrm>
+      </p:grpSpPr>
+      <p:sp>
+        <p:nvSpPr>
+          <p:cNvPr id="5" name="TextBox 4"/>
+          <p:cNvSpPr txBox="1"/>
+          <p:nvPr/>
+        </p:nvSpPr>
+        <p:spPr>
+          <a:xfrm>
+            <a:off x="251520" y="260648"/>
+            <a:ext cx="5976664" cy="400110"/>
+          </a:xfrm>
+          <a:prstGeom prst="rect">
+            <a:avLst/>
+          </a:prstGeom>
+          <a:noFill/>
+        </p:spPr>
+        <p:txBody>
+          <a:bodyPr wrap="square" rtlCol="0">
+            <a:spAutoFit/>
+          </a:bodyPr>
+          <a:lstStyle/>
+          <a:p>
+            <a:r>
+              <a:rPr lang="en-US" altLang="ko-KR" sz="2000" b="1" dirty="0" smtClean="0"/>
+              <a:t>MYSQL</a:t>
+            </a:r>
+            <a:r>
+              <a:rPr lang="ko-KR" altLang="en-US" sz="2000" b="1" dirty="0" smtClean="0"/>
+              <a:t> </a:t>
+            </a:r>
+            <a:r>
+              <a:rPr lang="en-US" altLang="ko-KR" sz="2000" b="1" dirty="0" smtClean="0"/>
+              <a:t>3</a:t>
+            </a:r>
+            <a:r>
+              <a:rPr lang="ko-KR" altLang="en-US" sz="2000" b="1" dirty="0" smtClean="0"/>
+              <a:t>일차</a:t>
+            </a:r>
+            <a:endParaRPr lang="ko-KR" altLang="en-US" sz="2000" b="1" dirty="0"/>
+          </a:p>
+        </p:txBody>
+      </p:sp>
+      <p:sp>
+        <p:nvSpPr>
+          <p:cNvPr id="29" name="직사각형 28"/>
+          <p:cNvSpPr/>
+          <p:nvPr/>
+        </p:nvSpPr>
+        <p:spPr>
+          <a:xfrm>
+            <a:off x="539552" y="980728"/>
+            <a:ext cx="2632452" cy="1200329"/>
+          </a:xfrm>
+          <a:prstGeom prst="rect">
+            <a:avLst/>
+          </a:prstGeom>
+        </p:spPr>
+        <p:txBody>
+          <a:bodyPr wrap="none">
+            <a:spAutoFit/>
+          </a:bodyPr>
+          <a:lstStyle/>
+          <a:p>
+            <a:r>
+              <a:rPr lang="ko-KR" altLang="en-US" dirty="0" smtClean="0"/>
+              <a:t>프로시저</a:t>
+            </a:r>
+            <a:r>
+              <a:rPr lang="en-US" altLang="ko-KR" dirty="0" smtClean="0"/>
+              <a:t>4</a:t>
+            </a:r>
+          </a:p>
+          <a:p>
+            <a:endParaRPr lang="en-US" altLang="ko-KR" dirty="0" smtClean="0"/>
+          </a:p>
+          <a:p>
+            <a:r>
+              <a:rPr lang="ko-KR" altLang="en-US" dirty="0" smtClean="0"/>
+              <a:t>이름 </a:t>
+            </a:r>
+            <a:r>
+              <a:rPr lang="en-US" altLang="ko-KR" dirty="0" smtClean="0"/>
+              <a:t>: </a:t>
+            </a:r>
+            <a:r>
+              <a:rPr lang="en-US" altLang="ko-KR" dirty="0" err="1" smtClean="0"/>
+              <a:t>Output</a:t>
+            </a:r>
+            <a:r>
+              <a:rPr lang="en-US" altLang="ko-KR" dirty="0" err="1" smtClean="0"/>
+              <a:t>Account</a:t>
+            </a:r>
+            <a:endParaRPr lang="en-US" altLang="ko-KR" dirty="0" smtClean="0"/>
+          </a:p>
+          <a:p>
+            <a:r>
+              <a:rPr lang="en-US" altLang="ko-KR" dirty="0" smtClean="0"/>
+              <a:t>IN    : </a:t>
+            </a:r>
+            <a:r>
+              <a:rPr lang="ko-KR" altLang="en-US" dirty="0" smtClean="0"/>
+              <a:t>계좌번호</a:t>
+            </a:r>
+            <a:r>
+              <a:rPr lang="en-US" altLang="ko-KR" dirty="0" smtClean="0"/>
+              <a:t>, </a:t>
+            </a:r>
+            <a:r>
+              <a:rPr lang="ko-KR" altLang="en-US" dirty="0" err="1" smtClean="0"/>
+              <a:t>출금</a:t>
+            </a:r>
+            <a:r>
+              <a:rPr lang="ko-KR" altLang="en-US" dirty="0" err="1" smtClean="0"/>
+              <a:t>액</a:t>
+            </a:r>
+            <a:endParaRPr lang="en-US" altLang="ko-KR" dirty="0" smtClean="0"/>
+          </a:p>
+        </p:txBody>
+      </p:sp>
+      <p:sp>
+        <p:nvSpPr>
+          <p:cNvPr id="8" name="직사각형 7"/>
+          <p:cNvSpPr/>
+          <p:nvPr/>
+        </p:nvSpPr>
+        <p:spPr>
+          <a:xfrm>
+            <a:off x="611560" y="2780928"/>
+            <a:ext cx="7992888" cy="2031325"/>
+          </a:xfrm>
+          <a:prstGeom prst="rect">
+            <a:avLst/>
+          </a:prstGeom>
+        </p:spPr>
+        <p:txBody>
+          <a:bodyPr wrap="square">
+            <a:spAutoFit/>
+          </a:bodyPr>
+          <a:lstStyle/>
+          <a:p>
+            <a:r>
+              <a:rPr lang="en-US" altLang="ko-KR" dirty="0" smtClean="0"/>
+              <a:t>delimiter //</a:t>
+            </a:r>
+          </a:p>
+          <a:p>
+            <a:r>
+              <a:rPr lang="en-US" altLang="ko-KR" dirty="0" smtClean="0"/>
+              <a:t>create procedure </a:t>
+            </a:r>
+            <a:r>
+              <a:rPr lang="en-US" altLang="ko-KR" dirty="0" err="1" smtClean="0"/>
+              <a:t>OutputAccount</a:t>
+            </a:r>
+            <a:r>
+              <a:rPr lang="en-US" altLang="ko-KR" dirty="0" smtClean="0"/>
+              <a:t>(id </a:t>
+            </a:r>
+            <a:r>
+              <a:rPr lang="en-US" altLang="ko-KR" dirty="0" err="1" smtClean="0"/>
+              <a:t>int</a:t>
+            </a:r>
+            <a:r>
+              <a:rPr lang="en-US" altLang="ko-KR" dirty="0" smtClean="0"/>
+              <a:t>, money </a:t>
+            </a:r>
+            <a:r>
+              <a:rPr lang="en-US" altLang="ko-KR" dirty="0" err="1" smtClean="0"/>
+              <a:t>int</a:t>
+            </a:r>
+            <a:r>
+              <a:rPr lang="en-US" altLang="ko-KR" dirty="0" smtClean="0"/>
+              <a:t>)</a:t>
+            </a:r>
+          </a:p>
+          <a:p>
+            <a:r>
+              <a:rPr lang="en-US" altLang="ko-KR" dirty="0" smtClean="0"/>
+              <a:t>begin</a:t>
+            </a:r>
+          </a:p>
+          <a:p>
+            <a:r>
+              <a:rPr lang="en-US" altLang="ko-KR" dirty="0" smtClean="0"/>
+              <a:t>update account set balance = balance - money where </a:t>
+            </a:r>
+            <a:r>
+              <a:rPr lang="en-US" altLang="ko-KR" dirty="0" err="1" smtClean="0"/>
+              <a:t>accid</a:t>
+            </a:r>
+            <a:r>
+              <a:rPr lang="en-US" altLang="ko-KR" dirty="0" smtClean="0"/>
+              <a:t> = </a:t>
+            </a:r>
+            <a:r>
+              <a:rPr lang="en-US" altLang="ko-KR" dirty="0" smtClean="0"/>
+              <a:t>id and balance &gt;= money;</a:t>
+            </a:r>
+            <a:endParaRPr lang="en-US" altLang="ko-KR" dirty="0" smtClean="0"/>
+          </a:p>
+          <a:p>
+            <a:r>
+              <a:rPr lang="en-US" altLang="ko-KR" dirty="0" smtClean="0"/>
+              <a:t>end //</a:t>
+            </a:r>
+          </a:p>
+          <a:p>
+            <a:r>
+              <a:rPr lang="en-US" altLang="ko-KR" dirty="0" smtClean="0"/>
+              <a:t>delimiter ;</a:t>
+            </a:r>
+            <a:endParaRPr lang="en-US" altLang="ko-KR" dirty="0"/>
+          </a:p>
+        </p:txBody>
+      </p:sp>
+    </p:spTree>
+  </p:cSld>
+  <p:clrMapOvr>
+    <a:masterClrMapping/>
+  </p:clrMapOvr>
+</p:sld>
+</file>
+
+<file path=ppt/slides/slide42.xml><?xml version="1.0" encoding="utf-8"?>
+<p:sld xmlns:a="http://schemas.openxmlformats.org/drawingml/2006/main" xmlns:r="http://schemas.openxmlformats.org/officeDocument/2006/relationships" xmlns:p="http://schemas.openxmlformats.org/presentationml/2006/main">
+  <p:cSld>
+    <p:spTree>
+      <p:nvGrpSpPr>
+        <p:cNvPr id="1" name=""/>
+        <p:cNvGrpSpPr/>
+        <p:nvPr/>
+      </p:nvGrpSpPr>
+      <p:grpSpPr>
+        <a:xfrm>
+          <a:off x="0" y="0"/>
+          <a:ext cx="0" cy="0"/>
+          <a:chOff x="0" y="0"/>
+          <a:chExt cx="0" cy="0"/>
+        </a:xfrm>
+      </p:grpSpPr>
+      <p:sp>
+        <p:nvSpPr>
+          <p:cNvPr id="5" name="TextBox 4"/>
+          <p:cNvSpPr txBox="1"/>
+          <p:nvPr/>
+        </p:nvSpPr>
+        <p:spPr>
+          <a:xfrm>
+            <a:off x="251520" y="260648"/>
+            <a:ext cx="5976664" cy="400110"/>
+          </a:xfrm>
+          <a:prstGeom prst="rect">
+            <a:avLst/>
+          </a:prstGeom>
+          <a:noFill/>
+        </p:spPr>
+        <p:txBody>
+          <a:bodyPr wrap="square" rtlCol="0">
+            <a:spAutoFit/>
+          </a:bodyPr>
+          <a:lstStyle/>
+          <a:p>
+            <a:r>
+              <a:rPr lang="en-US" altLang="ko-KR" sz="2000" b="1" dirty="0" smtClean="0"/>
+              <a:t>MYSQL</a:t>
+            </a:r>
+            <a:r>
+              <a:rPr lang="ko-KR" altLang="en-US" sz="2000" b="1" dirty="0" smtClean="0"/>
+              <a:t> </a:t>
+            </a:r>
+            <a:r>
+              <a:rPr lang="en-US" altLang="ko-KR" sz="2000" b="1" dirty="0" smtClean="0"/>
+              <a:t>3</a:t>
+            </a:r>
+            <a:r>
+              <a:rPr lang="ko-KR" altLang="en-US" sz="2000" b="1" dirty="0" smtClean="0"/>
+              <a:t>일차</a:t>
+            </a:r>
+            <a:endParaRPr lang="ko-KR" altLang="en-US" sz="2000" b="1" dirty="0"/>
+          </a:p>
+        </p:txBody>
+      </p:sp>
+      <p:sp>
+        <p:nvSpPr>
+          <p:cNvPr id="30" name="직사각형 29"/>
+          <p:cNvSpPr/>
+          <p:nvPr/>
+        </p:nvSpPr>
+        <p:spPr>
+          <a:xfrm>
+            <a:off x="539552" y="1052736"/>
+            <a:ext cx="2401619" cy="1200329"/>
+          </a:xfrm>
+          <a:prstGeom prst="rect">
+            <a:avLst/>
+          </a:prstGeom>
+        </p:spPr>
+        <p:txBody>
+          <a:bodyPr wrap="none">
+            <a:spAutoFit/>
+          </a:bodyPr>
+          <a:lstStyle/>
+          <a:p>
+            <a:r>
+              <a:rPr lang="ko-KR" altLang="en-US" dirty="0" smtClean="0"/>
+              <a:t>프로시저</a:t>
+            </a:r>
+            <a:r>
+              <a:rPr lang="en-US" altLang="ko-KR" dirty="0" smtClean="0"/>
+              <a:t>4</a:t>
+            </a:r>
+          </a:p>
+          <a:p>
+            <a:endParaRPr lang="en-US" altLang="ko-KR" dirty="0" smtClean="0"/>
+          </a:p>
+          <a:p>
+            <a:r>
+              <a:rPr lang="ko-KR" altLang="en-US" dirty="0" smtClean="0"/>
+              <a:t>이름 </a:t>
+            </a:r>
+            <a:r>
+              <a:rPr lang="en-US" altLang="ko-KR" dirty="0" smtClean="0"/>
+              <a:t>: </a:t>
+            </a:r>
+            <a:r>
+              <a:rPr lang="en-US" altLang="ko-KR" dirty="0" err="1" smtClean="0"/>
+              <a:t>DeleteAccount</a:t>
+            </a:r>
+            <a:endParaRPr lang="en-US" altLang="ko-KR" dirty="0" smtClean="0"/>
+          </a:p>
+          <a:p>
+            <a:r>
+              <a:rPr lang="en-US" altLang="ko-KR" dirty="0" smtClean="0"/>
+              <a:t>IN    : </a:t>
+            </a:r>
+            <a:r>
+              <a:rPr lang="ko-KR" altLang="en-US" dirty="0" smtClean="0"/>
+              <a:t>계좌번호</a:t>
+            </a:r>
+            <a:endParaRPr lang="en-US" altLang="ko-KR" dirty="0" smtClean="0"/>
+          </a:p>
+        </p:txBody>
+      </p:sp>
+      <p:sp>
+        <p:nvSpPr>
+          <p:cNvPr id="8" name="직사각형 7"/>
+          <p:cNvSpPr/>
+          <p:nvPr/>
+        </p:nvSpPr>
+        <p:spPr>
+          <a:xfrm>
+            <a:off x="683568" y="2708920"/>
+            <a:ext cx="7848872" cy="1754326"/>
+          </a:xfrm>
+          <a:prstGeom prst="rect">
+            <a:avLst/>
+          </a:prstGeom>
+        </p:spPr>
+        <p:txBody>
+          <a:bodyPr wrap="square">
+            <a:spAutoFit/>
+          </a:bodyPr>
+          <a:lstStyle/>
+          <a:p>
+            <a:r>
+              <a:rPr lang="en-US" altLang="ko-KR" dirty="0" smtClean="0"/>
+              <a:t>delimiter //</a:t>
+            </a:r>
+          </a:p>
+          <a:p>
+            <a:r>
+              <a:rPr lang="en-US" altLang="ko-KR" dirty="0" smtClean="0"/>
+              <a:t>create procedure </a:t>
+            </a:r>
+            <a:r>
+              <a:rPr lang="en-US" altLang="ko-KR" dirty="0" err="1" smtClean="0"/>
+              <a:t>DeleteAccount</a:t>
+            </a:r>
+            <a:r>
+              <a:rPr lang="en-US" altLang="ko-KR" dirty="0" smtClean="0"/>
+              <a:t>(id </a:t>
+            </a:r>
+            <a:r>
+              <a:rPr lang="en-US" altLang="ko-KR" dirty="0" err="1" smtClean="0"/>
+              <a:t>int</a:t>
+            </a:r>
+            <a:r>
+              <a:rPr lang="en-US" altLang="ko-KR" dirty="0" smtClean="0"/>
+              <a:t>)</a:t>
+            </a:r>
+          </a:p>
+          <a:p>
+            <a:r>
+              <a:rPr lang="en-US" altLang="ko-KR" dirty="0" smtClean="0"/>
+              <a:t>begin</a:t>
+            </a:r>
+          </a:p>
+          <a:p>
+            <a:r>
+              <a:rPr lang="en-US" altLang="ko-KR" dirty="0" smtClean="0"/>
+              <a:t>delete from account where </a:t>
+            </a:r>
+            <a:r>
+              <a:rPr lang="en-US" altLang="ko-KR" dirty="0" err="1" smtClean="0"/>
+              <a:t>accid</a:t>
+            </a:r>
+            <a:r>
+              <a:rPr lang="en-US" altLang="ko-KR" dirty="0" smtClean="0"/>
+              <a:t> = id;</a:t>
+            </a:r>
+          </a:p>
+          <a:p>
+            <a:r>
+              <a:rPr lang="en-US" altLang="ko-KR" dirty="0" smtClean="0"/>
+              <a:t>end //</a:t>
+            </a:r>
+          </a:p>
+          <a:p>
+            <a:r>
+              <a:rPr lang="en-US" altLang="ko-KR" dirty="0" smtClean="0"/>
+              <a:t>delimiter ;</a:t>
+            </a:r>
+            <a:endParaRPr lang="en-US" altLang="ko-KR" dirty="0"/>
+          </a:p>
+        </p:txBody>
+      </p:sp>
+    </p:spTree>
+  </p:cSld>
+  <p:clrMapOvr>
+    <a:masterClrMapping/>
+  </p:clrMapOvr>
+</p:sld>
+</file>
+
+<file path=ppt/slides/slide43.xml><?xml version="1.0" encoding="utf-8"?>
+<p:sld xmlns:a="http://schemas.openxmlformats.org/drawingml/2006/main" xmlns:r="http://schemas.openxmlformats.org/officeDocument/2006/relationships" xmlns:p="http://schemas.openxmlformats.org/presentationml/2006/main">
+  <p:cSld>
+    <p:spTree>
+      <p:nvGrpSpPr>
+        <p:cNvPr id="1" name=""/>
+        <p:cNvGrpSpPr/>
+        <p:nvPr/>
+      </p:nvGrpSpPr>
+      <p:grpSpPr>
+        <a:xfrm>
+          <a:off x="0" y="0"/>
+          <a:ext cx="0" cy="0"/>
+          <a:chOff x="0" y="0"/>
+          <a:chExt cx="0" cy="0"/>
+        </a:xfrm>
+      </p:grpSpPr>
+      <p:sp>
+        <p:nvSpPr>
+          <p:cNvPr id="5" name="TextBox 4"/>
+          <p:cNvSpPr txBox="1"/>
+          <p:nvPr/>
+        </p:nvSpPr>
+        <p:spPr>
+          <a:xfrm>
+            <a:off x="251520" y="260648"/>
+            <a:ext cx="5976664" cy="400110"/>
+          </a:xfrm>
+          <a:prstGeom prst="rect">
+            <a:avLst/>
+          </a:prstGeom>
+          <a:noFill/>
+        </p:spPr>
+        <p:txBody>
+          <a:bodyPr wrap="square" rtlCol="0">
+            <a:spAutoFit/>
+          </a:bodyPr>
+          <a:lstStyle/>
+          <a:p>
+            <a:r>
+              <a:rPr lang="en-US" altLang="ko-KR" sz="2000" b="1" dirty="0" smtClean="0"/>
+              <a:t>MYSQL</a:t>
+            </a:r>
+            <a:r>
+              <a:rPr lang="ko-KR" altLang="en-US" sz="2000" b="1" dirty="0" smtClean="0"/>
+              <a:t> </a:t>
+            </a:r>
+            <a:r>
+              <a:rPr lang="en-US" altLang="ko-KR" sz="2000" b="1" dirty="0" smtClean="0"/>
+              <a:t>3</a:t>
+            </a:r>
+            <a:r>
+              <a:rPr lang="ko-KR" altLang="en-US" sz="2000" b="1" dirty="0" smtClean="0"/>
+              <a:t>일차</a:t>
+            </a:r>
+            <a:endParaRPr lang="ko-KR" altLang="en-US" sz="2000" b="1" dirty="0"/>
+          </a:p>
+        </p:txBody>
+      </p:sp>
+      <p:sp>
+        <p:nvSpPr>
+          <p:cNvPr id="9" name="직사각형 8"/>
+          <p:cNvSpPr/>
+          <p:nvPr/>
+        </p:nvSpPr>
+        <p:spPr>
+          <a:xfrm>
+            <a:off x="539552" y="980728"/>
+            <a:ext cx="3227165" cy="1200329"/>
+          </a:xfrm>
+          <a:prstGeom prst="rect">
+            <a:avLst/>
+          </a:prstGeom>
+        </p:spPr>
+        <p:txBody>
+          <a:bodyPr wrap="none">
+            <a:spAutoFit/>
+          </a:bodyPr>
+          <a:lstStyle/>
+          <a:p>
+            <a:r>
+              <a:rPr lang="ko-KR" altLang="en-US" dirty="0" smtClean="0"/>
+              <a:t>프로시저</a:t>
+            </a:r>
+            <a:r>
+              <a:rPr lang="en-US" altLang="ko-KR" dirty="0" smtClean="0"/>
+              <a:t>1 </a:t>
+            </a:r>
+          </a:p>
+          <a:p>
+            <a:endParaRPr lang="en-US" altLang="ko-KR" dirty="0" smtClean="0"/>
+          </a:p>
+          <a:p>
+            <a:r>
+              <a:rPr lang="ko-KR" altLang="en-US" dirty="0" smtClean="0"/>
+              <a:t>이름 </a:t>
+            </a:r>
+            <a:r>
+              <a:rPr lang="en-US" altLang="ko-KR" dirty="0" smtClean="0"/>
+              <a:t>: </a:t>
+            </a:r>
+            <a:r>
+              <a:rPr lang="en-US" altLang="ko-KR" dirty="0" err="1" smtClean="0"/>
+              <a:t>MakeAccount</a:t>
+            </a:r>
+            <a:endParaRPr lang="en-US" altLang="ko-KR" dirty="0" smtClean="0"/>
+          </a:p>
+          <a:p>
+            <a:r>
+              <a:rPr lang="en-US" altLang="ko-KR" dirty="0" smtClean="0"/>
+              <a:t>IN    : </a:t>
+            </a:r>
+            <a:r>
+              <a:rPr lang="ko-KR" altLang="en-US" dirty="0" smtClean="0"/>
+              <a:t>계좌번호</a:t>
+            </a:r>
+            <a:r>
+              <a:rPr lang="en-US" altLang="ko-KR" dirty="0" smtClean="0"/>
+              <a:t>, </a:t>
+            </a:r>
+            <a:r>
+              <a:rPr lang="ko-KR" altLang="en-US" dirty="0" smtClean="0"/>
+              <a:t>이름</a:t>
+            </a:r>
+            <a:r>
+              <a:rPr lang="en-US" altLang="ko-KR" dirty="0" smtClean="0"/>
+              <a:t>, </a:t>
+            </a:r>
+            <a:r>
+              <a:rPr lang="ko-KR" altLang="en-US" dirty="0" smtClean="0"/>
+              <a:t>입금액</a:t>
+            </a:r>
+            <a:endParaRPr lang="en-US" altLang="ko-KR" dirty="0" smtClean="0"/>
+          </a:p>
+        </p:txBody>
+      </p:sp>
+      <p:sp>
+        <p:nvSpPr>
+          <p:cNvPr id="26" name="직사각형 25"/>
+          <p:cNvSpPr/>
+          <p:nvPr/>
+        </p:nvSpPr>
+        <p:spPr>
+          <a:xfrm>
+            <a:off x="683568" y="2636912"/>
+            <a:ext cx="2744662" cy="1477328"/>
+          </a:xfrm>
+          <a:prstGeom prst="rect">
+            <a:avLst/>
+          </a:prstGeom>
+        </p:spPr>
+        <p:txBody>
+          <a:bodyPr wrap="none">
+            <a:spAutoFit/>
+          </a:bodyPr>
+          <a:lstStyle/>
+          <a:p>
+            <a:r>
+              <a:rPr lang="ko-KR" altLang="en-US" dirty="0" smtClean="0"/>
+              <a:t>프로시저</a:t>
+            </a:r>
+            <a:r>
+              <a:rPr lang="en-US" altLang="ko-KR" dirty="0" smtClean="0"/>
+              <a:t>2</a:t>
+            </a:r>
+            <a:endParaRPr lang="en-US" altLang="ko-KR" dirty="0" smtClean="0"/>
+          </a:p>
+          <a:p>
+            <a:endParaRPr lang="en-US" altLang="ko-KR" dirty="0" smtClean="0"/>
+          </a:p>
+          <a:p>
+            <a:r>
+              <a:rPr lang="ko-KR" altLang="en-US" dirty="0" smtClean="0"/>
+              <a:t>이름 </a:t>
+            </a:r>
+            <a:r>
+              <a:rPr lang="en-US" altLang="ko-KR" dirty="0" smtClean="0"/>
+              <a:t>: </a:t>
+            </a:r>
+            <a:r>
+              <a:rPr lang="en-US" altLang="ko-KR" dirty="0" err="1" smtClean="0"/>
+              <a:t>SelectAccount</a:t>
+            </a:r>
+            <a:endParaRPr lang="en-US" altLang="ko-KR" dirty="0" smtClean="0"/>
+          </a:p>
+          <a:p>
+            <a:r>
+              <a:rPr lang="en-US" altLang="ko-KR" dirty="0" smtClean="0"/>
+              <a:t>IN    : </a:t>
+            </a:r>
+            <a:r>
+              <a:rPr lang="ko-KR" altLang="en-US" dirty="0" smtClean="0"/>
+              <a:t>계좌번호</a:t>
+            </a:r>
+            <a:endParaRPr lang="en-US" altLang="ko-KR" dirty="0" smtClean="0"/>
+          </a:p>
+          <a:p>
+            <a:r>
+              <a:rPr lang="en-US" altLang="ko-KR" dirty="0" smtClean="0"/>
+              <a:t>OUT : </a:t>
+            </a:r>
+            <a:r>
+              <a:rPr lang="ko-KR" altLang="en-US" dirty="0" smtClean="0"/>
+              <a:t>이름</a:t>
+            </a:r>
+            <a:r>
+              <a:rPr lang="en-US" altLang="ko-KR" dirty="0" smtClean="0"/>
+              <a:t>, </a:t>
+            </a:r>
+            <a:r>
+              <a:rPr lang="ko-KR" altLang="en-US" dirty="0" smtClean="0"/>
+              <a:t>입금액</a:t>
+            </a:r>
+            <a:r>
+              <a:rPr lang="en-US" altLang="ko-KR" dirty="0" smtClean="0"/>
+              <a:t>, </a:t>
+            </a:r>
+            <a:r>
+              <a:rPr lang="ko-KR" altLang="en-US" dirty="0" smtClean="0"/>
+              <a:t>날짜</a:t>
+            </a:r>
+            <a:endParaRPr lang="en-US" altLang="ko-KR" dirty="0" smtClean="0"/>
+          </a:p>
+        </p:txBody>
+      </p:sp>
+      <p:sp>
+        <p:nvSpPr>
+          <p:cNvPr id="28" name="직사각형 27"/>
+          <p:cNvSpPr/>
+          <p:nvPr/>
+        </p:nvSpPr>
+        <p:spPr>
+          <a:xfrm>
+            <a:off x="539552" y="4437112"/>
+            <a:ext cx="2632452" cy="1200329"/>
+          </a:xfrm>
+          <a:prstGeom prst="rect">
+            <a:avLst/>
+          </a:prstGeom>
+        </p:spPr>
+        <p:txBody>
+          <a:bodyPr wrap="none">
+            <a:spAutoFit/>
+          </a:bodyPr>
+          <a:lstStyle/>
+          <a:p>
+            <a:r>
+              <a:rPr lang="ko-KR" altLang="en-US" dirty="0" smtClean="0"/>
+              <a:t>프로시저</a:t>
+            </a:r>
+            <a:r>
+              <a:rPr lang="en-US" altLang="ko-KR" dirty="0" smtClean="0"/>
+              <a:t>3</a:t>
+            </a:r>
+            <a:endParaRPr lang="en-US" altLang="ko-KR" dirty="0" smtClean="0"/>
+          </a:p>
+          <a:p>
+            <a:endParaRPr lang="en-US" altLang="ko-KR" dirty="0" smtClean="0"/>
+          </a:p>
+          <a:p>
+            <a:r>
+              <a:rPr lang="ko-KR" altLang="en-US" dirty="0" smtClean="0"/>
+              <a:t>이름 </a:t>
+            </a:r>
+            <a:r>
+              <a:rPr lang="en-US" altLang="ko-KR" dirty="0" smtClean="0"/>
+              <a:t>: </a:t>
+            </a:r>
+            <a:r>
+              <a:rPr lang="en-US" altLang="ko-KR" dirty="0" err="1" smtClean="0"/>
+              <a:t>Input</a:t>
+            </a:r>
+            <a:r>
+              <a:rPr lang="en-US" altLang="ko-KR" dirty="0" err="1" smtClean="0"/>
+              <a:t>Account</a:t>
+            </a:r>
+            <a:endParaRPr lang="en-US" altLang="ko-KR" dirty="0" smtClean="0"/>
+          </a:p>
+          <a:p>
+            <a:r>
+              <a:rPr lang="en-US" altLang="ko-KR" dirty="0" smtClean="0"/>
+              <a:t>IN    : </a:t>
+            </a:r>
+            <a:r>
+              <a:rPr lang="ko-KR" altLang="en-US" dirty="0" smtClean="0"/>
+              <a:t>계좌번호</a:t>
+            </a:r>
+            <a:r>
+              <a:rPr lang="en-US" altLang="ko-KR" dirty="0" smtClean="0"/>
+              <a:t>, </a:t>
+            </a:r>
+            <a:r>
+              <a:rPr lang="ko-KR" altLang="en-US" dirty="0" smtClean="0"/>
+              <a:t>입금액</a:t>
+            </a:r>
+            <a:endParaRPr lang="en-US" altLang="ko-KR" dirty="0" smtClean="0"/>
+          </a:p>
+        </p:txBody>
+      </p:sp>
+      <p:sp>
+        <p:nvSpPr>
+          <p:cNvPr id="29" name="직사각형 28"/>
+          <p:cNvSpPr/>
+          <p:nvPr/>
+        </p:nvSpPr>
+        <p:spPr>
+          <a:xfrm>
+            <a:off x="5292080" y="1052736"/>
+            <a:ext cx="2632452" cy="1200329"/>
+          </a:xfrm>
+          <a:prstGeom prst="rect">
+            <a:avLst/>
+          </a:prstGeom>
+        </p:spPr>
+        <p:txBody>
+          <a:bodyPr wrap="none">
+            <a:spAutoFit/>
+          </a:bodyPr>
+          <a:lstStyle/>
+          <a:p>
+            <a:r>
+              <a:rPr lang="ko-KR" altLang="en-US" dirty="0" smtClean="0"/>
+              <a:t>프로시저</a:t>
+            </a:r>
+            <a:r>
+              <a:rPr lang="en-US" altLang="ko-KR" dirty="0" smtClean="0"/>
+              <a:t>4</a:t>
+            </a:r>
+          </a:p>
+          <a:p>
+            <a:endParaRPr lang="en-US" altLang="ko-KR" dirty="0" smtClean="0"/>
+          </a:p>
+          <a:p>
+            <a:r>
+              <a:rPr lang="ko-KR" altLang="en-US" dirty="0" smtClean="0"/>
+              <a:t>이름 </a:t>
+            </a:r>
+            <a:r>
+              <a:rPr lang="en-US" altLang="ko-KR" dirty="0" smtClean="0"/>
+              <a:t>: </a:t>
+            </a:r>
+            <a:r>
+              <a:rPr lang="en-US" altLang="ko-KR" dirty="0" err="1" smtClean="0"/>
+              <a:t>Output</a:t>
+            </a:r>
+            <a:r>
+              <a:rPr lang="en-US" altLang="ko-KR" dirty="0" err="1" smtClean="0"/>
+              <a:t>Account</a:t>
+            </a:r>
+            <a:endParaRPr lang="en-US" altLang="ko-KR" dirty="0" smtClean="0"/>
+          </a:p>
+          <a:p>
+            <a:r>
+              <a:rPr lang="en-US" altLang="ko-KR" dirty="0" smtClean="0"/>
+              <a:t>IN    : </a:t>
+            </a:r>
+            <a:r>
+              <a:rPr lang="ko-KR" altLang="en-US" dirty="0" smtClean="0"/>
+              <a:t>계좌번호</a:t>
+            </a:r>
+            <a:r>
+              <a:rPr lang="en-US" altLang="ko-KR" dirty="0" smtClean="0"/>
+              <a:t>, </a:t>
+            </a:r>
+            <a:r>
+              <a:rPr lang="ko-KR" altLang="en-US" dirty="0" err="1" smtClean="0"/>
+              <a:t>출금</a:t>
+            </a:r>
+            <a:r>
+              <a:rPr lang="ko-KR" altLang="en-US" dirty="0" err="1" smtClean="0"/>
+              <a:t>액</a:t>
+            </a:r>
+            <a:endParaRPr lang="en-US" altLang="ko-KR" dirty="0" smtClean="0"/>
+          </a:p>
+        </p:txBody>
+      </p:sp>
+      <p:sp>
+        <p:nvSpPr>
+          <p:cNvPr id="30" name="직사각형 29"/>
+          <p:cNvSpPr/>
+          <p:nvPr/>
+        </p:nvSpPr>
+        <p:spPr>
+          <a:xfrm>
+            <a:off x="5436096" y="2852936"/>
+            <a:ext cx="2401619" cy="1200329"/>
+          </a:xfrm>
+          <a:prstGeom prst="rect">
+            <a:avLst/>
+          </a:prstGeom>
+        </p:spPr>
+        <p:txBody>
+          <a:bodyPr wrap="none">
+            <a:spAutoFit/>
+          </a:bodyPr>
+          <a:lstStyle/>
+          <a:p>
+            <a:r>
+              <a:rPr lang="ko-KR" altLang="en-US" dirty="0" smtClean="0"/>
+              <a:t>프로시저</a:t>
+            </a:r>
+            <a:r>
+              <a:rPr lang="en-US" altLang="ko-KR" dirty="0" smtClean="0"/>
+              <a:t>4</a:t>
+            </a:r>
+          </a:p>
+          <a:p>
+            <a:endParaRPr lang="en-US" altLang="ko-KR" dirty="0" smtClean="0"/>
+          </a:p>
+          <a:p>
+            <a:r>
+              <a:rPr lang="ko-KR" altLang="en-US" dirty="0" smtClean="0"/>
+              <a:t>이름 </a:t>
+            </a:r>
+            <a:r>
+              <a:rPr lang="en-US" altLang="ko-KR" dirty="0" smtClean="0"/>
+              <a:t>: </a:t>
+            </a:r>
+            <a:r>
+              <a:rPr lang="en-US" altLang="ko-KR" dirty="0" err="1" smtClean="0"/>
+              <a:t>DeleteAccount</a:t>
+            </a:r>
+            <a:endParaRPr lang="en-US" altLang="ko-KR" dirty="0" smtClean="0"/>
+          </a:p>
+          <a:p>
+            <a:r>
+              <a:rPr lang="en-US" altLang="ko-KR" dirty="0" smtClean="0"/>
+              <a:t>IN    : </a:t>
+            </a:r>
+            <a:r>
+              <a:rPr lang="ko-KR" altLang="en-US" dirty="0" smtClean="0"/>
+              <a:t>계좌번호</a:t>
+            </a:r>
+            <a:endParaRPr lang="en-US" altLang="ko-KR" dirty="0" smtClean="0"/>
           </a:p>
         </p:txBody>
       </p:sp>
